--- a/ClassMaterials/2DArraysAndMaps/Slides/2D Arrays and Maps.pptx
+++ b/ClassMaterials/2DArraysAndMaps/Slides/2D Arrays and Maps.pptx
@@ -317,7 +317,7 @@
               <a:pPr>
                 <a:defRPr/>
               </a:pPr>
-              <a:t>3/7/2018</a:t>
+              <a:t>12/4/19</a:t>
             </a:fld>
             <a:endParaRPr lang="en-US"/>
           </a:p>
@@ -552,7 +552,7 @@
               <a:pPr>
                 <a:defRPr/>
               </a:pPr>
-              <a:t>3/7/2018</a:t>
+              <a:t>12/4/19</a:t>
             </a:fld>
             <a:endParaRPr lang="en-US"/>
           </a:p>
@@ -628,39 +628,37 @@
           <a:p>
             <a:pPr lvl="0"/>
             <a:r>
-              <a:rPr lang="en-US" noProof="0" smtClean="0"/>
+              <a:rPr lang="en-US" noProof="0"/>
               <a:t>Click to edit Master text styles</a:t>
             </a:r>
-            <a:endParaRPr lang="en-US" noProof="0"/>
           </a:p>
           <a:p>
             <a:pPr lvl="1"/>
             <a:r>
-              <a:rPr lang="en-US" noProof="0" smtClean="0"/>
+              <a:rPr lang="en-US" noProof="0"/>
               <a:t>Second level</a:t>
             </a:r>
           </a:p>
           <a:p>
             <a:pPr lvl="2"/>
             <a:r>
-              <a:rPr lang="en-US" noProof="0" smtClean="0"/>
+              <a:rPr lang="en-US" noProof="0"/>
               <a:t>Third level</a:t>
             </a:r>
           </a:p>
           <a:p>
             <a:pPr lvl="3"/>
             <a:r>
-              <a:rPr lang="en-US" noProof="0" smtClean="0"/>
+              <a:rPr lang="en-US" noProof="0"/>
               <a:t>Fourth level</a:t>
             </a:r>
           </a:p>
           <a:p>
             <a:pPr lvl="4"/>
             <a:r>
-              <a:rPr lang="en-US" noProof="0" smtClean="0"/>
+              <a:rPr lang="en-US" noProof="0"/>
               <a:t>Fifth level</a:t>
             </a:r>
-            <a:endParaRPr lang="en-US" noProof="0"/>
           </a:p>
         </p:txBody>
       </p:sp>
@@ -961,11 +959,11 @@
               </a:spcBef>
             </a:pPr>
             <a:r>
-              <a:rPr lang="en-US" dirty="0" smtClean="0"/>
+              <a:rPr lang="en-US" dirty="0"/>
               <a:t>Bring hard copy of code from 2DArraysAndMapsS</a:t>
             </a:r>
             <a:r>
-              <a:rPr lang="en-US" baseline="0" dirty="0" smtClean="0"/>
+              <a:rPr lang="en-US" baseline="0" dirty="0"/>
               <a:t>olution.</a:t>
             </a:r>
           </a:p>
@@ -976,7 +974,7 @@
               </a:spcBef>
             </a:pPr>
             <a:r>
-              <a:rPr lang="en-US" baseline="0" dirty="0" smtClean="0"/>
+              <a:rPr lang="en-US" baseline="0" dirty="0"/>
               <a:t>Bring copies of 2DArraysAndMapsSamples from Instructor Resources.</a:t>
             </a:r>
           </a:p>
@@ -1004,7 +1002,7 @@
               <a:pPr/>
               <a:t>1</a:t>
             </a:fld>
-            <a:endParaRPr lang="en-US" smtClean="0"/>
+            <a:endParaRPr lang="en-US"/>
           </a:p>
         </p:txBody>
       </p:sp>
@@ -1066,15 +1064,15 @@
           <a:lstStyle/>
           <a:p>
             <a:r>
-              <a:rPr lang="en-US" dirty="0" smtClean="0"/>
+              <a:rPr lang="en-US" dirty="0"/>
               <a:t>For good measure, I will start this one from scratch just so they</a:t>
             </a:r>
             <a:r>
-              <a:rPr lang="en-US" baseline="0" dirty="0" smtClean="0"/>
+              <a:rPr lang="en-US" baseline="0" dirty="0"/>
               <a:t> will see it from the ground up (I like them to see it from scratch sometimes, but it appears in </a:t>
             </a:r>
             <a:r>
-              <a:rPr lang="en-US" baseline="0" smtClean="0"/>
+              <a:rPr lang="en-US" baseline="0"/>
               <a:t>the solution set).</a:t>
             </a:r>
             <a:endParaRPr lang="en-US"/>
@@ -1168,17 +1166,17 @@
           <a:lstStyle/>
           <a:p>
             <a:r>
-              <a:rPr lang="en-US" dirty="0" smtClean="0"/>
+              <a:rPr lang="en-US" dirty="0"/>
               <a:t>Once groups are finished, ask them to work on the array problems from SVN</a:t>
             </a:r>
           </a:p>
           <a:p>
             <a:r>
-              <a:rPr lang="en-US" dirty="0" smtClean="0"/>
+              <a:rPr lang="en-US" dirty="0"/>
               <a:t>Once</a:t>
             </a:r>
             <a:r>
-              <a:rPr lang="en-US" baseline="0" dirty="0" smtClean="0"/>
+              <a:rPr lang="en-US" baseline="0" dirty="0"/>
               <a:t> enough groups are finished, review the quiz questions and pint class to the cheat sheet</a:t>
             </a:r>
             <a:endParaRPr lang="en-US" dirty="0"/>
@@ -1272,10 +1270,9 @@
           <a:lstStyle/>
           <a:p>
             <a:r>
-              <a:rPr lang="en-US" dirty="0" smtClean="0"/>
+              <a:rPr lang="en-US" dirty="0"/>
               <a:t>Most time will be spent on the last two items</a:t>
             </a:r>
-            <a:endParaRPr lang="en-US" dirty="0"/>
           </a:p>
         </p:txBody>
       </p:sp>
@@ -1366,11 +1363,11 @@
           <a:lstStyle/>
           <a:p>
             <a:r>
-              <a:rPr lang="en-US" dirty="0" smtClean="0"/>
+              <a:rPr lang="en-US" dirty="0"/>
               <a:t>When individual assignment, pair programming</a:t>
             </a:r>
             <a:r>
-              <a:rPr lang="en-US" baseline="0" dirty="0" smtClean="0"/>
+              <a:rPr lang="en-US" baseline="0" dirty="0"/>
               <a:t> is not allowed!</a:t>
             </a:r>
             <a:endParaRPr lang="en-US" dirty="0"/>
@@ -1464,19 +1461,18 @@
           <a:lstStyle/>
           <a:p>
             <a:r>
-              <a:rPr lang="en-US" dirty="0" smtClean="0"/>
+              <a:rPr lang="en-US" dirty="0"/>
               <a:t>More vague than top OK</a:t>
             </a:r>
           </a:p>
           <a:p>
-            <a:endParaRPr lang="en-US" dirty="0" smtClean="0"/>
-          </a:p>
-          <a:p>
-            <a:r>
-              <a:rPr lang="en-US" dirty="0" smtClean="0"/>
+            <a:endParaRPr lang="en-US" dirty="0"/>
+          </a:p>
+          <a:p>
+            <a:r>
+              <a:rPr lang="en-US" dirty="0"/>
               <a:t>Less vague than bottom, NOT OK!</a:t>
             </a:r>
-            <a:endParaRPr lang="en-US" dirty="0"/>
           </a:p>
         </p:txBody>
       </p:sp>
@@ -1567,50 +1563,50 @@
           <a:lstStyle/>
           <a:p>
             <a:r>
-              <a:rPr lang="en-US" dirty="0" smtClean="0"/>
+              <a:rPr lang="en-US" dirty="0"/>
               <a:t>Exam, just immediately F</a:t>
             </a:r>
           </a:p>
           <a:p>
             <a:r>
-              <a:rPr lang="en-US" dirty="0" smtClean="0"/>
+              <a:rPr lang="en-US" dirty="0"/>
               <a:t>Worse</a:t>
             </a:r>
             <a:r>
-              <a:rPr lang="en-US" baseline="0" dirty="0" smtClean="0"/>
+              <a:rPr lang="en-US" baseline="0" dirty="0"/>
               <a:t> than a 0% actually negative 100%</a:t>
             </a:r>
           </a:p>
           <a:p>
             <a:r>
-              <a:rPr lang="en-US" baseline="0" dirty="0" smtClean="0"/>
+              <a:rPr lang="en-US" baseline="0" dirty="0"/>
               <a:t>1 or 2 lines from </a:t>
             </a:r>
             <a:r>
-              <a:rPr lang="en-US" baseline="0" dirty="0" err="1" smtClean="0"/>
+              <a:rPr lang="en-US" baseline="0" dirty="0" err="1"/>
               <a:t>stackoverflow</a:t>
             </a:r>
             <a:r>
-              <a:rPr lang="en-US" baseline="0" dirty="0" smtClean="0"/>
+              <a:rPr lang="en-US" baseline="0" dirty="0"/>
               <a:t> is ok, but not 8-10</a:t>
             </a:r>
           </a:p>
           <a:p>
             <a:r>
-              <a:rPr lang="en-US" baseline="0" dirty="0" smtClean="0"/>
+              <a:rPr lang="en-US" baseline="0" dirty="0"/>
               <a:t>Its ok to ask for help when you have one small thing.</a:t>
             </a:r>
           </a:p>
           <a:p>
             <a:r>
-              <a:rPr lang="en-US" baseline="0" dirty="0" smtClean="0"/>
+              <a:rPr lang="en-US" baseline="0" dirty="0"/>
               <a:t>Unlimited help with Eclipse SVN tools </a:t>
             </a:r>
             <a:r>
-              <a:rPr lang="en-US" baseline="0" dirty="0" err="1" smtClean="0"/>
+              <a:rPr lang="en-US" baseline="0" dirty="0" err="1"/>
               <a:t>etc</a:t>
             </a:r>
-            <a:endParaRPr lang="en-US" dirty="0" smtClean="0"/>
+            <a:endParaRPr lang="en-US" dirty="0"/>
           </a:p>
           <a:p>
             <a:endParaRPr lang="en-US" dirty="0"/>
@@ -1871,19 +1867,10 @@
                 <a:cs typeface="Calibri"/>
                 <a:sym typeface="Calibri"/>
               </a:rPr>
-              <a:t>We CAN’T MODIFY the element and stick it back in the array</a:t>
-            </a:r>
-            <a:r>
-              <a:rPr sz="1200" dirty="0" smtClean="0">
-                <a:latin typeface="Calibri"/>
-                <a:ea typeface="Calibri"/>
-                <a:cs typeface="Calibri"/>
-                <a:sym typeface="Calibri"/>
-              </a:rPr>
-              <a:t>.</a:t>
-            </a:r>
-            <a:r>
-              <a:rPr lang="en-US" sz="1200" dirty="0" smtClean="0">
+              <a:t>We CAN’T MODIFY the element and stick it back in the array.</a:t>
+            </a:r>
+            <a:r>
+              <a:rPr lang="en-US" sz="1200" dirty="0">
                 <a:latin typeface="Calibri"/>
                 <a:ea typeface="Calibri"/>
                 <a:cs typeface="Calibri"/>
@@ -1892,7 +1879,7 @@
               <a:t>  CONCURRENT</a:t>
             </a:r>
             <a:r>
-              <a:rPr lang="en-US" sz="1200" baseline="0" dirty="0" smtClean="0">
+              <a:rPr lang="en-US" sz="1200" baseline="0" dirty="0">
                 <a:latin typeface="Calibri"/>
                 <a:ea typeface="Calibri"/>
                 <a:cs typeface="Calibri"/>
@@ -1967,17 +1954,17 @@
           <a:lstStyle/>
           <a:p>
             <a:r>
-              <a:rPr lang="en-US" dirty="0" smtClean="0"/>
+              <a:rPr lang="en-US" dirty="0"/>
               <a:t>Once groups are finished, ask them to work on the array problems from SVN</a:t>
             </a:r>
           </a:p>
           <a:p>
             <a:r>
-              <a:rPr lang="en-US" dirty="0" smtClean="0"/>
+              <a:rPr lang="en-US" dirty="0"/>
               <a:t>Once</a:t>
             </a:r>
             <a:r>
-              <a:rPr lang="en-US" baseline="0" dirty="0" smtClean="0"/>
+              <a:rPr lang="en-US" baseline="0" dirty="0"/>
               <a:t> enough groups are finished, review the quiz questions and refer students to the cheat sheet</a:t>
             </a:r>
             <a:endParaRPr lang="en-US" dirty="0"/>
@@ -2071,20 +2058,20 @@
           <a:lstStyle/>
           <a:p>
             <a:r>
-              <a:rPr lang="en-US" dirty="0" smtClean="0"/>
+              <a:rPr lang="en-US" dirty="0"/>
               <a:t>Example:   counting the words in constitution,</a:t>
             </a:r>
             <a:r>
-              <a:rPr lang="en-US" baseline="0" dirty="0" smtClean="0"/>
+              <a:rPr lang="en-US" baseline="0" dirty="0"/>
               <a:t> keep track of the occurrences of each word in the document</a:t>
             </a:r>
           </a:p>
           <a:p>
-            <a:endParaRPr lang="en-US" baseline="0" dirty="0" smtClean="0"/>
-          </a:p>
-          <a:p>
-            <a:r>
-              <a:rPr lang="en-US" baseline="0" dirty="0" smtClean="0"/>
+            <a:endParaRPr lang="en-US" baseline="0" dirty="0"/>
+          </a:p>
+          <a:p>
+            <a:r>
+              <a:rPr lang="en-US" baseline="0" dirty="0"/>
               <a:t>Each String should map to some integer!</a:t>
             </a:r>
           </a:p>
@@ -2180,61 +2167,57 @@
           <a:lstStyle/>
           <a:p>
             <a:r>
-              <a:rPr lang="en-US" dirty="0" smtClean="0"/>
+              <a:rPr lang="en-US" dirty="0"/>
               <a:t>Draw table on the board showing username to students and attempt to look a student up by their username… if we had an</a:t>
             </a:r>
             <a:r>
-              <a:rPr lang="en-US" baseline="0" dirty="0" smtClean="0"/>
+              <a:rPr lang="en-US" baseline="0" dirty="0"/>
               <a:t> </a:t>
             </a:r>
             <a:r>
-              <a:rPr lang="en-US" baseline="0" dirty="0" err="1" smtClean="0"/>
+              <a:rPr lang="en-US" baseline="0" dirty="0" err="1"/>
               <a:t>ArrayList</a:t>
             </a:r>
             <a:r>
-              <a:rPr lang="en-US" baseline="0" dirty="0" smtClean="0"/>
+              <a:rPr lang="en-US" baseline="0" dirty="0"/>
               <a:t> of students we’d have to loop through each and compare the username to find the student we wanted, but if we have them in a </a:t>
             </a:r>
             <a:r>
-              <a:rPr lang="en-US" baseline="0" dirty="0" err="1" smtClean="0"/>
+              <a:rPr lang="en-US" baseline="0" dirty="0" err="1"/>
               <a:t>HashMap</a:t>
             </a:r>
             <a:r>
-              <a:rPr lang="en-US" baseline="0" dirty="0" smtClean="0"/>
-              <a:t>, we just have to look them up by their username. Makes the code simpler and </a:t>
-            </a:r>
-            <a:r>
-              <a:rPr lang="en-US" baseline="0" dirty="0" smtClean="0"/>
-              <a:t>faster</a:t>
-            </a:r>
-          </a:p>
-          <a:p>
-            <a:endParaRPr lang="en-US" baseline="0" dirty="0" smtClean="0"/>
-          </a:p>
-          <a:p>
-            <a:r>
-              <a:rPr lang="en-US" baseline="0" dirty="0" smtClean="0"/>
+              <a:rPr lang="en-US" baseline="0" dirty="0"/>
+              <a:t>, we just have to look them up by their username. Makes the code simpler and faster</a:t>
+            </a:r>
+          </a:p>
+          <a:p>
+            <a:endParaRPr lang="en-US" baseline="0" dirty="0"/>
+          </a:p>
+          <a:p>
+            <a:r>
+              <a:rPr lang="en-US" baseline="0" dirty="0"/>
               <a:t>Angle brackets similar to?? </a:t>
             </a:r>
             <a:r>
-              <a:rPr lang="en-US" baseline="0" dirty="0" err="1" smtClean="0"/>
+              <a:rPr lang="en-US" baseline="0" dirty="0" err="1"/>
               <a:t>ArrayList</a:t>
             </a:r>
-            <a:endParaRPr lang="en-US" baseline="0" dirty="0" smtClean="0"/>
-          </a:p>
-          <a:p>
-            <a:endParaRPr lang="en-US" baseline="0" dirty="0" smtClean="0"/>
-          </a:p>
-          <a:p>
-            <a:r>
-              <a:rPr lang="en-US" baseline="0" dirty="0" err="1" smtClean="0"/>
+            <a:endParaRPr lang="en-US" baseline="0" dirty="0"/>
+          </a:p>
+          <a:p>
+            <a:endParaRPr lang="en-US" baseline="0" dirty="0"/>
+          </a:p>
+          <a:p>
+            <a:r>
+              <a:rPr lang="en-US" baseline="0" dirty="0" err="1"/>
               <a:t>HashMap</a:t>
             </a:r>
             <a:r>
-              <a:rPr lang="en-US" baseline="0" dirty="0" smtClean="0"/>
+              <a:rPr lang="en-US" baseline="0" dirty="0"/>
               <a:t> very common.  Has TWO TYPES? Why?</a:t>
             </a:r>
-            <a:endParaRPr lang="en-US" dirty="0" smtClean="0"/>
+            <a:endParaRPr lang="en-US" dirty="0"/>
           </a:p>
           <a:p>
             <a:endParaRPr lang="en-US" dirty="0"/>
@@ -2321,10 +2304,9 @@
           <a:lstStyle/>
           <a:p>
             <a:r>
-              <a:rPr lang="en-US" smtClean="0"/>
+              <a:rPr lang="en-US"/>
               <a:t>Click to edit Master title style</a:t>
             </a:r>
-            <a:endParaRPr lang="en-US"/>
           </a:p>
         </p:txBody>
       </p:sp>
@@ -2440,10 +2422,9 @@
           </a:lstStyle>
           <a:p>
             <a:r>
-              <a:rPr lang="en-US" smtClean="0"/>
+              <a:rPr lang="en-US"/>
               <a:t>Click to edit Master subtitle style</a:t>
             </a:r>
-            <a:endParaRPr lang="en-US"/>
           </a:p>
         </p:txBody>
       </p:sp>
@@ -2470,7 +2451,7 @@
               <a:pPr>
                 <a:defRPr/>
               </a:pPr>
-              <a:t>Wednesday, March 7, 2018</a:t>
+              <a:t>Wednesday, December 4, 2019</a:t>
             </a:fld>
             <a:endParaRPr lang="en-US" dirty="0"/>
           </a:p>
@@ -2573,10 +2554,9 @@
           <a:lstStyle/>
           <a:p>
             <a:r>
-              <a:rPr lang="en-US" smtClean="0"/>
+              <a:rPr lang="en-US"/>
               <a:t>Click to edit Master title style</a:t>
             </a:r>
-            <a:endParaRPr lang="en-US"/>
           </a:p>
         </p:txBody>
       </p:sp>
@@ -2597,38 +2577,37 @@
           <a:p>
             <a:pPr lvl="0"/>
             <a:r>
-              <a:rPr lang="en-US" smtClean="0"/>
+              <a:rPr lang="en-US"/>
               <a:t>Click to edit Master text styles</a:t>
             </a:r>
           </a:p>
           <a:p>
             <a:pPr lvl="1"/>
             <a:r>
-              <a:rPr lang="en-US" smtClean="0"/>
+              <a:rPr lang="en-US"/>
               <a:t>Second level</a:t>
             </a:r>
           </a:p>
           <a:p>
             <a:pPr lvl="2"/>
             <a:r>
-              <a:rPr lang="en-US" smtClean="0"/>
+              <a:rPr lang="en-US"/>
               <a:t>Third level</a:t>
             </a:r>
           </a:p>
           <a:p>
             <a:pPr lvl="3"/>
             <a:r>
-              <a:rPr lang="en-US" smtClean="0"/>
+              <a:rPr lang="en-US"/>
               <a:t>Fourth level</a:t>
             </a:r>
           </a:p>
           <a:p>
             <a:pPr lvl="4"/>
             <a:r>
-              <a:rPr lang="en-US" smtClean="0"/>
+              <a:rPr lang="en-US"/>
               <a:t>Fifth level</a:t>
             </a:r>
-            <a:endParaRPr lang="en-US"/>
           </a:p>
         </p:txBody>
       </p:sp>
@@ -2655,7 +2634,7 @@
               <a:pPr>
                 <a:defRPr/>
               </a:pPr>
-              <a:t>Wednesday, March 7, 2018</a:t>
+              <a:t>Wednesday, December 4, 2019</a:t>
             </a:fld>
             <a:endParaRPr lang="en-US" dirty="0"/>
           </a:p>
@@ -2763,10 +2742,9 @@
           <a:lstStyle/>
           <a:p>
             <a:r>
-              <a:rPr lang="en-US" smtClean="0"/>
+              <a:rPr lang="en-US"/>
               <a:t>Click to edit Master title style</a:t>
             </a:r>
-            <a:endParaRPr lang="en-US"/>
           </a:p>
         </p:txBody>
       </p:sp>
@@ -2792,38 +2770,37 @@
           <a:p>
             <a:pPr lvl="0"/>
             <a:r>
-              <a:rPr lang="en-US" smtClean="0"/>
+              <a:rPr lang="en-US"/>
               <a:t>Click to edit Master text styles</a:t>
             </a:r>
           </a:p>
           <a:p>
             <a:pPr lvl="1"/>
             <a:r>
-              <a:rPr lang="en-US" smtClean="0"/>
+              <a:rPr lang="en-US"/>
               <a:t>Second level</a:t>
             </a:r>
           </a:p>
           <a:p>
             <a:pPr lvl="2"/>
             <a:r>
-              <a:rPr lang="en-US" smtClean="0"/>
+              <a:rPr lang="en-US"/>
               <a:t>Third level</a:t>
             </a:r>
           </a:p>
           <a:p>
             <a:pPr lvl="3"/>
             <a:r>
-              <a:rPr lang="en-US" smtClean="0"/>
+              <a:rPr lang="en-US"/>
               <a:t>Fourth level</a:t>
             </a:r>
           </a:p>
           <a:p>
             <a:pPr lvl="4"/>
             <a:r>
-              <a:rPr lang="en-US" smtClean="0"/>
+              <a:rPr lang="en-US"/>
               <a:t>Fifth level</a:t>
             </a:r>
-            <a:endParaRPr lang="en-US"/>
           </a:p>
         </p:txBody>
       </p:sp>
@@ -2850,7 +2827,7 @@
               <a:pPr>
                 <a:defRPr/>
               </a:pPr>
-              <a:t>Wednesday, March 7, 2018</a:t>
+              <a:t>Wednesday, December 4, 2019</a:t>
             </a:fld>
             <a:endParaRPr lang="en-US" dirty="0"/>
           </a:p>
@@ -2953,10 +2930,9 @@
           <a:lstStyle/>
           <a:p>
             <a:r>
-              <a:rPr lang="en-US" smtClean="0"/>
+              <a:rPr lang="en-US"/>
               <a:t>Click to edit Master title style</a:t>
             </a:r>
-            <a:endParaRPr lang="en-US"/>
           </a:p>
         </p:txBody>
       </p:sp>
@@ -2977,38 +2953,37 @@
           <a:p>
             <a:pPr lvl="0"/>
             <a:r>
-              <a:rPr lang="en-US" smtClean="0"/>
+              <a:rPr lang="en-US"/>
               <a:t>Click to edit Master text styles</a:t>
             </a:r>
           </a:p>
           <a:p>
             <a:pPr lvl="1"/>
             <a:r>
-              <a:rPr lang="en-US" smtClean="0"/>
+              <a:rPr lang="en-US"/>
               <a:t>Second level</a:t>
             </a:r>
           </a:p>
           <a:p>
             <a:pPr lvl="2"/>
             <a:r>
-              <a:rPr lang="en-US" smtClean="0"/>
+              <a:rPr lang="en-US"/>
               <a:t>Third level</a:t>
             </a:r>
           </a:p>
           <a:p>
             <a:pPr lvl="3"/>
             <a:r>
-              <a:rPr lang="en-US" smtClean="0"/>
+              <a:rPr lang="en-US"/>
               <a:t>Fourth level</a:t>
             </a:r>
           </a:p>
           <a:p>
             <a:pPr lvl="4"/>
             <a:r>
-              <a:rPr lang="en-US" smtClean="0"/>
+              <a:rPr lang="en-US"/>
               <a:t>Fifth level</a:t>
             </a:r>
-            <a:endParaRPr lang="en-US"/>
           </a:p>
         </p:txBody>
       </p:sp>
@@ -3035,7 +3010,7 @@
               <a:pPr>
                 <a:defRPr/>
               </a:pPr>
-              <a:t>Wednesday, March 7, 2018</a:t>
+              <a:t>Wednesday, December 4, 2019</a:t>
             </a:fld>
             <a:endParaRPr lang="en-US" dirty="0"/>
           </a:p>
@@ -3147,10 +3122,9 @@
           </a:lstStyle>
           <a:p>
             <a:r>
-              <a:rPr lang="en-US" smtClean="0"/>
+              <a:rPr lang="en-US"/>
               <a:t>Click to edit Master title style</a:t>
             </a:r>
-            <a:endParaRPr lang="en-US"/>
           </a:p>
         </p:txBody>
       </p:sp>
@@ -3267,7 +3241,7 @@
           <a:p>
             <a:pPr lvl="0"/>
             <a:r>
-              <a:rPr lang="en-US" smtClean="0"/>
+              <a:rPr lang="en-US"/>
               <a:t>Click to edit Master text styles</a:t>
             </a:r>
           </a:p>
@@ -3296,7 +3270,7 @@
               <a:pPr>
                 <a:defRPr/>
               </a:pPr>
-              <a:t>Wednesday, March 7, 2018</a:t>
+              <a:t>Wednesday, December 4, 2019</a:t>
             </a:fld>
             <a:endParaRPr lang="en-US"/>
           </a:p>
@@ -3399,10 +3373,9 @@
           <a:lstStyle/>
           <a:p>
             <a:r>
-              <a:rPr lang="en-US" smtClean="0"/>
+              <a:rPr lang="en-US"/>
               <a:t>Click to edit Master title style</a:t>
             </a:r>
-            <a:endParaRPr lang="en-US"/>
           </a:p>
         </p:txBody>
       </p:sp>
@@ -3456,38 +3429,37 @@
           <a:p>
             <a:pPr lvl="0"/>
             <a:r>
-              <a:rPr lang="en-US" smtClean="0"/>
+              <a:rPr lang="en-US"/>
               <a:t>Click to edit Master text styles</a:t>
             </a:r>
           </a:p>
           <a:p>
             <a:pPr lvl="1"/>
             <a:r>
-              <a:rPr lang="en-US" smtClean="0"/>
+              <a:rPr lang="en-US"/>
               <a:t>Second level</a:t>
             </a:r>
           </a:p>
           <a:p>
             <a:pPr lvl="2"/>
             <a:r>
-              <a:rPr lang="en-US" smtClean="0"/>
+              <a:rPr lang="en-US"/>
               <a:t>Third level</a:t>
             </a:r>
           </a:p>
           <a:p>
             <a:pPr lvl="3"/>
             <a:r>
-              <a:rPr lang="en-US" smtClean="0"/>
+              <a:rPr lang="en-US"/>
               <a:t>Fourth level</a:t>
             </a:r>
           </a:p>
           <a:p>
             <a:pPr lvl="4"/>
             <a:r>
-              <a:rPr lang="en-US" smtClean="0"/>
+              <a:rPr lang="en-US"/>
               <a:t>Fifth level</a:t>
             </a:r>
-            <a:endParaRPr lang="en-US"/>
           </a:p>
         </p:txBody>
       </p:sp>
@@ -3541,38 +3513,37 @@
           <a:p>
             <a:pPr lvl="0"/>
             <a:r>
-              <a:rPr lang="en-US" smtClean="0"/>
+              <a:rPr lang="en-US"/>
               <a:t>Click to edit Master text styles</a:t>
             </a:r>
           </a:p>
           <a:p>
             <a:pPr lvl="1"/>
             <a:r>
-              <a:rPr lang="en-US" smtClean="0"/>
+              <a:rPr lang="en-US"/>
               <a:t>Second level</a:t>
             </a:r>
           </a:p>
           <a:p>
             <a:pPr lvl="2"/>
             <a:r>
-              <a:rPr lang="en-US" smtClean="0"/>
+              <a:rPr lang="en-US"/>
               <a:t>Third level</a:t>
             </a:r>
           </a:p>
           <a:p>
             <a:pPr lvl="3"/>
             <a:r>
-              <a:rPr lang="en-US" smtClean="0"/>
+              <a:rPr lang="en-US"/>
               <a:t>Fourth level</a:t>
             </a:r>
           </a:p>
           <a:p>
             <a:pPr lvl="4"/>
             <a:r>
-              <a:rPr lang="en-US" smtClean="0"/>
+              <a:rPr lang="en-US"/>
               <a:t>Fifth level</a:t>
             </a:r>
-            <a:endParaRPr lang="en-US"/>
           </a:p>
         </p:txBody>
       </p:sp>
@@ -3599,7 +3570,7 @@
               <a:pPr>
                 <a:defRPr/>
               </a:pPr>
-              <a:t>Wednesday, March 7, 2018</a:t>
+              <a:t>Wednesday, December 4, 2019</a:t>
             </a:fld>
             <a:endParaRPr lang="en-US"/>
           </a:p>
@@ -3706,10 +3677,9 @@
           </a:lstStyle>
           <a:p>
             <a:r>
-              <a:rPr lang="en-US" smtClean="0"/>
+              <a:rPr lang="en-US"/>
               <a:t>Click to edit Master title style</a:t>
             </a:r>
-            <a:endParaRPr lang="en-US"/>
           </a:p>
         </p:txBody>
       </p:sp>
@@ -3772,7 +3742,7 @@
           <a:p>
             <a:pPr lvl="0"/>
             <a:r>
-              <a:rPr lang="en-US" smtClean="0"/>
+              <a:rPr lang="en-US"/>
               <a:t>Click to edit Master text styles</a:t>
             </a:r>
           </a:p>
@@ -3828,38 +3798,37 @@
           <a:p>
             <a:pPr lvl="0"/>
             <a:r>
-              <a:rPr lang="en-US" smtClean="0"/>
+              <a:rPr lang="en-US"/>
               <a:t>Click to edit Master text styles</a:t>
             </a:r>
           </a:p>
           <a:p>
             <a:pPr lvl="1"/>
             <a:r>
-              <a:rPr lang="en-US" smtClean="0"/>
+              <a:rPr lang="en-US"/>
               <a:t>Second level</a:t>
             </a:r>
           </a:p>
           <a:p>
             <a:pPr lvl="2"/>
             <a:r>
-              <a:rPr lang="en-US" smtClean="0"/>
+              <a:rPr lang="en-US"/>
               <a:t>Third level</a:t>
             </a:r>
           </a:p>
           <a:p>
             <a:pPr lvl="3"/>
             <a:r>
-              <a:rPr lang="en-US" smtClean="0"/>
+              <a:rPr lang="en-US"/>
               <a:t>Fourth level</a:t>
             </a:r>
           </a:p>
           <a:p>
             <a:pPr lvl="4"/>
             <a:r>
-              <a:rPr lang="en-US" smtClean="0"/>
+              <a:rPr lang="en-US"/>
               <a:t>Fifth level</a:t>
             </a:r>
-            <a:endParaRPr lang="en-US"/>
           </a:p>
         </p:txBody>
       </p:sp>
@@ -3922,7 +3891,7 @@
           <a:p>
             <a:pPr lvl="0"/>
             <a:r>
-              <a:rPr lang="en-US" smtClean="0"/>
+              <a:rPr lang="en-US"/>
               <a:t>Click to edit Master text styles</a:t>
             </a:r>
           </a:p>
@@ -3978,38 +3947,37 @@
           <a:p>
             <a:pPr lvl="0"/>
             <a:r>
-              <a:rPr lang="en-US" smtClean="0"/>
+              <a:rPr lang="en-US"/>
               <a:t>Click to edit Master text styles</a:t>
             </a:r>
           </a:p>
           <a:p>
             <a:pPr lvl="1"/>
             <a:r>
-              <a:rPr lang="en-US" smtClean="0"/>
+              <a:rPr lang="en-US"/>
               <a:t>Second level</a:t>
             </a:r>
           </a:p>
           <a:p>
             <a:pPr lvl="2"/>
             <a:r>
-              <a:rPr lang="en-US" smtClean="0"/>
+              <a:rPr lang="en-US"/>
               <a:t>Third level</a:t>
             </a:r>
           </a:p>
           <a:p>
             <a:pPr lvl="3"/>
             <a:r>
-              <a:rPr lang="en-US" smtClean="0"/>
+              <a:rPr lang="en-US"/>
               <a:t>Fourth level</a:t>
             </a:r>
           </a:p>
           <a:p>
             <a:pPr lvl="4"/>
             <a:r>
-              <a:rPr lang="en-US" smtClean="0"/>
+              <a:rPr lang="en-US"/>
               <a:t>Fifth level</a:t>
             </a:r>
-            <a:endParaRPr lang="en-US"/>
           </a:p>
         </p:txBody>
       </p:sp>
@@ -4036,7 +4004,7 @@
               <a:pPr>
                 <a:defRPr/>
               </a:pPr>
-              <a:t>Wednesday, March 7, 2018</a:t>
+              <a:t>Wednesday, December 4, 2019</a:t>
             </a:fld>
             <a:endParaRPr lang="en-US"/>
           </a:p>
@@ -4139,10 +4107,9 @@
           <a:lstStyle/>
           <a:p>
             <a:r>
-              <a:rPr lang="en-US" smtClean="0"/>
+              <a:rPr lang="en-US"/>
               <a:t>Click to edit Master title style</a:t>
             </a:r>
-            <a:endParaRPr lang="en-US"/>
           </a:p>
         </p:txBody>
       </p:sp>
@@ -4169,7 +4136,7 @@
               <a:pPr>
                 <a:defRPr/>
               </a:pPr>
-              <a:t>Wednesday, March 7, 2018</a:t>
+              <a:t>Wednesday, December 4, 2019</a:t>
             </a:fld>
             <a:endParaRPr lang="en-US"/>
           </a:p>
@@ -4279,7 +4246,7 @@
               <a:pPr>
                 <a:defRPr/>
               </a:pPr>
-              <a:t>Wednesday, March 7, 2018</a:t>
+              <a:t>Wednesday, December 4, 2019</a:t>
             </a:fld>
             <a:endParaRPr lang="en-US" dirty="0"/>
           </a:p>
@@ -4391,10 +4358,9 @@
           </a:lstStyle>
           <a:p>
             <a:r>
-              <a:rPr lang="en-US" smtClean="0"/>
+              <a:rPr lang="en-US"/>
               <a:t>Click to edit Master title style</a:t>
             </a:r>
-            <a:endParaRPr lang="en-US"/>
           </a:p>
         </p:txBody>
       </p:sp>
@@ -4448,38 +4414,37 @@
           <a:p>
             <a:pPr lvl="0"/>
             <a:r>
-              <a:rPr lang="en-US" smtClean="0"/>
+              <a:rPr lang="en-US"/>
               <a:t>Click to edit Master text styles</a:t>
             </a:r>
           </a:p>
           <a:p>
             <a:pPr lvl="1"/>
             <a:r>
-              <a:rPr lang="en-US" smtClean="0"/>
+              <a:rPr lang="en-US"/>
               <a:t>Second level</a:t>
             </a:r>
           </a:p>
           <a:p>
             <a:pPr lvl="2"/>
             <a:r>
-              <a:rPr lang="en-US" smtClean="0"/>
+              <a:rPr lang="en-US"/>
               <a:t>Third level</a:t>
             </a:r>
           </a:p>
           <a:p>
             <a:pPr lvl="3"/>
             <a:r>
-              <a:rPr lang="en-US" smtClean="0"/>
+              <a:rPr lang="en-US"/>
               <a:t>Fourth level</a:t>
             </a:r>
           </a:p>
           <a:p>
             <a:pPr lvl="4"/>
             <a:r>
-              <a:rPr lang="en-US" smtClean="0"/>
+              <a:rPr lang="en-US"/>
               <a:t>Fifth level</a:t>
             </a:r>
-            <a:endParaRPr lang="en-US"/>
           </a:p>
         </p:txBody>
       </p:sp>
@@ -4542,7 +4507,7 @@
           <a:p>
             <a:pPr lvl="0"/>
             <a:r>
-              <a:rPr lang="en-US" smtClean="0"/>
+              <a:rPr lang="en-US"/>
               <a:t>Click to edit Master text styles</a:t>
             </a:r>
           </a:p>
@@ -4571,7 +4536,7 @@
               <a:pPr>
                 <a:defRPr/>
               </a:pPr>
-              <a:t>Wednesday, March 7, 2018</a:t>
+              <a:t>Wednesday, December 4, 2019</a:t>
             </a:fld>
             <a:endParaRPr lang="en-US"/>
           </a:p>
@@ -4683,10 +4648,9 @@
           </a:lstStyle>
           <a:p>
             <a:r>
-              <a:rPr lang="en-US" smtClean="0"/>
+              <a:rPr lang="en-US"/>
               <a:t>Click to edit Master title style</a:t>
             </a:r>
-            <a:endParaRPr lang="en-US"/>
           </a:p>
         </p:txBody>
       </p:sp>
@@ -4810,7 +4774,7 @@
           <a:p>
             <a:pPr lvl="0"/>
             <a:r>
-              <a:rPr lang="en-US" smtClean="0"/>
+              <a:rPr lang="en-US"/>
               <a:t>Click to edit Master text styles</a:t>
             </a:r>
           </a:p>
@@ -4839,7 +4803,7 @@
               <a:pPr>
                 <a:defRPr/>
               </a:pPr>
-              <a:t>Wednesday, March 7, 2018</a:t>
+              <a:t>Wednesday, December 4, 2019</a:t>
             </a:fld>
             <a:endParaRPr lang="en-US"/>
           </a:p>
@@ -4957,10 +4921,9 @@
           <a:lstStyle/>
           <a:p>
             <a:r>
-              <a:rPr lang="en-US" smtClean="0"/>
+              <a:rPr lang="en-US"/>
               <a:t>Click to edit Master title style</a:t>
             </a:r>
-            <a:endParaRPr lang="en-US"/>
           </a:p>
         </p:txBody>
       </p:sp>
@@ -4991,38 +4954,37 @@
           <a:p>
             <a:pPr lvl="0"/>
             <a:r>
-              <a:rPr lang="en-US" smtClean="0"/>
+              <a:rPr lang="en-US"/>
               <a:t>Click to edit Master text styles</a:t>
             </a:r>
           </a:p>
           <a:p>
             <a:pPr lvl="1"/>
             <a:r>
-              <a:rPr lang="en-US" smtClean="0"/>
+              <a:rPr lang="en-US"/>
               <a:t>Second level</a:t>
             </a:r>
           </a:p>
           <a:p>
             <a:pPr lvl="2"/>
             <a:r>
-              <a:rPr lang="en-US" smtClean="0"/>
+              <a:rPr lang="en-US"/>
               <a:t>Third level</a:t>
             </a:r>
           </a:p>
           <a:p>
             <a:pPr lvl="3"/>
             <a:r>
-              <a:rPr lang="en-US" smtClean="0"/>
+              <a:rPr lang="en-US"/>
               <a:t>Fourth level</a:t>
             </a:r>
           </a:p>
           <a:p>
             <a:pPr lvl="4"/>
             <a:r>
-              <a:rPr lang="en-US" smtClean="0"/>
+              <a:rPr lang="en-US"/>
               <a:t>Fifth level</a:t>
             </a:r>
-            <a:endParaRPr lang="en-US"/>
           </a:p>
         </p:txBody>
       </p:sp>
@@ -5067,7 +5029,7 @@
               <a:pPr>
                 <a:defRPr/>
               </a:pPr>
-              <a:t>Wednesday, March 7, 2018</a:t>
+              <a:t>Wednesday, December 4, 2019</a:t>
             </a:fld>
             <a:endParaRPr lang="en-US" dirty="0"/>
           </a:p>
@@ -5467,10 +5429,9 @@
           <a:lstStyle/>
           <a:p>
             <a:r>
-              <a:rPr lang="en-US" dirty="0" smtClean="0"/>
+              <a:rPr lang="en-US" dirty="0"/>
               <a:t>CSSE 220</a:t>
             </a:r>
-            <a:endParaRPr lang="en-US" dirty="0"/>
           </a:p>
         </p:txBody>
       </p:sp>
@@ -5490,7 +5451,7 @@
           <a:lstStyle/>
           <a:p>
             <a:r>
-              <a:rPr lang="en-US" dirty="0" smtClean="0"/>
+              <a:rPr lang="en-US" dirty="0"/>
               <a:t>2D Arrays and Maps</a:t>
             </a:r>
           </a:p>
@@ -5534,15 +5495,7 @@
             <a:pPr algn="ctr"/>
             <a:r>
               <a:rPr lang="en-US" sz="2400" dirty="0"/>
-              <a:t>Check out </a:t>
-            </a:r>
-            <a:r>
-              <a:rPr lang="en-US" sz="2400" dirty="0" smtClean="0"/>
-              <a:t>2DArraysAndMapsInClass from </a:t>
-            </a:r>
-            <a:r>
-              <a:rPr lang="en-US" sz="2400" dirty="0"/>
-              <a:t>SVN</a:t>
+              <a:t>Import 2DArraysAndMapsInClass from cloned repo</a:t>
             </a:r>
           </a:p>
         </p:txBody>
@@ -5552,13 +5505,6 @@
   <p:clrMapOvr>
     <a:masterClrMapping/>
   </p:clrMapOvr>
-  <p:timing>
-    <p:tnLst>
-      <p:par>
-        <p:cTn id="1" dur="indefinite" restart="never" nodeType="tmRoot"/>
-      </p:par>
-    </p:tnLst>
-  </p:timing>
 </p:sld>
 </file>
 
@@ -5597,10 +5543,9 @@
           <a:lstStyle/>
           <a:p>
             <a:r>
-              <a:rPr lang="en-US" dirty="0" smtClean="0"/>
+              <a:rPr lang="en-US" dirty="0"/>
               <a:t>2D Arrays – What, When, Why, How?</a:t>
             </a:r>
-            <a:endParaRPr lang="en-US" dirty="0"/>
           </a:p>
         </p:txBody>
       </p:sp>
@@ -5625,23 +5570,23 @@
               <a:buNone/>
             </a:pPr>
             <a:r>
-              <a:rPr lang="en-US" dirty="0" smtClean="0"/>
+              <a:rPr lang="en-US" dirty="0"/>
               <a:t>What:</a:t>
             </a:r>
           </a:p>
           <a:p>
             <a:r>
-              <a:rPr lang="en-US" dirty="0" smtClean="0"/>
+              <a:rPr lang="en-US" dirty="0"/>
               <a:t>Think of them as an array of arrays</a:t>
             </a:r>
           </a:p>
           <a:p>
             <a:r>
-              <a:rPr lang="is-IS" dirty="0" smtClean="0"/>
+              <a:rPr lang="is-IS" dirty="0"/>
               <a:t>… or</a:t>
             </a:r>
             <a:r>
-              <a:rPr lang="en-US" dirty="0" smtClean="0"/>
+              <a:rPr lang="en-US" dirty="0"/>
               <a:t> as a grid with rows &amp; columns</a:t>
             </a:r>
           </a:p>
@@ -5657,58 +5602,40 @@
           <a:p>
             <a:pPr lvl="1"/>
             <a:r>
-              <a:rPr lang="en-US" dirty="0" smtClean="0"/>
-              <a:t>Represent </a:t>
-            </a:r>
-            <a:r>
-              <a:rPr lang="en-US" dirty="0"/>
-              <a:t>2 dimensional </a:t>
-            </a:r>
-            <a:r>
-              <a:rPr lang="en-US" dirty="0" smtClean="0"/>
-              <a:t>data</a:t>
-            </a:r>
+              <a:rPr lang="en-US" dirty="0"/>
+              <a:t>Represent 2 dimensional data</a:t>
+            </a:r>
+          </a:p>
+          <a:p>
+            <a:pPr lvl="2"/>
+            <a:r>
+              <a:rPr lang="en-US" dirty="0"/>
+              <a:t>Game Boards</a:t>
+            </a:r>
+          </a:p>
+          <a:p>
+            <a:pPr lvl="2"/>
+            <a:r>
+              <a:rPr lang="en-US" dirty="0"/>
+              <a:t>Tables</a:t>
+            </a:r>
+          </a:p>
+          <a:p>
+            <a:pPr lvl="2"/>
+            <a:r>
+              <a:rPr lang="en-US" dirty="0"/>
+              <a:t>Multiple lists of items</a:t>
+            </a:r>
+          </a:p>
+          <a:p>
+            <a:pPr lvl="2"/>
+            <a:r>
+              <a:rPr lang="en-US" dirty="0"/>
+              <a:t>Etc.</a:t>
+            </a:r>
+          </a:p>
+          <a:p>
             <a:endParaRPr lang="en-US" dirty="0"/>
-          </a:p>
-          <a:p>
-            <a:pPr lvl="2"/>
-            <a:r>
-              <a:rPr lang="en-US" dirty="0"/>
-              <a:t>Game Boards</a:t>
-            </a:r>
-          </a:p>
-          <a:p>
-            <a:pPr lvl="2"/>
-            <a:r>
-              <a:rPr lang="en-US" dirty="0" smtClean="0"/>
-              <a:t>Tables</a:t>
-            </a:r>
-          </a:p>
-          <a:p>
-            <a:pPr lvl="2"/>
-            <a:r>
-              <a:rPr lang="en-US" dirty="0" smtClean="0"/>
-              <a:t>Multiple </a:t>
-            </a:r>
-            <a:r>
-              <a:rPr lang="en-US" dirty="0"/>
-              <a:t>lists of </a:t>
-            </a:r>
-            <a:r>
-              <a:rPr lang="en-US" dirty="0" smtClean="0"/>
-              <a:t>items</a:t>
-            </a:r>
-          </a:p>
-          <a:p>
-            <a:pPr lvl="2"/>
-            <a:r>
-              <a:rPr lang="en-US" dirty="0" smtClean="0"/>
-              <a:t>Etc.</a:t>
-            </a:r>
-            <a:endParaRPr lang="en-US" dirty="0"/>
-          </a:p>
-          <a:p>
-            <a:endParaRPr lang="en-US" dirty="0" smtClean="0"/>
           </a:p>
         </p:txBody>
       </p:sp>
@@ -5722,13 +5649,6 @@
   <p:clrMapOvr>
     <a:masterClrMapping/>
   </p:clrMapOvr>
-  <p:timing>
-    <p:tnLst>
-      <p:par>
-        <p:cTn id="1" dur="indefinite" restart="never" nodeType="tmRoot"/>
-      </p:par>
-    </p:tnLst>
-  </p:timing>
 </p:sld>
 </file>
 
@@ -5767,10 +5687,9 @@
           <a:lstStyle/>
           <a:p>
             <a:r>
-              <a:rPr lang="en-US" dirty="0" smtClean="0"/>
+              <a:rPr lang="en-US" dirty="0"/>
               <a:t>2D Arrays – What, When, Why, How?</a:t>
             </a:r>
-            <a:endParaRPr lang="en-US" dirty="0"/>
           </a:p>
         </p:txBody>
       </p:sp>
@@ -5800,13 +5719,13 @@
               <a:buNone/>
             </a:pPr>
             <a:r>
-              <a:rPr lang="en-US" dirty="0" smtClean="0"/>
+              <a:rPr lang="en-US" dirty="0"/>
               <a:t>Why:</a:t>
             </a:r>
           </a:p>
           <a:p>
             <a:r>
-              <a:rPr lang="en-US" dirty="0" smtClean="0"/>
+              <a:rPr lang="en-US" dirty="0"/>
               <a:t>Match your data representation as closely as possible to the real-world</a:t>
             </a:r>
           </a:p>
@@ -5815,71 +5734,71 @@
               <a:buNone/>
             </a:pPr>
             <a:r>
-              <a:rPr lang="en-US" dirty="0" smtClean="0"/>
+              <a:rPr lang="en-US" dirty="0"/>
               <a:t>How:</a:t>
             </a:r>
           </a:p>
           <a:p>
             <a:r>
-              <a:rPr lang="en-US" dirty="0" smtClean="0"/>
+              <a:rPr lang="en-US" dirty="0"/>
               <a:t>char[][] </a:t>
             </a:r>
             <a:r>
-              <a:rPr lang="en-US" dirty="0" err="1" smtClean="0"/>
+              <a:rPr lang="en-US" dirty="0" err="1"/>
               <a:t>ticTacToe</a:t>
             </a:r>
             <a:r>
-              <a:rPr lang="en-US" dirty="0" smtClean="0"/>
+              <a:rPr lang="en-US" dirty="0"/>
               <a:t> = new char[3][3];</a:t>
             </a:r>
           </a:p>
           <a:p>
             <a:r>
-              <a:rPr lang="en-US" dirty="0" smtClean="0"/>
+              <a:rPr lang="en-US" dirty="0"/>
               <a:t>Retrieving data</a:t>
             </a:r>
           </a:p>
           <a:p>
             <a:pPr lvl="1"/>
             <a:r>
-              <a:rPr lang="en-US" dirty="0" err="1" smtClean="0"/>
+              <a:rPr lang="en-US" dirty="0" err="1"/>
               <a:t>ticTacToe</a:t>
             </a:r>
             <a:r>
-              <a:rPr lang="en-US" dirty="0" smtClean="0"/>
+              <a:rPr lang="en-US" dirty="0"/>
               <a:t>[0] </a:t>
             </a:r>
             <a:r>
-              <a:rPr lang="en-US" dirty="0" smtClean="0">
+              <a:rPr lang="en-US" dirty="0">
                 <a:sym typeface="Wingdings" panose="05000000000000000000" pitchFamily="2" charset="2"/>
               </a:rPr>
               <a:t></a:t>
             </a:r>
             <a:r>
-              <a:rPr lang="en-US" dirty="0" smtClean="0"/>
+              <a:rPr lang="en-US" dirty="0"/>
               <a:t> Gets the first char[] </a:t>
             </a:r>
           </a:p>
           <a:p>
             <a:pPr lvl="1"/>
             <a:r>
-              <a:rPr lang="en-US" dirty="0" err="1" smtClean="0"/>
+              <a:rPr lang="en-US" dirty="0" err="1"/>
               <a:t>ticTacToe</a:t>
             </a:r>
             <a:r>
-              <a:rPr lang="en-US" dirty="0" smtClean="0"/>
+              <a:rPr lang="en-US" dirty="0"/>
               <a:t>[1][2] </a:t>
             </a:r>
             <a:r>
-              <a:rPr lang="en-US" dirty="0" smtClean="0">
+              <a:rPr lang="en-US" dirty="0">
                 <a:sym typeface="Wingdings" panose="05000000000000000000" pitchFamily="2" charset="2"/>
               </a:rPr>
               <a:t>Gets the second array’s third item</a:t>
             </a:r>
-            <a:endParaRPr lang="en-US" dirty="0" smtClean="0"/>
-          </a:p>
-          <a:p>
-            <a:endParaRPr lang="en-US" dirty="0" smtClean="0"/>
+            <a:endParaRPr lang="en-US" dirty="0"/>
+          </a:p>
+          <a:p>
+            <a:endParaRPr lang="en-US" dirty="0"/>
           </a:p>
           <a:p>
             <a:pPr marL="0" indent="0">
@@ -5891,7 +5810,7 @@
             <a:pPr marL="0" indent="0">
               <a:buNone/>
             </a:pPr>
-            <a:endParaRPr lang="en-US" dirty="0" smtClean="0"/>
+            <a:endParaRPr lang="en-US" dirty="0"/>
           </a:p>
         </p:txBody>
       </p:sp>
@@ -5905,13 +5824,6 @@
   <p:clrMapOvr>
     <a:masterClrMapping/>
   </p:clrMapOvr>
-  <p:timing>
-    <p:tnLst>
-      <p:par>
-        <p:cTn id="1" dur="indefinite" restart="never" nodeType="tmRoot"/>
-      </p:par>
-    </p:tnLst>
-  </p:timing>
 </p:sld>
 </file>
 
@@ -5948,10 +5860,9 @@
           <a:lstStyle/>
           <a:p>
             <a:r>
-              <a:rPr lang="en-US" dirty="0" smtClean="0"/>
+              <a:rPr lang="en-US" dirty="0"/>
               <a:t>2D Arrays</a:t>
             </a:r>
-            <a:endParaRPr lang="en-US" dirty="0"/>
           </a:p>
         </p:txBody>
       </p:sp>
@@ -5973,34 +5884,33 @@
           <a:lstStyle/>
           <a:p>
             <a:r>
-              <a:rPr lang="en-US" dirty="0" smtClean="0"/>
+              <a:rPr lang="en-US" dirty="0"/>
               <a:t>Make groups of two (no more than 3, no one can work alone)</a:t>
             </a:r>
           </a:p>
           <a:p>
             <a:r>
-              <a:rPr lang="en-US" dirty="0" smtClean="0"/>
+              <a:rPr lang="en-US" dirty="0"/>
               <a:t>Read through the 3 2D Array sample problems with your partner and make sure you both understand how they work</a:t>
             </a:r>
           </a:p>
           <a:p>
             <a:r>
-              <a:rPr lang="en-US" dirty="0" smtClean="0"/>
+              <a:rPr lang="en-US" dirty="0"/>
               <a:t>Then use the code as an example to answer the 2D Array quiz questions</a:t>
             </a:r>
           </a:p>
           <a:p>
             <a:r>
-              <a:rPr lang="en-US" dirty="0" smtClean="0"/>
+              <a:rPr lang="en-US" dirty="0"/>
               <a:t>Then do the 2d sample problems</a:t>
             </a:r>
           </a:p>
           <a:p>
             <a:r>
-              <a:rPr lang="en-US" dirty="0" smtClean="0"/>
+              <a:rPr lang="en-US" dirty="0"/>
               <a:t>Call me over when you’re finished</a:t>
             </a:r>
-            <a:endParaRPr lang="en-US" dirty="0"/>
           </a:p>
         </p:txBody>
       </p:sp>
@@ -6014,13 +5924,6 @@
   <p:clrMapOvr>
     <a:masterClrMapping/>
   </p:clrMapOvr>
-  <p:timing>
-    <p:tnLst>
-      <p:par>
-        <p:cTn id="1" dur="indefinite" restart="never" nodeType="tmRoot"/>
-      </p:par>
-    </p:tnLst>
-  </p:timing>
 </p:sld>
 </file>
 
@@ -6057,10 +5960,9 @@
           <a:lstStyle/>
           <a:p>
             <a:r>
-              <a:rPr lang="en-US" dirty="0" smtClean="0"/>
+              <a:rPr lang="en-US" dirty="0"/>
               <a:t>Creating a 2D char array</a:t>
             </a:r>
-            <a:endParaRPr lang="en-US" dirty="0"/>
           </a:p>
         </p:txBody>
       </p:sp>
@@ -6122,13 +6024,6 @@
   <p:clrMapOvr>
     <a:masterClrMapping/>
   </p:clrMapOvr>
-  <p:timing>
-    <p:tnLst>
-      <p:par>
-        <p:cTn id="1" dur="indefinite" restart="never" nodeType="tmRoot"/>
-      </p:par>
-    </p:tnLst>
-  </p:timing>
 </p:sld>
 </file>
 
@@ -6165,10 +6060,9 @@
           <a:lstStyle/>
           <a:p>
             <a:r>
-              <a:rPr lang="en-US" dirty="0" smtClean="0"/>
+              <a:rPr lang="en-US" dirty="0"/>
               <a:t>Creating a 2D char array</a:t>
             </a:r>
-            <a:endParaRPr lang="en-US" dirty="0"/>
           </a:p>
         </p:txBody>
       </p:sp>
@@ -6230,13 +6124,6 @@
   <p:clrMapOvr>
     <a:masterClrMapping/>
   </p:clrMapOvr>
-  <p:timing>
-    <p:tnLst>
-      <p:par>
-        <p:cTn id="1" dur="indefinite" restart="never" nodeType="tmRoot"/>
-      </p:par>
-    </p:tnLst>
-  </p:timing>
 </p:sld>
 </file>
 
@@ -6273,10 +6160,9 @@
           <a:lstStyle/>
           <a:p>
             <a:r>
-              <a:rPr lang="en-US" dirty="0" smtClean="0"/>
+              <a:rPr lang="en-US" dirty="0"/>
               <a:t>Creating a 2D char array</a:t>
             </a:r>
-            <a:endParaRPr lang="en-US" dirty="0"/>
           </a:p>
         </p:txBody>
       </p:sp>
@@ -6338,13 +6224,6 @@
   <p:clrMapOvr>
     <a:masterClrMapping/>
   </p:clrMapOvr>
-  <p:timing>
-    <p:tnLst>
-      <p:par>
-        <p:cTn id="1" dur="indefinite" restart="never" nodeType="tmRoot"/>
-      </p:par>
-    </p:tnLst>
-  </p:timing>
 </p:sld>
 </file>
 
@@ -6381,10 +6260,9 @@
           <a:lstStyle/>
           <a:p>
             <a:r>
-              <a:rPr lang="en-US" dirty="0" smtClean="0"/>
+              <a:rPr lang="en-US" dirty="0"/>
               <a:t>Creating a 2D char array</a:t>
             </a:r>
-            <a:endParaRPr lang="en-US" dirty="0"/>
           </a:p>
         </p:txBody>
       </p:sp>
@@ -6435,15 +6313,15 @@
           <a:lstStyle/>
           <a:p>
             <a:r>
-              <a:rPr lang="en-US" dirty="0" err="1" smtClean="0"/>
+              <a:rPr lang="en-US" dirty="0" err="1"/>
               <a:t>ticTacToe</a:t>
             </a:r>
             <a:r>
-              <a:rPr lang="en-US" dirty="0" smtClean="0"/>
+              <a:rPr lang="en-US" dirty="0"/>
               <a:t>[ </a:t>
             </a:r>
             <a:r>
-              <a:rPr lang="en-US" dirty="0" smtClean="0">
+              <a:rPr lang="en-US" dirty="0">
                 <a:solidFill>
                   <a:srgbClr val="FF0000"/>
                 </a:solidFill>
@@ -6451,11 +6329,11 @@
               <a:t>row</a:t>
             </a:r>
             <a:r>
-              <a:rPr lang="en-US" dirty="0" smtClean="0"/>
+              <a:rPr lang="en-US" dirty="0"/>
               <a:t> ] [  </a:t>
             </a:r>
             <a:r>
-              <a:rPr lang="en-US" dirty="0" smtClean="0">
+              <a:rPr lang="en-US" dirty="0">
                 <a:solidFill>
                   <a:srgbClr val="00B0F0"/>
                 </a:solidFill>
@@ -6463,10 +6341,9 @@
               <a:t>column</a:t>
             </a:r>
             <a:r>
-              <a:rPr lang="en-US" dirty="0" smtClean="0"/>
+              <a:rPr lang="en-US" dirty="0"/>
               <a:t> ]   -&gt; refers to individual cell</a:t>
             </a:r>
-            <a:endParaRPr lang="en-US" dirty="0"/>
           </a:p>
         </p:txBody>
       </p:sp>
@@ -6480,21 +6357,6 @@
   <p:clrMapOvr>
     <a:masterClrMapping/>
   </p:clrMapOvr>
-  <mc:AlternateContent xmlns:mc="http://schemas.openxmlformats.org/markup-compatibility/2006">
-    <mc:Choice xmlns:p14="http://schemas.microsoft.com/office/powerpoint/2010/main" Requires="p14">
-      <p:transition spd="slow" p14:dur="2000"/>
-    </mc:Choice>
-    <mc:Fallback>
-      <p:transition spd="slow"/>
-    </mc:Fallback>
-  </mc:AlternateContent>
-  <p:timing>
-    <p:tnLst>
-      <p:par>
-        <p:cTn id="1" dur="indefinite" restart="never" nodeType="tmRoot"/>
-      </p:par>
-    </p:tnLst>
-  </p:timing>
 </p:sld>
 </file>
 
@@ -6531,10 +6393,9 @@
           <a:lstStyle/>
           <a:p>
             <a:r>
-              <a:rPr lang="en-US" dirty="0" smtClean="0"/>
+              <a:rPr lang="en-US" dirty="0"/>
               <a:t>Creating a 2D char array</a:t>
             </a:r>
-            <a:endParaRPr lang="en-US" dirty="0"/>
           </a:p>
         </p:txBody>
       </p:sp>
@@ -6585,20 +6446,17 @@
           <a:lstStyle/>
           <a:p>
             <a:r>
-              <a:rPr lang="en-US" sz="2800" dirty="0" err="1" smtClean="0">
+              <a:rPr lang="en-US" sz="2800" dirty="0" err="1">
                 <a:latin typeface="Consolas" panose="020B0609020204030204" pitchFamily="49" charset="0"/>
               </a:rPr>
               <a:t>ticTacToe</a:t>
             </a:r>
             <a:r>
-              <a:rPr lang="en-US" sz="2800" dirty="0" smtClean="0">
+              <a:rPr lang="en-US" sz="2800" dirty="0">
                 <a:latin typeface="Consolas" panose="020B0609020204030204" pitchFamily="49" charset="0"/>
               </a:rPr>
               <a:t>[ 1 ][  1 ] = ‘X’;</a:t>
             </a:r>
-            <a:endParaRPr lang="en-US" sz="2800" dirty="0">
-              <a:latin typeface="Consolas" panose="020B0609020204030204" pitchFamily="49" charset="0"/>
-            </a:endParaRPr>
           </a:p>
         </p:txBody>
       </p:sp>
@@ -6612,21 +6470,6 @@
   <p:clrMapOvr>
     <a:masterClrMapping/>
   </p:clrMapOvr>
-  <mc:AlternateContent xmlns:mc="http://schemas.openxmlformats.org/markup-compatibility/2006">
-    <mc:Choice xmlns:p14="http://schemas.microsoft.com/office/powerpoint/2010/main" Requires="p14">
-      <p:transition spd="slow" p14:dur="2000"/>
-    </mc:Choice>
-    <mc:Fallback>
-      <p:transition spd="slow"/>
-    </mc:Fallback>
-  </mc:AlternateContent>
-  <p:timing>
-    <p:tnLst>
-      <p:par>
-        <p:cTn id="1" dur="indefinite" restart="never" nodeType="tmRoot"/>
-      </p:par>
-    </p:tnLst>
-  </p:timing>
 </p:sld>
 </file>
 
@@ -6663,10 +6506,9 @@
           <a:lstStyle/>
           <a:p>
             <a:r>
-              <a:rPr lang="en-US" dirty="0" smtClean="0"/>
+              <a:rPr lang="en-US" dirty="0"/>
               <a:t>Creating a 2D char array</a:t>
             </a:r>
-            <a:endParaRPr lang="en-US" dirty="0"/>
           </a:p>
         </p:txBody>
       </p:sp>
@@ -6717,20 +6559,17 @@
           <a:lstStyle/>
           <a:p>
             <a:r>
-              <a:rPr lang="en-US" sz="2800" dirty="0" err="1" smtClean="0">
+              <a:rPr lang="en-US" sz="2800" dirty="0" err="1">
                 <a:latin typeface="Consolas" panose="020B0609020204030204" pitchFamily="49" charset="0"/>
               </a:rPr>
               <a:t>ticTacToe</a:t>
             </a:r>
             <a:r>
-              <a:rPr lang="en-US" sz="2800" dirty="0" smtClean="0">
+              <a:rPr lang="en-US" sz="2800" dirty="0">
                 <a:latin typeface="Consolas" panose="020B0609020204030204" pitchFamily="49" charset="0"/>
               </a:rPr>
               <a:t>[ 1 ][  1 ] = ‘X’;</a:t>
             </a:r>
-            <a:endParaRPr lang="en-US" sz="2800" dirty="0">
-              <a:latin typeface="Consolas" panose="020B0609020204030204" pitchFamily="49" charset="0"/>
-            </a:endParaRPr>
           </a:p>
         </p:txBody>
       </p:sp>
@@ -6757,10 +6596,9 @@
           <a:lstStyle/>
           <a:p>
             <a:r>
-              <a:rPr lang="en-US" sz="4400" dirty="0" smtClean="0"/>
+              <a:rPr lang="en-US" sz="4400" dirty="0"/>
               <a:t>X</a:t>
             </a:r>
-            <a:endParaRPr lang="en-US" sz="4400" dirty="0"/>
           </a:p>
         </p:txBody>
       </p:sp>
@@ -6774,21 +6612,6 @@
   <p:clrMapOvr>
     <a:masterClrMapping/>
   </p:clrMapOvr>
-  <mc:AlternateContent xmlns:mc="http://schemas.openxmlformats.org/markup-compatibility/2006">
-    <mc:Choice xmlns:p14="http://schemas.microsoft.com/office/powerpoint/2010/main" Requires="p14">
-      <p:transition spd="slow" p14:dur="2000"/>
-    </mc:Choice>
-    <mc:Fallback>
-      <p:transition spd="slow"/>
-    </mc:Fallback>
-  </mc:AlternateContent>
-  <p:timing>
-    <p:tnLst>
-      <p:par>
-        <p:cTn id="1" dur="indefinite" restart="never" nodeType="tmRoot"/>
-      </p:par>
-    </p:tnLst>
-  </p:timing>
 </p:sld>
 </file>
 
@@ -6825,10 +6648,9 @@
           <a:lstStyle/>
           <a:p>
             <a:r>
-              <a:rPr lang="en-US" dirty="0" smtClean="0"/>
+              <a:rPr lang="en-US" dirty="0"/>
               <a:t>Creating a 2D char array</a:t>
             </a:r>
-            <a:endParaRPr lang="en-US" dirty="0"/>
           </a:p>
         </p:txBody>
       </p:sp>
@@ -6879,20 +6701,17 @@
           <a:lstStyle/>
           <a:p>
             <a:r>
-              <a:rPr lang="en-US" sz="2800" dirty="0" err="1" smtClean="0">
+              <a:rPr lang="en-US" sz="2800" dirty="0" err="1">
                 <a:latin typeface="Consolas" panose="020B0609020204030204" pitchFamily="49" charset="0"/>
               </a:rPr>
               <a:t>ticTacToe</a:t>
             </a:r>
             <a:r>
-              <a:rPr lang="en-US" sz="2800" dirty="0" smtClean="0">
+              <a:rPr lang="en-US" sz="2800" dirty="0">
                 <a:latin typeface="Consolas" panose="020B0609020204030204" pitchFamily="49" charset="0"/>
               </a:rPr>
               <a:t>[ 0 ][  1 ] = ‘O’;</a:t>
             </a:r>
-            <a:endParaRPr lang="en-US" sz="2800" dirty="0">
-              <a:latin typeface="Consolas" panose="020B0609020204030204" pitchFamily="49" charset="0"/>
-            </a:endParaRPr>
           </a:p>
         </p:txBody>
       </p:sp>
@@ -6919,10 +6738,9 @@
           <a:lstStyle/>
           <a:p>
             <a:r>
-              <a:rPr lang="en-US" sz="4400" dirty="0" smtClean="0"/>
+              <a:rPr lang="en-US" sz="4400" dirty="0"/>
               <a:t>X</a:t>
             </a:r>
-            <a:endParaRPr lang="en-US" sz="4400" dirty="0"/>
           </a:p>
         </p:txBody>
       </p:sp>
@@ -6936,21 +6754,6 @@
   <p:clrMapOvr>
     <a:masterClrMapping/>
   </p:clrMapOvr>
-  <mc:AlternateContent xmlns:mc="http://schemas.openxmlformats.org/markup-compatibility/2006">
-    <mc:Choice xmlns:p14="http://schemas.microsoft.com/office/powerpoint/2010/main" Requires="p14">
-      <p:transition spd="slow" p14:dur="2000"/>
-    </mc:Choice>
-    <mc:Fallback>
-      <p:transition spd="slow"/>
-    </mc:Fallback>
-  </mc:AlternateContent>
-  <p:timing>
-    <p:tnLst>
-      <p:par>
-        <p:cTn id="1" dur="indefinite" restart="never" nodeType="tmRoot"/>
-      </p:par>
-    </p:tnLst>
-  </p:timing>
 </p:sld>
 </file>
 
@@ -6987,68 +6790,66 @@
           <a:lstStyle/>
           <a:p>
             <a:r>
-              <a:rPr lang="en-US" dirty="0" smtClean="0"/>
+              <a:rPr lang="en-US" dirty="0"/>
               <a:t>Today’s Agenda</a:t>
             </a:r>
+          </a:p>
+        </p:txBody>
+      </p:sp>
+      <p:sp>
+        <p:nvSpPr>
+          <p:cNvPr id="3" name="Content Placeholder 2"/>
+          <p:cNvSpPr>
+            <a:spLocks noGrp="1"/>
+          </p:cNvSpPr>
+          <p:nvPr>
+            <p:ph idx="1"/>
+          </p:nvPr>
+        </p:nvSpPr>
+        <p:spPr/>
+        <p:txBody>
+          <a:bodyPr/>
+          <a:lstStyle/>
+          <a:p>
+            <a:r>
+              <a:rPr lang="en-US" dirty="0"/>
+              <a:t>Academic Honesty</a:t>
+            </a:r>
+          </a:p>
+          <a:p>
+            <a:r>
+              <a:rPr lang="en-US" dirty="0"/>
+              <a:t>Quizzes</a:t>
+            </a:r>
+          </a:p>
+          <a:p>
+            <a:r>
+              <a:rPr lang="en-US" dirty="0"/>
+              <a:t>Coding </a:t>
+            </a:r>
+            <a:r>
+              <a:rPr lang="en-US" dirty="0" err="1"/>
+              <a:t>Gotchas</a:t>
+            </a:r>
             <a:endParaRPr lang="en-US" dirty="0"/>
           </a:p>
-        </p:txBody>
-      </p:sp>
-      <p:sp>
-        <p:nvSpPr>
-          <p:cNvPr id="3" name="Content Placeholder 2"/>
-          <p:cNvSpPr>
-            <a:spLocks noGrp="1"/>
-          </p:cNvSpPr>
-          <p:nvPr>
-            <p:ph idx="1"/>
-          </p:nvPr>
-        </p:nvSpPr>
-        <p:spPr/>
-        <p:txBody>
-          <a:bodyPr/>
-          <a:lstStyle/>
-          <a:p>
-            <a:r>
-              <a:rPr lang="en-US" dirty="0" smtClean="0"/>
-              <a:t>Academic Honesty</a:t>
-            </a:r>
-          </a:p>
-          <a:p>
-            <a:r>
-              <a:rPr lang="en-US" dirty="0" smtClean="0"/>
-              <a:t>Quizzes</a:t>
-            </a:r>
-          </a:p>
-          <a:p>
-            <a:r>
-              <a:rPr lang="en-US" dirty="0" smtClean="0"/>
-              <a:t>Coding </a:t>
-            </a:r>
-            <a:r>
-              <a:rPr lang="en-US" dirty="0" err="1" smtClean="0"/>
-              <a:t>Gotchas</a:t>
-            </a:r>
-            <a:endParaRPr lang="en-US" dirty="0" smtClean="0"/>
-          </a:p>
-          <a:p>
-            <a:r>
-              <a:rPr lang="en-US" dirty="0" smtClean="0"/>
+          <a:p>
+            <a:r>
+              <a:rPr lang="en-US" dirty="0"/>
               <a:t>Enhanced for loops</a:t>
             </a:r>
           </a:p>
           <a:p>
             <a:r>
-              <a:rPr lang="en-US" dirty="0" smtClean="0"/>
+              <a:rPr lang="en-US" dirty="0"/>
               <a:t>2D Arrays</a:t>
             </a:r>
           </a:p>
           <a:p>
             <a:r>
-              <a:rPr lang="en-US" dirty="0" smtClean="0"/>
+              <a:rPr lang="en-US" dirty="0"/>
               <a:t>Maps</a:t>
             </a:r>
-            <a:endParaRPr lang="en-US" dirty="0"/>
           </a:p>
         </p:txBody>
       </p:sp>
@@ -7062,13 +6863,6 @@
   <p:clrMapOvr>
     <a:masterClrMapping/>
   </p:clrMapOvr>
-  <p:timing>
-    <p:tnLst>
-      <p:par>
-        <p:cTn id="1" dur="indefinite" restart="never" nodeType="tmRoot"/>
-      </p:par>
-    </p:tnLst>
-  </p:timing>
 </p:sld>
 </file>
 
@@ -7105,10 +6899,9 @@
           <a:lstStyle/>
           <a:p>
             <a:r>
-              <a:rPr lang="en-US" dirty="0" smtClean="0"/>
+              <a:rPr lang="en-US" dirty="0"/>
               <a:t>Creating a 2D char array</a:t>
             </a:r>
-            <a:endParaRPr lang="en-US" dirty="0"/>
           </a:p>
         </p:txBody>
       </p:sp>
@@ -7159,20 +6952,17 @@
           <a:lstStyle/>
           <a:p>
             <a:r>
-              <a:rPr lang="en-US" sz="2800" dirty="0" err="1" smtClean="0">
+              <a:rPr lang="en-US" sz="2800" dirty="0" err="1">
                 <a:latin typeface="Consolas" panose="020B0609020204030204" pitchFamily="49" charset="0"/>
               </a:rPr>
               <a:t>ticTacToe</a:t>
             </a:r>
             <a:r>
-              <a:rPr lang="en-US" sz="2800" dirty="0" smtClean="0">
+              <a:rPr lang="en-US" sz="2800" dirty="0">
                 <a:latin typeface="Consolas" panose="020B0609020204030204" pitchFamily="49" charset="0"/>
               </a:rPr>
               <a:t>[ 0 ][  1 ] = ‘O’;</a:t>
             </a:r>
-            <a:endParaRPr lang="en-US" sz="2800" dirty="0">
-              <a:latin typeface="Consolas" panose="020B0609020204030204" pitchFamily="49" charset="0"/>
-            </a:endParaRPr>
           </a:p>
         </p:txBody>
       </p:sp>
@@ -7199,10 +6989,9 @@
           <a:lstStyle/>
           <a:p>
             <a:r>
-              <a:rPr lang="en-US" sz="4400" dirty="0" smtClean="0"/>
+              <a:rPr lang="en-US" sz="4400" dirty="0"/>
               <a:t>X</a:t>
             </a:r>
-            <a:endParaRPr lang="en-US" sz="4400" dirty="0"/>
           </a:p>
         </p:txBody>
       </p:sp>
@@ -7245,21 +7034,6 @@
   <p:clrMapOvr>
     <a:masterClrMapping/>
   </p:clrMapOvr>
-  <mc:AlternateContent xmlns:mc="http://schemas.openxmlformats.org/markup-compatibility/2006">
-    <mc:Choice xmlns:p14="http://schemas.microsoft.com/office/powerpoint/2010/main" Requires="p14">
-      <p:transition spd="slow" p14:dur="2000"/>
-    </mc:Choice>
-    <mc:Fallback>
-      <p:transition spd="slow"/>
-    </mc:Fallback>
-  </mc:AlternateContent>
-  <p:timing>
-    <p:tnLst>
-      <p:par>
-        <p:cTn id="1" dur="indefinite" restart="never" nodeType="tmRoot"/>
-      </p:par>
-    </p:tnLst>
-  </p:timing>
 </p:sld>
 </file>
 
@@ -7296,10 +7070,9 @@
           <a:lstStyle/>
           <a:p>
             <a:r>
-              <a:rPr lang="en-US" dirty="0" smtClean="0"/>
+              <a:rPr lang="en-US" dirty="0"/>
               <a:t>Creating a 2D char array</a:t>
             </a:r>
-            <a:endParaRPr lang="en-US" dirty="0"/>
           </a:p>
         </p:txBody>
       </p:sp>
@@ -7350,20 +7123,17 @@
           <a:lstStyle/>
           <a:p>
             <a:r>
-              <a:rPr lang="en-US" sz="2800" dirty="0" err="1" smtClean="0">
+              <a:rPr lang="en-US" sz="2800" dirty="0" err="1">
                 <a:latin typeface="Consolas" panose="020B0609020204030204" pitchFamily="49" charset="0"/>
               </a:rPr>
               <a:t>ticTacToe</a:t>
             </a:r>
             <a:r>
-              <a:rPr lang="en-US" sz="2800" dirty="0" smtClean="0">
+              <a:rPr lang="en-US" sz="2800" dirty="0">
                 <a:latin typeface="Consolas" panose="020B0609020204030204" pitchFamily="49" charset="0"/>
               </a:rPr>
               <a:t>[ 2 ][  2 ] = ‘X’;</a:t>
             </a:r>
-            <a:endParaRPr lang="en-US" sz="2800" dirty="0">
-              <a:latin typeface="Consolas" panose="020B0609020204030204" pitchFamily="49" charset="0"/>
-            </a:endParaRPr>
           </a:p>
         </p:txBody>
       </p:sp>
@@ -7390,10 +7160,9 @@
           <a:lstStyle/>
           <a:p>
             <a:r>
-              <a:rPr lang="en-US" sz="4400" dirty="0" smtClean="0"/>
+              <a:rPr lang="en-US" sz="4400" dirty="0"/>
               <a:t>X</a:t>
             </a:r>
-            <a:endParaRPr lang="en-US" sz="4400" dirty="0"/>
           </a:p>
         </p:txBody>
       </p:sp>
@@ -7436,21 +7205,6 @@
   <p:clrMapOvr>
     <a:masterClrMapping/>
   </p:clrMapOvr>
-  <mc:AlternateContent xmlns:mc="http://schemas.openxmlformats.org/markup-compatibility/2006">
-    <mc:Choice xmlns:p14="http://schemas.microsoft.com/office/powerpoint/2010/main" Requires="p14">
-      <p:transition spd="slow" p14:dur="2000"/>
-    </mc:Choice>
-    <mc:Fallback>
-      <p:transition spd="slow"/>
-    </mc:Fallback>
-  </mc:AlternateContent>
-  <p:timing>
-    <p:tnLst>
-      <p:par>
-        <p:cTn id="1" dur="indefinite" restart="never" nodeType="tmRoot"/>
-      </p:par>
-    </p:tnLst>
-  </p:timing>
 </p:sld>
 </file>
 
@@ -7487,10 +7241,9 @@
           <a:lstStyle/>
           <a:p>
             <a:r>
-              <a:rPr lang="en-US" dirty="0" smtClean="0"/>
+              <a:rPr lang="en-US" dirty="0"/>
               <a:t>Creating a 2D char array</a:t>
             </a:r>
-            <a:endParaRPr lang="en-US" dirty="0"/>
           </a:p>
         </p:txBody>
       </p:sp>
@@ -7541,20 +7294,17 @@
           <a:lstStyle/>
           <a:p>
             <a:r>
-              <a:rPr lang="en-US" sz="2800" dirty="0" err="1" smtClean="0">
+              <a:rPr lang="en-US" sz="2800" dirty="0" err="1">
                 <a:latin typeface="Consolas" panose="020B0609020204030204" pitchFamily="49" charset="0"/>
               </a:rPr>
               <a:t>ticTacToe</a:t>
             </a:r>
             <a:r>
-              <a:rPr lang="en-US" sz="2800" dirty="0" smtClean="0">
+              <a:rPr lang="en-US" sz="2800" dirty="0">
                 <a:latin typeface="Consolas" panose="020B0609020204030204" pitchFamily="49" charset="0"/>
               </a:rPr>
               <a:t>[ 2 ][  2 ] = ‘X’;</a:t>
             </a:r>
-            <a:endParaRPr lang="en-US" sz="2800" dirty="0">
-              <a:latin typeface="Consolas" panose="020B0609020204030204" pitchFamily="49" charset="0"/>
-            </a:endParaRPr>
           </a:p>
         </p:txBody>
       </p:sp>
@@ -7581,10 +7331,9 @@
           <a:lstStyle/>
           <a:p>
             <a:r>
-              <a:rPr lang="en-US" sz="4400" dirty="0" smtClean="0"/>
+              <a:rPr lang="en-US" sz="4400" dirty="0"/>
               <a:t>X</a:t>
             </a:r>
-            <a:endParaRPr lang="en-US" sz="4400" dirty="0"/>
           </a:p>
         </p:txBody>
       </p:sp>
@@ -7640,10 +7389,9 @@
           <a:lstStyle/>
           <a:p>
             <a:r>
-              <a:rPr lang="en-US" sz="4400" dirty="0" smtClean="0"/>
+              <a:rPr lang="en-US" sz="4400" dirty="0"/>
               <a:t>X</a:t>
             </a:r>
-            <a:endParaRPr lang="en-US" sz="4400" dirty="0"/>
           </a:p>
         </p:txBody>
       </p:sp>
@@ -7657,21 +7405,6 @@
   <p:clrMapOvr>
     <a:masterClrMapping/>
   </p:clrMapOvr>
-  <mc:AlternateContent xmlns:mc="http://schemas.openxmlformats.org/markup-compatibility/2006">
-    <mc:Choice xmlns:p14="http://schemas.microsoft.com/office/powerpoint/2010/main" Requires="p14">
-      <p:transition spd="slow" p14:dur="2000"/>
-    </mc:Choice>
-    <mc:Fallback>
-      <p:transition spd="slow"/>
-    </mc:Fallback>
-  </mc:AlternateContent>
-  <p:timing>
-    <p:tnLst>
-      <p:par>
-        <p:cTn id="1" dur="indefinite" restart="never" nodeType="tmRoot"/>
-      </p:par>
-    </p:tnLst>
-  </p:timing>
 </p:sld>
 </file>
 
@@ -7708,10 +7441,9 @@
           <a:lstStyle/>
           <a:p>
             <a:r>
-              <a:rPr lang="en-US" dirty="0" smtClean="0"/>
+              <a:rPr lang="en-US" dirty="0"/>
               <a:t>Creating a 2D char array</a:t>
             </a:r>
-            <a:endParaRPr lang="en-US" dirty="0"/>
           </a:p>
         </p:txBody>
       </p:sp>
@@ -7762,20 +7494,17 @@
           <a:lstStyle/>
           <a:p>
             <a:r>
-              <a:rPr lang="en-US" sz="2800" dirty="0" err="1" smtClean="0">
+              <a:rPr lang="en-US" sz="2800" dirty="0" err="1">
                 <a:latin typeface="Consolas" panose="020B0609020204030204" pitchFamily="49" charset="0"/>
               </a:rPr>
               <a:t>ticTacToe</a:t>
             </a:r>
             <a:r>
-              <a:rPr lang="en-US" sz="2800" dirty="0" smtClean="0">
+              <a:rPr lang="en-US" sz="2800" dirty="0">
                 <a:latin typeface="Consolas" panose="020B0609020204030204" pitchFamily="49" charset="0"/>
               </a:rPr>
               <a:t>[ 0 ][  0 ] = ‘O’;</a:t>
             </a:r>
-            <a:endParaRPr lang="en-US" sz="2800" dirty="0">
-              <a:latin typeface="Consolas" panose="020B0609020204030204" pitchFamily="49" charset="0"/>
-            </a:endParaRPr>
           </a:p>
         </p:txBody>
       </p:sp>
@@ -7802,10 +7531,9 @@
           <a:lstStyle/>
           <a:p>
             <a:r>
-              <a:rPr lang="en-US" sz="4400" dirty="0" smtClean="0"/>
+              <a:rPr lang="en-US" sz="4400" dirty="0"/>
               <a:t>X</a:t>
             </a:r>
-            <a:endParaRPr lang="en-US" sz="4400" dirty="0"/>
           </a:p>
         </p:txBody>
       </p:sp>
@@ -7861,10 +7589,9 @@
           <a:lstStyle/>
           <a:p>
             <a:r>
-              <a:rPr lang="en-US" sz="4400" dirty="0" smtClean="0"/>
+              <a:rPr lang="en-US" sz="4400" dirty="0"/>
               <a:t>X</a:t>
             </a:r>
-            <a:endParaRPr lang="en-US" sz="4400" dirty="0"/>
           </a:p>
         </p:txBody>
       </p:sp>
@@ -7878,21 +7605,6 @@
   <p:clrMapOvr>
     <a:masterClrMapping/>
   </p:clrMapOvr>
-  <mc:AlternateContent xmlns:mc="http://schemas.openxmlformats.org/markup-compatibility/2006">
-    <mc:Choice xmlns:p14="http://schemas.microsoft.com/office/powerpoint/2010/main" Requires="p14">
-      <p:transition spd="slow" p14:dur="2000"/>
-    </mc:Choice>
-    <mc:Fallback>
-      <p:transition spd="slow"/>
-    </mc:Fallback>
-  </mc:AlternateContent>
-  <p:timing>
-    <p:tnLst>
-      <p:par>
-        <p:cTn id="1" dur="indefinite" restart="never" nodeType="tmRoot"/>
-      </p:par>
-    </p:tnLst>
-  </p:timing>
 </p:sld>
 </file>
 
@@ -7929,10 +7641,9 @@
           <a:lstStyle/>
           <a:p>
             <a:r>
-              <a:rPr lang="en-US" dirty="0" smtClean="0"/>
+              <a:rPr lang="en-US" dirty="0"/>
               <a:t>Creating a 2D char array</a:t>
             </a:r>
-            <a:endParaRPr lang="en-US" dirty="0"/>
           </a:p>
         </p:txBody>
       </p:sp>
@@ -7983,20 +7694,17 @@
           <a:lstStyle/>
           <a:p>
             <a:r>
-              <a:rPr lang="en-US" sz="2800" dirty="0" err="1" smtClean="0">
+              <a:rPr lang="en-US" sz="2800" dirty="0" err="1">
                 <a:latin typeface="Consolas" panose="020B0609020204030204" pitchFamily="49" charset="0"/>
               </a:rPr>
               <a:t>ticTacToe</a:t>
             </a:r>
             <a:r>
-              <a:rPr lang="en-US" sz="2800" dirty="0" smtClean="0">
+              <a:rPr lang="en-US" sz="2800" dirty="0">
                 <a:latin typeface="Consolas" panose="020B0609020204030204" pitchFamily="49" charset="0"/>
               </a:rPr>
               <a:t>[ 0 ][  0 ] = ‘O’;</a:t>
             </a:r>
-            <a:endParaRPr lang="en-US" sz="2800" dirty="0">
-              <a:latin typeface="Consolas" panose="020B0609020204030204" pitchFamily="49" charset="0"/>
-            </a:endParaRPr>
           </a:p>
         </p:txBody>
       </p:sp>
@@ -8023,10 +7731,9 @@
           <a:lstStyle/>
           <a:p>
             <a:r>
-              <a:rPr lang="en-US" sz="4400" dirty="0" smtClean="0"/>
+              <a:rPr lang="en-US" sz="4400" dirty="0"/>
               <a:t>X</a:t>
             </a:r>
-            <a:endParaRPr lang="en-US" sz="4400" dirty="0"/>
           </a:p>
         </p:txBody>
       </p:sp>
@@ -8082,10 +7789,9 @@
           <a:lstStyle/>
           <a:p>
             <a:r>
-              <a:rPr lang="en-US" sz="4400" dirty="0" smtClean="0"/>
+              <a:rPr lang="en-US" sz="4400" dirty="0"/>
               <a:t>X</a:t>
             </a:r>
-            <a:endParaRPr lang="en-US" sz="4400" dirty="0"/>
           </a:p>
         </p:txBody>
       </p:sp>
@@ -8128,21 +7834,6 @@
   <p:clrMapOvr>
     <a:masterClrMapping/>
   </p:clrMapOvr>
-  <mc:AlternateContent xmlns:mc="http://schemas.openxmlformats.org/markup-compatibility/2006">
-    <mc:Choice xmlns:p14="http://schemas.microsoft.com/office/powerpoint/2010/main" Requires="p14">
-      <p:transition spd="slow" p14:dur="2000"/>
-    </mc:Choice>
-    <mc:Fallback>
-      <p:transition spd="slow"/>
-    </mc:Fallback>
-  </mc:AlternateContent>
-  <p:timing>
-    <p:tnLst>
-      <p:par>
-        <p:cTn id="1" dur="indefinite" restart="never" nodeType="tmRoot"/>
-      </p:par>
-    </p:tnLst>
-  </p:timing>
 </p:sld>
 </file>
 
@@ -8179,10 +7870,9 @@
           <a:lstStyle/>
           <a:p>
             <a:r>
-              <a:rPr lang="en-US" dirty="0" smtClean="0"/>
+              <a:rPr lang="en-US" dirty="0"/>
               <a:t>Creating a 2D char array</a:t>
             </a:r>
-            <a:endParaRPr lang="en-US" dirty="0"/>
           </a:p>
         </p:txBody>
       </p:sp>
@@ -8233,20 +7923,17 @@
           <a:lstStyle/>
           <a:p>
             <a:r>
-              <a:rPr lang="en-US" sz="2800" dirty="0" err="1" smtClean="0">
+              <a:rPr lang="en-US" sz="2800" dirty="0" err="1">
                 <a:latin typeface="Consolas" panose="020B0609020204030204" pitchFamily="49" charset="0"/>
               </a:rPr>
               <a:t>ticTacToe</a:t>
             </a:r>
             <a:r>
-              <a:rPr lang="en-US" sz="2800" dirty="0" smtClean="0">
+              <a:rPr lang="en-US" sz="2800" dirty="0">
                 <a:latin typeface="Consolas" panose="020B0609020204030204" pitchFamily="49" charset="0"/>
               </a:rPr>
               <a:t>[ 2 ][  0 ] = ‘X’;</a:t>
             </a:r>
-            <a:endParaRPr lang="en-US" sz="2800" dirty="0">
-              <a:latin typeface="Consolas" panose="020B0609020204030204" pitchFamily="49" charset="0"/>
-            </a:endParaRPr>
           </a:p>
         </p:txBody>
       </p:sp>
@@ -8273,10 +7960,9 @@
           <a:lstStyle/>
           <a:p>
             <a:r>
-              <a:rPr lang="en-US" sz="4400" dirty="0" smtClean="0"/>
+              <a:rPr lang="en-US" sz="4400" dirty="0"/>
               <a:t>X</a:t>
             </a:r>
-            <a:endParaRPr lang="en-US" sz="4400" dirty="0"/>
           </a:p>
         </p:txBody>
       </p:sp>
@@ -8332,10 +8018,9 @@
           <a:lstStyle/>
           <a:p>
             <a:r>
-              <a:rPr lang="en-US" sz="4400" dirty="0" smtClean="0"/>
+              <a:rPr lang="en-US" sz="4400" dirty="0"/>
               <a:t>X</a:t>
             </a:r>
-            <a:endParaRPr lang="en-US" sz="4400" dirty="0"/>
           </a:p>
         </p:txBody>
       </p:sp>
@@ -8378,21 +8063,6 @@
   <p:clrMapOvr>
     <a:masterClrMapping/>
   </p:clrMapOvr>
-  <mc:AlternateContent xmlns:mc="http://schemas.openxmlformats.org/markup-compatibility/2006">
-    <mc:Choice xmlns:p14="http://schemas.microsoft.com/office/powerpoint/2010/main" Requires="p14">
-      <p:transition spd="slow" p14:dur="2000"/>
-    </mc:Choice>
-    <mc:Fallback>
-      <p:transition spd="slow"/>
-    </mc:Fallback>
-  </mc:AlternateContent>
-  <p:timing>
-    <p:tnLst>
-      <p:par>
-        <p:cTn id="1" dur="indefinite" restart="never" nodeType="tmRoot"/>
-      </p:par>
-    </p:tnLst>
-  </p:timing>
 </p:sld>
 </file>
 
@@ -8429,10 +8099,9 @@
           <a:lstStyle/>
           <a:p>
             <a:r>
-              <a:rPr lang="en-US" dirty="0" smtClean="0"/>
+              <a:rPr lang="en-US" dirty="0"/>
               <a:t>Creating a 2D char array</a:t>
             </a:r>
-            <a:endParaRPr lang="en-US" dirty="0"/>
           </a:p>
         </p:txBody>
       </p:sp>
@@ -8483,20 +8152,17 @@
           <a:lstStyle/>
           <a:p>
             <a:r>
-              <a:rPr lang="en-US" sz="2800" dirty="0" err="1" smtClean="0">
+              <a:rPr lang="en-US" sz="2800" dirty="0" err="1">
                 <a:latin typeface="Consolas" panose="020B0609020204030204" pitchFamily="49" charset="0"/>
               </a:rPr>
               <a:t>ticTacToe</a:t>
             </a:r>
             <a:r>
-              <a:rPr lang="en-US" sz="2800" dirty="0" smtClean="0">
+              <a:rPr lang="en-US" sz="2800" dirty="0">
                 <a:latin typeface="Consolas" panose="020B0609020204030204" pitchFamily="49" charset="0"/>
               </a:rPr>
               <a:t>[ 2 ][  0 ] = ‘X’;</a:t>
             </a:r>
-            <a:endParaRPr lang="en-US" sz="2800" dirty="0">
-              <a:latin typeface="Consolas" panose="020B0609020204030204" pitchFamily="49" charset="0"/>
-            </a:endParaRPr>
           </a:p>
         </p:txBody>
       </p:sp>
@@ -8523,10 +8189,9 @@
           <a:lstStyle/>
           <a:p>
             <a:r>
-              <a:rPr lang="en-US" sz="4400" dirty="0" smtClean="0"/>
+              <a:rPr lang="en-US" sz="4400" dirty="0"/>
               <a:t>X</a:t>
             </a:r>
-            <a:endParaRPr lang="en-US" sz="4400" dirty="0"/>
           </a:p>
         </p:txBody>
       </p:sp>
@@ -8582,10 +8247,9 @@
           <a:lstStyle/>
           <a:p>
             <a:r>
-              <a:rPr lang="en-US" sz="4400" dirty="0" smtClean="0"/>
+              <a:rPr lang="en-US" sz="4400" dirty="0"/>
               <a:t>X</a:t>
             </a:r>
-            <a:endParaRPr lang="en-US" sz="4400" dirty="0"/>
           </a:p>
         </p:txBody>
       </p:sp>
@@ -8641,10 +8305,9 @@
           <a:lstStyle/>
           <a:p>
             <a:r>
-              <a:rPr lang="en-US" sz="4400" dirty="0" smtClean="0"/>
+              <a:rPr lang="en-US" sz="4400" dirty="0"/>
               <a:t>X</a:t>
             </a:r>
-            <a:endParaRPr lang="en-US" sz="4400" dirty="0"/>
           </a:p>
         </p:txBody>
       </p:sp>
@@ -8658,21 +8321,6 @@
   <p:clrMapOvr>
     <a:masterClrMapping/>
   </p:clrMapOvr>
-  <mc:AlternateContent xmlns:mc="http://schemas.openxmlformats.org/markup-compatibility/2006">
-    <mc:Choice xmlns:p14="http://schemas.microsoft.com/office/powerpoint/2010/main" Requires="p14">
-      <p:transition spd="slow" p14:dur="2000"/>
-    </mc:Choice>
-    <mc:Fallback>
-      <p:transition spd="slow"/>
-    </mc:Fallback>
-  </mc:AlternateContent>
-  <p:timing>
-    <p:tnLst>
-      <p:par>
-        <p:cTn id="1" dur="indefinite" restart="never" nodeType="tmRoot"/>
-      </p:par>
-    </p:tnLst>
-  </p:timing>
 </p:sld>
 </file>
 
@@ -8709,10 +8357,9 @@
           <a:lstStyle/>
           <a:p>
             <a:r>
-              <a:rPr lang="en-US" dirty="0" smtClean="0"/>
+              <a:rPr lang="en-US" dirty="0"/>
               <a:t>Creating a 2D char array</a:t>
             </a:r>
-            <a:endParaRPr lang="en-US" dirty="0"/>
           </a:p>
         </p:txBody>
       </p:sp>
@@ -8763,20 +8410,17 @@
           <a:lstStyle/>
           <a:p>
             <a:r>
-              <a:rPr lang="en-US" sz="2800" dirty="0" err="1" smtClean="0">
+              <a:rPr lang="en-US" sz="2800" dirty="0" err="1">
                 <a:latin typeface="Consolas" panose="020B0609020204030204" pitchFamily="49" charset="0"/>
               </a:rPr>
               <a:t>ticTacToe</a:t>
             </a:r>
             <a:r>
-              <a:rPr lang="en-US" sz="2800" dirty="0" smtClean="0">
+              <a:rPr lang="en-US" sz="2800" dirty="0">
                 <a:latin typeface="Consolas" panose="020B0609020204030204" pitchFamily="49" charset="0"/>
               </a:rPr>
               <a:t>[ 2 ][  1 ] = ‘O’;</a:t>
             </a:r>
-            <a:endParaRPr lang="en-US" sz="2800" dirty="0">
-              <a:latin typeface="Consolas" panose="020B0609020204030204" pitchFamily="49" charset="0"/>
-            </a:endParaRPr>
           </a:p>
         </p:txBody>
       </p:sp>
@@ -8803,10 +8447,9 @@
           <a:lstStyle/>
           <a:p>
             <a:r>
-              <a:rPr lang="en-US" sz="4400" dirty="0" smtClean="0"/>
+              <a:rPr lang="en-US" sz="4400" dirty="0"/>
               <a:t>X</a:t>
             </a:r>
-            <a:endParaRPr lang="en-US" sz="4400" dirty="0"/>
           </a:p>
         </p:txBody>
       </p:sp>
@@ -8862,10 +8505,9 @@
           <a:lstStyle/>
           <a:p>
             <a:r>
-              <a:rPr lang="en-US" sz="4400" dirty="0" smtClean="0"/>
+              <a:rPr lang="en-US" sz="4400" dirty="0"/>
               <a:t>X</a:t>
             </a:r>
-            <a:endParaRPr lang="en-US" sz="4400" dirty="0"/>
           </a:p>
         </p:txBody>
       </p:sp>
@@ -8921,10 +8563,9 @@
           <a:lstStyle/>
           <a:p>
             <a:r>
-              <a:rPr lang="en-US" sz="4400" dirty="0" smtClean="0"/>
+              <a:rPr lang="en-US" sz="4400" dirty="0"/>
               <a:t>X</a:t>
             </a:r>
-            <a:endParaRPr lang="en-US" sz="4400" dirty="0"/>
           </a:p>
         </p:txBody>
       </p:sp>
@@ -8938,21 +8579,6 @@
   <p:clrMapOvr>
     <a:masterClrMapping/>
   </p:clrMapOvr>
-  <mc:AlternateContent xmlns:mc="http://schemas.openxmlformats.org/markup-compatibility/2006">
-    <mc:Choice xmlns:p14="http://schemas.microsoft.com/office/powerpoint/2010/main" Requires="p14">
-      <p:transition spd="slow" p14:dur="2000"/>
-    </mc:Choice>
-    <mc:Fallback>
-      <p:transition spd="slow"/>
-    </mc:Fallback>
-  </mc:AlternateContent>
-  <p:timing>
-    <p:tnLst>
-      <p:par>
-        <p:cTn id="1" dur="indefinite" restart="never" nodeType="tmRoot"/>
-      </p:par>
-    </p:tnLst>
-  </p:timing>
 </p:sld>
 </file>
 
@@ -8989,10 +8615,9 @@
           <a:lstStyle/>
           <a:p>
             <a:r>
-              <a:rPr lang="en-US" dirty="0" smtClean="0"/>
+              <a:rPr lang="en-US" dirty="0"/>
               <a:t>Creating a 2D char array</a:t>
             </a:r>
-            <a:endParaRPr lang="en-US" dirty="0"/>
           </a:p>
         </p:txBody>
       </p:sp>
@@ -9043,20 +8668,17 @@
           <a:lstStyle/>
           <a:p>
             <a:r>
-              <a:rPr lang="en-US" sz="2800" dirty="0" err="1" smtClean="0">
+              <a:rPr lang="en-US" sz="2800" dirty="0" err="1">
                 <a:latin typeface="Consolas" panose="020B0609020204030204" pitchFamily="49" charset="0"/>
               </a:rPr>
               <a:t>ticTacToe</a:t>
             </a:r>
             <a:r>
-              <a:rPr lang="en-US" sz="2800" dirty="0" smtClean="0">
+              <a:rPr lang="en-US" sz="2800" dirty="0">
                 <a:latin typeface="Consolas" panose="020B0609020204030204" pitchFamily="49" charset="0"/>
               </a:rPr>
               <a:t>[ 2 ][  1 ] = ‘O’;</a:t>
             </a:r>
-            <a:endParaRPr lang="en-US" sz="2800" dirty="0">
-              <a:latin typeface="Consolas" panose="020B0609020204030204" pitchFamily="49" charset="0"/>
-            </a:endParaRPr>
           </a:p>
         </p:txBody>
       </p:sp>
@@ -9083,10 +8705,9 @@
           <a:lstStyle/>
           <a:p>
             <a:r>
-              <a:rPr lang="en-US" sz="4400" dirty="0" smtClean="0"/>
+              <a:rPr lang="en-US" sz="4400" dirty="0"/>
               <a:t>X</a:t>
             </a:r>
-            <a:endParaRPr lang="en-US" sz="4400" dirty="0"/>
           </a:p>
         </p:txBody>
       </p:sp>
@@ -9142,10 +8763,9 @@
           <a:lstStyle/>
           <a:p>
             <a:r>
-              <a:rPr lang="en-US" sz="4400" dirty="0" smtClean="0"/>
+              <a:rPr lang="en-US" sz="4400" dirty="0"/>
               <a:t>X</a:t>
             </a:r>
-            <a:endParaRPr lang="en-US" sz="4400" dirty="0"/>
           </a:p>
         </p:txBody>
       </p:sp>
@@ -9201,10 +8821,9 @@
           <a:lstStyle/>
           <a:p>
             <a:r>
-              <a:rPr lang="en-US" sz="4400" dirty="0" smtClean="0"/>
+              <a:rPr lang="en-US" sz="4400" dirty="0"/>
               <a:t>X</a:t>
             </a:r>
-            <a:endParaRPr lang="en-US" sz="4400" dirty="0"/>
           </a:p>
         </p:txBody>
       </p:sp>
@@ -9247,21 +8866,6 @@
   <p:clrMapOvr>
     <a:masterClrMapping/>
   </p:clrMapOvr>
-  <mc:AlternateContent xmlns:mc="http://schemas.openxmlformats.org/markup-compatibility/2006">
-    <mc:Choice xmlns:p14="http://schemas.microsoft.com/office/powerpoint/2010/main" Requires="p14">
-      <p:transition spd="slow" p14:dur="2000"/>
-    </mc:Choice>
-    <mc:Fallback>
-      <p:transition spd="slow"/>
-    </mc:Fallback>
-  </mc:AlternateContent>
-  <p:timing>
-    <p:tnLst>
-      <p:par>
-        <p:cTn id="1" dur="indefinite" restart="never" nodeType="tmRoot"/>
-      </p:par>
-    </p:tnLst>
-  </p:timing>
 </p:sld>
 </file>
 
@@ -9298,10 +8902,9 @@
           <a:lstStyle/>
           <a:p>
             <a:r>
-              <a:rPr lang="en-US" dirty="0" smtClean="0"/>
+              <a:rPr lang="en-US" dirty="0"/>
               <a:t>Creating a 2D char array</a:t>
             </a:r>
-            <a:endParaRPr lang="en-US" dirty="0"/>
           </a:p>
         </p:txBody>
       </p:sp>
@@ -9352,20 +8955,17 @@
           <a:lstStyle/>
           <a:p>
             <a:r>
-              <a:rPr lang="en-US" sz="2800" dirty="0" err="1" smtClean="0">
+              <a:rPr lang="en-US" sz="2800" dirty="0" err="1">
                 <a:latin typeface="Consolas" panose="020B0609020204030204" pitchFamily="49" charset="0"/>
               </a:rPr>
               <a:t>ticTacToe</a:t>
             </a:r>
             <a:r>
-              <a:rPr lang="en-US" sz="2800" dirty="0" smtClean="0">
+              <a:rPr lang="en-US" sz="2800" dirty="0">
                 <a:latin typeface="Consolas" panose="020B0609020204030204" pitchFamily="49" charset="0"/>
               </a:rPr>
               <a:t>[ 0 ][  2 ] = ‘X’;</a:t>
             </a:r>
-            <a:endParaRPr lang="en-US" sz="2800" dirty="0">
-              <a:latin typeface="Consolas" panose="020B0609020204030204" pitchFamily="49" charset="0"/>
-            </a:endParaRPr>
           </a:p>
         </p:txBody>
       </p:sp>
@@ -9392,10 +8992,9 @@
           <a:lstStyle/>
           <a:p>
             <a:r>
-              <a:rPr lang="en-US" sz="4400" dirty="0" smtClean="0"/>
+              <a:rPr lang="en-US" sz="4400" dirty="0"/>
               <a:t>X</a:t>
             </a:r>
-            <a:endParaRPr lang="en-US" sz="4400" dirty="0"/>
           </a:p>
         </p:txBody>
       </p:sp>
@@ -9451,10 +9050,9 @@
           <a:lstStyle/>
           <a:p>
             <a:r>
-              <a:rPr lang="en-US" sz="4400" dirty="0" smtClean="0"/>
+              <a:rPr lang="en-US" sz="4400" dirty="0"/>
               <a:t>X</a:t>
             </a:r>
-            <a:endParaRPr lang="en-US" sz="4400" dirty="0"/>
           </a:p>
         </p:txBody>
       </p:sp>
@@ -9510,10 +9108,9 @@
           <a:lstStyle/>
           <a:p>
             <a:r>
-              <a:rPr lang="en-US" sz="4400" dirty="0" smtClean="0"/>
+              <a:rPr lang="en-US" sz="4400" dirty="0"/>
               <a:t>X</a:t>
             </a:r>
-            <a:endParaRPr lang="en-US" sz="4400" dirty="0"/>
           </a:p>
         </p:txBody>
       </p:sp>
@@ -9556,21 +9153,6 @@
   <p:clrMapOvr>
     <a:masterClrMapping/>
   </p:clrMapOvr>
-  <mc:AlternateContent xmlns:mc="http://schemas.openxmlformats.org/markup-compatibility/2006">
-    <mc:Choice xmlns:p14="http://schemas.microsoft.com/office/powerpoint/2010/main" Requires="p14">
-      <p:transition spd="slow" p14:dur="2000"/>
-    </mc:Choice>
-    <mc:Fallback>
-      <p:transition spd="slow"/>
-    </mc:Fallback>
-  </mc:AlternateContent>
-  <p:timing>
-    <p:tnLst>
-      <p:par>
-        <p:cTn id="1" dur="indefinite" restart="never" nodeType="tmRoot"/>
-      </p:par>
-    </p:tnLst>
-  </p:timing>
 </p:sld>
 </file>
 
@@ -9607,10 +9189,9 @@
           <a:lstStyle/>
           <a:p>
             <a:r>
-              <a:rPr lang="en-US" dirty="0" smtClean="0"/>
+              <a:rPr lang="en-US" dirty="0"/>
               <a:t>An aside: academic honesty in CS</a:t>
             </a:r>
-            <a:endParaRPr lang="en-US" dirty="0"/>
           </a:p>
         </p:txBody>
       </p:sp>
@@ -9635,10 +9216,9 @@
           <a:lstStyle/>
           <a:p>
             <a:r>
-              <a:rPr lang="en-US" dirty="0" smtClean="0"/>
+              <a:rPr lang="en-US" dirty="0"/>
               <a:t>Please do not collaborate on homework assignments beyond what is allowed</a:t>
             </a:r>
-            <a:endParaRPr lang="en-US" dirty="0"/>
           </a:p>
         </p:txBody>
       </p:sp>
@@ -9686,10 +9266,9 @@
               </a:spcAft>
             </a:pPr>
             <a:r>
-              <a:rPr lang="en-US" dirty="0" smtClean="0"/>
+              <a:rPr lang="en-US" dirty="0"/>
               <a:t>Definitely not OK</a:t>
             </a:r>
-            <a:endParaRPr lang="en-US" dirty="0"/>
           </a:p>
         </p:txBody>
       </p:sp>
@@ -9858,7 +9437,7 @@
               </a:spcAft>
             </a:pPr>
             <a:r>
-              <a:rPr lang="en-US" dirty="0" smtClean="0"/>
+              <a:rPr lang="en-US" dirty="0"/>
               <a:t>Looking at someone else’s solution, “just for a reference” as you write your own code</a:t>
             </a:r>
           </a:p>
@@ -9869,7 +9448,7 @@
               </a:spcAft>
             </a:pPr>
             <a:r>
-              <a:rPr lang="en-US" dirty="0" smtClean="0"/>
+              <a:rPr lang="en-US" dirty="0"/>
               <a:t>Pair programming on an individual assignment</a:t>
             </a:r>
           </a:p>
@@ -9880,7 +9459,7 @@
               </a:spcAft>
             </a:pPr>
             <a:r>
-              <a:rPr lang="en-US" dirty="0" smtClean="0"/>
+              <a:rPr lang="en-US" dirty="0"/>
               <a:t>Sitting next to someone as you both work on the assignment, working through any problems you have as a group</a:t>
             </a:r>
           </a:p>
@@ -9896,13 +9475,6 @@
   <p:clrMapOvr>
     <a:masterClrMapping/>
   </p:clrMapOvr>
-  <p:timing>
-    <p:tnLst>
-      <p:par>
-        <p:cTn id="1" dur="indefinite" restart="never" nodeType="tmRoot"/>
-      </p:par>
-    </p:tnLst>
-  </p:timing>
 </p:sld>
 </file>
 
@@ -9939,10 +9511,9 @@
           <a:lstStyle/>
           <a:p>
             <a:r>
-              <a:rPr lang="en-US" dirty="0" smtClean="0"/>
+              <a:rPr lang="en-US" dirty="0"/>
               <a:t>Creating a 2D char array</a:t>
             </a:r>
-            <a:endParaRPr lang="en-US" dirty="0"/>
           </a:p>
         </p:txBody>
       </p:sp>
@@ -9993,20 +9564,17 @@
           <a:lstStyle/>
           <a:p>
             <a:r>
-              <a:rPr lang="en-US" sz="2800" dirty="0" err="1" smtClean="0">
+              <a:rPr lang="en-US" sz="2800" dirty="0" err="1">
                 <a:latin typeface="Consolas" panose="020B0609020204030204" pitchFamily="49" charset="0"/>
               </a:rPr>
               <a:t>ticTacToe</a:t>
             </a:r>
             <a:r>
-              <a:rPr lang="en-US" sz="2800" dirty="0" smtClean="0">
+              <a:rPr lang="en-US" sz="2800" dirty="0">
                 <a:latin typeface="Consolas" panose="020B0609020204030204" pitchFamily="49" charset="0"/>
               </a:rPr>
               <a:t>[ 0 ][  2 ] = ‘X’;</a:t>
             </a:r>
-            <a:endParaRPr lang="en-US" sz="2800" dirty="0">
-              <a:latin typeface="Consolas" panose="020B0609020204030204" pitchFamily="49" charset="0"/>
-            </a:endParaRPr>
           </a:p>
         </p:txBody>
       </p:sp>
@@ -10033,10 +9601,9 @@
           <a:lstStyle/>
           <a:p>
             <a:r>
-              <a:rPr lang="en-US" sz="4400" dirty="0" smtClean="0"/>
+              <a:rPr lang="en-US" sz="4400" dirty="0"/>
               <a:t>X</a:t>
             </a:r>
-            <a:endParaRPr lang="en-US" sz="4400" dirty="0"/>
           </a:p>
         </p:txBody>
       </p:sp>
@@ -10092,10 +9659,9 @@
           <a:lstStyle/>
           <a:p>
             <a:r>
-              <a:rPr lang="en-US" sz="4400" dirty="0" smtClean="0"/>
+              <a:rPr lang="en-US" sz="4400" dirty="0"/>
               <a:t>X</a:t>
             </a:r>
-            <a:endParaRPr lang="en-US" sz="4400" dirty="0"/>
           </a:p>
         </p:txBody>
       </p:sp>
@@ -10151,10 +9717,9 @@
           <a:lstStyle/>
           <a:p>
             <a:r>
-              <a:rPr lang="en-US" sz="4400" dirty="0" smtClean="0"/>
+              <a:rPr lang="en-US" sz="4400" dirty="0"/>
               <a:t>X</a:t>
             </a:r>
-            <a:endParaRPr lang="en-US" sz="4400" dirty="0"/>
           </a:p>
         </p:txBody>
       </p:sp>
@@ -10210,10 +9775,9 @@
           <a:lstStyle/>
           <a:p>
             <a:r>
-              <a:rPr lang="en-US" sz="4400" dirty="0" smtClean="0"/>
+              <a:rPr lang="en-US" sz="4400" dirty="0"/>
               <a:t>X</a:t>
             </a:r>
-            <a:endParaRPr lang="en-US" sz="4400" dirty="0"/>
           </a:p>
         </p:txBody>
       </p:sp>
@@ -10227,21 +9791,6 @@
   <p:clrMapOvr>
     <a:masterClrMapping/>
   </p:clrMapOvr>
-  <mc:AlternateContent xmlns:mc="http://schemas.openxmlformats.org/markup-compatibility/2006">
-    <mc:Choice xmlns:p14="http://schemas.microsoft.com/office/powerpoint/2010/main" Requires="p14">
-      <p:transition spd="slow" p14:dur="2000"/>
-    </mc:Choice>
-    <mc:Fallback>
-      <p:transition spd="slow"/>
-    </mc:Fallback>
-  </mc:AlternateContent>
-  <p:timing>
-    <p:tnLst>
-      <p:par>
-        <p:cTn id="1" dur="indefinite" restart="never" nodeType="tmRoot"/>
-      </p:par>
-    </p:tnLst>
-  </p:timing>
 </p:sld>
 </file>
 
@@ -10278,10 +9827,9 @@
           <a:lstStyle/>
           <a:p>
             <a:r>
-              <a:rPr lang="en-US" dirty="0" smtClean="0"/>
+              <a:rPr lang="en-US" dirty="0"/>
               <a:t>2D array dimensions</a:t>
             </a:r>
-            <a:endParaRPr lang="en-US" dirty="0"/>
           </a:p>
         </p:txBody>
       </p:sp>
@@ -10306,27 +9854,27 @@
               <a:buNone/>
             </a:pPr>
             <a:r>
-              <a:rPr lang="en-US" dirty="0" err="1" smtClean="0"/>
+              <a:rPr lang="en-US" dirty="0" err="1"/>
               <a:t>int</a:t>
             </a:r>
             <a:r>
-              <a:rPr lang="en-US" dirty="0" smtClean="0"/>
+              <a:rPr lang="en-US" dirty="0"/>
               <a:t>[][] </a:t>
             </a:r>
             <a:r>
-              <a:rPr lang="en-US" dirty="0" err="1" smtClean="0"/>
+              <a:rPr lang="en-US" dirty="0" err="1"/>
               <a:t>numArray</a:t>
             </a:r>
             <a:r>
-              <a:rPr lang="en-US" dirty="0" smtClean="0"/>
+              <a:rPr lang="en-US" dirty="0"/>
               <a:t> = new </a:t>
             </a:r>
             <a:r>
-              <a:rPr lang="en-US" dirty="0" err="1" smtClean="0"/>
+              <a:rPr lang="en-US" dirty="0" err="1"/>
               <a:t>int</a:t>
             </a:r>
             <a:r>
-              <a:rPr lang="en-US" dirty="0" smtClean="0"/>
+              <a:rPr lang="en-US" dirty="0"/>
               <a:t>[2][4];</a:t>
             </a:r>
           </a:p>
@@ -10335,19 +9883,19 @@
               <a:buNone/>
             </a:pPr>
             <a:r>
-              <a:rPr lang="en-US" dirty="0" err="1" smtClean="0"/>
+              <a:rPr lang="en-US" dirty="0" err="1"/>
               <a:t>int</a:t>
             </a:r>
             <a:r>
-              <a:rPr lang="en-US" dirty="0" smtClean="0"/>
+              <a:rPr lang="en-US" dirty="0"/>
               <a:t> rows = </a:t>
             </a:r>
             <a:r>
-              <a:rPr lang="en-US" dirty="0" err="1" smtClean="0"/>
+              <a:rPr lang="en-US" dirty="0" err="1"/>
               <a:t>numArray.length</a:t>
             </a:r>
             <a:r>
-              <a:rPr lang="en-US" dirty="0" smtClean="0"/>
+              <a:rPr lang="en-US" dirty="0"/>
               <a:t>;</a:t>
             </a:r>
           </a:p>
@@ -10356,19 +9904,19 @@
               <a:buNone/>
             </a:pPr>
             <a:r>
-              <a:rPr lang="en-US" dirty="0" err="1" smtClean="0"/>
+              <a:rPr lang="en-US" dirty="0" err="1"/>
               <a:t>int</a:t>
             </a:r>
             <a:r>
-              <a:rPr lang="en-US" dirty="0" smtClean="0"/>
+              <a:rPr lang="en-US" dirty="0"/>
               <a:t> cols = </a:t>
             </a:r>
             <a:r>
-              <a:rPr lang="en-US" dirty="0" err="1" smtClean="0"/>
+              <a:rPr lang="en-US" dirty="0" err="1"/>
               <a:t>numArray</a:t>
             </a:r>
             <a:r>
-              <a:rPr lang="en-US" dirty="0" smtClean="0"/>
+              <a:rPr lang="en-US" dirty="0"/>
               <a:t>[0].length;</a:t>
             </a:r>
           </a:p>
@@ -10384,13 +9932,6 @@
   <p:clrMapOvr>
     <a:masterClrMapping/>
   </p:clrMapOvr>
-  <p:timing>
-    <p:tnLst>
-      <p:par>
-        <p:cTn id="1" dur="indefinite" restart="never" nodeType="tmRoot"/>
-      </p:par>
-    </p:tnLst>
-  </p:timing>
 </p:sld>
 </file>
 
@@ -10480,13 +10021,13 @@
           <a:lstStyle/>
           <a:p>
             <a:r>
-              <a:rPr lang="en-US" sz="2800" dirty="0" smtClean="0"/>
+              <a:rPr lang="en-US" sz="2800" dirty="0"/>
               <a:t>2 rows</a:t>
             </a:r>
           </a:p>
           <a:p>
             <a:r>
-              <a:rPr lang="en-US" sz="2800" dirty="0" smtClean="0"/>
+              <a:rPr lang="en-US" sz="2800" dirty="0"/>
               <a:t>4 columns</a:t>
             </a:r>
           </a:p>
@@ -10494,7 +10035,7 @@
             <a:endParaRPr lang="en-US" sz="2800" dirty="0"/>
           </a:p>
           <a:p>
-            <a:endParaRPr lang="en-US" sz="2800" dirty="0" smtClean="0"/>
+            <a:endParaRPr lang="en-US" sz="2800" dirty="0"/>
           </a:p>
           <a:p>
             <a:endParaRPr lang="en-US" sz="2800" dirty="0"/>
@@ -10511,13 +10052,6 @@
   <p:clrMapOvr>
     <a:masterClrMapping/>
   </p:clrMapOvr>
-  <p:timing>
-    <p:tnLst>
-      <p:par>
-        <p:cTn id="1" dur="indefinite" restart="never" nodeType="tmRoot"/>
-      </p:par>
-    </p:tnLst>
-  </p:timing>
 </p:sld>
 </file>
 
@@ -10554,10 +10088,9 @@
           <a:lstStyle/>
           <a:p>
             <a:r>
-              <a:rPr lang="en-US" dirty="0" smtClean="0"/>
+              <a:rPr lang="en-US" dirty="0"/>
               <a:t>Iterate through 2D array?</a:t>
             </a:r>
-            <a:endParaRPr lang="en-US" dirty="0"/>
           </a:p>
         </p:txBody>
       </p:sp>
@@ -10582,27 +10115,35 @@
               <a:buNone/>
             </a:pPr>
             <a:r>
-              <a:rPr lang="en-US" dirty="0" err="1" smtClean="0"/>
+              <a:rPr lang="en-US" dirty="0" err="1"/>
               <a:t>int</a:t>
             </a:r>
             <a:r>
-              <a:rPr lang="en-US" dirty="0" smtClean="0"/>
+              <a:rPr lang="en-US" dirty="0"/>
               <a:t>[][] </a:t>
             </a:r>
             <a:r>
-              <a:rPr lang="en-US" dirty="0" err="1" smtClean="0"/>
+              <a:rPr lang="en-US" dirty="0" err="1"/>
               <a:t>numArray</a:t>
             </a:r>
             <a:r>
-              <a:rPr lang="en-US" dirty="0" smtClean="0"/>
-              <a:t> = new </a:t>
-            </a:r>
-            <a:r>
-              <a:rPr lang="en-US" dirty="0" err="1" smtClean="0"/>
+              <a:rPr lang="en-US" dirty="0"/>
+              <a:t> = </a:t>
+            </a:r>
+            <a:r>
+              <a:rPr lang="en-US" b="1" dirty="0"/>
+              <a:t>new</a:t>
+            </a:r>
+            <a:r>
+              <a:rPr lang="en-US" dirty="0"/>
+              <a:t> </a:t>
+            </a:r>
+            <a:r>
+              <a:rPr lang="en-US" dirty="0" err="1"/>
               <a:t>int</a:t>
             </a:r>
             <a:r>
-              <a:rPr lang="en-US" dirty="0" smtClean="0"/>
+              <a:rPr lang="en-US" dirty="0"/>
               <a:t>[2][4];</a:t>
             </a:r>
           </a:p>
@@ -10611,19 +10152,19 @@
               <a:buNone/>
             </a:pPr>
             <a:r>
-              <a:rPr lang="en-US" dirty="0" err="1" smtClean="0"/>
+              <a:rPr lang="en-US" dirty="0" err="1"/>
               <a:t>int</a:t>
             </a:r>
             <a:r>
-              <a:rPr lang="en-US" dirty="0" smtClean="0"/>
+              <a:rPr lang="en-US" dirty="0"/>
               <a:t> rows = </a:t>
             </a:r>
             <a:r>
-              <a:rPr lang="en-US" dirty="0" err="1" smtClean="0"/>
+              <a:rPr lang="en-US" dirty="0" err="1"/>
               <a:t>numArray.length</a:t>
             </a:r>
             <a:r>
-              <a:rPr lang="en-US" dirty="0" smtClean="0"/>
+              <a:rPr lang="en-US" dirty="0"/>
               <a:t>;</a:t>
             </a:r>
           </a:p>
@@ -10632,19 +10173,19 @@
               <a:buNone/>
             </a:pPr>
             <a:r>
-              <a:rPr lang="en-US" dirty="0" err="1" smtClean="0"/>
+              <a:rPr lang="en-US" dirty="0" err="1"/>
               <a:t>int</a:t>
             </a:r>
             <a:r>
-              <a:rPr lang="en-US" dirty="0" smtClean="0"/>
+              <a:rPr lang="en-US" dirty="0"/>
               <a:t> cols = </a:t>
             </a:r>
             <a:r>
-              <a:rPr lang="en-US" dirty="0" err="1" smtClean="0"/>
+              <a:rPr lang="en-US" dirty="0" err="1"/>
               <a:t>numArray</a:t>
             </a:r>
             <a:r>
-              <a:rPr lang="en-US" dirty="0" smtClean="0"/>
+              <a:rPr lang="en-US" dirty="0"/>
               <a:t>[0].length;</a:t>
             </a:r>
           </a:p>
@@ -10653,11 +10194,11 @@
               <a:buNone/>
             </a:pPr>
             <a:r>
-              <a:rPr lang="en-US" dirty="0" err="1" smtClean="0"/>
+              <a:rPr lang="en-US" dirty="0" err="1"/>
               <a:t>int</a:t>
             </a:r>
             <a:r>
-              <a:rPr lang="en-US" dirty="0" smtClean="0"/>
+              <a:rPr lang="en-US" dirty="0"/>
               <a:t> count = 0;</a:t>
             </a:r>
           </a:p>
@@ -10666,16 +10207,8 @@
               <a:buNone/>
             </a:pPr>
             <a:r>
-              <a:rPr lang="en-US" dirty="0" smtClean="0"/>
-              <a:t>for (</a:t>
-            </a:r>
-            <a:r>
-              <a:rPr lang="en-US" dirty="0" err="1" smtClean="0"/>
-              <a:t>int</a:t>
-            </a:r>
-            <a:r>
-              <a:rPr lang="en-US" dirty="0" smtClean="0"/>
-              <a:t> r=0; r &lt; rows; r ++ ) {</a:t>
+              <a:rPr lang="en-US" dirty="0"/>
+              <a:t>for (int r = 0; r &lt; rows; r ++ ) {</a:t>
             </a:r>
           </a:p>
           <a:p>
@@ -10683,23 +10216,15 @@
               <a:buNone/>
             </a:pPr>
             <a:r>
-              <a:rPr lang="en-US" dirty="0" smtClean="0"/>
-              <a:t>	for (</a:t>
-            </a:r>
-            <a:r>
-              <a:rPr lang="en-US" dirty="0" err="1" smtClean="0"/>
-              <a:t>int</a:t>
-            </a:r>
-            <a:r>
-              <a:rPr lang="en-US" dirty="0" smtClean="0"/>
-              <a:t> c=0; c&lt; cols; </a:t>
-            </a:r>
-            <a:r>
-              <a:rPr lang="en-US" dirty="0" err="1" smtClean="0"/>
+              <a:rPr lang="en-US" dirty="0"/>
+              <a:t>	for (int c = 0; c &lt; cols; </a:t>
+            </a:r>
+            <a:r>
+              <a:rPr lang="en-US" dirty="0" err="1"/>
               <a:t>c++</a:t>
             </a:r>
             <a:r>
-              <a:rPr lang="en-US" dirty="0" smtClean="0"/>
+              <a:rPr lang="en-US" dirty="0"/>
               <a:t>) {</a:t>
             </a:r>
           </a:p>
@@ -10709,18 +10234,14 @@
             </a:pPr>
             <a:r>
               <a:rPr lang="en-US" dirty="0"/>
-              <a:t>	</a:t>
-            </a:r>
-            <a:r>
-              <a:rPr lang="en-US" dirty="0" smtClean="0"/>
-              <a:t>	</a:t>
-            </a:r>
-            <a:r>
-              <a:rPr lang="en-US" dirty="0" err="1" smtClean="0"/>
-              <a:t>ticTacToe</a:t>
-            </a:r>
-            <a:r>
-              <a:rPr lang="en-US" dirty="0" smtClean="0"/>
+              <a:t>		 </a:t>
+            </a:r>
+            <a:r>
+              <a:rPr lang="en-US" dirty="0" err="1"/>
+              <a:t>numArray</a:t>
+            </a:r>
+            <a:r>
+              <a:rPr lang="en-US" dirty="0"/>
               <a:t>[r][c] = count;</a:t>
             </a:r>
           </a:p>
@@ -10729,7 +10250,7 @@
               <a:buNone/>
             </a:pPr>
             <a:r>
-              <a:rPr lang="en-US" dirty="0" smtClean="0"/>
+              <a:rPr lang="en-US" dirty="0"/>
               <a:t>		count ++;</a:t>
             </a:r>
           </a:p>
@@ -10738,20 +10259,18 @@
               <a:buNone/>
             </a:pPr>
             <a:r>
-              <a:rPr lang="en-US" dirty="0" smtClean="0"/>
-              <a:t>	}</a:t>
-            </a:r>
-            <a:endParaRPr lang="en-US" dirty="0"/>
+              <a:rPr lang="en-US" dirty="0"/>
+              <a:t>	} // end for</a:t>
+            </a:r>
           </a:p>
           <a:p>
             <a:pPr marL="0" indent="0">
               <a:buNone/>
             </a:pPr>
             <a:r>
-              <a:rPr lang="en-US" dirty="0" smtClean="0"/>
-              <a:t>}</a:t>
-            </a:r>
-            <a:endParaRPr lang="en-US" dirty="0"/>
+              <a:rPr lang="en-US" dirty="0"/>
+              <a:t>} // end for</a:t>
+            </a:r>
           </a:p>
         </p:txBody>
       </p:sp>
@@ -10765,13 +10284,6 @@
   <p:clrMapOvr>
     <a:masterClrMapping/>
   </p:clrMapOvr>
-  <p:timing>
-    <p:tnLst>
-      <p:par>
-        <p:cTn id="1" dur="indefinite" restart="never" nodeType="tmRoot"/>
-      </p:par>
-    </p:tnLst>
-  </p:timing>
 </p:sld>
 </file>
 
@@ -10815,10 +10327,9 @@
           <a:lstStyle/>
           <a:p>
             <a:r>
-              <a:rPr lang="en-US" dirty="0" smtClean="0"/>
+              <a:rPr lang="en-US" dirty="0"/>
               <a:t>Order of iteration?</a:t>
             </a:r>
-            <a:endParaRPr lang="en-US" dirty="0"/>
           </a:p>
         </p:txBody>
       </p:sp>
@@ -10835,7 +10346,7 @@
         <p:spPr>
           <a:xfrm>
             <a:off x="76200" y="730643"/>
-            <a:ext cx="4191000" cy="3047999"/>
+            <a:ext cx="4419600" cy="3047999"/>
           </a:xfrm>
         </p:spPr>
         <p:txBody>
@@ -10848,27 +10359,27 @@
               <a:buNone/>
             </a:pPr>
             <a:r>
-              <a:rPr lang="en-US" dirty="0" err="1" smtClean="0"/>
+              <a:rPr lang="en-US" dirty="0" err="1"/>
               <a:t>int</a:t>
             </a:r>
             <a:r>
-              <a:rPr lang="en-US" dirty="0" smtClean="0"/>
+              <a:rPr lang="en-US" dirty="0"/>
               <a:t>[][] </a:t>
             </a:r>
             <a:r>
-              <a:rPr lang="en-US" dirty="0" err="1" smtClean="0"/>
+              <a:rPr lang="en-US" dirty="0" err="1"/>
               <a:t>numArray</a:t>
             </a:r>
             <a:r>
-              <a:rPr lang="en-US" dirty="0" smtClean="0"/>
+              <a:rPr lang="en-US" dirty="0"/>
               <a:t> = new </a:t>
             </a:r>
             <a:r>
-              <a:rPr lang="en-US" dirty="0" err="1" smtClean="0"/>
+              <a:rPr lang="en-US" dirty="0" err="1"/>
               <a:t>int</a:t>
             </a:r>
             <a:r>
-              <a:rPr lang="en-US" dirty="0" smtClean="0"/>
+              <a:rPr lang="en-US" dirty="0"/>
               <a:t>[2][4];</a:t>
             </a:r>
           </a:p>
@@ -10877,19 +10388,19 @@
               <a:buNone/>
             </a:pPr>
             <a:r>
-              <a:rPr lang="en-US" dirty="0" err="1" smtClean="0"/>
+              <a:rPr lang="en-US" dirty="0" err="1"/>
               <a:t>int</a:t>
             </a:r>
             <a:r>
-              <a:rPr lang="en-US" dirty="0" smtClean="0"/>
+              <a:rPr lang="en-US" dirty="0"/>
               <a:t> rows = </a:t>
             </a:r>
             <a:r>
-              <a:rPr lang="en-US" dirty="0" err="1" smtClean="0"/>
+              <a:rPr lang="en-US" dirty="0" err="1"/>
               <a:t>numArray.length</a:t>
             </a:r>
             <a:r>
-              <a:rPr lang="en-US" dirty="0" smtClean="0"/>
+              <a:rPr lang="en-US" dirty="0"/>
               <a:t>;</a:t>
             </a:r>
           </a:p>
@@ -10898,19 +10409,19 @@
               <a:buNone/>
             </a:pPr>
             <a:r>
-              <a:rPr lang="en-US" dirty="0" err="1" smtClean="0"/>
+              <a:rPr lang="en-US" dirty="0" err="1"/>
               <a:t>int</a:t>
             </a:r>
             <a:r>
-              <a:rPr lang="en-US" dirty="0" smtClean="0"/>
+              <a:rPr lang="en-US" dirty="0"/>
               <a:t> cols = </a:t>
             </a:r>
             <a:r>
-              <a:rPr lang="en-US" dirty="0" err="1" smtClean="0"/>
+              <a:rPr lang="en-US" dirty="0" err="1"/>
               <a:t>numArray</a:t>
             </a:r>
             <a:r>
-              <a:rPr lang="en-US" dirty="0" smtClean="0"/>
+              <a:rPr lang="en-US" dirty="0"/>
               <a:t>[0].length;</a:t>
             </a:r>
           </a:p>
@@ -10919,11 +10430,11 @@
               <a:buNone/>
             </a:pPr>
             <a:r>
-              <a:rPr lang="en-US" dirty="0" err="1" smtClean="0"/>
+              <a:rPr lang="en-US" dirty="0" err="1"/>
               <a:t>int</a:t>
             </a:r>
             <a:r>
-              <a:rPr lang="en-US" dirty="0" smtClean="0"/>
+              <a:rPr lang="en-US" dirty="0"/>
               <a:t> count = 0;</a:t>
             </a:r>
           </a:p>
@@ -10932,16 +10443,8 @@
               <a:buNone/>
             </a:pPr>
             <a:r>
-              <a:rPr lang="en-US" dirty="0" smtClean="0"/>
-              <a:t>for (</a:t>
-            </a:r>
-            <a:r>
-              <a:rPr lang="en-US" dirty="0" err="1" smtClean="0"/>
-              <a:t>int</a:t>
-            </a:r>
-            <a:r>
-              <a:rPr lang="en-US" dirty="0" smtClean="0"/>
-              <a:t> r=0; r &lt; rows; r ++ ) {</a:t>
+              <a:rPr lang="en-US" dirty="0"/>
+              <a:t>for (int r = 0; r &lt; rows; r ++ ) {</a:t>
             </a:r>
           </a:p>
           <a:p>
@@ -10949,23 +10452,15 @@
               <a:buNone/>
             </a:pPr>
             <a:r>
-              <a:rPr lang="en-US" dirty="0" smtClean="0"/>
-              <a:t>	for (</a:t>
-            </a:r>
-            <a:r>
-              <a:rPr lang="en-US" dirty="0" err="1" smtClean="0"/>
-              <a:t>int</a:t>
-            </a:r>
-            <a:r>
-              <a:rPr lang="en-US" dirty="0" smtClean="0"/>
-              <a:t> c=0; c&lt; cols; </a:t>
-            </a:r>
-            <a:r>
-              <a:rPr lang="en-US" dirty="0" err="1" smtClean="0"/>
+              <a:rPr lang="en-US" dirty="0"/>
+              <a:t>	for (int c = 0; c&lt; cols; </a:t>
+            </a:r>
+            <a:r>
+              <a:rPr lang="en-US" dirty="0" err="1"/>
               <a:t>c++</a:t>
             </a:r>
             <a:r>
-              <a:rPr lang="en-US" dirty="0" smtClean="0"/>
+              <a:rPr lang="en-US" dirty="0"/>
               <a:t>) {</a:t>
             </a:r>
           </a:p>
@@ -10975,18 +10470,14 @@
             </a:pPr>
             <a:r>
               <a:rPr lang="en-US" dirty="0"/>
-              <a:t>	</a:t>
-            </a:r>
-            <a:r>
-              <a:rPr lang="en-US" dirty="0" smtClean="0"/>
-              <a:t>	</a:t>
-            </a:r>
-            <a:r>
-              <a:rPr lang="en-US" dirty="0" err="1" smtClean="0"/>
-              <a:t>ticTacToe</a:t>
-            </a:r>
-            <a:r>
-              <a:rPr lang="en-US" dirty="0" smtClean="0"/>
+              <a:t>		</a:t>
+            </a:r>
+            <a:r>
+              <a:rPr lang="en-US" dirty="0" err="1"/>
+              <a:t>numArray</a:t>
+            </a:r>
+            <a:r>
+              <a:rPr lang="en-US" dirty="0"/>
               <a:t>[r][c] = count;</a:t>
             </a:r>
           </a:p>
@@ -10995,7 +10486,7 @@
               <a:buNone/>
             </a:pPr>
             <a:r>
-              <a:rPr lang="en-US" dirty="0" smtClean="0"/>
+              <a:rPr lang="en-US" dirty="0"/>
               <a:t>		count ++;</a:t>
             </a:r>
           </a:p>
@@ -11004,18 +10495,17 @@
               <a:buNone/>
             </a:pPr>
             <a:r>
-              <a:rPr lang="en-US" dirty="0" smtClean="0"/>
-              <a:t>	}</a:t>
-            </a:r>
-            <a:endParaRPr lang="en-US" dirty="0"/>
+              <a:rPr lang="en-US" dirty="0"/>
+              <a:t>	} // end for</a:t>
+            </a:r>
           </a:p>
           <a:p>
             <a:pPr marL="0" indent="0">
               <a:buNone/>
             </a:pPr>
             <a:r>
-              <a:rPr lang="en-US" dirty="0" smtClean="0"/>
-              <a:t>}</a:t>
+              <a:rPr lang="en-US"/>
+              <a:t>} // end for</a:t>
             </a:r>
             <a:endParaRPr lang="en-US" dirty="0"/>
           </a:p>
@@ -11055,13 +10545,6 @@
   <p:clrMapOvr>
     <a:masterClrMapping/>
   </p:clrMapOvr>
-  <p:timing>
-    <p:tnLst>
-      <p:par>
-        <p:cTn id="1" dur="indefinite" restart="never" nodeType="tmRoot"/>
-      </p:par>
-    </p:tnLst>
-  </p:timing>
 </p:sld>
 </file>
 
@@ -11105,10 +10588,9 @@
           <a:lstStyle/>
           <a:p>
             <a:r>
-              <a:rPr lang="en-US" dirty="0" smtClean="0"/>
+              <a:rPr lang="en-US" dirty="0"/>
               <a:t>Order of iteration?</a:t>
             </a:r>
-            <a:endParaRPr lang="en-US" dirty="0"/>
           </a:p>
         </p:txBody>
       </p:sp>
@@ -11352,10 +10834,9 @@
           <a:lstStyle/>
           <a:p>
             <a:r>
-              <a:rPr lang="en-US" dirty="0" smtClean="0"/>
+              <a:rPr lang="en-US" dirty="0"/>
               <a:t>0</a:t>
             </a:r>
-            <a:endParaRPr lang="en-US" dirty="0"/>
           </a:p>
         </p:txBody>
       </p:sp>
@@ -11369,21 +10850,6 @@
   <p:clrMapOvr>
     <a:masterClrMapping/>
   </p:clrMapOvr>
-  <mc:AlternateContent xmlns:mc="http://schemas.openxmlformats.org/markup-compatibility/2006">
-    <mc:Choice xmlns:p14="http://schemas.microsoft.com/office/powerpoint/2010/main" Requires="p14">
-      <p:transition spd="slow" p14:dur="2000"/>
-    </mc:Choice>
-    <mc:Fallback>
-      <p:transition spd="slow"/>
-    </mc:Fallback>
-  </mc:AlternateContent>
-  <p:timing>
-    <p:tnLst>
-      <p:par>
-        <p:cTn id="1" dur="indefinite" restart="never" nodeType="tmRoot"/>
-      </p:par>
-    </p:tnLst>
-  </p:timing>
 </p:sld>
 </file>
 
@@ -11427,10 +10893,9 @@
           <a:lstStyle/>
           <a:p>
             <a:r>
-              <a:rPr lang="en-US" dirty="0" smtClean="0"/>
+              <a:rPr lang="en-US" dirty="0"/>
               <a:t>Order of iteration?</a:t>
             </a:r>
-            <a:endParaRPr lang="en-US" dirty="0"/>
           </a:p>
         </p:txBody>
       </p:sp>
@@ -11674,10 +11139,9 @@
           <a:lstStyle/>
           <a:p>
             <a:r>
-              <a:rPr lang="en-US" dirty="0" smtClean="0"/>
+              <a:rPr lang="en-US" dirty="0"/>
               <a:t>0</a:t>
             </a:r>
-            <a:endParaRPr lang="en-US" dirty="0"/>
           </a:p>
         </p:txBody>
       </p:sp>
@@ -11704,10 +11168,9 @@
           <a:lstStyle/>
           <a:p>
             <a:r>
-              <a:rPr lang="en-US" dirty="0" smtClean="0"/>
+              <a:rPr lang="en-US" dirty="0"/>
               <a:t>1</a:t>
             </a:r>
-            <a:endParaRPr lang="en-US" dirty="0"/>
           </a:p>
         </p:txBody>
       </p:sp>
@@ -11721,21 +11184,6 @@
   <p:clrMapOvr>
     <a:masterClrMapping/>
   </p:clrMapOvr>
-  <mc:AlternateContent xmlns:mc="http://schemas.openxmlformats.org/markup-compatibility/2006">
-    <mc:Choice xmlns:p14="http://schemas.microsoft.com/office/powerpoint/2010/main" Requires="p14">
-      <p:transition spd="slow" p14:dur="2000"/>
-    </mc:Choice>
-    <mc:Fallback>
-      <p:transition spd="slow"/>
-    </mc:Fallback>
-  </mc:AlternateContent>
-  <p:timing>
-    <p:tnLst>
-      <p:par>
-        <p:cTn id="1" dur="indefinite" restart="never" nodeType="tmRoot"/>
-      </p:par>
-    </p:tnLst>
-  </p:timing>
 </p:sld>
 </file>
 
@@ -11779,10 +11227,9 @@
           <a:lstStyle/>
           <a:p>
             <a:r>
-              <a:rPr lang="en-US" dirty="0" smtClean="0"/>
+              <a:rPr lang="en-US" dirty="0"/>
               <a:t>Order of iteration?</a:t>
             </a:r>
-            <a:endParaRPr lang="en-US" dirty="0"/>
           </a:p>
         </p:txBody>
       </p:sp>
@@ -12026,10 +11473,9 @@
           <a:lstStyle/>
           <a:p>
             <a:r>
-              <a:rPr lang="en-US" dirty="0" smtClean="0"/>
+              <a:rPr lang="en-US" dirty="0"/>
               <a:t>0</a:t>
             </a:r>
-            <a:endParaRPr lang="en-US" dirty="0"/>
           </a:p>
         </p:txBody>
       </p:sp>
@@ -12056,10 +11502,9 @@
           <a:lstStyle/>
           <a:p>
             <a:r>
-              <a:rPr lang="en-US" dirty="0" smtClean="0"/>
+              <a:rPr lang="en-US" dirty="0"/>
               <a:t>1</a:t>
             </a:r>
-            <a:endParaRPr lang="en-US" dirty="0"/>
           </a:p>
         </p:txBody>
       </p:sp>
@@ -12086,10 +11531,9 @@
           <a:lstStyle/>
           <a:p>
             <a:r>
-              <a:rPr lang="en-US" dirty="0" smtClean="0"/>
+              <a:rPr lang="en-US" dirty="0"/>
               <a:t>2</a:t>
             </a:r>
-            <a:endParaRPr lang="en-US" dirty="0"/>
           </a:p>
         </p:txBody>
       </p:sp>
@@ -12116,10 +11560,9 @@
           <a:lstStyle/>
           <a:p>
             <a:r>
-              <a:rPr lang="en-US" dirty="0" smtClean="0"/>
+              <a:rPr lang="en-US" dirty="0"/>
               <a:t>3</a:t>
             </a:r>
-            <a:endParaRPr lang="en-US" dirty="0"/>
           </a:p>
         </p:txBody>
       </p:sp>
@@ -12133,21 +11576,6 @@
   <p:clrMapOvr>
     <a:masterClrMapping/>
   </p:clrMapOvr>
-  <mc:AlternateContent xmlns:mc="http://schemas.openxmlformats.org/markup-compatibility/2006">
-    <mc:Choice xmlns:p14="http://schemas.microsoft.com/office/powerpoint/2010/main" Requires="p14">
-      <p:transition spd="slow" p14:dur="2000"/>
-    </mc:Choice>
-    <mc:Fallback>
-      <p:transition spd="slow"/>
-    </mc:Fallback>
-  </mc:AlternateContent>
-  <p:timing>
-    <p:tnLst>
-      <p:par>
-        <p:cTn id="1" dur="indefinite" restart="never" nodeType="tmRoot"/>
-      </p:par>
-    </p:tnLst>
-  </p:timing>
 </p:sld>
 </file>
 
@@ -12191,10 +11619,9 @@
           <a:lstStyle/>
           <a:p>
             <a:r>
-              <a:rPr lang="en-US" dirty="0" smtClean="0"/>
+              <a:rPr lang="en-US" dirty="0"/>
               <a:t>Order of iteration?</a:t>
             </a:r>
-            <a:endParaRPr lang="en-US" dirty="0"/>
           </a:p>
         </p:txBody>
       </p:sp>
@@ -12438,10 +11865,9 @@
           <a:lstStyle/>
           <a:p>
             <a:r>
-              <a:rPr lang="en-US" dirty="0" smtClean="0"/>
+              <a:rPr lang="en-US" dirty="0"/>
               <a:t>0</a:t>
             </a:r>
-            <a:endParaRPr lang="en-US" dirty="0"/>
           </a:p>
         </p:txBody>
       </p:sp>
@@ -12468,10 +11894,9 @@
           <a:lstStyle/>
           <a:p>
             <a:r>
-              <a:rPr lang="en-US" dirty="0" smtClean="0"/>
+              <a:rPr lang="en-US" dirty="0"/>
               <a:t>1</a:t>
             </a:r>
-            <a:endParaRPr lang="en-US" dirty="0"/>
           </a:p>
         </p:txBody>
       </p:sp>
@@ -12498,10 +11923,9 @@
           <a:lstStyle/>
           <a:p>
             <a:r>
-              <a:rPr lang="en-US" dirty="0" smtClean="0"/>
+              <a:rPr lang="en-US" dirty="0"/>
               <a:t>2</a:t>
             </a:r>
-            <a:endParaRPr lang="en-US" dirty="0"/>
           </a:p>
         </p:txBody>
       </p:sp>
@@ -12528,10 +11952,9 @@
           <a:lstStyle/>
           <a:p>
             <a:r>
-              <a:rPr lang="en-US" dirty="0" smtClean="0"/>
+              <a:rPr lang="en-US" dirty="0"/>
               <a:t>3</a:t>
             </a:r>
-            <a:endParaRPr lang="en-US" dirty="0"/>
           </a:p>
         </p:txBody>
       </p:sp>
@@ -12558,10 +11981,9 @@
           <a:lstStyle/>
           <a:p>
             <a:r>
-              <a:rPr lang="en-US" dirty="0" smtClean="0"/>
+              <a:rPr lang="en-US" dirty="0"/>
               <a:t>4</a:t>
             </a:r>
-            <a:endParaRPr lang="en-US" dirty="0"/>
           </a:p>
         </p:txBody>
       </p:sp>
@@ -12617,10 +12039,9 @@
           <a:lstStyle/>
           <a:p>
             <a:r>
-              <a:rPr lang="en-US" dirty="0" smtClean="0"/>
+              <a:rPr lang="en-US" dirty="0"/>
               <a:t>6</a:t>
             </a:r>
-            <a:endParaRPr lang="en-US" dirty="0"/>
           </a:p>
         </p:txBody>
       </p:sp>
@@ -12647,10 +12068,9 @@
           <a:lstStyle/>
           <a:p>
             <a:r>
-              <a:rPr lang="en-US" dirty="0" smtClean="0"/>
+              <a:rPr lang="en-US" dirty="0"/>
               <a:t>7</a:t>
             </a:r>
-            <a:endParaRPr lang="en-US" dirty="0"/>
           </a:p>
         </p:txBody>
       </p:sp>
@@ -12664,13 +12084,6 @@
   <p:clrMapOvr>
     <a:masterClrMapping/>
   </p:clrMapOvr>
-  <p:timing>
-    <p:tnLst>
-      <p:par>
-        <p:cTn id="1" dur="indefinite" restart="never" nodeType="tmRoot"/>
-      </p:par>
-    </p:tnLst>
-  </p:timing>
 </p:sld>
 </file>
 
@@ -12707,12 +12120,8 @@
           <a:lstStyle/>
           <a:p>
             <a:r>
-              <a:rPr lang="en-US" dirty="0" smtClean="0"/>
-              <a:t>Maps – </a:t>
-            </a:r>
-            <a:r>
-              <a:rPr lang="en-US" dirty="0"/>
-              <a:t>What, When, Why, How?</a:t>
+              <a:rPr lang="en-US" dirty="0"/>
+              <a:t>Maps – What, When, Why, How?</a:t>
             </a:r>
           </a:p>
         </p:txBody>
@@ -12743,61 +12152,61 @@
               <a:buNone/>
             </a:pPr>
             <a:r>
-              <a:rPr lang="en-US" dirty="0" smtClean="0"/>
+              <a:rPr lang="en-US" dirty="0"/>
               <a:t>What:</a:t>
             </a:r>
           </a:p>
           <a:p>
             <a:r>
-              <a:rPr lang="en-US" dirty="0" smtClean="0"/>
+              <a:rPr lang="en-US" dirty="0"/>
               <a:t>Collection of key-value pairs</a:t>
             </a:r>
           </a:p>
           <a:p>
             <a:pPr lvl="1"/>
             <a:r>
-              <a:rPr lang="en-US" dirty="0" smtClean="0"/>
+              <a:rPr lang="en-US" dirty="0"/>
               <a:t>Key is the identifier </a:t>
             </a:r>
           </a:p>
           <a:p>
             <a:pPr lvl="2"/>
             <a:r>
-              <a:rPr lang="en-US" dirty="0" smtClean="0"/>
+              <a:rPr lang="en-US" dirty="0"/>
               <a:t>i.e. A word in a dictionary, or a student ID number, something that uniquely identifies an item</a:t>
             </a:r>
           </a:p>
           <a:p>
             <a:pPr lvl="1"/>
             <a:r>
-              <a:rPr lang="en-US" dirty="0" smtClean="0"/>
+              <a:rPr lang="en-US" dirty="0"/>
               <a:t>Value is the data for that identifier</a:t>
             </a:r>
           </a:p>
           <a:p>
             <a:pPr lvl="2"/>
             <a:r>
-              <a:rPr lang="en-US" dirty="0" smtClean="0"/>
+              <a:rPr lang="en-US" dirty="0"/>
               <a:t>i.e. The definition of a word in a dictionary, a Student object for an ID, the value associated with an unique ID</a:t>
             </a:r>
           </a:p>
           <a:p>
             <a:r>
-              <a:rPr lang="en-US" dirty="0" smtClean="0"/>
+              <a:rPr lang="en-US" dirty="0"/>
               <a:t>Think of this like a dictionary (in some programming languages they’re even called dictionaries)</a:t>
             </a:r>
           </a:p>
           <a:p>
             <a:pPr lvl="1"/>
             <a:r>
-              <a:rPr lang="en-US" dirty="0" smtClean="0"/>
+              <a:rPr lang="en-US" dirty="0"/>
               <a:t>Key: word</a:t>
             </a:r>
           </a:p>
           <a:p>
             <a:pPr lvl="1"/>
             <a:r>
-              <a:rPr lang="en-US" dirty="0" smtClean="0"/>
+              <a:rPr lang="en-US" dirty="0"/>
               <a:t>Value: definition</a:t>
             </a:r>
           </a:p>
@@ -12813,13 +12222,6 @@
   <p:clrMapOvr>
     <a:masterClrMapping/>
   </p:clrMapOvr>
-  <p:timing>
-    <p:tnLst>
-      <p:par>
-        <p:cTn id="1" dur="indefinite" restart="never" nodeType="tmRoot"/>
-      </p:par>
-    </p:tnLst>
-  </p:timing>
 </p:sld>
 </file>
 
@@ -12861,10 +12263,9 @@
           <a:lstStyle/>
           <a:p>
             <a:r>
-              <a:rPr lang="en-US" dirty="0" smtClean="0"/>
+              <a:rPr lang="en-US" dirty="0"/>
               <a:t>How much help is too much help?</a:t>
             </a:r>
-            <a:endParaRPr lang="en-US" dirty="0"/>
           </a:p>
         </p:txBody>
       </p:sp>
@@ -12894,18 +12295,17 @@
               <a:buNone/>
             </a:pPr>
             <a:r>
-              <a:rPr lang="en-US" dirty="0" smtClean="0"/>
+              <a:rPr lang="en-US" dirty="0"/>
               <a:t>“So you loop across the array elements, getting each element and seeing if it’s in the </a:t>
             </a:r>
             <a:r>
-              <a:rPr lang="en-US" dirty="0" err="1" smtClean="0"/>
+              <a:rPr lang="en-US" dirty="0" err="1"/>
               <a:t>hashtable</a:t>
             </a:r>
             <a:r>
-              <a:rPr lang="en-US" dirty="0" smtClean="0"/>
+              <a:rPr lang="en-US" dirty="0"/>
               <a:t>.  If it is, you get the value and increment it…”</a:t>
             </a:r>
-            <a:endParaRPr lang="en-US" dirty="0"/>
           </a:p>
         </p:txBody>
       </p:sp>
@@ -12930,7 +12330,7 @@
           </a:ln>
           <a:extLst>
             <a:ext uri="{C572A759-6A51-4108-AA02-DFA0A04FC94B}">
-              <ma14:wrappingTextBoxFlag xmlns="" xmlns:ma14="http://schemas.microsoft.com/office/mac/drawingml/2011/main" val="1"/>
+              <ma14:wrappingTextBoxFlag xmlns:ma14="http://schemas.microsoft.com/office/mac/drawingml/2011/main" xmlns="" val="1"/>
             </a:ext>
           </a:extLst>
         </p:spPr>
@@ -13072,50 +12472,49 @@
               <a:buNone/>
             </a:pPr>
             <a:r>
-              <a:rPr lang="en-US" dirty="0" smtClean="0"/>
+              <a:rPr lang="en-US" dirty="0"/>
               <a:t>“So you write a for loop, 1 to array length.  Your key variable is </a:t>
             </a:r>
             <a:r>
-              <a:rPr lang="en-US" dirty="0" err="1" smtClean="0"/>
+              <a:rPr lang="en-US" dirty="0" err="1"/>
               <a:t>gonna</a:t>
             </a:r>
             <a:r>
-              <a:rPr lang="en-US" dirty="0" smtClean="0"/>
+              <a:rPr lang="en-US" dirty="0"/>
               <a:t> be array[</a:t>
             </a:r>
             <a:r>
-              <a:rPr lang="en-US" dirty="0" err="1" smtClean="0"/>
+              <a:rPr lang="en-US" dirty="0" err="1"/>
               <a:t>i</a:t>
             </a:r>
             <a:r>
-              <a:rPr lang="en-US" dirty="0" smtClean="0"/>
+              <a:rPr lang="en-US" dirty="0"/>
               <a:t>].  You check if </a:t>
             </a:r>
             <a:r>
-              <a:rPr lang="en-US" dirty="0" err="1" smtClean="0"/>
+              <a:rPr lang="en-US" dirty="0" err="1"/>
               <a:t>hashMap.get</a:t>
             </a:r>
             <a:r>
-              <a:rPr lang="en-US" dirty="0" smtClean="0"/>
+              <a:rPr lang="en-US" dirty="0"/>
               <a:t>(key) is null, if not,  you get the value with get, then </a:t>
             </a:r>
             <a:r>
-              <a:rPr lang="en-US" dirty="0" err="1" smtClean="0"/>
+              <a:rPr lang="en-US" dirty="0" err="1"/>
               <a:t>hashMap.put</a:t>
             </a:r>
             <a:r>
-              <a:rPr lang="en-US" dirty="0" smtClean="0"/>
+              <a:rPr lang="en-US" dirty="0"/>
               <a:t>(key, </a:t>
             </a:r>
             <a:r>
-              <a:rPr lang="en-US" dirty="0" err="1" smtClean="0"/>
+              <a:rPr lang="en-US" dirty="0" err="1"/>
               <a:t>oldValue</a:t>
             </a:r>
             <a:r>
-              <a:rPr lang="en-US" dirty="0" smtClean="0"/>
+              <a:rPr lang="en-US" dirty="0"/>
               <a:t> + 1)…”</a:t>
             </a:r>
-            <a:endParaRPr lang="en-US" dirty="0"/>
           </a:p>
         </p:txBody>
       </p:sp>
@@ -13191,7 +12590,7 @@
               <a:tabLst/>
             </a:pPr>
             <a:r>
-              <a:rPr kumimoji="0" lang="en-US" sz="3200" b="0" i="0" u="none" strike="noStrike" cap="none" spc="0" normalizeH="0" baseline="0" dirty="0" smtClean="0">
+              <a:rPr kumimoji="0" lang="en-US" sz="3200" b="0" i="0" u="none" strike="noStrike" cap="none" spc="0" normalizeH="0" baseline="0" dirty="0">
                 <a:ln>
                   <a:noFill/>
                 </a:ln>
@@ -13207,20 +12606,6 @@
               </a:rPr>
               <a:t>Borderline but OK</a:t>
             </a:r>
-            <a:endParaRPr kumimoji="0" lang="en-US" sz="3200" b="0" i="0" u="none" strike="noStrike" cap="none" spc="0" normalizeH="0" baseline="0" dirty="0">
-              <a:ln>
-                <a:noFill/>
-              </a:ln>
-              <a:solidFill>
-                <a:srgbClr val="000000"/>
-              </a:solidFill>
-              <a:effectLst/>
-              <a:uFillTx/>
-              <a:latin typeface="Calibri"/>
-              <a:ea typeface="Calibri"/>
-              <a:cs typeface="Calibri"/>
-              <a:sym typeface="Calibri"/>
-            </a:endParaRPr>
           </a:p>
         </p:txBody>
       </p:sp>
@@ -13299,7 +12684,7 @@
               <a:tabLst/>
             </a:pPr>
             <a:r>
-              <a:rPr lang="en-US" dirty="0" smtClean="0">
+              <a:rPr lang="en-US" dirty="0">
                 <a:solidFill>
                   <a:srgbClr val="000000"/>
                 </a:solidFill>
@@ -13333,21 +12718,6 @@
   <p:clrMapOvr>
     <a:masterClrMapping/>
   </p:clrMapOvr>
-  <mc:AlternateContent xmlns:mc="http://schemas.openxmlformats.org/markup-compatibility/2006" xmlns:p14="http://schemas.microsoft.com/office/powerpoint/2010/main">
-    <mc:Choice Requires="p14">
-      <p:transition spd="slow" p14:dur="2000"/>
-    </mc:Choice>
-    <mc:Fallback xmlns="">
-      <p:transition spd="slow"/>
-    </mc:Fallback>
-  </mc:AlternateContent>
-  <p:timing>
-    <p:tnLst>
-      <p:par>
-        <p:cTn id="1" dur="indefinite" restart="never" nodeType="tmRoot"/>
-      </p:par>
-    </p:tnLst>
-  </p:timing>
 </p:sld>
 </file>
 
@@ -13384,12 +12754,8 @@
           <a:lstStyle/>
           <a:p>
             <a:r>
-              <a:rPr lang="en-US" dirty="0" smtClean="0"/>
-              <a:t>Maps – </a:t>
-            </a:r>
-            <a:r>
-              <a:rPr lang="en-US" dirty="0"/>
-              <a:t>What, When, Why, How?</a:t>
+              <a:rPr lang="en-US" dirty="0"/>
+              <a:t>Maps – What, When, Why, How?</a:t>
             </a:r>
           </a:p>
         </p:txBody>
@@ -13415,13 +12781,13 @@
               <a:buNone/>
             </a:pPr>
             <a:r>
-              <a:rPr lang="en-US" dirty="0" smtClean="0"/>
+              <a:rPr lang="en-US" dirty="0"/>
               <a:t>When:</a:t>
             </a:r>
           </a:p>
           <a:p>
             <a:r>
-              <a:rPr lang="en-US" dirty="0" smtClean="0"/>
+              <a:rPr lang="en-US" dirty="0"/>
               <a:t>We use maps when a unique piece of data is used to retrieve additional information</a:t>
             </a:r>
           </a:p>
@@ -13430,13 +12796,13 @@
               <a:buNone/>
             </a:pPr>
             <a:r>
-              <a:rPr lang="en-US" dirty="0" smtClean="0"/>
+              <a:rPr lang="en-US" dirty="0"/>
               <a:t>Why:</a:t>
             </a:r>
           </a:p>
           <a:p>
             <a:r>
-              <a:rPr lang="en-US" dirty="0" smtClean="0"/>
+              <a:rPr lang="en-US" dirty="0"/>
               <a:t>Fast access to information based on a unique key</a:t>
             </a:r>
           </a:p>
@@ -13445,7 +12811,7 @@
               <a:buNone/>
             </a:pPr>
             <a:r>
-              <a:rPr lang="en-US" dirty="0" smtClean="0"/>
+              <a:rPr lang="en-US" dirty="0"/>
               <a:t>How:</a:t>
             </a:r>
           </a:p>
@@ -13454,42 +12820,42 @@
               <a:buNone/>
             </a:pPr>
             <a:r>
-              <a:rPr lang="en-US" sz="2600" dirty="0" err="1" smtClean="0">
+              <a:rPr lang="en-US" sz="2600" dirty="0" err="1">
                 <a:latin typeface="Courier New" panose="02070309020205020404" pitchFamily="49" charset="0"/>
                 <a:cs typeface="Courier New" panose="02070309020205020404" pitchFamily="49" charset="0"/>
               </a:rPr>
               <a:t>HashMap</a:t>
             </a:r>
             <a:r>
-              <a:rPr lang="en-US" sz="2600" dirty="0" smtClean="0">
+              <a:rPr lang="en-US" sz="2600" dirty="0">
                 <a:latin typeface="Courier New" panose="02070309020205020404" pitchFamily="49" charset="0"/>
                 <a:cs typeface="Courier New" panose="02070309020205020404" pitchFamily="49" charset="0"/>
               </a:rPr>
               <a:t>&lt;String, Student&gt; </a:t>
             </a:r>
             <a:r>
-              <a:rPr lang="en-US" sz="2600" dirty="0" err="1" smtClean="0">
+              <a:rPr lang="en-US" sz="2600" dirty="0" err="1">
                 <a:latin typeface="Courier New" panose="02070309020205020404" pitchFamily="49" charset="0"/>
                 <a:cs typeface="Courier New" panose="02070309020205020404" pitchFamily="49" charset="0"/>
               </a:rPr>
               <a:t>usernameToStudent</a:t>
             </a:r>
             <a:r>
-              <a:rPr lang="en-US" sz="2600" dirty="0" smtClean="0">
+              <a:rPr lang="en-US" sz="2600" dirty="0">
                 <a:latin typeface="Courier New" panose="02070309020205020404" pitchFamily="49" charset="0"/>
                 <a:cs typeface="Courier New" panose="02070309020205020404" pitchFamily="49" charset="0"/>
               </a:rPr>
               <a:t> = new </a:t>
             </a:r>
             <a:r>
-              <a:rPr lang="en-US" sz="2600" dirty="0" err="1" smtClean="0">
+              <a:rPr lang="en-US" sz="2600" dirty="0" err="1">
                 <a:latin typeface="Courier New" panose="02070309020205020404" pitchFamily="49" charset="0"/>
                 <a:cs typeface="Courier New" panose="02070309020205020404" pitchFamily="49" charset="0"/>
               </a:rPr>
               <a:t>HashMap</a:t>
             </a:r>
             <a:r>
-              <a:rPr lang="en-US" sz="2600" dirty="0" smtClean="0">
+              <a:rPr lang="en-US" sz="2600" dirty="0">
                 <a:latin typeface="Courier New" panose="02070309020205020404" pitchFamily="49" charset="0"/>
                 <a:cs typeface="Courier New" panose="02070309020205020404" pitchFamily="49" charset="0"/>
               </a:rPr>
@@ -13508,13 +12874,6 @@
   <p:clrMapOvr>
     <a:masterClrMapping/>
   </p:clrMapOvr>
-  <p:timing>
-    <p:tnLst>
-      <p:par>
-        <p:cTn id="1" dur="indefinite" restart="never" nodeType="tmRoot"/>
-      </p:par>
-    </p:tnLst>
-  </p:timing>
 </p:sld>
 </file>
 
@@ -13551,10 +12910,9 @@
           <a:lstStyle/>
           <a:p>
             <a:r>
-              <a:rPr lang="en-US" dirty="0" smtClean="0"/>
+              <a:rPr lang="en-US" dirty="0"/>
               <a:t>Maps</a:t>
             </a:r>
-            <a:endParaRPr lang="en-US" dirty="0"/>
           </a:p>
         </p:txBody>
       </p:sp>
@@ -13574,31 +12932,30 @@
           <a:lstStyle/>
           <a:p>
             <a:r>
-              <a:rPr lang="en-US" dirty="0" smtClean="0"/>
+              <a:rPr lang="en-US" dirty="0"/>
               <a:t>Sometimes, it’s difficult to fully understand maps.</a:t>
             </a:r>
           </a:p>
           <a:p>
             <a:r>
-              <a:rPr lang="en-US" dirty="0" smtClean="0"/>
+              <a:rPr lang="en-US" dirty="0"/>
               <a:t>Let’s do an example together:</a:t>
             </a:r>
           </a:p>
           <a:p>
             <a:pPr lvl="1"/>
             <a:r>
-              <a:rPr lang="en-US" dirty="0" smtClean="0"/>
+              <a:rPr lang="en-US" dirty="0"/>
               <a:t>Implement an </a:t>
             </a:r>
             <a:r>
-              <a:rPr lang="en-US" dirty="0" err="1" smtClean="0"/>
+              <a:rPr lang="en-US" dirty="0" err="1"/>
               <a:t>int</a:t>
             </a:r>
             <a:r>
-              <a:rPr lang="en-US" dirty="0" smtClean="0"/>
+              <a:rPr lang="en-US" dirty="0"/>
               <a:t> array using a map.</a:t>
             </a:r>
-            <a:endParaRPr lang="en-US" dirty="0"/>
           </a:p>
         </p:txBody>
       </p:sp>
@@ -13612,13 +12969,6 @@
   <p:clrMapOvr>
     <a:masterClrMapping/>
   </p:clrMapOvr>
-  <p:timing>
-    <p:tnLst>
-      <p:par>
-        <p:cTn id="1" dur="indefinite" restart="never" nodeType="tmRoot"/>
-      </p:par>
-    </p:tnLst>
-  </p:timing>
 </p:sld>
 </file>
 
@@ -13655,10 +13005,9 @@
           <a:lstStyle/>
           <a:p>
             <a:r>
-              <a:rPr lang="en-US" dirty="0" smtClean="0"/>
+              <a:rPr lang="en-US" dirty="0"/>
               <a:t>Maps</a:t>
             </a:r>
-            <a:endParaRPr lang="en-US" dirty="0"/>
           </a:p>
         </p:txBody>
       </p:sp>
@@ -13680,38 +13029,33 @@
           <a:lstStyle/>
           <a:p>
             <a:r>
-              <a:rPr lang="en-US" dirty="0" smtClean="0"/>
-              <a:t>Make </a:t>
-            </a:r>
-            <a:r>
-              <a:rPr lang="en-US" dirty="0"/>
-              <a:t>groups of two (no more than 3, no one can work alone)</a:t>
-            </a:r>
-          </a:p>
-          <a:p>
-            <a:r>
-              <a:rPr lang="en-US" dirty="0" smtClean="0"/>
+              <a:rPr lang="en-US" dirty="0"/>
+              <a:t>Make groups of two (no more than 3, no one can work alone)</a:t>
+            </a:r>
+          </a:p>
+          <a:p>
+            <a:r>
+              <a:rPr lang="en-US" dirty="0"/>
               <a:t>Read through the 3 Map sample problems with your partner and make sure you both understand how they work</a:t>
             </a:r>
           </a:p>
           <a:p>
             <a:r>
-              <a:rPr lang="en-US" dirty="0" smtClean="0"/>
+              <a:rPr lang="en-US" dirty="0"/>
               <a:t>Then use the code as an example to answer the Map quiz questions</a:t>
             </a:r>
           </a:p>
           <a:p>
             <a:r>
-              <a:rPr lang="en-US" dirty="0" smtClean="0"/>
+              <a:rPr lang="en-US" dirty="0"/>
               <a:t>Then solve the map problems in today’s code</a:t>
             </a:r>
           </a:p>
           <a:p>
             <a:r>
-              <a:rPr lang="en-US" dirty="0" smtClean="0"/>
+              <a:rPr lang="en-US" dirty="0"/>
               <a:t>Call me over when you’re finished</a:t>
             </a:r>
-            <a:endParaRPr lang="en-US" dirty="0"/>
           </a:p>
         </p:txBody>
       </p:sp>
@@ -13725,13 +13069,6 @@
   <p:clrMapOvr>
     <a:masterClrMapping/>
   </p:clrMapOvr>
-  <p:timing>
-    <p:tnLst>
-      <p:par>
-        <p:cTn id="1" dur="indefinite" restart="never" nodeType="tmRoot"/>
-      </p:par>
-    </p:tnLst>
-  </p:timing>
 </p:sld>
 </file>
 
@@ -13773,10 +13110,9 @@
           <a:lstStyle/>
           <a:p>
             <a:r>
-              <a:rPr lang="en-US" dirty="0" smtClean="0"/>
+              <a:rPr lang="en-US" dirty="0"/>
               <a:t>Penalties – they are severe</a:t>
             </a:r>
-            <a:endParaRPr lang="en-US" dirty="0"/>
           </a:p>
         </p:txBody>
       </p:sp>
@@ -13801,19 +13137,19 @@
           <a:lstStyle/>
           <a:p>
             <a:r>
-              <a:rPr lang="en-US" dirty="0" smtClean="0"/>
+              <a:rPr lang="en-US" dirty="0"/>
               <a:t>Automatic F in the course</a:t>
             </a:r>
           </a:p>
           <a:p>
             <a:r>
-              <a:rPr lang="en-US" dirty="0" smtClean="0"/>
+              <a:rPr lang="en-US" dirty="0"/>
               <a:t>Drop 1 letter grade</a:t>
             </a:r>
           </a:p>
           <a:p>
             <a:r>
-              <a:rPr lang="en-US" dirty="0" smtClean="0"/>
+              <a:rPr lang="en-US" dirty="0"/>
               <a:t>-100% score on assignment</a:t>
             </a:r>
           </a:p>
@@ -13821,14 +13157,14 @@
             <a:pPr marL="0" indent="0">
               <a:buNone/>
             </a:pPr>
-            <a:endParaRPr lang="en-US" dirty="0" smtClean="0"/>
+            <a:endParaRPr lang="en-US" dirty="0"/>
           </a:p>
           <a:p>
             <a:pPr marL="0" indent="0">
               <a:buNone/>
             </a:pPr>
             <a:r>
-              <a:rPr lang="en-US" dirty="0" smtClean="0"/>
+              <a:rPr lang="en-US" dirty="0"/>
               <a:t>Yes, you can get an automatic F for cheating on one assignment one time.</a:t>
             </a:r>
           </a:p>
@@ -13843,10 +13179,9 @@
               <a:buNone/>
             </a:pPr>
             <a:r>
-              <a:rPr lang="en-US" dirty="0" smtClean="0"/>
+              <a:rPr lang="en-US" dirty="0"/>
               <a:t>You should always credit anyone you get help from on an assignment.  If you do, it lets me assign one of the weaker penalties.</a:t>
             </a:r>
-            <a:endParaRPr lang="en-US" dirty="0"/>
           </a:p>
         </p:txBody>
       </p:sp>
@@ -13860,21 +13195,6 @@
   <p:clrMapOvr>
     <a:masterClrMapping/>
   </p:clrMapOvr>
-  <mc:AlternateContent xmlns:mc="http://schemas.openxmlformats.org/markup-compatibility/2006" xmlns:p14="http://schemas.microsoft.com/office/powerpoint/2010/main">
-    <mc:Choice Requires="p14">
-      <p:transition spd="slow" p14:dur="2000"/>
-    </mc:Choice>
-    <mc:Fallback xmlns="">
-      <p:transition spd="slow"/>
-    </mc:Fallback>
-  </mc:AlternateContent>
-  <p:timing>
-    <p:tnLst>
-      <p:par>
-        <p:cTn id="1" dur="indefinite" restart="never" nodeType="tmRoot"/>
-      </p:par>
-    </p:tnLst>
-  </p:timing>
 </p:sld>
 </file>
 
@@ -13911,11 +13231,11 @@
           <a:lstStyle/>
           <a:p>
             <a:r>
-              <a:rPr lang="en-US" dirty="0" smtClean="0"/>
+              <a:rPr lang="en-US" dirty="0"/>
               <a:t>Coding </a:t>
             </a:r>
             <a:r>
-              <a:rPr lang="en-US" dirty="0" err="1" smtClean="0"/>
+              <a:rPr lang="en-US" dirty="0" err="1"/>
               <a:t>Gotchas</a:t>
             </a:r>
             <a:endParaRPr lang="en-US" dirty="0"/>
@@ -13948,154 +13268,146 @@
               <a:buNone/>
             </a:pPr>
             <a:r>
-              <a:rPr lang="en-US" dirty="0" err="1" smtClean="0"/>
-              <a:t>int</a:t>
-            </a:r>
-            <a:r>
-              <a:rPr lang="en-US" dirty="0" smtClean="0"/>
-              <a:t>[] numbers = { 2, 4, 8, 16};</a:t>
-            </a:r>
-          </a:p>
-          <a:p>
-            <a:pPr marL="0" indent="0">
-              <a:buNone/>
-            </a:pPr>
-            <a:r>
-              <a:rPr lang="en-US" dirty="0" err="1"/>
-              <a:t>i</a:t>
-            </a:r>
-            <a:r>
-              <a:rPr lang="en-US" dirty="0" err="1" smtClean="0"/>
-              <a:t>nt</a:t>
-            </a:r>
-            <a:r>
-              <a:rPr lang="en-US" dirty="0" smtClean="0"/>
-              <a:t> </a:t>
-            </a:r>
-            <a:r>
-              <a:rPr lang="en-US" dirty="0" err="1" smtClean="0"/>
-              <a:t>numbersCount</a:t>
-            </a:r>
-            <a:r>
-              <a:rPr lang="en-US" dirty="0" smtClean="0"/>
-              <a:t> = </a:t>
-            </a:r>
-            <a:r>
-              <a:rPr lang="en-US" dirty="0" err="1" smtClean="0"/>
-              <a:t>numbers.length</a:t>
-            </a:r>
-            <a:r>
-              <a:rPr lang="en-US" dirty="0" smtClean="0"/>
-              <a:t>;</a:t>
-            </a:r>
-          </a:p>
-          <a:p>
-            <a:pPr marL="0" indent="0">
-              <a:buNone/>
-            </a:pPr>
-            <a:endParaRPr lang="en-US" dirty="0"/>
-          </a:p>
-          <a:p>
-            <a:pPr marL="0" indent="0">
-              <a:buNone/>
-            </a:pPr>
-            <a:r>
-              <a:rPr lang="en-US" dirty="0" err="1" smtClean="0"/>
-              <a:t>ArrayList</a:t>
-            </a:r>
-            <a:r>
-              <a:rPr lang="en-US" dirty="0" smtClean="0"/>
-              <a:t>&lt;String&gt; words = new </a:t>
-            </a:r>
-            <a:r>
-              <a:rPr lang="en-US" dirty="0" err="1" smtClean="0"/>
-              <a:t>ArrayList</a:t>
-            </a:r>
-            <a:r>
-              <a:rPr lang="en-US" dirty="0" smtClean="0"/>
-              <a:t>&lt;String&gt;();</a:t>
-            </a:r>
-          </a:p>
-          <a:p>
-            <a:pPr marL="0" indent="0">
-              <a:buNone/>
-            </a:pPr>
-            <a:r>
-              <a:rPr lang="en-US" dirty="0" err="1" smtClean="0"/>
-              <a:t>words.add</a:t>
-            </a:r>
-            <a:r>
-              <a:rPr lang="en-US" dirty="0" smtClean="0"/>
-              <a:t>( “Hello!”);</a:t>
-            </a:r>
-          </a:p>
-          <a:p>
-            <a:pPr marL="0" indent="0">
-              <a:buNone/>
-            </a:pPr>
-            <a:r>
-              <a:rPr lang="en-US" dirty="0" err="1" smtClean="0"/>
-              <a:t>int</a:t>
-            </a:r>
-            <a:r>
-              <a:rPr lang="en-US" dirty="0" smtClean="0"/>
-              <a:t> </a:t>
-            </a:r>
-            <a:r>
-              <a:rPr lang="en-US" dirty="0" err="1" smtClean="0"/>
-              <a:t>wordsCount</a:t>
-            </a:r>
-            <a:r>
-              <a:rPr lang="en-US" dirty="0" smtClean="0"/>
-              <a:t> = </a:t>
-            </a:r>
-            <a:r>
-              <a:rPr lang="en-US" dirty="0" err="1" smtClean="0"/>
-              <a:t>words.size</a:t>
-            </a:r>
-            <a:r>
-              <a:rPr lang="en-US" dirty="0" smtClean="0"/>
-              <a:t>();</a:t>
-            </a:r>
-          </a:p>
-          <a:p>
-            <a:pPr marL="0" indent="0">
-              <a:buNone/>
-            </a:pPr>
-            <a:endParaRPr lang="en-US" dirty="0"/>
-          </a:p>
-          <a:p>
-            <a:pPr marL="0" indent="0">
-              <a:buNone/>
-            </a:pPr>
-            <a:r>
-              <a:rPr lang="en-US" dirty="0"/>
-              <a:t>String word = “Hello”;</a:t>
-            </a:r>
-          </a:p>
-          <a:p>
-            <a:pPr marL="0" indent="0">
-              <a:buNone/>
-            </a:pPr>
-            <a:r>
               <a:rPr lang="en-US" dirty="0" err="1"/>
               <a:t>int</a:t>
             </a:r>
             <a:r>
               <a:rPr lang="en-US" dirty="0"/>
+              <a:t>[] numbers = { 2, 4, 8, 16};</a:t>
+            </a:r>
+          </a:p>
+          <a:p>
+            <a:pPr marL="0" indent="0">
+              <a:buNone/>
+            </a:pPr>
+            <a:r>
+              <a:rPr lang="en-US" dirty="0" err="1"/>
+              <a:t>int</a:t>
+            </a:r>
+            <a:r>
+              <a:rPr lang="en-US" dirty="0"/>
               <a:t> </a:t>
             </a:r>
             <a:r>
-              <a:rPr lang="en-US" dirty="0" err="1" smtClean="0"/>
+              <a:rPr lang="en-US" dirty="0" err="1"/>
+              <a:t>numbersCount</a:t>
+            </a:r>
+            <a:r>
+              <a:rPr lang="en-US" dirty="0"/>
+              <a:t> = </a:t>
+            </a:r>
+            <a:r>
+              <a:rPr lang="en-US" dirty="0" err="1"/>
+              <a:t>numbers.length</a:t>
+            </a:r>
+            <a:r>
+              <a:rPr lang="en-US" dirty="0"/>
+              <a:t>;</a:t>
+            </a:r>
+          </a:p>
+          <a:p>
+            <a:pPr marL="0" indent="0">
+              <a:buNone/>
+            </a:pPr>
+            <a:endParaRPr lang="en-US" dirty="0"/>
+          </a:p>
+          <a:p>
+            <a:pPr marL="0" indent="0">
+              <a:buNone/>
+            </a:pPr>
+            <a:r>
+              <a:rPr lang="en-US" dirty="0" err="1"/>
+              <a:t>ArrayList</a:t>
+            </a:r>
+            <a:r>
+              <a:rPr lang="en-US" dirty="0"/>
+              <a:t>&lt;String&gt; words = new </a:t>
+            </a:r>
+            <a:r>
+              <a:rPr lang="en-US" dirty="0" err="1"/>
+              <a:t>ArrayList</a:t>
+            </a:r>
+            <a:r>
+              <a:rPr lang="en-US" dirty="0"/>
+              <a:t>&lt;String&gt;();</a:t>
+            </a:r>
+          </a:p>
+          <a:p>
+            <a:pPr marL="0" indent="0">
+              <a:buNone/>
+            </a:pPr>
+            <a:r>
+              <a:rPr lang="en-US" dirty="0" err="1"/>
+              <a:t>words.add</a:t>
+            </a:r>
+            <a:r>
+              <a:rPr lang="en-US" dirty="0"/>
+              <a:t>( “Hello!”);</a:t>
+            </a:r>
+          </a:p>
+          <a:p>
+            <a:pPr marL="0" indent="0">
+              <a:buNone/>
+            </a:pPr>
+            <a:r>
+              <a:rPr lang="en-US" dirty="0" err="1"/>
+              <a:t>int</a:t>
+            </a:r>
+            <a:r>
+              <a:rPr lang="en-US" dirty="0"/>
+              <a:t> </a:t>
+            </a:r>
+            <a:r>
+              <a:rPr lang="en-US" dirty="0" err="1"/>
+              <a:t>wordsCount</a:t>
+            </a:r>
+            <a:r>
+              <a:rPr lang="en-US" dirty="0"/>
+              <a:t> = </a:t>
+            </a:r>
+            <a:r>
+              <a:rPr lang="en-US" dirty="0" err="1"/>
+              <a:t>words.size</a:t>
+            </a:r>
+            <a:r>
+              <a:rPr lang="en-US" dirty="0"/>
+              <a:t>();</a:t>
+            </a:r>
+          </a:p>
+          <a:p>
+            <a:pPr marL="0" indent="0">
+              <a:buNone/>
+            </a:pPr>
+            <a:endParaRPr lang="en-US" dirty="0"/>
+          </a:p>
+          <a:p>
+            <a:pPr marL="0" indent="0">
+              <a:buNone/>
+            </a:pPr>
+            <a:r>
+              <a:rPr lang="en-US" dirty="0"/>
+              <a:t>String word = “Hello”;</a:t>
+            </a:r>
+          </a:p>
+          <a:p>
+            <a:pPr marL="0" indent="0">
+              <a:buNone/>
+            </a:pPr>
+            <a:r>
+              <a:rPr lang="en-US" dirty="0" err="1"/>
+              <a:t>int</a:t>
+            </a:r>
+            <a:r>
+              <a:rPr lang="en-US" dirty="0"/>
+              <a:t> </a:t>
+            </a:r>
+            <a:r>
+              <a:rPr lang="en-US" dirty="0" err="1"/>
               <a:t>characterCount</a:t>
             </a:r>
             <a:r>
-              <a:rPr lang="en-US" dirty="0" smtClean="0"/>
-              <a:t> </a:t>
-            </a:r>
-            <a:r>
-              <a:rPr lang="en-US" dirty="0"/>
-              <a:t>= </a:t>
+              <a:rPr lang="en-US" dirty="0"/>
+              <a:t> = </a:t>
             </a:r>
             <a:r>
               <a:rPr lang="en-US" dirty="0" err="1"/>
@@ -14124,13 +13436,6 @@
   <p:clrMapOvr>
     <a:masterClrMapping/>
   </p:clrMapOvr>
-  <p:timing>
-    <p:tnLst>
-      <p:par>
-        <p:cTn id="1" dur="indefinite" restart="never" nodeType="tmRoot"/>
-      </p:par>
-    </p:tnLst>
-  </p:timing>
 </p:sld>
 </file>
 
@@ -14167,10 +13472,9 @@
           <a:lstStyle/>
           <a:p>
             <a:r>
-              <a:rPr lang="en-US" dirty="0" smtClean="0"/>
+              <a:rPr lang="en-US" dirty="0"/>
               <a:t>Enhanced For Loops</a:t>
             </a:r>
-            <a:endParaRPr lang="en-US" dirty="0"/>
           </a:p>
         </p:txBody>
       </p:sp>
@@ -14192,51 +13496,51 @@
           <a:lstStyle/>
           <a:p>
             <a:r>
-              <a:rPr lang="en-US" dirty="0" smtClean="0"/>
+              <a:rPr lang="en-US" dirty="0"/>
               <a:t>Convenient Syntax</a:t>
             </a:r>
           </a:p>
           <a:p>
             <a:r>
-              <a:rPr lang="en-US" dirty="0" smtClean="0"/>
+              <a:rPr lang="en-US" dirty="0"/>
               <a:t>for iterating through collections</a:t>
             </a:r>
           </a:p>
           <a:p>
             <a:r>
-              <a:rPr lang="en-US" dirty="0" smtClean="0"/>
+              <a:rPr lang="en-US" dirty="0"/>
               <a:t>More readable</a:t>
             </a:r>
           </a:p>
           <a:p>
             <a:r>
-              <a:rPr lang="en-US" dirty="0" smtClean="0"/>
+              <a:rPr lang="en-US" dirty="0"/>
               <a:t>Less Typing</a:t>
             </a:r>
           </a:p>
           <a:p>
             <a:r>
-              <a:rPr lang="en-US" dirty="0" smtClean="0"/>
+              <a:rPr lang="en-US" dirty="0"/>
               <a:t>Less Error Prone</a:t>
             </a:r>
           </a:p>
           <a:p>
             <a:r>
-              <a:rPr lang="en-US" dirty="0" smtClean="0"/>
+              <a:rPr lang="en-US" dirty="0"/>
               <a:t>Works for Arrays, </a:t>
             </a:r>
             <a:r>
-              <a:rPr lang="en-US" dirty="0" err="1" smtClean="0"/>
+              <a:rPr lang="en-US" dirty="0" err="1"/>
               <a:t>ArrayList</a:t>
             </a:r>
             <a:r>
-              <a:rPr lang="en-US" dirty="0" smtClean="0"/>
+              <a:rPr lang="en-US" dirty="0"/>
               <a:t>, Map (later)</a:t>
             </a:r>
           </a:p>
           <a:p>
             <a:r>
-              <a:rPr lang="en-US" dirty="0" smtClean="0"/>
+              <a:rPr lang="en-US" dirty="0"/>
               <a:t>Similar to Python:</a:t>
             </a:r>
           </a:p>
@@ -14245,42 +13549,39 @@
               <a:buNone/>
             </a:pPr>
             <a:r>
-              <a:rPr lang="en-US" dirty="0" smtClean="0"/>
+              <a:rPr lang="en-US" dirty="0"/>
               <a:t>	</a:t>
             </a:r>
             <a:r>
-              <a:rPr lang="en-US" dirty="0" smtClean="0">
+              <a:rPr lang="en-US" dirty="0">
                 <a:latin typeface="Consolas" panose="020B0609020204030204" pitchFamily="49" charset="0"/>
               </a:rPr>
               <a:t>for </a:t>
             </a:r>
             <a:r>
-              <a:rPr lang="en-US" dirty="0" err="1" smtClean="0">
+              <a:rPr lang="en-US" dirty="0" err="1">
                 <a:latin typeface="Consolas" panose="020B0609020204030204" pitchFamily="49" charset="0"/>
               </a:rPr>
               <a:t>num</a:t>
             </a:r>
             <a:r>
-              <a:rPr lang="en-US" dirty="0" smtClean="0">
+              <a:rPr lang="en-US" dirty="0">
                 <a:latin typeface="Consolas" panose="020B0609020204030204" pitchFamily="49" charset="0"/>
               </a:rPr>
               <a:t> in </a:t>
             </a:r>
             <a:r>
-              <a:rPr lang="en-US" dirty="0" err="1" smtClean="0">
+              <a:rPr lang="en-US" dirty="0" err="1">
                 <a:latin typeface="Consolas" panose="020B0609020204030204" pitchFamily="49" charset="0"/>
               </a:rPr>
               <a:t>nums</a:t>
             </a:r>
             <a:r>
-              <a:rPr lang="en-US" dirty="0" smtClean="0">
+              <a:rPr lang="en-US" dirty="0">
                 <a:latin typeface="Consolas" panose="020B0609020204030204" pitchFamily="49" charset="0"/>
               </a:rPr>
               <a:t>:</a:t>
             </a:r>
-            <a:endParaRPr lang="en-US" dirty="0">
-              <a:latin typeface="Consolas" panose="020B0609020204030204" pitchFamily="49" charset="0"/>
-            </a:endParaRPr>
           </a:p>
         </p:txBody>
       </p:sp>
@@ -14294,13 +13595,6 @@
   <p:clrMapOvr>
     <a:masterClrMapping/>
   </p:clrMapOvr>
-  <p:timing>
-    <p:tnLst>
-      <p:par>
-        <p:cTn id="1" dur="indefinite" restart="never" nodeType="tmRoot"/>
-      </p:par>
-    </p:tnLst>
-  </p:timing>
 </p:sld>
 </file>
 
@@ -14939,7 +14233,7 @@
             <a:effectLst/>
             <a:extLst>
               <a:ext uri="{C572A759-6A51-4108-AA02-DFA0A04FC94B}">
-                <ma14:wrappingTextBoxFlag xmlns="" xmlns:ma14="http://schemas.microsoft.com/office/mac/drawingml/2011/main" val="1"/>
+                <ma14:wrappingTextBoxFlag xmlns:ma14="http://schemas.microsoft.com/office/mac/drawingml/2011/main" xmlns="" val="1"/>
               </a:ext>
             </a:extLst>
           </p:spPr>
@@ -15159,7 +14453,7 @@
             <a:effectLst/>
             <a:extLst>
               <a:ext uri="{C572A759-6A51-4108-AA02-DFA0A04FC94B}">
-                <ma14:wrappingTextBoxFlag xmlns="" xmlns:ma14="http://schemas.microsoft.com/office/mac/drawingml/2011/main" val="1"/>
+                <ma14:wrappingTextBoxFlag xmlns:ma14="http://schemas.microsoft.com/office/mac/drawingml/2011/main" xmlns="" val="1"/>
               </a:ext>
             </a:extLst>
           </p:spPr>
@@ -15206,14 +14500,6 @@
   <p:clrMapOvr>
     <a:masterClrMapping/>
   </p:clrMapOvr>
-  <mc:AlternateContent xmlns:mc="http://schemas.openxmlformats.org/markup-compatibility/2006" xmlns:p14="http://schemas.microsoft.com/office/powerpoint/2010/main">
-    <mc:Choice Requires="p14">
-      <p:transition spd="slow" p14:dur="2000"/>
-    </mc:Choice>
-    <mc:Fallback xmlns="">
-      <p:transition spd="slow"/>
-    </mc:Fallback>
-  </mc:AlternateContent>
   <p:timing>
     <p:tnLst>
       <p:par>
@@ -15550,21 +14836,6 @@
   <p:clrMapOvr>
     <a:masterClrMapping/>
   </p:clrMapOvr>
-  <mc:AlternateContent xmlns:mc="http://schemas.openxmlformats.org/markup-compatibility/2006" xmlns:p14="http://schemas.microsoft.com/office/powerpoint/2010/main">
-    <mc:Choice Requires="p14">
-      <p:transition spd="slow" p14:dur="2000"/>
-    </mc:Choice>
-    <mc:Fallback xmlns="">
-      <p:transition spd="slow"/>
-    </mc:Fallback>
-  </mc:AlternateContent>
-  <p:timing>
-    <p:tnLst>
-      <p:par>
-        <p:cTn id="1" dur="indefinite" restart="never" nodeType="tmRoot"/>
-      </p:par>
-    </p:tnLst>
-  </p:timing>
 </p:sld>
 </file>
 

--- a/ClassMaterials/2DArraysAndMaps/Slides/2D Arrays and Maps.pptx
+++ b/ClassMaterials/2DArraysAndMaps/Slides/2D Arrays and Maps.pptx
@@ -25,29 +25,29 @@
     <p:sldId id="273" r:id="rId13"/>
     <p:sldId id="259" r:id="rId14"/>
     <p:sldId id="261" r:id="rId15"/>
-    <p:sldId id="257" r:id="rId16"/>
-    <p:sldId id="274" r:id="rId17"/>
-    <p:sldId id="275" r:id="rId18"/>
-    <p:sldId id="276" r:id="rId19"/>
-    <p:sldId id="277" r:id="rId20"/>
-    <p:sldId id="278" r:id="rId21"/>
-    <p:sldId id="279" r:id="rId22"/>
-    <p:sldId id="280" r:id="rId23"/>
-    <p:sldId id="281" r:id="rId24"/>
-    <p:sldId id="282" r:id="rId25"/>
-    <p:sldId id="283" r:id="rId26"/>
-    <p:sldId id="284" r:id="rId27"/>
-    <p:sldId id="285" r:id="rId28"/>
-    <p:sldId id="286" r:id="rId29"/>
-    <p:sldId id="287" r:id="rId30"/>
-    <p:sldId id="288" r:id="rId31"/>
-    <p:sldId id="289" r:id="rId32"/>
-    <p:sldId id="290" r:id="rId33"/>
-    <p:sldId id="291" r:id="rId34"/>
-    <p:sldId id="292" r:id="rId35"/>
-    <p:sldId id="293" r:id="rId36"/>
-    <p:sldId id="294" r:id="rId37"/>
-    <p:sldId id="299" r:id="rId38"/>
+    <p:sldId id="274" r:id="rId16"/>
+    <p:sldId id="275" r:id="rId17"/>
+    <p:sldId id="276" r:id="rId18"/>
+    <p:sldId id="277" r:id="rId19"/>
+    <p:sldId id="278" r:id="rId20"/>
+    <p:sldId id="279" r:id="rId21"/>
+    <p:sldId id="280" r:id="rId22"/>
+    <p:sldId id="281" r:id="rId23"/>
+    <p:sldId id="282" r:id="rId24"/>
+    <p:sldId id="283" r:id="rId25"/>
+    <p:sldId id="284" r:id="rId26"/>
+    <p:sldId id="285" r:id="rId27"/>
+    <p:sldId id="286" r:id="rId28"/>
+    <p:sldId id="287" r:id="rId29"/>
+    <p:sldId id="288" r:id="rId30"/>
+    <p:sldId id="289" r:id="rId31"/>
+    <p:sldId id="290" r:id="rId32"/>
+    <p:sldId id="291" r:id="rId33"/>
+    <p:sldId id="292" r:id="rId34"/>
+    <p:sldId id="293" r:id="rId35"/>
+    <p:sldId id="294" r:id="rId36"/>
+    <p:sldId id="299" r:id="rId37"/>
+    <p:sldId id="257" r:id="rId38"/>
     <p:sldId id="260" r:id="rId39"/>
     <p:sldId id="263" r:id="rId40"/>
     <p:sldId id="264" r:id="rId41"/>
@@ -330,7 +330,7 @@
               <a:pPr>
                 <a:defRPr/>
               </a:pPr>
-              <a:t>2/28/2020</a:t>
+              <a:t>3/11/2020</a:t>
             </a:fld>
             <a:endParaRPr lang="en-US"/>
           </a:p>
@@ -565,7 +565,7 @@
               <a:pPr>
                 <a:defRPr/>
               </a:pPr>
-              <a:t>2/28/2020</a:t>
+              <a:t>3/11/2020</a:t>
             </a:fld>
             <a:endParaRPr lang="en-US"/>
           </a:p>
@@ -997,11 +997,7 @@
             </a:pPr>
             <a:r>
               <a:rPr lang="en-US" dirty="0" smtClean="0"/>
-              <a:t>Bring </a:t>
-            </a:r>
-            <a:r>
-              <a:rPr lang="en-US" dirty="0" smtClean="0"/>
-              <a:t>hard copy of code from 2DArraysAndMapsS</a:t>
+              <a:t>Bring hard copy of code from 2DArraysAndMapsS</a:t>
             </a:r>
             <a:r>
               <a:rPr lang="en-US" baseline="0" dirty="0" smtClean="0"/>
@@ -1427,7 +1423,7 @@
               <a:pPr>
                 <a:defRPr/>
               </a:pPr>
-              <a:t>15</a:t>
+              <a:t>37</a:t>
             </a:fld>
             <a:endParaRPr lang="en-US"/>
           </a:p>
@@ -3352,7 +3348,7 @@
               <a:pPr>
                 <a:defRPr/>
               </a:pPr>
-              <a:t>Friday, February 28, 2020</a:t>
+              <a:t>Wednesday, March 11, 2020</a:t>
             </a:fld>
             <a:endParaRPr lang="en-US" dirty="0"/>
           </a:p>
@@ -3535,7 +3531,7 @@
               <a:pPr>
                 <a:defRPr/>
               </a:pPr>
-              <a:t>Friday, February 28, 2020</a:t>
+              <a:t>Wednesday, March 11, 2020</a:t>
             </a:fld>
             <a:endParaRPr lang="en-US" dirty="0"/>
           </a:p>
@@ -3728,7 +3724,7 @@
               <a:pPr>
                 <a:defRPr/>
               </a:pPr>
-              <a:t>Friday, February 28, 2020</a:t>
+              <a:t>Wednesday, March 11, 2020</a:t>
             </a:fld>
             <a:endParaRPr lang="en-US" dirty="0"/>
           </a:p>
@@ -3911,7 +3907,7 @@
               <a:pPr>
                 <a:defRPr/>
               </a:pPr>
-              <a:t>Friday, February 28, 2020</a:t>
+              <a:t>Wednesday, March 11, 2020</a:t>
             </a:fld>
             <a:endParaRPr lang="en-US" dirty="0"/>
           </a:p>
@@ -4171,7 +4167,7 @@
               <a:pPr>
                 <a:defRPr/>
               </a:pPr>
-              <a:t>Friday, February 28, 2020</a:t>
+              <a:t>Wednesday, March 11, 2020</a:t>
             </a:fld>
             <a:endParaRPr lang="en-US"/>
           </a:p>
@@ -4471,7 +4467,7 @@
               <a:pPr>
                 <a:defRPr/>
               </a:pPr>
-              <a:t>Friday, February 28, 2020</a:t>
+              <a:t>Wednesday, March 11, 2020</a:t>
             </a:fld>
             <a:endParaRPr lang="en-US"/>
           </a:p>
@@ -4905,7 +4901,7 @@
               <a:pPr>
                 <a:defRPr/>
               </a:pPr>
-              <a:t>Friday, February 28, 2020</a:t>
+              <a:t>Wednesday, March 11, 2020</a:t>
             </a:fld>
             <a:endParaRPr lang="en-US"/>
           </a:p>
@@ -5037,7 +5033,7 @@
               <a:pPr>
                 <a:defRPr/>
               </a:pPr>
-              <a:t>Friday, February 28, 2020</a:t>
+              <a:t>Wednesday, March 11, 2020</a:t>
             </a:fld>
             <a:endParaRPr lang="en-US"/>
           </a:p>
@@ -5147,7 +5143,7 @@
               <a:pPr>
                 <a:defRPr/>
               </a:pPr>
-              <a:t>Friday, February 28, 2020</a:t>
+              <a:t>Wednesday, March 11, 2020</a:t>
             </a:fld>
             <a:endParaRPr lang="en-US" dirty="0"/>
           </a:p>
@@ -5437,7 +5433,7 @@
               <a:pPr>
                 <a:defRPr/>
               </a:pPr>
-              <a:t>Friday, February 28, 2020</a:t>
+              <a:t>Wednesday, March 11, 2020</a:t>
             </a:fld>
             <a:endParaRPr lang="en-US"/>
           </a:p>
@@ -5704,7 +5700,7 @@
               <a:pPr>
                 <a:defRPr/>
               </a:pPr>
-              <a:t>Friday, February 28, 2020</a:t>
+              <a:t>Wednesday, March 11, 2020</a:t>
             </a:fld>
             <a:endParaRPr lang="en-US"/>
           </a:p>
@@ -5930,7 +5926,7 @@
               <a:pPr>
                 <a:defRPr/>
               </a:pPr>
-              <a:t>Friday, February 28, 2020</a:t>
+              <a:t>Wednesday, March 11, 2020</a:t>
             </a:fld>
             <a:endParaRPr lang="en-US" dirty="0"/>
           </a:p>
@@ -7225,7 +7221,7 @@
             <a:effectLst/>
             <a:extLst>
               <a:ext uri="{C572A759-6A51-4108-AA02-DFA0A04FC94B}">
-                <ma14:wrappingTextBoxFlag xmlns="" xmlns:ma14="http://schemas.microsoft.com/office/mac/drawingml/2011/main" val="1"/>
+                <ma14:wrappingTextBoxFlag xmlns:ma14="http://schemas.microsoft.com/office/mac/drawingml/2011/main" xmlns="" val="1"/>
               </a:ext>
             </a:extLst>
           </p:spPr>
@@ -7445,7 +7441,7 @@
             <a:effectLst/>
             <a:extLst>
               <a:ext uri="{C572A759-6A51-4108-AA02-DFA0A04FC94B}">
-                <ma14:wrappingTextBoxFlag xmlns="" xmlns:ma14="http://schemas.microsoft.com/office/mac/drawingml/2011/main" val="1"/>
+                <ma14:wrappingTextBoxFlag xmlns:ma14="http://schemas.microsoft.com/office/mac/drawingml/2011/main" xmlns="" val="1"/>
               </a:ext>
             </a:extLst>
           </p:spPr>
@@ -8184,106 +8180,6 @@
           <a:p>
             <a:r>
               <a:rPr lang="en-US" dirty="0"/>
-              <a:t>2D Arrays</a:t>
-            </a:r>
-          </a:p>
-        </p:txBody>
-      </p:sp>
-      <p:sp>
-        <p:nvSpPr>
-          <p:cNvPr id="3" name="Content Placeholder 2"/>
-          <p:cNvSpPr>
-            <a:spLocks noGrp="1"/>
-          </p:cNvSpPr>
-          <p:nvPr>
-            <p:ph idx="1"/>
-          </p:nvPr>
-        </p:nvSpPr>
-        <p:spPr/>
-        <p:txBody>
-          <a:bodyPr>
-            <a:normAutofit lnSpcReduction="10000"/>
-          </a:bodyPr>
-          <a:lstStyle/>
-          <a:p>
-            <a:r>
-              <a:rPr lang="en-US" dirty="0"/>
-              <a:t>Make groups of two (no more than 3, no one can work alone)</a:t>
-            </a:r>
-          </a:p>
-          <a:p>
-            <a:r>
-              <a:rPr lang="en-US" dirty="0"/>
-              <a:t>Read through the 3 2D Array sample problems with your partner and make sure you both understand how they work</a:t>
-            </a:r>
-          </a:p>
-          <a:p>
-            <a:r>
-              <a:rPr lang="en-US" dirty="0"/>
-              <a:t>Then use the code as an example to answer the 2D Array quiz questions</a:t>
-            </a:r>
-          </a:p>
-          <a:p>
-            <a:r>
-              <a:rPr lang="en-US" dirty="0"/>
-              <a:t>Then do the 2d sample problems</a:t>
-            </a:r>
-          </a:p>
-          <a:p>
-            <a:r>
-              <a:rPr lang="en-US" dirty="0"/>
-              <a:t>Call me over when you’re finished</a:t>
-            </a:r>
-          </a:p>
-        </p:txBody>
-      </p:sp>
-    </p:spTree>
-    <p:extLst>
-      <p:ext uri="{BB962C8B-B14F-4D97-AF65-F5344CB8AC3E}">
-        <p14:creationId xmlns:p14="http://schemas.microsoft.com/office/powerpoint/2010/main" val="2522096617"/>
-      </p:ext>
-    </p:extLst>
-  </p:cSld>
-  <p:clrMapOvr>
-    <a:masterClrMapping/>
-  </p:clrMapOvr>
-</p:sld>
-</file>
-
-<file path=ppt/slides/slide16.xml><?xml version="1.0" encoding="utf-8"?>
-<p:sld xmlns:a="http://schemas.openxmlformats.org/drawingml/2006/main" xmlns:r="http://schemas.openxmlformats.org/officeDocument/2006/relationships" xmlns:p="http://schemas.openxmlformats.org/presentationml/2006/main">
-  <p:cSld>
-    <p:spTree>
-      <p:nvGrpSpPr>
-        <p:cNvPr id="1" name=""/>
-        <p:cNvGrpSpPr/>
-        <p:nvPr/>
-      </p:nvGrpSpPr>
-      <p:grpSpPr>
-        <a:xfrm>
-          <a:off x="0" y="0"/>
-          <a:ext cx="0" cy="0"/>
-          <a:chOff x="0" y="0"/>
-          <a:chExt cx="0" cy="0"/>
-        </a:xfrm>
-      </p:grpSpPr>
-      <p:sp>
-        <p:nvSpPr>
-          <p:cNvPr id="2" name="Title 1"/>
-          <p:cNvSpPr>
-            <a:spLocks noGrp="1"/>
-          </p:cNvSpPr>
-          <p:nvPr>
-            <p:ph type="title"/>
-          </p:nvPr>
-        </p:nvSpPr>
-        <p:spPr/>
-        <p:txBody>
-          <a:bodyPr/>
-          <a:lstStyle/>
-          <a:p>
-            <a:r>
-              <a:rPr lang="en-US" dirty="0"/>
               <a:t>Creating a 2D char array</a:t>
             </a:r>
           </a:p>
@@ -8350,7 +8246,7 @@
 </p:sld>
 </file>
 
-<file path=ppt/slides/slide17.xml><?xml version="1.0" encoding="utf-8"?>
+<file path=ppt/slides/slide16.xml><?xml version="1.0" encoding="utf-8"?>
 <p:sld xmlns:a="http://schemas.openxmlformats.org/drawingml/2006/main" xmlns:r="http://schemas.openxmlformats.org/officeDocument/2006/relationships" xmlns:p="http://schemas.openxmlformats.org/presentationml/2006/main">
   <p:cSld>
     <p:spTree>
@@ -8450,7 +8346,7 @@
 </p:sld>
 </file>
 
-<file path=ppt/slides/slide18.xml><?xml version="1.0" encoding="utf-8"?>
+<file path=ppt/slides/slide17.xml><?xml version="1.0" encoding="utf-8"?>
 <p:sld xmlns:a="http://schemas.openxmlformats.org/drawingml/2006/main" xmlns:r="http://schemas.openxmlformats.org/officeDocument/2006/relationships" xmlns:p="http://schemas.openxmlformats.org/presentationml/2006/main">
   <p:cSld>
     <p:spTree>
@@ -8550,7 +8446,7 @@
 </p:sld>
 </file>
 
-<file path=ppt/slides/slide19.xml><?xml version="1.0" encoding="utf-8"?>
+<file path=ppt/slides/slide18.xml><?xml version="1.0" encoding="utf-8"?>
 <p:sld xmlns:a="http://schemas.openxmlformats.org/drawingml/2006/main" xmlns:r="http://schemas.openxmlformats.org/officeDocument/2006/relationships" xmlns:p="http://schemas.openxmlformats.org/presentationml/2006/main">
   <p:cSld>
     <p:spTree>
@@ -8674,6 +8570,119 @@
     <p:extLst>
       <p:ext uri="{BB962C8B-B14F-4D97-AF65-F5344CB8AC3E}">
         <p14:creationId xmlns:p14="http://schemas.microsoft.com/office/powerpoint/2010/main" val="1078238249"/>
+      </p:ext>
+    </p:extLst>
+  </p:cSld>
+  <p:clrMapOvr>
+    <a:masterClrMapping/>
+  </p:clrMapOvr>
+</p:sld>
+</file>
+
+<file path=ppt/slides/slide19.xml><?xml version="1.0" encoding="utf-8"?>
+<p:sld xmlns:a="http://schemas.openxmlformats.org/drawingml/2006/main" xmlns:r="http://schemas.openxmlformats.org/officeDocument/2006/relationships" xmlns:p="http://schemas.openxmlformats.org/presentationml/2006/main">
+  <p:cSld>
+    <p:spTree>
+      <p:nvGrpSpPr>
+        <p:cNvPr id="1" name=""/>
+        <p:cNvGrpSpPr/>
+        <p:nvPr/>
+      </p:nvGrpSpPr>
+      <p:grpSpPr>
+        <a:xfrm>
+          <a:off x="0" y="0"/>
+          <a:ext cx="0" cy="0"/>
+          <a:chOff x="0" y="0"/>
+          <a:chExt cx="0" cy="0"/>
+        </a:xfrm>
+      </p:grpSpPr>
+      <p:sp>
+        <p:nvSpPr>
+          <p:cNvPr id="2" name="Title 1"/>
+          <p:cNvSpPr>
+            <a:spLocks noGrp="1"/>
+          </p:cNvSpPr>
+          <p:nvPr>
+            <p:ph type="title"/>
+          </p:nvPr>
+        </p:nvSpPr>
+        <p:spPr/>
+        <p:txBody>
+          <a:bodyPr/>
+          <a:lstStyle/>
+          <a:p>
+            <a:r>
+              <a:rPr lang="en-US" dirty="0"/>
+              <a:t>Creating a 2D char array</a:t>
+            </a:r>
+          </a:p>
+        </p:txBody>
+      </p:sp>
+      <p:pic>
+        <p:nvPicPr>
+          <p:cNvPr id="3" name="Picture 2"/>
+          <p:cNvPicPr>
+            <a:picLocks noChangeAspect="1"/>
+          </p:cNvPicPr>
+          <p:nvPr/>
+        </p:nvPicPr>
+        <p:blipFill>
+          <a:blip r:embed="rId2"/>
+          <a:stretch>
+            <a:fillRect/>
+          </a:stretch>
+        </p:blipFill>
+        <p:spPr>
+          <a:xfrm>
+            <a:off x="1676400" y="2202795"/>
+            <a:ext cx="5636440" cy="4537074"/>
+          </a:xfrm>
+          <a:prstGeom prst="rect">
+            <a:avLst/>
+          </a:prstGeom>
+        </p:spPr>
+      </p:pic>
+      <p:sp>
+        <p:nvSpPr>
+          <p:cNvPr id="5" name="TextBox 4"/>
+          <p:cNvSpPr txBox="1"/>
+          <p:nvPr/>
+        </p:nvSpPr>
+        <p:spPr>
+          <a:xfrm>
+            <a:off x="1676400" y="1371600"/>
+            <a:ext cx="5791200" cy="523220"/>
+          </a:xfrm>
+          <a:prstGeom prst="rect">
+            <a:avLst/>
+          </a:prstGeom>
+          <a:noFill/>
+        </p:spPr>
+        <p:txBody>
+          <a:bodyPr wrap="square" rtlCol="0">
+            <a:spAutoFit/>
+          </a:bodyPr>
+          <a:lstStyle/>
+          <a:p>
+            <a:r>
+              <a:rPr lang="en-US" sz="2800" dirty="0" err="1">
+                <a:latin typeface="Consolas" panose="020B0609020204030204" pitchFamily="49" charset="0"/>
+              </a:rPr>
+              <a:t>ticTacToe</a:t>
+            </a:r>
+            <a:r>
+              <a:rPr lang="en-US" sz="2800" dirty="0">
+                <a:latin typeface="Consolas" panose="020B0609020204030204" pitchFamily="49" charset="0"/>
+              </a:rPr>
+              <a:t>[ 1 ][  1 ] = ‘X’;</a:t>
+            </a:r>
+          </a:p>
+        </p:txBody>
+      </p:sp>
+    </p:spTree>
+    <p:extLst>
+      <p:ext uri="{BB962C8B-B14F-4D97-AF65-F5344CB8AC3E}">
+        <p14:creationId xmlns:p14="http://schemas.microsoft.com/office/powerpoint/2010/main" val="242874814"/>
       </p:ext>
     </p:extLst>
   </p:cSld>
@@ -8724,7 +8733,7 @@
           </a:ln>
           <a:extLst>
             <a:ext uri="{C572A759-6A51-4108-AA02-DFA0A04FC94B}">
-              <ma14:wrappingTextBoxFlag xmlns="" xmlns:ma14="http://schemas.microsoft.com/office/mac/drawingml/2011/main" val="1"/>
+              <ma14:wrappingTextBoxFlag xmlns:ma14="http://schemas.microsoft.com/office/mac/drawingml/2011/main" xmlns="" val="1"/>
             </a:ext>
           </a:extLst>
         </p:spPr>
@@ -9467,11 +9476,11 @@
   <p:clrMapOvr>
     <a:masterClrMapping/>
   </p:clrMapOvr>
-  <mc:AlternateContent xmlns:mc="http://schemas.openxmlformats.org/markup-compatibility/2006">
-    <mc:Choice xmlns:p14="http://schemas.microsoft.com/office/powerpoint/2010/main" Requires="p14">
+  <mc:AlternateContent xmlns:mc="http://schemas.openxmlformats.org/markup-compatibility/2006" xmlns:p14="http://schemas.microsoft.com/office/powerpoint/2010/main">
+    <mc:Choice Requires="p14">
       <p:transition spd="slow" p14:dur="2000"/>
     </mc:Choice>
-    <mc:Fallback>
+    <mc:Fallback xmlns="">
       <p:transition spd="slow"/>
     </mc:Fallback>
   </mc:AlternateContent>
@@ -9585,10 +9594,39 @@
           </a:p>
         </p:txBody>
       </p:sp>
+      <p:sp>
+        <p:nvSpPr>
+          <p:cNvPr id="6" name="TextBox 5"/>
+          <p:cNvSpPr txBox="1"/>
+          <p:nvPr/>
+        </p:nvSpPr>
+        <p:spPr>
+          <a:xfrm>
+            <a:off x="5105400" y="4419600"/>
+            <a:ext cx="685800" cy="769441"/>
+          </a:xfrm>
+          <a:prstGeom prst="rect">
+            <a:avLst/>
+          </a:prstGeom>
+          <a:noFill/>
+        </p:spPr>
+        <p:txBody>
+          <a:bodyPr wrap="square" rtlCol="0">
+            <a:spAutoFit/>
+          </a:bodyPr>
+          <a:lstStyle/>
+          <a:p>
+            <a:r>
+              <a:rPr lang="en-US" sz="4400" dirty="0"/>
+              <a:t>X</a:t>
+            </a:r>
+          </a:p>
+        </p:txBody>
+      </p:sp>
     </p:spTree>
     <p:extLst>
       <p:ext uri="{BB962C8B-B14F-4D97-AF65-F5344CB8AC3E}">
-        <p14:creationId xmlns:p14="http://schemas.microsoft.com/office/powerpoint/2010/main" val="242874814"/>
+        <p14:creationId xmlns:p14="http://schemas.microsoft.com/office/powerpoint/2010/main" val="2703764021"/>
       </p:ext>
     </p:extLst>
   </p:cSld>
@@ -9693,7 +9731,7 @@
               <a:rPr lang="en-US" sz="2800" dirty="0">
                 <a:latin typeface="Consolas" panose="020B0609020204030204" pitchFamily="49" charset="0"/>
               </a:rPr>
-              <a:t>[ 1 ][  1 ] = ‘X’;</a:t>
+              <a:t>[ 0 ][  1 ] = ‘O’;</a:t>
             </a:r>
           </a:p>
         </p:txBody>
@@ -9730,13 +9768,21 @@
     </p:spTree>
     <p:extLst>
       <p:ext uri="{BB962C8B-B14F-4D97-AF65-F5344CB8AC3E}">
-        <p14:creationId xmlns:p14="http://schemas.microsoft.com/office/powerpoint/2010/main" val="2703764021"/>
+        <p14:creationId xmlns:p14="http://schemas.microsoft.com/office/powerpoint/2010/main" val="3089089331"/>
       </p:ext>
     </p:extLst>
   </p:cSld>
   <p:clrMapOvr>
     <a:masterClrMapping/>
   </p:clrMapOvr>
+  <mc:AlternateContent xmlns:mc="http://schemas.openxmlformats.org/markup-compatibility/2006" xmlns:p14="http://schemas.microsoft.com/office/powerpoint/2010/main">
+    <mc:Choice Requires="p14">
+      <p:transition spd="slow" p14:dur="2000"/>
+    </mc:Choice>
+    <mc:Fallback xmlns="">
+      <p:transition spd="slow"/>
+    </mc:Fallback>
+  </mc:AlternateContent>
 </p:sld>
 </file>
 
@@ -9869,21 +9915,50 @@
           </a:p>
         </p:txBody>
       </p:sp>
+      <p:sp>
+        <p:nvSpPr>
+          <p:cNvPr id="7" name="TextBox 6"/>
+          <p:cNvSpPr txBox="1"/>
+          <p:nvPr/>
+        </p:nvSpPr>
+        <p:spPr>
+          <a:xfrm>
+            <a:off x="5122178" y="3249722"/>
+            <a:ext cx="685800" cy="769441"/>
+          </a:xfrm>
+          <a:prstGeom prst="rect">
+            <a:avLst/>
+          </a:prstGeom>
+          <a:noFill/>
+        </p:spPr>
+        <p:txBody>
+          <a:bodyPr wrap="square" rtlCol="0">
+            <a:spAutoFit/>
+          </a:bodyPr>
+          <a:lstStyle/>
+          <a:p>
+            <a:r>
+              <a:rPr lang="en-US" sz="4400" dirty="0"/>
+              <a:t>O</a:t>
+            </a:r>
+          </a:p>
+        </p:txBody>
+      </p:sp>
     </p:spTree>
     <p:extLst>
       <p:ext uri="{BB962C8B-B14F-4D97-AF65-F5344CB8AC3E}">
-        <p14:creationId xmlns:p14="http://schemas.microsoft.com/office/powerpoint/2010/main" val="3089089331"/>
+        <p14:creationId xmlns:p14="http://schemas.microsoft.com/office/powerpoint/2010/main" val="4183252574"/>
       </p:ext>
     </p:extLst>
   </p:cSld>
   <p:clrMapOvr>
     <a:masterClrMapping/>
   </p:clrMapOvr>
-  <mc:AlternateContent xmlns:mc="http://schemas.openxmlformats.org/markup-compatibility/2006">
-    <mc:Choice xmlns:p14="http://schemas.microsoft.com/office/powerpoint/2010/main" Requires="p14">
+  <mc:AlternateContent xmlns:mc="http://schemas.openxmlformats.org/markup-compatibility/2006" xmlns:p14="http://schemas.microsoft.com/office/powerpoint/2010/main">
+    <mc:Choice Requires="p14">
       <p:transition spd="slow" p14:dur="2000"/>
     </mc:Choice>
-    <mc:Fallback>
+    <mc:Fallback xmlns="">
       <p:transition spd="slow"/>
     </mc:Fallback>
   </mc:AlternateContent>
@@ -9985,7 +10060,7 @@
               <a:rPr lang="en-US" sz="2800" dirty="0">
                 <a:latin typeface="Consolas" panose="020B0609020204030204" pitchFamily="49" charset="0"/>
               </a:rPr>
-              <a:t>[ 0 ][  1 ] = ‘O’;</a:t>
+              <a:t>[ 2 ][  2 ] = ‘X’;</a:t>
             </a:r>
           </a:p>
         </p:txBody>
@@ -10051,18 +10126,18 @@
     </p:spTree>
     <p:extLst>
       <p:ext uri="{BB962C8B-B14F-4D97-AF65-F5344CB8AC3E}">
-        <p14:creationId xmlns:p14="http://schemas.microsoft.com/office/powerpoint/2010/main" val="4183252574"/>
+        <p14:creationId xmlns:p14="http://schemas.microsoft.com/office/powerpoint/2010/main" val="1109014256"/>
       </p:ext>
     </p:extLst>
   </p:cSld>
   <p:clrMapOvr>
     <a:masterClrMapping/>
   </p:clrMapOvr>
-  <mc:AlternateContent xmlns:mc="http://schemas.openxmlformats.org/markup-compatibility/2006">
-    <mc:Choice xmlns:p14="http://schemas.microsoft.com/office/powerpoint/2010/main" Requires="p14">
+  <mc:AlternateContent xmlns:mc="http://schemas.openxmlformats.org/markup-compatibility/2006" xmlns:p14="http://schemas.microsoft.com/office/powerpoint/2010/main">
+    <mc:Choice Requires="p14">
       <p:transition spd="slow" p14:dur="2000"/>
     </mc:Choice>
-    <mc:Fallback>
+    <mc:Fallback xmlns="">
       <p:transition spd="slow"/>
     </mc:Fallback>
   </mc:AlternateContent>
@@ -10227,21 +10302,50 @@
           </a:p>
         </p:txBody>
       </p:sp>
+      <p:sp>
+        <p:nvSpPr>
+          <p:cNvPr id="8" name="TextBox 7"/>
+          <p:cNvSpPr txBox="1"/>
+          <p:nvPr/>
+        </p:nvSpPr>
+        <p:spPr>
+          <a:xfrm>
+            <a:off x="6172200" y="5638800"/>
+            <a:ext cx="685800" cy="769441"/>
+          </a:xfrm>
+          <a:prstGeom prst="rect">
+            <a:avLst/>
+          </a:prstGeom>
+          <a:noFill/>
+        </p:spPr>
+        <p:txBody>
+          <a:bodyPr wrap="square" rtlCol="0">
+            <a:spAutoFit/>
+          </a:bodyPr>
+          <a:lstStyle/>
+          <a:p>
+            <a:r>
+              <a:rPr lang="en-US" sz="4400" dirty="0"/>
+              <a:t>X</a:t>
+            </a:r>
+          </a:p>
+        </p:txBody>
+      </p:sp>
     </p:spTree>
     <p:extLst>
       <p:ext uri="{BB962C8B-B14F-4D97-AF65-F5344CB8AC3E}">
-        <p14:creationId xmlns:p14="http://schemas.microsoft.com/office/powerpoint/2010/main" val="1109014256"/>
+        <p14:creationId xmlns:p14="http://schemas.microsoft.com/office/powerpoint/2010/main" val="1523799280"/>
       </p:ext>
     </p:extLst>
   </p:cSld>
   <p:clrMapOvr>
     <a:masterClrMapping/>
   </p:clrMapOvr>
-  <mc:AlternateContent xmlns:mc="http://schemas.openxmlformats.org/markup-compatibility/2006">
-    <mc:Choice xmlns:p14="http://schemas.microsoft.com/office/powerpoint/2010/main" Requires="p14">
+  <mc:AlternateContent xmlns:mc="http://schemas.openxmlformats.org/markup-compatibility/2006" xmlns:p14="http://schemas.microsoft.com/office/powerpoint/2010/main">
+    <mc:Choice Requires="p14">
       <p:transition spd="slow" p14:dur="2000"/>
     </mc:Choice>
-    <mc:Fallback>
+    <mc:Fallback xmlns="">
       <p:transition spd="slow"/>
     </mc:Fallback>
   </mc:AlternateContent>
@@ -10343,7 +10447,7 @@
               <a:rPr lang="en-US" sz="2800" dirty="0">
                 <a:latin typeface="Consolas" panose="020B0609020204030204" pitchFamily="49" charset="0"/>
               </a:rPr>
-              <a:t>[ 2 ][  2 ] = ‘X’;</a:t>
+              <a:t>[ 0 ][  0 ] = ‘O’;</a:t>
             </a:r>
           </a:p>
         </p:txBody>
@@ -10438,18 +10542,18 @@
     </p:spTree>
     <p:extLst>
       <p:ext uri="{BB962C8B-B14F-4D97-AF65-F5344CB8AC3E}">
-        <p14:creationId xmlns:p14="http://schemas.microsoft.com/office/powerpoint/2010/main" val="1523799280"/>
+        <p14:creationId xmlns:p14="http://schemas.microsoft.com/office/powerpoint/2010/main" val="3371878340"/>
       </p:ext>
     </p:extLst>
   </p:cSld>
   <p:clrMapOvr>
     <a:masterClrMapping/>
   </p:clrMapOvr>
-  <mc:AlternateContent xmlns:mc="http://schemas.openxmlformats.org/markup-compatibility/2006">
-    <mc:Choice xmlns:p14="http://schemas.microsoft.com/office/powerpoint/2010/main" Requires="p14">
+  <mc:AlternateContent xmlns:mc="http://schemas.openxmlformats.org/markup-compatibility/2006" xmlns:p14="http://schemas.microsoft.com/office/powerpoint/2010/main">
+    <mc:Choice Requires="p14">
       <p:transition spd="slow" p14:dur="2000"/>
     </mc:Choice>
-    <mc:Fallback>
+    <mc:Fallback xmlns="">
       <p:transition spd="slow"/>
     </mc:Fallback>
   </mc:AlternateContent>
@@ -10643,21 +10747,50 @@
           </a:p>
         </p:txBody>
       </p:sp>
+      <p:sp>
+        <p:nvSpPr>
+          <p:cNvPr id="9" name="TextBox 8"/>
+          <p:cNvSpPr txBox="1"/>
+          <p:nvPr/>
+        </p:nvSpPr>
+        <p:spPr>
+          <a:xfrm>
+            <a:off x="4151720" y="3262692"/>
+            <a:ext cx="685800" cy="769441"/>
+          </a:xfrm>
+          <a:prstGeom prst="rect">
+            <a:avLst/>
+          </a:prstGeom>
+          <a:noFill/>
+        </p:spPr>
+        <p:txBody>
+          <a:bodyPr wrap="square" rtlCol="0">
+            <a:spAutoFit/>
+          </a:bodyPr>
+          <a:lstStyle/>
+          <a:p>
+            <a:r>
+              <a:rPr lang="en-US" sz="4400" dirty="0"/>
+              <a:t>O</a:t>
+            </a:r>
+          </a:p>
+        </p:txBody>
+      </p:sp>
     </p:spTree>
     <p:extLst>
       <p:ext uri="{BB962C8B-B14F-4D97-AF65-F5344CB8AC3E}">
-        <p14:creationId xmlns:p14="http://schemas.microsoft.com/office/powerpoint/2010/main" val="3371878340"/>
+        <p14:creationId xmlns:p14="http://schemas.microsoft.com/office/powerpoint/2010/main" val="668435085"/>
       </p:ext>
     </p:extLst>
   </p:cSld>
   <p:clrMapOvr>
     <a:masterClrMapping/>
   </p:clrMapOvr>
-  <mc:AlternateContent xmlns:mc="http://schemas.openxmlformats.org/markup-compatibility/2006">
-    <mc:Choice xmlns:p14="http://schemas.microsoft.com/office/powerpoint/2010/main" Requires="p14">
+  <mc:AlternateContent xmlns:mc="http://schemas.openxmlformats.org/markup-compatibility/2006" xmlns:p14="http://schemas.microsoft.com/office/powerpoint/2010/main">
+    <mc:Choice Requires="p14">
       <p:transition spd="slow" p14:dur="2000"/>
     </mc:Choice>
-    <mc:Fallback>
+    <mc:Fallback xmlns="">
       <p:transition spd="slow"/>
     </mc:Fallback>
   </mc:AlternateContent>
@@ -10759,7 +10892,7 @@
               <a:rPr lang="en-US" sz="2800" dirty="0">
                 <a:latin typeface="Consolas" panose="020B0609020204030204" pitchFamily="49" charset="0"/>
               </a:rPr>
-              <a:t>[ 0 ][  0 ] = ‘O’;</a:t>
+              <a:t>[ 2 ][  0 ] = ‘X’;</a:t>
             </a:r>
           </a:p>
         </p:txBody>
@@ -10883,18 +11016,18 @@
     </p:spTree>
     <p:extLst>
       <p:ext uri="{BB962C8B-B14F-4D97-AF65-F5344CB8AC3E}">
-        <p14:creationId xmlns:p14="http://schemas.microsoft.com/office/powerpoint/2010/main" val="668435085"/>
+        <p14:creationId xmlns:p14="http://schemas.microsoft.com/office/powerpoint/2010/main" val="3355760767"/>
       </p:ext>
     </p:extLst>
   </p:cSld>
   <p:clrMapOvr>
     <a:masterClrMapping/>
   </p:clrMapOvr>
-  <mc:AlternateContent xmlns:mc="http://schemas.openxmlformats.org/markup-compatibility/2006">
-    <mc:Choice xmlns:p14="http://schemas.microsoft.com/office/powerpoint/2010/main" Requires="p14">
+  <mc:AlternateContent xmlns:mc="http://schemas.openxmlformats.org/markup-compatibility/2006" xmlns:p14="http://schemas.microsoft.com/office/powerpoint/2010/main">
+    <mc:Choice Requires="p14">
       <p:transition spd="slow" p14:dur="2000"/>
     </mc:Choice>
-    <mc:Fallback>
+    <mc:Fallback xmlns="">
       <p:transition spd="slow"/>
     </mc:Fallback>
   </mc:AlternateContent>
@@ -11117,21 +11250,50 @@
           </a:p>
         </p:txBody>
       </p:sp>
+      <p:sp>
+        <p:nvSpPr>
+          <p:cNvPr id="10" name="TextBox 9"/>
+          <p:cNvSpPr txBox="1"/>
+          <p:nvPr/>
+        </p:nvSpPr>
+        <p:spPr>
+          <a:xfrm>
+            <a:off x="4151720" y="5638799"/>
+            <a:ext cx="685800" cy="769441"/>
+          </a:xfrm>
+          <a:prstGeom prst="rect">
+            <a:avLst/>
+          </a:prstGeom>
+          <a:noFill/>
+        </p:spPr>
+        <p:txBody>
+          <a:bodyPr wrap="square" rtlCol="0">
+            <a:spAutoFit/>
+          </a:bodyPr>
+          <a:lstStyle/>
+          <a:p>
+            <a:r>
+              <a:rPr lang="en-US" sz="4400" dirty="0"/>
+              <a:t>X</a:t>
+            </a:r>
+          </a:p>
+        </p:txBody>
+      </p:sp>
     </p:spTree>
     <p:extLst>
       <p:ext uri="{BB962C8B-B14F-4D97-AF65-F5344CB8AC3E}">
-        <p14:creationId xmlns:p14="http://schemas.microsoft.com/office/powerpoint/2010/main" val="3355760767"/>
+        <p14:creationId xmlns:p14="http://schemas.microsoft.com/office/powerpoint/2010/main" val="3358265216"/>
       </p:ext>
     </p:extLst>
   </p:cSld>
   <p:clrMapOvr>
     <a:masterClrMapping/>
   </p:clrMapOvr>
-  <mc:AlternateContent xmlns:mc="http://schemas.openxmlformats.org/markup-compatibility/2006">
-    <mc:Choice xmlns:p14="http://schemas.microsoft.com/office/powerpoint/2010/main" Requires="p14">
+  <mc:AlternateContent xmlns:mc="http://schemas.openxmlformats.org/markup-compatibility/2006" xmlns:p14="http://schemas.microsoft.com/office/powerpoint/2010/main">
+    <mc:Choice Requires="p14">
       <p:transition spd="slow" p14:dur="2000"/>
     </mc:Choice>
-    <mc:Fallback>
+    <mc:Fallback xmlns="">
       <p:transition spd="slow"/>
     </mc:Fallback>
   </mc:AlternateContent>
@@ -11233,7 +11395,7 @@
               <a:rPr lang="en-US" sz="2800" dirty="0">
                 <a:latin typeface="Consolas" panose="020B0609020204030204" pitchFamily="49" charset="0"/>
               </a:rPr>
-              <a:t>[ 2 ][  0 ] = ‘X’;</a:t>
+              <a:t>[ 2 ][  1 ] = ‘O’;</a:t>
             </a:r>
           </a:p>
         </p:txBody>
@@ -11386,18 +11548,18 @@
     </p:spTree>
     <p:extLst>
       <p:ext uri="{BB962C8B-B14F-4D97-AF65-F5344CB8AC3E}">
-        <p14:creationId xmlns:p14="http://schemas.microsoft.com/office/powerpoint/2010/main" val="3358265216"/>
+        <p14:creationId xmlns:p14="http://schemas.microsoft.com/office/powerpoint/2010/main" val="853083052"/>
       </p:ext>
     </p:extLst>
   </p:cSld>
   <p:clrMapOvr>
     <a:masterClrMapping/>
   </p:clrMapOvr>
-  <mc:AlternateContent xmlns:mc="http://schemas.openxmlformats.org/markup-compatibility/2006">
-    <mc:Choice xmlns:p14="http://schemas.microsoft.com/office/powerpoint/2010/main" Requires="p14">
+  <mc:AlternateContent xmlns:mc="http://schemas.openxmlformats.org/markup-compatibility/2006" xmlns:p14="http://schemas.microsoft.com/office/powerpoint/2010/main">
+    <mc:Choice Requires="p14">
       <p:transition spd="slow" p14:dur="2000"/>
     </mc:Choice>
-    <mc:Fallback>
+    <mc:Fallback xmlns="">
       <p:transition spd="slow"/>
     </mc:Fallback>
   </mc:AlternateContent>
@@ -11721,21 +11883,50 @@
           </a:p>
         </p:txBody>
       </p:sp>
+      <p:sp>
+        <p:nvSpPr>
+          <p:cNvPr id="11" name="TextBox 10"/>
+          <p:cNvSpPr txBox="1"/>
+          <p:nvPr/>
+        </p:nvSpPr>
+        <p:spPr>
+          <a:xfrm>
+            <a:off x="5074443" y="5632645"/>
+            <a:ext cx="685800" cy="769441"/>
+          </a:xfrm>
+          <a:prstGeom prst="rect">
+            <a:avLst/>
+          </a:prstGeom>
+          <a:noFill/>
+        </p:spPr>
+        <p:txBody>
+          <a:bodyPr wrap="square" rtlCol="0">
+            <a:spAutoFit/>
+          </a:bodyPr>
+          <a:lstStyle/>
+          <a:p>
+            <a:r>
+              <a:rPr lang="en-US" sz="4400" dirty="0"/>
+              <a:t>O</a:t>
+            </a:r>
+          </a:p>
+        </p:txBody>
+      </p:sp>
     </p:spTree>
     <p:extLst>
       <p:ext uri="{BB962C8B-B14F-4D97-AF65-F5344CB8AC3E}">
-        <p14:creationId xmlns:p14="http://schemas.microsoft.com/office/powerpoint/2010/main" val="853083052"/>
+        <p14:creationId xmlns:p14="http://schemas.microsoft.com/office/powerpoint/2010/main" val="2582998312"/>
       </p:ext>
     </p:extLst>
   </p:cSld>
   <p:clrMapOvr>
     <a:masterClrMapping/>
   </p:clrMapOvr>
-  <mc:AlternateContent xmlns:mc="http://schemas.openxmlformats.org/markup-compatibility/2006">
-    <mc:Choice xmlns:p14="http://schemas.microsoft.com/office/powerpoint/2010/main" Requires="p14">
+  <mc:AlternateContent xmlns:mc="http://schemas.openxmlformats.org/markup-compatibility/2006" xmlns:p14="http://schemas.microsoft.com/office/powerpoint/2010/main">
+    <mc:Choice Requires="p14">
       <p:transition spd="slow" p14:dur="2000"/>
     </mc:Choice>
-    <mc:Fallback>
+    <mc:Fallback xmlns="">
       <p:transition spd="slow"/>
     </mc:Fallback>
   </mc:AlternateContent>
@@ -11837,7 +12028,7 @@
               <a:rPr lang="en-US" sz="2800" dirty="0">
                 <a:latin typeface="Consolas" panose="020B0609020204030204" pitchFamily="49" charset="0"/>
               </a:rPr>
-              <a:t>[ 2 ][  1 ] = ‘O’;</a:t>
+              <a:t>[ 0 ][  2 ] = ‘X’;</a:t>
             </a:r>
           </a:p>
         </p:txBody>
@@ -12019,18 +12210,18 @@
     </p:spTree>
     <p:extLst>
       <p:ext uri="{BB962C8B-B14F-4D97-AF65-F5344CB8AC3E}">
-        <p14:creationId xmlns:p14="http://schemas.microsoft.com/office/powerpoint/2010/main" val="2582998312"/>
+        <p14:creationId xmlns:p14="http://schemas.microsoft.com/office/powerpoint/2010/main" val="1124989575"/>
       </p:ext>
     </p:extLst>
   </p:cSld>
   <p:clrMapOvr>
     <a:masterClrMapping/>
   </p:clrMapOvr>
-  <mc:AlternateContent xmlns:mc="http://schemas.openxmlformats.org/markup-compatibility/2006">
-    <mc:Choice xmlns:p14="http://schemas.microsoft.com/office/powerpoint/2010/main" Requires="p14">
+  <mc:AlternateContent xmlns:mc="http://schemas.openxmlformats.org/markup-compatibility/2006" xmlns:p14="http://schemas.microsoft.com/office/powerpoint/2010/main">
+    <mc:Choice Requires="p14">
       <p:transition spd="slow" p14:dur="2000"/>
     </mc:Choice>
-    <mc:Fallback>
+    <mc:Fallback xmlns="">
       <p:transition spd="slow"/>
     </mc:Fallback>
   </mc:AlternateContent>
@@ -12311,21 +12502,50 @@
           </a:p>
         </p:txBody>
       </p:sp>
+      <p:sp>
+        <p:nvSpPr>
+          <p:cNvPr id="12" name="TextBox 11"/>
+          <p:cNvSpPr txBox="1"/>
+          <p:nvPr/>
+        </p:nvSpPr>
+        <p:spPr>
+          <a:xfrm>
+            <a:off x="6165908" y="3230598"/>
+            <a:ext cx="685800" cy="769441"/>
+          </a:xfrm>
+          <a:prstGeom prst="rect">
+            <a:avLst/>
+          </a:prstGeom>
+          <a:noFill/>
+        </p:spPr>
+        <p:txBody>
+          <a:bodyPr wrap="square" rtlCol="0">
+            <a:spAutoFit/>
+          </a:bodyPr>
+          <a:lstStyle/>
+          <a:p>
+            <a:r>
+              <a:rPr lang="en-US" sz="4400" dirty="0"/>
+              <a:t>X</a:t>
+            </a:r>
+          </a:p>
+        </p:txBody>
+      </p:sp>
     </p:spTree>
     <p:extLst>
       <p:ext uri="{BB962C8B-B14F-4D97-AF65-F5344CB8AC3E}">
-        <p14:creationId xmlns:p14="http://schemas.microsoft.com/office/powerpoint/2010/main" val="1124989575"/>
+        <p14:creationId xmlns:p14="http://schemas.microsoft.com/office/powerpoint/2010/main" val="2705992349"/>
       </p:ext>
     </p:extLst>
   </p:cSld>
   <p:clrMapOvr>
     <a:masterClrMapping/>
   </p:clrMapOvr>
-  <mc:AlternateContent xmlns:mc="http://schemas.openxmlformats.org/markup-compatibility/2006">
-    <mc:Choice xmlns:p14="http://schemas.microsoft.com/office/powerpoint/2010/main" Requires="p14">
+  <mc:AlternateContent xmlns:mc="http://schemas.openxmlformats.org/markup-compatibility/2006" xmlns:p14="http://schemas.microsoft.com/office/powerpoint/2010/main">
+    <mc:Choice Requires="p14">
       <p:transition spd="slow" p14:dur="2000"/>
     </mc:Choice>
-    <mc:Fallback>
+    <mc:Fallback xmlns="">
       <p:transition spd="slow"/>
     </mc:Fallback>
   </mc:AlternateContent>
@@ -12366,271 +12586,96 @@
           <a:p>
             <a:r>
               <a:rPr lang="en-US" dirty="0"/>
-              <a:t>Creating a 2D char array</a:t>
-            </a:r>
-          </a:p>
-        </p:txBody>
-      </p:sp>
-      <p:pic>
-        <p:nvPicPr>
-          <p:cNvPr id="3" name="Picture 2"/>
-          <p:cNvPicPr>
-            <a:picLocks noChangeAspect="1"/>
-          </p:cNvPicPr>
-          <p:nvPr/>
-        </p:nvPicPr>
-        <p:blipFill>
-          <a:blip r:embed="rId2"/>
-          <a:stretch>
-            <a:fillRect/>
-          </a:stretch>
-        </p:blipFill>
-        <p:spPr>
-          <a:xfrm>
-            <a:off x="1676400" y="2202795"/>
-            <a:ext cx="5636440" cy="4537074"/>
-          </a:xfrm>
-          <a:prstGeom prst="rect">
-            <a:avLst/>
-          </a:prstGeom>
-        </p:spPr>
-      </p:pic>
-      <p:sp>
-        <p:nvSpPr>
-          <p:cNvPr id="5" name="TextBox 4"/>
-          <p:cNvSpPr txBox="1"/>
-          <p:nvPr/>
-        </p:nvSpPr>
-        <p:spPr>
-          <a:xfrm>
-            <a:off x="1676400" y="1371600"/>
-            <a:ext cx="5791200" cy="523220"/>
-          </a:xfrm>
-          <a:prstGeom prst="rect">
-            <a:avLst/>
-          </a:prstGeom>
-          <a:noFill/>
-        </p:spPr>
-        <p:txBody>
-          <a:bodyPr wrap="square" rtlCol="0">
-            <a:spAutoFit/>
+              <a:t>2D array dimensions</a:t>
+            </a:r>
+          </a:p>
+        </p:txBody>
+      </p:sp>
+      <p:sp>
+        <p:nvSpPr>
+          <p:cNvPr id="3" name="Content Placeholder 2"/>
+          <p:cNvSpPr>
+            <a:spLocks noGrp="1"/>
+          </p:cNvSpPr>
+          <p:nvPr>
+            <p:ph idx="1"/>
+          </p:nvPr>
+        </p:nvSpPr>
+        <p:spPr/>
+        <p:txBody>
+          <a:bodyPr>
+            <a:normAutofit/>
           </a:bodyPr>
           <a:lstStyle/>
           <a:p>
-            <a:r>
-              <a:rPr lang="en-US" sz="2800" dirty="0" err="1">
-                <a:latin typeface="Consolas" panose="020B0609020204030204" pitchFamily="49" charset="0"/>
-              </a:rPr>
-              <a:t>ticTacToe</a:t>
-            </a:r>
-            <a:r>
-              <a:rPr lang="en-US" sz="2800" dirty="0">
-                <a:latin typeface="Consolas" panose="020B0609020204030204" pitchFamily="49" charset="0"/>
-              </a:rPr>
-              <a:t>[ 0 ][  2 ] = ‘X’;</a:t>
-            </a:r>
-          </a:p>
-        </p:txBody>
-      </p:sp>
-      <p:sp>
-        <p:nvSpPr>
-          <p:cNvPr id="6" name="TextBox 5"/>
-          <p:cNvSpPr txBox="1"/>
-          <p:nvPr/>
-        </p:nvSpPr>
-        <p:spPr>
-          <a:xfrm>
-            <a:off x="5105400" y="4419600"/>
-            <a:ext cx="685800" cy="769441"/>
-          </a:xfrm>
-          <a:prstGeom prst="rect">
-            <a:avLst/>
-          </a:prstGeom>
-          <a:noFill/>
-        </p:spPr>
-        <p:txBody>
-          <a:bodyPr wrap="square" rtlCol="0">
-            <a:spAutoFit/>
-          </a:bodyPr>
-          <a:lstStyle/>
-          <a:p>
-            <a:r>
-              <a:rPr lang="en-US" sz="4400" dirty="0"/>
-              <a:t>X</a:t>
-            </a:r>
-          </a:p>
-        </p:txBody>
-      </p:sp>
-      <p:sp>
-        <p:nvSpPr>
-          <p:cNvPr id="7" name="TextBox 6"/>
-          <p:cNvSpPr txBox="1"/>
-          <p:nvPr/>
-        </p:nvSpPr>
-        <p:spPr>
-          <a:xfrm>
-            <a:off x="5122178" y="3249722"/>
-            <a:ext cx="685800" cy="769441"/>
-          </a:xfrm>
-          <a:prstGeom prst="rect">
-            <a:avLst/>
-          </a:prstGeom>
-          <a:noFill/>
-        </p:spPr>
-        <p:txBody>
-          <a:bodyPr wrap="square" rtlCol="0">
-            <a:spAutoFit/>
-          </a:bodyPr>
-          <a:lstStyle/>
-          <a:p>
-            <a:r>
-              <a:rPr lang="en-US" sz="4400" dirty="0"/>
-              <a:t>O</a:t>
-            </a:r>
-          </a:p>
-        </p:txBody>
-      </p:sp>
-      <p:sp>
-        <p:nvSpPr>
-          <p:cNvPr id="8" name="TextBox 7"/>
-          <p:cNvSpPr txBox="1"/>
-          <p:nvPr/>
-        </p:nvSpPr>
-        <p:spPr>
-          <a:xfrm>
-            <a:off x="6172200" y="5638800"/>
-            <a:ext cx="685800" cy="769441"/>
-          </a:xfrm>
-          <a:prstGeom prst="rect">
-            <a:avLst/>
-          </a:prstGeom>
-          <a:noFill/>
-        </p:spPr>
-        <p:txBody>
-          <a:bodyPr wrap="square" rtlCol="0">
-            <a:spAutoFit/>
-          </a:bodyPr>
-          <a:lstStyle/>
-          <a:p>
-            <a:r>
-              <a:rPr lang="en-US" sz="4400" dirty="0"/>
-              <a:t>X</a:t>
-            </a:r>
-          </a:p>
-        </p:txBody>
-      </p:sp>
-      <p:sp>
-        <p:nvSpPr>
-          <p:cNvPr id="9" name="TextBox 8"/>
-          <p:cNvSpPr txBox="1"/>
-          <p:nvPr/>
-        </p:nvSpPr>
-        <p:spPr>
-          <a:xfrm>
-            <a:off x="4151720" y="3262692"/>
-            <a:ext cx="685800" cy="769441"/>
-          </a:xfrm>
-          <a:prstGeom prst="rect">
-            <a:avLst/>
-          </a:prstGeom>
-          <a:noFill/>
-        </p:spPr>
-        <p:txBody>
-          <a:bodyPr wrap="square" rtlCol="0">
-            <a:spAutoFit/>
-          </a:bodyPr>
-          <a:lstStyle/>
-          <a:p>
-            <a:r>
-              <a:rPr lang="en-US" sz="4400" dirty="0"/>
-              <a:t>O</a:t>
-            </a:r>
-          </a:p>
-        </p:txBody>
-      </p:sp>
-      <p:sp>
-        <p:nvSpPr>
-          <p:cNvPr id="10" name="TextBox 9"/>
-          <p:cNvSpPr txBox="1"/>
-          <p:nvPr/>
-        </p:nvSpPr>
-        <p:spPr>
-          <a:xfrm>
-            <a:off x="4151720" y="5638799"/>
-            <a:ext cx="685800" cy="769441"/>
-          </a:xfrm>
-          <a:prstGeom prst="rect">
-            <a:avLst/>
-          </a:prstGeom>
-          <a:noFill/>
-        </p:spPr>
-        <p:txBody>
-          <a:bodyPr wrap="square" rtlCol="0">
-            <a:spAutoFit/>
-          </a:bodyPr>
-          <a:lstStyle/>
-          <a:p>
-            <a:r>
-              <a:rPr lang="en-US" sz="4400" dirty="0"/>
-              <a:t>X</a:t>
-            </a:r>
-          </a:p>
-        </p:txBody>
-      </p:sp>
-      <p:sp>
-        <p:nvSpPr>
-          <p:cNvPr id="11" name="TextBox 10"/>
-          <p:cNvSpPr txBox="1"/>
-          <p:nvPr/>
-        </p:nvSpPr>
-        <p:spPr>
-          <a:xfrm>
-            <a:off x="5074443" y="5632645"/>
-            <a:ext cx="685800" cy="769441"/>
-          </a:xfrm>
-          <a:prstGeom prst="rect">
-            <a:avLst/>
-          </a:prstGeom>
-          <a:noFill/>
-        </p:spPr>
-        <p:txBody>
-          <a:bodyPr wrap="square" rtlCol="0">
-            <a:spAutoFit/>
-          </a:bodyPr>
-          <a:lstStyle/>
-          <a:p>
-            <a:r>
-              <a:rPr lang="en-US" sz="4400" dirty="0"/>
-              <a:t>O</a:t>
-            </a:r>
-          </a:p>
-        </p:txBody>
-      </p:sp>
-      <p:sp>
-        <p:nvSpPr>
-          <p:cNvPr id="12" name="TextBox 11"/>
-          <p:cNvSpPr txBox="1"/>
-          <p:nvPr/>
-        </p:nvSpPr>
-        <p:spPr>
-          <a:xfrm>
-            <a:off x="6165908" y="3230598"/>
-            <a:ext cx="685800" cy="769441"/>
-          </a:xfrm>
-          <a:prstGeom prst="rect">
-            <a:avLst/>
-          </a:prstGeom>
-          <a:noFill/>
-        </p:spPr>
-        <p:txBody>
-          <a:bodyPr wrap="square" rtlCol="0">
-            <a:spAutoFit/>
-          </a:bodyPr>
-          <a:lstStyle/>
-          <a:p>
-            <a:r>
-              <a:rPr lang="en-US" sz="4400" dirty="0"/>
-              <a:t>X</a:t>
+            <a:pPr marL="0" indent="0">
+              <a:buNone/>
+            </a:pPr>
+            <a:r>
+              <a:rPr lang="en-US" dirty="0" err="1"/>
+              <a:t>int</a:t>
+            </a:r>
+            <a:r>
+              <a:rPr lang="en-US" dirty="0"/>
+              <a:t>[][] </a:t>
+            </a:r>
+            <a:r>
+              <a:rPr lang="en-US" dirty="0" err="1"/>
+              <a:t>numArray</a:t>
+            </a:r>
+            <a:r>
+              <a:rPr lang="en-US" dirty="0"/>
+              <a:t> = new </a:t>
+            </a:r>
+            <a:r>
+              <a:rPr lang="en-US" dirty="0" err="1"/>
+              <a:t>int</a:t>
+            </a:r>
+            <a:r>
+              <a:rPr lang="en-US" dirty="0"/>
+              <a:t>[2][4];</a:t>
+            </a:r>
+          </a:p>
+          <a:p>
+            <a:pPr marL="0" indent="0">
+              <a:buNone/>
+            </a:pPr>
+            <a:r>
+              <a:rPr lang="en-US" dirty="0" err="1"/>
+              <a:t>int</a:t>
+            </a:r>
+            <a:r>
+              <a:rPr lang="en-US" dirty="0"/>
+              <a:t> rows = </a:t>
+            </a:r>
+            <a:r>
+              <a:rPr lang="en-US" dirty="0" err="1"/>
+              <a:t>numArray.length</a:t>
+            </a:r>
+            <a:r>
+              <a:rPr lang="en-US" dirty="0"/>
+              <a:t>;</a:t>
+            </a:r>
+          </a:p>
+          <a:p>
+            <a:pPr marL="0" indent="0">
+              <a:buNone/>
+            </a:pPr>
+            <a:r>
+              <a:rPr lang="en-US" dirty="0" err="1"/>
+              <a:t>int</a:t>
+            </a:r>
+            <a:r>
+              <a:rPr lang="en-US" dirty="0"/>
+              <a:t> cols = </a:t>
+            </a:r>
+            <a:r>
+              <a:rPr lang="en-US" dirty="0" err="1"/>
+              <a:t>numArray</a:t>
+            </a:r>
+            <a:r>
+              <a:rPr lang="en-US" dirty="0"/>
+              <a:t>[0].length;</a:t>
             </a:r>
           </a:p>
         </p:txBody>
@@ -12638,21 +12683,13 @@
     </p:spTree>
     <p:extLst>
       <p:ext uri="{BB962C8B-B14F-4D97-AF65-F5344CB8AC3E}">
-        <p14:creationId xmlns:p14="http://schemas.microsoft.com/office/powerpoint/2010/main" val="2705992349"/>
+        <p14:creationId xmlns:p14="http://schemas.microsoft.com/office/powerpoint/2010/main" val="278095655"/>
       </p:ext>
     </p:extLst>
   </p:cSld>
   <p:clrMapOvr>
     <a:masterClrMapping/>
   </p:clrMapOvr>
-  <mc:AlternateContent xmlns:mc="http://schemas.openxmlformats.org/markup-compatibility/2006">
-    <mc:Choice xmlns:p14="http://schemas.microsoft.com/office/powerpoint/2010/main" Requires="p14">
-      <p:transition spd="slow" p14:dur="2000"/>
-    </mc:Choice>
-    <mc:Fallback>
-      <p:transition spd="slow"/>
-    </mc:Fallback>
-  </mc:AlternateContent>
 </p:sld>
 </file>
 
@@ -12695,99 +12732,78 @@
           </a:p>
         </p:txBody>
       </p:sp>
-      <p:sp>
-        <p:nvSpPr>
-          <p:cNvPr id="3" name="Content Placeholder 2"/>
-          <p:cNvSpPr>
-            <a:spLocks noGrp="1"/>
-          </p:cNvSpPr>
-          <p:nvPr>
-            <p:ph idx="1"/>
-          </p:nvPr>
-        </p:nvSpPr>
-        <p:spPr/>
-        <p:txBody>
-          <a:bodyPr>
-            <a:normAutofit/>
+      <p:pic>
+        <p:nvPicPr>
+          <p:cNvPr id="5" name="Picture 4"/>
+          <p:cNvPicPr>
+            <a:picLocks noChangeAspect="1"/>
+          </p:cNvPicPr>
+          <p:nvPr/>
+        </p:nvPicPr>
+        <p:blipFill>
+          <a:blip r:embed="rId2"/>
+          <a:stretch>
+            <a:fillRect/>
+          </a:stretch>
+        </p:blipFill>
+        <p:spPr>
+          <a:xfrm>
+            <a:off x="2399636" y="1411346"/>
+            <a:ext cx="6287164" cy="4879588"/>
+          </a:xfrm>
+          <a:prstGeom prst="rect">
+            <a:avLst/>
+          </a:prstGeom>
+        </p:spPr>
+      </p:pic>
+      <p:sp>
+        <p:nvSpPr>
+          <p:cNvPr id="6" name="TextBox 5"/>
+          <p:cNvSpPr txBox="1"/>
+          <p:nvPr/>
+        </p:nvSpPr>
+        <p:spPr>
+          <a:xfrm>
+            <a:off x="304800" y="3276600"/>
+            <a:ext cx="1942436" cy="2246769"/>
+          </a:xfrm>
+          <a:prstGeom prst="rect">
+            <a:avLst/>
+          </a:prstGeom>
+          <a:noFill/>
+        </p:spPr>
+        <p:txBody>
+          <a:bodyPr wrap="square" rtlCol="0">
+            <a:spAutoFit/>
           </a:bodyPr>
           <a:lstStyle/>
           <a:p>
-            <a:pPr marL="0" indent="0">
-              <a:buNone/>
-            </a:pPr>
-            <a:r>
-              <a:rPr lang="en-US" dirty="0" err="1"/>
-              <a:t>int</a:t>
-            </a:r>
-            <a:r>
-              <a:rPr lang="en-US" dirty="0"/>
-              <a:t>[][] </a:t>
-            </a:r>
-            <a:r>
-              <a:rPr lang="en-US" dirty="0" err="1"/>
-              <a:t>numArray</a:t>
-            </a:r>
-            <a:r>
-              <a:rPr lang="en-US" dirty="0"/>
-              <a:t> = new </a:t>
-            </a:r>
-            <a:r>
-              <a:rPr lang="en-US" dirty="0" err="1"/>
-              <a:t>int</a:t>
-            </a:r>
-            <a:r>
-              <a:rPr lang="en-US" dirty="0"/>
-              <a:t>[2][4];</a:t>
-            </a:r>
-          </a:p>
-          <a:p>
-            <a:pPr marL="0" indent="0">
-              <a:buNone/>
-            </a:pPr>
-            <a:r>
-              <a:rPr lang="en-US" dirty="0" err="1"/>
-              <a:t>int</a:t>
-            </a:r>
-            <a:r>
-              <a:rPr lang="en-US" dirty="0"/>
-              <a:t> rows = </a:t>
-            </a:r>
-            <a:r>
-              <a:rPr lang="en-US" dirty="0" err="1"/>
-              <a:t>numArray.length</a:t>
-            </a:r>
-            <a:r>
-              <a:rPr lang="en-US" dirty="0"/>
-              <a:t>;</a:t>
-            </a:r>
-          </a:p>
-          <a:p>
-            <a:pPr marL="0" indent="0">
-              <a:buNone/>
-            </a:pPr>
-            <a:r>
-              <a:rPr lang="en-US" dirty="0" err="1"/>
-              <a:t>int</a:t>
-            </a:r>
-            <a:r>
-              <a:rPr lang="en-US" dirty="0"/>
-              <a:t> cols = </a:t>
-            </a:r>
-            <a:r>
-              <a:rPr lang="en-US" dirty="0" err="1"/>
-              <a:t>numArray</a:t>
-            </a:r>
-            <a:r>
-              <a:rPr lang="en-US" dirty="0"/>
-              <a:t>[0].length;</a:t>
-            </a:r>
+            <a:r>
+              <a:rPr lang="en-US" sz="2800" dirty="0"/>
+              <a:t>2 rows</a:t>
+            </a:r>
+          </a:p>
+          <a:p>
+            <a:r>
+              <a:rPr lang="en-US" sz="2800" dirty="0"/>
+              <a:t>4 columns</a:t>
+            </a:r>
+          </a:p>
+          <a:p>
+            <a:endParaRPr lang="en-US" sz="2800" dirty="0"/>
+          </a:p>
+          <a:p>
+            <a:endParaRPr lang="en-US" sz="2800" dirty="0"/>
+          </a:p>
+          <a:p>
+            <a:endParaRPr lang="en-US" sz="2800" dirty="0"/>
           </a:p>
         </p:txBody>
       </p:sp>
     </p:spTree>
     <p:extLst>
       <p:ext uri="{BB962C8B-B14F-4D97-AF65-F5344CB8AC3E}">
-        <p14:creationId xmlns:p14="http://schemas.microsoft.com/office/powerpoint/2010/main" val="278095655"/>
+        <p14:creationId xmlns:p14="http://schemas.microsoft.com/office/powerpoint/2010/main" val="1626782504"/>
       </p:ext>
     </p:extLst>
   </p:cSld>
@@ -12831,89 +12847,208 @@
           <a:p>
             <a:r>
               <a:rPr lang="en-US" dirty="0"/>
-              <a:t>2D array dimensions</a:t>
-            </a:r>
-          </a:p>
-        </p:txBody>
-      </p:sp>
-      <p:pic>
-        <p:nvPicPr>
-          <p:cNvPr id="5" name="Picture 4"/>
-          <p:cNvPicPr>
-            <a:picLocks noChangeAspect="1"/>
-          </p:cNvPicPr>
-          <p:nvPr/>
-        </p:nvPicPr>
-        <p:blipFill>
-          <a:blip r:embed="rId2"/>
-          <a:stretch>
-            <a:fillRect/>
-          </a:stretch>
-        </p:blipFill>
-        <p:spPr>
-          <a:xfrm>
-            <a:off x="2399636" y="1411346"/>
-            <a:ext cx="6287164" cy="4879588"/>
-          </a:xfrm>
-          <a:prstGeom prst="rect">
-            <a:avLst/>
-          </a:prstGeom>
-        </p:spPr>
-      </p:pic>
-      <p:sp>
-        <p:nvSpPr>
-          <p:cNvPr id="6" name="TextBox 5"/>
-          <p:cNvSpPr txBox="1"/>
-          <p:nvPr/>
-        </p:nvSpPr>
-        <p:spPr>
-          <a:xfrm>
-            <a:off x="304800" y="3276600"/>
-            <a:ext cx="1942436" cy="2246769"/>
-          </a:xfrm>
-          <a:prstGeom prst="rect">
-            <a:avLst/>
-          </a:prstGeom>
-          <a:noFill/>
-        </p:spPr>
-        <p:txBody>
-          <a:bodyPr wrap="square" rtlCol="0">
-            <a:spAutoFit/>
+              <a:t>Iterate through 2D array?</a:t>
+            </a:r>
+          </a:p>
+        </p:txBody>
+      </p:sp>
+      <p:sp>
+        <p:nvSpPr>
+          <p:cNvPr id="3" name="Content Placeholder 2"/>
+          <p:cNvSpPr>
+            <a:spLocks noGrp="1"/>
+          </p:cNvSpPr>
+          <p:nvPr>
+            <p:ph idx="1"/>
+          </p:nvPr>
+        </p:nvSpPr>
+        <p:spPr/>
+        <p:txBody>
+          <a:bodyPr>
+            <a:normAutofit fontScale="85000" lnSpcReduction="20000"/>
           </a:bodyPr>
           <a:lstStyle/>
           <a:p>
-            <a:r>
-              <a:rPr lang="en-US" sz="2800" dirty="0"/>
-              <a:t>2 rows</a:t>
-            </a:r>
-          </a:p>
-          <a:p>
-            <a:r>
-              <a:rPr lang="en-US" sz="2800" dirty="0"/>
-              <a:t>4 columns</a:t>
-            </a:r>
-          </a:p>
-          <a:p>
-            <a:endParaRPr lang="en-US" sz="2800" dirty="0"/>
-          </a:p>
-          <a:p>
-            <a:endParaRPr lang="en-US" sz="2800" dirty="0"/>
-          </a:p>
-          <a:p>
-            <a:endParaRPr lang="en-US" sz="2800" dirty="0"/>
+            <a:pPr marL="0" indent="0">
+              <a:buNone/>
+            </a:pPr>
+            <a:r>
+              <a:rPr lang="en-US" dirty="0" err="1"/>
+              <a:t>int</a:t>
+            </a:r>
+            <a:r>
+              <a:rPr lang="en-US" dirty="0"/>
+              <a:t>[][] </a:t>
+            </a:r>
+            <a:r>
+              <a:rPr lang="en-US" dirty="0" err="1"/>
+              <a:t>numArray</a:t>
+            </a:r>
+            <a:r>
+              <a:rPr lang="en-US" dirty="0"/>
+              <a:t> = </a:t>
+            </a:r>
+            <a:r>
+              <a:rPr lang="en-US" b="1" dirty="0"/>
+              <a:t>new</a:t>
+            </a:r>
+            <a:r>
+              <a:rPr lang="en-US" dirty="0"/>
+              <a:t> </a:t>
+            </a:r>
+            <a:r>
+              <a:rPr lang="en-US" dirty="0" err="1"/>
+              <a:t>int</a:t>
+            </a:r>
+            <a:r>
+              <a:rPr lang="en-US" dirty="0"/>
+              <a:t>[2][4];</a:t>
+            </a:r>
+          </a:p>
+          <a:p>
+            <a:pPr marL="0" indent="0">
+              <a:buNone/>
+            </a:pPr>
+            <a:r>
+              <a:rPr lang="en-US" dirty="0" err="1"/>
+              <a:t>int</a:t>
+            </a:r>
+            <a:r>
+              <a:rPr lang="en-US" dirty="0"/>
+              <a:t> rows = </a:t>
+            </a:r>
+            <a:r>
+              <a:rPr lang="en-US" dirty="0" err="1"/>
+              <a:t>numArray.length</a:t>
+            </a:r>
+            <a:r>
+              <a:rPr lang="en-US" dirty="0"/>
+              <a:t>;</a:t>
+            </a:r>
+          </a:p>
+          <a:p>
+            <a:pPr marL="0" indent="0">
+              <a:buNone/>
+            </a:pPr>
+            <a:r>
+              <a:rPr lang="en-US" dirty="0" err="1"/>
+              <a:t>int</a:t>
+            </a:r>
+            <a:r>
+              <a:rPr lang="en-US" dirty="0"/>
+              <a:t> cols = </a:t>
+            </a:r>
+            <a:r>
+              <a:rPr lang="en-US" dirty="0" err="1"/>
+              <a:t>numArray</a:t>
+            </a:r>
+            <a:r>
+              <a:rPr lang="en-US" dirty="0"/>
+              <a:t>[0].length;</a:t>
+            </a:r>
+          </a:p>
+          <a:p>
+            <a:pPr marL="0" indent="0">
+              <a:buNone/>
+            </a:pPr>
+            <a:r>
+              <a:rPr lang="en-US" dirty="0" err="1"/>
+              <a:t>int</a:t>
+            </a:r>
+            <a:r>
+              <a:rPr lang="en-US" dirty="0"/>
+              <a:t> count = 0;</a:t>
+            </a:r>
+          </a:p>
+          <a:p>
+            <a:pPr marL="0" indent="0">
+              <a:buNone/>
+            </a:pPr>
+            <a:r>
+              <a:rPr lang="en-US" dirty="0"/>
+              <a:t>for (int r = 0; r &lt; rows; r ++ ) {</a:t>
+            </a:r>
+          </a:p>
+          <a:p>
+            <a:pPr marL="0" indent="0">
+              <a:buNone/>
+            </a:pPr>
+            <a:r>
+              <a:rPr lang="en-US" dirty="0"/>
+              <a:t>	for (int c = 0; c &lt; cols; </a:t>
+            </a:r>
+            <a:r>
+              <a:rPr lang="en-US" dirty="0" err="1"/>
+              <a:t>c++</a:t>
+            </a:r>
+            <a:r>
+              <a:rPr lang="en-US" dirty="0"/>
+              <a:t>) {</a:t>
+            </a:r>
+          </a:p>
+          <a:p>
+            <a:pPr marL="0" indent="0">
+              <a:buNone/>
+            </a:pPr>
+            <a:r>
+              <a:rPr lang="en-US" dirty="0"/>
+              <a:t>		 </a:t>
+            </a:r>
+            <a:r>
+              <a:rPr lang="en-US" dirty="0" err="1"/>
+              <a:t>numArray</a:t>
+            </a:r>
+            <a:r>
+              <a:rPr lang="en-US" dirty="0"/>
+              <a:t>[r][c] = count;</a:t>
+            </a:r>
+          </a:p>
+          <a:p>
+            <a:pPr marL="0" indent="0">
+              <a:buNone/>
+            </a:pPr>
+            <a:r>
+              <a:rPr lang="en-US" dirty="0"/>
+              <a:t>		count ++;</a:t>
+            </a:r>
+          </a:p>
+          <a:p>
+            <a:pPr marL="0" indent="0">
+              <a:buNone/>
+            </a:pPr>
+            <a:r>
+              <a:rPr lang="en-US" dirty="0"/>
+              <a:t>	} // end for</a:t>
+            </a:r>
+          </a:p>
+          <a:p>
+            <a:pPr marL="0" indent="0">
+              <a:buNone/>
+            </a:pPr>
+            <a:r>
+              <a:rPr lang="en-US" dirty="0"/>
+              <a:t>} // end for</a:t>
+            </a:r>
           </a:p>
         </p:txBody>
       </p:sp>
     </p:spTree>
     <p:extLst>
       <p:ext uri="{BB962C8B-B14F-4D97-AF65-F5344CB8AC3E}">
-        <p14:creationId xmlns:p14="http://schemas.microsoft.com/office/powerpoint/2010/main" val="1626782504"/>
+        <p14:creationId xmlns:p14="http://schemas.microsoft.com/office/powerpoint/2010/main" val="2417768381"/>
       </p:ext>
     </p:extLst>
   </p:cSld>
   <p:clrMapOvr>
     <a:masterClrMapping/>
   </p:clrMapOvr>
+  <p:timing>
+    <p:tnLst>
+      <p:par>
+        <p:cTn id="1" dur="indefinite" restart="never" nodeType="tmRoot"/>
+      </p:par>
+    </p:tnLst>
+  </p:timing>
 </p:sld>
 </file>
 
@@ -12944,14 +13079,21 @@
             <p:ph type="title"/>
           </p:nvPr>
         </p:nvSpPr>
-        <p:spPr/>
-        <p:txBody>
-          <a:bodyPr/>
-          <a:lstStyle/>
-          <a:p>
-            <a:r>
-              <a:rPr lang="en-US" dirty="0"/>
-              <a:t>Iterate through 2D array?</a:t>
+        <p:spPr>
+          <a:xfrm>
+            <a:off x="457200" y="152400"/>
+            <a:ext cx="8229600" cy="563562"/>
+          </a:xfrm>
+        </p:spPr>
+        <p:txBody>
+          <a:bodyPr>
+            <a:normAutofit fontScale="90000"/>
+          </a:bodyPr>
+          <a:lstStyle/>
+          <a:p>
+            <a:r>
+              <a:rPr lang="en-US" dirty="0"/>
+              <a:t>Order of iteration?</a:t>
             </a:r>
           </a:p>
         </p:txBody>
@@ -12966,252 +13108,6 @@
             <p:ph idx="1"/>
           </p:nvPr>
         </p:nvSpPr>
-        <p:spPr/>
-        <p:txBody>
-          <a:bodyPr>
-            <a:normAutofit fontScale="85000" lnSpcReduction="20000"/>
-          </a:bodyPr>
-          <a:lstStyle/>
-          <a:p>
-            <a:pPr marL="0" indent="0">
-              <a:buNone/>
-            </a:pPr>
-            <a:r>
-              <a:rPr lang="en-US" dirty="0" err="1"/>
-              <a:t>int</a:t>
-            </a:r>
-            <a:r>
-              <a:rPr lang="en-US" dirty="0"/>
-              <a:t>[][] </a:t>
-            </a:r>
-            <a:r>
-              <a:rPr lang="en-US" dirty="0" err="1"/>
-              <a:t>numArray</a:t>
-            </a:r>
-            <a:r>
-              <a:rPr lang="en-US" dirty="0"/>
-              <a:t> = </a:t>
-            </a:r>
-            <a:r>
-              <a:rPr lang="en-US" b="1" dirty="0"/>
-              <a:t>new</a:t>
-            </a:r>
-            <a:r>
-              <a:rPr lang="en-US" dirty="0"/>
-              <a:t> </a:t>
-            </a:r>
-            <a:r>
-              <a:rPr lang="en-US" dirty="0" err="1"/>
-              <a:t>int</a:t>
-            </a:r>
-            <a:r>
-              <a:rPr lang="en-US" dirty="0"/>
-              <a:t>[2][4];</a:t>
-            </a:r>
-          </a:p>
-          <a:p>
-            <a:pPr marL="0" indent="0">
-              <a:buNone/>
-            </a:pPr>
-            <a:r>
-              <a:rPr lang="en-US" dirty="0" err="1"/>
-              <a:t>int</a:t>
-            </a:r>
-            <a:r>
-              <a:rPr lang="en-US" dirty="0"/>
-              <a:t> rows = </a:t>
-            </a:r>
-            <a:r>
-              <a:rPr lang="en-US" dirty="0" err="1"/>
-              <a:t>numArray.length</a:t>
-            </a:r>
-            <a:r>
-              <a:rPr lang="en-US" dirty="0"/>
-              <a:t>;</a:t>
-            </a:r>
-          </a:p>
-          <a:p>
-            <a:pPr marL="0" indent="0">
-              <a:buNone/>
-            </a:pPr>
-            <a:r>
-              <a:rPr lang="en-US" dirty="0" err="1"/>
-              <a:t>int</a:t>
-            </a:r>
-            <a:r>
-              <a:rPr lang="en-US" dirty="0"/>
-              <a:t> cols = </a:t>
-            </a:r>
-            <a:r>
-              <a:rPr lang="en-US" dirty="0" err="1"/>
-              <a:t>numArray</a:t>
-            </a:r>
-            <a:r>
-              <a:rPr lang="en-US" dirty="0"/>
-              <a:t>[0].length;</a:t>
-            </a:r>
-          </a:p>
-          <a:p>
-            <a:pPr marL="0" indent="0">
-              <a:buNone/>
-            </a:pPr>
-            <a:r>
-              <a:rPr lang="en-US" dirty="0" err="1"/>
-              <a:t>int</a:t>
-            </a:r>
-            <a:r>
-              <a:rPr lang="en-US" dirty="0"/>
-              <a:t> count = 0;</a:t>
-            </a:r>
-          </a:p>
-          <a:p>
-            <a:pPr marL="0" indent="0">
-              <a:buNone/>
-            </a:pPr>
-            <a:r>
-              <a:rPr lang="en-US" dirty="0"/>
-              <a:t>for (int r = 0; r &lt; rows; r ++ ) {</a:t>
-            </a:r>
-          </a:p>
-          <a:p>
-            <a:pPr marL="0" indent="0">
-              <a:buNone/>
-            </a:pPr>
-            <a:r>
-              <a:rPr lang="en-US" dirty="0"/>
-              <a:t>	for (int c = 0; c &lt; cols; </a:t>
-            </a:r>
-            <a:r>
-              <a:rPr lang="en-US" dirty="0" err="1"/>
-              <a:t>c++</a:t>
-            </a:r>
-            <a:r>
-              <a:rPr lang="en-US" dirty="0"/>
-              <a:t>) {</a:t>
-            </a:r>
-          </a:p>
-          <a:p>
-            <a:pPr marL="0" indent="0">
-              <a:buNone/>
-            </a:pPr>
-            <a:r>
-              <a:rPr lang="en-US" dirty="0"/>
-              <a:t>		 </a:t>
-            </a:r>
-            <a:r>
-              <a:rPr lang="en-US" dirty="0" err="1"/>
-              <a:t>numArray</a:t>
-            </a:r>
-            <a:r>
-              <a:rPr lang="en-US" dirty="0"/>
-              <a:t>[r][c] = count;</a:t>
-            </a:r>
-          </a:p>
-          <a:p>
-            <a:pPr marL="0" indent="0">
-              <a:buNone/>
-            </a:pPr>
-            <a:r>
-              <a:rPr lang="en-US" dirty="0"/>
-              <a:t>		count ++;</a:t>
-            </a:r>
-          </a:p>
-          <a:p>
-            <a:pPr marL="0" indent="0">
-              <a:buNone/>
-            </a:pPr>
-            <a:r>
-              <a:rPr lang="en-US" dirty="0"/>
-              <a:t>	} // end for</a:t>
-            </a:r>
-          </a:p>
-          <a:p>
-            <a:pPr marL="0" indent="0">
-              <a:buNone/>
-            </a:pPr>
-            <a:r>
-              <a:rPr lang="en-US" dirty="0"/>
-              <a:t>} // end for</a:t>
-            </a:r>
-          </a:p>
-        </p:txBody>
-      </p:sp>
-    </p:spTree>
-    <p:extLst>
-      <p:ext uri="{BB962C8B-B14F-4D97-AF65-F5344CB8AC3E}">
-        <p14:creationId xmlns:p14="http://schemas.microsoft.com/office/powerpoint/2010/main" val="2417768381"/>
-      </p:ext>
-    </p:extLst>
-  </p:cSld>
-  <p:clrMapOvr>
-    <a:masterClrMapping/>
-  </p:clrMapOvr>
-  <p:timing>
-    <p:tnLst>
-      <p:par>
-        <p:cTn id="1" dur="indefinite" restart="never" nodeType="tmRoot"/>
-      </p:par>
-    </p:tnLst>
-  </p:timing>
-</p:sld>
-</file>
-
-<file path=ppt/slides/slide37.xml><?xml version="1.0" encoding="utf-8"?>
-<p:sld xmlns:a="http://schemas.openxmlformats.org/drawingml/2006/main" xmlns:r="http://schemas.openxmlformats.org/officeDocument/2006/relationships" xmlns:p="http://schemas.openxmlformats.org/presentationml/2006/main">
-  <p:cSld>
-    <p:spTree>
-      <p:nvGrpSpPr>
-        <p:cNvPr id="1" name=""/>
-        <p:cNvGrpSpPr/>
-        <p:nvPr/>
-      </p:nvGrpSpPr>
-      <p:grpSpPr>
-        <a:xfrm>
-          <a:off x="0" y="0"/>
-          <a:ext cx="0" cy="0"/>
-          <a:chOff x="0" y="0"/>
-          <a:chExt cx="0" cy="0"/>
-        </a:xfrm>
-      </p:grpSpPr>
-      <p:sp>
-        <p:nvSpPr>
-          <p:cNvPr id="2" name="Title 1"/>
-          <p:cNvSpPr>
-            <a:spLocks noGrp="1"/>
-          </p:cNvSpPr>
-          <p:nvPr>
-            <p:ph type="title"/>
-          </p:nvPr>
-        </p:nvSpPr>
-        <p:spPr>
-          <a:xfrm>
-            <a:off x="457200" y="152400"/>
-            <a:ext cx="8229600" cy="563562"/>
-          </a:xfrm>
-        </p:spPr>
-        <p:txBody>
-          <a:bodyPr>
-            <a:normAutofit fontScale="90000"/>
-          </a:bodyPr>
-          <a:lstStyle/>
-          <a:p>
-            <a:r>
-              <a:rPr lang="en-US" dirty="0"/>
-              <a:t>Order of iteration?</a:t>
-            </a:r>
-          </a:p>
-        </p:txBody>
-      </p:sp>
-      <p:sp>
-        <p:nvSpPr>
-          <p:cNvPr id="3" name="Content Placeholder 2"/>
-          <p:cNvSpPr>
-            <a:spLocks noGrp="1"/>
-          </p:cNvSpPr>
-          <p:nvPr>
-            <p:ph idx="1"/>
-          </p:nvPr>
-        </p:nvSpPr>
         <p:spPr>
           <a:xfrm>
             <a:off x="76200" y="730643"/>
@@ -13355,11 +13251,7 @@
             </a:pPr>
             <a:r>
               <a:rPr lang="en-US" dirty="0"/>
-              <a:t>		</a:t>
-            </a:r>
-            <a:r>
-              <a:rPr lang="en-US" dirty="0"/>
-              <a:t> </a:t>
+              <a:t>		 </a:t>
             </a:r>
             <a:r>
               <a:rPr lang="en-US" dirty="0" err="1"/>
@@ -13367,11 +13259,7 @@
             </a:r>
             <a:r>
               <a:rPr lang="en-US" dirty="0"/>
-              <a:t>[r</a:t>
-            </a:r>
-            <a:r>
-              <a:rPr lang="en-US" dirty="0"/>
-              <a:t>][c] = count;</a:t>
+              <a:t>[r][c] = count;</a:t>
             </a:r>
           </a:p>
           <a:p>
@@ -13997,6 +13885,106 @@
       <p:bldP spid="12" grpId="0"/>
     </p:bldLst>
   </p:timing>
+</p:sld>
+</file>
+
+<file path=ppt/slides/slide37.xml><?xml version="1.0" encoding="utf-8"?>
+<p:sld xmlns:a="http://schemas.openxmlformats.org/drawingml/2006/main" xmlns:r="http://schemas.openxmlformats.org/officeDocument/2006/relationships" xmlns:p="http://schemas.openxmlformats.org/presentationml/2006/main">
+  <p:cSld>
+    <p:spTree>
+      <p:nvGrpSpPr>
+        <p:cNvPr id="1" name=""/>
+        <p:cNvGrpSpPr/>
+        <p:nvPr/>
+      </p:nvGrpSpPr>
+      <p:grpSpPr>
+        <a:xfrm>
+          <a:off x="0" y="0"/>
+          <a:ext cx="0" cy="0"/>
+          <a:chOff x="0" y="0"/>
+          <a:chExt cx="0" cy="0"/>
+        </a:xfrm>
+      </p:grpSpPr>
+      <p:sp>
+        <p:nvSpPr>
+          <p:cNvPr id="2" name="Title 1"/>
+          <p:cNvSpPr>
+            <a:spLocks noGrp="1"/>
+          </p:cNvSpPr>
+          <p:nvPr>
+            <p:ph type="title"/>
+          </p:nvPr>
+        </p:nvSpPr>
+        <p:spPr/>
+        <p:txBody>
+          <a:bodyPr/>
+          <a:lstStyle/>
+          <a:p>
+            <a:r>
+              <a:rPr lang="en-US" dirty="0"/>
+              <a:t>2D Arrays</a:t>
+            </a:r>
+          </a:p>
+        </p:txBody>
+      </p:sp>
+      <p:sp>
+        <p:nvSpPr>
+          <p:cNvPr id="3" name="Content Placeholder 2"/>
+          <p:cNvSpPr>
+            <a:spLocks noGrp="1"/>
+          </p:cNvSpPr>
+          <p:nvPr>
+            <p:ph idx="1"/>
+          </p:nvPr>
+        </p:nvSpPr>
+        <p:spPr/>
+        <p:txBody>
+          <a:bodyPr>
+            <a:normAutofit lnSpcReduction="10000"/>
+          </a:bodyPr>
+          <a:lstStyle/>
+          <a:p>
+            <a:r>
+              <a:rPr lang="en-US" dirty="0"/>
+              <a:t>Make groups of two (no more than 3, no one can work alone)</a:t>
+            </a:r>
+          </a:p>
+          <a:p>
+            <a:r>
+              <a:rPr lang="en-US" dirty="0"/>
+              <a:t>Read through the 3 2D Array sample problems with your partner and make sure you both understand how they work</a:t>
+            </a:r>
+          </a:p>
+          <a:p>
+            <a:r>
+              <a:rPr lang="en-US" dirty="0"/>
+              <a:t>Then use the code as an example to answer the 2D Array quiz questions</a:t>
+            </a:r>
+          </a:p>
+          <a:p>
+            <a:r>
+              <a:rPr lang="en-US" dirty="0"/>
+              <a:t>Then do the 2d sample problems</a:t>
+            </a:r>
+          </a:p>
+          <a:p>
+            <a:r>
+              <a:rPr lang="en-US" dirty="0"/>
+              <a:t>Call me over when you’re finished</a:t>
+            </a:r>
+          </a:p>
+        </p:txBody>
+      </p:sp>
+    </p:spTree>
+    <p:extLst>
+      <p:ext uri="{BB962C8B-B14F-4D97-AF65-F5344CB8AC3E}">
+        <p14:creationId xmlns:p14="http://schemas.microsoft.com/office/powerpoint/2010/main" val="2522096617"/>
+      </p:ext>
+    </p:extLst>
+  </p:cSld>
+  <p:clrMapOvr>
+    <a:masterClrMapping/>
+  </p:clrMapOvr>
 </p:sld>
 </file>
 
@@ -15476,9 +15464,6 @@
               </a:rPr>
               <a:t>("JP").add( "Jason"    );</a:t>
             </a:r>
-            <a:endParaRPr lang="en-US" sz="2400" dirty="0">
-              <a:latin typeface="Consolas" panose="020B0609020204030204" pitchFamily="49" charset="0"/>
-            </a:endParaRPr>
           </a:p>
           <a:p>
             <a:pPr marL="0" indent="0">
@@ -15883,9 +15868,6 @@
               </a:rPr>
               <a:t>-&gt;</a:t>
             </a:r>
-            <a:endParaRPr lang="en-US" sz="2400" dirty="0">
-              <a:latin typeface="Consolas" panose="020B0609020204030204" pitchFamily="49" charset="0"/>
-            </a:endParaRPr>
           </a:p>
         </p:txBody>
       </p:sp>
@@ -17458,7 +17440,7 @@
           </a:ln>
           <a:extLst>
             <a:ext uri="{C572A759-6A51-4108-AA02-DFA0A04FC94B}">
-              <ma14:wrappingTextBoxFlag xmlns="" xmlns:ma14="http://schemas.microsoft.com/office/mac/drawingml/2011/main" val="1"/>
+              <ma14:wrappingTextBoxFlag xmlns:ma14="http://schemas.microsoft.com/office/mac/drawingml/2011/main" xmlns="" val="1"/>
             </a:ext>
           </a:extLst>
         </p:spPr>

--- a/ClassMaterials/2DArraysAndMaps/Slides/2D Arrays and Maps.pptx
+++ b/ClassMaterials/2DArraysAndMaps/Slides/2D Arrays and Maps.pptx
@@ -206,6 +206,9 @@
         </p15:guide>
       </p15:sldGuideLst>
     </p:ext>
+    <p:ext uri="{2D200454-40CA-4A62-9FC3-DE9A4176ACB9}">
+      <p15:notesGuideLst xmlns:p15="http://schemas.microsoft.com/office/powerpoint/2012/main"/>
+    </p:ext>
   </p:extLst>
 </p:presentation>
 </file>
@@ -339,7 +342,7 @@
               <a:pPr>
                 <a:defRPr/>
               </a:pPr>
-              <a:t>3/12/2020</a:t>
+              <a:t>2/24/22</a:t>
             </a:fld>
             <a:endParaRPr lang="en-US"/>
           </a:p>
@@ -574,7 +577,7 @@
               <a:pPr>
                 <a:defRPr/>
               </a:pPr>
-              <a:t>3/12/2020</a:t>
+              <a:t>2/24/22</a:t>
             </a:fld>
             <a:endParaRPr lang="en-US"/>
           </a:p>
@@ -981,14 +984,14 @@
               </a:spcBef>
             </a:pPr>
             <a:r>
-              <a:rPr lang="en-US" dirty="0" smtClean="0"/>
+              <a:rPr lang="en-US" dirty="0"/>
               <a:t>Note: You will want to use clicker for slides</a:t>
             </a:r>
             <a:r>
-              <a:rPr lang="en-US" baseline="0" dirty="0" smtClean="0"/>
+              <a:rPr lang="en-US" baseline="0" dirty="0"/>
               <a:t> today!</a:t>
             </a:r>
-            <a:endParaRPr lang="en-US" dirty="0" smtClean="0"/>
+            <a:endParaRPr lang="en-US" dirty="0"/>
           </a:p>
           <a:p>
             <a:pPr eaLnBrk="1" hangingPunct="1">
@@ -996,7 +999,7 @@
                 <a:spcPct val="0"/>
               </a:spcBef>
             </a:pPr>
-            <a:endParaRPr lang="en-US" dirty="0" smtClean="0"/>
+            <a:endParaRPr lang="en-US" dirty="0"/>
           </a:p>
           <a:p>
             <a:pPr eaLnBrk="1" hangingPunct="1">
@@ -1005,11 +1008,11 @@
               </a:spcBef>
             </a:pPr>
             <a:r>
-              <a:rPr lang="en-US" dirty="0" smtClean="0"/>
+              <a:rPr lang="en-US" dirty="0"/>
               <a:t>Bring hard copy of code from 2DArraysAndMapsS</a:t>
             </a:r>
             <a:r>
-              <a:rPr lang="en-US" baseline="0" dirty="0" smtClean="0"/>
+              <a:rPr lang="en-US" baseline="0" dirty="0"/>
               <a:t>olution.</a:t>
             </a:r>
           </a:p>
@@ -1020,7 +1023,7 @@
               </a:spcBef>
             </a:pPr>
             <a:r>
-              <a:rPr lang="en-US" baseline="0" dirty="0" smtClean="0"/>
+              <a:rPr lang="en-US" baseline="0" dirty="0"/>
               <a:t>Bring copies of 2DArraysAndMapsSamples from Instructor Resources.</a:t>
             </a:r>
           </a:p>
@@ -1048,7 +1051,7 @@
               <a:pPr/>
               <a:t>1</a:t>
             </a:fld>
-            <a:endParaRPr lang="en-US" smtClean="0"/>
+            <a:endParaRPr lang="en-US"/>
           </a:p>
         </p:txBody>
       </p:sp>
@@ -1364,35 +1367,35 @@
           <a:lstStyle/>
           <a:p>
             <a:r>
-              <a:rPr lang="en-US" dirty="0" smtClean="0"/>
+              <a:rPr lang="en-US" dirty="0"/>
               <a:t>What does</a:t>
             </a:r>
             <a:r>
-              <a:rPr lang="en-US" baseline="0" dirty="0" smtClean="0"/>
+              <a:rPr lang="en-US" baseline="0" dirty="0"/>
               <a:t> it mean when I write down?</a:t>
             </a:r>
           </a:p>
           <a:p>
             <a:r>
-              <a:rPr lang="en-US" baseline="0" dirty="0" err="1" smtClean="0"/>
+              <a:rPr lang="en-US" baseline="0" dirty="0" err="1"/>
               <a:t>int</a:t>
             </a:r>
             <a:r>
-              <a:rPr lang="en-US" baseline="0" dirty="0" smtClean="0"/>
+              <a:rPr lang="en-US" baseline="0" dirty="0"/>
               <a:t>[]      (an array of type </a:t>
             </a:r>
             <a:r>
-              <a:rPr lang="en-US" baseline="0" dirty="0" err="1" smtClean="0"/>
+              <a:rPr lang="en-US" baseline="0" dirty="0" err="1"/>
               <a:t>int</a:t>
             </a:r>
             <a:r>
-              <a:rPr lang="en-US" baseline="0" dirty="0" smtClean="0"/>
+              <a:rPr lang="en-US" baseline="0" dirty="0"/>
               <a:t>)</a:t>
             </a:r>
           </a:p>
           <a:p>
             <a:r>
-              <a:rPr lang="en-US" baseline="0" dirty="0" smtClean="0"/>
+              <a:rPr lang="en-US" baseline="0" dirty="0"/>
               <a:t>OR</a:t>
             </a:r>
           </a:p>
@@ -1415,7 +1418,7 @@
               <a:defRPr/>
             </a:pPr>
             <a:r>
-              <a:rPr lang="en-US" baseline="0" dirty="0" smtClean="0"/>
+              <a:rPr lang="en-US" baseline="0" dirty="0"/>
               <a:t>___[]      (an array of some? type )</a:t>
             </a:r>
           </a:p>
@@ -1437,7 +1440,7 @@
               <a:tabLst/>
               <a:defRPr/>
             </a:pPr>
-            <a:endParaRPr lang="en-US" baseline="0" dirty="0" smtClean="0"/>
+            <a:endParaRPr lang="en-US" baseline="0" dirty="0"/>
           </a:p>
           <a:p>
             <a:pPr marL="0" marR="0" lvl="0" indent="0" algn="l" defTabSz="914400" rtl="0" eaLnBrk="0" fontAlgn="base" latinLnBrk="0" hangingPunct="0">
@@ -1458,15 +1461,15 @@
               <a:defRPr/>
             </a:pPr>
             <a:r>
-              <a:rPr lang="en-US" baseline="0" dirty="0" smtClean="0"/>
+              <a:rPr lang="en-US" baseline="0" dirty="0"/>
               <a:t>Is </a:t>
             </a:r>
             <a:r>
-              <a:rPr lang="en-US" baseline="0" dirty="0" err="1" smtClean="0"/>
+              <a:rPr lang="en-US" baseline="0" dirty="0" err="1"/>
               <a:t>int</a:t>
             </a:r>
             <a:r>
-              <a:rPr lang="en-US" baseline="0" dirty="0" smtClean="0"/>
+              <a:rPr lang="en-US" baseline="0" dirty="0"/>
               <a:t>[] a type?    yes</a:t>
             </a:r>
           </a:p>
@@ -1488,7 +1491,7 @@
               <a:tabLst/>
               <a:defRPr/>
             </a:pPr>
-            <a:endParaRPr lang="en-US" baseline="0" dirty="0" smtClean="0"/>
+            <a:endParaRPr lang="en-US" baseline="0" dirty="0"/>
           </a:p>
           <a:p>
             <a:pPr marL="0" marR="0" lvl="0" indent="0" algn="l" defTabSz="914400" rtl="0" eaLnBrk="0" fontAlgn="base" latinLnBrk="0" hangingPunct="0">
@@ -1509,7 +1512,7 @@
               <a:defRPr/>
             </a:pPr>
             <a:r>
-              <a:rPr lang="en-US" baseline="0" dirty="0" smtClean="0"/>
+              <a:rPr lang="en-US" baseline="0" dirty="0"/>
               <a:t>What is does this mean?</a:t>
             </a:r>
           </a:p>
@@ -1532,27 +1535,27 @@
               <a:defRPr/>
             </a:pPr>
             <a:r>
-              <a:rPr lang="en-US" baseline="0" dirty="0" err="1" smtClean="0"/>
+              <a:rPr lang="en-US" baseline="0" dirty="0" err="1"/>
               <a:t>int</a:t>
             </a:r>
             <a:r>
-              <a:rPr lang="en-US" baseline="0" dirty="0" smtClean="0"/>
+              <a:rPr lang="en-US" baseline="0" dirty="0"/>
               <a:t>[][]    (an array of </a:t>
             </a:r>
             <a:r>
-              <a:rPr lang="en-US" baseline="0" dirty="0" err="1" smtClean="0"/>
+              <a:rPr lang="en-US" baseline="0" dirty="0" err="1"/>
               <a:t>int</a:t>
             </a:r>
             <a:r>
-              <a:rPr lang="en-US" baseline="0" dirty="0" smtClean="0"/>
+              <a:rPr lang="en-US" baseline="0" dirty="0"/>
               <a:t> arrays!)</a:t>
             </a:r>
           </a:p>
           <a:p>
-            <a:endParaRPr lang="en-US" baseline="0" dirty="0" smtClean="0"/>
-          </a:p>
-          <a:p>
-            <a:endParaRPr lang="en-US" baseline="0" dirty="0" smtClean="0"/>
+            <a:endParaRPr lang="en-US" baseline="0" dirty="0"/>
+          </a:p>
+          <a:p>
+            <a:endParaRPr lang="en-US" baseline="0" dirty="0"/>
           </a:p>
           <a:p>
             <a:endParaRPr lang="en-US" dirty="0"/>
@@ -2886,69 +2889,64 @@
           <a:lstStyle/>
           <a:p>
             <a:r>
-              <a:rPr lang="en-US" dirty="0" smtClean="0"/>
+              <a:rPr lang="en-US" dirty="0"/>
               <a:t>Emphasize to the students that if they feel overwhelmed they are not alone!</a:t>
             </a:r>
           </a:p>
           <a:p>
-            <a:endParaRPr lang="en-US" dirty="0" smtClean="0"/>
-          </a:p>
-          <a:p>
-            <a:r>
-              <a:rPr lang="en-US" dirty="0" smtClean="0"/>
+            <a:endParaRPr lang="en-US" dirty="0"/>
+          </a:p>
+          <a:p>
+            <a:r>
+              <a:rPr lang="en-US" dirty="0"/>
               <a:t>Remind them to ask questions and that as a class we can go slower if we need to.</a:t>
             </a:r>
           </a:p>
           <a:p>
             <a:r>
-              <a:rPr lang="en-US" dirty="0" smtClean="0"/>
+              <a:rPr lang="en-US" dirty="0"/>
               <a:t>As a rule: students really struggle with the enhanced for loop, if there are no questions, people may be scared to ask.</a:t>
             </a:r>
           </a:p>
           <a:p>
-            <a:endParaRPr lang="en-US" dirty="0" smtClean="0"/>
-          </a:p>
-          <a:p>
-            <a:r>
-              <a:rPr lang="en-US" dirty="0" smtClean="0"/>
+            <a:endParaRPr lang="en-US" dirty="0"/>
+          </a:p>
+          <a:p>
+            <a:r>
+              <a:rPr lang="en-US" dirty="0"/>
               <a:t>Other topics student</a:t>
             </a:r>
             <a:r>
-              <a:rPr lang="en-US" baseline="0" dirty="0" smtClean="0"/>
+              <a:rPr lang="en-US" baseline="0" dirty="0"/>
               <a:t> are likely to be confused at this point:</a:t>
             </a:r>
-            <a:endParaRPr lang="en-US" dirty="0" smtClean="0"/>
-          </a:p>
-          <a:p>
-            <a:endParaRPr lang="en-US" dirty="0" smtClean="0"/>
-          </a:p>
-          <a:p>
-            <a:r>
-              <a:rPr lang="en-US" dirty="0" smtClean="0"/>
+            <a:endParaRPr lang="en-US" dirty="0"/>
+          </a:p>
+          <a:p>
+            <a:endParaRPr lang="en-US" dirty="0"/>
+          </a:p>
+          <a:p>
+            <a:r>
+              <a:rPr lang="en-US" dirty="0"/>
               <a:t>different between primitives and classes/objects</a:t>
             </a:r>
           </a:p>
           <a:p>
             <a:r>
-              <a:rPr lang="en-US" dirty="0" smtClean="0"/>
+              <a:rPr lang="en-US" dirty="0"/>
               <a:t>the idea that memory stores information somewhere and it effectively is an address (null) for objects</a:t>
             </a:r>
           </a:p>
           <a:p>
             <a:r>
-              <a:rPr lang="en-US" dirty="0" smtClean="0"/>
+              <a:rPr lang="en-US" dirty="0"/>
               <a:t>public vs. private:   could create a little demo class (Person) to show getter and setters with private/public variables (name)   </a:t>
             </a:r>
-            <a:endParaRPr lang="en-US" dirty="0" smtClean="0"/>
-          </a:p>
-          <a:p>
-            <a:r>
-              <a:rPr lang="en-US" dirty="0" smtClean="0"/>
-              <a:t>Person </a:t>
-            </a:r>
-            <a:r>
-              <a:rPr lang="en-US" dirty="0" smtClean="0"/>
-              <a:t>p1 = new Person(“Jason”);     p1.name   p1.getName()</a:t>
+          </a:p>
+          <a:p>
+            <a:r>
+              <a:rPr lang="en-US" dirty="0"/>
+              <a:t>Person p1 = new Person(“Jason”);     p1.name   p1.getName()</a:t>
             </a:r>
           </a:p>
           <a:p>
@@ -3283,16 +3281,12 @@
               <a:t>Unlimited help with Eclipse </a:t>
             </a:r>
             <a:r>
-              <a:rPr lang="en-US" baseline="0" dirty="0" err="1" smtClean="0"/>
+              <a:rPr lang="en-US" baseline="0" dirty="0" err="1"/>
               <a:t>Git</a:t>
             </a:r>
             <a:r>
-              <a:rPr lang="en-US" baseline="0" dirty="0" smtClean="0"/>
-              <a:t> </a:t>
-            </a:r>
-            <a:r>
               <a:rPr lang="en-US" baseline="0" dirty="0"/>
-              <a:t>tools </a:t>
+              <a:t> tools </a:t>
             </a:r>
             <a:r>
               <a:rPr lang="en-US" baseline="0" dirty="0" err="1"/>
@@ -3392,25 +3386,24 @@
           <a:lstStyle/>
           <a:p>
             <a:r>
-              <a:rPr lang="en-US" dirty="0" smtClean="0"/>
+              <a:rPr lang="en-US" dirty="0"/>
               <a:t>Make them ask questions (at least one) about academic honesty policy before moving on</a:t>
             </a:r>
           </a:p>
           <a:p>
-            <a:endParaRPr lang="en-US" dirty="0" smtClean="0"/>
-          </a:p>
-          <a:p>
-            <a:r>
-              <a:rPr lang="en-US" dirty="0" smtClean="0"/>
+            <a:endParaRPr lang="en-US" dirty="0"/>
+          </a:p>
+          <a:p>
+            <a:r>
+              <a:rPr lang="en-US" dirty="0"/>
               <a:t>Explain the reasoning behind the academic honesty policy:</a:t>
             </a:r>
           </a:p>
           <a:p>
             <a:r>
-              <a:rPr lang="en-US" dirty="0" smtClean="0"/>
+              <a:rPr lang="en-US" dirty="0"/>
               <a:t>Students need to learn competency, too much help does not prepare them for future courses or career</a:t>
             </a:r>
-            <a:endParaRPr lang="en-US" dirty="0"/>
           </a:p>
         </p:txBody>
       </p:sp>
@@ -3734,7 +3727,7 @@
               <a:pPr>
                 <a:defRPr/>
               </a:pPr>
-              <a:t>Thursday, March 12, 2020</a:t>
+              <a:t>Thursday, February 24, 2022</a:t>
             </a:fld>
             <a:endParaRPr lang="en-US" dirty="0"/>
           </a:p>
@@ -3917,7 +3910,7 @@
               <a:pPr>
                 <a:defRPr/>
               </a:pPr>
-              <a:t>Thursday, March 12, 2020</a:t>
+              <a:t>Thursday, February 24, 2022</a:t>
             </a:fld>
             <a:endParaRPr lang="en-US" dirty="0"/>
           </a:p>
@@ -4110,7 +4103,7 @@
               <a:pPr>
                 <a:defRPr/>
               </a:pPr>
-              <a:t>Thursday, March 12, 2020</a:t>
+              <a:t>Thursday, February 24, 2022</a:t>
             </a:fld>
             <a:endParaRPr lang="en-US" dirty="0"/>
           </a:p>
@@ -4293,7 +4286,7 @@
               <a:pPr>
                 <a:defRPr/>
               </a:pPr>
-              <a:t>Thursday, March 12, 2020</a:t>
+              <a:t>Thursday, February 24, 2022</a:t>
             </a:fld>
             <a:endParaRPr lang="en-US" dirty="0"/>
           </a:p>
@@ -4553,7 +4546,7 @@
               <a:pPr>
                 <a:defRPr/>
               </a:pPr>
-              <a:t>Thursday, March 12, 2020</a:t>
+              <a:t>Thursday, February 24, 2022</a:t>
             </a:fld>
             <a:endParaRPr lang="en-US"/>
           </a:p>
@@ -4853,7 +4846,7 @@
               <a:pPr>
                 <a:defRPr/>
               </a:pPr>
-              <a:t>Thursday, March 12, 2020</a:t>
+              <a:t>Thursday, February 24, 2022</a:t>
             </a:fld>
             <a:endParaRPr lang="en-US"/>
           </a:p>
@@ -5287,7 +5280,7 @@
               <a:pPr>
                 <a:defRPr/>
               </a:pPr>
-              <a:t>Thursday, March 12, 2020</a:t>
+              <a:t>Thursday, February 24, 2022</a:t>
             </a:fld>
             <a:endParaRPr lang="en-US"/>
           </a:p>
@@ -5419,7 +5412,7 @@
               <a:pPr>
                 <a:defRPr/>
               </a:pPr>
-              <a:t>Thursday, March 12, 2020</a:t>
+              <a:t>Thursday, February 24, 2022</a:t>
             </a:fld>
             <a:endParaRPr lang="en-US"/>
           </a:p>
@@ -5529,7 +5522,7 @@
               <a:pPr>
                 <a:defRPr/>
               </a:pPr>
-              <a:t>Thursday, March 12, 2020</a:t>
+              <a:t>Thursday, February 24, 2022</a:t>
             </a:fld>
             <a:endParaRPr lang="en-US" dirty="0"/>
           </a:p>
@@ -5819,7 +5812,7 @@
               <a:pPr>
                 <a:defRPr/>
               </a:pPr>
-              <a:t>Thursday, March 12, 2020</a:t>
+              <a:t>Thursday, February 24, 2022</a:t>
             </a:fld>
             <a:endParaRPr lang="en-US"/>
           </a:p>
@@ -6086,7 +6079,7 @@
               <a:pPr>
                 <a:defRPr/>
               </a:pPr>
-              <a:t>Thursday, March 12, 2020</a:t>
+              <a:t>Thursday, February 24, 2022</a:t>
             </a:fld>
             <a:endParaRPr lang="en-US"/>
           </a:p>
@@ -6312,7 +6305,7 @@
               <a:pPr>
                 <a:defRPr/>
               </a:pPr>
-              <a:t>Thursday, March 12, 2020</a:t>
+              <a:t>Thursday, February 24, 2022</a:t>
             </a:fld>
             <a:endParaRPr lang="en-US" dirty="0"/>
           </a:p>
@@ -6712,10 +6705,9 @@
           <a:lstStyle/>
           <a:p>
             <a:r>
-              <a:rPr lang="en-US" dirty="0" smtClean="0"/>
+              <a:rPr lang="en-US" dirty="0"/>
               <a:t>CSSE 220</a:t>
             </a:r>
-            <a:endParaRPr lang="en-US" dirty="0"/>
           </a:p>
         </p:txBody>
       </p:sp>
@@ -6729,13 +6721,18 @@
             <p:ph type="subTitle" idx="1"/>
           </p:nvPr>
         </p:nvSpPr>
-        <p:spPr/>
+        <p:spPr>
+          <a:xfrm>
+            <a:off x="1371600" y="3886200"/>
+            <a:ext cx="6400800" cy="838200"/>
+          </a:xfrm>
+        </p:spPr>
         <p:txBody>
           <a:bodyPr/>
           <a:lstStyle/>
           <a:p>
             <a:r>
-              <a:rPr lang="en-US" dirty="0" smtClean="0"/>
+              <a:rPr lang="en-US" dirty="0"/>
               <a:t>2D Arrays and Maps</a:t>
             </a:r>
           </a:p>
@@ -6749,12 +6746,15 @@
         </p:nvSpPr>
         <p:spPr>
           <a:xfrm>
-            <a:off x="228600" y="6096000"/>
-            <a:ext cx="8534400" cy="609600"/>
+            <a:off x="228600" y="4876800"/>
+            <a:ext cx="8534400" cy="1295400"/>
           </a:xfrm>
           <a:prstGeom prst="rect">
             <a:avLst/>
           </a:prstGeom>
+          <a:solidFill>
+            <a:schemeClr val="accent3"/>
+          </a:solidFill>
         </p:spPr>
         <p:style>
           <a:lnRef idx="2">
@@ -6776,20 +6776,50 @@
           <a:bodyPr rtlCol="0" anchor="ctr"/>
           <a:lstStyle/>
           <a:p>
-            <a:pPr algn="ctr"/>
-            <a:r>
-              <a:rPr lang="en-US" sz="2400" dirty="0"/>
-              <a:t>Check out </a:t>
-            </a:r>
-            <a:r>
-              <a:rPr lang="en-US" sz="2400" dirty="0" smtClean="0"/>
-              <a:t>2DArraysAndMapsInClass from </a:t>
-            </a:r>
-            <a:r>
-              <a:rPr lang="en-US" sz="2400" dirty="0" err="1" smtClean="0"/>
-              <a:t>Git</a:t>
-            </a:r>
-            <a:endParaRPr lang="en-US" sz="2400" dirty="0"/>
+            <a:r>
+              <a:rPr lang="en-US" sz="2400" dirty="0">
+                <a:solidFill>
+                  <a:srgbClr val="FFFFFF"/>
+                </a:solidFill>
+              </a:rPr>
+              <a:t>The </a:t>
+            </a:r>
+            <a:r>
+              <a:rPr lang="en-US" sz="2400" i="1" dirty="0">
+                <a:solidFill>
+                  <a:srgbClr val="FFFFFF"/>
+                </a:solidFill>
+              </a:rPr>
+              <a:t>git</a:t>
+            </a:r>
+            <a:r>
+              <a:rPr lang="en-US" sz="2400" dirty="0">
+                <a:solidFill>
+                  <a:srgbClr val="FFFFFF"/>
+                </a:solidFill>
+              </a:rPr>
+              <a:t> projects for today are:</a:t>
+            </a:r>
+          </a:p>
+          <a:p>
+            <a:pPr marL="342900" indent="-342900">
+              <a:buFont typeface="Arial" panose="020B0604020202020204" pitchFamily="34" charset="0"/>
+              <a:buChar char="•"/>
+            </a:pPr>
+            <a:r>
+              <a:rPr lang="en-US" sz="2400" i="1" dirty="0"/>
+              <a:t>Practice2DArraysAndMaps</a:t>
+            </a:r>
+          </a:p>
+          <a:p>
+            <a:pPr marL="342900" indent="-342900">
+              <a:buFont typeface="Arial" panose="020B0604020202020204" pitchFamily="34" charset="0"/>
+              <a:buChar char="•"/>
+            </a:pPr>
+            <a:r>
+              <a:rPr lang="en-US" sz="2400" i="1" dirty="0"/>
+              <a:t>Practice2DArraysAndMapsSolution</a:t>
+            </a:r>
           </a:p>
         </p:txBody>
       </p:sp>
@@ -6803,13 +6833,6 @@
   <p:clrMapOvr>
     <a:masterClrMapping/>
   </p:clrMapOvr>
-  <p:timing>
-    <p:tnLst>
-      <p:par>
-        <p:cTn id="1" dur="indefinite" restart="never" nodeType="tmRoot"/>
-      </p:par>
-    </p:tnLst>
-  </p:timing>
 </p:sld>
 </file>
 
@@ -7306,13 +7329,6 @@
   <p:clrMapOvr>
     <a:masterClrMapping/>
   </p:clrMapOvr>
-  <p:timing>
-    <p:tnLst>
-      <p:par>
-        <p:cTn id="1" dur="indefinite" restart="never" nodeType="tmRoot"/>
-      </p:par>
-    </p:tnLst>
-  </p:timing>
 </p:sld>
 </file>
 
@@ -7439,13 +7455,6 @@
   <p:clrMapOvr>
     <a:masterClrMapping/>
   </p:clrMapOvr>
-  <p:timing>
-    <p:tnLst>
-      <p:par>
-        <p:cTn id="1" dur="indefinite" restart="never" nodeType="tmRoot"/>
-      </p:par>
-    </p:tnLst>
-  </p:timing>
 </p:sld>
 </file>
 
@@ -7492,7 +7501,6 @@
               <a:rPr lang="en-US" dirty="0"/>
               <a:t>Questions about Academic Integrity Policy</a:t>
             </a:r>
-            <a:endParaRPr lang="en-US" dirty="0"/>
           </a:p>
         </p:txBody>
       </p:sp>
@@ -7512,37 +7520,36 @@
           <a:lstStyle/>
           <a:p>
             <a:r>
-              <a:rPr lang="en-US" dirty="0" smtClean="0"/>
+              <a:rPr lang="en-US" dirty="0"/>
               <a:t>Please post questions to Piazza relating to academic honesty</a:t>
             </a:r>
           </a:p>
           <a:p>
             <a:r>
-              <a:rPr lang="en-US" dirty="0" smtClean="0"/>
+              <a:rPr lang="en-US" dirty="0"/>
               <a:t>For example:</a:t>
             </a:r>
           </a:p>
           <a:p>
             <a:pPr lvl="1"/>
             <a:r>
-              <a:rPr lang="en-US" dirty="0" smtClean="0"/>
+              <a:rPr lang="en-US" dirty="0"/>
               <a:t>Is it OK if I do ___?</a:t>
             </a:r>
           </a:p>
           <a:p>
             <a:pPr lvl="1"/>
             <a:r>
-              <a:rPr lang="en-US" dirty="0" smtClean="0"/>
+              <a:rPr lang="en-US" dirty="0"/>
               <a:t>Why are we not allowed to do ___?</a:t>
             </a:r>
           </a:p>
           <a:p>
             <a:pPr lvl="1"/>
             <a:r>
-              <a:rPr lang="en-US" dirty="0" smtClean="0"/>
+              <a:rPr lang="en-US" dirty="0"/>
               <a:t>What should I do if ____?</a:t>
             </a:r>
-            <a:endParaRPr lang="en-US" dirty="0"/>
           </a:p>
         </p:txBody>
       </p:sp>
@@ -7556,13 +7563,6 @@
   <p:clrMapOvr>
     <a:masterClrMapping/>
   </p:clrMapOvr>
-  <p:timing>
-    <p:tnLst>
-      <p:par>
-        <p:cTn id="1" dur="indefinite" restart="never" nodeType="tmRoot"/>
-      </p:par>
-    </p:tnLst>
-  </p:timing>
 </p:sld>
 </file>
 
@@ -7624,21 +7624,13 @@
           <a:p>
             <a:r>
               <a:rPr lang="en-US" strike="sngStrike" dirty="0"/>
-              <a:t>Questions: Post to </a:t>
-            </a:r>
-            <a:r>
-              <a:rPr lang="en-US" strike="sngStrike" dirty="0" smtClean="0"/>
-              <a:t>Piazza</a:t>
-            </a:r>
-          </a:p>
-          <a:p>
-            <a:r>
-              <a:rPr lang="en-US" strike="sngStrike" dirty="0" smtClean="0"/>
-              <a:t>Academic </a:t>
-            </a:r>
+              <a:t>Questions: Post to Piazza</a:t>
+            </a:r>
+          </a:p>
+          <a:p>
             <a:r>
               <a:rPr lang="en-US" strike="sngStrike" dirty="0"/>
-              <a:t>Honesty</a:t>
+              <a:t>Academic Honesty</a:t>
             </a:r>
           </a:p>
           <a:p>
@@ -7649,18 +7641,18 @@
           </a:p>
           <a:p>
             <a:r>
-              <a:rPr lang="en-US" dirty="0" smtClean="0"/>
+              <a:rPr lang="en-US" dirty="0"/>
               <a:t>Review:</a:t>
             </a:r>
           </a:p>
           <a:p>
             <a:pPr lvl="1"/>
             <a:r>
-              <a:rPr lang="en-US" dirty="0" smtClean="0"/>
+              <a:rPr lang="en-US" dirty="0"/>
               <a:t>Coding </a:t>
             </a:r>
             <a:r>
-              <a:rPr lang="en-US" dirty="0" err="1" smtClean="0"/>
+              <a:rPr lang="en-US" dirty="0" err="1"/>
               <a:t>Gotchas</a:t>
             </a:r>
             <a:endParaRPr lang="en-US" dirty="0"/>
@@ -7696,13 +7688,6 @@
   <p:clrMapOvr>
     <a:masterClrMapping/>
   </p:clrMapOvr>
-  <p:timing>
-    <p:tnLst>
-      <p:par>
-        <p:cTn id="1" dur="indefinite" restart="never" nodeType="tmRoot"/>
-      </p:par>
-    </p:tnLst>
-  </p:timing>
 </p:sld>
 </file>
 
@@ -7944,13 +7929,6 @@
   <p:clrMapOvr>
     <a:masterClrMapping/>
   </p:clrMapOvr>
-  <p:timing>
-    <p:tnLst>
-      <p:par>
-        <p:cTn id="1" dur="indefinite" restart="never" nodeType="tmRoot"/>
-      </p:par>
-    </p:tnLst>
-  </p:timing>
 </p:sld>
 </file>
 
@@ -8110,13 +8088,6 @@
   <p:clrMapOvr>
     <a:masterClrMapping/>
   </p:clrMapOvr>
-  <p:timing>
-    <p:tnLst>
-      <p:par>
-        <p:cTn id="1" dur="indefinite" restart="never" nodeType="tmRoot"/>
-      </p:par>
-    </p:tnLst>
-  </p:timing>
 </p:sld>
 </file>
 
@@ -8209,7 +8180,7 @@
               <a:rPr sz="3200" dirty="0"/>
             </a:br>
             <a:r>
-              <a:rPr sz="2400" b="1" dirty="0" smtClean="0">
+              <a:rPr sz="2400" b="1" dirty="0">
                 <a:solidFill>
                   <a:srgbClr val="4F81BD"/>
                 </a:solidFill>
@@ -8221,7 +8192,7 @@
               <a:t>double</a:t>
             </a:r>
             <a:r>
-              <a:rPr lang="en-US" sz="2400" b="1" dirty="0" smtClean="0">
+              <a:rPr lang="en-US" sz="2400" b="1" dirty="0">
                 <a:solidFill>
                   <a:srgbClr val="4F81BD"/>
                 </a:solidFill>
@@ -8233,18 +8204,6 @@
               <a:t>[]</a:t>
             </a:r>
             <a:r>
-              <a:rPr sz="2400" b="1" dirty="0" smtClean="0">
-                <a:solidFill>
-                  <a:srgbClr val="4F81BD"/>
-                </a:solidFill>
-                <a:latin typeface="Consolas"/>
-                <a:ea typeface="Consolas"/>
-                <a:cs typeface="Consolas"/>
-                <a:sym typeface="Consolas"/>
-              </a:rPr>
-              <a:t> scores </a:t>
-            </a:r>
-            <a:r>
               <a:rPr sz="2400" b="1" dirty="0">
                 <a:solidFill>
                   <a:srgbClr val="4F81BD"/>
@@ -8254,7 +8213,7 @@
                 <a:cs typeface="Consolas"/>
                 <a:sym typeface="Consolas"/>
               </a:rPr>
-              <a:t>= …</a:t>
+              <a:t> scores = …</a:t>
             </a:r>
             <a:br>
               <a:rPr sz="2400" b="1" dirty="0">
@@ -8510,7 +8469,7 @@
               <a:rPr sz="3200" dirty="0"/>
             </a:br>
             <a:r>
-              <a:rPr sz="2400" b="1" dirty="0" smtClean="0">
+              <a:rPr sz="2400" b="1" dirty="0">
                 <a:solidFill>
                   <a:srgbClr val="9BBB59"/>
                 </a:solidFill>
@@ -8522,7 +8481,7 @@
               <a:t>double</a:t>
             </a:r>
             <a:r>
-              <a:rPr lang="en-US" sz="2400" b="1" dirty="0" smtClean="0">
+              <a:rPr lang="en-US" sz="2400" b="1" dirty="0">
                 <a:solidFill>
                   <a:srgbClr val="9BBB59"/>
                 </a:solidFill>
@@ -8534,7 +8493,7 @@
               <a:t>[]</a:t>
             </a:r>
             <a:r>
-              <a:rPr sz="2400" b="1" dirty="0" smtClean="0">
+              <a:rPr sz="2400" b="1" dirty="0">
                 <a:solidFill>
                   <a:srgbClr val="9BBB59"/>
                 </a:solidFill>
@@ -8546,7 +8505,7 @@
               <a:t> </a:t>
             </a:r>
             <a:r>
-              <a:rPr sz="2400" b="1" dirty="0" smtClean="0">
+              <a:rPr sz="2400" b="1" dirty="0">
                 <a:solidFill>
                   <a:srgbClr val="C3D69B"/>
                 </a:solidFill>
@@ -8558,18 +8517,6 @@
               <a:t>scores</a:t>
             </a:r>
             <a:r>
-              <a:rPr sz="2400" b="1" dirty="0" smtClean="0">
-                <a:solidFill>
-                  <a:srgbClr val="9BBB59"/>
-                </a:solidFill>
-                <a:latin typeface="Consolas"/>
-                <a:ea typeface="Consolas"/>
-                <a:cs typeface="Consolas"/>
-                <a:sym typeface="Consolas"/>
-              </a:rPr>
-              <a:t> </a:t>
-            </a:r>
-            <a:r>
               <a:rPr sz="2400" b="1" dirty="0">
                 <a:solidFill>
                   <a:srgbClr val="9BBB59"/>
@@ -8579,7 +8526,7 @@
                 <a:cs typeface="Consolas"/>
                 <a:sym typeface="Consolas"/>
               </a:rPr>
-              <a:t>= …</a:t>
+              <a:t> = …</a:t>
             </a:r>
             <a:br>
               <a:rPr sz="2400" b="1" dirty="0">
@@ -9430,13 +9377,6 @@
   <p:clrMapOvr>
     <a:masterClrMapping/>
   </p:clrMapOvr>
-  <p:timing>
-    <p:tnLst>
-      <p:par>
-        <p:cTn id="1" dur="indefinite" restart="never" nodeType="tmRoot"/>
-      </p:par>
-    </p:tnLst>
-  </p:timing>
 </p:sld>
 </file>
 
@@ -9581,13 +9521,6 @@
   <p:clrMapOvr>
     <a:masterClrMapping/>
   </p:clrMapOvr>
-  <p:timing>
-    <p:tnLst>
-      <p:par>
-        <p:cTn id="1" dur="indefinite" restart="never" nodeType="tmRoot"/>
-      </p:par>
-    </p:tnLst>
-  </p:timing>
 </p:sld>
 </file>
 
@@ -9763,13 +9696,6 @@
   <p:clrMapOvr>
     <a:masterClrMapping/>
   </p:clrMapOvr>
-  <p:timing>
-    <p:tnLst>
-      <p:par>
-        <p:cTn id="1" dur="indefinite" restart="never" nodeType="tmRoot"/>
-      </p:par>
-    </p:tnLst>
-  </p:timing>
 </p:sld>
 </file>
 
@@ -9834,10 +9760,9 @@
               </a:spcAft>
             </a:pPr>
             <a:r>
-              <a:rPr lang="en-US" dirty="0" smtClean="0"/>
+              <a:rPr lang="en-US" dirty="0"/>
               <a:t>Pull Latest Version of Code/Slides</a:t>
             </a:r>
-            <a:endParaRPr lang="en-US" dirty="0"/>
           </a:p>
         </p:txBody>
       </p:sp>
@@ -10008,10 +9933,9 @@
               <a:buNone/>
             </a:pPr>
             <a:r>
-              <a:rPr lang="en-US" dirty="0" smtClean="0"/>
+              <a:rPr lang="en-US" dirty="0"/>
               <a:t>Team Pull</a:t>
             </a:r>
-            <a:endParaRPr lang="en-US" dirty="0"/>
           </a:p>
         </p:txBody>
       </p:sp>
@@ -10114,14 +10038,10 @@
             </a:pPr>
             <a:r>
               <a:rPr sz="4400" b="1" dirty="0"/>
-              <a:t>CSSE </a:t>
-            </a:r>
-            <a:r>
-              <a:rPr sz="4400" b="1" dirty="0" smtClean="0"/>
-              <a:t>220</a:t>
-            </a:r>
-            <a:r>
-              <a:rPr lang="en-US" sz="4400" b="1" dirty="0" smtClean="0"/>
+              <a:t>CSSE 220</a:t>
+            </a:r>
+            <a:r>
+              <a:rPr lang="en-US" sz="4400" b="1" dirty="0"/>
               <a:t> – every class do this:</a:t>
             </a:r>
             <a:endParaRPr sz="4400" b="1" dirty="0"/>
@@ -10138,13 +10058,6 @@
   <p:clrMapOvr>
     <a:masterClrMapping/>
   </p:clrMapOvr>
-  <p:timing>
-    <p:tnLst>
-      <p:par>
-        <p:cTn id="1" dur="indefinite" restart="never" nodeType="tmRoot"/>
-      </p:par>
-    </p:tnLst>
-  </p:timing>
 </p:sld>
 </file>
 
@@ -10245,13 +10158,6 @@
   <p:clrMapOvr>
     <a:masterClrMapping/>
   </p:clrMapOvr>
-  <p:timing>
-    <p:tnLst>
-      <p:par>
-        <p:cTn id="1" dur="indefinite" restart="never" nodeType="tmRoot"/>
-      </p:par>
-    </p:tnLst>
-  </p:timing>
 </p:sld>
 </file>
 
@@ -10352,13 +10258,6 @@
   <p:clrMapOvr>
     <a:masterClrMapping/>
   </p:clrMapOvr>
-  <p:timing>
-    <p:tnLst>
-      <p:par>
-        <p:cTn id="1" dur="indefinite" restart="never" nodeType="tmRoot"/>
-      </p:par>
-    </p:tnLst>
-  </p:timing>
 </p:sld>
 </file>
 
@@ -10459,13 +10358,6 @@
   <p:clrMapOvr>
     <a:masterClrMapping/>
   </p:clrMapOvr>
-  <p:timing>
-    <p:tnLst>
-      <p:par>
-        <p:cTn id="1" dur="indefinite" restart="never" nodeType="tmRoot"/>
-      </p:par>
-    </p:tnLst>
-  </p:timing>
 </p:sld>
 </file>
 
@@ -10599,13 +10491,6 @@
   <p:clrMapOvr>
     <a:masterClrMapping/>
   </p:clrMapOvr>
-  <p:timing>
-    <p:tnLst>
-      <p:par>
-        <p:cTn id="1" dur="indefinite" restart="never" nodeType="tmRoot"/>
-      </p:par>
-    </p:tnLst>
-  </p:timing>
 </p:sld>
 </file>
 
@@ -10719,13 +10604,6 @@
   <p:clrMapOvr>
     <a:masterClrMapping/>
   </p:clrMapOvr>
-  <p:timing>
-    <p:tnLst>
-      <p:par>
-        <p:cTn id="1" dur="indefinite" restart="never" nodeType="tmRoot"/>
-      </p:par>
-    </p:tnLst>
-  </p:timing>
 </p:sld>
 </file>
 
@@ -10868,13 +10746,6 @@
   <p:clrMapOvr>
     <a:masterClrMapping/>
   </p:clrMapOvr>
-  <p:timing>
-    <p:tnLst>
-      <p:par>
-        <p:cTn id="1" dur="indefinite" restart="never" nodeType="tmRoot"/>
-      </p:par>
-    </p:tnLst>
-  </p:timing>
 </p:sld>
 </file>
 
@@ -11017,21 +10888,6 @@
   <p:clrMapOvr>
     <a:masterClrMapping/>
   </p:clrMapOvr>
-  <mc:AlternateContent xmlns:mc="http://schemas.openxmlformats.org/markup-compatibility/2006" xmlns:p14="http://schemas.microsoft.com/office/powerpoint/2010/main">
-    <mc:Choice Requires="p14">
-      <p:transition spd="slow" p14:dur="2000"/>
-    </mc:Choice>
-    <mc:Fallback xmlns="">
-      <p:transition spd="slow"/>
-    </mc:Fallback>
-  </mc:AlternateContent>
-  <p:timing>
-    <p:tnLst>
-      <p:par>
-        <p:cTn id="1" dur="indefinite" restart="never" nodeType="tmRoot"/>
-      </p:par>
-    </p:tnLst>
-  </p:timing>
 </p:sld>
 </file>
 
@@ -11203,21 +11059,6 @@
   <p:clrMapOvr>
     <a:masterClrMapping/>
   </p:clrMapOvr>
-  <mc:AlternateContent xmlns:mc="http://schemas.openxmlformats.org/markup-compatibility/2006" xmlns:p14="http://schemas.microsoft.com/office/powerpoint/2010/main">
-    <mc:Choice Requires="p14">
-      <p:transition spd="slow" p14:dur="2000"/>
-    </mc:Choice>
-    <mc:Fallback xmlns="">
-      <p:transition spd="slow"/>
-    </mc:Fallback>
-  </mc:AlternateContent>
-  <p:timing>
-    <p:tnLst>
-      <p:par>
-        <p:cTn id="1" dur="indefinite" restart="never" nodeType="tmRoot"/>
-      </p:par>
-    </p:tnLst>
-  </p:timing>
 </p:sld>
 </file>
 
@@ -11389,21 +11230,6 @@
   <p:clrMapOvr>
     <a:masterClrMapping/>
   </p:clrMapOvr>
-  <mc:AlternateContent xmlns:mc="http://schemas.openxmlformats.org/markup-compatibility/2006" xmlns:p14="http://schemas.microsoft.com/office/powerpoint/2010/main">
-    <mc:Choice Requires="p14">
-      <p:transition spd="slow" p14:dur="2000"/>
-    </mc:Choice>
-    <mc:Fallback xmlns="">
-      <p:transition spd="slow"/>
-    </mc:Fallback>
-  </mc:AlternateContent>
-  <p:timing>
-    <p:tnLst>
-      <p:par>
-        <p:cTn id="1" dur="indefinite" restart="never" nodeType="tmRoot"/>
-      </p:par>
-    </p:tnLst>
-  </p:timing>
 </p:sld>
 </file>
 
@@ -11604,21 +11430,6 @@
   <p:clrMapOvr>
     <a:masterClrMapping/>
   </p:clrMapOvr>
-  <mc:AlternateContent xmlns:mc="http://schemas.openxmlformats.org/markup-compatibility/2006" xmlns:p14="http://schemas.microsoft.com/office/powerpoint/2010/main">
-    <mc:Choice Requires="p14">
-      <p:transition spd="slow" p14:dur="2000"/>
-    </mc:Choice>
-    <mc:Fallback xmlns="">
-      <p:transition spd="slow"/>
-    </mc:Fallback>
-  </mc:AlternateContent>
-  <p:timing>
-    <p:tnLst>
-      <p:par>
-        <p:cTn id="1" dur="indefinite" restart="never" nodeType="tmRoot"/>
-      </p:par>
-    </p:tnLst>
-  </p:timing>
 </p:sld>
 </file>
 
@@ -11660,10 +11471,9 @@
           <a:lstStyle/>
           <a:p>
             <a:r>
-              <a:rPr lang="en-US" dirty="0" smtClean="0"/>
+              <a:rPr lang="en-US" dirty="0"/>
               <a:t>How to access slides (locally)</a:t>
             </a:r>
-            <a:endParaRPr lang="en-US" dirty="0"/>
           </a:p>
         </p:txBody>
       </p:sp>
@@ -11725,13 +11535,6 @@
   <p:clrMapOvr>
     <a:masterClrMapping/>
   </p:clrMapOvr>
-  <p:timing>
-    <p:tnLst>
-      <p:par>
-        <p:cTn id="1" dur="indefinite" restart="never" nodeType="tmRoot"/>
-      </p:par>
-    </p:tnLst>
-  </p:timing>
 </p:sld>
 </file>
 
@@ -11932,21 +11735,6 @@
   <p:clrMapOvr>
     <a:masterClrMapping/>
   </p:clrMapOvr>
-  <mc:AlternateContent xmlns:mc="http://schemas.openxmlformats.org/markup-compatibility/2006" xmlns:p14="http://schemas.microsoft.com/office/powerpoint/2010/main">
-    <mc:Choice Requires="p14">
-      <p:transition spd="slow" p14:dur="2000"/>
-    </mc:Choice>
-    <mc:Fallback xmlns="">
-      <p:transition spd="slow"/>
-    </mc:Fallback>
-  </mc:AlternateContent>
-  <p:timing>
-    <p:tnLst>
-      <p:par>
-        <p:cTn id="1" dur="indefinite" restart="never" nodeType="tmRoot"/>
-      </p:par>
-    </p:tnLst>
-  </p:timing>
 </p:sld>
 </file>
 
@@ -12176,21 +11964,6 @@
   <p:clrMapOvr>
     <a:masterClrMapping/>
   </p:clrMapOvr>
-  <mc:AlternateContent xmlns:mc="http://schemas.openxmlformats.org/markup-compatibility/2006" xmlns:p14="http://schemas.microsoft.com/office/powerpoint/2010/main">
-    <mc:Choice Requires="p14">
-      <p:transition spd="slow" p14:dur="2000"/>
-    </mc:Choice>
-    <mc:Fallback xmlns="">
-      <p:transition spd="slow"/>
-    </mc:Fallback>
-  </mc:AlternateContent>
-  <p:timing>
-    <p:tnLst>
-      <p:par>
-        <p:cTn id="1" dur="indefinite" restart="never" nodeType="tmRoot"/>
-      </p:par>
-    </p:tnLst>
-  </p:timing>
 </p:sld>
 </file>
 
@@ -12420,21 +12193,6 @@
   <p:clrMapOvr>
     <a:masterClrMapping/>
   </p:clrMapOvr>
-  <mc:AlternateContent xmlns:mc="http://schemas.openxmlformats.org/markup-compatibility/2006" xmlns:p14="http://schemas.microsoft.com/office/powerpoint/2010/main">
-    <mc:Choice Requires="p14">
-      <p:transition spd="slow" p14:dur="2000"/>
-    </mc:Choice>
-    <mc:Fallback xmlns="">
-      <p:transition spd="slow"/>
-    </mc:Fallback>
-  </mc:AlternateContent>
-  <p:timing>
-    <p:tnLst>
-      <p:par>
-        <p:cTn id="1" dur="indefinite" restart="never" nodeType="tmRoot"/>
-      </p:par>
-    </p:tnLst>
-  </p:timing>
 </p:sld>
 </file>
 
@@ -12693,21 +12451,6 @@
   <p:clrMapOvr>
     <a:masterClrMapping/>
   </p:clrMapOvr>
-  <mc:AlternateContent xmlns:mc="http://schemas.openxmlformats.org/markup-compatibility/2006" xmlns:p14="http://schemas.microsoft.com/office/powerpoint/2010/main">
-    <mc:Choice Requires="p14">
-      <p:transition spd="slow" p14:dur="2000"/>
-    </mc:Choice>
-    <mc:Fallback xmlns="">
-      <p:transition spd="slow"/>
-    </mc:Fallback>
-  </mc:AlternateContent>
-  <p:timing>
-    <p:tnLst>
-      <p:par>
-        <p:cTn id="1" dur="indefinite" restart="never" nodeType="tmRoot"/>
-      </p:par>
-    </p:tnLst>
-  </p:timing>
 </p:sld>
 </file>
 
@@ -12966,21 +12709,6 @@
   <p:clrMapOvr>
     <a:masterClrMapping/>
   </p:clrMapOvr>
-  <mc:AlternateContent xmlns:mc="http://schemas.openxmlformats.org/markup-compatibility/2006" xmlns:p14="http://schemas.microsoft.com/office/powerpoint/2010/main">
-    <mc:Choice Requires="p14">
-      <p:transition spd="slow" p14:dur="2000"/>
-    </mc:Choice>
-    <mc:Fallback xmlns="">
-      <p:transition spd="slow"/>
-    </mc:Fallback>
-  </mc:AlternateContent>
-  <p:timing>
-    <p:tnLst>
-      <p:par>
-        <p:cTn id="1" dur="indefinite" restart="never" nodeType="tmRoot"/>
-      </p:par>
-    </p:tnLst>
-  </p:timing>
 </p:sld>
 </file>
 
@@ -13268,21 +12996,6 @@
   <p:clrMapOvr>
     <a:masterClrMapping/>
   </p:clrMapOvr>
-  <mc:AlternateContent xmlns:mc="http://schemas.openxmlformats.org/markup-compatibility/2006" xmlns:p14="http://schemas.microsoft.com/office/powerpoint/2010/main">
-    <mc:Choice Requires="p14">
-      <p:transition spd="slow" p14:dur="2000"/>
-    </mc:Choice>
-    <mc:Fallback xmlns="">
-      <p:transition spd="slow"/>
-    </mc:Fallback>
-  </mc:AlternateContent>
-  <p:timing>
-    <p:tnLst>
-      <p:par>
-        <p:cTn id="1" dur="indefinite" restart="never" nodeType="tmRoot"/>
-      </p:par>
-    </p:tnLst>
-  </p:timing>
 </p:sld>
 </file>
 
@@ -13570,21 +13283,6 @@
   <p:clrMapOvr>
     <a:masterClrMapping/>
   </p:clrMapOvr>
-  <mc:AlternateContent xmlns:mc="http://schemas.openxmlformats.org/markup-compatibility/2006" xmlns:p14="http://schemas.microsoft.com/office/powerpoint/2010/main">
-    <mc:Choice Requires="p14">
-      <p:transition spd="slow" p14:dur="2000"/>
-    </mc:Choice>
-    <mc:Fallback xmlns="">
-      <p:transition spd="slow"/>
-    </mc:Fallback>
-  </mc:AlternateContent>
-  <p:timing>
-    <p:tnLst>
-      <p:par>
-        <p:cTn id="1" dur="indefinite" restart="never" nodeType="tmRoot"/>
-      </p:par>
-    </p:tnLst>
-  </p:timing>
 </p:sld>
 </file>
 
@@ -13901,21 +13599,6 @@
   <p:clrMapOvr>
     <a:masterClrMapping/>
   </p:clrMapOvr>
-  <mc:AlternateContent xmlns:mc="http://schemas.openxmlformats.org/markup-compatibility/2006" xmlns:p14="http://schemas.microsoft.com/office/powerpoint/2010/main">
-    <mc:Choice Requires="p14">
-      <p:transition spd="slow" p14:dur="2000"/>
-    </mc:Choice>
-    <mc:Fallback xmlns="">
-      <p:transition spd="slow"/>
-    </mc:Fallback>
-  </mc:AlternateContent>
-  <p:timing>
-    <p:tnLst>
-      <p:par>
-        <p:cTn id="1" dur="indefinite" restart="never" nodeType="tmRoot"/>
-      </p:par>
-    </p:tnLst>
-  </p:timing>
 </p:sld>
 </file>
 
@@ -14057,13 +13740,6 @@
   <p:clrMapOvr>
     <a:masterClrMapping/>
   </p:clrMapOvr>
-  <p:timing>
-    <p:tnLst>
-      <p:par>
-        <p:cTn id="1" dur="indefinite" restart="never" nodeType="tmRoot"/>
-      </p:par>
-    </p:tnLst>
-  </p:timing>
 </p:sld>
 </file>
 
@@ -14184,13 +13860,6 @@
   <p:clrMapOvr>
     <a:masterClrMapping/>
   </p:clrMapOvr>
-  <p:timing>
-    <p:tnLst>
-      <p:par>
-        <p:cTn id="1" dur="indefinite" restart="never" nodeType="tmRoot"/>
-      </p:par>
-    </p:tnLst>
-  </p:timing>
 </p:sld>
 </file>
 
@@ -14271,7 +13940,7 @@
               <a:t>2DArraysAndMapsInClass</a:t>
             </a:r>
             <a:r>
-              <a:rPr sz="2400" i="1" dirty="0" smtClean="0">
+              <a:rPr sz="2400" i="1" dirty="0">
                 <a:solidFill>
                   <a:srgbClr val="FFFFFF"/>
                 </a:solidFill>
@@ -14300,15 +13969,7 @@
                   <a:srgbClr val="FFFFFF"/>
                 </a:solidFill>
               </a:rPr>
-              <a:t> </a:t>
-            </a:r>
-            <a:r>
-              <a:rPr lang="en-US" sz="2400" dirty="0" smtClean="0">
-                <a:solidFill>
-                  <a:srgbClr val="FFFFFF"/>
-                </a:solidFill>
-              </a:rPr>
-              <a:t>repo</a:t>
+              <a:t> repo</a:t>
             </a:r>
             <a:endParaRPr sz="2400" dirty="0">
               <a:solidFill>
@@ -14348,14 +14009,10 @@
             </a:pPr>
             <a:r>
               <a:rPr sz="4400" dirty="0"/>
-              <a:t>CSSE </a:t>
-            </a:r>
-            <a:r>
-              <a:rPr sz="4400" dirty="0" smtClean="0"/>
-              <a:t>220</a:t>
-            </a:r>
-            <a:r>
-              <a:rPr lang="en-US" sz="4400" dirty="0" smtClean="0"/>
+              <a:t>CSSE 220</a:t>
+            </a:r>
+            <a:r>
+              <a:rPr lang="en-US" sz="4400" dirty="0"/>
               <a:t> – every class do this:</a:t>
             </a:r>
             <a:endParaRPr sz="4400" dirty="0"/>
@@ -14632,7 +14289,7 @@
               <a:tabLst/>
             </a:pPr>
             <a:r>
-              <a:rPr kumimoji="0" lang="en-US" sz="1800" b="0" i="0" u="none" strike="noStrike" cap="none" spc="0" normalizeH="0" baseline="0" dirty="0" smtClean="0">
+              <a:rPr kumimoji="0" lang="en-US" sz="1800" b="0" i="0" u="none" strike="noStrike" cap="none" spc="0" normalizeH="0" baseline="0" dirty="0">
                 <a:ln>
                   <a:noFill/>
                 </a:ln>
@@ -14667,7 +14324,7 @@
               <a:tabLst/>
             </a:pPr>
             <a:r>
-              <a:rPr kumimoji="0" lang="en-US" sz="1800" b="0" i="0" u="none" strike="noStrike" cap="none" spc="0" normalizeH="0" baseline="0" dirty="0" err="1" smtClean="0">
+              <a:rPr kumimoji="0" lang="en-US" sz="1800" b="0" i="0" u="none" strike="noStrike" cap="none" spc="0" normalizeH="0" baseline="0" dirty="0" err="1">
                 <a:ln>
                   <a:noFill/>
                 </a:ln>
@@ -14684,7 +14341,7 @@
               <a:t>Git</a:t>
             </a:r>
             <a:r>
-              <a:rPr kumimoji="0" lang="en-US" sz="1800" b="0" i="0" u="none" strike="noStrike" cap="none" spc="0" normalizeH="0" baseline="0" dirty="0" smtClean="0">
+              <a:rPr kumimoji="0" lang="en-US" sz="1800" b="0" i="0" u="none" strike="noStrike" cap="none" spc="0" normalizeH="0" baseline="0" dirty="0">
                 <a:ln>
                   <a:noFill/>
                 </a:ln>
@@ -14701,7 +14358,7 @@
               <a:t>-&gt;Projects from </a:t>
             </a:r>
             <a:r>
-              <a:rPr kumimoji="0" lang="en-US" sz="1800" b="0" i="0" u="none" strike="noStrike" cap="none" spc="0" normalizeH="0" baseline="0" dirty="0" err="1" smtClean="0">
+              <a:rPr kumimoji="0" lang="en-US" sz="1800" b="0" i="0" u="none" strike="noStrike" cap="none" spc="0" normalizeH="0" baseline="0" dirty="0" err="1">
                 <a:ln>
                   <a:noFill/>
                 </a:ln>
@@ -14718,7 +14375,7 @@
               <a:t>Git</a:t>
             </a:r>
             <a:r>
-              <a:rPr kumimoji="0" lang="en-US" sz="1800" b="0" i="0" u="none" strike="noStrike" cap="none" spc="0" normalizeH="0" baseline="0" dirty="0" smtClean="0">
+              <a:rPr kumimoji="0" lang="en-US" sz="1800" b="0" i="0" u="none" strike="noStrike" cap="none" spc="0" normalizeH="0" baseline="0" dirty="0">
                 <a:ln>
                   <a:noFill/>
                 </a:ln>
@@ -14753,7 +14410,7 @@
               <a:tabLst/>
             </a:pPr>
             <a:r>
-              <a:rPr lang="en-US" dirty="0" smtClean="0">
+              <a:rPr lang="en-US" dirty="0">
                 <a:solidFill>
                   <a:srgbClr val="000000"/>
                 </a:solidFill>
@@ -14779,7 +14436,7 @@
               <a:tabLst/>
             </a:pPr>
             <a:r>
-              <a:rPr kumimoji="0" lang="en-US" sz="1800" b="0" i="0" u="none" strike="noStrike" cap="none" spc="0" normalizeH="0" baseline="0" dirty="0" smtClean="0">
+              <a:rPr kumimoji="0" lang="en-US" sz="1800" b="0" i="0" u="none" strike="noStrike" cap="none" spc="0" normalizeH="0" baseline="0" dirty="0">
                 <a:ln>
                   <a:noFill/>
                 </a:ln>
@@ -14796,7 +14453,7 @@
               <a:t>csse220 [master</a:t>
             </a:r>
             <a:r>
-              <a:rPr lang="en-US" dirty="0" smtClean="0">
+              <a:rPr lang="en-US" dirty="0">
                 <a:solidFill>
                   <a:srgbClr val="000000"/>
                 </a:solidFill>
@@ -14822,7 +14479,7 @@
               <a:tabLst/>
             </a:pPr>
             <a:r>
-              <a:rPr kumimoji="0" lang="en-US" sz="1800" b="0" i="0" u="none" strike="noStrike" cap="none" spc="0" normalizeH="0" baseline="0" dirty="0" smtClean="0">
+              <a:rPr kumimoji="0" lang="en-US" sz="1800" b="0" i="0" u="none" strike="noStrike" cap="none" spc="0" normalizeH="0" baseline="0" dirty="0">
                 <a:ln>
                   <a:noFill/>
                 </a:ln>
@@ -14857,7 +14514,7 @@
               <a:tabLst/>
             </a:pPr>
             <a:r>
-              <a:rPr lang="en-US" b="1" u="sng" dirty="0" smtClean="0">
+              <a:rPr lang="en-US" b="1" u="sng" dirty="0">
                 <a:solidFill>
                   <a:srgbClr val="FF0000"/>
                 </a:solidFill>
@@ -14883,7 +14540,7 @@
               <a:tabLst/>
             </a:pPr>
             <a:r>
-              <a:rPr lang="en-US" b="1" dirty="0" smtClean="0">
+              <a:rPr lang="en-US" b="1" dirty="0">
                 <a:solidFill>
                   <a:schemeClr val="tx1"/>
                 </a:solidFill>
@@ -14909,18 +14566,13 @@
               <a:tabLst/>
             </a:pPr>
             <a:r>
-              <a:rPr lang="en-US" dirty="0" smtClean="0">
+              <a:rPr lang="en-US" dirty="0">
                 <a:solidFill>
                   <a:schemeClr val="tx1"/>
                 </a:solidFill>
               </a:rPr>
               <a:t>Check projects for the day -&gt; Finish</a:t>
             </a:r>
-            <a:endParaRPr lang="en-US" dirty="0">
-              <a:solidFill>
-                <a:schemeClr val="tx1"/>
-              </a:solidFill>
-            </a:endParaRPr>
           </a:p>
         </p:txBody>
       </p:sp>
@@ -14978,21 +14630,6 @@
   <p:clrMapOvr>
     <a:masterClrMapping/>
   </p:clrMapOvr>
-  <mc:AlternateContent xmlns:mc="http://schemas.openxmlformats.org/markup-compatibility/2006" xmlns:p14="http://schemas.microsoft.com/office/powerpoint/2010/main">
-    <mc:Choice Requires="p14">
-      <p:transition spd="slow" p14:dur="2000"/>
-    </mc:Choice>
-    <mc:Fallback xmlns="">
-      <p:transition spd="slow"/>
-    </mc:Fallback>
-  </mc:AlternateContent>
-  <p:timing>
-    <p:tnLst>
-      <p:par>
-        <p:cTn id="1" dur="indefinite" restart="never" nodeType="tmRoot"/>
-      </p:par>
-    </p:tnLst>
-  </p:timing>
 </p:sld>
 </file>
 
@@ -15225,13 +14862,6 @@
   <p:clrMapOvr>
     <a:masterClrMapping/>
   </p:clrMapOvr>
-  <p:timing>
-    <p:tnLst>
-      <p:par>
-        <p:cTn id="1" dur="indefinite" restart="never" nodeType="tmRoot"/>
-      </p:par>
-    </p:tnLst>
-  </p:timing>
 </p:sld>
 </file>
 
@@ -16168,21 +15798,6 @@
   <p:clrMapOvr>
     <a:masterClrMapping/>
   </p:clrMapOvr>
-  <mc:AlternateContent xmlns:mc="http://schemas.openxmlformats.org/markup-compatibility/2006">
-    <mc:Choice xmlns:p14="http://schemas.microsoft.com/office/powerpoint/2010/main" Requires="p14">
-      <p:transition spd="slow" p14:dur="2000"/>
-    </mc:Choice>
-    <mc:Fallback>
-      <p:transition spd="slow"/>
-    </mc:Fallback>
-  </mc:AlternateContent>
-  <p:timing>
-    <p:tnLst>
-      <p:par>
-        <p:cTn id="1" dur="indefinite" restart="never" nodeType="tmRoot"/>
-      </p:par>
-    </p:tnLst>
-  </p:timing>
 </p:sld>
 </file>
 
@@ -16248,89 +15863,46 @@
           <a:lstStyle/>
           <a:p>
             <a:r>
-              <a:rPr lang="en-US" sz="2400" dirty="0" smtClean="0"/>
-              <a:t>Read </a:t>
-            </a:r>
-            <a:r>
               <a:rPr lang="en-US" sz="2400" dirty="0"/>
-              <a:t>through the 3 2D Array sample problems </a:t>
-            </a:r>
-            <a:r>
-              <a:rPr lang="en-US" sz="2400" dirty="0" smtClean="0"/>
-              <a:t>make </a:t>
-            </a:r>
+              <a:t>Read through the 3 2D Array sample problems make sure you understand how they work</a:t>
+            </a:r>
+          </a:p>
+          <a:p>
+            <a:pPr lvl="1"/>
+            <a:r>
+              <a:rPr lang="en-US" sz="2000" dirty="0"/>
+              <a:t>Instructions to see samples on next slide</a:t>
+            </a:r>
+          </a:p>
+          <a:p>
             <a:r>
               <a:rPr lang="en-US" sz="2400" dirty="0"/>
-              <a:t>sure you </a:t>
-            </a:r>
-            <a:r>
-              <a:rPr lang="en-US" sz="2400" dirty="0" smtClean="0"/>
-              <a:t>understand </a:t>
-            </a:r>
+              <a:t>Then use the code as an example to answer the 2D Array quiz questions (on Moodle)</a:t>
+            </a:r>
+          </a:p>
+          <a:p>
             <a:r>
               <a:rPr lang="en-US" sz="2400" dirty="0"/>
-              <a:t>how they </a:t>
-            </a:r>
-            <a:r>
-              <a:rPr lang="en-US" sz="2400" dirty="0" smtClean="0"/>
-              <a:t>work</a:t>
-            </a:r>
-          </a:p>
-          <a:p>
-            <a:pPr lvl="1"/>
-            <a:r>
-              <a:rPr lang="en-US" sz="2000" dirty="0"/>
-              <a:t>Instructions to see </a:t>
-            </a:r>
-            <a:r>
-              <a:rPr lang="en-US" sz="2000" dirty="0" smtClean="0"/>
-              <a:t>samples on next slide</a:t>
-            </a:r>
-            <a:endParaRPr lang="en-US" sz="2000" dirty="0"/>
-          </a:p>
-          <a:p>
-            <a:r>
-              <a:rPr lang="en-US" sz="2400" dirty="0" smtClean="0"/>
-              <a:t>Then </a:t>
-            </a:r>
+              <a:t>Then do the 2d sample problems in the in-class exercise for today</a:t>
+            </a:r>
+          </a:p>
+          <a:p>
             <a:r>
               <a:rPr lang="en-US" sz="2400" dirty="0"/>
-              <a:t>use the code as an example to answer the 2D Array quiz </a:t>
-            </a:r>
-            <a:r>
-              <a:rPr lang="en-US" sz="2400" dirty="0" smtClean="0"/>
-              <a:t>questions (on Moodle)</a:t>
-            </a:r>
-            <a:endParaRPr lang="en-US" sz="2400" dirty="0"/>
-          </a:p>
-          <a:p>
+              <a:t>Post ANY questions to Piazza </a:t>
+            </a:r>
+            <a:r>
+              <a:rPr lang="en-US" sz="2400" b="1" i="1" u="sng" dirty="0"/>
+              <a:t>even including code </a:t>
+            </a:r>
             <a:r>
               <a:rPr lang="en-US" sz="2400" dirty="0"/>
-              <a:t>Then do the 2d sample </a:t>
-            </a:r>
-            <a:r>
-              <a:rPr lang="en-US" sz="2400" dirty="0" smtClean="0"/>
-              <a:t>problems in the in-class exercise for today</a:t>
-            </a:r>
-            <a:endParaRPr lang="en-US" sz="2400" dirty="0"/>
-          </a:p>
-          <a:p>
-            <a:r>
-              <a:rPr lang="en-US" sz="2400" dirty="0" smtClean="0"/>
-              <a:t>Post ANY questions to Piazza </a:t>
-            </a:r>
-            <a:r>
-              <a:rPr lang="en-US" sz="2400" b="1" i="1" u="sng" dirty="0" smtClean="0"/>
-              <a:t>even including code </a:t>
-            </a:r>
-            <a:r>
-              <a:rPr lang="en-US" sz="2400" dirty="0" smtClean="0"/>
               <a:t>since this is purely collaborative exercise and the solution code is available to you</a:t>
             </a:r>
           </a:p>
           <a:p>
             <a:r>
-              <a:rPr lang="en-US" sz="2400" dirty="0" smtClean="0"/>
+              <a:rPr lang="en-US" sz="2400" dirty="0"/>
               <a:t>Please look to help answer questions other students post</a:t>
             </a:r>
           </a:p>
@@ -16346,21 +15918,6 @@
   <p:clrMapOvr>
     <a:masterClrMapping/>
   </p:clrMapOvr>
-  <mc:AlternateContent xmlns:mc="http://schemas.openxmlformats.org/markup-compatibility/2006">
-    <mc:Choice xmlns:p14="http://schemas.microsoft.com/office/powerpoint/2010/main" Requires="p14">
-      <p:transition spd="slow" p14:dur="2000"/>
-    </mc:Choice>
-    <mc:Fallback>
-      <p:transition spd="slow"/>
-    </mc:Fallback>
-  </mc:AlternateContent>
-  <p:timing>
-    <p:tnLst>
-      <p:par>
-        <p:cTn id="1" dur="indefinite" restart="never" nodeType="tmRoot"/>
-      </p:par>
-    </p:tnLst>
-  </p:timing>
 </p:sld>
 </file>
 
@@ -16647,7 +16204,7 @@
           <a:p>
             <a:pPr algn="ctr"/>
             <a:r>
-              <a:rPr lang="en-US" sz="5400" b="1" cap="none" spc="0" dirty="0" smtClean="0">
+              <a:rPr lang="en-US" sz="5400" b="1" cap="none" spc="0" dirty="0">
                 <a:ln w="22225">
                   <a:solidFill>
                     <a:schemeClr val="accent2"/>
@@ -16664,21 +16221,6 @@
               </a:rPr>
               <a:t>1</a:t>
             </a:r>
-            <a:endParaRPr lang="en-US" sz="5400" b="1" cap="none" spc="0" dirty="0">
-              <a:ln w="22225">
-                <a:solidFill>
-                  <a:schemeClr val="accent2"/>
-                </a:solidFill>
-                <a:prstDash val="solid"/>
-              </a:ln>
-              <a:solidFill>
-                <a:schemeClr val="accent2">
-                  <a:lumMod val="40000"/>
-                  <a:lumOff val="60000"/>
-                </a:schemeClr>
-              </a:solidFill>
-              <a:effectLst/>
-            </a:endParaRPr>
           </a:p>
         </p:txBody>
       </p:sp>
@@ -16706,7 +16248,7 @@
           <a:p>
             <a:pPr algn="ctr"/>
             <a:r>
-              <a:rPr lang="en-US" sz="5400" b="1" cap="none" spc="0" dirty="0" smtClean="0">
+              <a:rPr lang="en-US" sz="5400" b="1" cap="none" spc="0" dirty="0">
                 <a:ln w="22225">
                   <a:solidFill>
                     <a:schemeClr val="accent2"/>
@@ -16723,21 +16265,6 @@
               </a:rPr>
               <a:t>2</a:t>
             </a:r>
-            <a:endParaRPr lang="en-US" sz="5400" b="1" cap="none" spc="0" dirty="0">
-              <a:ln w="22225">
-                <a:solidFill>
-                  <a:schemeClr val="accent2"/>
-                </a:solidFill>
-                <a:prstDash val="solid"/>
-              </a:ln>
-              <a:solidFill>
-                <a:schemeClr val="accent2">
-                  <a:lumMod val="40000"/>
-                  <a:lumOff val="60000"/>
-                </a:schemeClr>
-              </a:solidFill>
-              <a:effectLst/>
-            </a:endParaRPr>
           </a:p>
         </p:txBody>
       </p:sp>
@@ -16765,7 +16292,7 @@
           <a:p>
             <a:pPr algn="ctr"/>
             <a:r>
-              <a:rPr lang="en-US" sz="5400" b="1" cap="none" spc="0" dirty="0" smtClean="0">
+              <a:rPr lang="en-US" sz="5400" b="1" cap="none" spc="0" dirty="0">
                 <a:ln w="22225">
                   <a:solidFill>
                     <a:schemeClr val="accent2"/>
@@ -16782,21 +16309,6 @@
               </a:rPr>
               <a:t>3</a:t>
             </a:r>
-            <a:endParaRPr lang="en-US" sz="5400" b="1" cap="none" spc="0" dirty="0">
-              <a:ln w="22225">
-                <a:solidFill>
-                  <a:schemeClr val="accent2"/>
-                </a:solidFill>
-                <a:prstDash val="solid"/>
-              </a:ln>
-              <a:solidFill>
-                <a:schemeClr val="accent2">
-                  <a:lumMod val="40000"/>
-                  <a:lumOff val="60000"/>
-                </a:schemeClr>
-              </a:solidFill>
-              <a:effectLst/>
-            </a:endParaRPr>
           </a:p>
         </p:txBody>
       </p:sp>
@@ -16824,7 +16336,7 @@
           <a:p>
             <a:pPr algn="ctr"/>
             <a:r>
-              <a:rPr lang="en-US" sz="5400" b="1" cap="none" spc="0" dirty="0" smtClean="0">
+              <a:rPr lang="en-US" sz="5400" b="1" cap="none" spc="0" dirty="0">
                 <a:ln w="22225">
                   <a:solidFill>
                     <a:schemeClr val="accent2"/>
@@ -16841,21 +16353,6 @@
               </a:rPr>
               <a:t>4</a:t>
             </a:r>
-            <a:endParaRPr lang="en-US" sz="5400" b="1" cap="none" spc="0" dirty="0">
-              <a:ln w="22225">
-                <a:solidFill>
-                  <a:schemeClr val="accent2"/>
-                </a:solidFill>
-                <a:prstDash val="solid"/>
-              </a:ln>
-              <a:solidFill>
-                <a:schemeClr val="accent2">
-                  <a:lumMod val="40000"/>
-                  <a:lumOff val="60000"/>
-                </a:schemeClr>
-              </a:solidFill>
-              <a:effectLst/>
-            </a:endParaRPr>
           </a:p>
         </p:txBody>
       </p:sp>
@@ -16869,21 +16366,6 @@
   <p:clrMapOvr>
     <a:masterClrMapping/>
   </p:clrMapOvr>
-  <mc:AlternateContent xmlns:mc="http://schemas.openxmlformats.org/markup-compatibility/2006">
-    <mc:Choice xmlns:p14="http://schemas.microsoft.com/office/powerpoint/2010/main" Requires="p14">
-      <p:transition spd="slow" p14:dur="2000"/>
-    </mc:Choice>
-    <mc:Fallback>
-      <p:transition spd="slow"/>
-    </mc:Fallback>
-  </mc:AlternateContent>
-  <p:timing>
-    <p:tnLst>
-      <p:par>
-        <p:cTn id="1" dur="indefinite" restart="never" nodeType="tmRoot"/>
-      </p:par>
-    </p:tnLst>
-  </p:timing>
 </p:sld>
 </file>
 
@@ -17022,13 +16504,6 @@
   <p:clrMapOvr>
     <a:masterClrMapping/>
   </p:clrMapOvr>
-  <p:timing>
-    <p:tnLst>
-      <p:par>
-        <p:cTn id="1" dur="indefinite" restart="never" nodeType="tmRoot"/>
-      </p:par>
-    </p:tnLst>
-  </p:timing>
 </p:sld>
 </file>
 
@@ -17185,13 +16660,6 @@
   <p:clrMapOvr>
     <a:masterClrMapping/>
   </p:clrMapOvr>
-  <p:timing>
-    <p:tnLst>
-      <p:par>
-        <p:cTn id="1" dur="indefinite" restart="never" nodeType="tmRoot"/>
-      </p:par>
-    </p:tnLst>
-  </p:timing>
 </p:sld>
 </file>
 
@@ -17287,13 +16755,6 @@
   <p:clrMapOvr>
     <a:masterClrMapping/>
   </p:clrMapOvr>
-  <p:timing>
-    <p:tnLst>
-      <p:par>
-        <p:cTn id="1" dur="indefinite" restart="never" nodeType="tmRoot"/>
-      </p:par>
-    </p:tnLst>
-  </p:timing>
 </p:sld>
 </file>
 
@@ -17367,32 +16828,14 @@
           <a:p>
             <a:r>
               <a:rPr lang="en-US" dirty="0"/>
-              <a:t>Then use the code as an example to answer the Map quiz </a:t>
-            </a:r>
-            <a:r>
-              <a:rPr lang="en-US" dirty="0" smtClean="0"/>
-              <a:t>questions </a:t>
-            </a:r>
-            <a:r>
-              <a:rPr lang="en-US" dirty="0"/>
-              <a:t>(on Moodle</a:t>
-            </a:r>
-            <a:r>
-              <a:rPr lang="en-US" dirty="0" smtClean="0"/>
-              <a:t>)</a:t>
-            </a:r>
-            <a:endParaRPr lang="en-US" dirty="0"/>
-          </a:p>
-          <a:p>
-            <a:r>
-              <a:rPr lang="en-US" dirty="0"/>
-              <a:t>Then solve the map problems in today’s </a:t>
-            </a:r>
-            <a:r>
-              <a:rPr lang="en-US" dirty="0" smtClean="0"/>
-              <a:t>code</a:t>
-            </a:r>
-            <a:endParaRPr lang="en-US" dirty="0"/>
+              <a:t>Then use the code as an example to answer the Map quiz questions (on Moodle)</a:t>
+            </a:r>
+          </a:p>
+          <a:p>
+            <a:r>
+              <a:rPr lang="en-US" dirty="0"/>
+              <a:t>Then solve the map problems in today’s code</a:t>
+            </a:r>
           </a:p>
         </p:txBody>
       </p:sp>
@@ -17406,21 +16849,6 @@
   <p:clrMapOvr>
     <a:masterClrMapping/>
   </p:clrMapOvr>
-  <mc:AlternateContent xmlns:mc="http://schemas.openxmlformats.org/markup-compatibility/2006">
-    <mc:Choice xmlns:p14="http://schemas.microsoft.com/office/powerpoint/2010/main" Requires="p14">
-      <p:transition spd="slow" p14:dur="2000"/>
-    </mc:Choice>
-    <mc:Fallback>
-      <p:transition spd="slow"/>
-    </mc:Fallback>
-  </mc:AlternateContent>
-  <p:timing>
-    <p:tnLst>
-      <p:par>
-        <p:cTn id="1" dur="indefinite" restart="never" nodeType="tmRoot"/>
-      </p:par>
-    </p:tnLst>
-  </p:timing>
 </p:sld>
 </file>
 
@@ -17481,28 +16909,8 @@
           <a:lstStyle/>
           <a:p>
             <a:r>
-              <a:rPr lang="en-US" dirty="0" smtClean="0"/>
-              <a:t>Read </a:t>
-            </a:r>
-            <a:r>
-              <a:rPr lang="en-US" dirty="0"/>
-              <a:t>through the 3 Map sample problems </a:t>
-            </a:r>
-            <a:r>
-              <a:rPr lang="en-US" dirty="0" smtClean="0"/>
-              <a:t>and </a:t>
-            </a:r>
-            <a:r>
-              <a:rPr lang="en-US" dirty="0"/>
-              <a:t>make sure you </a:t>
-            </a:r>
-            <a:r>
-              <a:rPr lang="en-US" dirty="0" smtClean="0"/>
-              <a:t>understand </a:t>
-            </a:r>
-            <a:r>
-              <a:rPr lang="en-US" dirty="0"/>
-              <a:t>how they work</a:t>
+              <a:rPr lang="en-US" dirty="0"/>
+              <a:t>Read through the 3 Map sample problems and make sure you understand how they work</a:t>
             </a:r>
           </a:p>
           <a:p>
@@ -17549,13 +16957,6 @@
   <p:clrMapOvr>
     <a:masterClrMapping/>
   </p:clrMapOvr>
-  <p:timing>
-    <p:tnLst>
-      <p:par>
-        <p:cTn id="1" dur="indefinite" restart="never" nodeType="tmRoot"/>
-      </p:par>
-    </p:tnLst>
-  </p:timing>
 </p:sld>
 </file>
 
@@ -17599,10 +17000,9 @@
           <a:lstStyle/>
           <a:p>
             <a:r>
-              <a:rPr lang="en-US" dirty="0" smtClean="0"/>
+              <a:rPr lang="en-US" dirty="0"/>
               <a:t>Screenshots</a:t>
             </a:r>
-            <a:endParaRPr lang="en-US" dirty="0"/>
           </a:p>
         </p:txBody>
       </p:sp>
@@ -17961,21 +17361,6 @@
   <p:clrMapOvr>
     <a:masterClrMapping/>
   </p:clrMapOvr>
-  <mc:AlternateContent xmlns:mc="http://schemas.openxmlformats.org/markup-compatibility/2006">
-    <mc:Choice xmlns:p14="http://schemas.microsoft.com/office/powerpoint/2010/main" Requires="p14">
-      <p:transition spd="slow" p14:dur="2000"/>
-    </mc:Choice>
-    <mc:Fallback>
-      <p:transition spd="slow"/>
-    </mc:Fallback>
-  </mc:AlternateContent>
-  <p:timing>
-    <p:tnLst>
-      <p:par>
-        <p:cTn id="1" dur="indefinite" restart="never" nodeType="tmRoot"/>
-      </p:par>
-    </p:tnLst>
-  </p:timing>
 </p:sld>
 </file>
 
@@ -18014,14 +17399,13 @@
           <a:lstStyle/>
           <a:p>
             <a:r>
-              <a:rPr lang="en-US" dirty="0" err="1" smtClean="0"/>
+              <a:rPr lang="en-US" dirty="0" err="1"/>
               <a:t>HashMap</a:t>
             </a:r>
             <a:r>
-              <a:rPr lang="en-US" dirty="0" smtClean="0"/>
+              <a:rPr lang="en-US" dirty="0"/>
               <a:t> with collections  as values</a:t>
             </a:r>
-            <a:endParaRPr lang="en-US" dirty="0"/>
           </a:p>
         </p:txBody>
       </p:sp>
@@ -18051,7 +17435,7 @@
               <a:buNone/>
             </a:pPr>
             <a:r>
-              <a:rPr lang="en-US" dirty="0" smtClean="0"/>
+              <a:rPr lang="en-US" dirty="0"/>
               <a:t>What if we wanted to make a mini-social network…</a:t>
             </a:r>
           </a:p>
@@ -18060,7 +17444,7 @@
               <a:buNone/>
             </a:pPr>
             <a:r>
-              <a:rPr lang="en-US" dirty="0" smtClean="0"/>
+              <a:rPr lang="en-US" dirty="0"/>
               <a:t>Keep track of each student’s (username) friend list?</a:t>
             </a:r>
           </a:p>
@@ -18069,39 +17453,38 @@
               <a:buNone/>
             </a:pPr>
             <a:r>
-              <a:rPr lang="en-US" dirty="0" smtClean="0"/>
+              <a:rPr lang="en-US" dirty="0"/>
               <a:t>How could we store that information?</a:t>
             </a:r>
           </a:p>
           <a:p>
-            <a:endParaRPr lang="en-US" dirty="0" smtClean="0"/>
-          </a:p>
-          <a:p>
-            <a:r>
-              <a:rPr lang="en-US" dirty="0" err="1" smtClean="0"/>
+            <a:endParaRPr lang="en-US" dirty="0"/>
+          </a:p>
+          <a:p>
+            <a:r>
+              <a:rPr lang="en-US" dirty="0" err="1"/>
               <a:t>HashMap</a:t>
             </a:r>
             <a:r>
-              <a:rPr lang="en-US" dirty="0" smtClean="0"/>
+              <a:rPr lang="en-US" dirty="0"/>
               <a:t>?</a:t>
             </a:r>
           </a:p>
           <a:p>
             <a:r>
-              <a:rPr lang="en-US" dirty="0" smtClean="0"/>
+              <a:rPr lang="en-US" dirty="0"/>
               <a:t>Type of key?</a:t>
             </a:r>
           </a:p>
           <a:p>
             <a:r>
-              <a:rPr lang="en-US" dirty="0" smtClean="0"/>
+              <a:rPr lang="en-US" dirty="0"/>
               <a:t>Type of value?</a:t>
             </a:r>
-            <a:endParaRPr lang="en-US" dirty="0"/>
-          </a:p>
-          <a:p>
-            <a:r>
-              <a:rPr lang="en-US" dirty="0" smtClean="0"/>
+          </a:p>
+          <a:p>
+            <a:r>
+              <a:rPr lang="en-US" dirty="0"/>
               <a:t>Code?</a:t>
             </a:r>
           </a:p>
@@ -18109,7 +17492,7 @@
             <a:pPr marL="0" indent="0">
               <a:buNone/>
             </a:pPr>
-            <a:endParaRPr lang="en-US" sz="2000" dirty="0" smtClean="0">
+            <a:endParaRPr lang="en-US" sz="2000" dirty="0">
               <a:latin typeface="Consolas" panose="020B0609020204030204" pitchFamily="49" charset="0"/>
             </a:endParaRPr>
           </a:p>
@@ -18420,10 +17803,9 @@
                     <a:lstStyle/>
                     <a:p>
                       <a:r>
-                        <a:rPr lang="en-US" dirty="0" smtClean="0"/>
+                        <a:rPr lang="en-US" dirty="0"/>
                         <a:t>Keys  (String)</a:t>
                       </a:r>
-                      <a:endParaRPr lang="en-US" dirty="0"/>
                     </a:p>
                   </a:txBody>
                   <a:tcPr/>
@@ -18434,19 +17816,19 @@
                     <a:lstStyle/>
                     <a:p>
                       <a:r>
-                        <a:rPr lang="en-US" dirty="0" smtClean="0"/>
+                        <a:rPr lang="en-US" dirty="0"/>
                         <a:t>Values  (</a:t>
                       </a:r>
                       <a:r>
-                        <a:rPr lang="en-US" dirty="0" err="1" smtClean="0"/>
+                        <a:rPr lang="en-US" dirty="0" err="1"/>
                         <a:t>ArrayList</a:t>
                       </a:r>
                       <a:r>
-                        <a:rPr lang="en-US" dirty="0" smtClean="0"/>
+                        <a:rPr lang="en-US" dirty="0"/>
                         <a:t>&lt;String&gt;</a:t>
                       </a:r>
                       <a:r>
-                        <a:rPr lang="en-US" baseline="0" dirty="0" smtClean="0"/>
+                        <a:rPr lang="en-US" baseline="0" dirty="0"/>
                         <a:t> )</a:t>
                       </a:r>
                       <a:endParaRPr lang="en-US" dirty="0"/>
@@ -18563,14 +17945,13 @@
           <a:lstStyle/>
           <a:p>
             <a:r>
-              <a:rPr lang="en-US" dirty="0" err="1" smtClean="0"/>
+              <a:rPr lang="en-US" dirty="0" err="1"/>
               <a:t>HashMap</a:t>
             </a:r>
             <a:r>
-              <a:rPr lang="en-US" dirty="0" smtClean="0"/>
+              <a:rPr lang="en-US" dirty="0"/>
               <a:t> with collections  as values</a:t>
             </a:r>
-            <a:endParaRPr lang="en-US" dirty="0"/>
           </a:p>
         </p:txBody>
       </p:sp>
@@ -18624,20 +18005,17 @@
               <a:t>&lt;String&gt;&gt; </a:t>
             </a:r>
             <a:r>
-              <a:rPr lang="en-US" sz="2400" dirty="0" err="1" smtClean="0">
+              <a:rPr lang="en-US" sz="2400" dirty="0" err="1">
                 <a:latin typeface="Consolas" panose="020B0609020204030204" pitchFamily="49" charset="0"/>
               </a:rPr>
               <a:t>friendMap</a:t>
             </a:r>
             <a:r>
-              <a:rPr lang="en-US" sz="2400" dirty="0" smtClean="0">
+              <a:rPr lang="en-US" sz="2400" dirty="0">
                 <a:latin typeface="Consolas" panose="020B0609020204030204" pitchFamily="49" charset="0"/>
               </a:rPr>
               <a:t>;</a:t>
             </a:r>
-            <a:endParaRPr lang="en-US" sz="2400" dirty="0">
-              <a:latin typeface="Consolas" panose="020B0609020204030204" pitchFamily="49" charset="0"/>
-            </a:endParaRPr>
           </a:p>
           <a:p>
             <a:pPr marL="0" indent="0">
@@ -18720,9 +18098,6 @@
               </a:rPr>
               <a:t>&gt;();</a:t>
             </a:r>
-            <a:endParaRPr lang="en-US" sz="2400" dirty="0">
-              <a:latin typeface="Consolas" panose="020B0609020204030204" pitchFamily="49" charset="0"/>
-            </a:endParaRPr>
           </a:p>
           <a:p>
             <a:pPr marL="0" indent="0">
@@ -18758,40 +18133,28 @@
               <a:buNone/>
             </a:pPr>
             <a:r>
-              <a:rPr lang="en-US" sz="2400" dirty="0" err="1" smtClean="0">
+              <a:rPr lang="en-US" sz="2400" dirty="0" err="1">
                 <a:latin typeface="Consolas" panose="020B0609020204030204" pitchFamily="49" charset="0"/>
               </a:rPr>
               <a:t>ArrayList</a:t>
             </a:r>
             <a:r>
-              <a:rPr lang="en-US" sz="2400" dirty="0" smtClean="0">
-                <a:latin typeface="Consolas" panose="020B0609020204030204" pitchFamily="49" charset="0"/>
-              </a:rPr>
-              <a:t>&lt;String</a:t>
-            </a:r>
-            <a:r>
               <a:rPr lang="en-US" sz="2400" dirty="0">
                 <a:latin typeface="Consolas" panose="020B0609020204030204" pitchFamily="49" charset="0"/>
               </a:rPr>
-              <a:t>&gt; </a:t>
-            </a:r>
-            <a:r>
-              <a:rPr lang="en-US" sz="2400" dirty="0" err="1" smtClean="0">
+              <a:t>&lt;String&gt; </a:t>
+            </a:r>
+            <a:r>
+              <a:rPr lang="en-US" sz="2400" dirty="0" err="1">
                 <a:latin typeface="Consolas" panose="020B0609020204030204" pitchFamily="49" charset="0"/>
               </a:rPr>
               <a:t>jasonsFriends</a:t>
             </a:r>
             <a:r>
-              <a:rPr lang="en-US" sz="2400" dirty="0" smtClean="0">
-                <a:latin typeface="Consolas" panose="020B0609020204030204" pitchFamily="49" charset="0"/>
-              </a:rPr>
-              <a:t> </a:t>
-            </a:r>
-            <a:r>
               <a:rPr lang="en-US" sz="2400" dirty="0">
                 <a:latin typeface="Consolas" panose="020B0609020204030204" pitchFamily="49" charset="0"/>
               </a:rPr>
-              <a:t>= </a:t>
+              <a:t> = </a:t>
             </a:r>
             <a:r>
               <a:rPr lang="en-US" sz="2400" dirty="0" err="1">
@@ -18811,7 +18174,7 @@
               <a:buNone/>
             </a:pPr>
             <a:r>
-              <a:rPr lang="en-US" sz="2400" dirty="0" err="1" smtClean="0">
+              <a:rPr lang="en-US" sz="2400" dirty="0" err="1">
                 <a:latin typeface="Consolas" panose="020B0609020204030204" pitchFamily="49" charset="0"/>
               </a:rPr>
               <a:t>jasonsFriends.add</a:t>
@@ -18828,7 +18191,7 @@
               <a:buNone/>
             </a:pPr>
             <a:r>
-              <a:rPr lang="en-US" sz="2400" dirty="0" err="1" smtClean="0">
+              <a:rPr lang="en-US" sz="2400" dirty="0" err="1">
                 <a:latin typeface="Consolas" panose="020B0609020204030204" pitchFamily="49" charset="0"/>
               </a:rPr>
               <a:t>friendMap.get</a:t>
@@ -18845,7 +18208,7 @@
               <a:buNone/>
             </a:pPr>
             <a:r>
-              <a:rPr lang="en-US" sz="2400" dirty="0" err="1" smtClean="0">
+              <a:rPr lang="en-US" sz="2400" dirty="0" err="1">
                 <a:latin typeface="Consolas" panose="020B0609020204030204" pitchFamily="49" charset="0"/>
               </a:rPr>
               <a:t>friendMap.get</a:t>
@@ -18861,7 +18224,7 @@
             <a:pPr marL="0" indent="0">
               <a:buNone/>
             </a:pPr>
-            <a:endParaRPr lang="en-US" sz="2400" dirty="0" smtClean="0">
+            <a:endParaRPr lang="en-US" sz="2400" dirty="0">
               <a:latin typeface="Consolas" panose="020B0609020204030204" pitchFamily="49" charset="0"/>
             </a:endParaRPr>
           </a:p>
@@ -18869,7 +18232,7 @@
             <a:pPr marL="0" indent="0">
               <a:buNone/>
             </a:pPr>
-            <a:endParaRPr lang="en-US" sz="2400" dirty="0" smtClean="0">
+            <a:endParaRPr lang="en-US" sz="2400" dirty="0">
               <a:latin typeface="Consolas" panose="020B0609020204030204" pitchFamily="49" charset="0"/>
             </a:endParaRPr>
           </a:p>
@@ -18916,10 +18279,9 @@
                     <a:lstStyle/>
                     <a:p>
                       <a:r>
-                        <a:rPr lang="en-US" dirty="0" smtClean="0"/>
+                        <a:rPr lang="en-US" dirty="0"/>
                         <a:t>Keys  (String)</a:t>
                       </a:r>
-                      <a:endParaRPr lang="en-US" dirty="0"/>
                     </a:p>
                   </a:txBody>
                   <a:tcPr/>
@@ -18930,19 +18292,19 @@
                     <a:lstStyle/>
                     <a:p>
                       <a:r>
-                        <a:rPr lang="en-US" dirty="0" smtClean="0"/>
+                        <a:rPr lang="en-US" dirty="0"/>
                         <a:t>Values  (</a:t>
                       </a:r>
                       <a:r>
-                        <a:rPr lang="en-US" dirty="0" err="1" smtClean="0"/>
+                        <a:rPr lang="en-US" dirty="0" err="1"/>
                         <a:t>ArrayList</a:t>
                       </a:r>
                       <a:r>
-                        <a:rPr lang="en-US" dirty="0" smtClean="0"/>
+                        <a:rPr lang="en-US" dirty="0"/>
                         <a:t>&lt;String&gt;</a:t>
                       </a:r>
                       <a:r>
-                        <a:rPr lang="en-US" baseline="0" dirty="0" smtClean="0"/>
+                        <a:rPr lang="en-US" baseline="0" dirty="0"/>
                         <a:t> )</a:t>
                       </a:r>
                       <a:endParaRPr lang="en-US" dirty="0"/>
@@ -18963,10 +18325,9 @@
                     <a:lstStyle/>
                     <a:p>
                       <a:r>
-                        <a:rPr lang="en-US" dirty="0" smtClean="0"/>
+                        <a:rPr lang="en-US" dirty="0"/>
                         <a:t>Jason</a:t>
                       </a:r>
-                      <a:endParaRPr lang="en-US" dirty="0"/>
                     </a:p>
                   </a:txBody>
                   <a:tcPr/>
@@ -18977,10 +18338,9 @@
                     <a:lstStyle/>
                     <a:p>
                       <a:r>
-                        <a:rPr lang="en-US" dirty="0" smtClean="0"/>
+                        <a:rPr lang="en-US" dirty="0"/>
                         <a:t>[]</a:t>
                       </a:r>
-                      <a:endParaRPr lang="en-US" dirty="0"/>
                     </a:p>
                   </a:txBody>
                   <a:tcPr/>
@@ -19117,18 +18477,17 @@
           <a:lstStyle/>
           <a:p>
             <a:r>
-              <a:rPr lang="en-US" dirty="0" smtClean="0"/>
+              <a:rPr lang="en-US" dirty="0"/>
               <a:t>NULL POINTER EXCEPTION: </a:t>
             </a:r>
             <a:r>
-              <a:rPr lang="en-US" dirty="0" err="1" smtClean="0"/>
+              <a:rPr lang="en-US" dirty="0" err="1"/>
               <a:t>friendMap</a:t>
             </a:r>
             <a:r>
-              <a:rPr lang="en-US" dirty="0" smtClean="0"/>
+              <a:rPr lang="en-US" dirty="0"/>
               <a:t> is null</a:t>
             </a:r>
-            <a:endParaRPr lang="en-US" dirty="0"/>
           </a:p>
         </p:txBody>
       </p:sp>
@@ -19200,7 +18559,7 @@
           <a:lstStyle/>
           <a:p>
             <a:r>
-              <a:rPr lang="en-US" dirty="0" smtClean="0"/>
+              <a:rPr lang="en-US" dirty="0"/>
               <a:t>NULL POINTER EXCEPTION: </a:t>
             </a:r>
             <a:r>
@@ -19216,10 +18575,9 @@
               <a:t>("JP")</a:t>
             </a:r>
             <a:r>
-              <a:rPr lang="en-US" dirty="0" smtClean="0"/>
+              <a:rPr lang="en-US" dirty="0"/>
               <a:t> is null</a:t>
             </a:r>
-            <a:endParaRPr lang="en-US" dirty="0"/>
           </a:p>
         </p:txBody>
       </p:sp>
@@ -19304,10 +18662,9 @@
                     <a:lstStyle/>
                     <a:p>
                       <a:r>
-                        <a:rPr lang="en-US" dirty="0" smtClean="0"/>
+                        <a:rPr lang="en-US" dirty="0"/>
                         <a:t>Keys  (String)</a:t>
                       </a:r>
-                      <a:endParaRPr lang="en-US" dirty="0"/>
                     </a:p>
                   </a:txBody>
                   <a:tcPr/>
@@ -19318,19 +18675,19 @@
                     <a:lstStyle/>
                     <a:p>
                       <a:r>
-                        <a:rPr lang="en-US" dirty="0" smtClean="0"/>
+                        <a:rPr lang="en-US" dirty="0"/>
                         <a:t>Values  (</a:t>
                       </a:r>
                       <a:r>
-                        <a:rPr lang="en-US" dirty="0" err="1" smtClean="0"/>
+                        <a:rPr lang="en-US" dirty="0" err="1"/>
                         <a:t>ArrayList</a:t>
                       </a:r>
                       <a:r>
-                        <a:rPr lang="en-US" dirty="0" smtClean="0"/>
+                        <a:rPr lang="en-US" dirty="0"/>
                         <a:t>&lt;String&gt;</a:t>
                       </a:r>
                       <a:r>
-                        <a:rPr lang="en-US" baseline="0" dirty="0" smtClean="0"/>
+                        <a:rPr lang="en-US" baseline="0" dirty="0"/>
                         <a:t> )</a:t>
                       </a:r>
                       <a:endParaRPr lang="en-US" dirty="0"/>
@@ -19351,10 +18708,9 @@
                     <a:lstStyle/>
                     <a:p>
                       <a:r>
-                        <a:rPr lang="en-US" dirty="0" smtClean="0"/>
+                        <a:rPr lang="en-US" dirty="0"/>
                         <a:t>Jason</a:t>
                       </a:r>
-                      <a:endParaRPr lang="en-US" dirty="0"/>
                     </a:p>
                   </a:txBody>
                   <a:tcPr/>
@@ -19365,10 +18721,9 @@
                     <a:lstStyle/>
                     <a:p>
                       <a:r>
-                        <a:rPr lang="en-US" dirty="0" smtClean="0"/>
+                        <a:rPr lang="en-US" dirty="0"/>
                         <a:t>[Aaron]</a:t>
                       </a:r>
-                      <a:endParaRPr lang="en-US" dirty="0"/>
                     </a:p>
                   </a:txBody>
                   <a:tcPr/>
@@ -19478,10 +18833,9 @@
                     <a:lstStyle/>
                     <a:p>
                       <a:r>
-                        <a:rPr lang="en-US" dirty="0" smtClean="0"/>
+                        <a:rPr lang="en-US" dirty="0"/>
                         <a:t>Keys  (String)</a:t>
                       </a:r>
-                      <a:endParaRPr lang="en-US" dirty="0"/>
                     </a:p>
                   </a:txBody>
                   <a:tcPr/>
@@ -19492,19 +18846,19 @@
                     <a:lstStyle/>
                     <a:p>
                       <a:r>
-                        <a:rPr lang="en-US" dirty="0" smtClean="0"/>
+                        <a:rPr lang="en-US" dirty="0"/>
                         <a:t>Values  (</a:t>
                       </a:r>
                       <a:r>
-                        <a:rPr lang="en-US" dirty="0" err="1" smtClean="0"/>
+                        <a:rPr lang="en-US" dirty="0" err="1"/>
                         <a:t>ArrayList</a:t>
                       </a:r>
                       <a:r>
-                        <a:rPr lang="en-US" dirty="0" smtClean="0"/>
+                        <a:rPr lang="en-US" dirty="0"/>
                         <a:t>&lt;String&gt;</a:t>
                       </a:r>
                       <a:r>
-                        <a:rPr lang="en-US" baseline="0" dirty="0" smtClean="0"/>
+                        <a:rPr lang="en-US" baseline="0" dirty="0"/>
                         <a:t> )</a:t>
                       </a:r>
                       <a:endParaRPr lang="en-US" dirty="0"/>
@@ -19525,10 +18879,9 @@
                     <a:lstStyle/>
                     <a:p>
                       <a:r>
-                        <a:rPr lang="en-US" dirty="0" smtClean="0"/>
+                        <a:rPr lang="en-US" dirty="0"/>
                         <a:t>Jason</a:t>
                       </a:r>
-                      <a:endParaRPr lang="en-US" dirty="0"/>
                     </a:p>
                   </a:txBody>
                   <a:tcPr/>
@@ -19539,10 +18892,9 @@
                     <a:lstStyle/>
                     <a:p>
                       <a:r>
-                        <a:rPr lang="en-US" dirty="0" smtClean="0"/>
+                        <a:rPr lang="en-US" dirty="0"/>
                         <a:t>[Aaron, JP]</a:t>
                       </a:r>
-                      <a:endParaRPr lang="en-US" dirty="0"/>
                     </a:p>
                   </a:txBody>
                   <a:tcPr/>
@@ -20438,10 +19790,9 @@
           <a:lstStyle/>
           <a:p>
             <a:r>
-              <a:rPr lang="en-US" dirty="0" smtClean="0"/>
+              <a:rPr lang="en-US" dirty="0"/>
               <a:t>Reminder: Questions from Today</a:t>
             </a:r>
-            <a:endParaRPr lang="en-US" dirty="0"/>
           </a:p>
         </p:txBody>
       </p:sp>
@@ -20494,13 +19845,6 @@
   <p:clrMapOvr>
     <a:masterClrMapping/>
   </p:clrMapOvr>
-  <p:timing>
-    <p:tnLst>
-      <p:par>
-        <p:cTn id="1" dur="indefinite" restart="never" nodeType="tmRoot"/>
-      </p:par>
-    </p:tnLst>
-  </p:timing>
 </p:sld>
 </file>
 
@@ -20562,21 +19906,13 @@
           <a:p>
             <a:r>
               <a:rPr lang="en-US" dirty="0"/>
-              <a:t>Questions: Post to </a:t>
-            </a:r>
-            <a:r>
-              <a:rPr lang="en-US" dirty="0" smtClean="0"/>
-              <a:t>Piazza</a:t>
-            </a:r>
-          </a:p>
-          <a:p>
-            <a:r>
-              <a:rPr lang="en-US" dirty="0" smtClean="0"/>
-              <a:t>Academic </a:t>
-            </a:r>
-            <a:r>
-              <a:rPr lang="en-US" dirty="0"/>
-              <a:t>Honesty</a:t>
+              <a:t>Questions: Post to Piazza</a:t>
+            </a:r>
+          </a:p>
+          <a:p>
+            <a:r>
+              <a:rPr lang="en-US" dirty="0"/>
+              <a:t>Academic Honesty</a:t>
             </a:r>
           </a:p>
           <a:p>
@@ -20587,18 +19923,18 @@
           </a:p>
           <a:p>
             <a:r>
-              <a:rPr lang="en-US" dirty="0" smtClean="0"/>
+              <a:rPr lang="en-US" dirty="0"/>
               <a:t>Review:</a:t>
             </a:r>
           </a:p>
           <a:p>
             <a:pPr lvl="1"/>
             <a:r>
-              <a:rPr lang="en-US" dirty="0" smtClean="0"/>
+              <a:rPr lang="en-US" dirty="0"/>
               <a:t>Coding </a:t>
             </a:r>
             <a:r>
-              <a:rPr lang="en-US" dirty="0" err="1" smtClean="0"/>
+              <a:rPr lang="en-US" dirty="0" err="1"/>
               <a:t>Gotchas</a:t>
             </a:r>
             <a:endParaRPr lang="en-US" dirty="0"/>
@@ -20634,13 +19970,6 @@
   <p:clrMapOvr>
     <a:masterClrMapping/>
   </p:clrMapOvr>
-  <p:timing>
-    <p:tnLst>
-      <p:par>
-        <p:cTn id="1" dur="indefinite" restart="never" nodeType="tmRoot"/>
-      </p:par>
-    </p:tnLst>
-  </p:timing>
 </p:sld>
 </file>
 
@@ -20682,10 +20011,9 @@
           <a:lstStyle/>
           <a:p>
             <a:r>
-              <a:rPr lang="en-US" dirty="0" smtClean="0"/>
+              <a:rPr lang="en-US" dirty="0"/>
               <a:t>Questions: Post to Piazza</a:t>
             </a:r>
-            <a:endParaRPr lang="en-US" dirty="0"/>
           </a:p>
         </p:txBody>
       </p:sp>
@@ -20712,11 +20040,11 @@
           <a:lstStyle/>
           <a:p>
             <a:r>
-              <a:rPr lang="en-US" dirty="0" smtClean="0"/>
+              <a:rPr lang="en-US" dirty="0"/>
               <a:t>PLEASE </a:t>
             </a:r>
             <a:r>
-              <a:rPr lang="en-US" u="sng" dirty="0" smtClean="0"/>
+              <a:rPr lang="en-US" u="sng" dirty="0"/>
               <a:t>Post All Questions to Piazza</a:t>
             </a:r>
           </a:p>
@@ -20760,7 +20088,7 @@
           </a:p>
           <a:p>
             <a:pPr lvl="1"/>
-            <a:endParaRPr lang="en-US" dirty="0" smtClean="0"/>
+            <a:endParaRPr lang="en-US" dirty="0"/>
           </a:p>
           <a:p>
             <a:pPr lvl="1"/>
@@ -20768,48 +20096,39 @@
           </a:p>
           <a:p>
             <a:pPr lvl="1"/>
-            <a:endParaRPr lang="en-US" dirty="0" smtClean="0"/>
-          </a:p>
-          <a:p>
-            <a:pPr lvl="1"/>
-            <a:endParaRPr lang="en-US" dirty="0" smtClean="0"/>
+            <a:endParaRPr lang="en-US" dirty="0"/>
           </a:p>
           <a:p>
             <a:pPr lvl="1"/>
             <a:endParaRPr lang="en-US" dirty="0"/>
           </a:p>
           <a:p>
-            <a:r>
-              <a:rPr lang="en-US" dirty="0" smtClean="0"/>
+            <a:pPr lvl="1"/>
+            <a:endParaRPr lang="en-US" dirty="0"/>
+          </a:p>
+          <a:p>
+            <a:r>
+              <a:rPr lang="en-US" dirty="0"/>
               <a:t>Otherwise: please post questions and look to help </a:t>
             </a:r>
             <a:r>
-              <a:rPr lang="en-US" i="1" u="sng" dirty="0" smtClean="0"/>
+              <a:rPr lang="en-US" i="1" u="sng" dirty="0"/>
               <a:t>provide hints</a:t>
             </a:r>
             <a:r>
-              <a:rPr lang="en-US" i="1" dirty="0" smtClean="0"/>
+              <a:rPr lang="en-US" i="1" dirty="0"/>
               <a:t> </a:t>
             </a:r>
             <a:r>
-              <a:rPr lang="en-US" dirty="0" smtClean="0"/>
+              <a:rPr lang="en-US" dirty="0"/>
               <a:t>to other students </a:t>
             </a:r>
           </a:p>
           <a:p>
             <a:r>
-              <a:rPr lang="en-US" dirty="0" smtClean="0"/>
-              <a:t>Collaborative (i.e. </a:t>
-            </a:r>
-            <a:r>
-              <a:rPr lang="en-US" dirty="0" smtClean="0"/>
-              <a:t>in-class activities)</a:t>
-            </a:r>
-            <a:r>
-              <a:rPr lang="en-US" dirty="0" smtClean="0"/>
-              <a:t> or if you don’t have to post code to ask the question</a:t>
-            </a:r>
-            <a:endParaRPr lang="en-US" dirty="0"/>
+              <a:rPr lang="en-US" dirty="0"/>
+              <a:t>Collaborative (i.e. in-class activities) or if you don’t have to post code to ask the question</a:t>
+            </a:r>
           </a:p>
         </p:txBody>
       </p:sp>
@@ -20928,13 +20247,6 @@
   <p:clrMapOvr>
     <a:masterClrMapping/>
   </p:clrMapOvr>
-  <p:timing>
-    <p:tnLst>
-      <p:par>
-        <p:cTn id="1" dur="indefinite" restart="never" nodeType="tmRoot"/>
-      </p:par>
-    </p:tnLst>
-  </p:timing>
 </p:sld>
 </file>
 
@@ -20971,10 +20283,9 @@
           <a:lstStyle/>
           <a:p>
             <a:r>
-              <a:rPr lang="en-US" dirty="0" smtClean="0"/>
+              <a:rPr lang="en-US" dirty="0"/>
               <a:t>Quizzes</a:t>
             </a:r>
-            <a:endParaRPr lang="en-US" dirty="0"/>
           </a:p>
         </p:txBody>
       </p:sp>
@@ -20994,28 +20305,27 @@
           <a:lstStyle/>
           <a:p>
             <a:r>
-              <a:rPr lang="en-US" dirty="0" smtClean="0"/>
+              <a:rPr lang="en-US" dirty="0"/>
               <a:t>There will be an online quiz associated with almost every lecture</a:t>
             </a:r>
           </a:p>
           <a:p>
             <a:r>
-              <a:rPr lang="en-US" dirty="0" smtClean="0"/>
+              <a:rPr lang="en-US" dirty="0"/>
               <a:t>Available on Moodle</a:t>
             </a:r>
           </a:p>
           <a:p>
             <a:r>
-              <a:rPr lang="en-US" dirty="0" smtClean="0"/>
+              <a:rPr lang="en-US" dirty="0"/>
               <a:t>Must be completed by 11:55pm EST on the day of the lecture</a:t>
             </a:r>
           </a:p>
           <a:p>
             <a:r>
-              <a:rPr lang="en-US" dirty="0" smtClean="0"/>
+              <a:rPr lang="en-US" dirty="0"/>
               <a:t>You can post questions relating to this on Moodle even sharing your code</a:t>
             </a:r>
-            <a:endParaRPr lang="en-US" dirty="0"/>
           </a:p>
         </p:txBody>
       </p:sp>
@@ -21029,13 +20339,6 @@
   <p:clrMapOvr>
     <a:masterClrMapping/>
   </p:clrMapOvr>
-  <p:timing>
-    <p:tnLst>
-      <p:par>
-        <p:cTn id="1" dur="indefinite" restart="never" nodeType="tmRoot"/>
-      </p:par>
-    </p:tnLst>
-  </p:timing>
 </p:sld>
 </file>
 
@@ -21358,13 +20661,6 @@
   <p:clrMapOvr>
     <a:masterClrMapping/>
   </p:clrMapOvr>
-  <p:timing>
-    <p:tnLst>
-      <p:par>
-        <p:cTn id="1" dur="indefinite" restart="never" nodeType="tmRoot"/>
-      </p:par>
-    </p:tnLst>
-  </p:timing>
 </p:sld>
 </file>
 

--- a/ClassMaterials/2DArraysAndMaps/Slides/2D Arrays and Maps.pptx
+++ b/ClassMaterials/2DArraysAndMaps/Slides/2D Arrays and Maps.pptx
@@ -5,10 +5,10 @@
     <p:sldMasterId id="2147483927" r:id="rId1"/>
   </p:sldMasterIdLst>
   <p:notesMasterIdLst>
-    <p:notesMasterId r:id="rId54"/>
+    <p:notesMasterId r:id="rId58"/>
   </p:notesMasterIdLst>
   <p:handoutMasterIdLst>
-    <p:handoutMasterId r:id="rId55"/>
+    <p:handoutMasterId r:id="rId59"/>
   </p:handoutMasterIdLst>
   <p:sldIdLst>
     <p:sldId id="300" r:id="rId2"/>
@@ -24,45 +24,49 @@
     <p:sldId id="268" r:id="rId12"/>
     <p:sldId id="303" r:id="rId13"/>
     <p:sldId id="320" r:id="rId14"/>
-    <p:sldId id="270" r:id="rId15"/>
-    <p:sldId id="271" r:id="rId16"/>
-    <p:sldId id="272" r:id="rId17"/>
-    <p:sldId id="273" r:id="rId18"/>
-    <p:sldId id="259" r:id="rId19"/>
-    <p:sldId id="261" r:id="rId20"/>
-    <p:sldId id="274" r:id="rId21"/>
-    <p:sldId id="275" r:id="rId22"/>
-    <p:sldId id="276" r:id="rId23"/>
-    <p:sldId id="277" r:id="rId24"/>
-    <p:sldId id="278" r:id="rId25"/>
-    <p:sldId id="279" r:id="rId26"/>
-    <p:sldId id="280" r:id="rId27"/>
-    <p:sldId id="281" r:id="rId28"/>
-    <p:sldId id="282" r:id="rId29"/>
-    <p:sldId id="283" r:id="rId30"/>
-    <p:sldId id="284" r:id="rId31"/>
-    <p:sldId id="285" r:id="rId32"/>
-    <p:sldId id="286" r:id="rId33"/>
-    <p:sldId id="287" r:id="rId34"/>
-    <p:sldId id="288" r:id="rId35"/>
-    <p:sldId id="289" r:id="rId36"/>
-    <p:sldId id="290" r:id="rId37"/>
-    <p:sldId id="291" r:id="rId38"/>
-    <p:sldId id="292" r:id="rId39"/>
-    <p:sldId id="293" r:id="rId40"/>
-    <p:sldId id="294" r:id="rId41"/>
-    <p:sldId id="299" r:id="rId42"/>
-    <p:sldId id="257" r:id="rId43"/>
-    <p:sldId id="314" r:id="rId44"/>
-    <p:sldId id="315" r:id="rId45"/>
-    <p:sldId id="260" r:id="rId46"/>
-    <p:sldId id="263" r:id="rId47"/>
-    <p:sldId id="264" r:id="rId48"/>
-    <p:sldId id="258" r:id="rId49"/>
-    <p:sldId id="316" r:id="rId50"/>
-    <p:sldId id="304" r:id="rId51"/>
-    <p:sldId id="309" r:id="rId52"/>
-    <p:sldId id="317" r:id="rId53"/>
+    <p:sldId id="321" r:id="rId15"/>
+    <p:sldId id="322" r:id="rId16"/>
+    <p:sldId id="323" r:id="rId17"/>
+    <p:sldId id="324" r:id="rId18"/>
+    <p:sldId id="367" r:id="rId19"/>
+    <p:sldId id="259" r:id="rId20"/>
+    <p:sldId id="261" r:id="rId21"/>
+    <p:sldId id="274" r:id="rId22"/>
+    <p:sldId id="275" r:id="rId23"/>
+    <p:sldId id="276" r:id="rId24"/>
+    <p:sldId id="277" r:id="rId25"/>
+    <p:sldId id="278" r:id="rId26"/>
+    <p:sldId id="279" r:id="rId27"/>
+    <p:sldId id="280" r:id="rId28"/>
+    <p:sldId id="281" r:id="rId29"/>
+    <p:sldId id="282" r:id="rId30"/>
+    <p:sldId id="283" r:id="rId31"/>
+    <p:sldId id="284" r:id="rId32"/>
+    <p:sldId id="285" r:id="rId33"/>
+    <p:sldId id="286" r:id="rId34"/>
+    <p:sldId id="287" r:id="rId35"/>
+    <p:sldId id="288" r:id="rId36"/>
+    <p:sldId id="289" r:id="rId37"/>
+    <p:sldId id="290" r:id="rId38"/>
+    <p:sldId id="291" r:id="rId39"/>
+    <p:sldId id="292" r:id="rId40"/>
+    <p:sldId id="293" r:id="rId41"/>
+    <p:sldId id="369" r:id="rId42"/>
+    <p:sldId id="368" r:id="rId43"/>
+    <p:sldId id="257" r:id="rId44"/>
+    <p:sldId id="325" r:id="rId45"/>
+    <p:sldId id="315" r:id="rId46"/>
+    <p:sldId id="366" r:id="rId47"/>
+    <p:sldId id="260" r:id="rId48"/>
+    <p:sldId id="370" r:id="rId49"/>
+    <p:sldId id="371" r:id="rId50"/>
+    <p:sldId id="372" r:id="rId51"/>
+    <p:sldId id="264" r:id="rId52"/>
+    <p:sldId id="258" r:id="rId53"/>
+    <p:sldId id="373" r:id="rId54"/>
+    <p:sldId id="304" r:id="rId55"/>
+    <p:sldId id="309" r:id="rId56"/>
+    <p:sldId id="317" r:id="rId57"/>
   </p:sldIdLst>
   <p:sldSz cx="9144000" cy="6858000" type="screen4x3"/>
   <p:notesSz cx="7010400" cy="9296400"/>
@@ -342,7 +346,7 @@
               <a:pPr>
                 <a:defRPr/>
               </a:pPr>
-              <a:t>2/24/22</a:t>
+              <a:t>2/25/22</a:t>
             </a:fld>
             <a:endParaRPr lang="en-US"/>
           </a:p>
@@ -577,7 +581,7 @@
               <a:pPr>
                 <a:defRPr/>
               </a:pPr>
-              <a:t>2/24/22</a:t>
+              <a:t>2/25/22</a:t>
             </a:fld>
             <a:endParaRPr lang="en-US"/>
           </a:p>
@@ -1138,7 +1142,7 @@
               <a:defRPr sz="1800"/>
             </a:pPr>
             <a:r>
-              <a:rPr sz="1200" dirty="0">
+              <a:rPr sz="1200">
                 <a:latin typeface="Calibri"/>
                 <a:ea typeface="Calibri"/>
                 <a:cs typeface="Calibri"/>
@@ -1158,7 +1162,7 @@
               <a:defRPr sz="1800"/>
             </a:pPr>
             <a:r>
-              <a:rPr sz="1200" dirty="0">
+              <a:rPr sz="1200">
                 <a:latin typeface="Calibri"/>
                 <a:ea typeface="Calibri"/>
                 <a:cs typeface="Calibri"/>
@@ -1167,7 +1171,7 @@
               <a:t>Like python’s “for </a:t>
             </a:r>
             <a:r>
-              <a:rPr sz="1200" dirty="0" err="1">
+              <a:rPr sz="1200" err="1">
                 <a:latin typeface="Calibri"/>
                 <a:ea typeface="Calibri"/>
                 <a:cs typeface="Calibri"/>
@@ -1176,7 +1180,7 @@
               <a:t>num</a:t>
             </a:r>
             <a:r>
-              <a:rPr sz="1200" dirty="0">
+              <a:rPr sz="1200">
                 <a:latin typeface="Calibri"/>
                 <a:ea typeface="Calibri"/>
                 <a:cs typeface="Calibri"/>
@@ -1185,7 +1189,7 @@
               <a:t> in </a:t>
             </a:r>
             <a:r>
-              <a:rPr sz="1200" dirty="0" err="1">
+              <a:rPr sz="1200" err="1">
                 <a:latin typeface="Calibri"/>
                 <a:ea typeface="Calibri"/>
                 <a:cs typeface="Calibri"/>
@@ -1194,7 +1198,7 @@
               <a:t>nums</a:t>
             </a:r>
             <a:r>
-              <a:rPr sz="1200" dirty="0">
+              <a:rPr sz="1200">
                 <a:latin typeface="Calibri"/>
                 <a:ea typeface="Calibri"/>
                 <a:cs typeface="Calibri"/>
@@ -1214,7 +1218,7 @@
               <a:defRPr sz="1800"/>
             </a:pPr>
             <a:r>
-              <a:rPr sz="1200" dirty="0">
+              <a:rPr sz="1200">
                 <a:latin typeface="Calibri"/>
                 <a:ea typeface="Calibri"/>
                 <a:cs typeface="Calibri"/>
@@ -1234,7 +1238,7 @@
               <a:defRPr sz="1800"/>
             </a:pPr>
             <a:r>
-              <a:rPr sz="1200" dirty="0">
+              <a:rPr sz="1200">
                 <a:latin typeface="Calibri"/>
                 <a:ea typeface="Calibri"/>
                 <a:cs typeface="Calibri"/>
@@ -1254,7 +1258,7 @@
               <a:defRPr sz="1800"/>
             </a:pPr>
             <a:r>
-              <a:rPr sz="1200" dirty="0">
+              <a:rPr sz="1200">
                 <a:latin typeface="Calibri"/>
                 <a:ea typeface="Calibri"/>
                 <a:cs typeface="Calibri"/>
@@ -1274,7 +1278,7 @@
               <a:defRPr sz="1800"/>
             </a:pPr>
             <a:r>
-              <a:rPr sz="1200" dirty="0">
+              <a:rPr sz="1200">
                 <a:latin typeface="Calibri"/>
                 <a:ea typeface="Calibri"/>
                 <a:cs typeface="Calibri"/>
@@ -1283,7 +1287,7 @@
               <a:t>We CAN’T MODIFY the element and stick it back in the array.</a:t>
             </a:r>
             <a:r>
-              <a:rPr lang="en-US" sz="1200" dirty="0">
+              <a:rPr lang="en-US" sz="1200">
                 <a:latin typeface="Calibri"/>
                 <a:ea typeface="Calibri"/>
                 <a:cs typeface="Calibri"/>
@@ -1292,7 +1296,7 @@
               <a:t>  CONCURRENT</a:t>
             </a:r>
             <a:r>
-              <a:rPr lang="en-US" sz="1200" baseline="0" dirty="0">
+              <a:rPr lang="en-US" sz="1200" baseline="0">
                 <a:latin typeface="Calibri"/>
                 <a:ea typeface="Calibri"/>
                 <a:cs typeface="Calibri"/>
@@ -1300,7 +1304,7 @@
               </a:rPr>
               <a:t> MODIFICATION EXCEPTION!</a:t>
             </a:r>
-            <a:endParaRPr sz="1200" dirty="0">
+            <a:endParaRPr sz="1200">
               <a:latin typeface="Calibri"/>
               <a:ea typeface="Calibri"/>
               <a:cs typeface="Calibri"/>
@@ -1585,7 +1589,7 @@
               <a:pPr>
                 <a:defRPr/>
               </a:pPr>
-              <a:t>18</a:t>
+              <a:t>19</a:t>
             </a:fld>
             <a:endParaRPr lang="en-US"/>
           </a:p>
@@ -1689,7 +1693,7 @@
               <a:pPr>
                 <a:defRPr/>
               </a:pPr>
-              <a:t>42</a:t>
+              <a:t>43</a:t>
             </a:fld>
             <a:endParaRPr lang="en-US"/>
           </a:p>
@@ -1753,20 +1757,20 @@
           <a:lstStyle/>
           <a:p>
             <a:r>
-              <a:rPr lang="en-US" dirty="0"/>
+              <a:rPr lang="en-US"/>
               <a:t>Once groups are finished, ask them to work on the array problems from SVN</a:t>
             </a:r>
           </a:p>
           <a:p>
             <a:r>
-              <a:rPr lang="en-US" dirty="0"/>
+              <a:rPr lang="en-US"/>
               <a:t>Once</a:t>
             </a:r>
             <a:r>
-              <a:rPr lang="en-US" baseline="0" dirty="0"/>
+              <a:rPr lang="en-US" baseline="0"/>
               <a:t> enough groups are finished, review the quiz questions and refer students to the cheat sheet</a:t>
             </a:r>
-            <a:endParaRPr lang="en-US" dirty="0"/>
+            <a:endParaRPr lang="en-US"/>
           </a:p>
         </p:txBody>
       </p:sp>
@@ -1793,7 +1797,7 @@
               <a:pPr>
                 <a:defRPr/>
               </a:pPr>
-              <a:t>43</a:t>
+              <a:t>44</a:t>
             </a:fld>
             <a:endParaRPr lang="en-US"/>
           </a:p>
@@ -1897,7 +1901,7 @@
               <a:pPr>
                 <a:defRPr/>
               </a:pPr>
-              <a:t>44</a:t>
+              <a:t>45</a:t>
             </a:fld>
             <a:endParaRPr lang="en-US"/>
           </a:p>
@@ -2006,7 +2010,7 @@
               <a:pPr>
                 <a:defRPr/>
               </a:pPr>
-              <a:t>45</a:t>
+              <a:t>47</a:t>
             </a:fld>
             <a:endParaRPr lang="en-US"/>
           </a:p>
@@ -2150,7 +2154,7 @@
               <a:pPr>
                 <a:defRPr/>
               </a:pPr>
-              <a:t>46</a:t>
+              <a:t>48</a:t>
             </a:fld>
             <a:endParaRPr lang="en-US"/>
           </a:p>
@@ -2213,19 +2217,7 @@
           <a:bodyPr/>
           <a:lstStyle/>
           <a:p>
-            <a:r>
-              <a:rPr lang="en-US" dirty="0"/>
-              <a:t>For good measure, I will start this one from scratch just so they</a:t>
-            </a:r>
-            <a:r>
-              <a:rPr lang="en-US" baseline="0" dirty="0"/>
-              <a:t> will see it from the ground up (I like them to see it from scratch sometimes, but it appears in </a:t>
-            </a:r>
-            <a:r>
-              <a:rPr lang="en-US" baseline="0"/>
-              <a:t>the solution set).</a:t>
-            </a:r>
-            <a:endParaRPr lang="en-US"/>
+            <a:endParaRPr lang="en-US" dirty="0"/>
           </a:p>
         </p:txBody>
       </p:sp>
@@ -2252,7 +2244,7 @@
               <a:pPr>
                 <a:defRPr/>
               </a:pPr>
-              <a:t>47</a:t>
+              <a:t>49</a:t>
             </a:fld>
             <a:endParaRPr lang="en-US"/>
           </a:p>
@@ -2261,7 +2253,7 @@
     </p:spTree>
     <p:extLst>
       <p:ext uri="{BB962C8B-B14F-4D97-AF65-F5344CB8AC3E}">
-        <p14:creationId xmlns:p14="http://schemas.microsoft.com/office/powerpoint/2010/main" val="2197361127"/>
+        <p14:creationId xmlns:p14="http://schemas.microsoft.com/office/powerpoint/2010/main" val="4201900121"/>
       </p:ext>
     </p:extLst>
   </p:cSld>
@@ -2315,20 +2307,6 @@
           <a:bodyPr/>
           <a:lstStyle/>
           <a:p>
-            <a:r>
-              <a:rPr lang="en-US" dirty="0"/>
-              <a:t>Once groups are finished, ask them to work on the array problems from SVN</a:t>
-            </a:r>
-          </a:p>
-          <a:p>
-            <a:r>
-              <a:rPr lang="en-US" dirty="0"/>
-              <a:t>Once</a:t>
-            </a:r>
-            <a:r>
-              <a:rPr lang="en-US" baseline="0" dirty="0"/>
-              <a:t> enough groups are finished, review the quiz questions and pint class to the cheat sheet</a:t>
-            </a:r>
             <a:endParaRPr lang="en-US" dirty="0"/>
           </a:p>
         </p:txBody>
@@ -2356,7 +2334,7 @@
               <a:pPr>
                 <a:defRPr/>
               </a:pPr>
-              <a:t>48</a:t>
+              <a:t>50</a:t>
             </a:fld>
             <a:endParaRPr lang="en-US"/>
           </a:p>
@@ -2365,7 +2343,7 @@
     </p:spTree>
     <p:extLst>
       <p:ext uri="{BB962C8B-B14F-4D97-AF65-F5344CB8AC3E}">
-        <p14:creationId xmlns:p14="http://schemas.microsoft.com/office/powerpoint/2010/main" val="4010864625"/>
+        <p14:creationId xmlns:p14="http://schemas.microsoft.com/office/powerpoint/2010/main" val="1914592549"/>
       </p:ext>
     </p:extLst>
   </p:cSld>
@@ -2421,19 +2399,17 @@
           <a:p>
             <a:r>
               <a:rPr lang="en-US" dirty="0"/>
-              <a:t>Once groups are finished, ask them to work on the array problems from SVN</a:t>
-            </a:r>
-          </a:p>
-          <a:p>
-            <a:r>
-              <a:rPr lang="en-US" dirty="0"/>
-              <a:t>Once</a:t>
+              <a:t>For good measure, I will start this one from scratch just so they</a:t>
             </a:r>
             <a:r>
               <a:rPr lang="en-US" baseline="0" dirty="0"/>
-              <a:t> enough groups are finished, review the quiz questions and pint class to the cheat sheet</a:t>
-            </a:r>
-            <a:endParaRPr lang="en-US" dirty="0"/>
+              <a:t> will see it from the ground up (I like them to see it from scratch sometimes, but it appears in </a:t>
+            </a:r>
+            <a:r>
+              <a:rPr lang="en-US" baseline="0"/>
+              <a:t>the solution set).</a:t>
+            </a:r>
+            <a:endParaRPr lang="en-US"/>
           </a:p>
         </p:txBody>
       </p:sp>
@@ -2460,7 +2436,7 @@
               <a:pPr>
                 <a:defRPr/>
               </a:pPr>
-              <a:t>49</a:t>
+              <a:t>51</a:t>
             </a:fld>
             <a:endParaRPr lang="en-US"/>
           </a:p>
@@ -2469,7 +2445,7 @@
     </p:spTree>
     <p:extLst>
       <p:ext uri="{BB962C8B-B14F-4D97-AF65-F5344CB8AC3E}">
-        <p14:creationId xmlns:p14="http://schemas.microsoft.com/office/powerpoint/2010/main" val="2509790290"/>
+        <p14:creationId xmlns:p14="http://schemas.microsoft.com/office/powerpoint/2010/main" val="2197361127"/>
       </p:ext>
     </p:extLst>
   </p:cSld>
@@ -2615,6 +2591,20 @@
           <a:bodyPr/>
           <a:lstStyle/>
           <a:p>
+            <a:r>
+              <a:rPr lang="en-US" dirty="0"/>
+              <a:t>Once groups are finished, ask them to work on the array problems from SVN</a:t>
+            </a:r>
+          </a:p>
+          <a:p>
+            <a:r>
+              <a:rPr lang="en-US" dirty="0"/>
+              <a:t>Once</a:t>
+            </a:r>
+            <a:r>
+              <a:rPr lang="en-US" baseline="0" dirty="0"/>
+              <a:t> enough groups are finished, review the quiz questions and pint class to the cheat sheet</a:t>
+            </a:r>
             <a:endParaRPr lang="en-US" dirty="0"/>
           </a:p>
         </p:txBody>
@@ -2642,7 +2632,7 @@
               <a:pPr>
                 <a:defRPr/>
               </a:pPr>
-              <a:t>50</a:t>
+              <a:t>52</a:t>
             </a:fld>
             <a:endParaRPr lang="en-US"/>
           </a:p>
@@ -2651,7 +2641,7 @@
     </p:spTree>
     <p:extLst>
       <p:ext uri="{BB962C8B-B14F-4D97-AF65-F5344CB8AC3E}">
-        <p14:creationId xmlns:p14="http://schemas.microsoft.com/office/powerpoint/2010/main" val="2020286571"/>
+        <p14:creationId xmlns:p14="http://schemas.microsoft.com/office/powerpoint/2010/main" val="4010864625"/>
       </p:ext>
     </p:extLst>
   </p:cSld>
@@ -2705,6 +2695,20 @@
           <a:bodyPr/>
           <a:lstStyle/>
           <a:p>
+            <a:r>
+              <a:rPr lang="en-US" dirty="0"/>
+              <a:t>Once groups are finished, ask them to work on the array problems from SVN</a:t>
+            </a:r>
+          </a:p>
+          <a:p>
+            <a:r>
+              <a:rPr lang="en-US" dirty="0"/>
+              <a:t>Once</a:t>
+            </a:r>
+            <a:r>
+              <a:rPr lang="en-US" baseline="0" dirty="0"/>
+              <a:t> enough groups are finished, review the quiz questions and pint class to the cheat sheet</a:t>
+            </a:r>
             <a:endParaRPr lang="en-US" dirty="0"/>
           </a:p>
         </p:txBody>
@@ -2732,7 +2736,187 @@
               <a:pPr>
                 <a:defRPr/>
               </a:pPr>
-              <a:t>51</a:t>
+              <a:t>53</a:t>
+            </a:fld>
+            <a:endParaRPr lang="en-US"/>
+          </a:p>
+        </p:txBody>
+      </p:sp>
+    </p:spTree>
+    <p:extLst>
+      <p:ext uri="{BB962C8B-B14F-4D97-AF65-F5344CB8AC3E}">
+        <p14:creationId xmlns:p14="http://schemas.microsoft.com/office/powerpoint/2010/main" val="2509790290"/>
+      </p:ext>
+    </p:extLst>
+  </p:cSld>
+  <p:clrMapOvr>
+    <a:masterClrMapping/>
+  </p:clrMapOvr>
+</p:notes>
+</file>
+
+<file path=ppt/notesSlides/notesSlide22.xml><?xml version="1.0" encoding="utf-8"?>
+<p:notes xmlns:a="http://schemas.openxmlformats.org/drawingml/2006/main" xmlns:r="http://schemas.openxmlformats.org/officeDocument/2006/relationships" xmlns:p="http://schemas.openxmlformats.org/presentationml/2006/main">
+  <p:cSld>
+    <p:spTree>
+      <p:nvGrpSpPr>
+        <p:cNvPr id="1" name=""/>
+        <p:cNvGrpSpPr/>
+        <p:nvPr/>
+      </p:nvGrpSpPr>
+      <p:grpSpPr>
+        <a:xfrm>
+          <a:off x="0" y="0"/>
+          <a:ext cx="0" cy="0"/>
+          <a:chOff x="0" y="0"/>
+          <a:chExt cx="0" cy="0"/>
+        </a:xfrm>
+      </p:grpSpPr>
+      <p:sp>
+        <p:nvSpPr>
+          <p:cNvPr id="2" name="Slide Image Placeholder 1"/>
+          <p:cNvSpPr>
+            <a:spLocks noGrp="1" noRot="1" noChangeAspect="1"/>
+          </p:cNvSpPr>
+          <p:nvPr>
+            <p:ph type="sldImg"/>
+          </p:nvPr>
+        </p:nvSpPr>
+        <p:spPr/>
+      </p:sp>
+      <p:sp>
+        <p:nvSpPr>
+          <p:cNvPr id="3" name="Notes Placeholder 2"/>
+          <p:cNvSpPr>
+            <a:spLocks noGrp="1"/>
+          </p:cNvSpPr>
+          <p:nvPr>
+            <p:ph type="body" idx="1"/>
+          </p:nvPr>
+        </p:nvSpPr>
+        <p:spPr/>
+        <p:txBody>
+          <a:bodyPr/>
+          <a:lstStyle/>
+          <a:p>
+            <a:endParaRPr lang="en-US" dirty="0"/>
+          </a:p>
+        </p:txBody>
+      </p:sp>
+      <p:sp>
+        <p:nvSpPr>
+          <p:cNvPr id="4" name="Slide Number Placeholder 3"/>
+          <p:cNvSpPr>
+            <a:spLocks noGrp="1"/>
+          </p:cNvSpPr>
+          <p:nvPr>
+            <p:ph type="sldNum" sz="quarter" idx="10"/>
+          </p:nvPr>
+        </p:nvSpPr>
+        <p:spPr/>
+        <p:txBody>
+          <a:bodyPr/>
+          <a:lstStyle/>
+          <a:p>
+            <a:pPr>
+              <a:defRPr/>
+            </a:pPr>
+            <a:fld id="{41BB943A-C3B9-42AE-8B54-C2335812312E}" type="slidenum">
+              <a:rPr lang="en-US" smtClean="0"/>
+              <a:pPr>
+                <a:defRPr/>
+              </a:pPr>
+              <a:t>54</a:t>
+            </a:fld>
+            <a:endParaRPr lang="en-US"/>
+          </a:p>
+        </p:txBody>
+      </p:sp>
+    </p:spTree>
+    <p:extLst>
+      <p:ext uri="{BB962C8B-B14F-4D97-AF65-F5344CB8AC3E}">
+        <p14:creationId xmlns:p14="http://schemas.microsoft.com/office/powerpoint/2010/main" val="2020286571"/>
+      </p:ext>
+    </p:extLst>
+  </p:cSld>
+  <p:clrMapOvr>
+    <a:masterClrMapping/>
+  </p:clrMapOvr>
+</p:notes>
+</file>
+
+<file path=ppt/notesSlides/notesSlide23.xml><?xml version="1.0" encoding="utf-8"?>
+<p:notes xmlns:a="http://schemas.openxmlformats.org/drawingml/2006/main" xmlns:r="http://schemas.openxmlformats.org/officeDocument/2006/relationships" xmlns:p="http://schemas.openxmlformats.org/presentationml/2006/main">
+  <p:cSld>
+    <p:spTree>
+      <p:nvGrpSpPr>
+        <p:cNvPr id="1" name=""/>
+        <p:cNvGrpSpPr/>
+        <p:nvPr/>
+      </p:nvGrpSpPr>
+      <p:grpSpPr>
+        <a:xfrm>
+          <a:off x="0" y="0"/>
+          <a:ext cx="0" cy="0"/>
+          <a:chOff x="0" y="0"/>
+          <a:chExt cx="0" cy="0"/>
+        </a:xfrm>
+      </p:grpSpPr>
+      <p:sp>
+        <p:nvSpPr>
+          <p:cNvPr id="2" name="Slide Image Placeholder 1"/>
+          <p:cNvSpPr>
+            <a:spLocks noGrp="1" noRot="1" noChangeAspect="1"/>
+          </p:cNvSpPr>
+          <p:nvPr>
+            <p:ph type="sldImg"/>
+          </p:nvPr>
+        </p:nvSpPr>
+        <p:spPr/>
+      </p:sp>
+      <p:sp>
+        <p:nvSpPr>
+          <p:cNvPr id="3" name="Notes Placeholder 2"/>
+          <p:cNvSpPr>
+            <a:spLocks noGrp="1"/>
+          </p:cNvSpPr>
+          <p:nvPr>
+            <p:ph type="body" idx="1"/>
+          </p:nvPr>
+        </p:nvSpPr>
+        <p:spPr/>
+        <p:txBody>
+          <a:bodyPr/>
+          <a:lstStyle/>
+          <a:p>
+            <a:endParaRPr lang="en-US" dirty="0"/>
+          </a:p>
+        </p:txBody>
+      </p:sp>
+      <p:sp>
+        <p:nvSpPr>
+          <p:cNvPr id="4" name="Slide Number Placeholder 3"/>
+          <p:cNvSpPr>
+            <a:spLocks noGrp="1"/>
+          </p:cNvSpPr>
+          <p:nvPr>
+            <p:ph type="sldNum" sz="quarter" idx="10"/>
+          </p:nvPr>
+        </p:nvSpPr>
+        <p:spPr/>
+        <p:txBody>
+          <a:bodyPr/>
+          <a:lstStyle/>
+          <a:p>
+            <a:pPr>
+              <a:defRPr/>
+            </a:pPr>
+            <a:fld id="{41BB943A-C3B9-42AE-8B54-C2335812312E}" type="slidenum">
+              <a:rPr lang="en-US" smtClean="0"/>
+              <a:pPr>
+                <a:defRPr/>
+              </a:pPr>
+              <a:t>55</a:t>
             </a:fld>
             <a:endParaRPr lang="en-US"/>
           </a:p>
@@ -3727,7 +3911,7 @@
               <a:pPr>
                 <a:defRPr/>
               </a:pPr>
-              <a:t>Thursday, February 24, 2022</a:t>
+              <a:t>Friday, February 25, 2022</a:t>
             </a:fld>
             <a:endParaRPr lang="en-US" dirty="0"/>
           </a:p>
@@ -3910,7 +4094,7 @@
               <a:pPr>
                 <a:defRPr/>
               </a:pPr>
-              <a:t>Thursday, February 24, 2022</a:t>
+              <a:t>Friday, February 25, 2022</a:t>
             </a:fld>
             <a:endParaRPr lang="en-US" dirty="0"/>
           </a:p>
@@ -4103,7 +4287,7 @@
               <a:pPr>
                 <a:defRPr/>
               </a:pPr>
-              <a:t>Thursday, February 24, 2022</a:t>
+              <a:t>Friday, February 25, 2022</a:t>
             </a:fld>
             <a:endParaRPr lang="en-US" dirty="0"/>
           </a:p>
@@ -4286,7 +4470,7 @@
               <a:pPr>
                 <a:defRPr/>
               </a:pPr>
-              <a:t>Thursday, February 24, 2022</a:t>
+              <a:t>Friday, February 25, 2022</a:t>
             </a:fld>
             <a:endParaRPr lang="en-US" dirty="0"/>
           </a:p>
@@ -4546,7 +4730,7 @@
               <a:pPr>
                 <a:defRPr/>
               </a:pPr>
-              <a:t>Thursday, February 24, 2022</a:t>
+              <a:t>Friday, February 25, 2022</a:t>
             </a:fld>
             <a:endParaRPr lang="en-US"/>
           </a:p>
@@ -4846,7 +5030,7 @@
               <a:pPr>
                 <a:defRPr/>
               </a:pPr>
-              <a:t>Thursday, February 24, 2022</a:t>
+              <a:t>Friday, February 25, 2022</a:t>
             </a:fld>
             <a:endParaRPr lang="en-US"/>
           </a:p>
@@ -5280,7 +5464,7 @@
               <a:pPr>
                 <a:defRPr/>
               </a:pPr>
-              <a:t>Thursday, February 24, 2022</a:t>
+              <a:t>Friday, February 25, 2022</a:t>
             </a:fld>
             <a:endParaRPr lang="en-US"/>
           </a:p>
@@ -5412,7 +5596,7 @@
               <a:pPr>
                 <a:defRPr/>
               </a:pPr>
-              <a:t>Thursday, February 24, 2022</a:t>
+              <a:t>Friday, February 25, 2022</a:t>
             </a:fld>
             <a:endParaRPr lang="en-US"/>
           </a:p>
@@ -5522,7 +5706,7 @@
               <a:pPr>
                 <a:defRPr/>
               </a:pPr>
-              <a:t>Thursday, February 24, 2022</a:t>
+              <a:t>Friday, February 25, 2022</a:t>
             </a:fld>
             <a:endParaRPr lang="en-US" dirty="0"/>
           </a:p>
@@ -5812,7 +5996,7 @@
               <a:pPr>
                 <a:defRPr/>
               </a:pPr>
-              <a:t>Thursday, February 24, 2022</a:t>
+              <a:t>Friday, February 25, 2022</a:t>
             </a:fld>
             <a:endParaRPr lang="en-US"/>
           </a:p>
@@ -6079,7 +6263,7 @@
               <a:pPr>
                 <a:defRPr/>
               </a:pPr>
-              <a:t>Thursday, February 24, 2022</a:t>
+              <a:t>Friday, February 25, 2022</a:t>
             </a:fld>
             <a:endParaRPr lang="en-US"/>
           </a:p>
@@ -6305,7 +6489,7 @@
               <a:pPr>
                 <a:defRPr/>
               </a:pPr>
-              <a:t>Thursday, February 24, 2022</a:t>
+              <a:t>Friday, February 25, 2022</a:t>
             </a:fld>
             <a:endParaRPr lang="en-US" dirty="0"/>
           </a:p>
@@ -6941,7 +7125,7 @@
           </a:ln>
           <a:extLst>
             <a:ext uri="{C572A759-6A51-4108-AA02-DFA0A04FC94B}">
-              <ma14:wrappingTextBoxFlag xmlns="" xmlns:ma14="http://schemas.microsoft.com/office/mac/drawingml/2011/main" val="1"/>
+              <ma14:wrappingTextBoxFlag xmlns:ma14="http://schemas.microsoft.com/office/mac/drawingml/2011/main" xmlns="" val="1"/>
             </a:ext>
           </a:extLst>
         </p:spPr>
@@ -7724,14 +7908,17 @@
           <a:lstStyle/>
           <a:p>
             <a:r>
-              <a:rPr lang="en-US" dirty="0"/>
-              <a:t>Coding </a:t>
-            </a:r>
-            <a:r>
-              <a:rPr lang="en-US" dirty="0" err="1"/>
-              <a:t>Gotchas</a:t>
-            </a:r>
-            <a:endParaRPr lang="en-US" dirty="0"/>
+              <a:rPr lang="en-US"/>
+              <a:t>Coding Gotchas – the </a:t>
+            </a:r>
+            <a:r>
+              <a:rPr lang="en-US" i="1"/>
+              <a:t>size</a:t>
+            </a:r>
+            <a:r>
+              <a:rPr lang="en-US"/>
+              <a:t> of things</a:t>
+            </a:r>
           </a:p>
         </p:txBody>
       </p:sp>
@@ -7748,12 +7935,12 @@
         <p:spPr>
           <a:xfrm>
             <a:off x="457200" y="1417638"/>
-            <a:ext cx="8229600" cy="4525963"/>
+            <a:ext cx="8382000" cy="4525963"/>
           </a:xfrm>
         </p:spPr>
         <p:txBody>
           <a:bodyPr>
-            <a:normAutofit fontScale="92500" lnSpcReduction="20000"/>
+            <a:normAutofit/>
           </a:bodyPr>
           <a:lstStyle/>
           <a:p>
@@ -7761,11 +7948,17 @@
               <a:buNone/>
             </a:pPr>
             <a:r>
-              <a:rPr lang="en-US" dirty="0" err="1"/>
+              <a:rPr lang="en-US" sz="2000" err="1">
+                <a:latin typeface="Courier New" panose="02070309020205020404" pitchFamily="49" charset="0"/>
+                <a:cs typeface="Courier New" panose="02070309020205020404" pitchFamily="49" charset="0"/>
+              </a:rPr>
               <a:t>int</a:t>
             </a:r>
             <a:r>
-              <a:rPr lang="en-US" dirty="0"/>
+              <a:rPr lang="en-US" sz="2000">
+                <a:latin typeface="Courier New" panose="02070309020205020404" pitchFamily="49" charset="0"/>
+                <a:cs typeface="Courier New" panose="02070309020205020404" pitchFamily="49" charset="0"/>
+              </a:rPr>
               <a:t>[] numbers = { 2, 4, 8, 16};</a:t>
             </a:r>
           </a:p>
@@ -7774,27 +7967,38 @@
               <a:buNone/>
             </a:pPr>
             <a:r>
-              <a:rPr lang="en-US" dirty="0" err="1"/>
-              <a:t>int</a:t>
-            </a:r>
-            <a:r>
-              <a:rPr lang="en-US" dirty="0"/>
-              <a:t> </a:t>
-            </a:r>
-            <a:r>
-              <a:rPr lang="en-US" dirty="0" err="1"/>
+              <a:rPr lang="en-US" sz="2000">
+                <a:latin typeface="Courier New" panose="02070309020205020404" pitchFamily="49" charset="0"/>
+                <a:cs typeface="Courier New" panose="02070309020205020404" pitchFamily="49" charset="0"/>
+              </a:rPr>
+              <a:t>int </a:t>
+            </a:r>
+            <a:r>
+              <a:rPr lang="en-US" sz="2000" err="1">
+                <a:latin typeface="Courier New" panose="02070309020205020404" pitchFamily="49" charset="0"/>
+                <a:cs typeface="Courier New" panose="02070309020205020404" pitchFamily="49" charset="0"/>
+              </a:rPr>
               <a:t>numbersCount</a:t>
             </a:r>
             <a:r>
-              <a:rPr lang="en-US" dirty="0"/>
+              <a:rPr lang="en-US" sz="2000">
+                <a:latin typeface="Courier New" panose="02070309020205020404" pitchFamily="49" charset="0"/>
+                <a:cs typeface="Courier New" panose="02070309020205020404" pitchFamily="49" charset="0"/>
+              </a:rPr>
               <a:t> = </a:t>
             </a:r>
             <a:r>
-              <a:rPr lang="en-US" dirty="0" err="1"/>
+              <a:rPr lang="en-US" sz="2000" err="1">
+                <a:latin typeface="Courier New" panose="02070309020205020404" pitchFamily="49" charset="0"/>
+                <a:cs typeface="Courier New" panose="02070309020205020404" pitchFamily="49" charset="0"/>
+              </a:rPr>
               <a:t>numbers.length</a:t>
             </a:r>
             <a:r>
-              <a:rPr lang="en-US" dirty="0"/>
+              <a:rPr lang="en-US" sz="2000">
+                <a:latin typeface="Courier New" panose="02070309020205020404" pitchFamily="49" charset="0"/>
+                <a:cs typeface="Courier New" panose="02070309020205020404" pitchFamily="49" charset="0"/>
+              </a:rPr>
               <a:t>;</a:t>
             </a:r>
           </a:p>
@@ -7802,40 +8006,68 @@
             <a:pPr marL="0" indent="0">
               <a:buNone/>
             </a:pPr>
-            <a:endParaRPr lang="en-US" dirty="0"/>
+            <a:r>
+              <a:rPr lang="en-US" sz="2000">
+                <a:latin typeface="Courier New" panose="02070309020205020404" pitchFamily="49" charset="0"/>
+                <a:cs typeface="Courier New" panose="02070309020205020404" pitchFamily="49" charset="0"/>
+              </a:rPr>
+              <a:t>// Java array uses 'length'</a:t>
+            </a:r>
           </a:p>
           <a:p>
             <a:pPr marL="0" indent="0">
               <a:buNone/>
             </a:pPr>
-            <a:r>
-              <a:rPr lang="en-US" dirty="0" err="1"/>
-              <a:t>ArrayList</a:t>
-            </a:r>
-            <a:r>
-              <a:rPr lang="en-US" dirty="0"/>
-              <a:t>&lt;String&gt; words = new </a:t>
-            </a:r>
-            <a:r>
-              <a:rPr lang="en-US" dirty="0" err="1"/>
-              <a:t>ArrayList</a:t>
-            </a:r>
-            <a:r>
-              <a:rPr lang="en-US" dirty="0"/>
-              <a:t>&lt;String&gt;();</a:t>
-            </a:r>
+            <a:endParaRPr lang="en-US" sz="2000">
+              <a:latin typeface="Courier New" panose="02070309020205020404" pitchFamily="49" charset="0"/>
+              <a:cs typeface="Courier New" panose="02070309020205020404" pitchFamily="49" charset="0"/>
+            </a:endParaRPr>
           </a:p>
           <a:p>
             <a:pPr marL="0" indent="0">
               <a:buNone/>
             </a:pPr>
             <a:r>
-              <a:rPr lang="en-US" dirty="0" err="1"/>
-              <a:t>words.add</a:t>
-            </a:r>
-            <a:r>
-              <a:rPr lang="en-US" dirty="0"/>
-              <a:t>( “Hello!”);</a:t>
+              <a:rPr lang="en-US" sz="2000" err="1">
+                <a:latin typeface="Courier New" panose="02070309020205020404" pitchFamily="49" charset="0"/>
+                <a:cs typeface="Courier New" panose="02070309020205020404" pitchFamily="49" charset="0"/>
+              </a:rPr>
+              <a:t>ArrayList</a:t>
+            </a:r>
+            <a:r>
+              <a:rPr lang="en-US" sz="2000">
+                <a:latin typeface="Courier New" panose="02070309020205020404" pitchFamily="49" charset="0"/>
+                <a:cs typeface="Courier New" panose="02070309020205020404" pitchFamily="49" charset="0"/>
+              </a:rPr>
+              <a:t>&lt;String&gt; words = </a:t>
+            </a:r>
+            <a:r>
+              <a:rPr lang="en-US" sz="2000" b="1">
+                <a:latin typeface="Courier New" panose="02070309020205020404" pitchFamily="49" charset="0"/>
+                <a:cs typeface="Courier New" panose="02070309020205020404" pitchFamily="49" charset="0"/>
+              </a:rPr>
+              <a:t>new</a:t>
+            </a:r>
+            <a:r>
+              <a:rPr lang="en-US" sz="2000">
+                <a:latin typeface="Courier New" panose="02070309020205020404" pitchFamily="49" charset="0"/>
+                <a:cs typeface="Courier New" panose="02070309020205020404" pitchFamily="49" charset="0"/>
+              </a:rPr>
+              <a:t> </a:t>
+            </a:r>
+            <a:r>
+              <a:rPr lang="en-US" sz="2000" err="1">
+                <a:latin typeface="Courier New" panose="02070309020205020404" pitchFamily="49" charset="0"/>
+                <a:cs typeface="Courier New" panose="02070309020205020404" pitchFamily="49" charset="0"/>
+              </a:rPr>
+              <a:t>ArrayList</a:t>
+            </a:r>
+            <a:r>
+              <a:rPr lang="en-US" sz="2000">
+                <a:latin typeface="Courier New" panose="02070309020205020404" pitchFamily="49" charset="0"/>
+                <a:cs typeface="Courier New" panose="02070309020205020404" pitchFamily="49" charset="0"/>
+              </a:rPr>
+              <a:t>&lt;String&gt;();</a:t>
             </a:r>
           </a:p>
           <a:p>
@@ -7843,86 +8075,171 @@
               <a:buNone/>
             </a:pPr>
             <a:r>
-              <a:rPr lang="en-US" dirty="0" err="1"/>
-              <a:t>int</a:t>
-            </a:r>
-            <a:r>
-              <a:rPr lang="en-US" dirty="0"/>
-              <a:t> </a:t>
-            </a:r>
-            <a:r>
-              <a:rPr lang="en-US" dirty="0" err="1"/>
-              <a:t>wordsCount</a:t>
-            </a:r>
-            <a:r>
-              <a:rPr lang="en-US" dirty="0"/>
-              <a:t> = </a:t>
-            </a:r>
-            <a:r>
-              <a:rPr lang="en-US" dirty="0" err="1"/>
-              <a:t>words.size</a:t>
-            </a:r>
-            <a:r>
-              <a:rPr lang="en-US" dirty="0"/>
-              <a:t>();</a:t>
+              <a:rPr lang="en-US" sz="2000" err="1">
+                <a:latin typeface="Courier New" panose="02070309020205020404" pitchFamily="49" charset="0"/>
+                <a:cs typeface="Courier New" panose="02070309020205020404" pitchFamily="49" charset="0"/>
+              </a:rPr>
+              <a:t>words.add</a:t>
+            </a:r>
+            <a:r>
+              <a:rPr lang="en-US" sz="2000">
+                <a:latin typeface="Courier New" panose="02070309020205020404" pitchFamily="49" charset="0"/>
+                <a:cs typeface="Courier New" panose="02070309020205020404" pitchFamily="49" charset="0"/>
+              </a:rPr>
+              <a:t>("Hello!");</a:t>
             </a:r>
           </a:p>
           <a:p>
             <a:pPr marL="0" indent="0">
               <a:buNone/>
             </a:pPr>
-            <a:endParaRPr lang="en-US" dirty="0"/>
+            <a:r>
+              <a:rPr lang="en-US" sz="2000">
+                <a:latin typeface="Courier New" panose="02070309020205020404" pitchFamily="49" charset="0"/>
+                <a:cs typeface="Courier New" panose="02070309020205020404" pitchFamily="49" charset="0"/>
+              </a:rPr>
+              <a:t>int </a:t>
+            </a:r>
+            <a:r>
+              <a:rPr lang="en-US" sz="2000" err="1">
+                <a:latin typeface="Courier New" panose="02070309020205020404" pitchFamily="49" charset="0"/>
+                <a:cs typeface="Courier New" panose="02070309020205020404" pitchFamily="49" charset="0"/>
+              </a:rPr>
+              <a:t>wordsCount</a:t>
+            </a:r>
+            <a:r>
+              <a:rPr lang="en-US" sz="2000">
+                <a:latin typeface="Courier New" panose="02070309020205020404" pitchFamily="49" charset="0"/>
+                <a:cs typeface="Courier New" panose="02070309020205020404" pitchFamily="49" charset="0"/>
+              </a:rPr>
+              <a:t> = </a:t>
+            </a:r>
+            <a:r>
+              <a:rPr lang="en-US" sz="2000" err="1">
+                <a:latin typeface="Courier New" panose="02070309020205020404" pitchFamily="49" charset="0"/>
+                <a:cs typeface="Courier New" panose="02070309020205020404" pitchFamily="49" charset="0"/>
+              </a:rPr>
+              <a:t>words.size</a:t>
+            </a:r>
+            <a:r>
+              <a:rPr lang="en-US" sz="2000">
+                <a:latin typeface="Courier New" panose="02070309020205020404" pitchFamily="49" charset="0"/>
+                <a:cs typeface="Courier New" panose="02070309020205020404" pitchFamily="49" charset="0"/>
+              </a:rPr>
+              <a:t>();</a:t>
+            </a:r>
           </a:p>
           <a:p>
             <a:pPr marL="0" indent="0">
               <a:buNone/>
             </a:pPr>
             <a:r>
-              <a:rPr lang="en-US" dirty="0"/>
-              <a:t>String word = “Hello”;</a:t>
+              <a:rPr lang="en-US" sz="2000">
+                <a:latin typeface="Courier New" panose="02070309020205020404" pitchFamily="49" charset="0"/>
+                <a:cs typeface="Courier New" panose="02070309020205020404" pitchFamily="49" charset="0"/>
+              </a:rPr>
+              <a:t>// </a:t>
+            </a:r>
+            <a:r>
+              <a:rPr lang="en-US" sz="2000" err="1">
+                <a:latin typeface="Courier New" panose="02070309020205020404" pitchFamily="49" charset="0"/>
+                <a:cs typeface="Courier New" panose="02070309020205020404" pitchFamily="49" charset="0"/>
+              </a:rPr>
+              <a:t>ArrayList</a:t>
+            </a:r>
+            <a:r>
+              <a:rPr lang="en-US" sz="2000">
+                <a:latin typeface="Courier New" panose="02070309020205020404" pitchFamily="49" charset="0"/>
+                <a:cs typeface="Courier New" panose="02070309020205020404" pitchFamily="49" charset="0"/>
+              </a:rPr>
+              <a:t> uses 'size()'</a:t>
             </a:r>
           </a:p>
           <a:p>
             <a:pPr marL="0" indent="0">
               <a:buNone/>
             </a:pPr>
-            <a:r>
-              <a:rPr lang="en-US" dirty="0" err="1"/>
-              <a:t>int</a:t>
-            </a:r>
-            <a:r>
-              <a:rPr lang="en-US" dirty="0"/>
-              <a:t> </a:t>
-            </a:r>
-            <a:r>
-              <a:rPr lang="en-US" dirty="0" err="1"/>
-              <a:t>characterCount</a:t>
-            </a:r>
-            <a:r>
-              <a:rPr lang="en-US" dirty="0"/>
-              <a:t> = </a:t>
-            </a:r>
-            <a:r>
-              <a:rPr lang="en-US" dirty="0" err="1"/>
-              <a:t>word.length</a:t>
-            </a:r>
-            <a:r>
-              <a:rPr lang="en-US" dirty="0"/>
-              <a:t>();</a:t>
-            </a:r>
+            <a:endParaRPr lang="en-US" sz="2000">
+              <a:latin typeface="Courier New" panose="02070309020205020404" pitchFamily="49" charset="0"/>
+              <a:cs typeface="Courier New" panose="02070309020205020404" pitchFamily="49" charset="0"/>
+            </a:endParaRPr>
           </a:p>
           <a:p>
             <a:pPr marL="0" indent="0">
               <a:buNone/>
             </a:pPr>
-            <a:endParaRPr lang="en-US" dirty="0"/>
+            <a:r>
+              <a:rPr lang="en-US" sz="2000">
+                <a:latin typeface="Courier New" panose="02070309020205020404" pitchFamily="49" charset="0"/>
+                <a:cs typeface="Courier New" panose="02070309020205020404" pitchFamily="49" charset="0"/>
+              </a:rPr>
+              <a:t>String word = "Hello";</a:t>
+            </a:r>
+          </a:p>
+          <a:p>
+            <a:pPr marL="0" indent="0">
+              <a:buNone/>
+            </a:pPr>
+            <a:r>
+              <a:rPr lang="en-US" sz="2000">
+                <a:latin typeface="Courier New" panose="02070309020205020404" pitchFamily="49" charset="0"/>
+                <a:cs typeface="Courier New" panose="02070309020205020404" pitchFamily="49" charset="0"/>
+              </a:rPr>
+              <a:t>int </a:t>
+            </a:r>
+            <a:r>
+              <a:rPr lang="en-US" sz="2000" err="1">
+                <a:latin typeface="Courier New" panose="02070309020205020404" pitchFamily="49" charset="0"/>
+                <a:cs typeface="Courier New" panose="02070309020205020404" pitchFamily="49" charset="0"/>
+              </a:rPr>
+              <a:t>characterCount</a:t>
+            </a:r>
+            <a:r>
+              <a:rPr lang="en-US" sz="2000">
+                <a:latin typeface="Courier New" panose="02070309020205020404" pitchFamily="49" charset="0"/>
+                <a:cs typeface="Courier New" panose="02070309020205020404" pitchFamily="49" charset="0"/>
+              </a:rPr>
+              <a:t> = </a:t>
+            </a:r>
+            <a:r>
+              <a:rPr lang="en-US" sz="2000" err="1">
+                <a:latin typeface="Courier New" panose="02070309020205020404" pitchFamily="49" charset="0"/>
+                <a:cs typeface="Courier New" panose="02070309020205020404" pitchFamily="49" charset="0"/>
+              </a:rPr>
+              <a:t>word.length</a:t>
+            </a:r>
+            <a:r>
+              <a:rPr lang="en-US" sz="2000">
+                <a:latin typeface="Courier New" panose="02070309020205020404" pitchFamily="49" charset="0"/>
+                <a:cs typeface="Courier New" panose="02070309020205020404" pitchFamily="49" charset="0"/>
+              </a:rPr>
+              <a:t>();</a:t>
+            </a:r>
+          </a:p>
+          <a:p>
+            <a:pPr marL="0" indent="0">
+              <a:buNone/>
+            </a:pPr>
+            <a:r>
+              <a:rPr lang="en-US" sz="2000">
+                <a:latin typeface="Courier New" panose="02070309020205020404" pitchFamily="49" charset="0"/>
+                <a:cs typeface="Courier New" panose="02070309020205020404" pitchFamily="49" charset="0"/>
+              </a:rPr>
+              <a:t>// String uses length()</a:t>
+            </a:r>
+          </a:p>
+          <a:p>
+            <a:pPr marL="0" indent="0">
+              <a:buNone/>
+            </a:pPr>
+            <a:endParaRPr lang="en-US" sz="2000"/>
           </a:p>
         </p:txBody>
       </p:sp>
     </p:spTree>
     <p:extLst>
       <p:ext uri="{BB962C8B-B14F-4D97-AF65-F5344CB8AC3E}">
-        <p14:creationId xmlns:p14="http://schemas.microsoft.com/office/powerpoint/2010/main" val="1892145613"/>
+        <p14:creationId xmlns:p14="http://schemas.microsoft.com/office/powerpoint/2010/main" val="1523975066"/>
       </p:ext>
     </p:extLst>
   </p:cSld>
@@ -7965,7 +8282,7 @@
           <a:lstStyle/>
           <a:p>
             <a:r>
-              <a:rPr lang="en-US" dirty="0"/>
+              <a:rPr lang="en-US"/>
               <a:t>Enhanced For Loops</a:t>
             </a:r>
           </a:p>
@@ -7989,51 +8306,51 @@
           <a:lstStyle/>
           <a:p>
             <a:r>
-              <a:rPr lang="en-US" dirty="0"/>
+              <a:rPr lang="en-US"/>
               <a:t>Convenient Syntax</a:t>
             </a:r>
           </a:p>
           <a:p>
             <a:r>
-              <a:rPr lang="en-US" dirty="0"/>
+              <a:rPr lang="en-US"/>
               <a:t>for iterating through collections</a:t>
             </a:r>
           </a:p>
           <a:p>
             <a:r>
-              <a:rPr lang="en-US" dirty="0"/>
+              <a:rPr lang="en-US"/>
               <a:t>More readable</a:t>
             </a:r>
           </a:p>
           <a:p>
             <a:r>
-              <a:rPr lang="en-US" dirty="0"/>
+              <a:rPr lang="en-US"/>
               <a:t>Less Typing</a:t>
             </a:r>
           </a:p>
           <a:p>
             <a:r>
-              <a:rPr lang="en-US" dirty="0"/>
+              <a:rPr lang="en-US"/>
               <a:t>Less Error Prone</a:t>
             </a:r>
           </a:p>
           <a:p>
             <a:r>
-              <a:rPr lang="en-US" dirty="0"/>
+              <a:rPr lang="en-US"/>
               <a:t>Works for Arrays, </a:t>
             </a:r>
             <a:r>
-              <a:rPr lang="en-US" dirty="0" err="1"/>
+              <a:rPr lang="en-US" err="1"/>
               <a:t>ArrayList</a:t>
             </a:r>
             <a:r>
-              <a:rPr lang="en-US" dirty="0"/>
+              <a:rPr lang="en-US"/>
               <a:t>, Map (later)</a:t>
             </a:r>
           </a:p>
           <a:p>
             <a:r>
-              <a:rPr lang="en-US" dirty="0"/>
+              <a:rPr lang="en-US"/>
               <a:t>Similar to Python:</a:t>
             </a:r>
           </a:p>
@@ -8042,36 +8359,62 @@
               <a:buNone/>
             </a:pPr>
             <a:r>
-              <a:rPr lang="en-US" dirty="0"/>
+              <a:rPr lang="en-US"/>
               <a:t>	</a:t>
             </a:r>
             <a:r>
-              <a:rPr lang="en-US" dirty="0">
-                <a:latin typeface="Consolas" panose="020B0609020204030204" pitchFamily="49" charset="0"/>
-              </a:rPr>
-              <a:t>for </a:t>
-            </a:r>
-            <a:r>
-              <a:rPr lang="en-US" dirty="0" err="1">
-                <a:latin typeface="Consolas" panose="020B0609020204030204" pitchFamily="49" charset="0"/>
+              <a:rPr lang="en-US" b="1">
+                <a:latin typeface="Courier New" panose="02070309020205020404" pitchFamily="49" charset="0"/>
+                <a:cs typeface="Courier New" panose="02070309020205020404" pitchFamily="49" charset="0"/>
+              </a:rPr>
+              <a:t>for</a:t>
+            </a:r>
+            <a:r>
+              <a:rPr lang="en-US">
+                <a:latin typeface="Courier New" panose="02070309020205020404" pitchFamily="49" charset="0"/>
+                <a:cs typeface="Courier New" panose="02070309020205020404" pitchFamily="49" charset="0"/>
+              </a:rPr>
+              <a:t> </a:t>
+            </a:r>
+            <a:r>
+              <a:rPr lang="en-US" err="1">
+                <a:latin typeface="Courier New" panose="02070309020205020404" pitchFamily="49" charset="0"/>
+                <a:cs typeface="Courier New" panose="02070309020205020404" pitchFamily="49" charset="0"/>
               </a:rPr>
               <a:t>num</a:t>
             </a:r>
             <a:r>
-              <a:rPr lang="en-US" dirty="0">
-                <a:latin typeface="Consolas" panose="020B0609020204030204" pitchFamily="49" charset="0"/>
-              </a:rPr>
-              <a:t> in </a:t>
-            </a:r>
-            <a:r>
-              <a:rPr lang="en-US" dirty="0" err="1">
-                <a:latin typeface="Consolas" panose="020B0609020204030204" pitchFamily="49" charset="0"/>
+              <a:rPr lang="en-US">
+                <a:latin typeface="Courier New" panose="02070309020205020404" pitchFamily="49" charset="0"/>
+                <a:cs typeface="Courier New" panose="02070309020205020404" pitchFamily="49" charset="0"/>
+              </a:rPr>
+              <a:t> </a:t>
+            </a:r>
+            <a:r>
+              <a:rPr lang="en-US" b="1">
+                <a:latin typeface="Courier New" panose="02070309020205020404" pitchFamily="49" charset="0"/>
+                <a:cs typeface="Courier New" panose="02070309020205020404" pitchFamily="49" charset="0"/>
+              </a:rPr>
+              <a:t>in</a:t>
+            </a:r>
+            <a:r>
+              <a:rPr lang="en-US">
+                <a:latin typeface="Courier New" panose="02070309020205020404" pitchFamily="49" charset="0"/>
+                <a:cs typeface="Courier New" panose="02070309020205020404" pitchFamily="49" charset="0"/>
+              </a:rPr>
+              <a:t> </a:t>
+            </a:r>
+            <a:r>
+              <a:rPr lang="en-US" err="1">
+                <a:latin typeface="Courier New" panose="02070309020205020404" pitchFamily="49" charset="0"/>
+                <a:cs typeface="Courier New" panose="02070309020205020404" pitchFamily="49" charset="0"/>
               </a:rPr>
               <a:t>nums</a:t>
             </a:r>
             <a:r>
-              <a:rPr lang="en-US" dirty="0">
-                <a:latin typeface="Consolas" panose="020B0609020204030204" pitchFamily="49" charset="0"/>
+              <a:rPr lang="en-US">
+                <a:latin typeface="Courier New" panose="02070309020205020404" pitchFamily="49" charset="0"/>
+                <a:cs typeface="Courier New" panose="02070309020205020404" pitchFamily="49" charset="0"/>
               </a:rPr>
               <a:t>:</a:t>
             </a:r>
@@ -8081,7 +8424,7 @@
     </p:spTree>
     <p:extLst>
       <p:ext uri="{BB962C8B-B14F-4D97-AF65-F5344CB8AC3E}">
-        <p14:creationId xmlns:p14="http://schemas.microsoft.com/office/powerpoint/2010/main" val="1908201619"/>
+        <p14:creationId xmlns:p14="http://schemas.microsoft.com/office/powerpoint/2010/main" val="1763813236"/>
       </p:ext>
     </p:extLst>
   </p:cSld>
@@ -8154,14 +8497,16 @@
         <p:spPr>
           <a:xfrm>
             <a:off x="457200" y="1481137"/>
-            <a:ext cx="8001000" cy="4525964"/>
+            <a:ext cx="8229600" cy="4525964"/>
           </a:xfrm>
           <a:prstGeom prst="rect">
             <a:avLst/>
           </a:prstGeom>
         </p:spPr>
         <p:txBody>
-          <a:bodyPr/>
+          <a:bodyPr>
+            <a:normAutofit/>
+          </a:bodyPr>
           <a:lstStyle/>
           <a:p>
             <a:pPr lvl="0">
@@ -8173,284 +8518,329 @@
               <a:defRPr sz="1800"/>
             </a:pPr>
             <a:r>
-              <a:rPr sz="3200" dirty="0"/>
+              <a:rPr sz="3200"/>
               <a:t>Old school</a:t>
             </a:r>
             <a:br>
-              <a:rPr sz="3200" dirty="0"/>
+              <a:rPr sz="3200"/>
             </a:br>
             <a:r>
-              <a:rPr sz="2400" b="1" dirty="0">
+              <a:rPr sz="2400">
                 <a:solidFill>
                   <a:srgbClr val="4F81BD"/>
                 </a:solidFill>
-                <a:latin typeface="Consolas"/>
+                <a:latin typeface="Courier New" panose="02070309020205020404" pitchFamily="49" charset="0"/>
                 <a:ea typeface="Consolas"/>
-                <a:cs typeface="Consolas"/>
+                <a:cs typeface="Courier New" panose="02070309020205020404" pitchFamily="49" charset="0"/>
                 <a:sym typeface="Consolas"/>
               </a:rPr>
               <a:t>double</a:t>
             </a:r>
             <a:r>
-              <a:rPr lang="en-US" sz="2400" b="1" dirty="0">
+              <a:rPr lang="en-US" sz="2400">
                 <a:solidFill>
                   <a:srgbClr val="4F81BD"/>
                 </a:solidFill>
-                <a:latin typeface="Consolas"/>
+                <a:latin typeface="Courier New" panose="02070309020205020404" pitchFamily="49" charset="0"/>
                 <a:ea typeface="Consolas"/>
-                <a:cs typeface="Consolas"/>
+                <a:cs typeface="Courier New" panose="02070309020205020404" pitchFamily="49" charset="0"/>
                 <a:sym typeface="Consolas"/>
               </a:rPr>
               <a:t>[]</a:t>
             </a:r>
             <a:r>
-              <a:rPr sz="2400" b="1" dirty="0">
+              <a:rPr sz="2400">
                 <a:solidFill>
                   <a:srgbClr val="4F81BD"/>
                 </a:solidFill>
-                <a:latin typeface="Consolas"/>
+                <a:latin typeface="Courier New" panose="02070309020205020404" pitchFamily="49" charset="0"/>
                 <a:ea typeface="Consolas"/>
-                <a:cs typeface="Consolas"/>
+                <a:cs typeface="Courier New" panose="02070309020205020404" pitchFamily="49" charset="0"/>
                 <a:sym typeface="Consolas"/>
               </a:rPr>
               <a:t> scores = …</a:t>
             </a:r>
             <a:br>
-              <a:rPr sz="2400" b="1" dirty="0">
+              <a:rPr sz="2400">
                 <a:solidFill>
                   <a:srgbClr val="4F81BD"/>
                 </a:solidFill>
-                <a:latin typeface="Consolas"/>
+                <a:latin typeface="Courier New" panose="02070309020205020404" pitchFamily="49" charset="0"/>
                 <a:ea typeface="Consolas"/>
-                <a:cs typeface="Consolas"/>
+                <a:cs typeface="Courier New" panose="02070309020205020404" pitchFamily="49" charset="0"/>
                 <a:sym typeface="Consolas"/>
               </a:rPr>
             </a:br>
             <a:r>
-              <a:rPr sz="2400" b="1" dirty="0">
+              <a:rPr sz="2400">
                 <a:solidFill>
                   <a:srgbClr val="4F81BD"/>
                 </a:solidFill>
-                <a:latin typeface="Consolas"/>
+                <a:latin typeface="Courier New" panose="02070309020205020404" pitchFamily="49" charset="0"/>
                 <a:ea typeface="Consolas"/>
-                <a:cs typeface="Consolas"/>
+                <a:cs typeface="Courier New" panose="02070309020205020404" pitchFamily="49" charset="0"/>
                 <a:sym typeface="Consolas"/>
               </a:rPr>
               <a:t>double sum = 0.0;</a:t>
             </a:r>
             <a:br>
-              <a:rPr sz="2400" b="1" dirty="0">
+              <a:rPr sz="2400">
                 <a:solidFill>
                   <a:srgbClr val="4F81BD"/>
                 </a:solidFill>
-                <a:latin typeface="Consolas"/>
+                <a:latin typeface="Courier New" panose="02070309020205020404" pitchFamily="49" charset="0"/>
                 <a:ea typeface="Consolas"/>
-                <a:cs typeface="Consolas"/>
+                <a:cs typeface="Courier New" panose="02070309020205020404" pitchFamily="49" charset="0"/>
                 <a:sym typeface="Consolas"/>
               </a:rPr>
             </a:br>
             <a:r>
-              <a:rPr sz="2400" b="1" dirty="0">
+              <a:rPr sz="2400" b="1">
                 <a:solidFill>
                   <a:srgbClr val="4F81BD"/>
                 </a:solidFill>
-                <a:latin typeface="Consolas"/>
+                <a:latin typeface="Courier New" panose="02070309020205020404" pitchFamily="49" charset="0"/>
                 <a:ea typeface="Consolas"/>
-                <a:cs typeface="Consolas"/>
+                <a:cs typeface="Courier New" panose="02070309020205020404" pitchFamily="49" charset="0"/>
                 <a:sym typeface="Consolas"/>
               </a:rPr>
-              <a:t>for (</a:t>
-            </a:r>
-            <a:r>
-              <a:rPr sz="2400" b="1" dirty="0" err="1">
+              <a:t>for</a:t>
+            </a:r>
+            <a:r>
+              <a:rPr sz="2400">
                 <a:solidFill>
                   <a:srgbClr val="4F81BD"/>
                 </a:solidFill>
-                <a:latin typeface="Consolas"/>
+                <a:latin typeface="Courier New" panose="02070309020205020404" pitchFamily="49" charset="0"/>
                 <a:ea typeface="Consolas"/>
-                <a:cs typeface="Consolas"/>
+                <a:cs typeface="Courier New" panose="02070309020205020404" pitchFamily="49" charset="0"/>
                 <a:sym typeface="Consolas"/>
               </a:rPr>
-              <a:t>int</a:t>
-            </a:r>
-            <a:r>
-              <a:rPr sz="2400" b="1" dirty="0">
+              <a:t> (int </a:t>
+            </a:r>
+            <a:r>
+              <a:rPr lang="en-US" sz="2400" err="1">
                 <a:solidFill>
                   <a:srgbClr val="4F81BD"/>
                 </a:solidFill>
-                <a:latin typeface="Consolas"/>
+                <a:latin typeface="Courier New" panose="02070309020205020404" pitchFamily="49" charset="0"/>
                 <a:ea typeface="Consolas"/>
-                <a:cs typeface="Consolas"/>
+                <a:cs typeface="Courier New" panose="02070309020205020404" pitchFamily="49" charset="0"/>
                 <a:sym typeface="Consolas"/>
               </a:rPr>
-              <a:t> </a:t>
-            </a:r>
-            <a:r>
-              <a:rPr sz="2400" b="1" dirty="0" err="1">
+              <a:t>i</a:t>
+            </a:r>
+            <a:r>
+              <a:rPr lang="en-US" sz="2400">
                 <a:solidFill>
                   <a:srgbClr val="4F81BD"/>
                 </a:solidFill>
-                <a:latin typeface="Consolas"/>
+                <a:latin typeface="Courier New" panose="02070309020205020404" pitchFamily="49" charset="0"/>
                 <a:ea typeface="Consolas"/>
-                <a:cs typeface="Consolas"/>
+                <a:cs typeface="Courier New" panose="02070309020205020404" pitchFamily="49" charset="0"/>
                 <a:sym typeface="Consolas"/>
               </a:rPr>
-              <a:t>i</a:t>
-            </a:r>
-            <a:r>
-              <a:rPr sz="2400" b="1" dirty="0">
+              <a:t> </a:t>
+            </a:r>
+            <a:r>
+              <a:rPr sz="2400">
                 <a:solidFill>
                   <a:srgbClr val="4F81BD"/>
                 </a:solidFill>
-                <a:latin typeface="Consolas"/>
+                <a:latin typeface="Courier New" panose="02070309020205020404" pitchFamily="49" charset="0"/>
                 <a:ea typeface="Consolas"/>
-                <a:cs typeface="Consolas"/>
+                <a:cs typeface="Courier New" panose="02070309020205020404" pitchFamily="49" charset="0"/>
                 <a:sym typeface="Consolas"/>
               </a:rPr>
-              <a:t>=0; </a:t>
-            </a:r>
-            <a:r>
-              <a:rPr sz="2400" b="1" dirty="0" err="1">
+              <a:t>=</a:t>
+            </a:r>
+            <a:r>
+              <a:rPr lang="en-US" sz="2400">
                 <a:solidFill>
                   <a:srgbClr val="4F81BD"/>
                 </a:solidFill>
-                <a:latin typeface="Consolas"/>
+                <a:latin typeface="Courier New" panose="02070309020205020404" pitchFamily="49" charset="0"/>
                 <a:ea typeface="Consolas"/>
-                <a:cs typeface="Consolas"/>
+                <a:cs typeface="Courier New" panose="02070309020205020404" pitchFamily="49" charset="0"/>
                 <a:sym typeface="Consolas"/>
               </a:rPr>
-              <a:t>i</a:t>
-            </a:r>
-            <a:r>
-              <a:rPr sz="2400" b="1" dirty="0">
+              <a:t> </a:t>
+            </a:r>
+            <a:r>
+              <a:rPr sz="2400">
                 <a:solidFill>
                   <a:srgbClr val="4F81BD"/>
                 </a:solidFill>
-                <a:latin typeface="Consolas"/>
+                <a:latin typeface="Courier New" panose="02070309020205020404" pitchFamily="49" charset="0"/>
                 <a:ea typeface="Consolas"/>
-                <a:cs typeface="Consolas"/>
+                <a:cs typeface="Courier New" panose="02070309020205020404" pitchFamily="49" charset="0"/>
                 <a:sym typeface="Consolas"/>
               </a:rPr>
-              <a:t> &lt; </a:t>
-            </a:r>
-            <a:r>
-              <a:rPr sz="2400" b="1" dirty="0" err="1">
+              <a:t>0; </a:t>
+            </a:r>
+            <a:r>
+              <a:rPr sz="2400" err="1">
                 <a:solidFill>
                   <a:srgbClr val="4F81BD"/>
                 </a:solidFill>
-                <a:latin typeface="Consolas"/>
+                <a:latin typeface="Courier New" panose="02070309020205020404" pitchFamily="49" charset="0"/>
                 <a:ea typeface="Consolas"/>
-                <a:cs typeface="Consolas"/>
+                <a:cs typeface="Courier New" panose="02070309020205020404" pitchFamily="49" charset="0"/>
                 <a:sym typeface="Consolas"/>
               </a:rPr>
-              <a:t>scores.length</a:t>
-            </a:r>
-            <a:r>
-              <a:rPr sz="2400" b="1" dirty="0">
+              <a:t>i</a:t>
+            </a:r>
+            <a:r>
+              <a:rPr sz="2400">
                 <a:solidFill>
                   <a:srgbClr val="4F81BD"/>
                 </a:solidFill>
-                <a:latin typeface="Consolas"/>
+                <a:latin typeface="Courier New" panose="02070309020205020404" pitchFamily="49" charset="0"/>
                 <a:ea typeface="Consolas"/>
-                <a:cs typeface="Consolas"/>
+                <a:cs typeface="Courier New" panose="02070309020205020404" pitchFamily="49" charset="0"/>
                 <a:sym typeface="Consolas"/>
               </a:rPr>
-              <a:t>; </a:t>
-            </a:r>
-            <a:r>
-              <a:rPr sz="2400" b="1" dirty="0" err="1">
+              <a:t> &lt; </a:t>
+            </a:r>
+            <a:r>
+              <a:rPr sz="2400" err="1">
                 <a:solidFill>
                   <a:srgbClr val="4F81BD"/>
                 </a:solidFill>
-                <a:latin typeface="Consolas"/>
+                <a:latin typeface="Courier New" panose="02070309020205020404" pitchFamily="49" charset="0"/>
                 <a:ea typeface="Consolas"/>
-                <a:cs typeface="Consolas"/>
+                <a:cs typeface="Courier New" panose="02070309020205020404" pitchFamily="49" charset="0"/>
                 <a:sym typeface="Consolas"/>
               </a:rPr>
-              <a:t>i</a:t>
-            </a:r>
-            <a:r>
-              <a:rPr sz="2400" b="1" dirty="0">
+              <a:t>scores.length</a:t>
+            </a:r>
+            <a:r>
+              <a:rPr sz="2400">
                 <a:solidFill>
                   <a:srgbClr val="4F81BD"/>
                 </a:solidFill>
-                <a:latin typeface="Consolas"/>
+                <a:latin typeface="Courier New" panose="02070309020205020404" pitchFamily="49" charset="0"/>
                 <a:ea typeface="Consolas"/>
-                <a:cs typeface="Consolas"/>
+                <a:cs typeface="Courier New" panose="02070309020205020404" pitchFamily="49" charset="0"/>
                 <a:sym typeface="Consolas"/>
               </a:rPr>
-              <a:t>++) {</a:t>
-            </a:r>
-            <a:br>
-              <a:rPr sz="2400" b="1" dirty="0">
+              <a:t>; </a:t>
+            </a:r>
+            <a:r>
+              <a:rPr sz="2400" err="1">
                 <a:solidFill>
                   <a:srgbClr val="4F81BD"/>
                 </a:solidFill>
-                <a:latin typeface="Consolas"/>
+                <a:latin typeface="Courier New" panose="02070309020205020404" pitchFamily="49" charset="0"/>
                 <a:ea typeface="Consolas"/>
-                <a:cs typeface="Consolas"/>
+                <a:cs typeface="Courier New" panose="02070309020205020404" pitchFamily="49" charset="0"/>
                 <a:sym typeface="Consolas"/>
               </a:rPr>
-            </a:br>
-            <a:r>
-              <a:rPr sz="2400" b="1" dirty="0">
+              <a:t>i</a:t>
+            </a:r>
+            <a:r>
+              <a:rPr sz="2400">
                 <a:solidFill>
                   <a:srgbClr val="4F81BD"/>
                 </a:solidFill>
-                <a:latin typeface="Consolas"/>
+                <a:latin typeface="Courier New" panose="02070309020205020404" pitchFamily="49" charset="0"/>
                 <a:ea typeface="Consolas"/>
-                <a:cs typeface="Consolas"/>
+                <a:cs typeface="Courier New" panose="02070309020205020404" pitchFamily="49" charset="0"/>
                 <a:sym typeface="Consolas"/>
               </a:rPr>
-              <a:t>	sum += scores[</a:t>
-            </a:r>
-            <a:r>
-              <a:rPr sz="2400" b="1" dirty="0" err="1">
+              <a:t>++) {</a:t>
+            </a:r>
+            <a:br>
+              <a:rPr sz="2400">
                 <a:solidFill>
                   <a:srgbClr val="4F81BD"/>
                 </a:solidFill>
-                <a:latin typeface="Consolas"/>
+                <a:latin typeface="Courier New" panose="02070309020205020404" pitchFamily="49" charset="0"/>
                 <a:ea typeface="Consolas"/>
-                <a:cs typeface="Consolas"/>
+                <a:cs typeface="Courier New" panose="02070309020205020404" pitchFamily="49" charset="0"/>
                 <a:sym typeface="Consolas"/>
               </a:rPr>
-              <a:t>i</a:t>
-            </a:r>
-            <a:r>
-              <a:rPr sz="2400" b="1" dirty="0">
+            </a:br>
+            <a:r>
+              <a:rPr sz="2400">
                 <a:solidFill>
                   <a:srgbClr val="4F81BD"/>
                 </a:solidFill>
-                <a:latin typeface="Consolas"/>
+                <a:latin typeface="Courier New" panose="02070309020205020404" pitchFamily="49" charset="0"/>
                 <a:ea typeface="Consolas"/>
-                <a:cs typeface="Consolas"/>
+                <a:cs typeface="Courier New" panose="02070309020205020404" pitchFamily="49" charset="0"/>
                 <a:sym typeface="Consolas"/>
               </a:rPr>
-              <a:t>];</a:t>
-            </a:r>
-            <a:br>
-              <a:rPr sz="2400" b="1" dirty="0">
+              <a:t>	sum += scores[</a:t>
+            </a:r>
+            <a:r>
+              <a:rPr sz="2400" err="1">
                 <a:solidFill>
                   <a:srgbClr val="4F81BD"/>
                 </a:solidFill>
-                <a:latin typeface="Consolas"/>
+                <a:latin typeface="Courier New" panose="02070309020205020404" pitchFamily="49" charset="0"/>
                 <a:ea typeface="Consolas"/>
-                <a:cs typeface="Consolas"/>
+                <a:cs typeface="Courier New" panose="02070309020205020404" pitchFamily="49" charset="0"/>
                 <a:sym typeface="Consolas"/>
               </a:rPr>
-            </a:br>
-            <a:r>
-              <a:rPr sz="2400" b="1" dirty="0">
+              <a:t>i</a:t>
+            </a:r>
+            <a:r>
+              <a:rPr sz="2400">
                 <a:solidFill>
                   <a:srgbClr val="4F81BD"/>
                 </a:solidFill>
-                <a:latin typeface="Consolas"/>
+                <a:latin typeface="Courier New" panose="02070309020205020404" pitchFamily="49" charset="0"/>
                 <a:ea typeface="Consolas"/>
-                <a:cs typeface="Consolas"/>
+                <a:cs typeface="Courier New" panose="02070309020205020404" pitchFamily="49" charset="0"/>
                 <a:sym typeface="Consolas"/>
               </a:rPr>
+              <a:t>];</a:t>
+            </a:r>
+            <a:br>
+              <a:rPr sz="2400">
+                <a:solidFill>
+                  <a:srgbClr val="4F81BD"/>
+                </a:solidFill>
+                <a:latin typeface="Courier New" panose="02070309020205020404" pitchFamily="49" charset="0"/>
+                <a:ea typeface="Consolas"/>
+                <a:cs typeface="Courier New" panose="02070309020205020404" pitchFamily="49" charset="0"/>
+                <a:sym typeface="Consolas"/>
+              </a:rPr>
+            </a:br>
+            <a:r>
+              <a:rPr sz="2400">
+                <a:solidFill>
+                  <a:srgbClr val="4F81BD"/>
+                </a:solidFill>
+                <a:latin typeface="Courier New" panose="02070309020205020404" pitchFamily="49" charset="0"/>
+                <a:ea typeface="Consolas"/>
+                <a:cs typeface="Courier New" panose="02070309020205020404" pitchFamily="49" charset="0"/>
+                <a:sym typeface="Consolas"/>
+              </a:rPr>
               <a:t>}</a:t>
             </a:r>
+            <a:r>
+              <a:rPr lang="en-US" sz="2400">
+                <a:solidFill>
+                  <a:srgbClr val="4F81BD"/>
+                </a:solidFill>
+                <a:latin typeface="Courier New" panose="02070309020205020404" pitchFamily="49" charset="0"/>
+                <a:ea typeface="Consolas"/>
+                <a:cs typeface="Courier New" panose="02070309020205020404" pitchFamily="49" charset="0"/>
+                <a:sym typeface="Consolas"/>
+              </a:rPr>
+              <a:t> // end for</a:t>
+            </a:r>
+            <a:endParaRPr sz="2400">
+              <a:solidFill>
+                <a:srgbClr val="4F81BD"/>
+              </a:solidFill>
+              <a:latin typeface="Courier New" panose="02070309020205020404" pitchFamily="49" charset="0"/>
+              <a:ea typeface="Consolas"/>
+              <a:cs typeface="Courier New" panose="02070309020205020404" pitchFamily="49" charset="0"/>
+              <a:sym typeface="Consolas"/>
+            </a:endParaRPr>
           </a:p>
           <a:p>
             <a:pPr lvl="0">
@@ -8462,236 +8852,269 @@
               <a:defRPr sz="1800"/>
             </a:pPr>
             <a:r>
-              <a:rPr sz="3200" dirty="0"/>
+              <a:rPr sz="3200"/>
               <a:t>New, whiz-bang, enhanced for loop</a:t>
             </a:r>
             <a:br>
-              <a:rPr sz="3200" dirty="0"/>
+              <a:rPr sz="3200"/>
             </a:br>
             <a:r>
-              <a:rPr sz="2400" b="1" dirty="0">
+              <a:rPr sz="2400">
                 <a:solidFill>
                   <a:srgbClr val="9BBB59"/>
                 </a:solidFill>
-                <a:latin typeface="Consolas"/>
+                <a:latin typeface="Courier New" panose="02070309020205020404" pitchFamily="49" charset="0"/>
                 <a:ea typeface="Consolas"/>
-                <a:cs typeface="Consolas"/>
+                <a:cs typeface="Courier New" panose="02070309020205020404" pitchFamily="49" charset="0"/>
                 <a:sym typeface="Consolas"/>
               </a:rPr>
               <a:t>double</a:t>
             </a:r>
             <a:r>
-              <a:rPr lang="en-US" sz="2400" b="1" dirty="0">
+              <a:rPr lang="en-US" sz="2400">
                 <a:solidFill>
                   <a:srgbClr val="9BBB59"/>
                 </a:solidFill>
-                <a:latin typeface="Consolas"/>
+                <a:latin typeface="Courier New" panose="02070309020205020404" pitchFamily="49" charset="0"/>
                 <a:ea typeface="Consolas"/>
-                <a:cs typeface="Consolas"/>
+                <a:cs typeface="Courier New" panose="02070309020205020404" pitchFamily="49" charset="0"/>
                 <a:sym typeface="Consolas"/>
               </a:rPr>
               <a:t>[]</a:t>
             </a:r>
             <a:r>
-              <a:rPr sz="2400" b="1" dirty="0">
+              <a:rPr sz="2400">
                 <a:solidFill>
                   <a:srgbClr val="9BBB59"/>
                 </a:solidFill>
-                <a:latin typeface="Consolas"/>
+                <a:latin typeface="Courier New" panose="02070309020205020404" pitchFamily="49" charset="0"/>
                 <a:ea typeface="Consolas"/>
-                <a:cs typeface="Consolas"/>
+                <a:cs typeface="Courier New" panose="02070309020205020404" pitchFamily="49" charset="0"/>
                 <a:sym typeface="Consolas"/>
               </a:rPr>
               <a:t> </a:t>
             </a:r>
             <a:r>
-              <a:rPr sz="2400" b="1" dirty="0">
+              <a:rPr sz="2400">
                 <a:solidFill>
                   <a:srgbClr val="C3D69B"/>
                 </a:solidFill>
-                <a:latin typeface="Consolas"/>
+                <a:latin typeface="Courier New" panose="02070309020205020404" pitchFamily="49" charset="0"/>
                 <a:ea typeface="Consolas"/>
-                <a:cs typeface="Consolas"/>
+                <a:cs typeface="Courier New" panose="02070309020205020404" pitchFamily="49" charset="0"/>
                 <a:sym typeface="Consolas"/>
               </a:rPr>
               <a:t>scores</a:t>
             </a:r>
             <a:r>
-              <a:rPr sz="2400" b="1" dirty="0">
+              <a:rPr sz="2400">
                 <a:solidFill>
                   <a:srgbClr val="9BBB59"/>
                 </a:solidFill>
-                <a:latin typeface="Consolas"/>
+                <a:latin typeface="Courier New" panose="02070309020205020404" pitchFamily="49" charset="0"/>
                 <a:ea typeface="Consolas"/>
-                <a:cs typeface="Consolas"/>
+                <a:cs typeface="Courier New" panose="02070309020205020404" pitchFamily="49" charset="0"/>
                 <a:sym typeface="Consolas"/>
               </a:rPr>
               <a:t> = …</a:t>
             </a:r>
             <a:br>
-              <a:rPr sz="2400" b="1" dirty="0">
+              <a:rPr sz="2400">
                 <a:solidFill>
                   <a:srgbClr val="9BBB59"/>
                 </a:solidFill>
-                <a:latin typeface="Consolas"/>
+                <a:latin typeface="Courier New" panose="02070309020205020404" pitchFamily="49" charset="0"/>
                 <a:ea typeface="Consolas"/>
-                <a:cs typeface="Consolas"/>
+                <a:cs typeface="Courier New" panose="02070309020205020404" pitchFamily="49" charset="0"/>
                 <a:sym typeface="Consolas"/>
               </a:rPr>
             </a:br>
             <a:r>
-              <a:rPr sz="2400" b="1" dirty="0">
+              <a:rPr sz="2400">
                 <a:solidFill>
                   <a:srgbClr val="9BBB59"/>
                 </a:solidFill>
-                <a:latin typeface="Consolas"/>
+                <a:latin typeface="Courier New" panose="02070309020205020404" pitchFamily="49" charset="0"/>
                 <a:ea typeface="Consolas"/>
-                <a:cs typeface="Consolas"/>
+                <a:cs typeface="Courier New" panose="02070309020205020404" pitchFamily="49" charset="0"/>
                 <a:sym typeface="Consolas"/>
               </a:rPr>
               <a:t>double sum = 0.0;</a:t>
             </a:r>
             <a:br>
-              <a:rPr sz="2400" b="1" dirty="0">
+              <a:rPr sz="2400">
                 <a:solidFill>
                   <a:srgbClr val="9BBB59"/>
                 </a:solidFill>
-                <a:latin typeface="Consolas"/>
+                <a:latin typeface="Courier New" panose="02070309020205020404" pitchFamily="49" charset="0"/>
                 <a:ea typeface="Consolas"/>
-                <a:cs typeface="Consolas"/>
+                <a:cs typeface="Courier New" panose="02070309020205020404" pitchFamily="49" charset="0"/>
                 <a:sym typeface="Consolas"/>
               </a:rPr>
             </a:br>
             <a:r>
-              <a:rPr sz="2400" b="1" dirty="0">
+              <a:rPr sz="2400" b="1">
                 <a:solidFill>
                   <a:srgbClr val="9BBB59"/>
                 </a:solidFill>
-                <a:latin typeface="Consolas"/>
+                <a:latin typeface="Courier New" panose="02070309020205020404" pitchFamily="49" charset="0"/>
                 <a:ea typeface="Consolas"/>
-                <a:cs typeface="Consolas"/>
+                <a:cs typeface="Courier New" panose="02070309020205020404" pitchFamily="49" charset="0"/>
                 <a:sym typeface="Consolas"/>
               </a:rPr>
-              <a:t>for (double </a:t>
-            </a:r>
-            <a:r>
-              <a:rPr sz="2400" b="1" dirty="0">
+              <a:t>for</a:t>
+            </a:r>
+            <a:r>
+              <a:rPr sz="2400">
+                <a:solidFill>
+                  <a:srgbClr val="9BBB59"/>
+                </a:solidFill>
+                <a:latin typeface="Courier New" panose="02070309020205020404" pitchFamily="49" charset="0"/>
+                <a:ea typeface="Consolas"/>
+                <a:cs typeface="Courier New" panose="02070309020205020404" pitchFamily="49" charset="0"/>
+                <a:sym typeface="Consolas"/>
+              </a:rPr>
+              <a:t> (double </a:t>
+            </a:r>
+            <a:r>
+              <a:rPr sz="2400">
                 <a:solidFill>
                   <a:srgbClr val="77933C"/>
                 </a:solidFill>
-                <a:latin typeface="Consolas"/>
+                <a:latin typeface="Courier New" panose="02070309020205020404" pitchFamily="49" charset="0"/>
                 <a:ea typeface="Consolas"/>
-                <a:cs typeface="Consolas"/>
+                <a:cs typeface="Courier New" panose="02070309020205020404" pitchFamily="49" charset="0"/>
                 <a:sym typeface="Consolas"/>
               </a:rPr>
               <a:t>score</a:t>
             </a:r>
             <a:r>
-              <a:rPr sz="2400" b="1" dirty="0">
+              <a:rPr sz="2400">
                 <a:solidFill>
                   <a:srgbClr val="9BBB59"/>
                 </a:solidFill>
-                <a:latin typeface="Consolas"/>
+                <a:latin typeface="Courier New" panose="02070309020205020404" pitchFamily="49" charset="0"/>
                 <a:ea typeface="Consolas"/>
-                <a:cs typeface="Consolas"/>
+                <a:cs typeface="Courier New" panose="02070309020205020404" pitchFamily="49" charset="0"/>
                 <a:sym typeface="Consolas"/>
               </a:rPr>
               <a:t> : </a:t>
             </a:r>
             <a:r>
-              <a:rPr sz="2400" b="1" dirty="0">
+              <a:rPr sz="2400">
                 <a:solidFill>
                   <a:srgbClr val="C3D69B"/>
                 </a:solidFill>
-                <a:latin typeface="Consolas"/>
+                <a:latin typeface="Courier New" panose="02070309020205020404" pitchFamily="49" charset="0"/>
                 <a:ea typeface="Consolas"/>
-                <a:cs typeface="Consolas"/>
+                <a:cs typeface="Courier New" panose="02070309020205020404" pitchFamily="49" charset="0"/>
                 <a:sym typeface="Consolas"/>
               </a:rPr>
               <a:t>scores</a:t>
             </a:r>
             <a:r>
-              <a:rPr sz="2400" b="1" dirty="0">
+              <a:rPr sz="2400">
                 <a:solidFill>
                   <a:srgbClr val="9BBB59"/>
                 </a:solidFill>
-                <a:latin typeface="Consolas"/>
+                <a:latin typeface="Courier New" panose="02070309020205020404" pitchFamily="49" charset="0"/>
                 <a:ea typeface="Consolas"/>
-                <a:cs typeface="Consolas"/>
+                <a:cs typeface="Courier New" panose="02070309020205020404" pitchFamily="49" charset="0"/>
                 <a:sym typeface="Consolas"/>
               </a:rPr>
               <a:t>) {</a:t>
             </a:r>
             <a:br>
-              <a:rPr sz="2400" b="1" dirty="0">
+              <a:rPr sz="2400">
                 <a:solidFill>
                   <a:srgbClr val="9BBB59"/>
                 </a:solidFill>
-                <a:latin typeface="Consolas"/>
+                <a:latin typeface="Courier New" panose="02070309020205020404" pitchFamily="49" charset="0"/>
                 <a:ea typeface="Consolas"/>
-                <a:cs typeface="Consolas"/>
+                <a:cs typeface="Courier New" panose="02070309020205020404" pitchFamily="49" charset="0"/>
                 <a:sym typeface="Consolas"/>
               </a:rPr>
             </a:br>
             <a:r>
-              <a:rPr sz="2400" b="1" dirty="0">
+              <a:rPr sz="2400">
                 <a:solidFill>
                   <a:srgbClr val="9BBB59"/>
                 </a:solidFill>
-                <a:latin typeface="Consolas"/>
+                <a:latin typeface="Courier New" panose="02070309020205020404" pitchFamily="49" charset="0"/>
                 <a:ea typeface="Consolas"/>
-                <a:cs typeface="Consolas"/>
+                <a:cs typeface="Courier New" panose="02070309020205020404" pitchFamily="49" charset="0"/>
                 <a:sym typeface="Consolas"/>
               </a:rPr>
               <a:t>	sum += </a:t>
             </a:r>
             <a:r>
-              <a:rPr sz="2400" b="1" dirty="0">
+              <a:rPr sz="2400">
                 <a:solidFill>
                   <a:srgbClr val="77933C"/>
                 </a:solidFill>
-                <a:latin typeface="Consolas"/>
+                <a:latin typeface="Courier New" panose="02070309020205020404" pitchFamily="49" charset="0"/>
                 <a:ea typeface="Consolas"/>
-                <a:cs typeface="Consolas"/>
+                <a:cs typeface="Courier New" panose="02070309020205020404" pitchFamily="49" charset="0"/>
                 <a:sym typeface="Consolas"/>
               </a:rPr>
               <a:t>score</a:t>
             </a:r>
             <a:r>
-              <a:rPr sz="2400" b="1" dirty="0">
+              <a:rPr sz="2400">
                 <a:solidFill>
                   <a:srgbClr val="9BBB59"/>
                 </a:solidFill>
-                <a:latin typeface="Consolas"/>
+                <a:latin typeface="Courier New" panose="02070309020205020404" pitchFamily="49" charset="0"/>
                 <a:ea typeface="Consolas"/>
-                <a:cs typeface="Consolas"/>
+                <a:cs typeface="Courier New" panose="02070309020205020404" pitchFamily="49" charset="0"/>
                 <a:sym typeface="Consolas"/>
               </a:rPr>
               <a:t>;</a:t>
             </a:r>
             <a:br>
-              <a:rPr sz="2400" b="1" dirty="0">
+              <a:rPr sz="2400">
                 <a:solidFill>
                   <a:srgbClr val="9BBB59"/>
                 </a:solidFill>
-                <a:latin typeface="Consolas"/>
+                <a:latin typeface="Courier New" panose="02070309020205020404" pitchFamily="49" charset="0"/>
                 <a:ea typeface="Consolas"/>
-                <a:cs typeface="Consolas"/>
+                <a:cs typeface="Courier New" panose="02070309020205020404" pitchFamily="49" charset="0"/>
                 <a:sym typeface="Consolas"/>
               </a:rPr>
             </a:br>
             <a:r>
-              <a:rPr sz="2400" b="1" dirty="0">
+              <a:rPr sz="2400">
                 <a:solidFill>
                   <a:srgbClr val="9BBB59"/>
                 </a:solidFill>
-                <a:latin typeface="Consolas"/>
+                <a:latin typeface="Courier New" panose="02070309020205020404" pitchFamily="49" charset="0"/>
                 <a:ea typeface="Consolas"/>
-                <a:cs typeface="Consolas"/>
+                <a:cs typeface="Courier New" panose="02070309020205020404" pitchFamily="49" charset="0"/>
                 <a:sym typeface="Consolas"/>
               </a:rPr>
               <a:t>}</a:t>
             </a:r>
+            <a:r>
+              <a:rPr lang="en-US" sz="2400">
+                <a:solidFill>
+                  <a:srgbClr val="9BBB59"/>
+                </a:solidFill>
+                <a:latin typeface="Courier New" panose="02070309020205020404" pitchFamily="49" charset="0"/>
+                <a:ea typeface="Consolas"/>
+                <a:cs typeface="Courier New" panose="02070309020205020404" pitchFamily="49" charset="0"/>
+                <a:sym typeface="Consolas"/>
+              </a:rPr>
+              <a:t> // end for</a:t>
+            </a:r>
+            <a:endParaRPr sz="2400">
+              <a:solidFill>
+                <a:srgbClr val="9BBB59"/>
+              </a:solidFill>
+              <a:latin typeface="Courier New" panose="02070309020205020404" pitchFamily="49" charset="0"/>
+              <a:ea typeface="Consolas"/>
+              <a:cs typeface="Courier New" panose="02070309020205020404" pitchFamily="49" charset="0"/>
+              <a:sym typeface="Consolas"/>
+            </a:endParaRPr>
           </a:p>
         </p:txBody>
       </p:sp>
@@ -8790,7 +9213,7 @@
                 <a:buChar char="➢"/>
               </a:pPr>
               <a:r>
-                <a:rPr sz="2000" dirty="0">
+                <a:rPr sz="2000">
                   <a:solidFill>
                     <a:srgbClr val="FFFFFF"/>
                   </a:solidFill>
@@ -8798,7 +9221,7 @@
                 <a:t>No index variable </a:t>
               </a:r>
               <a:r>
-                <a:rPr sz="2000" b="1" dirty="0">
+                <a:rPr sz="2000" b="1">
                   <a:solidFill>
                     <a:srgbClr val="FFFFFF"/>
                   </a:solidFill>
@@ -8813,7 +9236,7 @@
                 <a:buChar char="➢"/>
               </a:pPr>
               <a:r>
-                <a:rPr sz="2000" dirty="0">
+                <a:rPr sz="2000">
                   <a:solidFill>
                     <a:srgbClr val="FFFFFF"/>
                   </a:solidFill>
@@ -8821,7 +9244,7 @@
                 <a:t>Gives a name (</a:t>
               </a:r>
               <a:r>
-                <a:rPr sz="2000" b="1" dirty="0">
+                <a:rPr sz="2000" b="1">
                   <a:solidFill>
                     <a:srgbClr val="FFFFFF"/>
                   </a:solidFill>
@@ -8833,7 +9256,7 @@
                 <a:t>score</a:t>
               </a:r>
               <a:r>
-                <a:rPr sz="2000" dirty="0">
+                <a:rPr sz="2000">
                   <a:solidFill>
                     <a:srgbClr val="FFFFFF"/>
                   </a:solidFill>
@@ -9034,7 +9457,7 @@
     </p:spTree>
     <p:extLst>
       <p:ext uri="{BB962C8B-B14F-4D97-AF65-F5344CB8AC3E}">
-        <p14:creationId xmlns:p14="http://schemas.microsoft.com/office/powerpoint/2010/main" val="3304046212"/>
+        <p14:creationId xmlns:p14="http://schemas.microsoft.com/office/powerpoint/2010/main" val="1818300144"/>
       </p:ext>
     </p:extLst>
   </p:cSld>
@@ -9210,14 +9633,14 @@
               <a:defRPr sz="1800"/>
             </a:pPr>
             <a:r>
-              <a:rPr sz="4400" dirty="0"/>
+              <a:rPr sz="4400"/>
               <a:t>Enhanced For and </a:t>
             </a:r>
             <a:r>
-              <a:rPr sz="4400" dirty="0" err="1"/>
+              <a:rPr sz="4400" err="1"/>
               <a:t>ArrayList’s</a:t>
             </a:r>
-            <a:endParaRPr sz="4400" dirty="0"/>
+            <a:endParaRPr sz="4400"/>
           </a:p>
         </p:txBody>
       </p:sp>
@@ -9233,119 +9656,95 @@
         </p:nvSpPr>
         <p:spPr>
           <a:xfrm>
-            <a:off x="152400" y="1481137"/>
-            <a:ext cx="8991600" cy="4525964"/>
+            <a:off x="152400" y="1295400"/>
+            <a:ext cx="8991600" cy="4711701"/>
           </a:xfrm>
           <a:prstGeom prst="rect">
             <a:avLst/>
           </a:prstGeom>
         </p:spPr>
         <p:txBody>
-          <a:bodyPr/>
-          <a:lstStyle/>
-          <a:p>
-            <a:pPr lvl="0">
+          <a:bodyPr>
+            <a:normAutofit lnSpcReduction="10000"/>
+          </a:bodyPr>
+          <a:lstStyle/>
+          <a:p>
+            <a:pPr marL="0" lvl="0" indent="0">
               <a:buClr>
                 <a:srgbClr val="9BBB59"/>
               </a:buClr>
-              <a:buFont typeface="Wingdings 3"/>
-              <a:buChar char=""/>
+              <a:buNone/>
+              <a:tabLst>
+                <a:tab pos="330200" algn="l"/>
+                <a:tab pos="620713" algn="l"/>
+                <a:tab pos="912813" algn="l"/>
+              </a:tabLst>
               <a:defRPr sz="1800"/>
             </a:pPr>
             <a:r>
-              <a:rPr sz="3200" b="1">
-                <a:solidFill>
-                  <a:srgbClr val="9BBB59"/>
-                </a:solidFill>
+              <a:rPr sz="3200" dirty="0" err="1">
                 <a:latin typeface="Courier New"/>
                 <a:ea typeface="Courier New"/>
                 <a:cs typeface="Courier New"/>
                 <a:sym typeface="Courier New"/>
               </a:rPr>
-              <a:t>ArrayList&lt;State&gt; states = …</a:t>
-            </a:r>
-            <a:br>
-              <a:rPr sz="3200" b="1">
-                <a:solidFill>
-                  <a:srgbClr val="9BBB59"/>
-                </a:solidFill>
+              <a:t>ArrayList</a:t>
+            </a:r>
+            <a:r>
+              <a:rPr sz="3200" dirty="0">
                 <a:latin typeface="Courier New"/>
                 <a:ea typeface="Courier New"/>
                 <a:cs typeface="Courier New"/>
                 <a:sym typeface="Courier New"/>
               </a:rPr>
-            </a:br>
-            <a:r>
-              <a:rPr sz="3200" b="1">
-                <a:solidFill>
-                  <a:srgbClr val="9BBB59"/>
-                </a:solidFill>
+              <a:t>&lt;State&gt; states = </a:t>
+            </a:r>
+            <a:r>
+              <a:rPr lang="en-US" sz="3200" b="1" dirty="0">
                 <a:latin typeface="Courier New"/>
                 <a:ea typeface="Courier New"/>
                 <a:cs typeface="Courier New"/>
                 <a:sym typeface="Courier New"/>
               </a:rPr>
-              <a:t>int total = 0;</a:t>
-            </a:r>
-            <a:br>
-              <a:rPr sz="3200" b="1">
-                <a:solidFill>
-                  <a:srgbClr val="9BBB59"/>
-                </a:solidFill>
+              <a:t>new</a:t>
+            </a:r>
+            <a:r>
+              <a:rPr lang="en-US" sz="3200" dirty="0">
                 <a:latin typeface="Courier New"/>
                 <a:ea typeface="Courier New"/>
                 <a:cs typeface="Courier New"/>
                 <a:sym typeface="Courier New"/>
               </a:rPr>
-            </a:br>
-            <a:r>
-              <a:rPr sz="3200" b="1">
-                <a:solidFill>
-                  <a:srgbClr val="9BBB59"/>
-                </a:solidFill>
+              <a:t> </a:t>
+            </a:r>
+            <a:r>
+              <a:rPr sz="3200" dirty="0">
                 <a:latin typeface="Courier New"/>
                 <a:ea typeface="Courier New"/>
                 <a:cs typeface="Courier New"/>
                 <a:sym typeface="Courier New"/>
               </a:rPr>
-              <a:t>for (State state : states) {</a:t>
-            </a:r>
-          </a:p>
-          <a:p>
-            <a:pPr lvl="0">
-              <a:buSzTx/>
-              <a:buNone/>
-              <a:defRPr sz="1800"/>
-            </a:pPr>
-            <a:r>
-              <a:rPr sz="3200" b="1">
-                <a:solidFill>
-                  <a:srgbClr val="9BBB59"/>
-                </a:solidFill>
+              <a:t>…</a:t>
+            </a:r>
+            <a:br>
+              <a:rPr sz="3200" dirty="0">
                 <a:latin typeface="Courier New"/>
                 <a:ea typeface="Courier New"/>
                 <a:cs typeface="Courier New"/>
                 <a:sym typeface="Courier New"/>
               </a:rPr>
-              <a:t>	    </a:t>
-            </a:r>
-            <a:r>
-              <a:rPr sz="2800" b="1">
-                <a:solidFill>
-                  <a:srgbClr val="9BBB59"/>
-                </a:solidFill>
+            </a:br>
+            <a:r>
+              <a:rPr sz="3200" dirty="0">
                 <a:latin typeface="Courier New"/>
                 <a:ea typeface="Courier New"/>
                 <a:cs typeface="Courier New"/>
                 <a:sym typeface="Courier New"/>
               </a:rPr>
-              <a:t>total += state.getElectoralVotes();</a:t>
+              <a:t>int total = 0;</a:t>
             </a:r>
             <a:br>
-              <a:rPr sz="2800" b="1">
-                <a:solidFill>
-                  <a:srgbClr val="9BBB59"/>
-                </a:solidFill>
+              <a:rPr sz="3200" dirty="0">
                 <a:latin typeface="Courier New"/>
                 <a:ea typeface="Courier New"/>
                 <a:cs typeface="Courier New"/>
@@ -9353,24 +9752,231 @@
               </a:rPr>
             </a:br>
             <a:r>
-              <a:rPr sz="3200" b="1">
-                <a:solidFill>
-                  <a:srgbClr val="9BBB59"/>
-                </a:solidFill>
+              <a:rPr sz="3200" b="1" dirty="0">
                 <a:latin typeface="Courier New"/>
                 <a:ea typeface="Courier New"/>
                 <a:cs typeface="Courier New"/>
                 <a:sym typeface="Courier New"/>
               </a:rPr>
+              <a:t>for</a:t>
+            </a:r>
+            <a:r>
+              <a:rPr sz="3200" dirty="0">
+                <a:latin typeface="Courier New"/>
+                <a:ea typeface="Courier New"/>
+                <a:cs typeface="Courier New"/>
+                <a:sym typeface="Courier New"/>
+              </a:rPr>
+              <a:t> (State </a:t>
+            </a:r>
+            <a:r>
+              <a:rPr lang="en-US" sz="3200" dirty="0" err="1">
+                <a:latin typeface="Courier New"/>
+                <a:ea typeface="Courier New"/>
+                <a:cs typeface="Courier New"/>
+                <a:sym typeface="Courier New"/>
+              </a:rPr>
+              <a:t>oneState</a:t>
+            </a:r>
+            <a:r>
+              <a:rPr sz="3200" dirty="0">
+                <a:latin typeface="Courier New"/>
+                <a:ea typeface="Courier New"/>
+                <a:cs typeface="Courier New"/>
+                <a:sym typeface="Courier New"/>
+              </a:rPr>
+              <a:t> : states) {</a:t>
+            </a:r>
+          </a:p>
+          <a:p>
+            <a:pPr marL="0" lvl="0" indent="0">
+              <a:buSzTx/>
+              <a:buNone/>
+              <a:tabLst>
+                <a:tab pos="330200" algn="l"/>
+                <a:tab pos="620713" algn="l"/>
+                <a:tab pos="912813" algn="l"/>
+              </a:tabLst>
+              <a:defRPr sz="1800"/>
+            </a:pPr>
+            <a:r>
+              <a:rPr lang="en-US" dirty="0">
+                <a:latin typeface="Courier New"/>
+                <a:ea typeface="Courier New"/>
+                <a:cs typeface="Courier New"/>
+                <a:sym typeface="Courier New"/>
+              </a:rPr>
+              <a:t>	</a:t>
+            </a:r>
+            <a:r>
+              <a:rPr sz="2800" dirty="0">
+                <a:latin typeface="Courier New"/>
+                <a:ea typeface="Courier New"/>
+                <a:cs typeface="Courier New"/>
+                <a:sym typeface="Courier New"/>
+              </a:rPr>
+              <a:t>total += </a:t>
+            </a:r>
+            <a:r>
+              <a:rPr lang="en-US" sz="2800" dirty="0" err="1">
+                <a:latin typeface="Courier New"/>
+                <a:ea typeface="Courier New"/>
+                <a:cs typeface="Courier New"/>
+                <a:sym typeface="Courier New"/>
+              </a:rPr>
+              <a:t>oneState</a:t>
+            </a:r>
+            <a:r>
+              <a:rPr sz="2800" dirty="0" err="1">
+                <a:latin typeface="Courier New"/>
+                <a:ea typeface="Courier New"/>
+                <a:cs typeface="Courier New"/>
+                <a:sym typeface="Courier New"/>
+              </a:rPr>
+              <a:t>.getElectoralVotes</a:t>
+            </a:r>
+            <a:r>
+              <a:rPr sz="2800" dirty="0">
+                <a:latin typeface="Courier New"/>
+                <a:ea typeface="Courier New"/>
+                <a:cs typeface="Courier New"/>
+                <a:sym typeface="Courier New"/>
+              </a:rPr>
+              <a:t>();</a:t>
+            </a:r>
+            <a:endParaRPr lang="en-US" sz="2800" dirty="0">
+              <a:latin typeface="Courier New"/>
+              <a:ea typeface="Courier New"/>
+              <a:cs typeface="Courier New"/>
+              <a:sym typeface="Courier New"/>
+            </a:endParaRPr>
+          </a:p>
+          <a:p>
+            <a:pPr marL="0" lvl="0" indent="0">
+              <a:buSzTx/>
+              <a:buNone/>
+              <a:tabLst>
+                <a:tab pos="330200" algn="l"/>
+                <a:tab pos="620713" algn="l"/>
+                <a:tab pos="912813" algn="l"/>
+              </a:tabLst>
+              <a:defRPr sz="1800"/>
+            </a:pPr>
+            <a:r>
+              <a:rPr sz="3200" dirty="0">
+                <a:latin typeface="Courier New"/>
+                <a:ea typeface="Courier New"/>
+                <a:cs typeface="Courier New"/>
+                <a:sym typeface="Courier New"/>
+              </a:rPr>
               <a:t>}</a:t>
             </a:r>
+            <a:r>
+              <a:rPr lang="en-US" sz="3200" dirty="0">
+                <a:latin typeface="Courier New"/>
+                <a:ea typeface="Courier New"/>
+                <a:cs typeface="Courier New"/>
+                <a:sym typeface="Courier New"/>
+              </a:rPr>
+              <a:t> // end for</a:t>
+            </a:r>
+          </a:p>
+          <a:p>
+            <a:pPr marL="0" lvl="0" indent="0">
+              <a:buSzTx/>
+              <a:buNone/>
+              <a:tabLst>
+                <a:tab pos="330200" algn="l"/>
+                <a:tab pos="620713" algn="l"/>
+                <a:tab pos="912813" algn="l"/>
+              </a:tabLst>
+              <a:defRPr sz="1800"/>
+            </a:pPr>
+            <a:r>
+              <a:rPr lang="en-US" sz="3200" dirty="0">
+                <a:latin typeface="Courier New"/>
+                <a:ea typeface="Courier New"/>
+                <a:cs typeface="Courier New"/>
+                <a:sym typeface="Courier New"/>
+              </a:rPr>
+              <a:t>	</a:t>
+            </a:r>
+          </a:p>
+          <a:p>
+            <a:pPr>
+              <a:defRPr sz="1800"/>
+            </a:pPr>
+            <a:r>
+              <a:rPr lang="en-US" sz="3200" dirty="0">
+                <a:latin typeface="+mj-lt"/>
+                <a:ea typeface="Courier New"/>
+                <a:cs typeface="Courier New"/>
+                <a:sym typeface="Courier New"/>
+              </a:rPr>
+              <a:t>State is a user defined class</a:t>
+            </a:r>
+          </a:p>
+          <a:p>
+            <a:pPr>
+              <a:defRPr sz="1800"/>
+            </a:pPr>
+            <a:r>
+              <a:rPr lang="en-US" sz="3200" dirty="0" err="1">
+                <a:latin typeface="+mj-lt"/>
+                <a:ea typeface="Courier New"/>
+                <a:cs typeface="Courier New"/>
+                <a:sym typeface="Courier New"/>
+              </a:rPr>
+              <a:t>getElectoralVotes</a:t>
+            </a:r>
+            <a:r>
+              <a:rPr lang="en-US" sz="3200" dirty="0">
+                <a:latin typeface="+mj-lt"/>
+                <a:ea typeface="Courier New"/>
+                <a:cs typeface="Courier New"/>
+                <a:sym typeface="Courier New"/>
+              </a:rPr>
+              <a:t>() is a method in State</a:t>
+            </a:r>
+            <a:br>
+              <a:rPr lang="en-US" sz="3200" dirty="0">
+                <a:latin typeface="+mj-lt"/>
+                <a:ea typeface="Courier New"/>
+                <a:cs typeface="Courier New"/>
+                <a:sym typeface="Courier New"/>
+              </a:rPr>
+            </a:br>
+            <a:r>
+              <a:rPr lang="en-US" sz="3200" dirty="0">
+                <a:latin typeface="+mj-lt"/>
+                <a:ea typeface="Courier New"/>
+                <a:cs typeface="Courier New"/>
+                <a:sym typeface="Courier New"/>
+              </a:rPr>
+              <a:t>which returns an </a:t>
+            </a:r>
+            <a:r>
+              <a:rPr lang="en-US" sz="3200" i="1" dirty="0">
+                <a:latin typeface="+mj-lt"/>
+                <a:ea typeface="Courier New"/>
+                <a:cs typeface="Courier New"/>
+                <a:sym typeface="Courier New"/>
+              </a:rPr>
+              <a:t>int</a:t>
+            </a:r>
+            <a:endParaRPr sz="3200" dirty="0">
+              <a:latin typeface="+mj-lt"/>
+              <a:ea typeface="Courier New"/>
+              <a:cs typeface="Courier New"/>
+              <a:sym typeface="Courier New"/>
+            </a:endParaRPr>
           </a:p>
         </p:txBody>
       </p:sp>
     </p:spTree>
     <p:extLst>
       <p:ext uri="{BB962C8B-B14F-4D97-AF65-F5344CB8AC3E}">
-        <p14:creationId xmlns:p14="http://schemas.microsoft.com/office/powerpoint/2010/main" val="3578535065"/>
+        <p14:creationId xmlns:p14="http://schemas.microsoft.com/office/powerpoint/2010/main" val="1382428682"/>
       </p:ext>
     </p:extLst>
   </p:cSld>
@@ -9399,7 +10005,7 @@
       </p:grpSpPr>
       <p:sp>
         <p:nvSpPr>
-          <p:cNvPr id="2" name="Title 1"/>
+          <p:cNvPr id="3" name="Title 2"/>
           <p:cNvSpPr>
             <a:spLocks noGrp="1"/>
           </p:cNvSpPr>
@@ -9416,105 +10022,15 @@
           <a:p>
             <a:r>
               <a:rPr lang="en-US" dirty="0"/>
-              <a:t>2D Arrays – What, When, Why, How?</a:t>
-            </a:r>
-          </a:p>
-        </p:txBody>
-      </p:sp>
-      <p:sp>
-        <p:nvSpPr>
-          <p:cNvPr id="3" name="Content Placeholder 2"/>
-          <p:cNvSpPr>
-            <a:spLocks noGrp="1"/>
-          </p:cNvSpPr>
-          <p:nvPr>
-            <p:ph idx="1"/>
-          </p:nvPr>
-        </p:nvSpPr>
-        <p:spPr/>
-        <p:txBody>
-          <a:bodyPr>
-            <a:normAutofit lnSpcReduction="10000"/>
-          </a:bodyPr>
-          <a:lstStyle/>
-          <a:p>
-            <a:pPr marL="0" indent="0">
-              <a:buNone/>
-            </a:pPr>
-            <a:r>
-              <a:rPr lang="en-US" dirty="0"/>
-              <a:t>What:</a:t>
-            </a:r>
-          </a:p>
-          <a:p>
-            <a:r>
-              <a:rPr lang="en-US" dirty="0"/>
-              <a:t>Think of them as an array of arrays</a:t>
-            </a:r>
-          </a:p>
-          <a:p>
-            <a:r>
-              <a:rPr lang="is-IS" dirty="0"/>
-              <a:t>… or</a:t>
-            </a:r>
-            <a:r>
-              <a:rPr lang="en-US" dirty="0"/>
-              <a:t> as a grid with rows &amp; columns</a:t>
-            </a:r>
-          </a:p>
-          <a:p>
-            <a:pPr marL="0" indent="0">
-              <a:buNone/>
-            </a:pPr>
-            <a:r>
-              <a:rPr lang="en-US" dirty="0"/>
-              <a:t>When:</a:t>
-            </a:r>
-          </a:p>
-          <a:p>
-            <a:pPr lvl="1"/>
-            <a:r>
-              <a:rPr lang="en-US" dirty="0"/>
-              <a:t>Represent 2 dimensional data</a:t>
-            </a:r>
-          </a:p>
-          <a:p>
-            <a:pPr lvl="2"/>
-            <a:r>
-              <a:rPr lang="en-US" dirty="0"/>
-              <a:t>Game Boards</a:t>
-            </a:r>
-          </a:p>
-          <a:p>
-            <a:pPr lvl="2"/>
-            <a:r>
-              <a:rPr lang="en-US" dirty="0"/>
-              <a:t>Tables</a:t>
-            </a:r>
-          </a:p>
-          <a:p>
-            <a:pPr lvl="2"/>
-            <a:r>
-              <a:rPr lang="en-US" dirty="0"/>
-              <a:t>Multiple lists of items</a:t>
-            </a:r>
-          </a:p>
-          <a:p>
-            <a:pPr lvl="2"/>
-            <a:r>
-              <a:rPr lang="en-US" dirty="0"/>
-              <a:t>Etc.</a:t>
-            </a:r>
-          </a:p>
-          <a:p>
-            <a:endParaRPr lang="en-US" dirty="0"/>
+              <a:t>Begin 2D Arrays Part of Today’s Discussion</a:t>
+            </a:r>
           </a:p>
         </p:txBody>
       </p:sp>
     </p:spTree>
     <p:extLst>
       <p:ext uri="{BB962C8B-B14F-4D97-AF65-F5344CB8AC3E}">
-        <p14:creationId xmlns:p14="http://schemas.microsoft.com/office/powerpoint/2010/main" val="3217275776"/>
+        <p14:creationId xmlns:p14="http://schemas.microsoft.com/office/powerpoint/2010/main" val="4028601185"/>
       </p:ext>
     </p:extLst>
   </p:cSld>
@@ -9575,15 +10091,10 @@
             <p:ph idx="1"/>
           </p:nvPr>
         </p:nvSpPr>
-        <p:spPr>
-          <a:xfrm>
-            <a:off x="457200" y="1600200"/>
-            <a:ext cx="8534400" cy="4876800"/>
-          </a:xfrm>
-        </p:spPr>
+        <p:spPr/>
         <p:txBody>
           <a:bodyPr>
-            <a:normAutofit/>
+            <a:normAutofit lnSpcReduction="10000"/>
           </a:bodyPr>
           <a:lstStyle/>
           <a:p>
@@ -9592,13 +10103,23 @@
             </a:pPr>
             <a:r>
               <a:rPr lang="en-US" dirty="0"/>
-              <a:t>Why:</a:t>
+              <a:t>What:</a:t>
             </a:r>
           </a:p>
           <a:p>
             <a:r>
               <a:rPr lang="en-US" dirty="0"/>
-              <a:t>Match your data representation as closely as possible to the real-world</a:t>
+              <a:t>Think of them as an array of arrays</a:t>
+            </a:r>
+          </a:p>
+          <a:p>
+            <a:r>
+              <a:rPr lang="is-IS" dirty="0"/>
+              <a:t>… or</a:t>
+            </a:r>
+            <a:r>
+              <a:rPr lang="en-US" dirty="0"/>
+              <a:t> as a grid with rows &amp; columns</a:t>
             </a:r>
           </a:p>
           <a:p>
@@ -9607,81 +10128,45 @@
             </a:pPr>
             <a:r>
               <a:rPr lang="en-US" dirty="0"/>
-              <a:t>How:</a:t>
-            </a:r>
-          </a:p>
-          <a:p>
+              <a:t>When:</a:t>
+            </a:r>
+          </a:p>
+          <a:p>
+            <a:pPr lvl="1"/>
             <a:r>
               <a:rPr lang="en-US" dirty="0"/>
-              <a:t>char[][] </a:t>
-            </a:r>
-            <a:r>
-              <a:rPr lang="en-US" dirty="0" err="1"/>
-              <a:t>ticTacToe</a:t>
-            </a:r>
+              <a:t>Represent 2 dimensional data</a:t>
+            </a:r>
+          </a:p>
+          <a:p>
+            <a:pPr lvl="2"/>
             <a:r>
               <a:rPr lang="en-US" dirty="0"/>
-              <a:t> = new char[3][3];</a:t>
-            </a:r>
-          </a:p>
-          <a:p>
+              <a:t>Game Boards</a:t>
+            </a:r>
+          </a:p>
+          <a:p>
+            <a:pPr lvl="2"/>
             <a:r>
               <a:rPr lang="en-US" dirty="0"/>
-              <a:t>Retrieving data</a:t>
-            </a:r>
-          </a:p>
-          <a:p>
-            <a:pPr lvl="1"/>
-            <a:r>
-              <a:rPr lang="en-US" dirty="0" err="1"/>
-              <a:t>ticTacToe</a:t>
-            </a:r>
+              <a:t>Tables</a:t>
+            </a:r>
+          </a:p>
+          <a:p>
+            <a:pPr lvl="2"/>
             <a:r>
               <a:rPr lang="en-US" dirty="0"/>
-              <a:t>[0] </a:t>
-            </a:r>
-            <a:r>
-              <a:rPr lang="en-US" dirty="0">
-                <a:sym typeface="Wingdings" panose="05000000000000000000" pitchFamily="2" charset="2"/>
-              </a:rPr>
-              <a:t></a:t>
-            </a:r>
+              <a:t>Multiple lists of items</a:t>
+            </a:r>
+          </a:p>
+          <a:p>
+            <a:pPr lvl="2"/>
             <a:r>
               <a:rPr lang="en-US" dirty="0"/>
-              <a:t> Gets the first char[] </a:t>
-            </a:r>
-          </a:p>
-          <a:p>
-            <a:pPr lvl="1"/>
-            <a:r>
-              <a:rPr lang="en-US" dirty="0" err="1"/>
-              <a:t>ticTacToe</a:t>
-            </a:r>
-            <a:r>
-              <a:rPr lang="en-US" dirty="0"/>
-              <a:t>[1][2] </a:t>
-            </a:r>
-            <a:r>
-              <a:rPr lang="en-US" dirty="0">
-                <a:sym typeface="Wingdings" panose="05000000000000000000" pitchFamily="2" charset="2"/>
-              </a:rPr>
-              <a:t>Gets the second array’s third item</a:t>
-            </a:r>
-            <a:endParaRPr lang="en-US" dirty="0"/>
-          </a:p>
-          <a:p>
-            <a:endParaRPr lang="en-US" dirty="0"/>
-          </a:p>
-          <a:p>
-            <a:pPr marL="0" indent="0">
-              <a:buNone/>
-            </a:pPr>
-            <a:endParaRPr lang="en-US" dirty="0"/>
-          </a:p>
-          <a:p>
-            <a:pPr marL="0" indent="0">
-              <a:buNone/>
-            </a:pPr>
+              <a:t>Etc.</a:t>
+            </a:r>
+          </a:p>
+          <a:p>
             <a:endParaRPr lang="en-US" dirty="0"/>
           </a:p>
         </p:txBody>
@@ -9689,7 +10174,7 @@
     </p:spTree>
     <p:extLst>
       <p:ext uri="{BB962C8B-B14F-4D97-AF65-F5344CB8AC3E}">
-        <p14:creationId xmlns:p14="http://schemas.microsoft.com/office/powerpoint/2010/main" val="1265363463"/>
+        <p14:creationId xmlns:p14="http://schemas.microsoft.com/office/powerpoint/2010/main" val="3217275776"/>
       </p:ext>
     </p:extLst>
   </p:cSld>
@@ -10090,6 +10575,181 @@
         </p:nvSpPr>
         <p:spPr/>
         <p:txBody>
+          <a:bodyPr>
+            <a:normAutofit fontScale="90000"/>
+          </a:bodyPr>
+          <a:lstStyle/>
+          <a:p>
+            <a:r>
+              <a:rPr lang="en-US" dirty="0"/>
+              <a:t>2D Arrays – What, When, Why, How?</a:t>
+            </a:r>
+          </a:p>
+        </p:txBody>
+      </p:sp>
+      <p:sp>
+        <p:nvSpPr>
+          <p:cNvPr id="3" name="Content Placeholder 2"/>
+          <p:cNvSpPr>
+            <a:spLocks noGrp="1"/>
+          </p:cNvSpPr>
+          <p:nvPr>
+            <p:ph idx="1"/>
+          </p:nvPr>
+        </p:nvSpPr>
+        <p:spPr>
+          <a:xfrm>
+            <a:off x="457200" y="1600200"/>
+            <a:ext cx="8534400" cy="4876800"/>
+          </a:xfrm>
+        </p:spPr>
+        <p:txBody>
+          <a:bodyPr>
+            <a:normAutofit/>
+          </a:bodyPr>
+          <a:lstStyle/>
+          <a:p>
+            <a:pPr marL="0" indent="0">
+              <a:buNone/>
+            </a:pPr>
+            <a:r>
+              <a:rPr lang="en-US" dirty="0"/>
+              <a:t>Why:</a:t>
+            </a:r>
+          </a:p>
+          <a:p>
+            <a:r>
+              <a:rPr lang="en-US" dirty="0"/>
+              <a:t>Match your data representation as closely as possible to the real-world</a:t>
+            </a:r>
+          </a:p>
+          <a:p>
+            <a:pPr marL="0" indent="0">
+              <a:buNone/>
+            </a:pPr>
+            <a:r>
+              <a:rPr lang="en-US" dirty="0"/>
+              <a:t>How:</a:t>
+            </a:r>
+          </a:p>
+          <a:p>
+            <a:r>
+              <a:rPr lang="en-US" dirty="0"/>
+              <a:t>char[][] </a:t>
+            </a:r>
+            <a:r>
+              <a:rPr lang="en-US" dirty="0" err="1"/>
+              <a:t>ticTacToe</a:t>
+            </a:r>
+            <a:r>
+              <a:rPr lang="en-US" dirty="0"/>
+              <a:t> = new char[3][3];</a:t>
+            </a:r>
+          </a:p>
+          <a:p>
+            <a:r>
+              <a:rPr lang="en-US" dirty="0"/>
+              <a:t>Retrieving data</a:t>
+            </a:r>
+          </a:p>
+          <a:p>
+            <a:pPr lvl="1"/>
+            <a:r>
+              <a:rPr lang="en-US" dirty="0" err="1"/>
+              <a:t>ticTacToe</a:t>
+            </a:r>
+            <a:r>
+              <a:rPr lang="en-US" dirty="0"/>
+              <a:t>[0] </a:t>
+            </a:r>
+            <a:r>
+              <a:rPr lang="en-US" dirty="0">
+                <a:sym typeface="Wingdings" panose="05000000000000000000" pitchFamily="2" charset="2"/>
+              </a:rPr>
+              <a:t></a:t>
+            </a:r>
+            <a:r>
+              <a:rPr lang="en-US" dirty="0"/>
+              <a:t> Gets the first char[] </a:t>
+            </a:r>
+          </a:p>
+          <a:p>
+            <a:pPr lvl="1"/>
+            <a:r>
+              <a:rPr lang="en-US" dirty="0" err="1"/>
+              <a:t>ticTacToe</a:t>
+            </a:r>
+            <a:r>
+              <a:rPr lang="en-US" dirty="0"/>
+              <a:t>[1][2] </a:t>
+            </a:r>
+            <a:r>
+              <a:rPr lang="en-US" dirty="0">
+                <a:sym typeface="Wingdings" panose="05000000000000000000" pitchFamily="2" charset="2"/>
+              </a:rPr>
+              <a:t>Gets the second array’s third item</a:t>
+            </a:r>
+            <a:endParaRPr lang="en-US" dirty="0"/>
+          </a:p>
+          <a:p>
+            <a:endParaRPr lang="en-US" dirty="0"/>
+          </a:p>
+          <a:p>
+            <a:pPr marL="0" indent="0">
+              <a:buNone/>
+            </a:pPr>
+            <a:endParaRPr lang="en-US" dirty="0"/>
+          </a:p>
+          <a:p>
+            <a:pPr marL="0" indent="0">
+              <a:buNone/>
+            </a:pPr>
+            <a:endParaRPr lang="en-US" dirty="0"/>
+          </a:p>
+        </p:txBody>
+      </p:sp>
+    </p:spTree>
+    <p:extLst>
+      <p:ext uri="{BB962C8B-B14F-4D97-AF65-F5344CB8AC3E}">
+        <p14:creationId xmlns:p14="http://schemas.microsoft.com/office/powerpoint/2010/main" val="1265363463"/>
+      </p:ext>
+    </p:extLst>
+  </p:cSld>
+  <p:clrMapOvr>
+    <a:masterClrMapping/>
+  </p:clrMapOvr>
+</p:sld>
+</file>
+
+<file path=ppt/slides/slide21.xml><?xml version="1.0" encoding="utf-8"?>
+<p:sld xmlns:a="http://schemas.openxmlformats.org/drawingml/2006/main" xmlns:r="http://schemas.openxmlformats.org/officeDocument/2006/relationships" xmlns:p="http://schemas.openxmlformats.org/presentationml/2006/main">
+  <p:cSld>
+    <p:spTree>
+      <p:nvGrpSpPr>
+        <p:cNvPr id="1" name=""/>
+        <p:cNvGrpSpPr/>
+        <p:nvPr/>
+      </p:nvGrpSpPr>
+      <p:grpSpPr>
+        <a:xfrm>
+          <a:off x="0" y="0"/>
+          <a:ext cx="0" cy="0"/>
+          <a:chOff x="0" y="0"/>
+          <a:chExt cx="0" cy="0"/>
+        </a:xfrm>
+      </p:grpSpPr>
+      <p:sp>
+        <p:nvSpPr>
+          <p:cNvPr id="2" name="Title 1"/>
+          <p:cNvSpPr>
+            <a:spLocks noGrp="1"/>
+          </p:cNvSpPr>
+          <p:nvPr>
+            <p:ph type="title"/>
+          </p:nvPr>
+        </p:nvSpPr>
+        <p:spPr/>
+        <p:txBody>
           <a:bodyPr/>
           <a:lstStyle/>
           <a:p>
@@ -10161,7 +10821,7 @@
 </p:sld>
 </file>
 
-<file path=ppt/slides/slide21.xml><?xml version="1.0" encoding="utf-8"?>
+<file path=ppt/slides/slide22.xml><?xml version="1.0" encoding="utf-8"?>
 <p:sld xmlns:a="http://schemas.openxmlformats.org/drawingml/2006/main" xmlns:r="http://schemas.openxmlformats.org/officeDocument/2006/relationships" xmlns:p="http://schemas.openxmlformats.org/presentationml/2006/main">
   <p:cSld>
     <p:spTree>
@@ -10261,7 +10921,7 @@
 </p:sld>
 </file>
 
-<file path=ppt/slides/slide22.xml><?xml version="1.0" encoding="utf-8"?>
+<file path=ppt/slides/slide23.xml><?xml version="1.0" encoding="utf-8"?>
 <p:sld xmlns:a="http://schemas.openxmlformats.org/drawingml/2006/main" xmlns:r="http://schemas.openxmlformats.org/officeDocument/2006/relationships" xmlns:p="http://schemas.openxmlformats.org/presentationml/2006/main">
   <p:cSld>
     <p:spTree>
@@ -10361,7 +11021,7 @@
 </p:sld>
 </file>
 
-<file path=ppt/slides/slide23.xml><?xml version="1.0" encoding="utf-8"?>
+<file path=ppt/slides/slide24.xml><?xml version="1.0" encoding="utf-8"?>
 <p:sld xmlns:a="http://schemas.openxmlformats.org/drawingml/2006/main" xmlns:r="http://schemas.openxmlformats.org/officeDocument/2006/relationships" xmlns:p="http://schemas.openxmlformats.org/presentationml/2006/main">
   <p:cSld>
     <p:spTree>
@@ -10485,119 +11145,6 @@
     <p:extLst>
       <p:ext uri="{BB962C8B-B14F-4D97-AF65-F5344CB8AC3E}">
         <p14:creationId xmlns:p14="http://schemas.microsoft.com/office/powerpoint/2010/main" val="1078238249"/>
-      </p:ext>
-    </p:extLst>
-  </p:cSld>
-  <p:clrMapOvr>
-    <a:masterClrMapping/>
-  </p:clrMapOvr>
-</p:sld>
-</file>
-
-<file path=ppt/slides/slide24.xml><?xml version="1.0" encoding="utf-8"?>
-<p:sld xmlns:a="http://schemas.openxmlformats.org/drawingml/2006/main" xmlns:r="http://schemas.openxmlformats.org/officeDocument/2006/relationships" xmlns:p="http://schemas.openxmlformats.org/presentationml/2006/main">
-  <p:cSld>
-    <p:spTree>
-      <p:nvGrpSpPr>
-        <p:cNvPr id="1" name=""/>
-        <p:cNvGrpSpPr/>
-        <p:nvPr/>
-      </p:nvGrpSpPr>
-      <p:grpSpPr>
-        <a:xfrm>
-          <a:off x="0" y="0"/>
-          <a:ext cx="0" cy="0"/>
-          <a:chOff x="0" y="0"/>
-          <a:chExt cx="0" cy="0"/>
-        </a:xfrm>
-      </p:grpSpPr>
-      <p:sp>
-        <p:nvSpPr>
-          <p:cNvPr id="2" name="Title 1"/>
-          <p:cNvSpPr>
-            <a:spLocks noGrp="1"/>
-          </p:cNvSpPr>
-          <p:nvPr>
-            <p:ph type="title"/>
-          </p:nvPr>
-        </p:nvSpPr>
-        <p:spPr/>
-        <p:txBody>
-          <a:bodyPr/>
-          <a:lstStyle/>
-          <a:p>
-            <a:r>
-              <a:rPr lang="en-US" dirty="0"/>
-              <a:t>Creating a 2D char array</a:t>
-            </a:r>
-          </a:p>
-        </p:txBody>
-      </p:sp>
-      <p:pic>
-        <p:nvPicPr>
-          <p:cNvPr id="3" name="Picture 2"/>
-          <p:cNvPicPr>
-            <a:picLocks noChangeAspect="1"/>
-          </p:cNvPicPr>
-          <p:nvPr/>
-        </p:nvPicPr>
-        <p:blipFill>
-          <a:blip r:embed="rId2"/>
-          <a:stretch>
-            <a:fillRect/>
-          </a:stretch>
-        </p:blipFill>
-        <p:spPr>
-          <a:xfrm>
-            <a:off x="1676400" y="2202795"/>
-            <a:ext cx="5636440" cy="4537074"/>
-          </a:xfrm>
-          <a:prstGeom prst="rect">
-            <a:avLst/>
-          </a:prstGeom>
-        </p:spPr>
-      </p:pic>
-      <p:sp>
-        <p:nvSpPr>
-          <p:cNvPr id="5" name="TextBox 4"/>
-          <p:cNvSpPr txBox="1"/>
-          <p:nvPr/>
-        </p:nvSpPr>
-        <p:spPr>
-          <a:xfrm>
-            <a:off x="1676400" y="1371600"/>
-            <a:ext cx="5791200" cy="523220"/>
-          </a:xfrm>
-          <a:prstGeom prst="rect">
-            <a:avLst/>
-          </a:prstGeom>
-          <a:noFill/>
-        </p:spPr>
-        <p:txBody>
-          <a:bodyPr wrap="square" rtlCol="0">
-            <a:spAutoFit/>
-          </a:bodyPr>
-          <a:lstStyle/>
-          <a:p>
-            <a:r>
-              <a:rPr lang="en-US" sz="2800" dirty="0" err="1">
-                <a:latin typeface="Consolas" panose="020B0609020204030204" pitchFamily="49" charset="0"/>
-              </a:rPr>
-              <a:t>ticTacToe</a:t>
-            </a:r>
-            <a:r>
-              <a:rPr lang="en-US" sz="2800" dirty="0">
-                <a:latin typeface="Consolas" panose="020B0609020204030204" pitchFamily="49" charset="0"/>
-              </a:rPr>
-              <a:t>[ 1 ][  1 ] = ‘X’;</a:t>
-            </a:r>
-          </a:p>
-        </p:txBody>
-      </p:sp>
-    </p:spTree>
-    <p:extLst>
-      <p:ext uri="{BB962C8B-B14F-4D97-AF65-F5344CB8AC3E}">
-        <p14:creationId xmlns:p14="http://schemas.microsoft.com/office/powerpoint/2010/main" val="242874814"/>
       </p:ext>
     </p:extLst>
   </p:cSld>
@@ -10707,39 +11254,10 @@
           </a:p>
         </p:txBody>
       </p:sp>
-      <p:sp>
-        <p:nvSpPr>
-          <p:cNvPr id="6" name="TextBox 5"/>
-          <p:cNvSpPr txBox="1"/>
-          <p:nvPr/>
-        </p:nvSpPr>
-        <p:spPr>
-          <a:xfrm>
-            <a:off x="5105400" y="4419600"/>
-            <a:ext cx="685800" cy="769441"/>
-          </a:xfrm>
-          <a:prstGeom prst="rect">
-            <a:avLst/>
-          </a:prstGeom>
-          <a:noFill/>
-        </p:spPr>
-        <p:txBody>
-          <a:bodyPr wrap="square" rtlCol="0">
-            <a:spAutoFit/>
-          </a:bodyPr>
-          <a:lstStyle/>
-          <a:p>
-            <a:r>
-              <a:rPr lang="en-US" sz="4400" dirty="0"/>
-              <a:t>X</a:t>
-            </a:r>
-          </a:p>
-        </p:txBody>
-      </p:sp>
     </p:spTree>
     <p:extLst>
       <p:ext uri="{BB962C8B-B14F-4D97-AF65-F5344CB8AC3E}">
-        <p14:creationId xmlns:p14="http://schemas.microsoft.com/office/powerpoint/2010/main" val="2703764021"/>
+        <p14:creationId xmlns:p14="http://schemas.microsoft.com/office/powerpoint/2010/main" val="242874814"/>
       </p:ext>
     </p:extLst>
   </p:cSld>
@@ -10844,7 +11362,7 @@
               <a:rPr lang="en-US" sz="2800" dirty="0">
                 <a:latin typeface="Consolas" panose="020B0609020204030204" pitchFamily="49" charset="0"/>
               </a:rPr>
-              <a:t>[ 0 ][  1 ] = ‘O’;</a:t>
+              <a:t>[ 1 ][  1 ] = ‘X’;</a:t>
             </a:r>
           </a:p>
         </p:txBody>
@@ -10881,7 +11399,7 @@
     </p:spTree>
     <p:extLst>
       <p:ext uri="{BB962C8B-B14F-4D97-AF65-F5344CB8AC3E}">
-        <p14:creationId xmlns:p14="http://schemas.microsoft.com/office/powerpoint/2010/main" val="3089089331"/>
+        <p14:creationId xmlns:p14="http://schemas.microsoft.com/office/powerpoint/2010/main" val="2703764021"/>
       </p:ext>
     </p:extLst>
   </p:cSld>
@@ -11020,39 +11538,10 @@
           </a:p>
         </p:txBody>
       </p:sp>
-      <p:sp>
-        <p:nvSpPr>
-          <p:cNvPr id="7" name="TextBox 6"/>
-          <p:cNvSpPr txBox="1"/>
-          <p:nvPr/>
-        </p:nvSpPr>
-        <p:spPr>
-          <a:xfrm>
-            <a:off x="5122178" y="3249722"/>
-            <a:ext cx="685800" cy="769441"/>
-          </a:xfrm>
-          <a:prstGeom prst="rect">
-            <a:avLst/>
-          </a:prstGeom>
-          <a:noFill/>
-        </p:spPr>
-        <p:txBody>
-          <a:bodyPr wrap="square" rtlCol="0">
-            <a:spAutoFit/>
-          </a:bodyPr>
-          <a:lstStyle/>
-          <a:p>
-            <a:r>
-              <a:rPr lang="en-US" sz="4400" dirty="0"/>
-              <a:t>O</a:t>
-            </a:r>
-          </a:p>
-        </p:txBody>
-      </p:sp>
     </p:spTree>
     <p:extLst>
       <p:ext uri="{BB962C8B-B14F-4D97-AF65-F5344CB8AC3E}">
-        <p14:creationId xmlns:p14="http://schemas.microsoft.com/office/powerpoint/2010/main" val="4183252574"/>
+        <p14:creationId xmlns:p14="http://schemas.microsoft.com/office/powerpoint/2010/main" val="3089089331"/>
       </p:ext>
     </p:extLst>
   </p:cSld>
@@ -11157,7 +11646,7 @@
               <a:rPr lang="en-US" sz="2800" dirty="0">
                 <a:latin typeface="Consolas" panose="020B0609020204030204" pitchFamily="49" charset="0"/>
               </a:rPr>
-              <a:t>[ 2 ][  2 ] = ‘X’;</a:t>
+              <a:t>[ 0 ][  1 ] = ‘O’;</a:t>
             </a:r>
           </a:p>
         </p:txBody>
@@ -11223,7 +11712,7 @@
     </p:spTree>
     <p:extLst>
       <p:ext uri="{BB962C8B-B14F-4D97-AF65-F5344CB8AC3E}">
-        <p14:creationId xmlns:p14="http://schemas.microsoft.com/office/powerpoint/2010/main" val="1109014256"/>
+        <p14:creationId xmlns:p14="http://schemas.microsoft.com/office/powerpoint/2010/main" val="4183252574"/>
       </p:ext>
     </p:extLst>
   </p:cSld>
@@ -11391,39 +11880,10 @@
           </a:p>
         </p:txBody>
       </p:sp>
-      <p:sp>
-        <p:nvSpPr>
-          <p:cNvPr id="8" name="TextBox 7"/>
-          <p:cNvSpPr txBox="1"/>
-          <p:nvPr/>
-        </p:nvSpPr>
-        <p:spPr>
-          <a:xfrm>
-            <a:off x="6172200" y="5638800"/>
-            <a:ext cx="685800" cy="769441"/>
-          </a:xfrm>
-          <a:prstGeom prst="rect">
-            <a:avLst/>
-          </a:prstGeom>
-          <a:noFill/>
-        </p:spPr>
-        <p:txBody>
-          <a:bodyPr wrap="square" rtlCol="0">
-            <a:spAutoFit/>
-          </a:bodyPr>
-          <a:lstStyle/>
-          <a:p>
-            <a:r>
-              <a:rPr lang="en-US" sz="4400" dirty="0"/>
-              <a:t>X</a:t>
-            </a:r>
-          </a:p>
-        </p:txBody>
-      </p:sp>
     </p:spTree>
     <p:extLst>
       <p:ext uri="{BB962C8B-B14F-4D97-AF65-F5344CB8AC3E}">
-        <p14:creationId xmlns:p14="http://schemas.microsoft.com/office/powerpoint/2010/main" val="1523799280"/>
+        <p14:creationId xmlns:p14="http://schemas.microsoft.com/office/powerpoint/2010/main" val="1109014256"/>
       </p:ext>
     </p:extLst>
   </p:cSld>
@@ -11633,7 +12093,7 @@
               <a:rPr lang="en-US" sz="2800" dirty="0">
                 <a:latin typeface="Consolas" panose="020B0609020204030204" pitchFamily="49" charset="0"/>
               </a:rPr>
-              <a:t>[ 0 ][  0 ] = ‘O’;</a:t>
+              <a:t>[ 2 ][  2 ] = ‘X’;</a:t>
             </a:r>
           </a:p>
         </p:txBody>
@@ -11728,7 +12188,7 @@
     </p:spTree>
     <p:extLst>
       <p:ext uri="{BB962C8B-B14F-4D97-AF65-F5344CB8AC3E}">
-        <p14:creationId xmlns:p14="http://schemas.microsoft.com/office/powerpoint/2010/main" val="3371878340"/>
+        <p14:creationId xmlns:p14="http://schemas.microsoft.com/office/powerpoint/2010/main" val="1523799280"/>
       </p:ext>
     </p:extLst>
   </p:cSld>
@@ -11925,39 +12385,10 @@
           </a:p>
         </p:txBody>
       </p:sp>
-      <p:sp>
-        <p:nvSpPr>
-          <p:cNvPr id="9" name="TextBox 8"/>
-          <p:cNvSpPr txBox="1"/>
-          <p:nvPr/>
-        </p:nvSpPr>
-        <p:spPr>
-          <a:xfrm>
-            <a:off x="4151720" y="3262692"/>
-            <a:ext cx="685800" cy="769441"/>
-          </a:xfrm>
-          <a:prstGeom prst="rect">
-            <a:avLst/>
-          </a:prstGeom>
-          <a:noFill/>
-        </p:spPr>
-        <p:txBody>
-          <a:bodyPr wrap="square" rtlCol="0">
-            <a:spAutoFit/>
-          </a:bodyPr>
-          <a:lstStyle/>
-          <a:p>
-            <a:r>
-              <a:rPr lang="en-US" sz="4400" dirty="0"/>
-              <a:t>O</a:t>
-            </a:r>
-          </a:p>
-        </p:txBody>
-      </p:sp>
     </p:spTree>
     <p:extLst>
       <p:ext uri="{BB962C8B-B14F-4D97-AF65-F5344CB8AC3E}">
-        <p14:creationId xmlns:p14="http://schemas.microsoft.com/office/powerpoint/2010/main" val="668435085"/>
+        <p14:creationId xmlns:p14="http://schemas.microsoft.com/office/powerpoint/2010/main" val="3371878340"/>
       </p:ext>
     </p:extLst>
   </p:cSld>
@@ -12062,7 +12493,7 @@
               <a:rPr lang="en-US" sz="2800" dirty="0">
                 <a:latin typeface="Consolas" panose="020B0609020204030204" pitchFamily="49" charset="0"/>
               </a:rPr>
-              <a:t>[ 2 ][  0 ] = ‘X’;</a:t>
+              <a:t>[ 0 ][  0 ] = ‘O’;</a:t>
             </a:r>
           </a:p>
         </p:txBody>
@@ -12186,7 +12617,7 @@
     </p:spTree>
     <p:extLst>
       <p:ext uri="{BB962C8B-B14F-4D97-AF65-F5344CB8AC3E}">
-        <p14:creationId xmlns:p14="http://schemas.microsoft.com/office/powerpoint/2010/main" val="3355760767"/>
+        <p14:creationId xmlns:p14="http://schemas.microsoft.com/office/powerpoint/2010/main" val="668435085"/>
       </p:ext>
     </p:extLst>
   </p:cSld>
@@ -12412,39 +12843,10 @@
           </a:p>
         </p:txBody>
       </p:sp>
-      <p:sp>
-        <p:nvSpPr>
-          <p:cNvPr id="10" name="TextBox 9"/>
-          <p:cNvSpPr txBox="1"/>
-          <p:nvPr/>
-        </p:nvSpPr>
-        <p:spPr>
-          <a:xfrm>
-            <a:off x="4151720" y="5638799"/>
-            <a:ext cx="685800" cy="769441"/>
-          </a:xfrm>
-          <a:prstGeom prst="rect">
-            <a:avLst/>
-          </a:prstGeom>
-          <a:noFill/>
-        </p:spPr>
-        <p:txBody>
-          <a:bodyPr wrap="square" rtlCol="0">
-            <a:spAutoFit/>
-          </a:bodyPr>
-          <a:lstStyle/>
-          <a:p>
-            <a:r>
-              <a:rPr lang="en-US" sz="4400" dirty="0"/>
-              <a:t>X</a:t>
-            </a:r>
-          </a:p>
-        </p:txBody>
-      </p:sp>
     </p:spTree>
     <p:extLst>
       <p:ext uri="{BB962C8B-B14F-4D97-AF65-F5344CB8AC3E}">
-        <p14:creationId xmlns:p14="http://schemas.microsoft.com/office/powerpoint/2010/main" val="3358265216"/>
+        <p14:creationId xmlns:p14="http://schemas.microsoft.com/office/powerpoint/2010/main" val="3355760767"/>
       </p:ext>
     </p:extLst>
   </p:cSld>
@@ -12549,7 +12951,7 @@
               <a:rPr lang="en-US" sz="2800" dirty="0">
                 <a:latin typeface="Consolas" panose="020B0609020204030204" pitchFamily="49" charset="0"/>
               </a:rPr>
-              <a:t>[ 2 ][  1 ] = ‘O’;</a:t>
+              <a:t>[ 2 ][  0 ] = ‘X’;</a:t>
             </a:r>
           </a:p>
         </p:txBody>
@@ -12702,7 +13104,7 @@
     </p:spTree>
     <p:extLst>
       <p:ext uri="{BB962C8B-B14F-4D97-AF65-F5344CB8AC3E}">
-        <p14:creationId xmlns:p14="http://schemas.microsoft.com/office/powerpoint/2010/main" val="853083052"/>
+        <p14:creationId xmlns:p14="http://schemas.microsoft.com/office/powerpoint/2010/main" val="3358265216"/>
       </p:ext>
     </p:extLst>
   </p:cSld>
@@ -12957,39 +13359,10 @@
           </a:p>
         </p:txBody>
       </p:sp>
-      <p:sp>
-        <p:nvSpPr>
-          <p:cNvPr id="11" name="TextBox 10"/>
-          <p:cNvSpPr txBox="1"/>
-          <p:nvPr/>
-        </p:nvSpPr>
-        <p:spPr>
-          <a:xfrm>
-            <a:off x="5074443" y="5632645"/>
-            <a:ext cx="685800" cy="769441"/>
-          </a:xfrm>
-          <a:prstGeom prst="rect">
-            <a:avLst/>
-          </a:prstGeom>
-          <a:noFill/>
-        </p:spPr>
-        <p:txBody>
-          <a:bodyPr wrap="square" rtlCol="0">
-            <a:spAutoFit/>
-          </a:bodyPr>
-          <a:lstStyle/>
-          <a:p>
-            <a:r>
-              <a:rPr lang="en-US" sz="4400" dirty="0"/>
-              <a:t>O</a:t>
-            </a:r>
-          </a:p>
-        </p:txBody>
-      </p:sp>
     </p:spTree>
     <p:extLst>
       <p:ext uri="{BB962C8B-B14F-4D97-AF65-F5344CB8AC3E}">
-        <p14:creationId xmlns:p14="http://schemas.microsoft.com/office/powerpoint/2010/main" val="2582998312"/>
+        <p14:creationId xmlns:p14="http://schemas.microsoft.com/office/powerpoint/2010/main" val="853083052"/>
       </p:ext>
     </p:extLst>
   </p:cSld>
@@ -13094,7 +13467,7 @@
               <a:rPr lang="en-US" sz="2800" dirty="0">
                 <a:latin typeface="Consolas" panose="020B0609020204030204" pitchFamily="49" charset="0"/>
               </a:rPr>
-              <a:t>[ 0 ][  2 ] = ‘X’;</a:t>
+              <a:t>[ 2 ][  1 ] = ‘O’;</a:t>
             </a:r>
           </a:p>
         </p:txBody>
@@ -13276,7 +13649,7 @@
     </p:spTree>
     <p:extLst>
       <p:ext uri="{BB962C8B-B14F-4D97-AF65-F5344CB8AC3E}">
-        <p14:creationId xmlns:p14="http://schemas.microsoft.com/office/powerpoint/2010/main" val="1124989575"/>
+        <p14:creationId xmlns:p14="http://schemas.microsoft.com/office/powerpoint/2010/main" val="2582998312"/>
       </p:ext>
     </p:extLst>
   </p:cSld>
@@ -13560,39 +13933,10 @@
           </a:p>
         </p:txBody>
       </p:sp>
-      <p:sp>
-        <p:nvSpPr>
-          <p:cNvPr id="12" name="TextBox 11"/>
-          <p:cNvSpPr txBox="1"/>
-          <p:nvPr/>
-        </p:nvSpPr>
-        <p:spPr>
-          <a:xfrm>
-            <a:off x="6165908" y="3230598"/>
-            <a:ext cx="685800" cy="769441"/>
-          </a:xfrm>
-          <a:prstGeom prst="rect">
-            <a:avLst/>
-          </a:prstGeom>
-          <a:noFill/>
-        </p:spPr>
-        <p:txBody>
-          <a:bodyPr wrap="square" rtlCol="0">
-            <a:spAutoFit/>
-          </a:bodyPr>
-          <a:lstStyle/>
-          <a:p>
-            <a:r>
-              <a:rPr lang="en-US" sz="4400" dirty="0"/>
-              <a:t>X</a:t>
-            </a:r>
-          </a:p>
-        </p:txBody>
-      </p:sp>
     </p:spTree>
     <p:extLst>
       <p:ext uri="{BB962C8B-B14F-4D97-AF65-F5344CB8AC3E}">
-        <p14:creationId xmlns:p14="http://schemas.microsoft.com/office/powerpoint/2010/main" val="2705992349"/>
+        <p14:creationId xmlns:p14="http://schemas.microsoft.com/office/powerpoint/2010/main" val="1124989575"/>
       </p:ext>
     </p:extLst>
   </p:cSld>
@@ -13636,96 +13980,271 @@
           <a:p>
             <a:r>
               <a:rPr lang="en-US" dirty="0"/>
-              <a:t>2D array dimensions</a:t>
-            </a:r>
-          </a:p>
-        </p:txBody>
-      </p:sp>
-      <p:sp>
-        <p:nvSpPr>
-          <p:cNvPr id="3" name="Content Placeholder 2"/>
-          <p:cNvSpPr>
-            <a:spLocks noGrp="1"/>
-          </p:cNvSpPr>
-          <p:nvPr>
-            <p:ph idx="1"/>
-          </p:nvPr>
-        </p:nvSpPr>
-        <p:spPr/>
-        <p:txBody>
-          <a:bodyPr>
-            <a:normAutofit/>
+              <a:t>Creating a 2D char array</a:t>
+            </a:r>
+          </a:p>
+        </p:txBody>
+      </p:sp>
+      <p:pic>
+        <p:nvPicPr>
+          <p:cNvPr id="3" name="Picture 2"/>
+          <p:cNvPicPr>
+            <a:picLocks noChangeAspect="1"/>
+          </p:cNvPicPr>
+          <p:nvPr/>
+        </p:nvPicPr>
+        <p:blipFill>
+          <a:blip r:embed="rId2"/>
+          <a:stretch>
+            <a:fillRect/>
+          </a:stretch>
+        </p:blipFill>
+        <p:spPr>
+          <a:xfrm>
+            <a:off x="1676400" y="2202795"/>
+            <a:ext cx="5636440" cy="4537074"/>
+          </a:xfrm>
+          <a:prstGeom prst="rect">
+            <a:avLst/>
+          </a:prstGeom>
+        </p:spPr>
+      </p:pic>
+      <p:sp>
+        <p:nvSpPr>
+          <p:cNvPr id="5" name="TextBox 4"/>
+          <p:cNvSpPr txBox="1"/>
+          <p:nvPr/>
+        </p:nvSpPr>
+        <p:spPr>
+          <a:xfrm>
+            <a:off x="1676400" y="1371600"/>
+            <a:ext cx="5791200" cy="523220"/>
+          </a:xfrm>
+          <a:prstGeom prst="rect">
+            <a:avLst/>
+          </a:prstGeom>
+          <a:noFill/>
+        </p:spPr>
+        <p:txBody>
+          <a:bodyPr wrap="square" rtlCol="0">
+            <a:spAutoFit/>
           </a:bodyPr>
           <a:lstStyle/>
           <a:p>
-            <a:pPr marL="0" indent="0">
-              <a:buNone/>
-            </a:pPr>
-            <a:r>
-              <a:rPr lang="en-US" dirty="0" err="1"/>
-              <a:t>int</a:t>
-            </a:r>
-            <a:r>
-              <a:rPr lang="en-US" dirty="0"/>
-              <a:t>[][] </a:t>
-            </a:r>
-            <a:r>
-              <a:rPr lang="en-US" dirty="0" err="1"/>
-              <a:t>numArray</a:t>
-            </a:r>
-            <a:r>
-              <a:rPr lang="en-US" dirty="0"/>
-              <a:t> = new </a:t>
-            </a:r>
-            <a:r>
-              <a:rPr lang="en-US" dirty="0" err="1"/>
-              <a:t>int</a:t>
-            </a:r>
-            <a:r>
-              <a:rPr lang="en-US" dirty="0"/>
-              <a:t>[2][4];</a:t>
-            </a:r>
-          </a:p>
-          <a:p>
-            <a:pPr marL="0" indent="0">
-              <a:buNone/>
-            </a:pPr>
-            <a:r>
-              <a:rPr lang="en-US" dirty="0" err="1"/>
-              <a:t>int</a:t>
-            </a:r>
-            <a:r>
-              <a:rPr lang="en-US" dirty="0"/>
-              <a:t> rows = </a:t>
-            </a:r>
-            <a:r>
-              <a:rPr lang="en-US" dirty="0" err="1"/>
-              <a:t>numArray.length</a:t>
-            </a:r>
-            <a:r>
-              <a:rPr lang="en-US" dirty="0"/>
-              <a:t>;</a:t>
-            </a:r>
-          </a:p>
-          <a:p>
-            <a:pPr marL="0" indent="0">
-              <a:buNone/>
-            </a:pPr>
-            <a:r>
-              <a:rPr lang="en-US" dirty="0" err="1"/>
-              <a:t>int</a:t>
-            </a:r>
-            <a:r>
-              <a:rPr lang="en-US" dirty="0"/>
-              <a:t> cols = </a:t>
-            </a:r>
-            <a:r>
-              <a:rPr lang="en-US" dirty="0" err="1"/>
-              <a:t>numArray</a:t>
-            </a:r>
-            <a:r>
-              <a:rPr lang="en-US" dirty="0"/>
-              <a:t>[0].length;</a:t>
+            <a:r>
+              <a:rPr lang="en-US" sz="2800" dirty="0" err="1">
+                <a:latin typeface="Consolas" panose="020B0609020204030204" pitchFamily="49" charset="0"/>
+              </a:rPr>
+              <a:t>ticTacToe</a:t>
+            </a:r>
+            <a:r>
+              <a:rPr lang="en-US" sz="2800" dirty="0">
+                <a:latin typeface="Consolas" panose="020B0609020204030204" pitchFamily="49" charset="0"/>
+              </a:rPr>
+              <a:t>[ 0 ][  2 ] = ‘X’;</a:t>
+            </a:r>
+          </a:p>
+        </p:txBody>
+      </p:sp>
+      <p:sp>
+        <p:nvSpPr>
+          <p:cNvPr id="6" name="TextBox 5"/>
+          <p:cNvSpPr txBox="1"/>
+          <p:nvPr/>
+        </p:nvSpPr>
+        <p:spPr>
+          <a:xfrm>
+            <a:off x="5105400" y="4419600"/>
+            <a:ext cx="685800" cy="769441"/>
+          </a:xfrm>
+          <a:prstGeom prst="rect">
+            <a:avLst/>
+          </a:prstGeom>
+          <a:noFill/>
+        </p:spPr>
+        <p:txBody>
+          <a:bodyPr wrap="square" rtlCol="0">
+            <a:spAutoFit/>
+          </a:bodyPr>
+          <a:lstStyle/>
+          <a:p>
+            <a:r>
+              <a:rPr lang="en-US" sz="4400" dirty="0"/>
+              <a:t>X</a:t>
+            </a:r>
+          </a:p>
+        </p:txBody>
+      </p:sp>
+      <p:sp>
+        <p:nvSpPr>
+          <p:cNvPr id="7" name="TextBox 6"/>
+          <p:cNvSpPr txBox="1"/>
+          <p:nvPr/>
+        </p:nvSpPr>
+        <p:spPr>
+          <a:xfrm>
+            <a:off x="5122178" y="3249722"/>
+            <a:ext cx="685800" cy="769441"/>
+          </a:xfrm>
+          <a:prstGeom prst="rect">
+            <a:avLst/>
+          </a:prstGeom>
+          <a:noFill/>
+        </p:spPr>
+        <p:txBody>
+          <a:bodyPr wrap="square" rtlCol="0">
+            <a:spAutoFit/>
+          </a:bodyPr>
+          <a:lstStyle/>
+          <a:p>
+            <a:r>
+              <a:rPr lang="en-US" sz="4400" dirty="0"/>
+              <a:t>O</a:t>
+            </a:r>
+          </a:p>
+        </p:txBody>
+      </p:sp>
+      <p:sp>
+        <p:nvSpPr>
+          <p:cNvPr id="8" name="TextBox 7"/>
+          <p:cNvSpPr txBox="1"/>
+          <p:nvPr/>
+        </p:nvSpPr>
+        <p:spPr>
+          <a:xfrm>
+            <a:off x="6172200" y="5638800"/>
+            <a:ext cx="685800" cy="769441"/>
+          </a:xfrm>
+          <a:prstGeom prst="rect">
+            <a:avLst/>
+          </a:prstGeom>
+          <a:noFill/>
+        </p:spPr>
+        <p:txBody>
+          <a:bodyPr wrap="square" rtlCol="0">
+            <a:spAutoFit/>
+          </a:bodyPr>
+          <a:lstStyle/>
+          <a:p>
+            <a:r>
+              <a:rPr lang="en-US" sz="4400" dirty="0"/>
+              <a:t>X</a:t>
+            </a:r>
+          </a:p>
+        </p:txBody>
+      </p:sp>
+      <p:sp>
+        <p:nvSpPr>
+          <p:cNvPr id="9" name="TextBox 8"/>
+          <p:cNvSpPr txBox="1"/>
+          <p:nvPr/>
+        </p:nvSpPr>
+        <p:spPr>
+          <a:xfrm>
+            <a:off x="4151720" y="3262692"/>
+            <a:ext cx="685800" cy="769441"/>
+          </a:xfrm>
+          <a:prstGeom prst="rect">
+            <a:avLst/>
+          </a:prstGeom>
+          <a:noFill/>
+        </p:spPr>
+        <p:txBody>
+          <a:bodyPr wrap="square" rtlCol="0">
+            <a:spAutoFit/>
+          </a:bodyPr>
+          <a:lstStyle/>
+          <a:p>
+            <a:r>
+              <a:rPr lang="en-US" sz="4400" dirty="0"/>
+              <a:t>O</a:t>
+            </a:r>
+          </a:p>
+        </p:txBody>
+      </p:sp>
+      <p:sp>
+        <p:nvSpPr>
+          <p:cNvPr id="10" name="TextBox 9"/>
+          <p:cNvSpPr txBox="1"/>
+          <p:nvPr/>
+        </p:nvSpPr>
+        <p:spPr>
+          <a:xfrm>
+            <a:off x="4151720" y="5638799"/>
+            <a:ext cx="685800" cy="769441"/>
+          </a:xfrm>
+          <a:prstGeom prst="rect">
+            <a:avLst/>
+          </a:prstGeom>
+          <a:noFill/>
+        </p:spPr>
+        <p:txBody>
+          <a:bodyPr wrap="square" rtlCol="0">
+            <a:spAutoFit/>
+          </a:bodyPr>
+          <a:lstStyle/>
+          <a:p>
+            <a:r>
+              <a:rPr lang="en-US" sz="4400" dirty="0"/>
+              <a:t>X</a:t>
+            </a:r>
+          </a:p>
+        </p:txBody>
+      </p:sp>
+      <p:sp>
+        <p:nvSpPr>
+          <p:cNvPr id="11" name="TextBox 10"/>
+          <p:cNvSpPr txBox="1"/>
+          <p:nvPr/>
+        </p:nvSpPr>
+        <p:spPr>
+          <a:xfrm>
+            <a:off x="5074443" y="5632645"/>
+            <a:ext cx="685800" cy="769441"/>
+          </a:xfrm>
+          <a:prstGeom prst="rect">
+            <a:avLst/>
+          </a:prstGeom>
+          <a:noFill/>
+        </p:spPr>
+        <p:txBody>
+          <a:bodyPr wrap="square" rtlCol="0">
+            <a:spAutoFit/>
+          </a:bodyPr>
+          <a:lstStyle/>
+          <a:p>
+            <a:r>
+              <a:rPr lang="en-US" sz="4400" dirty="0"/>
+              <a:t>O</a:t>
+            </a:r>
+          </a:p>
+        </p:txBody>
+      </p:sp>
+      <p:sp>
+        <p:nvSpPr>
+          <p:cNvPr id="12" name="TextBox 11"/>
+          <p:cNvSpPr txBox="1"/>
+          <p:nvPr/>
+        </p:nvSpPr>
+        <p:spPr>
+          <a:xfrm>
+            <a:off x="6165908" y="3230598"/>
+            <a:ext cx="685800" cy="769441"/>
+          </a:xfrm>
+          <a:prstGeom prst="rect">
+            <a:avLst/>
+          </a:prstGeom>
+          <a:noFill/>
+        </p:spPr>
+        <p:txBody>
+          <a:bodyPr wrap="square" rtlCol="0">
+            <a:spAutoFit/>
+          </a:bodyPr>
+          <a:lstStyle/>
+          <a:p>
+            <a:r>
+              <a:rPr lang="en-US" sz="4400" dirty="0"/>
+              <a:t>X</a:t>
             </a:r>
           </a:p>
         </p:txBody>
@@ -13733,7 +14252,7 @@
     </p:spTree>
     <p:extLst>
       <p:ext uri="{BB962C8B-B14F-4D97-AF65-F5344CB8AC3E}">
-        <p14:creationId xmlns:p14="http://schemas.microsoft.com/office/powerpoint/2010/main" val="278095655"/>
+        <p14:creationId xmlns:p14="http://schemas.microsoft.com/office/powerpoint/2010/main" val="2705992349"/>
       </p:ext>
     </p:extLst>
   </p:cSld>
@@ -13782,78 +14301,99 @@
           </a:p>
         </p:txBody>
       </p:sp>
-      <p:pic>
-        <p:nvPicPr>
-          <p:cNvPr id="5" name="Picture 4"/>
-          <p:cNvPicPr>
-            <a:picLocks noChangeAspect="1"/>
-          </p:cNvPicPr>
-          <p:nvPr/>
-        </p:nvPicPr>
-        <p:blipFill>
-          <a:blip r:embed="rId2"/>
-          <a:stretch>
-            <a:fillRect/>
-          </a:stretch>
-        </p:blipFill>
-        <p:spPr>
-          <a:xfrm>
-            <a:off x="2399636" y="1411346"/>
-            <a:ext cx="6287164" cy="4879588"/>
-          </a:xfrm>
-          <a:prstGeom prst="rect">
-            <a:avLst/>
-          </a:prstGeom>
-        </p:spPr>
-      </p:pic>
-      <p:sp>
-        <p:nvSpPr>
-          <p:cNvPr id="6" name="TextBox 5"/>
-          <p:cNvSpPr txBox="1"/>
-          <p:nvPr/>
-        </p:nvSpPr>
-        <p:spPr>
-          <a:xfrm>
-            <a:off x="304800" y="3276600"/>
-            <a:ext cx="1942436" cy="2246769"/>
-          </a:xfrm>
-          <a:prstGeom prst="rect">
-            <a:avLst/>
-          </a:prstGeom>
-          <a:noFill/>
-        </p:spPr>
-        <p:txBody>
-          <a:bodyPr wrap="square" rtlCol="0">
-            <a:spAutoFit/>
+      <p:sp>
+        <p:nvSpPr>
+          <p:cNvPr id="3" name="Content Placeholder 2"/>
+          <p:cNvSpPr>
+            <a:spLocks noGrp="1"/>
+          </p:cNvSpPr>
+          <p:nvPr>
+            <p:ph idx="1"/>
+          </p:nvPr>
+        </p:nvSpPr>
+        <p:spPr/>
+        <p:txBody>
+          <a:bodyPr>
+            <a:normAutofit/>
           </a:bodyPr>
           <a:lstStyle/>
           <a:p>
-            <a:r>
-              <a:rPr lang="en-US" sz="2800" dirty="0"/>
-              <a:t>2 rows</a:t>
-            </a:r>
-          </a:p>
-          <a:p>
-            <a:r>
-              <a:rPr lang="en-US" sz="2800" dirty="0"/>
-              <a:t>4 columns</a:t>
-            </a:r>
-          </a:p>
-          <a:p>
-            <a:endParaRPr lang="en-US" sz="2800" dirty="0"/>
-          </a:p>
-          <a:p>
-            <a:endParaRPr lang="en-US" sz="2800" dirty="0"/>
-          </a:p>
-          <a:p>
-            <a:endParaRPr lang="en-US" sz="2800" dirty="0"/>
+            <a:pPr marL="0" indent="0">
+              <a:buNone/>
+            </a:pPr>
+            <a:r>
+              <a:rPr lang="en-US" dirty="0" err="1"/>
+              <a:t>int</a:t>
+            </a:r>
+            <a:r>
+              <a:rPr lang="en-US" dirty="0"/>
+              <a:t>[][] </a:t>
+            </a:r>
+            <a:r>
+              <a:rPr lang="en-US" dirty="0" err="1"/>
+              <a:t>numArray</a:t>
+            </a:r>
+            <a:r>
+              <a:rPr lang="en-US" dirty="0"/>
+              <a:t> = new </a:t>
+            </a:r>
+            <a:r>
+              <a:rPr lang="en-US" dirty="0" err="1"/>
+              <a:t>int</a:t>
+            </a:r>
+            <a:r>
+              <a:rPr lang="en-US" dirty="0"/>
+              <a:t>[2][4];</a:t>
+            </a:r>
+          </a:p>
+          <a:p>
+            <a:pPr marL="0" indent="0">
+              <a:buNone/>
+            </a:pPr>
+            <a:r>
+              <a:rPr lang="en-US" dirty="0" err="1"/>
+              <a:t>int</a:t>
+            </a:r>
+            <a:r>
+              <a:rPr lang="en-US" dirty="0"/>
+              <a:t> rows = </a:t>
+            </a:r>
+            <a:r>
+              <a:rPr lang="en-US" dirty="0" err="1"/>
+              <a:t>numArray.length</a:t>
+            </a:r>
+            <a:r>
+              <a:rPr lang="en-US" dirty="0"/>
+              <a:t>;</a:t>
+            </a:r>
+          </a:p>
+          <a:p>
+            <a:pPr marL="0" indent="0">
+              <a:buNone/>
+            </a:pPr>
+            <a:r>
+              <a:rPr lang="en-US" dirty="0" err="1"/>
+              <a:t>int</a:t>
+            </a:r>
+            <a:r>
+              <a:rPr lang="en-US" dirty="0"/>
+              <a:t> cols = </a:t>
+            </a:r>
+            <a:r>
+              <a:rPr lang="en-US" dirty="0" err="1"/>
+              <a:t>numArray</a:t>
+            </a:r>
+            <a:r>
+              <a:rPr lang="en-US" dirty="0"/>
+              <a:t>[0].length;</a:t>
+            </a:r>
           </a:p>
         </p:txBody>
       </p:sp>
     </p:spTree>
     <p:extLst>
       <p:ext uri="{BB962C8B-B14F-4D97-AF65-F5344CB8AC3E}">
-        <p14:creationId xmlns:p14="http://schemas.microsoft.com/office/powerpoint/2010/main" val="1626782504"/>
+        <p14:creationId xmlns:p14="http://schemas.microsoft.com/office/powerpoint/2010/main" val="278095655"/>
       </p:ext>
     </p:extLst>
   </p:cSld>
@@ -13904,7 +14444,7 @@
           </a:ln>
           <a:extLst>
             <a:ext uri="{C572A759-6A51-4108-AA02-DFA0A04FC94B}">
-              <ma14:wrappingTextBoxFlag xmlns="" xmlns:ma14="http://schemas.microsoft.com/office/mac/drawingml/2011/main" val="1"/>
+              <ma14:wrappingTextBoxFlag xmlns:ma14="http://schemas.microsoft.com/office/mac/drawingml/2011/main" xmlns="" val="1"/>
             </a:ext>
           </a:extLst>
         </p:spPr>
@@ -14667,195 +15207,83 @@
           <a:p>
             <a:r>
               <a:rPr lang="en-US" dirty="0"/>
-              <a:t>Iterate through 2D array?</a:t>
-            </a:r>
-          </a:p>
-        </p:txBody>
-      </p:sp>
-      <p:sp>
-        <p:nvSpPr>
-          <p:cNvPr id="3" name="Content Placeholder 2"/>
-          <p:cNvSpPr>
-            <a:spLocks noGrp="1"/>
-          </p:cNvSpPr>
-          <p:nvPr>
-            <p:ph idx="1"/>
-          </p:nvPr>
-        </p:nvSpPr>
-        <p:spPr/>
-        <p:txBody>
-          <a:bodyPr>
-            <a:normAutofit fontScale="85000" lnSpcReduction="20000"/>
+              <a:t>2D array dimensions</a:t>
+            </a:r>
+          </a:p>
+        </p:txBody>
+      </p:sp>
+      <p:pic>
+        <p:nvPicPr>
+          <p:cNvPr id="5" name="Picture 4"/>
+          <p:cNvPicPr>
+            <a:picLocks noChangeAspect="1"/>
+          </p:cNvPicPr>
+          <p:nvPr/>
+        </p:nvPicPr>
+        <p:blipFill>
+          <a:blip r:embed="rId2"/>
+          <a:stretch>
+            <a:fillRect/>
+          </a:stretch>
+        </p:blipFill>
+        <p:spPr>
+          <a:xfrm>
+            <a:off x="2399636" y="1411346"/>
+            <a:ext cx="6287164" cy="4879588"/>
+          </a:xfrm>
+          <a:prstGeom prst="rect">
+            <a:avLst/>
+          </a:prstGeom>
+        </p:spPr>
+      </p:pic>
+      <p:sp>
+        <p:nvSpPr>
+          <p:cNvPr id="6" name="TextBox 5"/>
+          <p:cNvSpPr txBox="1"/>
+          <p:nvPr/>
+        </p:nvSpPr>
+        <p:spPr>
+          <a:xfrm>
+            <a:off x="304800" y="3276600"/>
+            <a:ext cx="1942436" cy="2246769"/>
+          </a:xfrm>
+          <a:prstGeom prst="rect">
+            <a:avLst/>
+          </a:prstGeom>
+          <a:noFill/>
+        </p:spPr>
+        <p:txBody>
+          <a:bodyPr wrap="square" rtlCol="0">
+            <a:spAutoFit/>
           </a:bodyPr>
           <a:lstStyle/>
           <a:p>
-            <a:pPr marL="0" indent="0">
-              <a:buNone/>
-            </a:pPr>
-            <a:r>
-              <a:rPr lang="en-US" dirty="0" err="1"/>
-              <a:t>int</a:t>
-            </a:r>
-            <a:r>
-              <a:rPr lang="en-US" dirty="0"/>
-              <a:t>[][] </a:t>
-            </a:r>
-            <a:r>
-              <a:rPr lang="en-US" dirty="0" err="1"/>
-              <a:t>numArray</a:t>
-            </a:r>
-            <a:r>
-              <a:rPr lang="en-US" dirty="0"/>
-              <a:t> = </a:t>
-            </a:r>
-            <a:r>
-              <a:rPr lang="en-US" b="1" dirty="0"/>
-              <a:t>new</a:t>
-            </a:r>
-            <a:r>
-              <a:rPr lang="en-US" dirty="0"/>
-              <a:t> </a:t>
-            </a:r>
-            <a:r>
-              <a:rPr lang="en-US" dirty="0" err="1"/>
-              <a:t>int</a:t>
-            </a:r>
-            <a:r>
-              <a:rPr lang="en-US" dirty="0"/>
-              <a:t>[2][4];</a:t>
-            </a:r>
-          </a:p>
-          <a:p>
-            <a:pPr marL="0" indent="0">
-              <a:buNone/>
-            </a:pPr>
-            <a:r>
-              <a:rPr lang="en-US" dirty="0" err="1"/>
-              <a:t>int</a:t>
-            </a:r>
-            <a:r>
-              <a:rPr lang="en-US" dirty="0"/>
-              <a:t> rows = </a:t>
-            </a:r>
-            <a:r>
-              <a:rPr lang="en-US" dirty="0" err="1"/>
-              <a:t>numArray.length</a:t>
-            </a:r>
-            <a:r>
-              <a:rPr lang="en-US" dirty="0"/>
-              <a:t>;</a:t>
-            </a:r>
-          </a:p>
-          <a:p>
-            <a:pPr marL="0" indent="0">
-              <a:buNone/>
-            </a:pPr>
-            <a:r>
-              <a:rPr lang="en-US" dirty="0" err="1"/>
-              <a:t>int</a:t>
-            </a:r>
-            <a:r>
-              <a:rPr lang="en-US" dirty="0"/>
-              <a:t> cols = </a:t>
-            </a:r>
-            <a:r>
-              <a:rPr lang="en-US" dirty="0" err="1"/>
-              <a:t>numArray</a:t>
-            </a:r>
-            <a:r>
-              <a:rPr lang="en-US" dirty="0"/>
-              <a:t>[0].length;</a:t>
-            </a:r>
-          </a:p>
-          <a:p>
-            <a:pPr marL="0" indent="0">
-              <a:buNone/>
-            </a:pPr>
-            <a:r>
-              <a:rPr lang="en-US" dirty="0" err="1"/>
-              <a:t>int</a:t>
-            </a:r>
-            <a:r>
-              <a:rPr lang="en-US" dirty="0"/>
-              <a:t> count = 0;</a:t>
-            </a:r>
-          </a:p>
-          <a:p>
-            <a:pPr marL="0" indent="0">
-              <a:buNone/>
-            </a:pPr>
-            <a:r>
-              <a:rPr lang="en-US" dirty="0"/>
-              <a:t>for (int r = 0; r &lt; rows; r ++ ) {</a:t>
-            </a:r>
-          </a:p>
-          <a:p>
-            <a:pPr marL="0" indent="0">
-              <a:buNone/>
-            </a:pPr>
-            <a:r>
-              <a:rPr lang="en-US" dirty="0"/>
-              <a:t>	for (int c = 0; c &lt; cols; </a:t>
-            </a:r>
-            <a:r>
-              <a:rPr lang="en-US" dirty="0" err="1"/>
-              <a:t>c++</a:t>
-            </a:r>
-            <a:r>
-              <a:rPr lang="en-US" dirty="0"/>
-              <a:t>) {</a:t>
-            </a:r>
-          </a:p>
-          <a:p>
-            <a:pPr marL="0" indent="0">
-              <a:buNone/>
-            </a:pPr>
-            <a:r>
-              <a:rPr lang="en-US" dirty="0"/>
-              <a:t>		 </a:t>
-            </a:r>
-            <a:r>
-              <a:rPr lang="en-US" dirty="0" err="1"/>
-              <a:t>numArray</a:t>
-            </a:r>
-            <a:r>
-              <a:rPr lang="en-US" dirty="0"/>
-              <a:t>[r][c] = count;</a:t>
-            </a:r>
-          </a:p>
-          <a:p>
-            <a:pPr marL="0" indent="0">
-              <a:buNone/>
-            </a:pPr>
-            <a:r>
-              <a:rPr lang="en-US" dirty="0"/>
-              <a:t>		count ++;</a:t>
-            </a:r>
-          </a:p>
-          <a:p>
-            <a:pPr marL="0" indent="0">
-              <a:buNone/>
-            </a:pPr>
-            <a:r>
-              <a:rPr lang="en-US" dirty="0"/>
-              <a:t>	} // end for</a:t>
-            </a:r>
-          </a:p>
-          <a:p>
-            <a:pPr marL="0" indent="0">
-              <a:buNone/>
-            </a:pPr>
-            <a:r>
-              <a:rPr lang="en-US" dirty="0"/>
-              <a:t>} // end for</a:t>
-            </a:r>
+            <a:r>
+              <a:rPr lang="en-US" sz="2800" dirty="0"/>
+              <a:t>2 rows</a:t>
+            </a:r>
+          </a:p>
+          <a:p>
+            <a:r>
+              <a:rPr lang="en-US" sz="2800" dirty="0"/>
+              <a:t>4 columns</a:t>
+            </a:r>
+          </a:p>
+          <a:p>
+            <a:endParaRPr lang="en-US" sz="2800" dirty="0"/>
+          </a:p>
+          <a:p>
+            <a:endParaRPr lang="en-US" sz="2800" dirty="0"/>
+          </a:p>
+          <a:p>
+            <a:endParaRPr lang="en-US" sz="2800" dirty="0"/>
           </a:p>
         </p:txBody>
       </p:sp>
     </p:spTree>
     <p:extLst>
       <p:ext uri="{BB962C8B-B14F-4D97-AF65-F5344CB8AC3E}">
-        <p14:creationId xmlns:p14="http://schemas.microsoft.com/office/powerpoint/2010/main" val="2417768381"/>
+        <p14:creationId xmlns:p14="http://schemas.microsoft.com/office/powerpoint/2010/main" val="1626782504"/>
       </p:ext>
     </p:extLst>
   </p:cSld>
@@ -14892,21 +15320,14 @@
             <p:ph type="title"/>
           </p:nvPr>
         </p:nvSpPr>
-        <p:spPr>
-          <a:xfrm>
-            <a:off x="457200" y="152400"/>
-            <a:ext cx="8229600" cy="563562"/>
-          </a:xfrm>
-        </p:spPr>
-        <p:txBody>
-          <a:bodyPr>
-            <a:normAutofit fontScale="90000"/>
-          </a:bodyPr>
-          <a:lstStyle/>
-          <a:p>
-            <a:r>
-              <a:rPr lang="en-US" dirty="0"/>
-              <a:t>Order of iteration?</a:t>
+        <p:spPr/>
+        <p:txBody>
+          <a:bodyPr/>
+          <a:lstStyle/>
+          <a:p>
+            <a:r>
+              <a:rPr lang="en-US"/>
+              <a:t>Iterate by rows through 2D array?</a:t>
             </a:r>
           </a:p>
         </p:txBody>
@@ -14923,8 +15344,401 @@
         </p:nvSpPr>
         <p:spPr>
           <a:xfrm>
+            <a:off x="457200" y="1219200"/>
+            <a:ext cx="8229600" cy="4906963"/>
+          </a:xfrm>
+        </p:spPr>
+        <p:txBody>
+          <a:bodyPr>
+            <a:normAutofit fontScale="92500" lnSpcReduction="20000"/>
+          </a:bodyPr>
+          <a:lstStyle/>
+          <a:p>
+            <a:pPr marL="0" indent="0">
+              <a:buNone/>
+            </a:pPr>
+            <a:r>
+              <a:rPr lang="en-US" err="1">
+                <a:latin typeface="Courier New" panose="02070309020205020404" pitchFamily="49" charset="0"/>
+                <a:cs typeface="Courier New" panose="02070309020205020404" pitchFamily="49" charset="0"/>
+              </a:rPr>
+              <a:t>int</a:t>
+            </a:r>
+            <a:r>
+              <a:rPr lang="en-US">
+                <a:latin typeface="Courier New" panose="02070309020205020404" pitchFamily="49" charset="0"/>
+                <a:cs typeface="Courier New" panose="02070309020205020404" pitchFamily="49" charset="0"/>
+              </a:rPr>
+              <a:t>[][] </a:t>
+            </a:r>
+            <a:r>
+              <a:rPr lang="en-US" err="1">
+                <a:latin typeface="Courier New" panose="02070309020205020404" pitchFamily="49" charset="0"/>
+                <a:cs typeface="Courier New" panose="02070309020205020404" pitchFamily="49" charset="0"/>
+              </a:rPr>
+              <a:t>numArray</a:t>
+            </a:r>
+            <a:r>
+              <a:rPr lang="en-US">
+                <a:latin typeface="Courier New" panose="02070309020205020404" pitchFamily="49" charset="0"/>
+                <a:cs typeface="Courier New" panose="02070309020205020404" pitchFamily="49" charset="0"/>
+              </a:rPr>
+              <a:t> = </a:t>
+            </a:r>
+            <a:r>
+              <a:rPr lang="en-US" b="1">
+                <a:latin typeface="Courier New" panose="02070309020205020404" pitchFamily="49" charset="0"/>
+                <a:cs typeface="Courier New" panose="02070309020205020404" pitchFamily="49" charset="0"/>
+              </a:rPr>
+              <a:t>new</a:t>
+            </a:r>
+            <a:r>
+              <a:rPr lang="en-US">
+                <a:latin typeface="Courier New" panose="02070309020205020404" pitchFamily="49" charset="0"/>
+                <a:cs typeface="Courier New" panose="02070309020205020404" pitchFamily="49" charset="0"/>
+              </a:rPr>
+              <a:t> </a:t>
+            </a:r>
+            <a:r>
+              <a:rPr lang="en-US" err="1">
+                <a:latin typeface="Courier New" panose="02070309020205020404" pitchFamily="49" charset="0"/>
+                <a:cs typeface="Courier New" panose="02070309020205020404" pitchFamily="49" charset="0"/>
+              </a:rPr>
+              <a:t>int</a:t>
+            </a:r>
+            <a:r>
+              <a:rPr lang="en-US">
+                <a:latin typeface="Courier New" panose="02070309020205020404" pitchFamily="49" charset="0"/>
+                <a:cs typeface="Courier New" panose="02070309020205020404" pitchFamily="49" charset="0"/>
+              </a:rPr>
+              <a:t>[2][4];</a:t>
+            </a:r>
+          </a:p>
+          <a:p>
+            <a:pPr marL="0" indent="0">
+              <a:buNone/>
+            </a:pPr>
+            <a:r>
+              <a:rPr lang="en-US" err="1">
+                <a:latin typeface="Courier New" panose="02070309020205020404" pitchFamily="49" charset="0"/>
+                <a:cs typeface="Courier New" panose="02070309020205020404" pitchFamily="49" charset="0"/>
+              </a:rPr>
+              <a:t>int</a:t>
+            </a:r>
+            <a:r>
+              <a:rPr lang="en-US">
+                <a:latin typeface="Courier New" panose="02070309020205020404" pitchFamily="49" charset="0"/>
+                <a:cs typeface="Courier New" panose="02070309020205020404" pitchFamily="49" charset="0"/>
+              </a:rPr>
+              <a:t> rows = </a:t>
+            </a:r>
+            <a:r>
+              <a:rPr lang="en-US" err="1">
+                <a:latin typeface="Courier New" panose="02070309020205020404" pitchFamily="49" charset="0"/>
+                <a:cs typeface="Courier New" panose="02070309020205020404" pitchFamily="49" charset="0"/>
+              </a:rPr>
+              <a:t>numArray.length</a:t>
+            </a:r>
+            <a:r>
+              <a:rPr lang="en-US">
+                <a:latin typeface="Courier New" panose="02070309020205020404" pitchFamily="49" charset="0"/>
+                <a:cs typeface="Courier New" panose="02070309020205020404" pitchFamily="49" charset="0"/>
+              </a:rPr>
+              <a:t>;</a:t>
+            </a:r>
+          </a:p>
+          <a:p>
+            <a:pPr marL="0" indent="0">
+              <a:buNone/>
+            </a:pPr>
+            <a:r>
+              <a:rPr lang="en-US" err="1">
+                <a:latin typeface="Courier New" panose="02070309020205020404" pitchFamily="49" charset="0"/>
+                <a:cs typeface="Courier New" panose="02070309020205020404" pitchFamily="49" charset="0"/>
+              </a:rPr>
+              <a:t>int</a:t>
+            </a:r>
+            <a:r>
+              <a:rPr lang="en-US">
+                <a:latin typeface="Courier New" panose="02070309020205020404" pitchFamily="49" charset="0"/>
+                <a:cs typeface="Courier New" panose="02070309020205020404" pitchFamily="49" charset="0"/>
+              </a:rPr>
+              <a:t> cols = </a:t>
+            </a:r>
+            <a:r>
+              <a:rPr lang="en-US" err="1">
+                <a:latin typeface="Courier New" panose="02070309020205020404" pitchFamily="49" charset="0"/>
+                <a:cs typeface="Courier New" panose="02070309020205020404" pitchFamily="49" charset="0"/>
+              </a:rPr>
+              <a:t>numArray</a:t>
+            </a:r>
+            <a:r>
+              <a:rPr lang="en-US">
+                <a:latin typeface="Courier New" panose="02070309020205020404" pitchFamily="49" charset="0"/>
+                <a:cs typeface="Courier New" panose="02070309020205020404" pitchFamily="49" charset="0"/>
+              </a:rPr>
+              <a:t>[0].length;</a:t>
+            </a:r>
+          </a:p>
+          <a:p>
+            <a:pPr marL="0" indent="0">
+              <a:buNone/>
+            </a:pPr>
+            <a:r>
+              <a:rPr lang="en-US" err="1">
+                <a:latin typeface="Courier New" panose="02070309020205020404" pitchFamily="49" charset="0"/>
+                <a:cs typeface="Courier New" panose="02070309020205020404" pitchFamily="49" charset="0"/>
+              </a:rPr>
+              <a:t>int</a:t>
+            </a:r>
+            <a:r>
+              <a:rPr lang="en-US">
+                <a:latin typeface="Courier New" panose="02070309020205020404" pitchFamily="49" charset="0"/>
+                <a:cs typeface="Courier New" panose="02070309020205020404" pitchFamily="49" charset="0"/>
+              </a:rPr>
+              <a:t> count = 0;</a:t>
+            </a:r>
+          </a:p>
+          <a:p>
+            <a:pPr marL="0" indent="0">
+              <a:buNone/>
+              <a:tabLst>
+                <a:tab pos="330200" algn="l"/>
+                <a:tab pos="674688" algn="l"/>
+                <a:tab pos="1017588" algn="l"/>
+              </a:tabLst>
+            </a:pPr>
+            <a:r>
+              <a:rPr lang="en-US" b="1">
+                <a:latin typeface="Courier New" panose="02070309020205020404" pitchFamily="49" charset="0"/>
+                <a:cs typeface="Courier New" panose="02070309020205020404" pitchFamily="49" charset="0"/>
+              </a:rPr>
+              <a:t>for</a:t>
+            </a:r>
+            <a:r>
+              <a:rPr lang="en-US">
+                <a:latin typeface="Courier New" panose="02070309020205020404" pitchFamily="49" charset="0"/>
+                <a:cs typeface="Courier New" panose="02070309020205020404" pitchFamily="49" charset="0"/>
+              </a:rPr>
+              <a:t> (int r = 0; r &lt; rows; r ++) {</a:t>
+            </a:r>
+          </a:p>
+          <a:p>
+            <a:pPr marL="0" indent="0">
+              <a:buNone/>
+              <a:tabLst>
+                <a:tab pos="330200" algn="l"/>
+                <a:tab pos="674688" algn="l"/>
+                <a:tab pos="1017588" algn="l"/>
+              </a:tabLst>
+            </a:pPr>
+            <a:r>
+              <a:rPr lang="en-US">
+                <a:latin typeface="Courier New" panose="02070309020205020404" pitchFamily="49" charset="0"/>
+                <a:cs typeface="Courier New" panose="02070309020205020404" pitchFamily="49" charset="0"/>
+              </a:rPr>
+              <a:t>	</a:t>
+            </a:r>
+            <a:r>
+              <a:rPr lang="en-US" b="1">
+                <a:latin typeface="Courier New" panose="02070309020205020404" pitchFamily="49" charset="0"/>
+                <a:cs typeface="Courier New" panose="02070309020205020404" pitchFamily="49" charset="0"/>
+              </a:rPr>
+              <a:t>for</a:t>
+            </a:r>
+            <a:r>
+              <a:rPr lang="en-US">
+                <a:latin typeface="Courier New" panose="02070309020205020404" pitchFamily="49" charset="0"/>
+                <a:cs typeface="Courier New" panose="02070309020205020404" pitchFamily="49" charset="0"/>
+              </a:rPr>
+              <a:t> (int c = 0; c &lt; cols; </a:t>
+            </a:r>
+            <a:r>
+              <a:rPr lang="en-US" err="1">
+                <a:latin typeface="Courier New" panose="02070309020205020404" pitchFamily="49" charset="0"/>
+                <a:cs typeface="Courier New" panose="02070309020205020404" pitchFamily="49" charset="0"/>
+              </a:rPr>
+              <a:t>c++</a:t>
+            </a:r>
+            <a:r>
+              <a:rPr lang="en-US">
+                <a:latin typeface="Courier New" panose="02070309020205020404" pitchFamily="49" charset="0"/>
+                <a:cs typeface="Courier New" panose="02070309020205020404" pitchFamily="49" charset="0"/>
+              </a:rPr>
+              <a:t>) {</a:t>
+            </a:r>
+          </a:p>
+          <a:p>
+            <a:pPr marL="0" indent="0">
+              <a:buNone/>
+              <a:tabLst>
+                <a:tab pos="330200" algn="l"/>
+                <a:tab pos="674688" algn="l"/>
+                <a:tab pos="1017588" algn="l"/>
+              </a:tabLst>
+            </a:pPr>
+            <a:r>
+              <a:rPr lang="en-US">
+                <a:latin typeface="Courier New" panose="02070309020205020404" pitchFamily="49" charset="0"/>
+                <a:cs typeface="Courier New" panose="02070309020205020404" pitchFamily="49" charset="0"/>
+              </a:rPr>
+              <a:t>		</a:t>
+            </a:r>
+            <a:r>
+              <a:rPr lang="en-US" err="1">
+                <a:latin typeface="Courier New" panose="02070309020205020404" pitchFamily="49" charset="0"/>
+                <a:cs typeface="Courier New" panose="02070309020205020404" pitchFamily="49" charset="0"/>
+              </a:rPr>
+              <a:t>numArray</a:t>
+            </a:r>
+            <a:r>
+              <a:rPr lang="en-US">
+                <a:latin typeface="Courier New" panose="02070309020205020404" pitchFamily="49" charset="0"/>
+                <a:cs typeface="Courier New" panose="02070309020205020404" pitchFamily="49" charset="0"/>
+              </a:rPr>
+              <a:t>[r][c] = count;</a:t>
+            </a:r>
+          </a:p>
+          <a:p>
+            <a:pPr marL="0" indent="0">
+              <a:buNone/>
+              <a:tabLst>
+                <a:tab pos="330200" algn="l"/>
+                <a:tab pos="674688" algn="l"/>
+                <a:tab pos="1017588" algn="l"/>
+              </a:tabLst>
+            </a:pPr>
+            <a:r>
+              <a:rPr lang="en-US">
+                <a:latin typeface="Courier New" panose="02070309020205020404" pitchFamily="49" charset="0"/>
+                <a:cs typeface="Courier New" panose="02070309020205020404" pitchFamily="49" charset="0"/>
+              </a:rPr>
+              <a:t>		count ++;</a:t>
+            </a:r>
+          </a:p>
+          <a:p>
+            <a:pPr marL="0" indent="0">
+              <a:buNone/>
+              <a:tabLst>
+                <a:tab pos="330200" algn="l"/>
+                <a:tab pos="674688" algn="l"/>
+                <a:tab pos="1017588" algn="l"/>
+              </a:tabLst>
+            </a:pPr>
+            <a:r>
+              <a:rPr lang="en-US">
+                <a:latin typeface="Courier New" panose="02070309020205020404" pitchFamily="49" charset="0"/>
+                <a:cs typeface="Courier New" panose="02070309020205020404" pitchFamily="49" charset="0"/>
+              </a:rPr>
+              <a:t>	} // end for</a:t>
+            </a:r>
+          </a:p>
+          <a:p>
+            <a:pPr marL="0" indent="0">
+              <a:buNone/>
+              <a:tabLst>
+                <a:tab pos="330200" algn="l"/>
+                <a:tab pos="674688" algn="l"/>
+                <a:tab pos="1017588" algn="l"/>
+              </a:tabLst>
+            </a:pPr>
+            <a:r>
+              <a:rPr lang="en-US">
+                <a:latin typeface="Courier New" panose="02070309020205020404" pitchFamily="49" charset="0"/>
+                <a:cs typeface="Courier New" panose="02070309020205020404" pitchFamily="49" charset="0"/>
+              </a:rPr>
+              <a:t>} // end for	</a:t>
+            </a:r>
+          </a:p>
+          <a:p>
+            <a:pPr marL="0" indent="0">
+              <a:buNone/>
+              <a:tabLst>
+                <a:tab pos="330200" algn="l"/>
+                <a:tab pos="674688" algn="l"/>
+                <a:tab pos="1017588" algn="l"/>
+              </a:tabLst>
+            </a:pPr>
+            <a:endParaRPr lang="en-US">
+              <a:latin typeface="Courier New" panose="02070309020205020404" pitchFamily="49" charset="0"/>
+              <a:cs typeface="Courier New" panose="02070309020205020404" pitchFamily="49" charset="0"/>
+            </a:endParaRPr>
+          </a:p>
+        </p:txBody>
+      </p:sp>
+    </p:spTree>
+    <p:extLst>
+      <p:ext uri="{BB962C8B-B14F-4D97-AF65-F5344CB8AC3E}">
+        <p14:creationId xmlns:p14="http://schemas.microsoft.com/office/powerpoint/2010/main" val="57236246"/>
+      </p:ext>
+    </p:extLst>
+  </p:cSld>
+  <p:clrMapOvr>
+    <a:masterClrMapping/>
+  </p:clrMapOvr>
+</p:sld>
+</file>
+
+<file path=ppt/slides/slide42.xml><?xml version="1.0" encoding="utf-8"?>
+<p:sld xmlns:a="http://schemas.openxmlformats.org/drawingml/2006/main" xmlns:r="http://schemas.openxmlformats.org/officeDocument/2006/relationships" xmlns:p="http://schemas.openxmlformats.org/presentationml/2006/main">
+  <p:cSld>
+    <p:spTree>
+      <p:nvGrpSpPr>
+        <p:cNvPr id="1" name=""/>
+        <p:cNvGrpSpPr/>
+        <p:nvPr/>
+      </p:nvGrpSpPr>
+      <p:grpSpPr>
+        <a:xfrm>
+          <a:off x="0" y="0"/>
+          <a:ext cx="0" cy="0"/>
+          <a:chOff x="0" y="0"/>
+          <a:chExt cx="0" cy="0"/>
+        </a:xfrm>
+      </p:grpSpPr>
+      <p:sp>
+        <p:nvSpPr>
+          <p:cNvPr id="2" name="Title 1"/>
+          <p:cNvSpPr>
+            <a:spLocks noGrp="1"/>
+          </p:cNvSpPr>
+          <p:nvPr>
+            <p:ph type="title"/>
+          </p:nvPr>
+        </p:nvSpPr>
+        <p:spPr>
+          <a:xfrm>
+            <a:off x="457200" y="152400"/>
+            <a:ext cx="8229600" cy="563562"/>
+          </a:xfrm>
+        </p:spPr>
+        <p:txBody>
+          <a:bodyPr>
+            <a:normAutofit fontScale="90000"/>
+          </a:bodyPr>
+          <a:lstStyle/>
+          <a:p>
+            <a:r>
+              <a:rPr lang="en-US"/>
+              <a:t>Order of iteration – by rows?</a:t>
+            </a:r>
+          </a:p>
+        </p:txBody>
+      </p:sp>
+      <p:sp>
+        <p:nvSpPr>
+          <p:cNvPr id="3" name="Content Placeholder 2"/>
+          <p:cNvSpPr>
+            <a:spLocks noGrp="1"/>
+          </p:cNvSpPr>
+          <p:nvPr>
+            <p:ph idx="1"/>
+          </p:nvPr>
+        </p:nvSpPr>
+        <p:spPr>
+          <a:xfrm>
             <a:off x="76200" y="730643"/>
-            <a:ext cx="4724400" cy="3047999"/>
+            <a:ext cx="5334000" cy="3047999"/>
           </a:xfrm>
         </p:spPr>
         <p:txBody>
@@ -14935,171 +15749,276 @@
           <a:p>
             <a:pPr marL="0" indent="0">
               <a:buNone/>
+              <a:tabLst>
+                <a:tab pos="330200" algn="l"/>
+                <a:tab pos="620713" algn="l"/>
+                <a:tab pos="912813" algn="l"/>
+              </a:tabLst>
             </a:pPr>
             <a:r>
-              <a:rPr lang="en-US" dirty="0" err="1"/>
-              <a:t>int</a:t>
-            </a:r>
-            <a:r>
-              <a:rPr lang="en-US" dirty="0"/>
-              <a:t>[][] </a:t>
-            </a:r>
-            <a:r>
-              <a:rPr lang="en-US" dirty="0" err="1"/>
+              <a:rPr lang="en-US" dirty="0">
+                <a:latin typeface="Courier New" panose="02070309020205020404" pitchFamily="49" charset="0"/>
+                <a:cs typeface="Courier New" panose="02070309020205020404" pitchFamily="49" charset="0"/>
+              </a:rPr>
+              <a:t>int[][] </a:t>
+            </a:r>
+            <a:r>
+              <a:rPr lang="en-US" dirty="0" err="1">
+                <a:latin typeface="Courier New" panose="02070309020205020404" pitchFamily="49" charset="0"/>
+                <a:cs typeface="Courier New" panose="02070309020205020404" pitchFamily="49" charset="0"/>
+              </a:rPr>
               <a:t>numArray</a:t>
             </a:r>
             <a:r>
-              <a:rPr lang="en-US" dirty="0"/>
-              <a:t> = new </a:t>
-            </a:r>
-            <a:r>
-              <a:rPr lang="en-US" dirty="0" err="1"/>
-              <a:t>int</a:t>
-            </a:r>
-            <a:r>
-              <a:rPr lang="en-US" dirty="0"/>
-              <a:t>[2][4];</a:t>
+              <a:rPr lang="en-US" dirty="0">
+                <a:latin typeface="Courier New" panose="02070309020205020404" pitchFamily="49" charset="0"/>
+                <a:cs typeface="Courier New" panose="02070309020205020404" pitchFamily="49" charset="0"/>
+              </a:rPr>
+              <a:t> = </a:t>
+            </a:r>
+            <a:r>
+              <a:rPr lang="en-US" b="1" dirty="0">
+                <a:latin typeface="Courier New" panose="02070309020205020404" pitchFamily="49" charset="0"/>
+                <a:cs typeface="Courier New" panose="02070309020205020404" pitchFamily="49" charset="0"/>
+              </a:rPr>
+              <a:t>new</a:t>
+            </a:r>
+            <a:r>
+              <a:rPr lang="en-US" dirty="0">
+                <a:latin typeface="Courier New" panose="02070309020205020404" pitchFamily="49" charset="0"/>
+                <a:cs typeface="Courier New" panose="02070309020205020404" pitchFamily="49" charset="0"/>
+              </a:rPr>
+              <a:t> int[2][4];</a:t>
             </a:r>
           </a:p>
           <a:p>
             <a:pPr marL="0" indent="0">
               <a:buNone/>
+              <a:tabLst>
+                <a:tab pos="330200" algn="l"/>
+                <a:tab pos="620713" algn="l"/>
+                <a:tab pos="912813" algn="l"/>
+              </a:tabLst>
             </a:pPr>
             <a:r>
-              <a:rPr lang="en-US" dirty="0" err="1"/>
-              <a:t>int</a:t>
-            </a:r>
-            <a:r>
-              <a:rPr lang="en-US" dirty="0"/>
-              <a:t> rows = </a:t>
-            </a:r>
-            <a:r>
-              <a:rPr lang="en-US" dirty="0" err="1"/>
+              <a:rPr lang="en-US" dirty="0">
+                <a:latin typeface="Courier New" panose="02070309020205020404" pitchFamily="49" charset="0"/>
+                <a:cs typeface="Courier New" panose="02070309020205020404" pitchFamily="49" charset="0"/>
+              </a:rPr>
+              <a:t>int rows = </a:t>
+            </a:r>
+            <a:r>
+              <a:rPr lang="en-US" dirty="0" err="1">
+                <a:latin typeface="Courier New" panose="02070309020205020404" pitchFamily="49" charset="0"/>
+                <a:cs typeface="Courier New" panose="02070309020205020404" pitchFamily="49" charset="0"/>
+              </a:rPr>
               <a:t>numArray.length</a:t>
             </a:r>
             <a:r>
-              <a:rPr lang="en-US" dirty="0"/>
+              <a:rPr lang="en-US" dirty="0">
+                <a:latin typeface="Courier New" panose="02070309020205020404" pitchFamily="49" charset="0"/>
+                <a:cs typeface="Courier New" panose="02070309020205020404" pitchFamily="49" charset="0"/>
+              </a:rPr>
               <a:t>;</a:t>
             </a:r>
           </a:p>
           <a:p>
             <a:pPr marL="0" indent="0">
               <a:buNone/>
+              <a:tabLst>
+                <a:tab pos="330200" algn="l"/>
+                <a:tab pos="620713" algn="l"/>
+                <a:tab pos="912813" algn="l"/>
+              </a:tabLst>
             </a:pPr>
             <a:r>
-              <a:rPr lang="en-US" dirty="0" err="1"/>
-              <a:t>int</a:t>
-            </a:r>
-            <a:r>
-              <a:rPr lang="en-US" dirty="0"/>
-              <a:t> cols = </a:t>
-            </a:r>
-            <a:r>
-              <a:rPr lang="en-US" dirty="0" err="1"/>
+              <a:rPr lang="en-US" dirty="0">
+                <a:latin typeface="Courier New" panose="02070309020205020404" pitchFamily="49" charset="0"/>
+                <a:cs typeface="Courier New" panose="02070309020205020404" pitchFamily="49" charset="0"/>
+              </a:rPr>
+              <a:t>int cols = </a:t>
+            </a:r>
+            <a:r>
+              <a:rPr lang="en-US" dirty="0" err="1">
+                <a:latin typeface="Courier New" panose="02070309020205020404" pitchFamily="49" charset="0"/>
+                <a:cs typeface="Courier New" panose="02070309020205020404" pitchFamily="49" charset="0"/>
+              </a:rPr>
               <a:t>numArray</a:t>
             </a:r>
             <a:r>
-              <a:rPr lang="en-US" dirty="0"/>
+              <a:rPr lang="en-US" dirty="0">
+                <a:latin typeface="Courier New" panose="02070309020205020404" pitchFamily="49" charset="0"/>
+                <a:cs typeface="Courier New" panose="02070309020205020404" pitchFamily="49" charset="0"/>
+              </a:rPr>
               <a:t>[0].length;</a:t>
             </a:r>
           </a:p>
           <a:p>
             <a:pPr marL="0" indent="0">
               <a:buNone/>
+              <a:tabLst>
+                <a:tab pos="330200" algn="l"/>
+                <a:tab pos="620713" algn="l"/>
+                <a:tab pos="912813" algn="l"/>
+              </a:tabLst>
             </a:pPr>
             <a:r>
-              <a:rPr lang="en-US" dirty="0" err="1"/>
-              <a:t>int</a:t>
-            </a:r>
-            <a:r>
-              <a:rPr lang="en-US" dirty="0"/>
-              <a:t> count = 0;</a:t>
+              <a:rPr lang="en-US" dirty="0">
+                <a:latin typeface="Courier New" panose="02070309020205020404" pitchFamily="49" charset="0"/>
+                <a:cs typeface="Courier New" panose="02070309020205020404" pitchFamily="49" charset="0"/>
+              </a:rPr>
+              <a:t>int count = 0;</a:t>
             </a:r>
           </a:p>
           <a:p>
             <a:pPr marL="0" indent="0">
               <a:buNone/>
+              <a:tabLst>
+                <a:tab pos="330200" algn="l"/>
+                <a:tab pos="620713" algn="l"/>
+                <a:tab pos="912813" algn="l"/>
+              </a:tabLst>
             </a:pPr>
             <a:r>
-              <a:rPr lang="en-US" dirty="0"/>
-              <a:t>for (</a:t>
-            </a:r>
-            <a:r>
-              <a:rPr lang="en-US" dirty="0" err="1"/>
-              <a:t>int</a:t>
-            </a:r>
-            <a:r>
-              <a:rPr lang="en-US" dirty="0"/>
-              <a:t> r=0; r &lt; rows; r ++ ) {</a:t>
+              <a:rPr lang="en-US" b="1" dirty="0">
+                <a:latin typeface="Courier New" panose="02070309020205020404" pitchFamily="49" charset="0"/>
+                <a:cs typeface="Courier New" panose="02070309020205020404" pitchFamily="49" charset="0"/>
+              </a:rPr>
+              <a:t>for</a:t>
+            </a:r>
+            <a:r>
+              <a:rPr lang="en-US" dirty="0">
+                <a:latin typeface="Courier New" panose="02070309020205020404" pitchFamily="49" charset="0"/>
+                <a:cs typeface="Courier New" panose="02070309020205020404" pitchFamily="49" charset="0"/>
+              </a:rPr>
+              <a:t> (int r = 0; r &lt; rows; r ++) {</a:t>
             </a:r>
           </a:p>
           <a:p>
             <a:pPr marL="0" indent="0">
               <a:buNone/>
+              <a:tabLst>
+                <a:tab pos="330200" algn="l"/>
+                <a:tab pos="620713" algn="l"/>
+                <a:tab pos="912813" algn="l"/>
+              </a:tabLst>
             </a:pPr>
             <a:r>
-              <a:rPr lang="en-US" dirty="0"/>
-              <a:t>	for (</a:t>
-            </a:r>
-            <a:r>
-              <a:rPr lang="en-US" dirty="0" err="1"/>
-              <a:t>int</a:t>
-            </a:r>
-            <a:r>
-              <a:rPr lang="en-US" dirty="0"/>
-              <a:t> c=0; c&lt; cols; </a:t>
-            </a:r>
-            <a:r>
-              <a:rPr lang="en-US" dirty="0" err="1"/>
+              <a:rPr lang="en-US" dirty="0">
+                <a:latin typeface="Courier New" panose="02070309020205020404" pitchFamily="49" charset="0"/>
+                <a:cs typeface="Courier New" panose="02070309020205020404" pitchFamily="49" charset="0"/>
+              </a:rPr>
+              <a:t>	</a:t>
+            </a:r>
+            <a:r>
+              <a:rPr lang="en-US" b="1" dirty="0">
+                <a:latin typeface="Courier New" panose="02070309020205020404" pitchFamily="49" charset="0"/>
+                <a:cs typeface="Courier New" panose="02070309020205020404" pitchFamily="49" charset="0"/>
+              </a:rPr>
+              <a:t>for</a:t>
+            </a:r>
+            <a:r>
+              <a:rPr lang="en-US" dirty="0">
+                <a:latin typeface="Courier New" panose="02070309020205020404" pitchFamily="49" charset="0"/>
+                <a:cs typeface="Courier New" panose="02070309020205020404" pitchFamily="49" charset="0"/>
+              </a:rPr>
+              <a:t> (int c = 0; c &lt; cols; </a:t>
+            </a:r>
+            <a:r>
+              <a:rPr lang="en-US" dirty="0" err="1">
+                <a:latin typeface="Courier New" panose="02070309020205020404" pitchFamily="49" charset="0"/>
+                <a:cs typeface="Courier New" panose="02070309020205020404" pitchFamily="49" charset="0"/>
+              </a:rPr>
               <a:t>c++</a:t>
             </a:r>
             <a:r>
-              <a:rPr lang="en-US" dirty="0"/>
+              <a:rPr lang="en-US" dirty="0">
+                <a:latin typeface="Courier New" panose="02070309020205020404" pitchFamily="49" charset="0"/>
+                <a:cs typeface="Courier New" panose="02070309020205020404" pitchFamily="49" charset="0"/>
+              </a:rPr>
               <a:t>) {</a:t>
             </a:r>
           </a:p>
           <a:p>
             <a:pPr marL="0" indent="0">
               <a:buNone/>
+              <a:tabLst>
+                <a:tab pos="330200" algn="l"/>
+                <a:tab pos="620713" algn="l"/>
+                <a:tab pos="912813" algn="l"/>
+              </a:tabLst>
             </a:pPr>
             <a:r>
-              <a:rPr lang="en-US" dirty="0"/>
-              <a:t>		 </a:t>
-            </a:r>
-            <a:r>
-              <a:rPr lang="en-US" dirty="0" err="1"/>
+              <a:rPr lang="en-US" dirty="0">
+                <a:latin typeface="Courier New" panose="02070309020205020404" pitchFamily="49" charset="0"/>
+                <a:cs typeface="Courier New" panose="02070309020205020404" pitchFamily="49" charset="0"/>
+              </a:rPr>
+              <a:t>		</a:t>
+            </a:r>
+            <a:r>
+              <a:rPr lang="en-US" dirty="0" err="1">
+                <a:latin typeface="Courier New" panose="02070309020205020404" pitchFamily="49" charset="0"/>
+                <a:cs typeface="Courier New" panose="02070309020205020404" pitchFamily="49" charset="0"/>
+              </a:rPr>
               <a:t>numArray</a:t>
             </a:r>
             <a:r>
-              <a:rPr lang="en-US" dirty="0"/>
+              <a:rPr lang="en-US" dirty="0">
+                <a:latin typeface="Courier New" panose="02070309020205020404" pitchFamily="49" charset="0"/>
+                <a:cs typeface="Courier New" panose="02070309020205020404" pitchFamily="49" charset="0"/>
+              </a:rPr>
               <a:t>[r][c] = count;</a:t>
             </a:r>
           </a:p>
           <a:p>
             <a:pPr marL="0" indent="0">
               <a:buNone/>
+              <a:tabLst>
+                <a:tab pos="330200" algn="l"/>
+                <a:tab pos="620713" algn="l"/>
+                <a:tab pos="912813" algn="l"/>
+              </a:tabLst>
             </a:pPr>
             <a:r>
-              <a:rPr lang="en-US" dirty="0"/>
+              <a:rPr lang="en-US" dirty="0">
+                <a:latin typeface="Courier New" panose="02070309020205020404" pitchFamily="49" charset="0"/>
+                <a:cs typeface="Courier New" panose="02070309020205020404" pitchFamily="49" charset="0"/>
+              </a:rPr>
               <a:t>		count ++;</a:t>
             </a:r>
           </a:p>
           <a:p>
             <a:pPr marL="0" indent="0">
               <a:buNone/>
+              <a:tabLst>
+                <a:tab pos="330200" algn="l"/>
+                <a:tab pos="620713" algn="l"/>
+                <a:tab pos="912813" algn="l"/>
+              </a:tabLst>
             </a:pPr>
             <a:r>
-              <a:rPr lang="en-US" dirty="0"/>
-              <a:t>	}</a:t>
+              <a:rPr lang="en-US" dirty="0">
+                <a:latin typeface="Courier New" panose="02070309020205020404" pitchFamily="49" charset="0"/>
+                <a:cs typeface="Courier New" panose="02070309020205020404" pitchFamily="49" charset="0"/>
+              </a:rPr>
+              <a:t>	} // end for</a:t>
             </a:r>
           </a:p>
           <a:p>
             <a:pPr marL="0" indent="0">
               <a:buNone/>
+              <a:tabLst>
+                <a:tab pos="330200" algn="l"/>
+                <a:tab pos="620713" algn="l"/>
+                <a:tab pos="912813" algn="l"/>
+              </a:tabLst>
             </a:pPr>
             <a:r>
-              <a:rPr lang="en-US" dirty="0"/>
-              <a:t>}</a:t>
+              <a:rPr lang="en-US" dirty="0">
+                <a:latin typeface="Courier New" panose="02070309020205020404" pitchFamily="49" charset="0"/>
+                <a:cs typeface="Courier New" panose="02070309020205020404" pitchFamily="49" charset="0"/>
+              </a:rPr>
+              <a:t>} // end for</a:t>
             </a:r>
           </a:p>
         </p:txBody>
@@ -15151,7 +16070,7 @@
           <a:lstStyle/>
           <a:p>
             <a:r>
-              <a:rPr lang="en-US" dirty="0"/>
+              <a:rPr lang="en-US"/>
               <a:t>0</a:t>
             </a:r>
           </a:p>
@@ -15180,7 +16099,7 @@
           <a:lstStyle/>
           <a:p>
             <a:r>
-              <a:rPr lang="en-US" dirty="0"/>
+              <a:rPr lang="en-US"/>
               <a:t>1</a:t>
             </a:r>
           </a:p>
@@ -15209,7 +16128,7 @@
           <a:lstStyle/>
           <a:p>
             <a:r>
-              <a:rPr lang="en-US" dirty="0"/>
+              <a:rPr lang="en-US"/>
               <a:t>2</a:t>
             </a:r>
           </a:p>
@@ -15238,7 +16157,7 @@
           <a:lstStyle/>
           <a:p>
             <a:r>
-              <a:rPr lang="en-US" dirty="0"/>
+              <a:rPr lang="en-US"/>
               <a:t>3</a:t>
             </a:r>
           </a:p>
@@ -15267,7 +16186,7 @@
           <a:lstStyle/>
           <a:p>
             <a:r>
-              <a:rPr lang="en-US" dirty="0"/>
+              <a:rPr lang="en-US"/>
               <a:t>4</a:t>
             </a:r>
           </a:p>
@@ -15296,7 +16215,7 @@
           <a:lstStyle/>
           <a:p>
             <a:r>
-              <a:rPr lang="en-US" dirty="0"/>
+              <a:rPr lang="en-US"/>
               <a:t>5</a:t>
             </a:r>
           </a:p>
@@ -15325,7 +16244,7 @@
           <a:lstStyle/>
           <a:p>
             <a:r>
-              <a:rPr lang="en-US" dirty="0"/>
+              <a:rPr lang="en-US"/>
               <a:t>6</a:t>
             </a:r>
           </a:p>
@@ -15354,7 +16273,7 @@
           <a:lstStyle/>
           <a:p>
             <a:r>
-              <a:rPr lang="en-US" dirty="0"/>
+              <a:rPr lang="en-US"/>
               <a:t>7</a:t>
             </a:r>
           </a:p>
@@ -15363,7 +16282,7 @@
     </p:spTree>
     <p:extLst>
       <p:ext uri="{BB962C8B-B14F-4D97-AF65-F5344CB8AC3E}">
-        <p14:creationId xmlns:p14="http://schemas.microsoft.com/office/powerpoint/2010/main" val="4048058715"/>
+        <p14:creationId xmlns:p14="http://schemas.microsoft.com/office/powerpoint/2010/main" val="1263339044"/>
       </p:ext>
     </p:extLst>
   </p:cSld>
@@ -15701,7 +16620,7 @@
 </p:sld>
 </file>
 
-<file path=ppt/slides/slide42.xml><?xml version="1.0" encoding="utf-8"?>
+<file path=ppt/slides/slide43.xml><?xml version="1.0" encoding="utf-8"?>
 <p:sld xmlns:a="http://schemas.openxmlformats.org/drawingml/2006/main" xmlns:r="http://schemas.openxmlformats.org/officeDocument/2006/relationships" xmlns:p="http://schemas.openxmlformats.org/presentationml/2006/main" show="0">
   <p:cSld>
     <p:spTree>
@@ -15801,7 +16720,7 @@
 </p:sld>
 </file>
 
-<file path=ppt/slides/slide43.xml><?xml version="1.0" encoding="utf-8"?>
+<file path=ppt/slides/slide44.xml><?xml version="1.0" encoding="utf-8"?>
 <p:sld xmlns:a="http://schemas.openxmlformats.org/drawingml/2006/main" xmlns:r="http://schemas.openxmlformats.org/officeDocument/2006/relationships" xmlns:p="http://schemas.openxmlformats.org/presentationml/2006/main">
   <p:cSld>
     <p:spTree>
@@ -15828,7 +16747,12 @@
             <p:ph type="title"/>
           </p:nvPr>
         </p:nvSpPr>
-        <p:spPr/>
+        <p:spPr>
+          <a:xfrm>
+            <a:off x="4343400" y="274638"/>
+            <a:ext cx="4343400" cy="1143000"/>
+          </a:xfrm>
+        </p:spPr>
         <p:txBody>
           <a:bodyPr/>
           <a:lstStyle/>
@@ -15871,7 +16795,7 @@
             <a:pPr lvl="1"/>
             <a:r>
               <a:rPr lang="en-US" sz="2000" dirty="0"/>
-              <a:t>Instructions to see samples on next slide</a:t>
+              <a:t>2DArraysAndMapsSamples.pdf – from Teams folder</a:t>
             </a:r>
           </a:p>
           <a:p>
@@ -15906,12 +16830,54 @@
               <a:t>Please look to help answer questions other students post</a:t>
             </a:r>
           </a:p>
-        </p:txBody>
-      </p:sp>
+          <a:p>
+            <a:endParaRPr lang="en-US" sz="2400" dirty="0"/>
+          </a:p>
+          <a:p>
+            <a:endParaRPr lang="en-US" sz="2400" dirty="0"/>
+          </a:p>
+        </p:txBody>
+      </p:sp>
+      <p:pic>
+        <p:nvPicPr>
+          <p:cNvPr id="5" name="Picture 4" descr="Text&#10;&#10;Description automatically generated with medium confidence">
+            <a:extLst>
+              <a:ext uri="{FF2B5EF4-FFF2-40B4-BE49-F238E27FC236}">
+                <a16:creationId xmlns:a16="http://schemas.microsoft.com/office/drawing/2014/main" id="{4CE9D890-3DBF-3740-A8A0-A0CAB304B071}"/>
+              </a:ext>
+            </a:extLst>
+          </p:cNvPr>
+          <p:cNvPicPr>
+            <a:picLocks noChangeAspect="1"/>
+          </p:cNvPicPr>
+          <p:nvPr/>
+        </p:nvPicPr>
+        <p:blipFill>
+          <a:blip r:embed="rId3">
+            <a:extLst>
+              <a:ext uri="{28A0092B-C50C-407E-A947-70E740481C1C}">
+                <a14:useLocalDpi xmlns:a14="http://schemas.microsoft.com/office/drawing/2010/main" val="0"/>
+              </a:ext>
+            </a:extLst>
+          </a:blip>
+          <a:stretch>
+            <a:fillRect/>
+          </a:stretch>
+        </p:blipFill>
+        <p:spPr>
+          <a:xfrm>
+            <a:off x="304800" y="152400"/>
+            <a:ext cx="3898900" cy="1511300"/>
+          </a:xfrm>
+          <a:prstGeom prst="rect">
+            <a:avLst/>
+          </a:prstGeom>
+        </p:spPr>
+      </p:pic>
     </p:spTree>
     <p:extLst>
       <p:ext uri="{BB962C8B-B14F-4D97-AF65-F5344CB8AC3E}">
-        <p14:creationId xmlns:p14="http://schemas.microsoft.com/office/powerpoint/2010/main" val="3960969336"/>
+        <p14:creationId xmlns:p14="http://schemas.microsoft.com/office/powerpoint/2010/main" val="2086241134"/>
       </p:ext>
     </p:extLst>
   </p:cSld>
@@ -15921,7 +16887,7 @@
 </p:sld>
 </file>
 
-<file path=ppt/slides/slide44.xml><?xml version="1.0" encoding="utf-8"?>
+<file path=ppt/slides/slide45.xml><?xml version="1.0" encoding="utf-8"?>
 <p:sld xmlns:a="http://schemas.openxmlformats.org/drawingml/2006/main" xmlns:r="http://schemas.openxmlformats.org/officeDocument/2006/relationships" xmlns:p="http://schemas.openxmlformats.org/presentationml/2006/main">
   <p:cSld>
     <p:spTree>
@@ -16369,144 +17335,6 @@
 </p:sld>
 </file>
 
-<file path=ppt/slides/slide45.xml><?xml version="1.0" encoding="utf-8"?>
-<p:sld xmlns:a="http://schemas.openxmlformats.org/drawingml/2006/main" xmlns:r="http://schemas.openxmlformats.org/officeDocument/2006/relationships" xmlns:p="http://schemas.openxmlformats.org/presentationml/2006/main">
-  <p:cSld>
-    <p:spTree>
-      <p:nvGrpSpPr>
-        <p:cNvPr id="1" name=""/>
-        <p:cNvGrpSpPr/>
-        <p:nvPr/>
-      </p:nvGrpSpPr>
-      <p:grpSpPr>
-        <a:xfrm>
-          <a:off x="0" y="0"/>
-          <a:ext cx="0" cy="0"/>
-          <a:chOff x="0" y="0"/>
-          <a:chExt cx="0" cy="0"/>
-        </a:xfrm>
-      </p:grpSpPr>
-      <p:sp>
-        <p:nvSpPr>
-          <p:cNvPr id="2" name="Title 1"/>
-          <p:cNvSpPr>
-            <a:spLocks noGrp="1"/>
-          </p:cNvSpPr>
-          <p:nvPr>
-            <p:ph type="title"/>
-          </p:nvPr>
-        </p:nvSpPr>
-        <p:spPr/>
-        <p:txBody>
-          <a:bodyPr/>
-          <a:lstStyle/>
-          <a:p>
-            <a:r>
-              <a:rPr lang="en-US" dirty="0"/>
-              <a:t>Maps – What, When, Why, How?</a:t>
-            </a:r>
-          </a:p>
-        </p:txBody>
-      </p:sp>
-      <p:sp>
-        <p:nvSpPr>
-          <p:cNvPr id="3" name="Content Placeholder 2"/>
-          <p:cNvSpPr>
-            <a:spLocks noGrp="1"/>
-          </p:cNvSpPr>
-          <p:nvPr>
-            <p:ph idx="1"/>
-          </p:nvPr>
-        </p:nvSpPr>
-        <p:spPr>
-          <a:xfrm>
-            <a:off x="457200" y="1600200"/>
-            <a:ext cx="8686800" cy="5029200"/>
-          </a:xfrm>
-        </p:spPr>
-        <p:txBody>
-          <a:bodyPr>
-            <a:normAutofit fontScale="92500" lnSpcReduction="10000"/>
-          </a:bodyPr>
-          <a:lstStyle/>
-          <a:p>
-            <a:pPr marL="0" indent="0">
-              <a:buNone/>
-            </a:pPr>
-            <a:r>
-              <a:rPr lang="en-US" dirty="0"/>
-              <a:t>What:</a:t>
-            </a:r>
-          </a:p>
-          <a:p>
-            <a:r>
-              <a:rPr lang="en-US" dirty="0"/>
-              <a:t>Collection of key-value pairs</a:t>
-            </a:r>
-          </a:p>
-          <a:p>
-            <a:pPr lvl="1"/>
-            <a:r>
-              <a:rPr lang="en-US" dirty="0"/>
-              <a:t>Key is the identifier </a:t>
-            </a:r>
-          </a:p>
-          <a:p>
-            <a:pPr lvl="2"/>
-            <a:r>
-              <a:rPr lang="en-US" dirty="0"/>
-              <a:t>i.e. A word in a dictionary, or a student ID number, something that uniquely identifies an item</a:t>
-            </a:r>
-          </a:p>
-          <a:p>
-            <a:pPr lvl="1"/>
-            <a:r>
-              <a:rPr lang="en-US" dirty="0"/>
-              <a:t>Value is the data for that identifier</a:t>
-            </a:r>
-          </a:p>
-          <a:p>
-            <a:pPr lvl="2"/>
-            <a:r>
-              <a:rPr lang="en-US" dirty="0"/>
-              <a:t>i.e. The definition of a word in a dictionary, a Student object for an ID, the value associated with an unique ID</a:t>
-            </a:r>
-          </a:p>
-          <a:p>
-            <a:r>
-              <a:rPr lang="en-US" dirty="0"/>
-              <a:t>Think of this like a dictionary (in some programming languages they’re even called dictionaries)</a:t>
-            </a:r>
-          </a:p>
-          <a:p>
-            <a:pPr lvl="1"/>
-            <a:r>
-              <a:rPr lang="en-US" dirty="0"/>
-              <a:t>Key: word</a:t>
-            </a:r>
-          </a:p>
-          <a:p>
-            <a:pPr lvl="1"/>
-            <a:r>
-              <a:rPr lang="en-US" dirty="0"/>
-              <a:t>Value: definition</a:t>
-            </a:r>
-          </a:p>
-        </p:txBody>
-      </p:sp>
-    </p:spTree>
-    <p:extLst>
-      <p:ext uri="{BB962C8B-B14F-4D97-AF65-F5344CB8AC3E}">
-        <p14:creationId xmlns:p14="http://schemas.microsoft.com/office/powerpoint/2010/main" val="2989450680"/>
-      </p:ext>
-    </p:extLst>
-  </p:cSld>
-  <p:clrMapOvr>
-    <a:masterClrMapping/>
-  </p:clrMapOvr>
-</p:sld>
-</file>
-
 <file path=ppt/slides/slide46.xml><?xml version="1.0" encoding="utf-8"?>
 <p:sld xmlns:a="http://schemas.openxmlformats.org/drawingml/2006/main" xmlns:r="http://schemas.openxmlformats.org/officeDocument/2006/relationships" xmlns:p="http://schemas.openxmlformats.org/presentationml/2006/main">
   <p:cSld>
@@ -16526,7 +17354,7 @@
       </p:grpSpPr>
       <p:sp>
         <p:nvSpPr>
-          <p:cNvPr id="2" name="Title 1"/>
+          <p:cNvPr id="3" name="Title 2"/>
           <p:cNvSpPr>
             <a:spLocks noGrp="1"/>
           </p:cNvSpPr>
@@ -16536,116 +17364,14 @@
         </p:nvSpPr>
         <p:spPr/>
         <p:txBody>
-          <a:bodyPr/>
+          <a:bodyPr>
+            <a:normAutofit fontScale="90000"/>
+          </a:bodyPr>
           <a:lstStyle/>
           <a:p>
             <a:r>
               <a:rPr lang="en-US" dirty="0"/>
-              <a:t>Maps – What, When, Why, How?</a:t>
-            </a:r>
-          </a:p>
-        </p:txBody>
-      </p:sp>
-      <p:sp>
-        <p:nvSpPr>
-          <p:cNvPr id="3" name="Content Placeholder 2"/>
-          <p:cNvSpPr>
-            <a:spLocks noGrp="1"/>
-          </p:cNvSpPr>
-          <p:nvPr>
-            <p:ph idx="1"/>
-          </p:nvPr>
-        </p:nvSpPr>
-        <p:spPr/>
-        <p:txBody>
-          <a:bodyPr>
-            <a:normAutofit fontScale="92500"/>
-          </a:bodyPr>
-          <a:lstStyle/>
-          <a:p>
-            <a:pPr marL="0" indent="0">
-              <a:buNone/>
-            </a:pPr>
-            <a:r>
-              <a:rPr lang="en-US" dirty="0"/>
-              <a:t>When:</a:t>
-            </a:r>
-          </a:p>
-          <a:p>
-            <a:r>
-              <a:rPr lang="en-US" dirty="0"/>
-              <a:t>We use maps when a unique piece of data is used to retrieve additional information</a:t>
-            </a:r>
-          </a:p>
-          <a:p>
-            <a:pPr marL="0" indent="0">
-              <a:buNone/>
-            </a:pPr>
-            <a:r>
-              <a:rPr lang="en-US" dirty="0"/>
-              <a:t>Why:</a:t>
-            </a:r>
-          </a:p>
-          <a:p>
-            <a:r>
-              <a:rPr lang="en-US" dirty="0"/>
-              <a:t>Fast access to information based on a unique key</a:t>
-            </a:r>
-          </a:p>
-          <a:p>
-            <a:pPr marL="0" indent="0">
-              <a:buNone/>
-            </a:pPr>
-            <a:r>
-              <a:rPr lang="en-US" dirty="0"/>
-              <a:t>How:</a:t>
-            </a:r>
-          </a:p>
-          <a:p>
-            <a:pPr marL="0" indent="0">
-              <a:buNone/>
-            </a:pPr>
-            <a:r>
-              <a:rPr lang="en-US" sz="2600" dirty="0" err="1">
-                <a:latin typeface="Courier New" panose="02070309020205020404" pitchFamily="49" charset="0"/>
-                <a:cs typeface="Courier New" panose="02070309020205020404" pitchFamily="49" charset="0"/>
-              </a:rPr>
-              <a:t>HashMap</a:t>
-            </a:r>
-            <a:r>
-              <a:rPr lang="en-US" sz="2600" dirty="0">
-                <a:latin typeface="Courier New" panose="02070309020205020404" pitchFamily="49" charset="0"/>
-                <a:cs typeface="Courier New" panose="02070309020205020404" pitchFamily="49" charset="0"/>
-              </a:rPr>
-              <a:t>&lt;String, Student&gt; </a:t>
-            </a:r>
-            <a:r>
-              <a:rPr lang="en-US" sz="2600" dirty="0" err="1">
-                <a:latin typeface="Courier New" panose="02070309020205020404" pitchFamily="49" charset="0"/>
-                <a:cs typeface="Courier New" panose="02070309020205020404" pitchFamily="49" charset="0"/>
-              </a:rPr>
-              <a:t>usernameToStudent</a:t>
-            </a:r>
-            <a:r>
-              <a:rPr lang="en-US" sz="2600" dirty="0">
-                <a:latin typeface="Courier New" panose="02070309020205020404" pitchFamily="49" charset="0"/>
-                <a:cs typeface="Courier New" panose="02070309020205020404" pitchFamily="49" charset="0"/>
-              </a:rPr>
-              <a:t> = new </a:t>
-            </a:r>
-            <a:r>
-              <a:rPr lang="en-US" sz="2600" dirty="0" err="1">
-                <a:latin typeface="Courier New" panose="02070309020205020404" pitchFamily="49" charset="0"/>
-                <a:cs typeface="Courier New" panose="02070309020205020404" pitchFamily="49" charset="0"/>
-              </a:rPr>
-              <a:t>HashMap</a:t>
-            </a:r>
-            <a:r>
-              <a:rPr lang="en-US" sz="2600" dirty="0">
-                <a:latin typeface="Courier New" panose="02070309020205020404" pitchFamily="49" charset="0"/>
-                <a:cs typeface="Courier New" panose="02070309020205020404" pitchFamily="49" charset="0"/>
-              </a:rPr>
-              <a:t>&lt;String, Student&gt;();</a:t>
+              <a:t>Begin Maps Part of Today’s Discussion</a:t>
             </a:r>
           </a:p>
         </p:txBody>
@@ -16653,7 +17379,7 @@
     </p:spTree>
     <p:extLst>
       <p:ext uri="{BB962C8B-B14F-4D97-AF65-F5344CB8AC3E}">
-        <p14:creationId xmlns:p14="http://schemas.microsoft.com/office/powerpoint/2010/main" val="593419135"/>
+        <p14:creationId xmlns:p14="http://schemas.microsoft.com/office/powerpoint/2010/main" val="1036517671"/>
       </p:ext>
     </p:extLst>
   </p:cSld>
@@ -16697,7 +17423,7 @@
           <a:p>
             <a:r>
               <a:rPr lang="en-US" dirty="0"/>
-              <a:t>Maps</a:t>
+              <a:t>Maps – What, When, Why, How?</a:t>
             </a:r>
           </a:p>
         </p:txBody>
@@ -16712,35 +17438,78 @@
             <p:ph idx="1"/>
           </p:nvPr>
         </p:nvSpPr>
-        <p:spPr/>
-        <p:txBody>
-          <a:bodyPr/>
-          <a:lstStyle/>
-          <a:p>
+        <p:spPr>
+          <a:xfrm>
+            <a:off x="457200" y="1600200"/>
+            <a:ext cx="8686800" cy="5029200"/>
+          </a:xfrm>
+        </p:spPr>
+        <p:txBody>
+          <a:bodyPr>
+            <a:normAutofit fontScale="92500" lnSpcReduction="10000"/>
+          </a:bodyPr>
+          <a:lstStyle/>
+          <a:p>
+            <a:pPr marL="0" indent="0">
+              <a:buNone/>
+            </a:pPr>
             <a:r>
               <a:rPr lang="en-US" dirty="0"/>
-              <a:t>Sometimes, it’s difficult to fully understand maps.</a:t>
+              <a:t>What:</a:t>
             </a:r>
           </a:p>
           <a:p>
             <a:r>
               <a:rPr lang="en-US" dirty="0"/>
-              <a:t>Let’s do an example together:</a:t>
+              <a:t>Collection of key-value pairs</a:t>
             </a:r>
           </a:p>
           <a:p>
             <a:pPr lvl="1"/>
             <a:r>
               <a:rPr lang="en-US" dirty="0"/>
-              <a:t>Implement an </a:t>
-            </a:r>
-            <a:r>
-              <a:rPr lang="en-US" dirty="0" err="1"/>
-              <a:t>int</a:t>
-            </a:r>
+              <a:t>Key is the identifier </a:t>
+            </a:r>
+          </a:p>
+          <a:p>
+            <a:pPr lvl="2"/>
             <a:r>
               <a:rPr lang="en-US" dirty="0"/>
-              <a:t> array using a map.</a:t>
+              <a:t>i.e., A word in a dictionary, or a student ID number, something that uniquely identifies an item</a:t>
+            </a:r>
+          </a:p>
+          <a:p>
+            <a:pPr lvl="1"/>
+            <a:r>
+              <a:rPr lang="en-US" dirty="0"/>
+              <a:t>Value is the data for that identifier</a:t>
+            </a:r>
+          </a:p>
+          <a:p>
+            <a:pPr lvl="2"/>
+            <a:r>
+              <a:rPr lang="en-US" dirty="0"/>
+              <a:t>i.e., The definition of a word in a dictionary, a Student object for an ID, the value associated with a unique ID</a:t>
+            </a:r>
+          </a:p>
+          <a:p>
+            <a:r>
+              <a:rPr lang="en-US" dirty="0"/>
+              <a:t>Think of this like a dictionary (in some programming languages they’re even called dictionaries)</a:t>
+            </a:r>
+          </a:p>
+          <a:p>
+            <a:pPr lvl="1"/>
+            <a:r>
+              <a:rPr lang="en-US" dirty="0"/>
+              <a:t>Key: word</a:t>
+            </a:r>
+          </a:p>
+          <a:p>
+            <a:pPr lvl="1"/>
+            <a:r>
+              <a:rPr lang="en-US" dirty="0"/>
+              <a:t>Value: definition</a:t>
             </a:r>
           </a:p>
         </p:txBody>
@@ -16748,7 +17517,7 @@
     </p:spTree>
     <p:extLst>
       <p:ext uri="{BB962C8B-B14F-4D97-AF65-F5344CB8AC3E}">
-        <p14:creationId xmlns:p14="http://schemas.microsoft.com/office/powerpoint/2010/main" val="2468141845"/>
+        <p14:creationId xmlns:p14="http://schemas.microsoft.com/office/powerpoint/2010/main" val="2989450680"/>
       </p:ext>
     </p:extLst>
   </p:cSld>
@@ -16759,7 +17528,7 @@
 </file>
 
 <file path=ppt/slides/slide48.xml><?xml version="1.0" encoding="utf-8"?>
-<p:sld xmlns:a="http://schemas.openxmlformats.org/drawingml/2006/main" xmlns:r="http://schemas.openxmlformats.org/officeDocument/2006/relationships" xmlns:p="http://schemas.openxmlformats.org/presentationml/2006/main" show="0">
+<p:sld xmlns:a="http://schemas.openxmlformats.org/drawingml/2006/main" xmlns:r="http://schemas.openxmlformats.org/officeDocument/2006/relationships" xmlns:p="http://schemas.openxmlformats.org/presentationml/2006/main">
   <p:cSld>
     <p:spTree>
       <p:nvGrpSpPr>
@@ -16792,7 +17561,7 @@
           <a:p>
             <a:r>
               <a:rPr lang="en-US" dirty="0"/>
-              <a:t>Maps</a:t>
+              <a:t>Maps – What, When, Why, How?</a:t>
             </a:r>
           </a:p>
         </p:txBody>
@@ -16810,31 +17579,110 @@
         <p:spPr/>
         <p:txBody>
           <a:bodyPr>
-            <a:normAutofit/>
+            <a:normAutofit fontScale="92500"/>
           </a:bodyPr>
           <a:lstStyle/>
           <a:p>
+            <a:pPr marL="0" indent="0">
+              <a:buNone/>
+            </a:pPr>
             <a:r>
               <a:rPr lang="en-US" dirty="0"/>
-              <a:t>Make groups of two (no more than 3, no one can work alone)</a:t>
+              <a:t>When:</a:t>
             </a:r>
           </a:p>
           <a:p>
             <a:r>
               <a:rPr lang="en-US" dirty="0"/>
-              <a:t>Read through the 3 Map sample problems with your partner and make sure you both understand how they work</a:t>
-            </a:r>
-          </a:p>
-          <a:p>
+              <a:t>We use maps when a unique piece of data is used to retrieve additional information</a:t>
+            </a:r>
+          </a:p>
+          <a:p>
+            <a:pPr marL="0" indent="0">
+              <a:buNone/>
+            </a:pPr>
             <a:r>
               <a:rPr lang="en-US" dirty="0"/>
-              <a:t>Then use the code as an example to answer the Map quiz questions (on Moodle)</a:t>
+              <a:t>Why:</a:t>
             </a:r>
           </a:p>
           <a:p>
             <a:r>
               <a:rPr lang="en-US" dirty="0"/>
-              <a:t>Then solve the map problems in today’s code</a:t>
+              <a:t>Fast access to information based on a unique key</a:t>
+            </a:r>
+          </a:p>
+          <a:p>
+            <a:pPr marL="0" indent="0">
+              <a:buNone/>
+            </a:pPr>
+            <a:r>
+              <a:rPr lang="en-US" dirty="0"/>
+              <a:t>Example:</a:t>
+            </a:r>
+          </a:p>
+          <a:p>
+            <a:pPr marL="0" indent="0">
+              <a:buNone/>
+            </a:pPr>
+            <a:r>
+              <a:rPr lang="en-US" sz="2600" dirty="0">
+                <a:latin typeface="Courier New" panose="02070309020205020404" pitchFamily="49" charset="0"/>
+                <a:cs typeface="Courier New" panose="02070309020205020404" pitchFamily="49" charset="0"/>
+              </a:rPr>
+              <a:t>HashMap&lt;String, Student&gt; </a:t>
+            </a:r>
+          </a:p>
+          <a:p>
+            <a:pPr marL="0" indent="0">
+              <a:buNone/>
+            </a:pPr>
+            <a:r>
+              <a:rPr lang="en-US" sz="2600" dirty="0">
+                <a:latin typeface="Courier New" panose="02070309020205020404" pitchFamily="49" charset="0"/>
+                <a:cs typeface="Courier New" panose="02070309020205020404" pitchFamily="49" charset="0"/>
+              </a:rPr>
+              <a:t>   </a:t>
+            </a:r>
+            <a:r>
+              <a:rPr lang="en-US" sz="2600" dirty="0" err="1">
+                <a:latin typeface="Courier New" panose="02070309020205020404" pitchFamily="49" charset="0"/>
+                <a:cs typeface="Courier New" panose="02070309020205020404" pitchFamily="49" charset="0"/>
+              </a:rPr>
+              <a:t>usernameToStudent</a:t>
+            </a:r>
+            <a:r>
+              <a:rPr lang="en-US" sz="2600" dirty="0">
+                <a:latin typeface="Courier New" panose="02070309020205020404" pitchFamily="49" charset="0"/>
+                <a:cs typeface="Courier New" panose="02070309020205020404" pitchFamily="49" charset="0"/>
+              </a:rPr>
+              <a:t> = </a:t>
+            </a:r>
+          </a:p>
+          <a:p>
+            <a:pPr marL="0" indent="0">
+              <a:buNone/>
+            </a:pPr>
+            <a:r>
+              <a:rPr lang="en-US" sz="2600" dirty="0">
+                <a:latin typeface="Courier New" panose="02070309020205020404" pitchFamily="49" charset="0"/>
+                <a:cs typeface="Courier New" panose="02070309020205020404" pitchFamily="49" charset="0"/>
+              </a:rPr>
+              <a:t>       </a:t>
+            </a:r>
+            <a:r>
+              <a:rPr lang="en-US" sz="2600" b="1" dirty="0">
+                <a:latin typeface="Courier New" panose="02070309020205020404" pitchFamily="49" charset="0"/>
+                <a:cs typeface="Courier New" panose="02070309020205020404" pitchFamily="49" charset="0"/>
+              </a:rPr>
+              <a:t>new</a:t>
+            </a:r>
+            <a:r>
+              <a:rPr lang="en-US" sz="2600" dirty="0">
+                <a:latin typeface="Courier New" panose="02070309020205020404" pitchFamily="49" charset="0"/>
+                <a:cs typeface="Courier New" panose="02070309020205020404" pitchFamily="49" charset="0"/>
+              </a:rPr>
+              <a:t> HashMap&lt;String, Student&gt;();</a:t>
             </a:r>
           </a:p>
         </p:txBody>
@@ -16842,7 +17690,7 @@
     </p:spTree>
     <p:extLst>
       <p:ext uri="{BB962C8B-B14F-4D97-AF65-F5344CB8AC3E}">
-        <p14:creationId xmlns:p14="http://schemas.microsoft.com/office/powerpoint/2010/main" val="3686379248"/>
+        <p14:creationId xmlns:p14="http://schemas.microsoft.com/office/powerpoint/2010/main" val="3741456208"/>
       </p:ext>
     </p:extLst>
   </p:cSld>
@@ -16879,14 +17727,21 @@
             <p:ph type="title"/>
           </p:nvPr>
         </p:nvSpPr>
-        <p:spPr/>
-        <p:txBody>
-          <a:bodyPr/>
+        <p:spPr>
+          <a:xfrm>
+            <a:off x="457200" y="152400"/>
+            <a:ext cx="8229600" cy="685800"/>
+          </a:xfrm>
+        </p:spPr>
+        <p:txBody>
+          <a:bodyPr>
+            <a:normAutofit fontScale="90000"/>
+          </a:bodyPr>
           <a:lstStyle/>
           <a:p>
             <a:r>
               <a:rPr lang="en-US" dirty="0"/>
-              <a:t>Maps</a:t>
+              <a:t>Another Example</a:t>
             </a:r>
           </a:p>
         </p:txBody>
@@ -16901,56 +17756,193 @@
             <p:ph idx="1"/>
           </p:nvPr>
         </p:nvSpPr>
-        <p:spPr/>
+        <p:spPr>
+          <a:xfrm>
+            <a:off x="114300" y="685800"/>
+            <a:ext cx="8915400" cy="5135563"/>
+          </a:xfrm>
+        </p:spPr>
         <p:txBody>
           <a:bodyPr>
-            <a:normAutofit fontScale="92500" lnSpcReduction="20000"/>
+            <a:normAutofit/>
           </a:bodyPr>
           <a:lstStyle/>
           <a:p>
-            <a:r>
-              <a:rPr lang="en-US" dirty="0"/>
-              <a:t>Read through the 3 Map sample problems and make sure you understand how they work</a:t>
-            </a:r>
-          </a:p>
-          <a:p>
-            <a:r>
-              <a:rPr lang="en-US" dirty="0"/>
-              <a:t>Then use the code as an example to answer the Map quiz questions</a:t>
-            </a:r>
-          </a:p>
-          <a:p>
-            <a:r>
-              <a:rPr lang="en-US" dirty="0"/>
-              <a:t>Then solve the map problems in today’s code</a:t>
-            </a:r>
-          </a:p>
-          <a:p>
-            <a:r>
-              <a:rPr lang="en-US" dirty="0"/>
-              <a:t>Post ANY questions to Piazza </a:t>
-            </a:r>
-            <a:r>
-              <a:rPr lang="en-US" b="1" i="1" u="sng" dirty="0"/>
-              <a:t>even including code </a:t>
-            </a:r>
-            <a:r>
-              <a:rPr lang="en-US" dirty="0"/>
-              <a:t>since this is purely collaborative exercise and the solution code is available to you</a:t>
-            </a:r>
-          </a:p>
-          <a:p>
-            <a:r>
-              <a:rPr lang="en-US" dirty="0"/>
-              <a:t>Please look to help answer questions other students post</a:t>
-            </a:r>
-          </a:p>
-        </p:txBody>
-      </p:sp>
+            <a:pPr marL="0" indent="0">
+              <a:buNone/>
+              <a:tabLst>
+                <a:tab pos="338138" algn="l"/>
+              </a:tabLst>
+            </a:pPr>
+            <a:r>
+              <a:rPr lang="en-US" sz="2400" dirty="0">
+                <a:latin typeface="Courier New" panose="02070309020205020404" pitchFamily="49" charset="0"/>
+                <a:cs typeface="Courier New" panose="02070309020205020404" pitchFamily="49" charset="0"/>
+              </a:rPr>
+              <a:t>HashMap&lt;Integer, String&gt; </a:t>
+            </a:r>
+          </a:p>
+          <a:p>
+            <a:pPr marL="0" indent="0">
+              <a:buNone/>
+              <a:tabLst>
+                <a:tab pos="338138" algn="l"/>
+              </a:tabLst>
+            </a:pPr>
+            <a:r>
+              <a:rPr lang="en-US" sz="2400" dirty="0">
+                <a:latin typeface="Courier New" panose="02070309020205020404" pitchFamily="49" charset="0"/>
+                <a:cs typeface="Courier New" panose="02070309020205020404" pitchFamily="49" charset="0"/>
+              </a:rPr>
+              <a:t>	</a:t>
+            </a:r>
+            <a:r>
+              <a:rPr lang="en-US" sz="2400" dirty="0" err="1">
+                <a:latin typeface="Courier New" panose="02070309020205020404" pitchFamily="49" charset="0"/>
+                <a:cs typeface="Courier New" panose="02070309020205020404" pitchFamily="49" charset="0"/>
+              </a:rPr>
+              <a:t>airportMap</a:t>
+            </a:r>
+            <a:r>
+              <a:rPr lang="en-US" sz="2400" dirty="0">
+                <a:latin typeface="Courier New" panose="02070309020205020404" pitchFamily="49" charset="0"/>
+                <a:cs typeface="Courier New" panose="02070309020205020404" pitchFamily="49" charset="0"/>
+              </a:rPr>
+              <a:t> = </a:t>
+            </a:r>
+            <a:r>
+              <a:rPr lang="en-US" sz="2400" b="1" dirty="0">
+                <a:latin typeface="Courier New" panose="02070309020205020404" pitchFamily="49" charset="0"/>
+                <a:cs typeface="Courier New" panose="02070309020205020404" pitchFamily="49" charset="0"/>
+              </a:rPr>
+              <a:t>new</a:t>
+            </a:r>
+            <a:r>
+              <a:rPr lang="en-US" sz="2400" dirty="0">
+                <a:latin typeface="Courier New" panose="02070309020205020404" pitchFamily="49" charset="0"/>
+                <a:cs typeface="Courier New" panose="02070309020205020404" pitchFamily="49" charset="0"/>
+              </a:rPr>
+              <a:t> HashMap&lt;Integer, String&gt;();</a:t>
+            </a:r>
+          </a:p>
+          <a:p>
+            <a:pPr marL="0" indent="0" algn="ctr">
+              <a:buNone/>
+              <a:tabLst>
+                <a:tab pos="338138" algn="l"/>
+              </a:tabLst>
+            </a:pPr>
+            <a:r>
+              <a:rPr lang="en-US" sz="2000" dirty="0">
+                <a:cs typeface="Courier New" panose="02070309020205020404" pitchFamily="49" charset="0"/>
+              </a:rPr>
+              <a:t>Keys = Integer = </a:t>
+            </a:r>
+            <a:r>
+              <a:rPr lang="en-US" sz="2000" dirty="0" err="1">
+                <a:cs typeface="Courier New" panose="02070309020205020404" pitchFamily="49" charset="0"/>
+              </a:rPr>
+              <a:t>zipcode</a:t>
+            </a:r>
+            <a:r>
+              <a:rPr lang="en-US" sz="2000" dirty="0">
+                <a:cs typeface="Courier New" panose="02070309020205020404" pitchFamily="49" charset="0"/>
+              </a:rPr>
+              <a:t>	Values = String = Airport Name</a:t>
+            </a:r>
+          </a:p>
+          <a:p>
+            <a:pPr marL="0" indent="0">
+              <a:buNone/>
+              <a:tabLst>
+                <a:tab pos="338138" algn="l"/>
+              </a:tabLst>
+            </a:pPr>
+            <a:r>
+              <a:rPr lang="en-US" sz="2400" dirty="0">
+                <a:cs typeface="Courier New" panose="02070309020205020404" pitchFamily="49" charset="0"/>
+              </a:rPr>
+              <a:t>Represented with a mathematical diagram:</a:t>
+            </a:r>
+          </a:p>
+          <a:p>
+            <a:pPr marL="0" indent="0">
+              <a:buNone/>
+              <a:tabLst>
+                <a:tab pos="338138" algn="l"/>
+              </a:tabLst>
+            </a:pPr>
+            <a:endParaRPr lang="en-US" sz="1600" dirty="0">
+              <a:latin typeface="Courier New" panose="02070309020205020404" pitchFamily="49" charset="0"/>
+              <a:cs typeface="Courier New" panose="02070309020205020404" pitchFamily="49" charset="0"/>
+            </a:endParaRPr>
+          </a:p>
+          <a:p>
+            <a:pPr marL="0" indent="0">
+              <a:buNone/>
+              <a:tabLst>
+                <a:tab pos="338138" algn="l"/>
+              </a:tabLst>
+            </a:pPr>
+            <a:endParaRPr lang="en-US" sz="2400" dirty="0">
+              <a:latin typeface="Courier New" panose="02070309020205020404" pitchFamily="49" charset="0"/>
+              <a:cs typeface="Courier New" panose="02070309020205020404" pitchFamily="49" charset="0"/>
+            </a:endParaRPr>
+          </a:p>
+          <a:p>
+            <a:pPr marL="0" indent="0">
+              <a:buNone/>
+              <a:tabLst>
+                <a:tab pos="338138" algn="l"/>
+              </a:tabLst>
+            </a:pPr>
+            <a:endParaRPr lang="en-US" sz="2400" dirty="0">
+              <a:latin typeface="Courier New" panose="02070309020205020404" pitchFamily="49" charset="0"/>
+              <a:cs typeface="Courier New" panose="02070309020205020404" pitchFamily="49" charset="0"/>
+            </a:endParaRPr>
+          </a:p>
+        </p:txBody>
+      </p:sp>
+      <p:pic>
+        <p:nvPicPr>
+          <p:cNvPr id="9" name="Picture 8" descr="Diagram, venn diagram&#10;&#10;Description automatically generated">
+            <a:extLst>
+              <a:ext uri="{FF2B5EF4-FFF2-40B4-BE49-F238E27FC236}">
+                <a16:creationId xmlns:a16="http://schemas.microsoft.com/office/drawing/2014/main" id="{33C15C45-0C7E-8243-907A-317C1374BC85}"/>
+              </a:ext>
+            </a:extLst>
+          </p:cNvPr>
+          <p:cNvPicPr>
+            <a:picLocks noChangeAspect="1"/>
+          </p:cNvPicPr>
+          <p:nvPr/>
+        </p:nvPicPr>
+        <p:blipFill>
+          <a:blip r:embed="rId3">
+            <a:extLst>
+              <a:ext uri="{28A0092B-C50C-407E-A947-70E740481C1C}">
+                <a14:useLocalDpi xmlns:a14="http://schemas.microsoft.com/office/drawing/2010/main" val="0"/>
+              </a:ext>
+            </a:extLst>
+          </a:blip>
+          <a:stretch>
+            <a:fillRect/>
+          </a:stretch>
+        </p:blipFill>
+        <p:spPr>
+          <a:xfrm>
+            <a:off x="1447800" y="2513947"/>
+            <a:ext cx="6248400" cy="4199292"/>
+          </a:xfrm>
+          <a:prstGeom prst="rect">
+            <a:avLst/>
+          </a:prstGeom>
+        </p:spPr>
+      </p:pic>
     </p:spTree>
     <p:extLst>
       <p:ext uri="{BB962C8B-B14F-4D97-AF65-F5344CB8AC3E}">
-        <p14:creationId xmlns:p14="http://schemas.microsoft.com/office/powerpoint/2010/main" val="2771398721"/>
+        <p14:creationId xmlns:p14="http://schemas.microsoft.com/office/powerpoint/2010/main" val="2958819567"/>
       </p:ext>
     </p:extLst>
   </p:cSld>
@@ -17391,6 +18383,670 @@
             <p:ph type="title"/>
           </p:nvPr>
         </p:nvSpPr>
+        <p:spPr>
+          <a:xfrm>
+            <a:off x="457200" y="0"/>
+            <a:ext cx="8229600" cy="1143000"/>
+          </a:xfrm>
+        </p:spPr>
+        <p:txBody>
+          <a:bodyPr/>
+          <a:lstStyle/>
+          <a:p>
+            <a:r>
+              <a:rPr lang="en-US" dirty="0"/>
+              <a:t>Another Example</a:t>
+            </a:r>
+          </a:p>
+        </p:txBody>
+      </p:sp>
+      <p:sp>
+        <p:nvSpPr>
+          <p:cNvPr id="3" name="Content Placeholder 2"/>
+          <p:cNvSpPr>
+            <a:spLocks noGrp="1"/>
+          </p:cNvSpPr>
+          <p:nvPr>
+            <p:ph idx="1"/>
+          </p:nvPr>
+        </p:nvSpPr>
+        <p:spPr>
+          <a:xfrm>
+            <a:off x="152400" y="838200"/>
+            <a:ext cx="8915400" cy="5135563"/>
+          </a:xfrm>
+        </p:spPr>
+        <p:txBody>
+          <a:bodyPr>
+            <a:normAutofit fontScale="70000" lnSpcReduction="20000"/>
+          </a:bodyPr>
+          <a:lstStyle/>
+          <a:p>
+            <a:pPr marL="0" indent="0">
+              <a:buNone/>
+              <a:tabLst>
+                <a:tab pos="338138" algn="l"/>
+              </a:tabLst>
+            </a:pPr>
+            <a:r>
+              <a:rPr lang="en-US" sz="2400" dirty="0">
+                <a:latin typeface="Courier New" panose="02070309020205020404" pitchFamily="49" charset="0"/>
+                <a:cs typeface="Courier New" panose="02070309020205020404" pitchFamily="49" charset="0"/>
+              </a:rPr>
+              <a:t>HashMap&lt;Integer, String&gt; </a:t>
+            </a:r>
+          </a:p>
+          <a:p>
+            <a:pPr marL="0" indent="0">
+              <a:buNone/>
+              <a:tabLst>
+                <a:tab pos="338138" algn="l"/>
+              </a:tabLst>
+            </a:pPr>
+            <a:r>
+              <a:rPr lang="en-US" sz="2400" dirty="0">
+                <a:latin typeface="Courier New" panose="02070309020205020404" pitchFamily="49" charset="0"/>
+                <a:cs typeface="Courier New" panose="02070309020205020404" pitchFamily="49" charset="0"/>
+              </a:rPr>
+              <a:t>	</a:t>
+            </a:r>
+            <a:r>
+              <a:rPr lang="en-US" sz="2400" dirty="0" err="1">
+                <a:latin typeface="Courier New" panose="02070309020205020404" pitchFamily="49" charset="0"/>
+                <a:cs typeface="Courier New" panose="02070309020205020404" pitchFamily="49" charset="0"/>
+              </a:rPr>
+              <a:t>airportMap</a:t>
+            </a:r>
+            <a:r>
+              <a:rPr lang="en-US" sz="2400" dirty="0">
+                <a:latin typeface="Courier New" panose="02070309020205020404" pitchFamily="49" charset="0"/>
+                <a:cs typeface="Courier New" panose="02070309020205020404" pitchFamily="49" charset="0"/>
+              </a:rPr>
+              <a:t> = </a:t>
+            </a:r>
+            <a:r>
+              <a:rPr lang="en-US" sz="2400" b="1" dirty="0">
+                <a:latin typeface="Courier New" panose="02070309020205020404" pitchFamily="49" charset="0"/>
+                <a:cs typeface="Courier New" panose="02070309020205020404" pitchFamily="49" charset="0"/>
+              </a:rPr>
+              <a:t>new</a:t>
+            </a:r>
+            <a:r>
+              <a:rPr lang="en-US" sz="2400" dirty="0">
+                <a:latin typeface="Courier New" panose="02070309020205020404" pitchFamily="49" charset="0"/>
+                <a:cs typeface="Courier New" panose="02070309020205020404" pitchFamily="49" charset="0"/>
+              </a:rPr>
+              <a:t> HashMap&lt;Integer, String&gt;();</a:t>
+            </a:r>
+          </a:p>
+          <a:p>
+            <a:pPr marL="0" indent="0">
+              <a:buNone/>
+              <a:tabLst>
+                <a:tab pos="338138" algn="l"/>
+              </a:tabLst>
+            </a:pPr>
+            <a:endParaRPr lang="en-US" sz="3300" dirty="0">
+              <a:cs typeface="Courier New" panose="02070309020205020404" pitchFamily="49" charset="0"/>
+            </a:endParaRPr>
+          </a:p>
+          <a:p>
+            <a:pPr marL="0" indent="0">
+              <a:buNone/>
+              <a:tabLst>
+                <a:tab pos="338138" algn="l"/>
+              </a:tabLst>
+            </a:pPr>
+            <a:r>
+              <a:rPr lang="en-US" sz="2900" dirty="0">
+                <a:cs typeface="Courier New" panose="02070309020205020404" pitchFamily="49" charset="0"/>
+              </a:rPr>
+              <a:t>Represented with a mathematical set:</a:t>
+            </a:r>
+          </a:p>
+          <a:p>
+            <a:pPr marL="0" indent="0">
+              <a:buNone/>
+              <a:tabLst>
+                <a:tab pos="501650" algn="l"/>
+              </a:tabLst>
+            </a:pPr>
+            <a:r>
+              <a:rPr lang="en-US" dirty="0" err="1">
+                <a:latin typeface="Courier New" panose="02070309020205020404" pitchFamily="49" charset="0"/>
+                <a:cs typeface="Courier New" panose="02070309020205020404" pitchFamily="49" charset="0"/>
+              </a:rPr>
+              <a:t>airportToElevation</a:t>
+            </a:r>
+            <a:r>
+              <a:rPr lang="en-US" dirty="0">
+                <a:latin typeface="Courier New" panose="02070309020205020404" pitchFamily="49" charset="0"/>
+                <a:cs typeface="Courier New" panose="02070309020205020404" pitchFamily="49" charset="0"/>
+              </a:rPr>
+              <a:t> = {</a:t>
+            </a:r>
+          </a:p>
+          <a:p>
+            <a:pPr marL="0" indent="0">
+              <a:buNone/>
+              <a:tabLst>
+                <a:tab pos="501650" algn="l"/>
+              </a:tabLst>
+            </a:pPr>
+            <a:r>
+              <a:rPr lang="en-US" dirty="0">
+                <a:latin typeface="Courier New" panose="02070309020205020404" pitchFamily="49" charset="0"/>
+                <a:cs typeface="Courier New" panose="02070309020205020404" pitchFamily="49" charset="0"/>
+              </a:rPr>
+              <a:t>	(46241, "Indy"),</a:t>
+            </a:r>
+          </a:p>
+          <a:p>
+            <a:pPr marL="0" indent="0">
+              <a:buNone/>
+              <a:tabLst>
+                <a:tab pos="501650" algn="l"/>
+              </a:tabLst>
+            </a:pPr>
+            <a:r>
+              <a:rPr lang="en-US" dirty="0">
+                <a:latin typeface="Courier New" panose="02070309020205020404" pitchFamily="49" charset="0"/>
+                <a:cs typeface="Courier New" panose="02070309020205020404" pitchFamily="49" charset="0"/>
+              </a:rPr>
+              <a:t>	(60666, "O'Hare"),</a:t>
+            </a:r>
+          </a:p>
+          <a:p>
+            <a:pPr marL="0" indent="0">
+              <a:buNone/>
+              <a:tabLst>
+                <a:tab pos="501650" algn="l"/>
+              </a:tabLst>
+            </a:pPr>
+            <a:r>
+              <a:rPr lang="en-US" dirty="0">
+                <a:latin typeface="Courier New" panose="02070309020205020404" pitchFamily="49" charset="0"/>
+                <a:cs typeface="Courier New" panose="02070309020205020404" pitchFamily="49" charset="0"/>
+              </a:rPr>
+              <a:t>	(32827, "Orlando Airport"), </a:t>
+            </a:r>
+          </a:p>
+          <a:p>
+            <a:pPr marL="0" indent="0">
+              <a:buNone/>
+              <a:tabLst>
+                <a:tab pos="501650" algn="l"/>
+              </a:tabLst>
+            </a:pPr>
+            <a:r>
+              <a:rPr lang="en-US" dirty="0">
+                <a:latin typeface="Courier New" panose="02070309020205020404" pitchFamily="49" charset="0"/>
+                <a:cs typeface="Courier New" panose="02070309020205020404" pitchFamily="49" charset="0"/>
+              </a:rPr>
+              <a:t>	(90045, "LAX Airport"),</a:t>
+            </a:r>
+          </a:p>
+          <a:p>
+            <a:pPr marL="0" indent="0">
+              <a:buNone/>
+              <a:tabLst>
+                <a:tab pos="501650" algn="l"/>
+              </a:tabLst>
+            </a:pPr>
+            <a:r>
+              <a:rPr lang="en-US" dirty="0">
+                <a:latin typeface="Courier New" panose="02070309020205020404" pitchFamily="49" charset="0"/>
+                <a:cs typeface="Courier New" panose="02070309020205020404" pitchFamily="49" charset="0"/>
+              </a:rPr>
+              <a:t>	(75261, "DFW Airport"),</a:t>
+            </a:r>
+          </a:p>
+          <a:p>
+            <a:pPr marL="0" indent="0">
+              <a:buNone/>
+              <a:tabLst>
+                <a:tab pos="501650" algn="l"/>
+              </a:tabLst>
+            </a:pPr>
+            <a:r>
+              <a:rPr lang="en-US" dirty="0">
+                <a:latin typeface="Courier New" panose="02070309020205020404" pitchFamily="49" charset="0"/>
+                <a:cs typeface="Courier New" panose="02070309020205020404" pitchFamily="49" charset="0"/>
+              </a:rPr>
+              <a:t>	(94111, "SFO Airport")</a:t>
+            </a:r>
+          </a:p>
+          <a:p>
+            <a:pPr marL="0" indent="0">
+              <a:buNone/>
+              <a:tabLst>
+                <a:tab pos="501650" algn="l"/>
+              </a:tabLst>
+            </a:pPr>
+            <a:r>
+              <a:rPr lang="en-US" dirty="0">
+                <a:latin typeface="Courier New" panose="02070309020205020404" pitchFamily="49" charset="0"/>
+                <a:cs typeface="Courier New" panose="02070309020205020404" pitchFamily="49" charset="0"/>
+              </a:rPr>
+              <a:t>}</a:t>
+            </a:r>
+          </a:p>
+          <a:p>
+            <a:pPr marL="0" indent="0">
+              <a:buNone/>
+              <a:tabLst>
+                <a:tab pos="338138" algn="l"/>
+              </a:tabLst>
+            </a:pPr>
+            <a:endParaRPr lang="en-US" sz="2400" dirty="0">
+              <a:cs typeface="Courier New" panose="02070309020205020404" pitchFamily="49" charset="0"/>
+            </a:endParaRPr>
+          </a:p>
+          <a:p>
+            <a:pPr marL="0" indent="0">
+              <a:buNone/>
+              <a:tabLst>
+                <a:tab pos="338138" algn="l"/>
+              </a:tabLst>
+            </a:pPr>
+            <a:r>
+              <a:rPr lang="en-US" sz="2900" dirty="0">
+                <a:cs typeface="Courier New" panose="02070309020205020404" pitchFamily="49" charset="0"/>
+              </a:rPr>
+              <a:t>How Java prints it out to the Console window:</a:t>
+            </a:r>
+          </a:p>
+          <a:p>
+            <a:pPr marL="0" indent="0">
+              <a:buNone/>
+            </a:pPr>
+            <a:r>
+              <a:rPr lang="en-US" sz="1700" dirty="0">
+                <a:latin typeface="Courier New" panose="02070309020205020404" pitchFamily="49" charset="0"/>
+                <a:cs typeface="Courier New" panose="02070309020205020404" pitchFamily="49" charset="0"/>
+              </a:rPr>
+              <a:t>{46241=Indy, 60666=O'Hare, 32827=Orlando Airport, 90045=LAX Airport, 75261=DFW Airport, 94111=SFO Airport}</a:t>
+            </a:r>
+          </a:p>
+          <a:p>
+            <a:pPr marL="0" indent="0">
+              <a:buNone/>
+              <a:tabLst>
+                <a:tab pos="338138" algn="l"/>
+              </a:tabLst>
+            </a:pPr>
+            <a:endParaRPr lang="en-US" sz="2400" dirty="0">
+              <a:latin typeface="Courier New" panose="02070309020205020404" pitchFamily="49" charset="0"/>
+              <a:cs typeface="Courier New" panose="02070309020205020404" pitchFamily="49" charset="0"/>
+            </a:endParaRPr>
+          </a:p>
+          <a:p>
+            <a:pPr marL="0" indent="0">
+              <a:buNone/>
+              <a:tabLst>
+                <a:tab pos="338138" algn="l"/>
+              </a:tabLst>
+            </a:pPr>
+            <a:endParaRPr lang="en-US" sz="2400" dirty="0">
+              <a:latin typeface="Courier New" panose="02070309020205020404" pitchFamily="49" charset="0"/>
+              <a:cs typeface="Courier New" panose="02070309020205020404" pitchFamily="49" charset="0"/>
+            </a:endParaRPr>
+          </a:p>
+        </p:txBody>
+      </p:sp>
+    </p:spTree>
+    <p:extLst>
+      <p:ext uri="{BB962C8B-B14F-4D97-AF65-F5344CB8AC3E}">
+        <p14:creationId xmlns:p14="http://schemas.microsoft.com/office/powerpoint/2010/main" val="3615992630"/>
+      </p:ext>
+    </p:extLst>
+  </p:cSld>
+  <p:clrMapOvr>
+    <a:masterClrMapping/>
+  </p:clrMapOvr>
+</p:sld>
+</file>
+
+<file path=ppt/slides/slide51.xml><?xml version="1.0" encoding="utf-8"?>
+<p:sld xmlns:a="http://schemas.openxmlformats.org/drawingml/2006/main" xmlns:r="http://schemas.openxmlformats.org/officeDocument/2006/relationships" xmlns:p="http://schemas.openxmlformats.org/presentationml/2006/main">
+  <p:cSld>
+    <p:spTree>
+      <p:nvGrpSpPr>
+        <p:cNvPr id="1" name=""/>
+        <p:cNvGrpSpPr/>
+        <p:nvPr/>
+      </p:nvGrpSpPr>
+      <p:grpSpPr>
+        <a:xfrm>
+          <a:off x="0" y="0"/>
+          <a:ext cx="0" cy="0"/>
+          <a:chOff x="0" y="0"/>
+          <a:chExt cx="0" cy="0"/>
+        </a:xfrm>
+      </p:grpSpPr>
+      <p:sp>
+        <p:nvSpPr>
+          <p:cNvPr id="2" name="Title 1"/>
+          <p:cNvSpPr>
+            <a:spLocks noGrp="1"/>
+          </p:cNvSpPr>
+          <p:nvPr>
+            <p:ph type="title"/>
+          </p:nvPr>
+        </p:nvSpPr>
+        <p:spPr/>
+        <p:txBody>
+          <a:bodyPr/>
+          <a:lstStyle/>
+          <a:p>
+            <a:r>
+              <a:rPr lang="en-US" dirty="0"/>
+              <a:t>Maps</a:t>
+            </a:r>
+          </a:p>
+        </p:txBody>
+      </p:sp>
+      <p:sp>
+        <p:nvSpPr>
+          <p:cNvPr id="3" name="Content Placeholder 2"/>
+          <p:cNvSpPr>
+            <a:spLocks noGrp="1"/>
+          </p:cNvSpPr>
+          <p:nvPr>
+            <p:ph idx="1"/>
+          </p:nvPr>
+        </p:nvSpPr>
+        <p:spPr/>
+        <p:txBody>
+          <a:bodyPr/>
+          <a:lstStyle/>
+          <a:p>
+            <a:r>
+              <a:rPr lang="en-US" dirty="0"/>
+              <a:t>Sometimes, it’s difficult to fully understand maps.</a:t>
+            </a:r>
+          </a:p>
+          <a:p>
+            <a:r>
+              <a:rPr lang="en-US" dirty="0"/>
+              <a:t>Let’s do an example together:</a:t>
+            </a:r>
+          </a:p>
+          <a:p>
+            <a:pPr lvl="1"/>
+            <a:r>
+              <a:rPr lang="en-US" dirty="0"/>
+              <a:t>Implement an </a:t>
+            </a:r>
+            <a:r>
+              <a:rPr lang="en-US" dirty="0" err="1"/>
+              <a:t>int</a:t>
+            </a:r>
+            <a:r>
+              <a:rPr lang="en-US" dirty="0"/>
+              <a:t> array using a map.</a:t>
+            </a:r>
+          </a:p>
+        </p:txBody>
+      </p:sp>
+    </p:spTree>
+    <p:extLst>
+      <p:ext uri="{BB962C8B-B14F-4D97-AF65-F5344CB8AC3E}">
+        <p14:creationId xmlns:p14="http://schemas.microsoft.com/office/powerpoint/2010/main" val="2468141845"/>
+      </p:ext>
+    </p:extLst>
+  </p:cSld>
+  <p:clrMapOvr>
+    <a:masterClrMapping/>
+  </p:clrMapOvr>
+</p:sld>
+</file>
+
+<file path=ppt/slides/slide52.xml><?xml version="1.0" encoding="utf-8"?>
+<p:sld xmlns:a="http://schemas.openxmlformats.org/drawingml/2006/main" xmlns:r="http://schemas.openxmlformats.org/officeDocument/2006/relationships" xmlns:p="http://schemas.openxmlformats.org/presentationml/2006/main" show="0">
+  <p:cSld>
+    <p:spTree>
+      <p:nvGrpSpPr>
+        <p:cNvPr id="1" name=""/>
+        <p:cNvGrpSpPr/>
+        <p:nvPr/>
+      </p:nvGrpSpPr>
+      <p:grpSpPr>
+        <a:xfrm>
+          <a:off x="0" y="0"/>
+          <a:ext cx="0" cy="0"/>
+          <a:chOff x="0" y="0"/>
+          <a:chExt cx="0" cy="0"/>
+        </a:xfrm>
+      </p:grpSpPr>
+      <p:sp>
+        <p:nvSpPr>
+          <p:cNvPr id="2" name="Title 1"/>
+          <p:cNvSpPr>
+            <a:spLocks noGrp="1"/>
+          </p:cNvSpPr>
+          <p:nvPr>
+            <p:ph type="title"/>
+          </p:nvPr>
+        </p:nvSpPr>
+        <p:spPr/>
+        <p:txBody>
+          <a:bodyPr/>
+          <a:lstStyle/>
+          <a:p>
+            <a:r>
+              <a:rPr lang="en-US" dirty="0"/>
+              <a:t>Maps</a:t>
+            </a:r>
+          </a:p>
+        </p:txBody>
+      </p:sp>
+      <p:sp>
+        <p:nvSpPr>
+          <p:cNvPr id="3" name="Content Placeholder 2"/>
+          <p:cNvSpPr>
+            <a:spLocks noGrp="1"/>
+          </p:cNvSpPr>
+          <p:nvPr>
+            <p:ph idx="1"/>
+          </p:nvPr>
+        </p:nvSpPr>
+        <p:spPr/>
+        <p:txBody>
+          <a:bodyPr>
+            <a:normAutofit/>
+          </a:bodyPr>
+          <a:lstStyle/>
+          <a:p>
+            <a:r>
+              <a:rPr lang="en-US" dirty="0"/>
+              <a:t>Make groups of two (no more than 3, no one can work alone)</a:t>
+            </a:r>
+          </a:p>
+          <a:p>
+            <a:r>
+              <a:rPr lang="en-US" dirty="0"/>
+              <a:t>Read through the 3 Map sample problems with your partner and make sure you both understand how they work</a:t>
+            </a:r>
+          </a:p>
+          <a:p>
+            <a:r>
+              <a:rPr lang="en-US" dirty="0"/>
+              <a:t>Then use the code as an example to answer the Map quiz questions (on Moodle)</a:t>
+            </a:r>
+          </a:p>
+          <a:p>
+            <a:r>
+              <a:rPr lang="en-US" dirty="0"/>
+              <a:t>Then solve the map problems in today’s code</a:t>
+            </a:r>
+          </a:p>
+        </p:txBody>
+      </p:sp>
+    </p:spTree>
+    <p:extLst>
+      <p:ext uri="{BB962C8B-B14F-4D97-AF65-F5344CB8AC3E}">
+        <p14:creationId xmlns:p14="http://schemas.microsoft.com/office/powerpoint/2010/main" val="3686379248"/>
+      </p:ext>
+    </p:extLst>
+  </p:cSld>
+  <p:clrMapOvr>
+    <a:masterClrMapping/>
+  </p:clrMapOvr>
+</p:sld>
+</file>
+
+<file path=ppt/slides/slide53.xml><?xml version="1.0" encoding="utf-8"?>
+<p:sld xmlns:a="http://schemas.openxmlformats.org/drawingml/2006/main" xmlns:r="http://schemas.openxmlformats.org/officeDocument/2006/relationships" xmlns:p="http://schemas.openxmlformats.org/presentationml/2006/main">
+  <p:cSld>
+    <p:spTree>
+      <p:nvGrpSpPr>
+        <p:cNvPr id="1" name=""/>
+        <p:cNvGrpSpPr/>
+        <p:nvPr/>
+      </p:nvGrpSpPr>
+      <p:grpSpPr>
+        <a:xfrm>
+          <a:off x="0" y="0"/>
+          <a:ext cx="0" cy="0"/>
+          <a:chOff x="0" y="0"/>
+          <a:chExt cx="0" cy="0"/>
+        </a:xfrm>
+      </p:grpSpPr>
+      <p:sp>
+        <p:nvSpPr>
+          <p:cNvPr id="2" name="Title 1"/>
+          <p:cNvSpPr>
+            <a:spLocks noGrp="1"/>
+          </p:cNvSpPr>
+          <p:nvPr>
+            <p:ph type="title"/>
+          </p:nvPr>
+        </p:nvSpPr>
+        <p:spPr/>
+        <p:txBody>
+          <a:bodyPr/>
+          <a:lstStyle/>
+          <a:p>
+            <a:r>
+              <a:rPr lang="en-US" dirty="0"/>
+              <a:t>Maps</a:t>
+            </a:r>
+          </a:p>
+        </p:txBody>
+      </p:sp>
+      <p:sp>
+        <p:nvSpPr>
+          <p:cNvPr id="3" name="Content Placeholder 2"/>
+          <p:cNvSpPr>
+            <a:spLocks noGrp="1"/>
+          </p:cNvSpPr>
+          <p:nvPr>
+            <p:ph idx="1"/>
+          </p:nvPr>
+        </p:nvSpPr>
+        <p:spPr>
+          <a:xfrm>
+            <a:off x="457200" y="1219200"/>
+            <a:ext cx="8229600" cy="4906963"/>
+          </a:xfrm>
+        </p:spPr>
+        <p:txBody>
+          <a:bodyPr>
+            <a:normAutofit fontScale="92500" lnSpcReduction="20000"/>
+          </a:bodyPr>
+          <a:lstStyle/>
+          <a:p>
+            <a:r>
+              <a:rPr lang="en-US" dirty="0"/>
+              <a:t>Read through the 3 Map sample problems found in </a:t>
+            </a:r>
+            <a:r>
+              <a:rPr lang="en-US" i="1" dirty="0"/>
+              <a:t>2DArraysAndMapsSamples.pdf </a:t>
+            </a:r>
+            <a:r>
+              <a:rPr lang="en-US" dirty="0"/>
+              <a:t>and make sure you understand how they work</a:t>
+            </a:r>
+          </a:p>
+          <a:p>
+            <a:r>
+              <a:rPr lang="en-US" dirty="0"/>
+              <a:t>Then use the code as an example to answer the Map quiz questions</a:t>
+            </a:r>
+          </a:p>
+          <a:p>
+            <a:r>
+              <a:rPr lang="en-US" dirty="0"/>
+              <a:t>Then solve the map problems in today’s code</a:t>
+            </a:r>
+          </a:p>
+          <a:p>
+            <a:r>
+              <a:rPr lang="en-US" dirty="0"/>
+              <a:t>Post ANY questions to Piazza </a:t>
+            </a:r>
+            <a:r>
+              <a:rPr lang="en-US" b="1" i="1" u="sng" dirty="0"/>
+              <a:t>even including code </a:t>
+            </a:r>
+            <a:r>
+              <a:rPr lang="en-US" dirty="0"/>
+              <a:t>since this is purely collaborative exercise and the solution code is available to you</a:t>
+            </a:r>
+          </a:p>
+          <a:p>
+            <a:r>
+              <a:rPr lang="en-US" dirty="0"/>
+              <a:t>Please look to help answer questions other students post</a:t>
+            </a:r>
+          </a:p>
+          <a:p>
+            <a:endParaRPr lang="en-US" dirty="0"/>
+          </a:p>
+        </p:txBody>
+      </p:sp>
+    </p:spTree>
+    <p:extLst>
+      <p:ext uri="{BB962C8B-B14F-4D97-AF65-F5344CB8AC3E}">
+        <p14:creationId xmlns:p14="http://schemas.microsoft.com/office/powerpoint/2010/main" val="40273057"/>
+      </p:ext>
+    </p:extLst>
+  </p:cSld>
+  <p:clrMapOvr>
+    <a:masterClrMapping/>
+  </p:clrMapOvr>
+</p:sld>
+</file>
+
+<file path=ppt/slides/slide54.xml><?xml version="1.0" encoding="utf-8"?>
+<p:sld xmlns:a="http://schemas.openxmlformats.org/drawingml/2006/main" xmlns:r="http://schemas.openxmlformats.org/officeDocument/2006/relationships" xmlns:p="http://schemas.openxmlformats.org/presentationml/2006/main">
+  <p:cSld>
+    <p:spTree>
+      <p:nvGrpSpPr>
+        <p:cNvPr id="1" name=""/>
+        <p:cNvGrpSpPr/>
+        <p:nvPr/>
+      </p:nvGrpSpPr>
+      <p:grpSpPr>
+        <a:xfrm>
+          <a:off x="0" y="0"/>
+          <a:ext cx="0" cy="0"/>
+          <a:chOff x="0" y="0"/>
+          <a:chExt cx="0" cy="0"/>
+        </a:xfrm>
+      </p:grpSpPr>
+      <p:sp>
+        <p:nvSpPr>
+          <p:cNvPr id="2" name="Title 1"/>
+          <p:cNvSpPr>
+            <a:spLocks noGrp="1"/>
+          </p:cNvSpPr>
+          <p:nvPr>
+            <p:ph type="title"/>
+          </p:nvPr>
+        </p:nvSpPr>
         <p:spPr/>
         <p:txBody>
           <a:bodyPr>
@@ -17745,7 +19401,7 @@
 </p:sld>
 </file>
 
-<file path=ppt/slides/slide51.xml><?xml version="1.0" encoding="utf-8"?>
+<file path=ppt/slides/slide55.xml><?xml version="1.0" encoding="utf-8"?>
 <p:sld xmlns:a="http://schemas.openxmlformats.org/drawingml/2006/main" xmlns:r="http://schemas.openxmlformats.org/officeDocument/2006/relationships" xmlns:p="http://schemas.openxmlformats.org/presentationml/2006/main">
   <p:cSld>
     <p:spTree>
@@ -19757,7 +21413,7 @@
 </p:sld>
 </file>
 
-<file path=ppt/slides/slide52.xml><?xml version="1.0" encoding="utf-8"?>
+<file path=ppt/slides/slide56.xml><?xml version="1.0" encoding="utf-8"?>
 <p:sld xmlns:a="http://schemas.openxmlformats.org/drawingml/2006/main" xmlns:r="http://schemas.openxmlformats.org/officeDocument/2006/relationships" xmlns:p="http://schemas.openxmlformats.org/presentationml/2006/main">
   <p:cSld>
     <p:spTree>
@@ -20318,7 +21974,7 @@
           <a:p>
             <a:r>
               <a:rPr lang="en-US" dirty="0"/>
-              <a:t>Must be completed by 11:55pm EST on the day of the lecture</a:t>
+              <a:t>Must be completed by 23:55pm EST on the day of the lecture</a:t>
             </a:r>
           </a:p>
           <a:p>

--- a/ClassMaterials/2DArraysAndMaps/Slides/2D Arrays and Maps.pptx
+++ b/ClassMaterials/2DArraysAndMaps/Slides/2D Arrays and Maps.pptx
@@ -5,10 +5,10 @@
     <p:sldMasterId id="2147483927" r:id="rId1"/>
   </p:sldMasterIdLst>
   <p:notesMasterIdLst>
-    <p:notesMasterId r:id="rId58"/>
+    <p:notesMasterId r:id="rId61"/>
   </p:notesMasterIdLst>
   <p:handoutMasterIdLst>
-    <p:handoutMasterId r:id="rId59"/>
+    <p:handoutMasterId r:id="rId62"/>
   </p:handoutMasterIdLst>
   <p:sldIdLst>
     <p:sldId id="300" r:id="rId2"/>
@@ -20,53 +20,56 @@
     <p:sldId id="266" r:id="rId8"/>
     <p:sldId id="268" r:id="rId9"/>
     <p:sldId id="303" r:id="rId10"/>
-    <p:sldId id="320" r:id="rId11"/>
-    <p:sldId id="321" r:id="rId12"/>
-    <p:sldId id="322" r:id="rId13"/>
-    <p:sldId id="323" r:id="rId14"/>
-    <p:sldId id="324" r:id="rId15"/>
-    <p:sldId id="367" r:id="rId16"/>
-    <p:sldId id="259" r:id="rId17"/>
-    <p:sldId id="261" r:id="rId18"/>
-    <p:sldId id="274" r:id="rId19"/>
-    <p:sldId id="275" r:id="rId20"/>
-    <p:sldId id="276" r:id="rId21"/>
-    <p:sldId id="277" r:id="rId22"/>
-    <p:sldId id="278" r:id="rId23"/>
-    <p:sldId id="279" r:id="rId24"/>
-    <p:sldId id="280" r:id="rId25"/>
-    <p:sldId id="281" r:id="rId26"/>
-    <p:sldId id="282" r:id="rId27"/>
-    <p:sldId id="283" r:id="rId28"/>
-    <p:sldId id="284" r:id="rId29"/>
-    <p:sldId id="285" r:id="rId30"/>
-    <p:sldId id="286" r:id="rId31"/>
-    <p:sldId id="287" r:id="rId32"/>
-    <p:sldId id="288" r:id="rId33"/>
-    <p:sldId id="289" r:id="rId34"/>
-    <p:sldId id="290" r:id="rId35"/>
-    <p:sldId id="291" r:id="rId36"/>
-    <p:sldId id="292" r:id="rId37"/>
-    <p:sldId id="293" r:id="rId38"/>
-    <p:sldId id="369" r:id="rId39"/>
-    <p:sldId id="368" r:id="rId40"/>
-    <p:sldId id="257" r:id="rId41"/>
-    <p:sldId id="325" r:id="rId42"/>
-    <p:sldId id="315" r:id="rId43"/>
-    <p:sldId id="366" r:id="rId44"/>
-    <p:sldId id="260" r:id="rId45"/>
-    <p:sldId id="370" r:id="rId46"/>
-    <p:sldId id="371" r:id="rId47"/>
-    <p:sldId id="372" r:id="rId48"/>
-    <p:sldId id="264" r:id="rId49"/>
-    <p:sldId id="373" r:id="rId50"/>
-    <p:sldId id="304" r:id="rId51"/>
-    <p:sldId id="309" r:id="rId52"/>
-    <p:sldId id="317" r:id="rId53"/>
-    <p:sldId id="374" r:id="rId54"/>
-    <p:sldId id="318" r:id="rId55"/>
-    <p:sldId id="301" r:id="rId56"/>
-    <p:sldId id="311" r:id="rId57"/>
+    <p:sldId id="375" r:id="rId11"/>
+    <p:sldId id="376" r:id="rId12"/>
+    <p:sldId id="377" r:id="rId13"/>
+    <p:sldId id="378" r:id="rId14"/>
+    <p:sldId id="320" r:id="rId15"/>
+    <p:sldId id="321" r:id="rId16"/>
+    <p:sldId id="322" r:id="rId17"/>
+    <p:sldId id="323" r:id="rId18"/>
+    <p:sldId id="324" r:id="rId19"/>
+    <p:sldId id="367" r:id="rId20"/>
+    <p:sldId id="259" r:id="rId21"/>
+    <p:sldId id="261" r:id="rId22"/>
+    <p:sldId id="274" r:id="rId23"/>
+    <p:sldId id="275" r:id="rId24"/>
+    <p:sldId id="276" r:id="rId25"/>
+    <p:sldId id="277" r:id="rId26"/>
+    <p:sldId id="278" r:id="rId27"/>
+    <p:sldId id="279" r:id="rId28"/>
+    <p:sldId id="280" r:id="rId29"/>
+    <p:sldId id="281" r:id="rId30"/>
+    <p:sldId id="282" r:id="rId31"/>
+    <p:sldId id="283" r:id="rId32"/>
+    <p:sldId id="284" r:id="rId33"/>
+    <p:sldId id="285" r:id="rId34"/>
+    <p:sldId id="286" r:id="rId35"/>
+    <p:sldId id="287" r:id="rId36"/>
+    <p:sldId id="288" r:id="rId37"/>
+    <p:sldId id="289" r:id="rId38"/>
+    <p:sldId id="290" r:id="rId39"/>
+    <p:sldId id="291" r:id="rId40"/>
+    <p:sldId id="292" r:id="rId41"/>
+    <p:sldId id="293" r:id="rId42"/>
+    <p:sldId id="369" r:id="rId43"/>
+    <p:sldId id="368" r:id="rId44"/>
+    <p:sldId id="315" r:id="rId45"/>
+    <p:sldId id="325" r:id="rId46"/>
+    <p:sldId id="366" r:id="rId47"/>
+    <p:sldId id="260" r:id="rId48"/>
+    <p:sldId id="370" r:id="rId49"/>
+    <p:sldId id="371" r:id="rId50"/>
+    <p:sldId id="372" r:id="rId51"/>
+    <p:sldId id="264" r:id="rId52"/>
+    <p:sldId id="373" r:id="rId53"/>
+    <p:sldId id="304" r:id="rId54"/>
+    <p:sldId id="309" r:id="rId55"/>
+    <p:sldId id="317" r:id="rId56"/>
+    <p:sldId id="374" r:id="rId57"/>
+    <p:sldId id="318" r:id="rId58"/>
+    <p:sldId id="301" r:id="rId59"/>
+    <p:sldId id="311" r:id="rId60"/>
   </p:sldIdLst>
   <p:sldSz cx="9144000" cy="6858000" type="screen4x3"/>
   <p:notesSz cx="7010400" cy="9296400"/>
@@ -346,7 +349,7 @@
               <a:pPr>
                 <a:defRPr/>
               </a:pPr>
-              <a:t>3/9/2022</a:t>
+              <a:t>3/10/2022</a:t>
             </a:fld>
             <a:endParaRPr lang="en-US"/>
           </a:p>
@@ -581,7 +584,7 @@
               <a:pPr>
                 <a:defRPr/>
               </a:pPr>
-              <a:t>3/9/2022</a:t>
+              <a:t>3/10/2022</a:t>
             </a:fld>
             <a:endParaRPr lang="en-US"/>
           </a:p>
@@ -1335,7 +1338,7 @@
               <a:pPr>
                 <a:defRPr/>
               </a:pPr>
-              <a:t>16</a:t>
+              <a:t>20</a:t>
             </a:fld>
             <a:endParaRPr lang="en-US"/>
           </a:p>
@@ -1439,7 +1442,7 @@
               <a:pPr>
                 <a:defRPr/>
               </a:pPr>
-              <a:t>40</a:t>
+              <a:t>44</a:t>
             </a:fld>
             <a:endParaRPr lang="en-US"/>
           </a:p>
@@ -1448,7 +1451,7 @@
     </p:spTree>
     <p:extLst>
       <p:ext uri="{BB962C8B-B14F-4D97-AF65-F5344CB8AC3E}">
-        <p14:creationId xmlns:p14="http://schemas.microsoft.com/office/powerpoint/2010/main" val="4010864625"/>
+        <p14:creationId xmlns:p14="http://schemas.microsoft.com/office/powerpoint/2010/main" val="1780070330"/>
       </p:ext>
     </p:extLst>
   </p:cSld>
@@ -1543,7 +1546,7 @@
               <a:pPr>
                 <a:defRPr/>
               </a:pPr>
-              <a:t>41</a:t>
+              <a:t>45</a:t>
             </a:fld>
             <a:endParaRPr lang="en-US"/>
           </a:p>
@@ -1608,18 +1611,23 @@
           <a:p>
             <a:r>
               <a:rPr lang="en-US" dirty="0"/>
-              <a:t>Once groups are finished, ask them to work on the array problems from SVN</a:t>
-            </a:r>
-          </a:p>
-          <a:p>
-            <a:r>
-              <a:rPr lang="en-US" dirty="0"/>
-              <a:t>Once</a:t>
+              <a:t>Example:   counting the words in constitution,</a:t>
             </a:r>
             <a:r>
               <a:rPr lang="en-US" baseline="0" dirty="0"/>
-              <a:t> enough groups are finished, review the quiz questions and refer students to the cheat sheet</a:t>
-            </a:r>
+              <a:t> keep track of the occurrences of each word in the document</a:t>
+            </a:r>
+          </a:p>
+          <a:p>
+            <a:endParaRPr lang="en-US" baseline="0" dirty="0"/>
+          </a:p>
+          <a:p>
+            <a:r>
+              <a:rPr lang="en-US" baseline="0" dirty="0"/>
+              <a:t>Each String should map to some integer!</a:t>
+            </a:r>
+          </a:p>
+          <a:p>
             <a:endParaRPr lang="en-US" dirty="0"/>
           </a:p>
         </p:txBody>
@@ -1647,7 +1655,7 @@
               <a:pPr>
                 <a:defRPr/>
               </a:pPr>
-              <a:t>42</a:t>
+              <a:t>47</a:t>
             </a:fld>
             <a:endParaRPr lang="en-US"/>
           </a:p>
@@ -1656,7 +1664,7 @@
     </p:spTree>
     <p:extLst>
       <p:ext uri="{BB962C8B-B14F-4D97-AF65-F5344CB8AC3E}">
-        <p14:creationId xmlns:p14="http://schemas.microsoft.com/office/powerpoint/2010/main" val="1780070330"/>
+        <p14:creationId xmlns:p14="http://schemas.microsoft.com/office/powerpoint/2010/main" val="575814487"/>
       </p:ext>
     </p:extLst>
   </p:cSld>
@@ -1712,11 +1720,27 @@
           <a:p>
             <a:r>
               <a:rPr lang="en-US" dirty="0"/>
-              <a:t>Example:   counting the words in constitution,</a:t>
+              <a:t>Draw table on the board showing username to students and attempt to look a student up by their username… if we had an</a:t>
             </a:r>
             <a:r>
               <a:rPr lang="en-US" baseline="0" dirty="0"/>
-              <a:t> keep track of the occurrences of each word in the document</a:t>
+              <a:t> </a:t>
+            </a:r>
+            <a:r>
+              <a:rPr lang="en-US" baseline="0" dirty="0" err="1"/>
+              <a:t>ArrayList</a:t>
+            </a:r>
+            <a:r>
+              <a:rPr lang="en-US" baseline="0" dirty="0"/>
+              <a:t> of students we’d have to loop through each and compare the username to find the student we wanted, but if we have them in a </a:t>
+            </a:r>
+            <a:r>
+              <a:rPr lang="en-US" baseline="0" dirty="0" err="1"/>
+              <a:t>HashMap</a:t>
+            </a:r>
+            <a:r>
+              <a:rPr lang="en-US" baseline="0" dirty="0"/>
+              <a:t>, we just have to look them up by their username. Makes the code simpler and faster</a:t>
             </a:r>
           </a:p>
           <a:p>
@@ -1725,8 +1749,27 @@
           <a:p>
             <a:r>
               <a:rPr lang="en-US" baseline="0" dirty="0"/>
-              <a:t>Each String should map to some integer!</a:t>
-            </a:r>
+              <a:t>Angle brackets similar to?? </a:t>
+            </a:r>
+            <a:r>
+              <a:rPr lang="en-US" baseline="0" dirty="0" err="1"/>
+              <a:t>ArrayList</a:t>
+            </a:r>
+            <a:endParaRPr lang="en-US" baseline="0" dirty="0"/>
+          </a:p>
+          <a:p>
+            <a:endParaRPr lang="en-US" baseline="0" dirty="0"/>
+          </a:p>
+          <a:p>
+            <a:r>
+              <a:rPr lang="en-US" baseline="0" dirty="0" err="1"/>
+              <a:t>HashMap</a:t>
+            </a:r>
+            <a:r>
+              <a:rPr lang="en-US" baseline="0" dirty="0"/>
+              <a:t> very common.  Has TWO TYPES? Why?</a:t>
+            </a:r>
+            <a:endParaRPr lang="en-US" dirty="0"/>
           </a:p>
           <a:p>
             <a:endParaRPr lang="en-US" dirty="0"/>
@@ -1756,7 +1799,7 @@
               <a:pPr>
                 <a:defRPr/>
               </a:pPr>
-              <a:t>44</a:t>
+              <a:t>48</a:t>
             </a:fld>
             <a:endParaRPr lang="en-US"/>
           </a:p>
@@ -1765,7 +1808,7 @@
     </p:spTree>
     <p:extLst>
       <p:ext uri="{BB962C8B-B14F-4D97-AF65-F5344CB8AC3E}">
-        <p14:creationId xmlns:p14="http://schemas.microsoft.com/office/powerpoint/2010/main" val="575814487"/>
+        <p14:creationId xmlns:p14="http://schemas.microsoft.com/office/powerpoint/2010/main" val="4071684035"/>
       </p:ext>
     </p:extLst>
   </p:cSld>
@@ -1819,60 +1862,6 @@
           <a:bodyPr/>
           <a:lstStyle/>
           <a:p>
-            <a:r>
-              <a:rPr lang="en-US" dirty="0"/>
-              <a:t>Draw table on the board showing username to students and attempt to look a student up by their username… if we had an</a:t>
-            </a:r>
-            <a:r>
-              <a:rPr lang="en-US" baseline="0" dirty="0"/>
-              <a:t> </a:t>
-            </a:r>
-            <a:r>
-              <a:rPr lang="en-US" baseline="0" dirty="0" err="1"/>
-              <a:t>ArrayList</a:t>
-            </a:r>
-            <a:r>
-              <a:rPr lang="en-US" baseline="0" dirty="0"/>
-              <a:t> of students we’d have to loop through each and compare the username to find the student we wanted, but if we have them in a </a:t>
-            </a:r>
-            <a:r>
-              <a:rPr lang="en-US" baseline="0" dirty="0" err="1"/>
-              <a:t>HashMap</a:t>
-            </a:r>
-            <a:r>
-              <a:rPr lang="en-US" baseline="0" dirty="0"/>
-              <a:t>, we just have to look them up by their username. Makes the code simpler and faster</a:t>
-            </a:r>
-          </a:p>
-          <a:p>
-            <a:endParaRPr lang="en-US" baseline="0" dirty="0"/>
-          </a:p>
-          <a:p>
-            <a:r>
-              <a:rPr lang="en-US" baseline="0" dirty="0"/>
-              <a:t>Angle brackets similar to?? </a:t>
-            </a:r>
-            <a:r>
-              <a:rPr lang="en-US" baseline="0" dirty="0" err="1"/>
-              <a:t>ArrayList</a:t>
-            </a:r>
-            <a:endParaRPr lang="en-US" baseline="0" dirty="0"/>
-          </a:p>
-          <a:p>
-            <a:endParaRPr lang="en-US" baseline="0" dirty="0"/>
-          </a:p>
-          <a:p>
-            <a:r>
-              <a:rPr lang="en-US" baseline="0" dirty="0" err="1"/>
-              <a:t>HashMap</a:t>
-            </a:r>
-            <a:r>
-              <a:rPr lang="en-US" baseline="0" dirty="0"/>
-              <a:t> very common.  Has TWO TYPES? Why?</a:t>
-            </a:r>
-            <a:endParaRPr lang="en-US" dirty="0"/>
-          </a:p>
-          <a:p>
             <a:endParaRPr lang="en-US" dirty="0"/>
           </a:p>
         </p:txBody>
@@ -1900,7 +1889,7 @@
               <a:pPr>
                 <a:defRPr/>
               </a:pPr>
-              <a:t>45</a:t>
+              <a:t>49</a:t>
             </a:fld>
             <a:endParaRPr lang="en-US"/>
           </a:p>
@@ -1909,7 +1898,7 @@
     </p:spTree>
     <p:extLst>
       <p:ext uri="{BB962C8B-B14F-4D97-AF65-F5344CB8AC3E}">
-        <p14:creationId xmlns:p14="http://schemas.microsoft.com/office/powerpoint/2010/main" val="4071684035"/>
+        <p14:creationId xmlns:p14="http://schemas.microsoft.com/office/powerpoint/2010/main" val="4201900121"/>
       </p:ext>
     </p:extLst>
   </p:cSld>
@@ -1990,7 +1979,7 @@
               <a:pPr>
                 <a:defRPr/>
               </a:pPr>
-              <a:t>46</a:t>
+              <a:t>50</a:t>
             </a:fld>
             <a:endParaRPr lang="en-US"/>
           </a:p>
@@ -1999,7 +1988,7 @@
     </p:spTree>
     <p:extLst>
       <p:ext uri="{BB962C8B-B14F-4D97-AF65-F5344CB8AC3E}">
-        <p14:creationId xmlns:p14="http://schemas.microsoft.com/office/powerpoint/2010/main" val="4201900121"/>
+        <p14:creationId xmlns:p14="http://schemas.microsoft.com/office/powerpoint/2010/main" val="1914592549"/>
       </p:ext>
     </p:extLst>
   </p:cSld>
@@ -2053,7 +2042,19 @@
           <a:bodyPr/>
           <a:lstStyle/>
           <a:p>
-            <a:endParaRPr lang="en-US" dirty="0"/>
+            <a:r>
+              <a:rPr lang="en-US" dirty="0"/>
+              <a:t>For good measure, I will start this one from scratch just so they</a:t>
+            </a:r>
+            <a:r>
+              <a:rPr lang="en-US" baseline="0" dirty="0"/>
+              <a:t> will see it from the ground up (I like them to see it from scratch sometimes, but it appears in </a:t>
+            </a:r>
+            <a:r>
+              <a:rPr lang="en-US" baseline="0"/>
+              <a:t>the solution set).</a:t>
+            </a:r>
+            <a:endParaRPr lang="en-US"/>
           </a:p>
         </p:txBody>
       </p:sp>
@@ -2080,7 +2081,7 @@
               <a:pPr>
                 <a:defRPr/>
               </a:pPr>
-              <a:t>47</a:t>
+              <a:t>51</a:t>
             </a:fld>
             <a:endParaRPr lang="en-US"/>
           </a:p>
@@ -2089,7 +2090,7 @@
     </p:spTree>
     <p:extLst>
       <p:ext uri="{BB962C8B-B14F-4D97-AF65-F5344CB8AC3E}">
-        <p14:creationId xmlns:p14="http://schemas.microsoft.com/office/powerpoint/2010/main" val="1914592549"/>
+        <p14:creationId xmlns:p14="http://schemas.microsoft.com/office/powerpoint/2010/main" val="2197361127"/>
       </p:ext>
     </p:extLst>
   </p:cSld>
@@ -2145,17 +2146,19 @@
           <a:p>
             <a:r>
               <a:rPr lang="en-US" dirty="0"/>
-              <a:t>For good measure, I will start this one from scratch just so they</a:t>
+              <a:t>Once groups are finished, ask them to work on the array problems from SVN</a:t>
+            </a:r>
+          </a:p>
+          <a:p>
+            <a:r>
+              <a:rPr lang="en-US" dirty="0"/>
+              <a:t>Once</a:t>
             </a:r>
             <a:r>
               <a:rPr lang="en-US" baseline="0" dirty="0"/>
-              <a:t> will see it from the ground up (I like them to see it from scratch sometimes, but it appears in </a:t>
-            </a:r>
-            <a:r>
-              <a:rPr lang="en-US" baseline="0"/>
-              <a:t>the solution set).</a:t>
-            </a:r>
-            <a:endParaRPr lang="en-US"/>
+              <a:t> enough groups are finished, review the quiz questions and pint class to the cheat sheet</a:t>
+            </a:r>
+            <a:endParaRPr lang="en-US" dirty="0"/>
           </a:p>
         </p:txBody>
       </p:sp>
@@ -2182,7 +2185,7 @@
               <a:pPr>
                 <a:defRPr/>
               </a:pPr>
-              <a:t>48</a:t>
+              <a:t>52</a:t>
             </a:fld>
             <a:endParaRPr lang="en-US"/>
           </a:p>
@@ -2191,7 +2194,7 @@
     </p:spTree>
     <p:extLst>
       <p:ext uri="{BB962C8B-B14F-4D97-AF65-F5344CB8AC3E}">
-        <p14:creationId xmlns:p14="http://schemas.microsoft.com/office/powerpoint/2010/main" val="2197361127"/>
+        <p14:creationId xmlns:p14="http://schemas.microsoft.com/office/powerpoint/2010/main" val="2509790290"/>
       </p:ext>
     </p:extLst>
   </p:cSld>
@@ -2245,20 +2248,6 @@
           <a:bodyPr/>
           <a:lstStyle/>
           <a:p>
-            <a:r>
-              <a:rPr lang="en-US" dirty="0"/>
-              <a:t>Once groups are finished, ask them to work on the array problems from SVN</a:t>
-            </a:r>
-          </a:p>
-          <a:p>
-            <a:r>
-              <a:rPr lang="en-US" dirty="0"/>
-              <a:t>Once</a:t>
-            </a:r>
-            <a:r>
-              <a:rPr lang="en-US" baseline="0" dirty="0"/>
-              <a:t> enough groups are finished, review the quiz questions and pint class to the cheat sheet</a:t>
-            </a:r>
             <a:endParaRPr lang="en-US" dirty="0"/>
           </a:p>
         </p:txBody>
@@ -2286,7 +2275,7 @@
               <a:pPr>
                 <a:defRPr/>
               </a:pPr>
-              <a:t>49</a:t>
+              <a:t>53</a:t>
             </a:fld>
             <a:endParaRPr lang="en-US"/>
           </a:p>
@@ -2295,7 +2284,7 @@
     </p:spTree>
     <p:extLst>
       <p:ext uri="{BB962C8B-B14F-4D97-AF65-F5344CB8AC3E}">
-        <p14:creationId xmlns:p14="http://schemas.microsoft.com/office/powerpoint/2010/main" val="2509790290"/>
+        <p14:creationId xmlns:p14="http://schemas.microsoft.com/office/powerpoint/2010/main" val="2020286571"/>
       </p:ext>
     </p:extLst>
   </p:cSld>
@@ -2469,97 +2458,7 @@
               <a:pPr>
                 <a:defRPr/>
               </a:pPr>
-              <a:t>50</a:t>
-            </a:fld>
-            <a:endParaRPr lang="en-US"/>
-          </a:p>
-        </p:txBody>
-      </p:sp>
-    </p:spTree>
-    <p:extLst>
-      <p:ext uri="{BB962C8B-B14F-4D97-AF65-F5344CB8AC3E}">
-        <p14:creationId xmlns:p14="http://schemas.microsoft.com/office/powerpoint/2010/main" val="2020286571"/>
-      </p:ext>
-    </p:extLst>
-  </p:cSld>
-  <p:clrMapOvr>
-    <a:masterClrMapping/>
-  </p:clrMapOvr>
-</p:notes>
-</file>
-
-<file path=ppt/notesSlides/notesSlide21.xml><?xml version="1.0" encoding="utf-8"?>
-<p:notes xmlns:a="http://schemas.openxmlformats.org/drawingml/2006/main" xmlns:r="http://schemas.openxmlformats.org/officeDocument/2006/relationships" xmlns:p="http://schemas.openxmlformats.org/presentationml/2006/main">
-  <p:cSld>
-    <p:spTree>
-      <p:nvGrpSpPr>
-        <p:cNvPr id="1" name=""/>
-        <p:cNvGrpSpPr/>
-        <p:nvPr/>
-      </p:nvGrpSpPr>
-      <p:grpSpPr>
-        <a:xfrm>
-          <a:off x="0" y="0"/>
-          <a:ext cx="0" cy="0"/>
-          <a:chOff x="0" y="0"/>
-          <a:chExt cx="0" cy="0"/>
-        </a:xfrm>
-      </p:grpSpPr>
-      <p:sp>
-        <p:nvSpPr>
-          <p:cNvPr id="2" name="Slide Image Placeholder 1"/>
-          <p:cNvSpPr>
-            <a:spLocks noGrp="1" noRot="1" noChangeAspect="1"/>
-          </p:cNvSpPr>
-          <p:nvPr>
-            <p:ph type="sldImg"/>
-          </p:nvPr>
-        </p:nvSpPr>
-        <p:spPr/>
-      </p:sp>
-      <p:sp>
-        <p:nvSpPr>
-          <p:cNvPr id="3" name="Notes Placeholder 2"/>
-          <p:cNvSpPr>
-            <a:spLocks noGrp="1"/>
-          </p:cNvSpPr>
-          <p:nvPr>
-            <p:ph type="body" idx="1"/>
-          </p:nvPr>
-        </p:nvSpPr>
-        <p:spPr/>
-        <p:txBody>
-          <a:bodyPr/>
-          <a:lstStyle/>
-          <a:p>
-            <a:endParaRPr lang="en-US" dirty="0"/>
-          </a:p>
-        </p:txBody>
-      </p:sp>
-      <p:sp>
-        <p:nvSpPr>
-          <p:cNvPr id="4" name="Slide Number Placeholder 3"/>
-          <p:cNvSpPr>
-            <a:spLocks noGrp="1"/>
-          </p:cNvSpPr>
-          <p:nvPr>
-            <p:ph type="sldNum" sz="quarter" idx="10"/>
-          </p:nvPr>
-        </p:nvSpPr>
-        <p:spPr/>
-        <p:txBody>
-          <a:bodyPr/>
-          <a:lstStyle/>
-          <a:p>
-            <a:pPr>
-              <a:defRPr/>
-            </a:pPr>
-            <a:fld id="{41BB943A-C3B9-42AE-8B54-C2335812312E}" type="slidenum">
-              <a:rPr lang="en-US" smtClean="0"/>
-              <a:pPr>
-                <a:defRPr/>
-              </a:pPr>
-              <a:t>51</a:t>
+              <a:t>54</a:t>
             </a:fld>
             <a:endParaRPr lang="en-US"/>
           </a:p>
@@ -2578,7 +2477,7 @@
 </p:notes>
 </file>
 
-<file path=ppt/notesSlides/notesSlide22.xml><?xml version="1.0" encoding="utf-8"?>
+<file path=ppt/notesSlides/notesSlide21.xml><?xml version="1.0" encoding="utf-8"?>
 <p:notes xmlns:a="http://schemas.openxmlformats.org/drawingml/2006/main" xmlns:r="http://schemas.openxmlformats.org/officeDocument/2006/relationships" xmlns:p="http://schemas.openxmlformats.org/presentationml/2006/main">
   <p:cSld>
     <p:spTree>
@@ -3349,7 +3248,7 @@
               <a:pPr>
                 <a:defRPr/>
               </a:pPr>
-              <a:t>10</a:t>
+              <a:t>14</a:t>
             </a:fld>
             <a:endParaRPr lang="en-US"/>
           </a:p>
@@ -3807,7 +3706,7 @@
               <a:pPr>
                 <a:defRPr/>
               </a:pPr>
-              <a:t>Wednesday, March 9, 2022</a:t>
+              <a:t>Thursday, March 10, 2022</a:t>
             </a:fld>
             <a:endParaRPr lang="en-US" dirty="0"/>
           </a:p>
@@ -3990,7 +3889,7 @@
               <a:pPr>
                 <a:defRPr/>
               </a:pPr>
-              <a:t>Wednesday, March 9, 2022</a:t>
+              <a:t>Thursday, March 10, 2022</a:t>
             </a:fld>
             <a:endParaRPr lang="en-US" dirty="0"/>
           </a:p>
@@ -4183,7 +4082,7 @@
               <a:pPr>
                 <a:defRPr/>
               </a:pPr>
-              <a:t>Wednesday, March 9, 2022</a:t>
+              <a:t>Thursday, March 10, 2022</a:t>
             </a:fld>
             <a:endParaRPr lang="en-US" dirty="0"/>
           </a:p>
@@ -4366,7 +4265,7 @@
               <a:pPr>
                 <a:defRPr/>
               </a:pPr>
-              <a:t>Wednesday, March 9, 2022</a:t>
+              <a:t>Thursday, March 10, 2022</a:t>
             </a:fld>
             <a:endParaRPr lang="en-US" dirty="0"/>
           </a:p>
@@ -4626,7 +4525,7 @@
               <a:pPr>
                 <a:defRPr/>
               </a:pPr>
-              <a:t>Wednesday, March 9, 2022</a:t>
+              <a:t>Thursday, March 10, 2022</a:t>
             </a:fld>
             <a:endParaRPr lang="en-US"/>
           </a:p>
@@ -4926,7 +4825,7 @@
               <a:pPr>
                 <a:defRPr/>
               </a:pPr>
-              <a:t>Wednesday, March 9, 2022</a:t>
+              <a:t>Thursday, March 10, 2022</a:t>
             </a:fld>
             <a:endParaRPr lang="en-US"/>
           </a:p>
@@ -5360,7 +5259,7 @@
               <a:pPr>
                 <a:defRPr/>
               </a:pPr>
-              <a:t>Wednesday, March 9, 2022</a:t>
+              <a:t>Thursday, March 10, 2022</a:t>
             </a:fld>
             <a:endParaRPr lang="en-US"/>
           </a:p>
@@ -5492,7 +5391,7 @@
               <a:pPr>
                 <a:defRPr/>
               </a:pPr>
-              <a:t>Wednesday, March 9, 2022</a:t>
+              <a:t>Thursday, March 10, 2022</a:t>
             </a:fld>
             <a:endParaRPr lang="en-US"/>
           </a:p>
@@ -5602,7 +5501,7 @@
               <a:pPr>
                 <a:defRPr/>
               </a:pPr>
-              <a:t>Wednesday, March 9, 2022</a:t>
+              <a:t>Thursday, March 10, 2022</a:t>
             </a:fld>
             <a:endParaRPr lang="en-US" dirty="0"/>
           </a:p>
@@ -5892,7 +5791,7 @@
               <a:pPr>
                 <a:defRPr/>
               </a:pPr>
-              <a:t>Wednesday, March 9, 2022</a:t>
+              <a:t>Thursday, March 10, 2022</a:t>
             </a:fld>
             <a:endParaRPr lang="en-US"/>
           </a:p>
@@ -6159,7 +6058,7 @@
               <a:pPr>
                 <a:defRPr/>
               </a:pPr>
-              <a:t>Wednesday, March 9, 2022</a:t>
+              <a:t>Thursday, March 10, 2022</a:t>
             </a:fld>
             <a:endParaRPr lang="en-US"/>
           </a:p>
@@ -6385,7 +6284,7 @@
               <a:pPr>
                 <a:defRPr/>
               </a:pPr>
-              <a:t>Wednesday, March 9, 2022</a:t>
+              <a:t>Thursday, March 10, 2022</a:t>
             </a:fld>
             <a:endParaRPr lang="en-US" dirty="0"/>
           </a:p>
@@ -6935,29 +6834,13 @@
       </p:grpSpPr>
       <p:sp>
         <p:nvSpPr>
-          <p:cNvPr id="2" name="Title 1"/>
-          <p:cNvSpPr>
-            <a:spLocks noGrp="1"/>
-          </p:cNvSpPr>
-          <p:nvPr>
-            <p:ph type="title"/>
-          </p:nvPr>
-        </p:nvSpPr>
-        <p:spPr/>
-        <p:txBody>
-          <a:bodyPr/>
-          <a:lstStyle/>
-          <a:p>
-            <a:r>
-              <a:rPr lang="en-US" dirty="0"/>
-              <a:t>Today’s Agenda</a:t>
-            </a:r>
-          </a:p>
-        </p:txBody>
-      </p:sp>
-      <p:sp>
-        <p:nvSpPr>
-          <p:cNvPr id="3" name="Content Placeholder 2"/>
+          <p:cNvPr id="3" name="Content Placeholder 2">
+            <a:extLst>
+              <a:ext uri="{FF2B5EF4-FFF2-40B4-BE49-F238E27FC236}">
+                <a16:creationId xmlns:a16="http://schemas.microsoft.com/office/drawing/2014/main" id="{DC193C80-8B5A-43FD-B6AF-96F8F864712B}"/>
+              </a:ext>
+            </a:extLst>
+          </p:cNvPr>
           <p:cNvSpPr>
             <a:spLocks noGrp="1"/>
           </p:cNvSpPr>
@@ -6965,73 +6848,75 @@
             <p:ph idx="1"/>
           </p:nvPr>
         </p:nvSpPr>
-        <p:spPr/>
-        <p:txBody>
-          <a:bodyPr>
-            <a:normAutofit lnSpcReduction="10000"/>
-          </a:bodyPr>
-          <a:lstStyle/>
-          <a:p>
-            <a:r>
-              <a:rPr lang="en-US" strike="sngStrike" dirty="0"/>
-              <a:t>Questions: Post to Piazza</a:t>
-            </a:r>
-          </a:p>
-          <a:p>
-            <a:r>
-              <a:rPr lang="en-US" strike="sngStrike" dirty="0"/>
-              <a:t>Academic Honesty</a:t>
-            </a:r>
-          </a:p>
-          <a:p>
-            <a:r>
-              <a:rPr lang="en-US" strike="sngStrike" dirty="0"/>
-              <a:t>Quizzes</a:t>
-            </a:r>
-          </a:p>
-          <a:p>
+        <p:spPr>
+          <a:xfrm>
+            <a:off x="457200" y="239714"/>
+            <a:ext cx="3048000" cy="5886450"/>
+          </a:xfrm>
+        </p:spPr>
+        <p:txBody>
+          <a:bodyPr/>
+          <a:lstStyle/>
+          <a:p>
+            <a:pPr marL="0" indent="0">
+              <a:buNone/>
+            </a:pPr>
             <a:r>
               <a:rPr lang="en-US" dirty="0"/>
-              <a:t>Review:</a:t>
-            </a:r>
-          </a:p>
-          <a:p>
-            <a:pPr lvl="1"/>
+              <a:t>Today’s Handout</a:t>
+            </a:r>
+          </a:p>
+          <a:p>
+            <a:pPr marL="0" indent="0">
+              <a:buNone/>
+            </a:pPr>
+            <a:endParaRPr lang="en-US" dirty="0"/>
+          </a:p>
+          <a:p>
+            <a:pPr marL="0" indent="0">
+              <a:buNone/>
+            </a:pPr>
             <a:r>
               <a:rPr lang="en-US" dirty="0"/>
-              <a:t>Coding </a:t>
-            </a:r>
-            <a:r>
-              <a:rPr lang="en-US" dirty="0" err="1"/>
-              <a:t>Gotchas</a:t>
-            </a:r>
-            <a:endParaRPr lang="en-US" dirty="0"/>
-          </a:p>
-          <a:p>
-            <a:pPr lvl="1"/>
-            <a:r>
-              <a:rPr lang="en-US" dirty="0"/>
-              <a:t>Enhanced for loops</a:t>
-            </a:r>
-          </a:p>
-          <a:p>
-            <a:r>
-              <a:rPr lang="en-US" dirty="0"/>
-              <a:t>2D Arrays</a:t>
-            </a:r>
-          </a:p>
-          <a:p>
-            <a:r>
-              <a:rPr lang="en-US" dirty="0"/>
-              <a:t>Maps</a:t>
-            </a:r>
-          </a:p>
-        </p:txBody>
-      </p:sp>
+              <a:t>Is available digitally if you ever lose it </a:t>
+            </a:r>
+          </a:p>
+        </p:txBody>
+      </p:sp>
+      <p:pic>
+        <p:nvPicPr>
+          <p:cNvPr id="5" name="Picture 4">
+            <a:extLst>
+              <a:ext uri="{FF2B5EF4-FFF2-40B4-BE49-F238E27FC236}">
+                <a16:creationId xmlns:a16="http://schemas.microsoft.com/office/drawing/2014/main" id="{18598922-BA33-41EE-B86F-28AD9AE79CD3}"/>
+              </a:ext>
+            </a:extLst>
+          </p:cNvPr>
+          <p:cNvPicPr>
+            <a:picLocks noChangeAspect="1"/>
+          </p:cNvPicPr>
+          <p:nvPr/>
+        </p:nvPicPr>
+        <p:blipFill>
+          <a:blip r:embed="rId2"/>
+          <a:stretch>
+            <a:fillRect/>
+          </a:stretch>
+        </p:blipFill>
+        <p:spPr>
+          <a:xfrm>
+            <a:off x="4114800" y="274638"/>
+            <a:ext cx="4648200" cy="5886450"/>
+          </a:xfrm>
+          <a:prstGeom prst="rect">
+            <a:avLst/>
+          </a:prstGeom>
+        </p:spPr>
+      </p:pic>
     </p:spTree>
     <p:extLst>
       <p:ext uri="{BB962C8B-B14F-4D97-AF65-F5344CB8AC3E}">
-        <p14:creationId xmlns:p14="http://schemas.microsoft.com/office/powerpoint/2010/main" val="1801145110"/>
+        <p14:creationId xmlns:p14="http://schemas.microsoft.com/office/powerpoint/2010/main" val="1511063553"/>
       </p:ext>
     </p:extLst>
   </p:cSld>
@@ -7058,354 +6943,40 @@
           <a:chExt cx="0" cy="0"/>
         </a:xfrm>
       </p:grpSpPr>
-      <p:sp>
-        <p:nvSpPr>
-          <p:cNvPr id="2" name="Title 1"/>
-          <p:cNvSpPr>
-            <a:spLocks noGrp="1"/>
-          </p:cNvSpPr>
-          <p:nvPr>
-            <p:ph type="title"/>
-          </p:nvPr>
-        </p:nvSpPr>
-        <p:spPr/>
-        <p:txBody>
-          <a:bodyPr/>
-          <a:lstStyle/>
-          <a:p>
-            <a:r>
-              <a:rPr lang="en-US"/>
-              <a:t>Coding Gotchas – the </a:t>
-            </a:r>
-            <a:r>
-              <a:rPr lang="en-US" i="1"/>
-              <a:t>size</a:t>
-            </a:r>
-            <a:r>
-              <a:rPr lang="en-US"/>
-              <a:t> of things</a:t>
-            </a:r>
-          </a:p>
-        </p:txBody>
-      </p:sp>
-      <p:sp>
-        <p:nvSpPr>
-          <p:cNvPr id="3" name="Content Placeholder 2"/>
-          <p:cNvSpPr>
-            <a:spLocks noGrp="1"/>
-          </p:cNvSpPr>
-          <p:nvPr>
-            <p:ph idx="1"/>
-          </p:nvPr>
-        </p:nvSpPr>
+      <p:pic>
+        <p:nvPicPr>
+          <p:cNvPr id="5" name="Picture 4">
+            <a:extLst>
+              <a:ext uri="{FF2B5EF4-FFF2-40B4-BE49-F238E27FC236}">
+                <a16:creationId xmlns:a16="http://schemas.microsoft.com/office/drawing/2014/main" id="{B05C517F-D815-423A-B934-852BB1F931B3}"/>
+              </a:ext>
+            </a:extLst>
+          </p:cNvPr>
+          <p:cNvPicPr>
+            <a:picLocks noChangeAspect="1"/>
+          </p:cNvPicPr>
+          <p:nvPr/>
+        </p:nvPicPr>
+        <p:blipFill>
+          <a:blip r:embed="rId2"/>
+          <a:stretch>
+            <a:fillRect/>
+          </a:stretch>
+        </p:blipFill>
         <p:spPr>
           <a:xfrm>
-            <a:off x="457200" y="1417638"/>
-            <a:ext cx="8382000" cy="4525963"/>
+            <a:off x="990600" y="11837"/>
+            <a:ext cx="6858957" cy="6535062"/>
           </a:xfrm>
+          <a:prstGeom prst="rect">
+            <a:avLst/>
+          </a:prstGeom>
         </p:spPr>
-        <p:txBody>
-          <a:bodyPr>
-            <a:normAutofit/>
-          </a:bodyPr>
-          <a:lstStyle/>
-          <a:p>
-            <a:pPr marL="0" indent="0">
-              <a:buNone/>
-            </a:pPr>
-            <a:r>
-              <a:rPr lang="en-US" sz="2000" err="1">
-                <a:latin typeface="Courier New" panose="02070309020205020404" pitchFamily="49" charset="0"/>
-                <a:cs typeface="Courier New" panose="02070309020205020404" pitchFamily="49" charset="0"/>
-              </a:rPr>
-              <a:t>int</a:t>
-            </a:r>
-            <a:r>
-              <a:rPr lang="en-US" sz="2000">
-                <a:latin typeface="Courier New" panose="02070309020205020404" pitchFamily="49" charset="0"/>
-                <a:cs typeface="Courier New" panose="02070309020205020404" pitchFamily="49" charset="0"/>
-              </a:rPr>
-              <a:t>[] numbers = { 2, 4, 8, 16};</a:t>
-            </a:r>
-          </a:p>
-          <a:p>
-            <a:pPr marL="0" indent="0">
-              <a:buNone/>
-            </a:pPr>
-            <a:r>
-              <a:rPr lang="en-US" sz="2000">
-                <a:latin typeface="Courier New" panose="02070309020205020404" pitchFamily="49" charset="0"/>
-                <a:cs typeface="Courier New" panose="02070309020205020404" pitchFamily="49" charset="0"/>
-              </a:rPr>
-              <a:t>int </a:t>
-            </a:r>
-            <a:r>
-              <a:rPr lang="en-US" sz="2000" err="1">
-                <a:latin typeface="Courier New" panose="02070309020205020404" pitchFamily="49" charset="0"/>
-                <a:cs typeface="Courier New" panose="02070309020205020404" pitchFamily="49" charset="0"/>
-              </a:rPr>
-              <a:t>numbersCount</a:t>
-            </a:r>
-            <a:r>
-              <a:rPr lang="en-US" sz="2000">
-                <a:latin typeface="Courier New" panose="02070309020205020404" pitchFamily="49" charset="0"/>
-                <a:cs typeface="Courier New" panose="02070309020205020404" pitchFamily="49" charset="0"/>
-              </a:rPr>
-              <a:t> = </a:t>
-            </a:r>
-            <a:r>
-              <a:rPr lang="en-US" sz="2000" err="1">
-                <a:latin typeface="Courier New" panose="02070309020205020404" pitchFamily="49" charset="0"/>
-                <a:cs typeface="Courier New" panose="02070309020205020404" pitchFamily="49" charset="0"/>
-              </a:rPr>
-              <a:t>numbers.length</a:t>
-            </a:r>
-            <a:r>
-              <a:rPr lang="en-US" sz="2000">
-                <a:latin typeface="Courier New" panose="02070309020205020404" pitchFamily="49" charset="0"/>
-                <a:cs typeface="Courier New" panose="02070309020205020404" pitchFamily="49" charset="0"/>
-              </a:rPr>
-              <a:t>;</a:t>
-            </a:r>
-          </a:p>
-          <a:p>
-            <a:pPr marL="0" indent="0">
-              <a:buNone/>
-            </a:pPr>
-            <a:r>
-              <a:rPr lang="en-US" sz="2000">
-                <a:latin typeface="Courier New" panose="02070309020205020404" pitchFamily="49" charset="0"/>
-                <a:cs typeface="Courier New" panose="02070309020205020404" pitchFamily="49" charset="0"/>
-              </a:rPr>
-              <a:t>// Java array uses 'length'</a:t>
-            </a:r>
-          </a:p>
-          <a:p>
-            <a:pPr marL="0" indent="0">
-              <a:buNone/>
-            </a:pPr>
-            <a:endParaRPr lang="en-US" sz="2000">
-              <a:latin typeface="Courier New" panose="02070309020205020404" pitchFamily="49" charset="0"/>
-              <a:cs typeface="Courier New" panose="02070309020205020404" pitchFamily="49" charset="0"/>
-            </a:endParaRPr>
-          </a:p>
-          <a:p>
-            <a:pPr marL="0" indent="0">
-              <a:buNone/>
-            </a:pPr>
-            <a:r>
-              <a:rPr lang="en-US" sz="2000" err="1">
-                <a:latin typeface="Courier New" panose="02070309020205020404" pitchFamily="49" charset="0"/>
-                <a:cs typeface="Courier New" panose="02070309020205020404" pitchFamily="49" charset="0"/>
-              </a:rPr>
-              <a:t>ArrayList</a:t>
-            </a:r>
-            <a:r>
-              <a:rPr lang="en-US" sz="2000">
-                <a:latin typeface="Courier New" panose="02070309020205020404" pitchFamily="49" charset="0"/>
-                <a:cs typeface="Courier New" panose="02070309020205020404" pitchFamily="49" charset="0"/>
-              </a:rPr>
-              <a:t>&lt;String&gt; words = </a:t>
-            </a:r>
-            <a:r>
-              <a:rPr lang="en-US" sz="2000" b="1">
-                <a:latin typeface="Courier New" panose="02070309020205020404" pitchFamily="49" charset="0"/>
-                <a:cs typeface="Courier New" panose="02070309020205020404" pitchFamily="49" charset="0"/>
-              </a:rPr>
-              <a:t>new</a:t>
-            </a:r>
-            <a:r>
-              <a:rPr lang="en-US" sz="2000">
-                <a:latin typeface="Courier New" panose="02070309020205020404" pitchFamily="49" charset="0"/>
-                <a:cs typeface="Courier New" panose="02070309020205020404" pitchFamily="49" charset="0"/>
-              </a:rPr>
-              <a:t> </a:t>
-            </a:r>
-            <a:r>
-              <a:rPr lang="en-US" sz="2000" err="1">
-                <a:latin typeface="Courier New" panose="02070309020205020404" pitchFamily="49" charset="0"/>
-                <a:cs typeface="Courier New" panose="02070309020205020404" pitchFamily="49" charset="0"/>
-              </a:rPr>
-              <a:t>ArrayList</a:t>
-            </a:r>
-            <a:r>
-              <a:rPr lang="en-US" sz="2000">
-                <a:latin typeface="Courier New" panose="02070309020205020404" pitchFamily="49" charset="0"/>
-                <a:cs typeface="Courier New" panose="02070309020205020404" pitchFamily="49" charset="0"/>
-              </a:rPr>
-              <a:t>&lt;String&gt;();</a:t>
-            </a:r>
-          </a:p>
-          <a:p>
-            <a:pPr marL="0" indent="0">
-              <a:buNone/>
-            </a:pPr>
-            <a:r>
-              <a:rPr lang="en-US" sz="2000" err="1">
-                <a:latin typeface="Courier New" panose="02070309020205020404" pitchFamily="49" charset="0"/>
-                <a:cs typeface="Courier New" panose="02070309020205020404" pitchFamily="49" charset="0"/>
-              </a:rPr>
-              <a:t>words.add</a:t>
-            </a:r>
-            <a:r>
-              <a:rPr lang="en-US" sz="2000">
-                <a:latin typeface="Courier New" panose="02070309020205020404" pitchFamily="49" charset="0"/>
-                <a:cs typeface="Courier New" panose="02070309020205020404" pitchFamily="49" charset="0"/>
-              </a:rPr>
-              <a:t>("Hello!");</a:t>
-            </a:r>
-          </a:p>
-          <a:p>
-            <a:pPr marL="0" indent="0">
-              <a:buNone/>
-            </a:pPr>
-            <a:r>
-              <a:rPr lang="en-US" sz="2000">
-                <a:latin typeface="Courier New" panose="02070309020205020404" pitchFamily="49" charset="0"/>
-                <a:cs typeface="Courier New" panose="02070309020205020404" pitchFamily="49" charset="0"/>
-              </a:rPr>
-              <a:t>int </a:t>
-            </a:r>
-            <a:r>
-              <a:rPr lang="en-US" sz="2000" err="1">
-                <a:latin typeface="Courier New" panose="02070309020205020404" pitchFamily="49" charset="0"/>
-                <a:cs typeface="Courier New" panose="02070309020205020404" pitchFamily="49" charset="0"/>
-              </a:rPr>
-              <a:t>wordsCount</a:t>
-            </a:r>
-            <a:r>
-              <a:rPr lang="en-US" sz="2000">
-                <a:latin typeface="Courier New" panose="02070309020205020404" pitchFamily="49" charset="0"/>
-                <a:cs typeface="Courier New" panose="02070309020205020404" pitchFamily="49" charset="0"/>
-              </a:rPr>
-              <a:t> = </a:t>
-            </a:r>
-            <a:r>
-              <a:rPr lang="en-US" sz="2000" err="1">
-                <a:latin typeface="Courier New" panose="02070309020205020404" pitchFamily="49" charset="0"/>
-                <a:cs typeface="Courier New" panose="02070309020205020404" pitchFamily="49" charset="0"/>
-              </a:rPr>
-              <a:t>words.size</a:t>
-            </a:r>
-            <a:r>
-              <a:rPr lang="en-US" sz="2000">
-                <a:latin typeface="Courier New" panose="02070309020205020404" pitchFamily="49" charset="0"/>
-                <a:cs typeface="Courier New" panose="02070309020205020404" pitchFamily="49" charset="0"/>
-              </a:rPr>
-              <a:t>();</a:t>
-            </a:r>
-          </a:p>
-          <a:p>
-            <a:pPr marL="0" indent="0">
-              <a:buNone/>
-            </a:pPr>
-            <a:r>
-              <a:rPr lang="en-US" sz="2000">
-                <a:latin typeface="Courier New" panose="02070309020205020404" pitchFamily="49" charset="0"/>
-                <a:cs typeface="Courier New" panose="02070309020205020404" pitchFamily="49" charset="0"/>
-              </a:rPr>
-              <a:t>// </a:t>
-            </a:r>
-            <a:r>
-              <a:rPr lang="en-US" sz="2000" err="1">
-                <a:latin typeface="Courier New" panose="02070309020205020404" pitchFamily="49" charset="0"/>
-                <a:cs typeface="Courier New" panose="02070309020205020404" pitchFamily="49" charset="0"/>
-              </a:rPr>
-              <a:t>ArrayList</a:t>
-            </a:r>
-            <a:r>
-              <a:rPr lang="en-US" sz="2000">
-                <a:latin typeface="Courier New" panose="02070309020205020404" pitchFamily="49" charset="0"/>
-                <a:cs typeface="Courier New" panose="02070309020205020404" pitchFamily="49" charset="0"/>
-              </a:rPr>
-              <a:t> uses 'size()'</a:t>
-            </a:r>
-          </a:p>
-          <a:p>
-            <a:pPr marL="0" indent="0">
-              <a:buNone/>
-            </a:pPr>
-            <a:endParaRPr lang="en-US" sz="2000">
-              <a:latin typeface="Courier New" panose="02070309020205020404" pitchFamily="49" charset="0"/>
-              <a:cs typeface="Courier New" panose="02070309020205020404" pitchFamily="49" charset="0"/>
-            </a:endParaRPr>
-          </a:p>
-          <a:p>
-            <a:pPr marL="0" indent="0">
-              <a:buNone/>
-            </a:pPr>
-            <a:r>
-              <a:rPr lang="en-US" sz="2000">
-                <a:latin typeface="Courier New" panose="02070309020205020404" pitchFamily="49" charset="0"/>
-                <a:cs typeface="Courier New" panose="02070309020205020404" pitchFamily="49" charset="0"/>
-              </a:rPr>
-              <a:t>String word = "Hello";</a:t>
-            </a:r>
-          </a:p>
-          <a:p>
-            <a:pPr marL="0" indent="0">
-              <a:buNone/>
-            </a:pPr>
-            <a:r>
-              <a:rPr lang="en-US" sz="2000">
-                <a:latin typeface="Courier New" panose="02070309020205020404" pitchFamily="49" charset="0"/>
-                <a:cs typeface="Courier New" panose="02070309020205020404" pitchFamily="49" charset="0"/>
-              </a:rPr>
-              <a:t>int </a:t>
-            </a:r>
-            <a:r>
-              <a:rPr lang="en-US" sz="2000" err="1">
-                <a:latin typeface="Courier New" panose="02070309020205020404" pitchFamily="49" charset="0"/>
-                <a:cs typeface="Courier New" panose="02070309020205020404" pitchFamily="49" charset="0"/>
-              </a:rPr>
-              <a:t>characterCount</a:t>
-            </a:r>
-            <a:r>
-              <a:rPr lang="en-US" sz="2000">
-                <a:latin typeface="Courier New" panose="02070309020205020404" pitchFamily="49" charset="0"/>
-                <a:cs typeface="Courier New" panose="02070309020205020404" pitchFamily="49" charset="0"/>
-              </a:rPr>
-              <a:t> = </a:t>
-            </a:r>
-            <a:r>
-              <a:rPr lang="en-US" sz="2000" err="1">
-                <a:latin typeface="Courier New" panose="02070309020205020404" pitchFamily="49" charset="0"/>
-                <a:cs typeface="Courier New" panose="02070309020205020404" pitchFamily="49" charset="0"/>
-              </a:rPr>
-              <a:t>word.length</a:t>
-            </a:r>
-            <a:r>
-              <a:rPr lang="en-US" sz="2000">
-                <a:latin typeface="Courier New" panose="02070309020205020404" pitchFamily="49" charset="0"/>
-                <a:cs typeface="Courier New" panose="02070309020205020404" pitchFamily="49" charset="0"/>
-              </a:rPr>
-              <a:t>();</a:t>
-            </a:r>
-          </a:p>
-          <a:p>
-            <a:pPr marL="0" indent="0">
-              <a:buNone/>
-            </a:pPr>
-            <a:r>
-              <a:rPr lang="en-US" sz="2000">
-                <a:latin typeface="Courier New" panose="02070309020205020404" pitchFamily="49" charset="0"/>
-                <a:cs typeface="Courier New" panose="02070309020205020404" pitchFamily="49" charset="0"/>
-              </a:rPr>
-              <a:t>// String uses length()</a:t>
-            </a:r>
-          </a:p>
-          <a:p>
-            <a:pPr marL="0" indent="0">
-              <a:buNone/>
-            </a:pPr>
-            <a:endParaRPr lang="en-US" sz="2000"/>
-          </a:p>
-        </p:txBody>
-      </p:sp>
+      </p:pic>
     </p:spTree>
     <p:extLst>
       <p:ext uri="{BB962C8B-B14F-4D97-AF65-F5344CB8AC3E}">
-        <p14:creationId xmlns:p14="http://schemas.microsoft.com/office/powerpoint/2010/main" val="1523975066"/>
+        <p14:creationId xmlns:p14="http://schemas.microsoft.com/office/powerpoint/2010/main" val="4109258405"/>
       </p:ext>
     </p:extLst>
   </p:cSld>
@@ -7432,6 +7003,694 @@
           <a:chExt cx="0" cy="0"/>
         </a:xfrm>
       </p:grpSpPr>
+      <p:pic>
+        <p:nvPicPr>
+          <p:cNvPr id="5" name="Picture 4">
+            <a:extLst>
+              <a:ext uri="{FF2B5EF4-FFF2-40B4-BE49-F238E27FC236}">
+                <a16:creationId xmlns:a16="http://schemas.microsoft.com/office/drawing/2014/main" id="{F3271A74-ECB6-4CCF-A5AA-59EA1254D5B3}"/>
+              </a:ext>
+            </a:extLst>
+          </p:cNvPr>
+          <p:cNvPicPr>
+            <a:picLocks noChangeAspect="1"/>
+          </p:cNvPicPr>
+          <p:nvPr/>
+        </p:nvPicPr>
+        <p:blipFill>
+          <a:blip r:embed="rId2"/>
+          <a:stretch>
+            <a:fillRect/>
+          </a:stretch>
+        </p:blipFill>
+        <p:spPr>
+          <a:xfrm>
+            <a:off x="1600200" y="96355"/>
+            <a:ext cx="5943600" cy="1989703"/>
+          </a:xfrm>
+          <a:prstGeom prst="rect">
+            <a:avLst/>
+          </a:prstGeom>
+        </p:spPr>
+      </p:pic>
+      <p:pic>
+        <p:nvPicPr>
+          <p:cNvPr id="7" name="Picture 6">
+            <a:extLst>
+              <a:ext uri="{FF2B5EF4-FFF2-40B4-BE49-F238E27FC236}">
+                <a16:creationId xmlns:a16="http://schemas.microsoft.com/office/drawing/2014/main" id="{04D23BF6-EB1E-4931-9FD9-F4FA35DD69BB}"/>
+              </a:ext>
+            </a:extLst>
+          </p:cNvPr>
+          <p:cNvPicPr>
+            <a:picLocks noChangeAspect="1"/>
+          </p:cNvPicPr>
+          <p:nvPr/>
+        </p:nvPicPr>
+        <p:blipFill>
+          <a:blip r:embed="rId3"/>
+          <a:stretch>
+            <a:fillRect/>
+          </a:stretch>
+        </p:blipFill>
+        <p:spPr>
+          <a:xfrm>
+            <a:off x="1639989" y="2159730"/>
+            <a:ext cx="5858570" cy="4693658"/>
+          </a:xfrm>
+          <a:prstGeom prst="rect">
+            <a:avLst/>
+          </a:prstGeom>
+        </p:spPr>
+      </p:pic>
+    </p:spTree>
+    <p:extLst>
+      <p:ext uri="{BB962C8B-B14F-4D97-AF65-F5344CB8AC3E}">
+        <p14:creationId xmlns:p14="http://schemas.microsoft.com/office/powerpoint/2010/main" val="2048411841"/>
+      </p:ext>
+    </p:extLst>
+  </p:cSld>
+  <p:clrMapOvr>
+    <a:masterClrMapping/>
+  </p:clrMapOvr>
+</p:sld>
+</file>
+
+<file path=ppt/slides/slide13.xml><?xml version="1.0" encoding="utf-8"?>
+<p:sld xmlns:a="http://schemas.openxmlformats.org/drawingml/2006/main" xmlns:r="http://schemas.openxmlformats.org/officeDocument/2006/relationships" xmlns:p="http://schemas.openxmlformats.org/presentationml/2006/main">
+  <p:cSld>
+    <p:spTree>
+      <p:nvGrpSpPr>
+        <p:cNvPr id="1" name=""/>
+        <p:cNvGrpSpPr/>
+        <p:nvPr/>
+      </p:nvGrpSpPr>
+      <p:grpSpPr>
+        <a:xfrm>
+          <a:off x="0" y="0"/>
+          <a:ext cx="0" cy="0"/>
+          <a:chOff x="0" y="0"/>
+          <a:chExt cx="0" cy="0"/>
+        </a:xfrm>
+      </p:grpSpPr>
+      <p:pic>
+        <p:nvPicPr>
+          <p:cNvPr id="5" name="Picture 4">
+            <a:extLst>
+              <a:ext uri="{FF2B5EF4-FFF2-40B4-BE49-F238E27FC236}">
+                <a16:creationId xmlns:a16="http://schemas.microsoft.com/office/drawing/2014/main" id="{B0EF1A8C-C5D2-477A-847F-0C38FBF0C96C}"/>
+              </a:ext>
+            </a:extLst>
+          </p:cNvPr>
+          <p:cNvPicPr>
+            <a:picLocks noChangeAspect="1"/>
+          </p:cNvPicPr>
+          <p:nvPr/>
+        </p:nvPicPr>
+        <p:blipFill>
+          <a:blip r:embed="rId2"/>
+          <a:stretch>
+            <a:fillRect/>
+          </a:stretch>
+        </p:blipFill>
+        <p:spPr>
+          <a:xfrm>
+            <a:off x="228600" y="304800"/>
+            <a:ext cx="8648390" cy="3048000"/>
+          </a:xfrm>
+          <a:prstGeom prst="rect">
+            <a:avLst/>
+          </a:prstGeom>
+        </p:spPr>
+      </p:pic>
+      <p:sp>
+        <p:nvSpPr>
+          <p:cNvPr id="6" name="TextBox 5">
+            <a:extLst>
+              <a:ext uri="{FF2B5EF4-FFF2-40B4-BE49-F238E27FC236}">
+                <a16:creationId xmlns:a16="http://schemas.microsoft.com/office/drawing/2014/main" id="{F1A8C8FB-2C27-4E38-AC98-8143A25236B9}"/>
+              </a:ext>
+            </a:extLst>
+          </p:cNvPr>
+          <p:cNvSpPr txBox="1"/>
+          <p:nvPr/>
+        </p:nvSpPr>
+        <p:spPr>
+          <a:xfrm>
+            <a:off x="304800" y="4605010"/>
+            <a:ext cx="7962436" cy="523220"/>
+          </a:xfrm>
+          <a:prstGeom prst="rect">
+            <a:avLst/>
+          </a:prstGeom>
+          <a:solidFill>
+            <a:schemeClr val="bg1">
+              <a:lumMod val="75000"/>
+            </a:schemeClr>
+          </a:solidFill>
+        </p:spPr>
+        <p:txBody>
+          <a:bodyPr wrap="none" rtlCol="0">
+            <a:spAutoFit/>
+          </a:bodyPr>
+          <a:lstStyle/>
+          <a:p>
+            <a:r>
+              <a:rPr lang="en-US" sz="2800" dirty="0"/>
+              <a:t>Ask me a question about a “gray area” right now!</a:t>
+            </a:r>
+          </a:p>
+        </p:txBody>
+      </p:sp>
+    </p:spTree>
+    <p:extLst>
+      <p:ext uri="{BB962C8B-B14F-4D97-AF65-F5344CB8AC3E}">
+        <p14:creationId xmlns:p14="http://schemas.microsoft.com/office/powerpoint/2010/main" val="2569689042"/>
+      </p:ext>
+    </p:extLst>
+  </p:cSld>
+  <p:clrMapOvr>
+    <a:masterClrMapping/>
+  </p:clrMapOvr>
+</p:sld>
+</file>
+
+<file path=ppt/slides/slide14.xml><?xml version="1.0" encoding="utf-8"?>
+<p:sld xmlns:a="http://schemas.openxmlformats.org/drawingml/2006/main" xmlns:r="http://schemas.openxmlformats.org/officeDocument/2006/relationships" xmlns:p="http://schemas.openxmlformats.org/presentationml/2006/main">
+  <p:cSld>
+    <p:spTree>
+      <p:nvGrpSpPr>
+        <p:cNvPr id="1" name=""/>
+        <p:cNvGrpSpPr/>
+        <p:nvPr/>
+      </p:nvGrpSpPr>
+      <p:grpSpPr>
+        <a:xfrm>
+          <a:off x="0" y="0"/>
+          <a:ext cx="0" cy="0"/>
+          <a:chOff x="0" y="0"/>
+          <a:chExt cx="0" cy="0"/>
+        </a:xfrm>
+      </p:grpSpPr>
+      <p:sp>
+        <p:nvSpPr>
+          <p:cNvPr id="2" name="Title 1"/>
+          <p:cNvSpPr>
+            <a:spLocks noGrp="1"/>
+          </p:cNvSpPr>
+          <p:nvPr>
+            <p:ph type="title"/>
+          </p:nvPr>
+        </p:nvSpPr>
+        <p:spPr/>
+        <p:txBody>
+          <a:bodyPr/>
+          <a:lstStyle/>
+          <a:p>
+            <a:r>
+              <a:rPr lang="en-US" dirty="0"/>
+              <a:t>Today’s Agenda</a:t>
+            </a:r>
+          </a:p>
+        </p:txBody>
+      </p:sp>
+      <p:sp>
+        <p:nvSpPr>
+          <p:cNvPr id="3" name="Content Placeholder 2"/>
+          <p:cNvSpPr>
+            <a:spLocks noGrp="1"/>
+          </p:cNvSpPr>
+          <p:nvPr>
+            <p:ph idx="1"/>
+          </p:nvPr>
+        </p:nvSpPr>
+        <p:spPr/>
+        <p:txBody>
+          <a:bodyPr>
+            <a:normAutofit lnSpcReduction="10000"/>
+          </a:bodyPr>
+          <a:lstStyle/>
+          <a:p>
+            <a:r>
+              <a:rPr lang="en-US" strike="sngStrike" dirty="0"/>
+              <a:t>Questions: Post to Piazza</a:t>
+            </a:r>
+          </a:p>
+          <a:p>
+            <a:r>
+              <a:rPr lang="en-US" strike="sngStrike" dirty="0"/>
+              <a:t>Academic Honesty</a:t>
+            </a:r>
+          </a:p>
+          <a:p>
+            <a:r>
+              <a:rPr lang="en-US" strike="sngStrike" dirty="0"/>
+              <a:t>Quizzes</a:t>
+            </a:r>
+          </a:p>
+          <a:p>
+            <a:r>
+              <a:rPr lang="en-US" dirty="0"/>
+              <a:t>Review:</a:t>
+            </a:r>
+          </a:p>
+          <a:p>
+            <a:pPr lvl="1"/>
+            <a:r>
+              <a:rPr lang="en-US" dirty="0"/>
+              <a:t>Coding </a:t>
+            </a:r>
+            <a:r>
+              <a:rPr lang="en-US" dirty="0" err="1"/>
+              <a:t>Gotchas</a:t>
+            </a:r>
+            <a:endParaRPr lang="en-US" dirty="0"/>
+          </a:p>
+          <a:p>
+            <a:pPr lvl="1"/>
+            <a:r>
+              <a:rPr lang="en-US" dirty="0"/>
+              <a:t>Enhanced for loops</a:t>
+            </a:r>
+          </a:p>
+          <a:p>
+            <a:r>
+              <a:rPr lang="en-US" dirty="0"/>
+              <a:t>2D Arrays</a:t>
+            </a:r>
+          </a:p>
+          <a:p>
+            <a:r>
+              <a:rPr lang="en-US" dirty="0"/>
+              <a:t>Maps</a:t>
+            </a:r>
+          </a:p>
+        </p:txBody>
+      </p:sp>
+    </p:spTree>
+    <p:extLst>
+      <p:ext uri="{BB962C8B-B14F-4D97-AF65-F5344CB8AC3E}">
+        <p14:creationId xmlns:p14="http://schemas.microsoft.com/office/powerpoint/2010/main" val="1801145110"/>
+      </p:ext>
+    </p:extLst>
+  </p:cSld>
+  <p:clrMapOvr>
+    <a:masterClrMapping/>
+  </p:clrMapOvr>
+</p:sld>
+</file>
+
+<file path=ppt/slides/slide15.xml><?xml version="1.0" encoding="utf-8"?>
+<p:sld xmlns:a="http://schemas.openxmlformats.org/drawingml/2006/main" xmlns:r="http://schemas.openxmlformats.org/officeDocument/2006/relationships" xmlns:p="http://schemas.openxmlformats.org/presentationml/2006/main">
+  <p:cSld>
+    <p:spTree>
+      <p:nvGrpSpPr>
+        <p:cNvPr id="1" name=""/>
+        <p:cNvGrpSpPr/>
+        <p:nvPr/>
+      </p:nvGrpSpPr>
+      <p:grpSpPr>
+        <a:xfrm>
+          <a:off x="0" y="0"/>
+          <a:ext cx="0" cy="0"/>
+          <a:chOff x="0" y="0"/>
+          <a:chExt cx="0" cy="0"/>
+        </a:xfrm>
+      </p:grpSpPr>
+      <p:sp>
+        <p:nvSpPr>
+          <p:cNvPr id="2" name="Title 1"/>
+          <p:cNvSpPr>
+            <a:spLocks noGrp="1"/>
+          </p:cNvSpPr>
+          <p:nvPr>
+            <p:ph type="title"/>
+          </p:nvPr>
+        </p:nvSpPr>
+        <p:spPr/>
+        <p:txBody>
+          <a:bodyPr/>
+          <a:lstStyle/>
+          <a:p>
+            <a:r>
+              <a:rPr lang="en-US"/>
+              <a:t>Coding Gotchas – the </a:t>
+            </a:r>
+            <a:r>
+              <a:rPr lang="en-US" i="1"/>
+              <a:t>size</a:t>
+            </a:r>
+            <a:r>
+              <a:rPr lang="en-US"/>
+              <a:t> of things</a:t>
+            </a:r>
+          </a:p>
+        </p:txBody>
+      </p:sp>
+      <p:sp>
+        <p:nvSpPr>
+          <p:cNvPr id="3" name="Content Placeholder 2"/>
+          <p:cNvSpPr>
+            <a:spLocks noGrp="1"/>
+          </p:cNvSpPr>
+          <p:nvPr>
+            <p:ph idx="1"/>
+          </p:nvPr>
+        </p:nvSpPr>
+        <p:spPr>
+          <a:xfrm>
+            <a:off x="457200" y="1417638"/>
+            <a:ext cx="8382000" cy="4525963"/>
+          </a:xfrm>
+        </p:spPr>
+        <p:txBody>
+          <a:bodyPr>
+            <a:normAutofit/>
+          </a:bodyPr>
+          <a:lstStyle/>
+          <a:p>
+            <a:pPr marL="0" indent="0">
+              <a:buNone/>
+            </a:pPr>
+            <a:r>
+              <a:rPr lang="en-US" sz="2000" err="1">
+                <a:latin typeface="Courier New" panose="02070309020205020404" pitchFamily="49" charset="0"/>
+                <a:cs typeface="Courier New" panose="02070309020205020404" pitchFamily="49" charset="0"/>
+              </a:rPr>
+              <a:t>int</a:t>
+            </a:r>
+            <a:r>
+              <a:rPr lang="en-US" sz="2000">
+                <a:latin typeface="Courier New" panose="02070309020205020404" pitchFamily="49" charset="0"/>
+                <a:cs typeface="Courier New" panose="02070309020205020404" pitchFamily="49" charset="0"/>
+              </a:rPr>
+              <a:t>[] numbers = { 2, 4, 8, 16};</a:t>
+            </a:r>
+          </a:p>
+          <a:p>
+            <a:pPr marL="0" indent="0">
+              <a:buNone/>
+            </a:pPr>
+            <a:r>
+              <a:rPr lang="en-US" sz="2000">
+                <a:latin typeface="Courier New" panose="02070309020205020404" pitchFamily="49" charset="0"/>
+                <a:cs typeface="Courier New" panose="02070309020205020404" pitchFamily="49" charset="0"/>
+              </a:rPr>
+              <a:t>int </a:t>
+            </a:r>
+            <a:r>
+              <a:rPr lang="en-US" sz="2000" err="1">
+                <a:latin typeface="Courier New" panose="02070309020205020404" pitchFamily="49" charset="0"/>
+                <a:cs typeface="Courier New" panose="02070309020205020404" pitchFamily="49" charset="0"/>
+              </a:rPr>
+              <a:t>numbersCount</a:t>
+            </a:r>
+            <a:r>
+              <a:rPr lang="en-US" sz="2000">
+                <a:latin typeface="Courier New" panose="02070309020205020404" pitchFamily="49" charset="0"/>
+                <a:cs typeface="Courier New" panose="02070309020205020404" pitchFamily="49" charset="0"/>
+              </a:rPr>
+              <a:t> = </a:t>
+            </a:r>
+            <a:r>
+              <a:rPr lang="en-US" sz="2000" err="1">
+                <a:latin typeface="Courier New" panose="02070309020205020404" pitchFamily="49" charset="0"/>
+                <a:cs typeface="Courier New" panose="02070309020205020404" pitchFamily="49" charset="0"/>
+              </a:rPr>
+              <a:t>numbers.length</a:t>
+            </a:r>
+            <a:r>
+              <a:rPr lang="en-US" sz="2000">
+                <a:latin typeface="Courier New" panose="02070309020205020404" pitchFamily="49" charset="0"/>
+                <a:cs typeface="Courier New" panose="02070309020205020404" pitchFamily="49" charset="0"/>
+              </a:rPr>
+              <a:t>;</a:t>
+            </a:r>
+          </a:p>
+          <a:p>
+            <a:pPr marL="0" indent="0">
+              <a:buNone/>
+            </a:pPr>
+            <a:r>
+              <a:rPr lang="en-US" sz="2000">
+                <a:latin typeface="Courier New" panose="02070309020205020404" pitchFamily="49" charset="0"/>
+                <a:cs typeface="Courier New" panose="02070309020205020404" pitchFamily="49" charset="0"/>
+              </a:rPr>
+              <a:t>// Java array uses 'length'</a:t>
+            </a:r>
+          </a:p>
+          <a:p>
+            <a:pPr marL="0" indent="0">
+              <a:buNone/>
+            </a:pPr>
+            <a:endParaRPr lang="en-US" sz="2000">
+              <a:latin typeface="Courier New" panose="02070309020205020404" pitchFamily="49" charset="0"/>
+              <a:cs typeface="Courier New" panose="02070309020205020404" pitchFamily="49" charset="0"/>
+            </a:endParaRPr>
+          </a:p>
+          <a:p>
+            <a:pPr marL="0" indent="0">
+              <a:buNone/>
+            </a:pPr>
+            <a:r>
+              <a:rPr lang="en-US" sz="2000" err="1">
+                <a:latin typeface="Courier New" panose="02070309020205020404" pitchFamily="49" charset="0"/>
+                <a:cs typeface="Courier New" panose="02070309020205020404" pitchFamily="49" charset="0"/>
+              </a:rPr>
+              <a:t>ArrayList</a:t>
+            </a:r>
+            <a:r>
+              <a:rPr lang="en-US" sz="2000">
+                <a:latin typeface="Courier New" panose="02070309020205020404" pitchFamily="49" charset="0"/>
+                <a:cs typeface="Courier New" panose="02070309020205020404" pitchFamily="49" charset="0"/>
+              </a:rPr>
+              <a:t>&lt;String&gt; words = </a:t>
+            </a:r>
+            <a:r>
+              <a:rPr lang="en-US" sz="2000" b="1">
+                <a:latin typeface="Courier New" panose="02070309020205020404" pitchFamily="49" charset="0"/>
+                <a:cs typeface="Courier New" panose="02070309020205020404" pitchFamily="49" charset="0"/>
+              </a:rPr>
+              <a:t>new</a:t>
+            </a:r>
+            <a:r>
+              <a:rPr lang="en-US" sz="2000">
+                <a:latin typeface="Courier New" panose="02070309020205020404" pitchFamily="49" charset="0"/>
+                <a:cs typeface="Courier New" panose="02070309020205020404" pitchFamily="49" charset="0"/>
+              </a:rPr>
+              <a:t> </a:t>
+            </a:r>
+            <a:r>
+              <a:rPr lang="en-US" sz="2000" err="1">
+                <a:latin typeface="Courier New" panose="02070309020205020404" pitchFamily="49" charset="0"/>
+                <a:cs typeface="Courier New" panose="02070309020205020404" pitchFamily="49" charset="0"/>
+              </a:rPr>
+              <a:t>ArrayList</a:t>
+            </a:r>
+            <a:r>
+              <a:rPr lang="en-US" sz="2000">
+                <a:latin typeface="Courier New" panose="02070309020205020404" pitchFamily="49" charset="0"/>
+                <a:cs typeface="Courier New" panose="02070309020205020404" pitchFamily="49" charset="0"/>
+              </a:rPr>
+              <a:t>&lt;String&gt;();</a:t>
+            </a:r>
+          </a:p>
+          <a:p>
+            <a:pPr marL="0" indent="0">
+              <a:buNone/>
+            </a:pPr>
+            <a:r>
+              <a:rPr lang="en-US" sz="2000" err="1">
+                <a:latin typeface="Courier New" panose="02070309020205020404" pitchFamily="49" charset="0"/>
+                <a:cs typeface="Courier New" panose="02070309020205020404" pitchFamily="49" charset="0"/>
+              </a:rPr>
+              <a:t>words.add</a:t>
+            </a:r>
+            <a:r>
+              <a:rPr lang="en-US" sz="2000">
+                <a:latin typeface="Courier New" panose="02070309020205020404" pitchFamily="49" charset="0"/>
+                <a:cs typeface="Courier New" panose="02070309020205020404" pitchFamily="49" charset="0"/>
+              </a:rPr>
+              <a:t>("Hello!");</a:t>
+            </a:r>
+          </a:p>
+          <a:p>
+            <a:pPr marL="0" indent="0">
+              <a:buNone/>
+            </a:pPr>
+            <a:r>
+              <a:rPr lang="en-US" sz="2000">
+                <a:latin typeface="Courier New" panose="02070309020205020404" pitchFamily="49" charset="0"/>
+                <a:cs typeface="Courier New" panose="02070309020205020404" pitchFamily="49" charset="0"/>
+              </a:rPr>
+              <a:t>int </a:t>
+            </a:r>
+            <a:r>
+              <a:rPr lang="en-US" sz="2000" err="1">
+                <a:latin typeface="Courier New" panose="02070309020205020404" pitchFamily="49" charset="0"/>
+                <a:cs typeface="Courier New" panose="02070309020205020404" pitchFamily="49" charset="0"/>
+              </a:rPr>
+              <a:t>wordsCount</a:t>
+            </a:r>
+            <a:r>
+              <a:rPr lang="en-US" sz="2000">
+                <a:latin typeface="Courier New" panose="02070309020205020404" pitchFamily="49" charset="0"/>
+                <a:cs typeface="Courier New" panose="02070309020205020404" pitchFamily="49" charset="0"/>
+              </a:rPr>
+              <a:t> = </a:t>
+            </a:r>
+            <a:r>
+              <a:rPr lang="en-US" sz="2000" err="1">
+                <a:latin typeface="Courier New" panose="02070309020205020404" pitchFamily="49" charset="0"/>
+                <a:cs typeface="Courier New" panose="02070309020205020404" pitchFamily="49" charset="0"/>
+              </a:rPr>
+              <a:t>words.size</a:t>
+            </a:r>
+            <a:r>
+              <a:rPr lang="en-US" sz="2000">
+                <a:latin typeface="Courier New" panose="02070309020205020404" pitchFamily="49" charset="0"/>
+                <a:cs typeface="Courier New" panose="02070309020205020404" pitchFamily="49" charset="0"/>
+              </a:rPr>
+              <a:t>();</a:t>
+            </a:r>
+          </a:p>
+          <a:p>
+            <a:pPr marL="0" indent="0">
+              <a:buNone/>
+            </a:pPr>
+            <a:r>
+              <a:rPr lang="en-US" sz="2000">
+                <a:latin typeface="Courier New" panose="02070309020205020404" pitchFamily="49" charset="0"/>
+                <a:cs typeface="Courier New" panose="02070309020205020404" pitchFamily="49" charset="0"/>
+              </a:rPr>
+              <a:t>// </a:t>
+            </a:r>
+            <a:r>
+              <a:rPr lang="en-US" sz="2000" err="1">
+                <a:latin typeface="Courier New" panose="02070309020205020404" pitchFamily="49" charset="0"/>
+                <a:cs typeface="Courier New" panose="02070309020205020404" pitchFamily="49" charset="0"/>
+              </a:rPr>
+              <a:t>ArrayList</a:t>
+            </a:r>
+            <a:r>
+              <a:rPr lang="en-US" sz="2000">
+                <a:latin typeface="Courier New" panose="02070309020205020404" pitchFamily="49" charset="0"/>
+                <a:cs typeface="Courier New" panose="02070309020205020404" pitchFamily="49" charset="0"/>
+              </a:rPr>
+              <a:t> uses 'size()'</a:t>
+            </a:r>
+          </a:p>
+          <a:p>
+            <a:pPr marL="0" indent="0">
+              <a:buNone/>
+            </a:pPr>
+            <a:endParaRPr lang="en-US" sz="2000">
+              <a:latin typeface="Courier New" panose="02070309020205020404" pitchFamily="49" charset="0"/>
+              <a:cs typeface="Courier New" panose="02070309020205020404" pitchFamily="49" charset="0"/>
+            </a:endParaRPr>
+          </a:p>
+          <a:p>
+            <a:pPr marL="0" indent="0">
+              <a:buNone/>
+            </a:pPr>
+            <a:r>
+              <a:rPr lang="en-US" sz="2000">
+                <a:latin typeface="Courier New" panose="02070309020205020404" pitchFamily="49" charset="0"/>
+                <a:cs typeface="Courier New" panose="02070309020205020404" pitchFamily="49" charset="0"/>
+              </a:rPr>
+              <a:t>String word = "Hello";</a:t>
+            </a:r>
+          </a:p>
+          <a:p>
+            <a:pPr marL="0" indent="0">
+              <a:buNone/>
+            </a:pPr>
+            <a:r>
+              <a:rPr lang="en-US" sz="2000">
+                <a:latin typeface="Courier New" panose="02070309020205020404" pitchFamily="49" charset="0"/>
+                <a:cs typeface="Courier New" panose="02070309020205020404" pitchFamily="49" charset="0"/>
+              </a:rPr>
+              <a:t>int </a:t>
+            </a:r>
+            <a:r>
+              <a:rPr lang="en-US" sz="2000" err="1">
+                <a:latin typeface="Courier New" panose="02070309020205020404" pitchFamily="49" charset="0"/>
+                <a:cs typeface="Courier New" panose="02070309020205020404" pitchFamily="49" charset="0"/>
+              </a:rPr>
+              <a:t>characterCount</a:t>
+            </a:r>
+            <a:r>
+              <a:rPr lang="en-US" sz="2000">
+                <a:latin typeface="Courier New" panose="02070309020205020404" pitchFamily="49" charset="0"/>
+                <a:cs typeface="Courier New" panose="02070309020205020404" pitchFamily="49" charset="0"/>
+              </a:rPr>
+              <a:t> = </a:t>
+            </a:r>
+            <a:r>
+              <a:rPr lang="en-US" sz="2000" err="1">
+                <a:latin typeface="Courier New" panose="02070309020205020404" pitchFamily="49" charset="0"/>
+                <a:cs typeface="Courier New" panose="02070309020205020404" pitchFamily="49" charset="0"/>
+              </a:rPr>
+              <a:t>word.length</a:t>
+            </a:r>
+            <a:r>
+              <a:rPr lang="en-US" sz="2000">
+                <a:latin typeface="Courier New" panose="02070309020205020404" pitchFamily="49" charset="0"/>
+                <a:cs typeface="Courier New" panose="02070309020205020404" pitchFamily="49" charset="0"/>
+              </a:rPr>
+              <a:t>();</a:t>
+            </a:r>
+          </a:p>
+          <a:p>
+            <a:pPr marL="0" indent="0">
+              <a:buNone/>
+            </a:pPr>
+            <a:r>
+              <a:rPr lang="en-US" sz="2000">
+                <a:latin typeface="Courier New" panose="02070309020205020404" pitchFamily="49" charset="0"/>
+                <a:cs typeface="Courier New" panose="02070309020205020404" pitchFamily="49" charset="0"/>
+              </a:rPr>
+              <a:t>// String uses length()</a:t>
+            </a:r>
+          </a:p>
+          <a:p>
+            <a:pPr marL="0" indent="0">
+              <a:buNone/>
+            </a:pPr>
+            <a:endParaRPr lang="en-US" sz="2000"/>
+          </a:p>
+        </p:txBody>
+      </p:sp>
+    </p:spTree>
+    <p:extLst>
+      <p:ext uri="{BB962C8B-B14F-4D97-AF65-F5344CB8AC3E}">
+        <p14:creationId xmlns:p14="http://schemas.microsoft.com/office/powerpoint/2010/main" val="1523975066"/>
+      </p:ext>
+    </p:extLst>
+  </p:cSld>
+  <p:clrMapOvr>
+    <a:masterClrMapping/>
+  </p:clrMapOvr>
+</p:sld>
+</file>
+
+<file path=ppt/slides/slide16.xml><?xml version="1.0" encoding="utf-8"?>
+<p:sld xmlns:a="http://schemas.openxmlformats.org/drawingml/2006/main" xmlns:r="http://schemas.openxmlformats.org/officeDocument/2006/relationships" xmlns:p="http://schemas.openxmlformats.org/presentationml/2006/main">
+  <p:cSld>
+    <p:spTree>
+      <p:nvGrpSpPr>
+        <p:cNvPr id="1" name=""/>
+        <p:cNvGrpSpPr/>
+        <p:nvPr/>
+      </p:nvGrpSpPr>
+      <p:grpSpPr>
+        <a:xfrm>
+          <a:off x="0" y="0"/>
+          <a:ext cx="0" cy="0"/>
+          <a:chOff x="0" y="0"/>
+          <a:chExt cx="0" cy="0"/>
+        </a:xfrm>
+      </p:grpSpPr>
       <p:sp>
         <p:nvSpPr>
           <p:cNvPr id="2" name="Title 1"/>
@@ -7600,7 +7859,7 @@
 </p:sld>
 </file>
 
-<file path=ppt/slides/slide13.xml><?xml version="1.0" encoding="utf-8"?>
+<file path=ppt/slides/slide17.xml><?xml version="1.0" encoding="utf-8"?>
 <p:sld xmlns:a="http://schemas.openxmlformats.org/drawingml/2006/main" xmlns:r="http://schemas.openxmlformats.org/officeDocument/2006/relationships" xmlns:p="http://schemas.openxmlformats.org/presentationml/2006/main">
   <p:cSld>
     <p:spTree>
@@ -8349,8 +8608,8 @@
           </p:nvSpPr>
           <p:spPr>
             <a:xfrm>
-              <a:off x="0" y="161175"/>
-              <a:ext cx="2590800" cy="1963650"/>
+              <a:off x="0" y="219670"/>
+              <a:ext cx="2590800" cy="1846659"/>
             </a:xfrm>
             <a:prstGeom prst="rect">
               <a:avLst/>
@@ -8363,7 +8622,7 @@
             <a:effectLst/>
             <a:extLst>
               <a:ext uri="{C572A759-6A51-4108-AA02-DFA0A04FC94B}">
-                <ma14:wrappingTextBoxFlag xmlns="" xmlns:ma14="http://schemas.microsoft.com/office/mac/drawingml/2011/main" val="1"/>
+                <ma14:wrappingTextBoxFlag xmlns:ma14="http://schemas.microsoft.com/office/mac/drawingml/2011/main" xmlns="" val="1"/>
               </a:ext>
             </a:extLst>
           </p:spPr>
@@ -8375,11 +8634,11 @@
             <a:p>
               <a:pPr marL="508000" lvl="0" indent="-508000">
                 <a:buSzPct val="100000"/>
-                <a:buFont typeface="Wingdings"/>
-                <a:buChar char="➢"/>
+                <a:buFont typeface="Courier New" panose="02070309020205020404" pitchFamily="49" charset="0"/>
+                <a:buChar char="o"/>
               </a:pPr>
               <a:r>
-                <a:rPr sz="2000">
+                <a:rPr sz="2000" dirty="0">
                   <a:solidFill>
                     <a:srgbClr val="FFFFFF"/>
                   </a:solidFill>
@@ -8387,7 +8646,7 @@
                 <a:t>No index variable </a:t>
               </a:r>
               <a:r>
-                <a:rPr sz="2000" b="1">
+                <a:rPr sz="2000" b="1" dirty="0">
                   <a:solidFill>
                     <a:srgbClr val="FFFFFF"/>
                   </a:solidFill>
@@ -8398,11 +8657,11 @@
             <a:p>
               <a:pPr marL="508000" lvl="0" indent="-508000">
                 <a:buSzPct val="100000"/>
-                <a:buFont typeface="Wingdings"/>
-                <a:buChar char="➢"/>
+                <a:buFont typeface="Courier New" panose="02070309020205020404" pitchFamily="49" charset="0"/>
+                <a:buChar char="o"/>
               </a:pPr>
               <a:r>
-                <a:rPr sz="2000">
+                <a:rPr sz="2000" dirty="0">
                   <a:solidFill>
                     <a:srgbClr val="FFFFFF"/>
                   </a:solidFill>
@@ -8410,7 +8669,7 @@
                 <a:t>Gives a name (</a:t>
               </a:r>
               <a:r>
-                <a:rPr sz="2000" b="1">
+                <a:rPr sz="2000" b="1" dirty="0">
                   <a:solidFill>
                     <a:srgbClr val="FFFFFF"/>
                   </a:solidFill>
@@ -8422,7 +8681,7 @@
                 <a:t>score</a:t>
               </a:r>
               <a:r>
-                <a:rPr sz="2000">
+                <a:rPr sz="2000" dirty="0">
                   <a:solidFill>
                     <a:srgbClr val="FFFFFF"/>
                   </a:solidFill>
@@ -8583,7 +8842,7 @@
             <a:effectLst/>
             <a:extLst>
               <a:ext uri="{C572A759-6A51-4108-AA02-DFA0A04FC94B}">
-                <ma14:wrappingTextBoxFlag xmlns="" xmlns:ma14="http://schemas.microsoft.com/office/mac/drawingml/2011/main" val="1"/>
+                <ma14:wrappingTextBoxFlag xmlns:ma14="http://schemas.microsoft.com/office/mac/drawingml/2011/main" xmlns="" val="1"/>
               </a:ext>
             </a:extLst>
           </p:spPr>
@@ -8755,776 +9014,6 @@
 </p:sld>
 </file>
 
-<file path=ppt/slides/slide14.xml><?xml version="1.0" encoding="utf-8"?>
-<p:sld xmlns:a="http://schemas.openxmlformats.org/drawingml/2006/main" xmlns:r="http://schemas.openxmlformats.org/officeDocument/2006/relationships" xmlns:p="http://schemas.openxmlformats.org/presentationml/2006/main">
-  <p:cSld>
-    <p:spTree>
-      <p:nvGrpSpPr>
-        <p:cNvPr id="1" name=""/>
-        <p:cNvGrpSpPr/>
-        <p:nvPr/>
-      </p:nvGrpSpPr>
-      <p:grpSpPr>
-        <a:xfrm>
-          <a:off x="0" y="0"/>
-          <a:ext cx="0" cy="0"/>
-          <a:chOff x="0" y="0"/>
-          <a:chExt cx="0" cy="0"/>
-        </a:xfrm>
-      </p:grpSpPr>
-      <p:sp>
-        <p:nvSpPr>
-          <p:cNvPr id="171" name="Shape 171"/>
-          <p:cNvSpPr>
-            <a:spLocks noGrp="1"/>
-          </p:cNvSpPr>
-          <p:nvPr>
-            <p:ph type="title"/>
-          </p:nvPr>
-        </p:nvSpPr>
-        <p:spPr>
-          <a:xfrm>
-            <a:off x="457200" y="274638"/>
-            <a:ext cx="8229600" cy="1143001"/>
-          </a:xfrm>
-          <a:prstGeom prst="rect">
-            <a:avLst/>
-          </a:prstGeom>
-        </p:spPr>
-        <p:txBody>
-          <a:bodyPr/>
-          <a:lstStyle/>
-          <a:p>
-            <a:pPr lvl="0">
-              <a:defRPr sz="1800"/>
-            </a:pPr>
-            <a:r>
-              <a:rPr sz="4400"/>
-              <a:t>Enhanced For and </a:t>
-            </a:r>
-            <a:r>
-              <a:rPr sz="4400" err="1"/>
-              <a:t>ArrayList’s</a:t>
-            </a:r>
-            <a:endParaRPr sz="4400"/>
-          </a:p>
-        </p:txBody>
-      </p:sp>
-      <p:sp>
-        <p:nvSpPr>
-          <p:cNvPr id="172" name="Shape 172"/>
-          <p:cNvSpPr>
-            <a:spLocks noGrp="1"/>
-          </p:cNvSpPr>
-          <p:nvPr>
-            <p:ph type="body" idx="1"/>
-          </p:nvPr>
-        </p:nvSpPr>
-        <p:spPr>
-          <a:xfrm>
-            <a:off x="152400" y="1295400"/>
-            <a:ext cx="8991600" cy="4711701"/>
-          </a:xfrm>
-          <a:prstGeom prst="rect">
-            <a:avLst/>
-          </a:prstGeom>
-        </p:spPr>
-        <p:txBody>
-          <a:bodyPr>
-            <a:normAutofit lnSpcReduction="10000"/>
-          </a:bodyPr>
-          <a:lstStyle/>
-          <a:p>
-            <a:pPr marL="0" lvl="0" indent="0">
-              <a:buClr>
-                <a:srgbClr val="9BBB59"/>
-              </a:buClr>
-              <a:buNone/>
-              <a:tabLst>
-                <a:tab pos="330200" algn="l"/>
-                <a:tab pos="620713" algn="l"/>
-                <a:tab pos="912813" algn="l"/>
-              </a:tabLst>
-              <a:defRPr sz="1800"/>
-            </a:pPr>
-            <a:r>
-              <a:rPr sz="3200" dirty="0" err="1">
-                <a:latin typeface="Courier New"/>
-                <a:ea typeface="Courier New"/>
-                <a:cs typeface="Courier New"/>
-                <a:sym typeface="Courier New"/>
-              </a:rPr>
-              <a:t>ArrayList</a:t>
-            </a:r>
-            <a:r>
-              <a:rPr sz="3200" dirty="0">
-                <a:latin typeface="Courier New"/>
-                <a:ea typeface="Courier New"/>
-                <a:cs typeface="Courier New"/>
-                <a:sym typeface="Courier New"/>
-              </a:rPr>
-              <a:t>&lt;State&gt; states = </a:t>
-            </a:r>
-            <a:r>
-              <a:rPr lang="en-US" sz="3200" b="1" dirty="0">
-                <a:latin typeface="Courier New"/>
-                <a:ea typeface="Courier New"/>
-                <a:cs typeface="Courier New"/>
-                <a:sym typeface="Courier New"/>
-              </a:rPr>
-              <a:t>new</a:t>
-            </a:r>
-            <a:r>
-              <a:rPr lang="en-US" sz="3200" dirty="0">
-                <a:latin typeface="Courier New"/>
-                <a:ea typeface="Courier New"/>
-                <a:cs typeface="Courier New"/>
-                <a:sym typeface="Courier New"/>
-              </a:rPr>
-              <a:t> </a:t>
-            </a:r>
-            <a:r>
-              <a:rPr sz="3200" dirty="0">
-                <a:latin typeface="Courier New"/>
-                <a:ea typeface="Courier New"/>
-                <a:cs typeface="Courier New"/>
-                <a:sym typeface="Courier New"/>
-              </a:rPr>
-              <a:t>…</a:t>
-            </a:r>
-            <a:br>
-              <a:rPr sz="3200" dirty="0">
-                <a:latin typeface="Courier New"/>
-                <a:ea typeface="Courier New"/>
-                <a:cs typeface="Courier New"/>
-                <a:sym typeface="Courier New"/>
-              </a:rPr>
-            </a:br>
-            <a:r>
-              <a:rPr sz="3200" dirty="0">
-                <a:latin typeface="Courier New"/>
-                <a:ea typeface="Courier New"/>
-                <a:cs typeface="Courier New"/>
-                <a:sym typeface="Courier New"/>
-              </a:rPr>
-              <a:t>int total = 0;</a:t>
-            </a:r>
-            <a:br>
-              <a:rPr sz="3200" dirty="0">
-                <a:latin typeface="Courier New"/>
-                <a:ea typeface="Courier New"/>
-                <a:cs typeface="Courier New"/>
-                <a:sym typeface="Courier New"/>
-              </a:rPr>
-            </a:br>
-            <a:r>
-              <a:rPr sz="3200" b="1" dirty="0">
-                <a:latin typeface="Courier New"/>
-                <a:ea typeface="Courier New"/>
-                <a:cs typeface="Courier New"/>
-                <a:sym typeface="Courier New"/>
-              </a:rPr>
-              <a:t>for</a:t>
-            </a:r>
-            <a:r>
-              <a:rPr sz="3200" dirty="0">
-                <a:latin typeface="Courier New"/>
-                <a:ea typeface="Courier New"/>
-                <a:cs typeface="Courier New"/>
-                <a:sym typeface="Courier New"/>
-              </a:rPr>
-              <a:t> (State </a:t>
-            </a:r>
-            <a:r>
-              <a:rPr lang="en-US" sz="3200" dirty="0" err="1">
-                <a:latin typeface="Courier New"/>
-                <a:ea typeface="Courier New"/>
-                <a:cs typeface="Courier New"/>
-                <a:sym typeface="Courier New"/>
-              </a:rPr>
-              <a:t>oneState</a:t>
-            </a:r>
-            <a:r>
-              <a:rPr sz="3200" dirty="0">
-                <a:latin typeface="Courier New"/>
-                <a:ea typeface="Courier New"/>
-                <a:cs typeface="Courier New"/>
-                <a:sym typeface="Courier New"/>
-              </a:rPr>
-              <a:t> : states) {</a:t>
-            </a:r>
-          </a:p>
-          <a:p>
-            <a:pPr marL="0" lvl="0" indent="0">
-              <a:buSzTx/>
-              <a:buNone/>
-              <a:tabLst>
-                <a:tab pos="330200" algn="l"/>
-                <a:tab pos="620713" algn="l"/>
-                <a:tab pos="912813" algn="l"/>
-              </a:tabLst>
-              <a:defRPr sz="1800"/>
-            </a:pPr>
-            <a:r>
-              <a:rPr lang="en-US" dirty="0">
-                <a:latin typeface="Courier New"/>
-                <a:ea typeface="Courier New"/>
-                <a:cs typeface="Courier New"/>
-                <a:sym typeface="Courier New"/>
-              </a:rPr>
-              <a:t>	</a:t>
-            </a:r>
-            <a:r>
-              <a:rPr sz="2800" dirty="0">
-                <a:latin typeface="Courier New"/>
-                <a:ea typeface="Courier New"/>
-                <a:cs typeface="Courier New"/>
-                <a:sym typeface="Courier New"/>
-              </a:rPr>
-              <a:t>total += </a:t>
-            </a:r>
-            <a:r>
-              <a:rPr lang="en-US" sz="2800" dirty="0" err="1">
-                <a:latin typeface="Courier New"/>
-                <a:ea typeface="Courier New"/>
-                <a:cs typeface="Courier New"/>
-                <a:sym typeface="Courier New"/>
-              </a:rPr>
-              <a:t>oneState</a:t>
-            </a:r>
-            <a:r>
-              <a:rPr sz="2800" dirty="0" err="1">
-                <a:latin typeface="Courier New"/>
-                <a:ea typeface="Courier New"/>
-                <a:cs typeface="Courier New"/>
-                <a:sym typeface="Courier New"/>
-              </a:rPr>
-              <a:t>.getElectoralVotes</a:t>
-            </a:r>
-            <a:r>
-              <a:rPr sz="2800" dirty="0">
-                <a:latin typeface="Courier New"/>
-                <a:ea typeface="Courier New"/>
-                <a:cs typeface="Courier New"/>
-                <a:sym typeface="Courier New"/>
-              </a:rPr>
-              <a:t>();</a:t>
-            </a:r>
-            <a:endParaRPr lang="en-US" sz="2800" dirty="0">
-              <a:latin typeface="Courier New"/>
-              <a:ea typeface="Courier New"/>
-              <a:cs typeface="Courier New"/>
-              <a:sym typeface="Courier New"/>
-            </a:endParaRPr>
-          </a:p>
-          <a:p>
-            <a:pPr marL="0" lvl="0" indent="0">
-              <a:buSzTx/>
-              <a:buNone/>
-              <a:tabLst>
-                <a:tab pos="330200" algn="l"/>
-                <a:tab pos="620713" algn="l"/>
-                <a:tab pos="912813" algn="l"/>
-              </a:tabLst>
-              <a:defRPr sz="1800"/>
-            </a:pPr>
-            <a:r>
-              <a:rPr sz="3200" dirty="0">
-                <a:latin typeface="Courier New"/>
-                <a:ea typeface="Courier New"/>
-                <a:cs typeface="Courier New"/>
-                <a:sym typeface="Courier New"/>
-              </a:rPr>
-              <a:t>}</a:t>
-            </a:r>
-            <a:r>
-              <a:rPr lang="en-US" sz="3200" dirty="0">
-                <a:latin typeface="Courier New"/>
-                <a:ea typeface="Courier New"/>
-                <a:cs typeface="Courier New"/>
-                <a:sym typeface="Courier New"/>
-              </a:rPr>
-              <a:t> // end for</a:t>
-            </a:r>
-          </a:p>
-          <a:p>
-            <a:pPr marL="0" lvl="0" indent="0">
-              <a:buSzTx/>
-              <a:buNone/>
-              <a:tabLst>
-                <a:tab pos="330200" algn="l"/>
-                <a:tab pos="620713" algn="l"/>
-                <a:tab pos="912813" algn="l"/>
-              </a:tabLst>
-              <a:defRPr sz="1800"/>
-            </a:pPr>
-            <a:r>
-              <a:rPr lang="en-US" sz="3200" dirty="0">
-                <a:latin typeface="Courier New"/>
-                <a:ea typeface="Courier New"/>
-                <a:cs typeface="Courier New"/>
-                <a:sym typeface="Courier New"/>
-              </a:rPr>
-              <a:t>	</a:t>
-            </a:r>
-          </a:p>
-          <a:p>
-            <a:pPr>
-              <a:defRPr sz="1800"/>
-            </a:pPr>
-            <a:r>
-              <a:rPr lang="en-US" sz="3200" dirty="0">
-                <a:latin typeface="+mj-lt"/>
-                <a:ea typeface="Courier New"/>
-                <a:cs typeface="Courier New"/>
-                <a:sym typeface="Courier New"/>
-              </a:rPr>
-              <a:t>State is a user defined class</a:t>
-            </a:r>
-          </a:p>
-          <a:p>
-            <a:pPr>
-              <a:defRPr sz="1800"/>
-            </a:pPr>
-            <a:r>
-              <a:rPr lang="en-US" sz="3200" dirty="0" err="1">
-                <a:latin typeface="+mj-lt"/>
-                <a:ea typeface="Courier New"/>
-                <a:cs typeface="Courier New"/>
-                <a:sym typeface="Courier New"/>
-              </a:rPr>
-              <a:t>getElectoralVotes</a:t>
-            </a:r>
-            <a:r>
-              <a:rPr lang="en-US" sz="3200" dirty="0">
-                <a:latin typeface="+mj-lt"/>
-                <a:ea typeface="Courier New"/>
-                <a:cs typeface="Courier New"/>
-                <a:sym typeface="Courier New"/>
-              </a:rPr>
-              <a:t>() is a method in State</a:t>
-            </a:r>
-            <a:br>
-              <a:rPr lang="en-US" sz="3200" dirty="0">
-                <a:latin typeface="+mj-lt"/>
-                <a:ea typeface="Courier New"/>
-                <a:cs typeface="Courier New"/>
-                <a:sym typeface="Courier New"/>
-              </a:rPr>
-            </a:br>
-            <a:r>
-              <a:rPr lang="en-US" sz="3200" dirty="0">
-                <a:latin typeface="+mj-lt"/>
-                <a:ea typeface="Courier New"/>
-                <a:cs typeface="Courier New"/>
-                <a:sym typeface="Courier New"/>
-              </a:rPr>
-              <a:t>which returns an </a:t>
-            </a:r>
-            <a:r>
-              <a:rPr lang="en-US" sz="3200" i="1" dirty="0">
-                <a:latin typeface="+mj-lt"/>
-                <a:ea typeface="Courier New"/>
-                <a:cs typeface="Courier New"/>
-                <a:sym typeface="Courier New"/>
-              </a:rPr>
-              <a:t>int</a:t>
-            </a:r>
-            <a:endParaRPr sz="3200" dirty="0">
-              <a:latin typeface="+mj-lt"/>
-              <a:ea typeface="Courier New"/>
-              <a:cs typeface="Courier New"/>
-              <a:sym typeface="Courier New"/>
-            </a:endParaRPr>
-          </a:p>
-        </p:txBody>
-      </p:sp>
-    </p:spTree>
-    <p:extLst>
-      <p:ext uri="{BB962C8B-B14F-4D97-AF65-F5344CB8AC3E}">
-        <p14:creationId xmlns:p14="http://schemas.microsoft.com/office/powerpoint/2010/main" val="1382428682"/>
-      </p:ext>
-    </p:extLst>
-  </p:cSld>
-  <p:clrMapOvr>
-    <a:masterClrMapping/>
-  </p:clrMapOvr>
-</p:sld>
-</file>
-
-<file path=ppt/slides/slide15.xml><?xml version="1.0" encoding="utf-8"?>
-<p:sld xmlns:a="http://schemas.openxmlformats.org/drawingml/2006/main" xmlns:r="http://schemas.openxmlformats.org/officeDocument/2006/relationships" xmlns:p="http://schemas.openxmlformats.org/presentationml/2006/main">
-  <p:cSld>
-    <p:spTree>
-      <p:nvGrpSpPr>
-        <p:cNvPr id="1" name=""/>
-        <p:cNvGrpSpPr/>
-        <p:nvPr/>
-      </p:nvGrpSpPr>
-      <p:grpSpPr>
-        <a:xfrm>
-          <a:off x="0" y="0"/>
-          <a:ext cx="0" cy="0"/>
-          <a:chOff x="0" y="0"/>
-          <a:chExt cx="0" cy="0"/>
-        </a:xfrm>
-      </p:grpSpPr>
-      <p:sp>
-        <p:nvSpPr>
-          <p:cNvPr id="3" name="Title 2"/>
-          <p:cNvSpPr>
-            <a:spLocks noGrp="1"/>
-          </p:cNvSpPr>
-          <p:nvPr>
-            <p:ph type="title"/>
-          </p:nvPr>
-        </p:nvSpPr>
-        <p:spPr/>
-        <p:txBody>
-          <a:bodyPr>
-            <a:normAutofit fontScale="90000"/>
-          </a:bodyPr>
-          <a:lstStyle/>
-          <a:p>
-            <a:r>
-              <a:rPr lang="en-US" dirty="0"/>
-              <a:t>Begin 2D Arrays Part of Today’s Discussion</a:t>
-            </a:r>
-          </a:p>
-        </p:txBody>
-      </p:sp>
-    </p:spTree>
-    <p:extLst>
-      <p:ext uri="{BB962C8B-B14F-4D97-AF65-F5344CB8AC3E}">
-        <p14:creationId xmlns:p14="http://schemas.microsoft.com/office/powerpoint/2010/main" val="4028601185"/>
-      </p:ext>
-    </p:extLst>
-  </p:cSld>
-  <p:clrMapOvr>
-    <a:masterClrMapping/>
-  </p:clrMapOvr>
-</p:sld>
-</file>
-
-<file path=ppt/slides/slide16.xml><?xml version="1.0" encoding="utf-8"?>
-<p:sld xmlns:a="http://schemas.openxmlformats.org/drawingml/2006/main" xmlns:r="http://schemas.openxmlformats.org/officeDocument/2006/relationships" xmlns:p="http://schemas.openxmlformats.org/presentationml/2006/main">
-  <p:cSld>
-    <p:spTree>
-      <p:nvGrpSpPr>
-        <p:cNvPr id="1" name=""/>
-        <p:cNvGrpSpPr/>
-        <p:nvPr/>
-      </p:nvGrpSpPr>
-      <p:grpSpPr>
-        <a:xfrm>
-          <a:off x="0" y="0"/>
-          <a:ext cx="0" cy="0"/>
-          <a:chOff x="0" y="0"/>
-          <a:chExt cx="0" cy="0"/>
-        </a:xfrm>
-      </p:grpSpPr>
-      <p:sp>
-        <p:nvSpPr>
-          <p:cNvPr id="2" name="Title 1"/>
-          <p:cNvSpPr>
-            <a:spLocks noGrp="1"/>
-          </p:cNvSpPr>
-          <p:nvPr>
-            <p:ph type="title"/>
-          </p:nvPr>
-        </p:nvSpPr>
-        <p:spPr/>
-        <p:txBody>
-          <a:bodyPr>
-            <a:normAutofit fontScale="90000"/>
-          </a:bodyPr>
-          <a:lstStyle/>
-          <a:p>
-            <a:r>
-              <a:rPr lang="en-US" dirty="0"/>
-              <a:t>2D Arrays – What, When, Why, How?</a:t>
-            </a:r>
-          </a:p>
-        </p:txBody>
-      </p:sp>
-      <p:sp>
-        <p:nvSpPr>
-          <p:cNvPr id="3" name="Content Placeholder 2"/>
-          <p:cNvSpPr>
-            <a:spLocks noGrp="1"/>
-          </p:cNvSpPr>
-          <p:nvPr>
-            <p:ph idx="1"/>
-          </p:nvPr>
-        </p:nvSpPr>
-        <p:spPr/>
-        <p:txBody>
-          <a:bodyPr>
-            <a:normAutofit lnSpcReduction="10000"/>
-          </a:bodyPr>
-          <a:lstStyle/>
-          <a:p>
-            <a:pPr marL="0" indent="0">
-              <a:buNone/>
-            </a:pPr>
-            <a:r>
-              <a:rPr lang="en-US" dirty="0"/>
-              <a:t>What:</a:t>
-            </a:r>
-          </a:p>
-          <a:p>
-            <a:r>
-              <a:rPr lang="en-US" dirty="0"/>
-              <a:t>Think of them as an array of arrays</a:t>
-            </a:r>
-          </a:p>
-          <a:p>
-            <a:r>
-              <a:rPr lang="is-IS" dirty="0"/>
-              <a:t>… or</a:t>
-            </a:r>
-            <a:r>
-              <a:rPr lang="en-US" dirty="0"/>
-              <a:t> as a grid with rows &amp; columns</a:t>
-            </a:r>
-          </a:p>
-          <a:p>
-            <a:pPr marL="0" indent="0">
-              <a:buNone/>
-            </a:pPr>
-            <a:r>
-              <a:rPr lang="en-US" dirty="0"/>
-              <a:t>When:</a:t>
-            </a:r>
-          </a:p>
-          <a:p>
-            <a:pPr lvl="1"/>
-            <a:r>
-              <a:rPr lang="en-US" dirty="0"/>
-              <a:t>Represent 2 dimensional data</a:t>
-            </a:r>
-          </a:p>
-          <a:p>
-            <a:pPr lvl="2"/>
-            <a:r>
-              <a:rPr lang="en-US" dirty="0"/>
-              <a:t>Game Boards</a:t>
-            </a:r>
-          </a:p>
-          <a:p>
-            <a:pPr lvl="2"/>
-            <a:r>
-              <a:rPr lang="en-US" dirty="0"/>
-              <a:t>Tables</a:t>
-            </a:r>
-          </a:p>
-          <a:p>
-            <a:pPr lvl="2"/>
-            <a:r>
-              <a:rPr lang="en-US" dirty="0"/>
-              <a:t>Multiple lists of items</a:t>
-            </a:r>
-          </a:p>
-          <a:p>
-            <a:pPr lvl="2"/>
-            <a:r>
-              <a:rPr lang="en-US" dirty="0"/>
-              <a:t>Etc.</a:t>
-            </a:r>
-          </a:p>
-          <a:p>
-            <a:endParaRPr lang="en-US" dirty="0"/>
-          </a:p>
-        </p:txBody>
-      </p:sp>
-    </p:spTree>
-    <p:extLst>
-      <p:ext uri="{BB962C8B-B14F-4D97-AF65-F5344CB8AC3E}">
-        <p14:creationId xmlns:p14="http://schemas.microsoft.com/office/powerpoint/2010/main" val="3217275776"/>
-      </p:ext>
-    </p:extLst>
-  </p:cSld>
-  <p:clrMapOvr>
-    <a:masterClrMapping/>
-  </p:clrMapOvr>
-</p:sld>
-</file>
-
-<file path=ppt/slides/slide17.xml><?xml version="1.0" encoding="utf-8"?>
-<p:sld xmlns:a="http://schemas.openxmlformats.org/drawingml/2006/main" xmlns:r="http://schemas.openxmlformats.org/officeDocument/2006/relationships" xmlns:p="http://schemas.openxmlformats.org/presentationml/2006/main">
-  <p:cSld>
-    <p:spTree>
-      <p:nvGrpSpPr>
-        <p:cNvPr id="1" name=""/>
-        <p:cNvGrpSpPr/>
-        <p:nvPr/>
-      </p:nvGrpSpPr>
-      <p:grpSpPr>
-        <a:xfrm>
-          <a:off x="0" y="0"/>
-          <a:ext cx="0" cy="0"/>
-          <a:chOff x="0" y="0"/>
-          <a:chExt cx="0" cy="0"/>
-        </a:xfrm>
-      </p:grpSpPr>
-      <p:sp>
-        <p:nvSpPr>
-          <p:cNvPr id="2" name="Title 1"/>
-          <p:cNvSpPr>
-            <a:spLocks noGrp="1"/>
-          </p:cNvSpPr>
-          <p:nvPr>
-            <p:ph type="title"/>
-          </p:nvPr>
-        </p:nvSpPr>
-        <p:spPr/>
-        <p:txBody>
-          <a:bodyPr>
-            <a:normAutofit fontScale="90000"/>
-          </a:bodyPr>
-          <a:lstStyle/>
-          <a:p>
-            <a:r>
-              <a:rPr lang="en-US" dirty="0"/>
-              <a:t>2D Arrays – What, When, Why, How?</a:t>
-            </a:r>
-          </a:p>
-        </p:txBody>
-      </p:sp>
-      <p:sp>
-        <p:nvSpPr>
-          <p:cNvPr id="3" name="Content Placeholder 2"/>
-          <p:cNvSpPr>
-            <a:spLocks noGrp="1"/>
-          </p:cNvSpPr>
-          <p:nvPr>
-            <p:ph idx="1"/>
-          </p:nvPr>
-        </p:nvSpPr>
-        <p:spPr>
-          <a:xfrm>
-            <a:off x="457200" y="1600200"/>
-            <a:ext cx="8534400" cy="4876800"/>
-          </a:xfrm>
-        </p:spPr>
-        <p:txBody>
-          <a:bodyPr>
-            <a:normAutofit/>
-          </a:bodyPr>
-          <a:lstStyle/>
-          <a:p>
-            <a:pPr marL="0" indent="0">
-              <a:buNone/>
-            </a:pPr>
-            <a:r>
-              <a:rPr lang="en-US" dirty="0"/>
-              <a:t>Why:</a:t>
-            </a:r>
-          </a:p>
-          <a:p>
-            <a:r>
-              <a:rPr lang="en-US" dirty="0"/>
-              <a:t>Match your data representation as closely as possible to the real-world</a:t>
-            </a:r>
-          </a:p>
-          <a:p>
-            <a:pPr marL="0" indent="0">
-              <a:buNone/>
-            </a:pPr>
-            <a:r>
-              <a:rPr lang="en-US" dirty="0"/>
-              <a:t>How:</a:t>
-            </a:r>
-          </a:p>
-          <a:p>
-            <a:r>
-              <a:rPr lang="en-US" dirty="0"/>
-              <a:t>char[][] </a:t>
-            </a:r>
-            <a:r>
-              <a:rPr lang="en-US" dirty="0" err="1"/>
-              <a:t>ticTacToe</a:t>
-            </a:r>
-            <a:r>
-              <a:rPr lang="en-US" dirty="0"/>
-              <a:t> = new char[3][3];</a:t>
-            </a:r>
-          </a:p>
-          <a:p>
-            <a:r>
-              <a:rPr lang="en-US" dirty="0"/>
-              <a:t>Retrieving data</a:t>
-            </a:r>
-          </a:p>
-          <a:p>
-            <a:pPr lvl="1"/>
-            <a:r>
-              <a:rPr lang="en-US" dirty="0" err="1"/>
-              <a:t>ticTacToe</a:t>
-            </a:r>
-            <a:r>
-              <a:rPr lang="en-US" dirty="0"/>
-              <a:t>[0] </a:t>
-            </a:r>
-            <a:r>
-              <a:rPr lang="en-US" dirty="0">
-                <a:sym typeface="Wingdings" panose="05000000000000000000" pitchFamily="2" charset="2"/>
-              </a:rPr>
-              <a:t></a:t>
-            </a:r>
-            <a:r>
-              <a:rPr lang="en-US" dirty="0"/>
-              <a:t> Gets the first char[] </a:t>
-            </a:r>
-          </a:p>
-          <a:p>
-            <a:pPr lvl="1"/>
-            <a:r>
-              <a:rPr lang="en-US" dirty="0" err="1"/>
-              <a:t>ticTacToe</a:t>
-            </a:r>
-            <a:r>
-              <a:rPr lang="en-US" dirty="0"/>
-              <a:t>[1][2] </a:t>
-            </a:r>
-            <a:r>
-              <a:rPr lang="en-US" dirty="0">
-                <a:sym typeface="Wingdings" panose="05000000000000000000" pitchFamily="2" charset="2"/>
-              </a:rPr>
-              <a:t>Gets the second array’s third item</a:t>
-            </a:r>
-            <a:endParaRPr lang="en-US" dirty="0"/>
-          </a:p>
-          <a:p>
-            <a:endParaRPr lang="en-US" dirty="0"/>
-          </a:p>
-          <a:p>
-            <a:pPr marL="0" indent="0">
-              <a:buNone/>
-            </a:pPr>
-            <a:endParaRPr lang="en-US" dirty="0"/>
-          </a:p>
-          <a:p>
-            <a:pPr marL="0" indent="0">
-              <a:buNone/>
-            </a:pPr>
-            <a:endParaRPr lang="en-US" dirty="0"/>
-          </a:p>
-        </p:txBody>
-      </p:sp>
-    </p:spTree>
-    <p:extLst>
-      <p:ext uri="{BB962C8B-B14F-4D97-AF65-F5344CB8AC3E}">
-        <p14:creationId xmlns:p14="http://schemas.microsoft.com/office/powerpoint/2010/main" val="1265363463"/>
-      </p:ext>
-    </p:extLst>
-  </p:cSld>
-  <p:clrMapOvr>
-    <a:masterClrMapping/>
-  </p:clrMapOvr>
-</p:sld>
-</file>
-
 <file path=ppt/slides/slide18.xml><?xml version="1.0" encoding="utf-8"?>
 <p:sld xmlns:a="http://schemas.openxmlformats.org/drawingml/2006/main" xmlns:r="http://schemas.openxmlformats.org/officeDocument/2006/relationships" xmlns:p="http://schemas.openxmlformats.org/presentationml/2006/main">
   <p:cSld>
@@ -9544,7 +9033,7 @@
       </p:grpSpPr>
       <p:sp>
         <p:nvSpPr>
-          <p:cNvPr id="2" name="Title 1"/>
+          <p:cNvPr id="171" name="Shape 171"/>
           <p:cNvSpPr>
             <a:spLocks noGrp="1"/>
           </p:cNvSpPr>
@@ -9552,70 +9041,367 @@
             <p:ph type="title"/>
           </p:nvPr>
         </p:nvSpPr>
-        <p:spPr/>
-        <p:txBody>
-          <a:bodyPr/>
-          <a:lstStyle/>
-          <a:p>
-            <a:r>
-              <a:rPr lang="en-US" dirty="0"/>
-              <a:t>Creating a 2D char array</a:t>
-            </a:r>
-          </a:p>
-        </p:txBody>
-      </p:sp>
-      <p:pic>
-        <p:nvPicPr>
-          <p:cNvPr id="4" name="Picture 3"/>
-          <p:cNvPicPr>
-            <a:picLocks noChangeAspect="1"/>
-          </p:cNvPicPr>
-          <p:nvPr/>
-        </p:nvPicPr>
-        <p:blipFill>
-          <a:blip r:embed="rId2"/>
-          <a:stretch>
-            <a:fillRect/>
-          </a:stretch>
-        </p:blipFill>
         <p:spPr>
           <a:xfrm>
-            <a:off x="791317" y="1417638"/>
-            <a:ext cx="7515225" cy="809625"/>
+            <a:off x="457200" y="274638"/>
+            <a:ext cx="8229600" cy="1143001"/>
           </a:xfrm>
           <a:prstGeom prst="rect">
             <a:avLst/>
           </a:prstGeom>
         </p:spPr>
-      </p:pic>
-      <p:pic>
-        <p:nvPicPr>
-          <p:cNvPr id="5" name="Picture 4"/>
-          <p:cNvPicPr>
-            <a:picLocks noChangeAspect="1"/>
-          </p:cNvPicPr>
-          <p:nvPr/>
-        </p:nvPicPr>
-        <p:blipFill>
-          <a:blip r:embed="rId3"/>
-          <a:stretch>
-            <a:fillRect/>
-          </a:stretch>
-        </p:blipFill>
+        <p:txBody>
+          <a:bodyPr/>
+          <a:lstStyle/>
+          <a:p>
+            <a:pPr lvl="0">
+              <a:defRPr sz="1800"/>
+            </a:pPr>
+            <a:r>
+              <a:rPr sz="4400"/>
+              <a:t>Enhanced For and </a:t>
+            </a:r>
+            <a:r>
+              <a:rPr sz="4400" err="1"/>
+              <a:t>ArrayList’s</a:t>
+            </a:r>
+            <a:endParaRPr sz="4400"/>
+          </a:p>
+        </p:txBody>
+      </p:sp>
+      <p:sp>
+        <p:nvSpPr>
+          <p:cNvPr id="172" name="Shape 172"/>
+          <p:cNvSpPr>
+            <a:spLocks noGrp="1"/>
+          </p:cNvSpPr>
+          <p:nvPr>
+            <p:ph type="body" idx="1"/>
+          </p:nvPr>
+        </p:nvSpPr>
         <p:spPr>
           <a:xfrm>
-            <a:off x="1676400" y="2209800"/>
-            <a:ext cx="5632498" cy="4533900"/>
+            <a:off x="152400" y="1295400"/>
+            <a:ext cx="8991600" cy="4711701"/>
           </a:xfrm>
           <a:prstGeom prst="rect">
             <a:avLst/>
           </a:prstGeom>
         </p:spPr>
-      </p:pic>
+        <p:txBody>
+          <a:bodyPr>
+            <a:normAutofit lnSpcReduction="10000"/>
+          </a:bodyPr>
+          <a:lstStyle/>
+          <a:p>
+            <a:pPr marL="0" lvl="0" indent="0">
+              <a:buClr>
+                <a:srgbClr val="9BBB59"/>
+              </a:buClr>
+              <a:buNone/>
+              <a:tabLst>
+                <a:tab pos="330200" algn="l"/>
+                <a:tab pos="620713" algn="l"/>
+                <a:tab pos="912813" algn="l"/>
+              </a:tabLst>
+              <a:defRPr sz="1800"/>
+            </a:pPr>
+            <a:r>
+              <a:rPr sz="3200" dirty="0" err="1">
+                <a:latin typeface="Courier New"/>
+                <a:ea typeface="Courier New"/>
+                <a:cs typeface="Courier New"/>
+                <a:sym typeface="Courier New"/>
+              </a:rPr>
+              <a:t>ArrayList</a:t>
+            </a:r>
+            <a:r>
+              <a:rPr sz="3200" dirty="0">
+                <a:latin typeface="Courier New"/>
+                <a:ea typeface="Courier New"/>
+                <a:cs typeface="Courier New"/>
+                <a:sym typeface="Courier New"/>
+              </a:rPr>
+              <a:t>&lt;State&gt; states = </a:t>
+            </a:r>
+            <a:r>
+              <a:rPr lang="en-US" sz="3200" b="1" dirty="0">
+                <a:latin typeface="Courier New"/>
+                <a:ea typeface="Courier New"/>
+                <a:cs typeface="Courier New"/>
+                <a:sym typeface="Courier New"/>
+              </a:rPr>
+              <a:t>new</a:t>
+            </a:r>
+            <a:r>
+              <a:rPr lang="en-US" sz="3200" dirty="0">
+                <a:latin typeface="Courier New"/>
+                <a:ea typeface="Courier New"/>
+                <a:cs typeface="Courier New"/>
+                <a:sym typeface="Courier New"/>
+              </a:rPr>
+              <a:t> </a:t>
+            </a:r>
+            <a:r>
+              <a:rPr sz="3200" dirty="0">
+                <a:latin typeface="Courier New"/>
+                <a:ea typeface="Courier New"/>
+                <a:cs typeface="Courier New"/>
+                <a:sym typeface="Courier New"/>
+              </a:rPr>
+              <a:t>…</a:t>
+            </a:r>
+            <a:br>
+              <a:rPr sz="3200" dirty="0">
+                <a:latin typeface="Courier New"/>
+                <a:ea typeface="Courier New"/>
+                <a:cs typeface="Courier New"/>
+                <a:sym typeface="Courier New"/>
+              </a:rPr>
+            </a:br>
+            <a:r>
+              <a:rPr sz="3200" dirty="0">
+                <a:latin typeface="Courier New"/>
+                <a:ea typeface="Courier New"/>
+                <a:cs typeface="Courier New"/>
+                <a:sym typeface="Courier New"/>
+              </a:rPr>
+              <a:t>int total = 0;</a:t>
+            </a:r>
+            <a:br>
+              <a:rPr sz="3200" dirty="0">
+                <a:latin typeface="Courier New"/>
+                <a:ea typeface="Courier New"/>
+                <a:cs typeface="Courier New"/>
+                <a:sym typeface="Courier New"/>
+              </a:rPr>
+            </a:br>
+            <a:r>
+              <a:rPr sz="3200" b="1" dirty="0">
+                <a:latin typeface="Courier New"/>
+                <a:ea typeface="Courier New"/>
+                <a:cs typeface="Courier New"/>
+                <a:sym typeface="Courier New"/>
+              </a:rPr>
+              <a:t>for</a:t>
+            </a:r>
+            <a:r>
+              <a:rPr sz="3200" dirty="0">
+                <a:latin typeface="Courier New"/>
+                <a:ea typeface="Courier New"/>
+                <a:cs typeface="Courier New"/>
+                <a:sym typeface="Courier New"/>
+              </a:rPr>
+              <a:t> (State </a:t>
+            </a:r>
+            <a:r>
+              <a:rPr lang="en-US" sz="3200" dirty="0" err="1">
+                <a:latin typeface="Courier New"/>
+                <a:ea typeface="Courier New"/>
+                <a:cs typeface="Courier New"/>
+                <a:sym typeface="Courier New"/>
+              </a:rPr>
+              <a:t>oneState</a:t>
+            </a:r>
+            <a:r>
+              <a:rPr sz="3200" dirty="0">
+                <a:latin typeface="Courier New"/>
+                <a:ea typeface="Courier New"/>
+                <a:cs typeface="Courier New"/>
+                <a:sym typeface="Courier New"/>
+              </a:rPr>
+              <a:t> : states) {</a:t>
+            </a:r>
+          </a:p>
+          <a:p>
+            <a:pPr marL="0" lvl="0" indent="0">
+              <a:buSzTx/>
+              <a:buNone/>
+              <a:tabLst>
+                <a:tab pos="330200" algn="l"/>
+                <a:tab pos="620713" algn="l"/>
+                <a:tab pos="912813" algn="l"/>
+              </a:tabLst>
+              <a:defRPr sz="1800"/>
+            </a:pPr>
+            <a:r>
+              <a:rPr lang="en-US" dirty="0">
+                <a:latin typeface="Courier New"/>
+                <a:ea typeface="Courier New"/>
+                <a:cs typeface="Courier New"/>
+                <a:sym typeface="Courier New"/>
+              </a:rPr>
+              <a:t>	</a:t>
+            </a:r>
+            <a:r>
+              <a:rPr sz="2800" dirty="0">
+                <a:latin typeface="Courier New"/>
+                <a:ea typeface="Courier New"/>
+                <a:cs typeface="Courier New"/>
+                <a:sym typeface="Courier New"/>
+              </a:rPr>
+              <a:t>total += </a:t>
+            </a:r>
+            <a:r>
+              <a:rPr lang="en-US" sz="2800" dirty="0" err="1">
+                <a:latin typeface="Courier New"/>
+                <a:ea typeface="Courier New"/>
+                <a:cs typeface="Courier New"/>
+                <a:sym typeface="Courier New"/>
+              </a:rPr>
+              <a:t>oneState</a:t>
+            </a:r>
+            <a:r>
+              <a:rPr sz="2800" dirty="0" err="1">
+                <a:latin typeface="Courier New"/>
+                <a:ea typeface="Courier New"/>
+                <a:cs typeface="Courier New"/>
+                <a:sym typeface="Courier New"/>
+              </a:rPr>
+              <a:t>.getElectoralVotes</a:t>
+            </a:r>
+            <a:r>
+              <a:rPr sz="2800" dirty="0">
+                <a:latin typeface="Courier New"/>
+                <a:ea typeface="Courier New"/>
+                <a:cs typeface="Courier New"/>
+                <a:sym typeface="Courier New"/>
+              </a:rPr>
+              <a:t>();</a:t>
+            </a:r>
+            <a:endParaRPr lang="en-US" sz="2800" dirty="0">
+              <a:latin typeface="Courier New"/>
+              <a:ea typeface="Courier New"/>
+              <a:cs typeface="Courier New"/>
+              <a:sym typeface="Courier New"/>
+            </a:endParaRPr>
+          </a:p>
+          <a:p>
+            <a:pPr marL="0" lvl="0" indent="0">
+              <a:buSzTx/>
+              <a:buNone/>
+              <a:tabLst>
+                <a:tab pos="330200" algn="l"/>
+                <a:tab pos="620713" algn="l"/>
+                <a:tab pos="912813" algn="l"/>
+              </a:tabLst>
+              <a:defRPr sz="1800"/>
+            </a:pPr>
+            <a:r>
+              <a:rPr sz="3200" dirty="0">
+                <a:latin typeface="Courier New"/>
+                <a:ea typeface="Courier New"/>
+                <a:cs typeface="Courier New"/>
+                <a:sym typeface="Courier New"/>
+              </a:rPr>
+              <a:t>}</a:t>
+            </a:r>
+            <a:r>
+              <a:rPr lang="en-US" sz="3200" dirty="0">
+                <a:latin typeface="Courier New"/>
+                <a:ea typeface="Courier New"/>
+                <a:cs typeface="Courier New"/>
+                <a:sym typeface="Courier New"/>
+              </a:rPr>
+              <a:t> // end for</a:t>
+            </a:r>
+          </a:p>
+          <a:p>
+            <a:pPr marL="0" lvl="0" indent="0">
+              <a:buSzTx/>
+              <a:buNone/>
+              <a:tabLst>
+                <a:tab pos="330200" algn="l"/>
+                <a:tab pos="620713" algn="l"/>
+                <a:tab pos="912813" algn="l"/>
+              </a:tabLst>
+              <a:defRPr sz="1800"/>
+            </a:pPr>
+            <a:r>
+              <a:rPr lang="en-US" sz="3200" dirty="0">
+                <a:latin typeface="Courier New"/>
+                <a:ea typeface="Courier New"/>
+                <a:cs typeface="Courier New"/>
+                <a:sym typeface="Courier New"/>
+              </a:rPr>
+              <a:t>	</a:t>
+            </a:r>
+          </a:p>
+          <a:p>
+            <a:pPr>
+              <a:defRPr sz="1800"/>
+            </a:pPr>
+            <a:r>
+              <a:rPr lang="en-US" sz="3200" dirty="0">
+                <a:latin typeface="+mj-lt"/>
+                <a:ea typeface="Courier New"/>
+                <a:cs typeface="Courier New"/>
+                <a:sym typeface="Courier New"/>
+              </a:rPr>
+              <a:t>State is a user defined class</a:t>
+            </a:r>
+          </a:p>
+          <a:p>
+            <a:pPr>
+              <a:defRPr sz="1800"/>
+            </a:pPr>
+            <a:r>
+              <a:rPr lang="en-US" sz="3200" dirty="0" err="1">
+                <a:latin typeface="+mj-lt"/>
+                <a:ea typeface="Courier New"/>
+                <a:cs typeface="Courier New"/>
+                <a:sym typeface="Courier New"/>
+              </a:rPr>
+              <a:t>getElectoralVotes</a:t>
+            </a:r>
+            <a:r>
+              <a:rPr lang="en-US" sz="3200" dirty="0">
+                <a:latin typeface="+mj-lt"/>
+                <a:ea typeface="Courier New"/>
+                <a:cs typeface="Courier New"/>
+                <a:sym typeface="Courier New"/>
+              </a:rPr>
+              <a:t>() is a method in State</a:t>
+            </a:r>
+            <a:br>
+              <a:rPr lang="en-US" sz="3200" dirty="0">
+                <a:latin typeface="+mj-lt"/>
+                <a:ea typeface="Courier New"/>
+                <a:cs typeface="Courier New"/>
+                <a:sym typeface="Courier New"/>
+              </a:rPr>
+            </a:br>
+            <a:r>
+              <a:rPr lang="en-US" sz="3200" dirty="0">
+                <a:latin typeface="+mj-lt"/>
+                <a:ea typeface="Courier New"/>
+                <a:cs typeface="Courier New"/>
+                <a:sym typeface="Courier New"/>
+              </a:rPr>
+              <a:t>which returns an </a:t>
+            </a:r>
+            <a:r>
+              <a:rPr lang="en-US" sz="3200" i="1" dirty="0">
+                <a:latin typeface="+mj-lt"/>
+                <a:ea typeface="Courier New"/>
+                <a:cs typeface="Courier New"/>
+                <a:sym typeface="Courier New"/>
+              </a:rPr>
+              <a:t>int</a:t>
+            </a:r>
+            <a:endParaRPr sz="3200" dirty="0">
+              <a:latin typeface="+mj-lt"/>
+              <a:ea typeface="Courier New"/>
+              <a:cs typeface="Courier New"/>
+              <a:sym typeface="Courier New"/>
+            </a:endParaRPr>
+          </a:p>
+        </p:txBody>
+      </p:sp>
     </p:spTree>
     <p:extLst>
       <p:ext uri="{BB962C8B-B14F-4D97-AF65-F5344CB8AC3E}">
-        <p14:creationId xmlns:p14="http://schemas.microsoft.com/office/powerpoint/2010/main" val="2605874023"/>
+        <p14:creationId xmlns:p14="http://schemas.microsoft.com/office/powerpoint/2010/main" val="1382428682"/>
       </p:ext>
     </p:extLst>
   </p:cSld>
@@ -9644,7 +9430,7 @@
       </p:grpSpPr>
       <p:sp>
         <p:nvSpPr>
-          <p:cNvPr id="2" name="Title 1"/>
+          <p:cNvPr id="3" name="Title 2"/>
           <p:cNvSpPr>
             <a:spLocks noGrp="1"/>
           </p:cNvSpPr>
@@ -9654,68 +9440,22 @@
         </p:nvSpPr>
         <p:spPr/>
         <p:txBody>
-          <a:bodyPr/>
+          <a:bodyPr>
+            <a:normAutofit fontScale="90000"/>
+          </a:bodyPr>
           <a:lstStyle/>
           <a:p>
             <a:r>
               <a:rPr lang="en-US" dirty="0"/>
-              <a:t>Creating a 2D char array</a:t>
-            </a:r>
-          </a:p>
-        </p:txBody>
-      </p:sp>
-      <p:pic>
-        <p:nvPicPr>
-          <p:cNvPr id="4" name="Picture 3"/>
-          <p:cNvPicPr>
-            <a:picLocks noChangeAspect="1"/>
-          </p:cNvPicPr>
-          <p:nvPr/>
-        </p:nvPicPr>
-        <p:blipFill>
-          <a:blip r:embed="rId2"/>
-          <a:stretch>
-            <a:fillRect/>
-          </a:stretch>
-        </p:blipFill>
-        <p:spPr>
-          <a:xfrm>
-            <a:off x="791317" y="1417638"/>
-            <a:ext cx="7515225" cy="809625"/>
-          </a:xfrm>
-          <a:prstGeom prst="rect">
-            <a:avLst/>
-          </a:prstGeom>
-        </p:spPr>
-      </p:pic>
-      <p:pic>
-        <p:nvPicPr>
-          <p:cNvPr id="3" name="Picture 2"/>
-          <p:cNvPicPr>
-            <a:picLocks noChangeAspect="1"/>
-          </p:cNvPicPr>
-          <p:nvPr/>
-        </p:nvPicPr>
-        <p:blipFill>
-          <a:blip r:embed="rId3"/>
-          <a:stretch>
-            <a:fillRect/>
-          </a:stretch>
-        </p:blipFill>
-        <p:spPr>
-          <a:xfrm>
-            <a:off x="1676400" y="2202795"/>
-            <a:ext cx="5636440" cy="4537074"/>
-          </a:xfrm>
-          <a:prstGeom prst="rect">
-            <a:avLst/>
-          </a:prstGeom>
-        </p:spPr>
-      </p:pic>
+              <a:t>Begin 2D Arrays Part of Today’s Discussion</a:t>
+            </a:r>
+          </a:p>
+        </p:txBody>
+      </p:sp>
     </p:spTree>
     <p:extLst>
       <p:ext uri="{BB962C8B-B14F-4D97-AF65-F5344CB8AC3E}">
-        <p14:creationId xmlns:p14="http://schemas.microsoft.com/office/powerpoint/2010/main" val="1141841959"/>
+        <p14:creationId xmlns:p14="http://schemas.microsoft.com/office/powerpoint/2010/main" val="4028601185"/>
       </p:ext>
     </p:extLst>
   </p:cSld>
@@ -9859,6 +9599,525 @@
         </p:nvSpPr>
         <p:spPr/>
         <p:txBody>
+          <a:bodyPr>
+            <a:normAutofit fontScale="90000"/>
+          </a:bodyPr>
+          <a:lstStyle/>
+          <a:p>
+            <a:r>
+              <a:rPr lang="en-US" dirty="0"/>
+              <a:t>2D Arrays – What, When, Why, How?</a:t>
+            </a:r>
+          </a:p>
+        </p:txBody>
+      </p:sp>
+      <p:sp>
+        <p:nvSpPr>
+          <p:cNvPr id="3" name="Content Placeholder 2"/>
+          <p:cNvSpPr>
+            <a:spLocks noGrp="1"/>
+          </p:cNvSpPr>
+          <p:nvPr>
+            <p:ph idx="1"/>
+          </p:nvPr>
+        </p:nvSpPr>
+        <p:spPr/>
+        <p:txBody>
+          <a:bodyPr>
+            <a:normAutofit lnSpcReduction="10000"/>
+          </a:bodyPr>
+          <a:lstStyle/>
+          <a:p>
+            <a:pPr marL="0" indent="0">
+              <a:buNone/>
+            </a:pPr>
+            <a:r>
+              <a:rPr lang="en-US" dirty="0"/>
+              <a:t>What:</a:t>
+            </a:r>
+          </a:p>
+          <a:p>
+            <a:r>
+              <a:rPr lang="en-US" dirty="0"/>
+              <a:t>Think of them as an array of arrays</a:t>
+            </a:r>
+          </a:p>
+          <a:p>
+            <a:r>
+              <a:rPr lang="is-IS" dirty="0"/>
+              <a:t>… or</a:t>
+            </a:r>
+            <a:r>
+              <a:rPr lang="en-US" dirty="0"/>
+              <a:t> as a grid with rows &amp; columns</a:t>
+            </a:r>
+          </a:p>
+          <a:p>
+            <a:pPr marL="0" indent="0">
+              <a:buNone/>
+            </a:pPr>
+            <a:r>
+              <a:rPr lang="en-US" dirty="0"/>
+              <a:t>When:</a:t>
+            </a:r>
+          </a:p>
+          <a:p>
+            <a:pPr lvl="1"/>
+            <a:r>
+              <a:rPr lang="en-US" dirty="0"/>
+              <a:t>Represent 2 dimensional data</a:t>
+            </a:r>
+          </a:p>
+          <a:p>
+            <a:pPr lvl="2"/>
+            <a:r>
+              <a:rPr lang="en-US" dirty="0"/>
+              <a:t>Game Boards</a:t>
+            </a:r>
+          </a:p>
+          <a:p>
+            <a:pPr lvl="2"/>
+            <a:r>
+              <a:rPr lang="en-US" dirty="0"/>
+              <a:t>Tables</a:t>
+            </a:r>
+          </a:p>
+          <a:p>
+            <a:pPr lvl="2"/>
+            <a:r>
+              <a:rPr lang="en-US" dirty="0"/>
+              <a:t>Multiple lists of items</a:t>
+            </a:r>
+          </a:p>
+          <a:p>
+            <a:pPr lvl="2"/>
+            <a:r>
+              <a:rPr lang="en-US" dirty="0"/>
+              <a:t>Etc.</a:t>
+            </a:r>
+          </a:p>
+          <a:p>
+            <a:endParaRPr lang="en-US" dirty="0"/>
+          </a:p>
+        </p:txBody>
+      </p:sp>
+    </p:spTree>
+    <p:extLst>
+      <p:ext uri="{BB962C8B-B14F-4D97-AF65-F5344CB8AC3E}">
+        <p14:creationId xmlns:p14="http://schemas.microsoft.com/office/powerpoint/2010/main" val="3217275776"/>
+      </p:ext>
+    </p:extLst>
+  </p:cSld>
+  <p:clrMapOvr>
+    <a:masterClrMapping/>
+  </p:clrMapOvr>
+</p:sld>
+</file>
+
+<file path=ppt/slides/slide21.xml><?xml version="1.0" encoding="utf-8"?>
+<p:sld xmlns:a="http://schemas.openxmlformats.org/drawingml/2006/main" xmlns:r="http://schemas.openxmlformats.org/officeDocument/2006/relationships" xmlns:p="http://schemas.openxmlformats.org/presentationml/2006/main">
+  <p:cSld>
+    <p:spTree>
+      <p:nvGrpSpPr>
+        <p:cNvPr id="1" name=""/>
+        <p:cNvGrpSpPr/>
+        <p:nvPr/>
+      </p:nvGrpSpPr>
+      <p:grpSpPr>
+        <a:xfrm>
+          <a:off x="0" y="0"/>
+          <a:ext cx="0" cy="0"/>
+          <a:chOff x="0" y="0"/>
+          <a:chExt cx="0" cy="0"/>
+        </a:xfrm>
+      </p:grpSpPr>
+      <p:sp>
+        <p:nvSpPr>
+          <p:cNvPr id="2" name="Title 1"/>
+          <p:cNvSpPr>
+            <a:spLocks noGrp="1"/>
+          </p:cNvSpPr>
+          <p:nvPr>
+            <p:ph type="title"/>
+          </p:nvPr>
+        </p:nvSpPr>
+        <p:spPr/>
+        <p:txBody>
+          <a:bodyPr>
+            <a:normAutofit fontScale="90000"/>
+          </a:bodyPr>
+          <a:lstStyle/>
+          <a:p>
+            <a:r>
+              <a:rPr lang="en-US" dirty="0"/>
+              <a:t>2D Arrays – What, When, Why, How?</a:t>
+            </a:r>
+          </a:p>
+        </p:txBody>
+      </p:sp>
+      <p:sp>
+        <p:nvSpPr>
+          <p:cNvPr id="3" name="Content Placeholder 2"/>
+          <p:cNvSpPr>
+            <a:spLocks noGrp="1"/>
+          </p:cNvSpPr>
+          <p:nvPr>
+            <p:ph idx="1"/>
+          </p:nvPr>
+        </p:nvSpPr>
+        <p:spPr>
+          <a:xfrm>
+            <a:off x="457200" y="1600200"/>
+            <a:ext cx="8534400" cy="4876800"/>
+          </a:xfrm>
+        </p:spPr>
+        <p:txBody>
+          <a:bodyPr>
+            <a:normAutofit/>
+          </a:bodyPr>
+          <a:lstStyle/>
+          <a:p>
+            <a:pPr marL="0" indent="0">
+              <a:buNone/>
+            </a:pPr>
+            <a:r>
+              <a:rPr lang="en-US" dirty="0"/>
+              <a:t>Why:</a:t>
+            </a:r>
+          </a:p>
+          <a:p>
+            <a:r>
+              <a:rPr lang="en-US" dirty="0"/>
+              <a:t>Match your data representation as closely as possible to the real-world</a:t>
+            </a:r>
+          </a:p>
+          <a:p>
+            <a:pPr marL="0" indent="0">
+              <a:buNone/>
+            </a:pPr>
+            <a:r>
+              <a:rPr lang="en-US" dirty="0"/>
+              <a:t>How:</a:t>
+            </a:r>
+          </a:p>
+          <a:p>
+            <a:r>
+              <a:rPr lang="en-US" dirty="0"/>
+              <a:t>char[][] </a:t>
+            </a:r>
+            <a:r>
+              <a:rPr lang="en-US" dirty="0" err="1"/>
+              <a:t>ticTacToe</a:t>
+            </a:r>
+            <a:r>
+              <a:rPr lang="en-US" dirty="0"/>
+              <a:t> = new char[3][3];</a:t>
+            </a:r>
+          </a:p>
+          <a:p>
+            <a:r>
+              <a:rPr lang="en-US" dirty="0"/>
+              <a:t>Retrieving data</a:t>
+            </a:r>
+          </a:p>
+          <a:p>
+            <a:pPr lvl="1"/>
+            <a:r>
+              <a:rPr lang="en-US" dirty="0" err="1"/>
+              <a:t>ticTacToe</a:t>
+            </a:r>
+            <a:r>
+              <a:rPr lang="en-US" dirty="0"/>
+              <a:t>[0] </a:t>
+            </a:r>
+            <a:r>
+              <a:rPr lang="en-US" dirty="0">
+                <a:sym typeface="Wingdings" panose="05000000000000000000" pitchFamily="2" charset="2"/>
+              </a:rPr>
+              <a:t></a:t>
+            </a:r>
+            <a:r>
+              <a:rPr lang="en-US" dirty="0"/>
+              <a:t> Gets the first char[] </a:t>
+            </a:r>
+          </a:p>
+          <a:p>
+            <a:pPr lvl="1"/>
+            <a:r>
+              <a:rPr lang="en-US" dirty="0" err="1"/>
+              <a:t>ticTacToe</a:t>
+            </a:r>
+            <a:r>
+              <a:rPr lang="en-US" dirty="0"/>
+              <a:t>[1][2] </a:t>
+            </a:r>
+            <a:r>
+              <a:rPr lang="en-US" dirty="0">
+                <a:sym typeface="Wingdings" panose="05000000000000000000" pitchFamily="2" charset="2"/>
+              </a:rPr>
+              <a:t>Gets the second array’s third item</a:t>
+            </a:r>
+            <a:endParaRPr lang="en-US" dirty="0"/>
+          </a:p>
+          <a:p>
+            <a:endParaRPr lang="en-US" dirty="0"/>
+          </a:p>
+          <a:p>
+            <a:pPr marL="0" indent="0">
+              <a:buNone/>
+            </a:pPr>
+            <a:endParaRPr lang="en-US" dirty="0"/>
+          </a:p>
+          <a:p>
+            <a:pPr marL="0" indent="0">
+              <a:buNone/>
+            </a:pPr>
+            <a:endParaRPr lang="en-US" dirty="0"/>
+          </a:p>
+        </p:txBody>
+      </p:sp>
+    </p:spTree>
+    <p:extLst>
+      <p:ext uri="{BB962C8B-B14F-4D97-AF65-F5344CB8AC3E}">
+        <p14:creationId xmlns:p14="http://schemas.microsoft.com/office/powerpoint/2010/main" val="1265363463"/>
+      </p:ext>
+    </p:extLst>
+  </p:cSld>
+  <p:clrMapOvr>
+    <a:masterClrMapping/>
+  </p:clrMapOvr>
+</p:sld>
+</file>
+
+<file path=ppt/slides/slide22.xml><?xml version="1.0" encoding="utf-8"?>
+<p:sld xmlns:a="http://schemas.openxmlformats.org/drawingml/2006/main" xmlns:r="http://schemas.openxmlformats.org/officeDocument/2006/relationships" xmlns:p="http://schemas.openxmlformats.org/presentationml/2006/main">
+  <p:cSld>
+    <p:spTree>
+      <p:nvGrpSpPr>
+        <p:cNvPr id="1" name=""/>
+        <p:cNvGrpSpPr/>
+        <p:nvPr/>
+      </p:nvGrpSpPr>
+      <p:grpSpPr>
+        <a:xfrm>
+          <a:off x="0" y="0"/>
+          <a:ext cx="0" cy="0"/>
+          <a:chOff x="0" y="0"/>
+          <a:chExt cx="0" cy="0"/>
+        </a:xfrm>
+      </p:grpSpPr>
+      <p:sp>
+        <p:nvSpPr>
+          <p:cNvPr id="2" name="Title 1"/>
+          <p:cNvSpPr>
+            <a:spLocks noGrp="1"/>
+          </p:cNvSpPr>
+          <p:nvPr>
+            <p:ph type="title"/>
+          </p:nvPr>
+        </p:nvSpPr>
+        <p:spPr/>
+        <p:txBody>
+          <a:bodyPr/>
+          <a:lstStyle/>
+          <a:p>
+            <a:r>
+              <a:rPr lang="en-US" dirty="0"/>
+              <a:t>Creating a 2D char array</a:t>
+            </a:r>
+          </a:p>
+        </p:txBody>
+      </p:sp>
+      <p:pic>
+        <p:nvPicPr>
+          <p:cNvPr id="4" name="Picture 3"/>
+          <p:cNvPicPr>
+            <a:picLocks noChangeAspect="1"/>
+          </p:cNvPicPr>
+          <p:nvPr/>
+        </p:nvPicPr>
+        <p:blipFill>
+          <a:blip r:embed="rId2"/>
+          <a:stretch>
+            <a:fillRect/>
+          </a:stretch>
+        </p:blipFill>
+        <p:spPr>
+          <a:xfrm>
+            <a:off x="791317" y="1417638"/>
+            <a:ext cx="7515225" cy="809625"/>
+          </a:xfrm>
+          <a:prstGeom prst="rect">
+            <a:avLst/>
+          </a:prstGeom>
+        </p:spPr>
+      </p:pic>
+      <p:pic>
+        <p:nvPicPr>
+          <p:cNvPr id="5" name="Picture 4"/>
+          <p:cNvPicPr>
+            <a:picLocks noChangeAspect="1"/>
+          </p:cNvPicPr>
+          <p:nvPr/>
+        </p:nvPicPr>
+        <p:blipFill>
+          <a:blip r:embed="rId3"/>
+          <a:stretch>
+            <a:fillRect/>
+          </a:stretch>
+        </p:blipFill>
+        <p:spPr>
+          <a:xfrm>
+            <a:off x="1676400" y="2209800"/>
+            <a:ext cx="5632498" cy="4533900"/>
+          </a:xfrm>
+          <a:prstGeom prst="rect">
+            <a:avLst/>
+          </a:prstGeom>
+        </p:spPr>
+      </p:pic>
+    </p:spTree>
+    <p:extLst>
+      <p:ext uri="{BB962C8B-B14F-4D97-AF65-F5344CB8AC3E}">
+        <p14:creationId xmlns:p14="http://schemas.microsoft.com/office/powerpoint/2010/main" val="2605874023"/>
+      </p:ext>
+    </p:extLst>
+  </p:cSld>
+  <p:clrMapOvr>
+    <a:masterClrMapping/>
+  </p:clrMapOvr>
+</p:sld>
+</file>
+
+<file path=ppt/slides/slide23.xml><?xml version="1.0" encoding="utf-8"?>
+<p:sld xmlns:a="http://schemas.openxmlformats.org/drawingml/2006/main" xmlns:r="http://schemas.openxmlformats.org/officeDocument/2006/relationships" xmlns:p="http://schemas.openxmlformats.org/presentationml/2006/main">
+  <p:cSld>
+    <p:spTree>
+      <p:nvGrpSpPr>
+        <p:cNvPr id="1" name=""/>
+        <p:cNvGrpSpPr/>
+        <p:nvPr/>
+      </p:nvGrpSpPr>
+      <p:grpSpPr>
+        <a:xfrm>
+          <a:off x="0" y="0"/>
+          <a:ext cx="0" cy="0"/>
+          <a:chOff x="0" y="0"/>
+          <a:chExt cx="0" cy="0"/>
+        </a:xfrm>
+      </p:grpSpPr>
+      <p:sp>
+        <p:nvSpPr>
+          <p:cNvPr id="2" name="Title 1"/>
+          <p:cNvSpPr>
+            <a:spLocks noGrp="1"/>
+          </p:cNvSpPr>
+          <p:nvPr>
+            <p:ph type="title"/>
+          </p:nvPr>
+        </p:nvSpPr>
+        <p:spPr/>
+        <p:txBody>
+          <a:bodyPr/>
+          <a:lstStyle/>
+          <a:p>
+            <a:r>
+              <a:rPr lang="en-US" dirty="0"/>
+              <a:t>Creating a 2D char array</a:t>
+            </a:r>
+          </a:p>
+        </p:txBody>
+      </p:sp>
+      <p:pic>
+        <p:nvPicPr>
+          <p:cNvPr id="4" name="Picture 3"/>
+          <p:cNvPicPr>
+            <a:picLocks noChangeAspect="1"/>
+          </p:cNvPicPr>
+          <p:nvPr/>
+        </p:nvPicPr>
+        <p:blipFill>
+          <a:blip r:embed="rId2"/>
+          <a:stretch>
+            <a:fillRect/>
+          </a:stretch>
+        </p:blipFill>
+        <p:spPr>
+          <a:xfrm>
+            <a:off x="791317" y="1417638"/>
+            <a:ext cx="7515225" cy="809625"/>
+          </a:xfrm>
+          <a:prstGeom prst="rect">
+            <a:avLst/>
+          </a:prstGeom>
+        </p:spPr>
+      </p:pic>
+      <p:pic>
+        <p:nvPicPr>
+          <p:cNvPr id="3" name="Picture 2"/>
+          <p:cNvPicPr>
+            <a:picLocks noChangeAspect="1"/>
+          </p:cNvPicPr>
+          <p:nvPr/>
+        </p:nvPicPr>
+        <p:blipFill>
+          <a:blip r:embed="rId3"/>
+          <a:stretch>
+            <a:fillRect/>
+          </a:stretch>
+        </p:blipFill>
+        <p:spPr>
+          <a:xfrm>
+            <a:off x="1676400" y="2202795"/>
+            <a:ext cx="5636440" cy="4537074"/>
+          </a:xfrm>
+          <a:prstGeom prst="rect">
+            <a:avLst/>
+          </a:prstGeom>
+        </p:spPr>
+      </p:pic>
+    </p:spTree>
+    <p:extLst>
+      <p:ext uri="{BB962C8B-B14F-4D97-AF65-F5344CB8AC3E}">
+        <p14:creationId xmlns:p14="http://schemas.microsoft.com/office/powerpoint/2010/main" val="1141841959"/>
+      </p:ext>
+    </p:extLst>
+  </p:cSld>
+  <p:clrMapOvr>
+    <a:masterClrMapping/>
+  </p:clrMapOvr>
+</p:sld>
+</file>
+
+<file path=ppt/slides/slide24.xml><?xml version="1.0" encoding="utf-8"?>
+<p:sld xmlns:a="http://schemas.openxmlformats.org/drawingml/2006/main" xmlns:r="http://schemas.openxmlformats.org/officeDocument/2006/relationships" xmlns:p="http://schemas.openxmlformats.org/presentationml/2006/main">
+  <p:cSld>
+    <p:spTree>
+      <p:nvGrpSpPr>
+        <p:cNvPr id="1" name=""/>
+        <p:cNvGrpSpPr/>
+        <p:nvPr/>
+      </p:nvGrpSpPr>
+      <p:grpSpPr>
+        <a:xfrm>
+          <a:off x="0" y="0"/>
+          <a:ext cx="0" cy="0"/>
+          <a:chOff x="0" y="0"/>
+          <a:chExt cx="0" cy="0"/>
+        </a:xfrm>
+      </p:grpSpPr>
+      <p:sp>
+        <p:nvSpPr>
+          <p:cNvPr id="2" name="Title 1"/>
+          <p:cNvSpPr>
+            <a:spLocks noGrp="1"/>
+          </p:cNvSpPr>
+          <p:nvPr>
+            <p:ph type="title"/>
+          </p:nvPr>
+        </p:nvSpPr>
+        <p:spPr/>
+        <p:txBody>
           <a:bodyPr/>
           <a:lstStyle/>
           <a:p>
@@ -9930,7 +10189,7 @@
 </p:sld>
 </file>
 
-<file path=ppt/slides/slide21.xml><?xml version="1.0" encoding="utf-8"?>
+<file path=ppt/slides/slide25.xml><?xml version="1.0" encoding="utf-8"?>
 <p:sld xmlns:a="http://schemas.openxmlformats.org/drawingml/2006/main" xmlns:r="http://schemas.openxmlformats.org/officeDocument/2006/relationships" xmlns:p="http://schemas.openxmlformats.org/presentationml/2006/main">
   <p:cSld>
     <p:spTree>
@@ -10054,574 +10313,6 @@
     <p:extLst>
       <p:ext uri="{BB962C8B-B14F-4D97-AF65-F5344CB8AC3E}">
         <p14:creationId xmlns:p14="http://schemas.microsoft.com/office/powerpoint/2010/main" val="1078238249"/>
-      </p:ext>
-    </p:extLst>
-  </p:cSld>
-  <p:clrMapOvr>
-    <a:masterClrMapping/>
-  </p:clrMapOvr>
-</p:sld>
-</file>
-
-<file path=ppt/slides/slide22.xml><?xml version="1.0" encoding="utf-8"?>
-<p:sld xmlns:a="http://schemas.openxmlformats.org/drawingml/2006/main" xmlns:r="http://schemas.openxmlformats.org/officeDocument/2006/relationships" xmlns:p="http://schemas.openxmlformats.org/presentationml/2006/main">
-  <p:cSld>
-    <p:spTree>
-      <p:nvGrpSpPr>
-        <p:cNvPr id="1" name=""/>
-        <p:cNvGrpSpPr/>
-        <p:nvPr/>
-      </p:nvGrpSpPr>
-      <p:grpSpPr>
-        <a:xfrm>
-          <a:off x="0" y="0"/>
-          <a:ext cx="0" cy="0"/>
-          <a:chOff x="0" y="0"/>
-          <a:chExt cx="0" cy="0"/>
-        </a:xfrm>
-      </p:grpSpPr>
-      <p:sp>
-        <p:nvSpPr>
-          <p:cNvPr id="2" name="Title 1"/>
-          <p:cNvSpPr>
-            <a:spLocks noGrp="1"/>
-          </p:cNvSpPr>
-          <p:nvPr>
-            <p:ph type="title"/>
-          </p:nvPr>
-        </p:nvSpPr>
-        <p:spPr/>
-        <p:txBody>
-          <a:bodyPr/>
-          <a:lstStyle/>
-          <a:p>
-            <a:r>
-              <a:rPr lang="en-US" dirty="0"/>
-              <a:t>Creating a 2D char array</a:t>
-            </a:r>
-          </a:p>
-        </p:txBody>
-      </p:sp>
-      <p:pic>
-        <p:nvPicPr>
-          <p:cNvPr id="3" name="Picture 2"/>
-          <p:cNvPicPr>
-            <a:picLocks noChangeAspect="1"/>
-          </p:cNvPicPr>
-          <p:nvPr/>
-        </p:nvPicPr>
-        <p:blipFill>
-          <a:blip r:embed="rId2"/>
-          <a:stretch>
-            <a:fillRect/>
-          </a:stretch>
-        </p:blipFill>
-        <p:spPr>
-          <a:xfrm>
-            <a:off x="1676400" y="2202795"/>
-            <a:ext cx="5636440" cy="4537074"/>
-          </a:xfrm>
-          <a:prstGeom prst="rect">
-            <a:avLst/>
-          </a:prstGeom>
-        </p:spPr>
-      </p:pic>
-      <p:sp>
-        <p:nvSpPr>
-          <p:cNvPr id="5" name="TextBox 4"/>
-          <p:cNvSpPr txBox="1"/>
-          <p:nvPr/>
-        </p:nvSpPr>
-        <p:spPr>
-          <a:xfrm>
-            <a:off x="1676400" y="1371600"/>
-            <a:ext cx="5791200" cy="523220"/>
-          </a:xfrm>
-          <a:prstGeom prst="rect">
-            <a:avLst/>
-          </a:prstGeom>
-          <a:noFill/>
-        </p:spPr>
-        <p:txBody>
-          <a:bodyPr wrap="square" rtlCol="0">
-            <a:spAutoFit/>
-          </a:bodyPr>
-          <a:lstStyle/>
-          <a:p>
-            <a:r>
-              <a:rPr lang="en-US" sz="2800" dirty="0" err="1">
-                <a:latin typeface="Consolas" panose="020B0609020204030204" pitchFamily="49" charset="0"/>
-              </a:rPr>
-              <a:t>ticTacToe</a:t>
-            </a:r>
-            <a:r>
-              <a:rPr lang="en-US" sz="2800" dirty="0">
-                <a:latin typeface="Consolas" panose="020B0609020204030204" pitchFamily="49" charset="0"/>
-              </a:rPr>
-              <a:t>[ 1 ][  1 ] = ‘X’;</a:t>
-            </a:r>
-          </a:p>
-        </p:txBody>
-      </p:sp>
-    </p:spTree>
-    <p:extLst>
-      <p:ext uri="{BB962C8B-B14F-4D97-AF65-F5344CB8AC3E}">
-        <p14:creationId xmlns:p14="http://schemas.microsoft.com/office/powerpoint/2010/main" val="242874814"/>
-      </p:ext>
-    </p:extLst>
-  </p:cSld>
-  <p:clrMapOvr>
-    <a:masterClrMapping/>
-  </p:clrMapOvr>
-</p:sld>
-</file>
-
-<file path=ppt/slides/slide23.xml><?xml version="1.0" encoding="utf-8"?>
-<p:sld xmlns:a="http://schemas.openxmlformats.org/drawingml/2006/main" xmlns:r="http://schemas.openxmlformats.org/officeDocument/2006/relationships" xmlns:p="http://schemas.openxmlformats.org/presentationml/2006/main">
-  <p:cSld>
-    <p:spTree>
-      <p:nvGrpSpPr>
-        <p:cNvPr id="1" name=""/>
-        <p:cNvGrpSpPr/>
-        <p:nvPr/>
-      </p:nvGrpSpPr>
-      <p:grpSpPr>
-        <a:xfrm>
-          <a:off x="0" y="0"/>
-          <a:ext cx="0" cy="0"/>
-          <a:chOff x="0" y="0"/>
-          <a:chExt cx="0" cy="0"/>
-        </a:xfrm>
-      </p:grpSpPr>
-      <p:sp>
-        <p:nvSpPr>
-          <p:cNvPr id="2" name="Title 1"/>
-          <p:cNvSpPr>
-            <a:spLocks noGrp="1"/>
-          </p:cNvSpPr>
-          <p:nvPr>
-            <p:ph type="title"/>
-          </p:nvPr>
-        </p:nvSpPr>
-        <p:spPr/>
-        <p:txBody>
-          <a:bodyPr/>
-          <a:lstStyle/>
-          <a:p>
-            <a:r>
-              <a:rPr lang="en-US" dirty="0"/>
-              <a:t>Creating a 2D char array</a:t>
-            </a:r>
-          </a:p>
-        </p:txBody>
-      </p:sp>
-      <p:pic>
-        <p:nvPicPr>
-          <p:cNvPr id="3" name="Picture 2"/>
-          <p:cNvPicPr>
-            <a:picLocks noChangeAspect="1"/>
-          </p:cNvPicPr>
-          <p:nvPr/>
-        </p:nvPicPr>
-        <p:blipFill>
-          <a:blip r:embed="rId2"/>
-          <a:stretch>
-            <a:fillRect/>
-          </a:stretch>
-        </p:blipFill>
-        <p:spPr>
-          <a:xfrm>
-            <a:off x="1676400" y="2202795"/>
-            <a:ext cx="5636440" cy="4537074"/>
-          </a:xfrm>
-          <a:prstGeom prst="rect">
-            <a:avLst/>
-          </a:prstGeom>
-        </p:spPr>
-      </p:pic>
-      <p:sp>
-        <p:nvSpPr>
-          <p:cNvPr id="5" name="TextBox 4"/>
-          <p:cNvSpPr txBox="1"/>
-          <p:nvPr/>
-        </p:nvSpPr>
-        <p:spPr>
-          <a:xfrm>
-            <a:off x="1676400" y="1371600"/>
-            <a:ext cx="5791200" cy="523220"/>
-          </a:xfrm>
-          <a:prstGeom prst="rect">
-            <a:avLst/>
-          </a:prstGeom>
-          <a:noFill/>
-        </p:spPr>
-        <p:txBody>
-          <a:bodyPr wrap="square" rtlCol="0">
-            <a:spAutoFit/>
-          </a:bodyPr>
-          <a:lstStyle/>
-          <a:p>
-            <a:r>
-              <a:rPr lang="en-US" sz="2800" dirty="0" err="1">
-                <a:latin typeface="Consolas" panose="020B0609020204030204" pitchFamily="49" charset="0"/>
-              </a:rPr>
-              <a:t>ticTacToe</a:t>
-            </a:r>
-            <a:r>
-              <a:rPr lang="en-US" sz="2800" dirty="0">
-                <a:latin typeface="Consolas" panose="020B0609020204030204" pitchFamily="49" charset="0"/>
-              </a:rPr>
-              <a:t>[ 1 ][  1 ] = ‘X’;</a:t>
-            </a:r>
-          </a:p>
-        </p:txBody>
-      </p:sp>
-      <p:sp>
-        <p:nvSpPr>
-          <p:cNvPr id="6" name="TextBox 5"/>
-          <p:cNvSpPr txBox="1"/>
-          <p:nvPr/>
-        </p:nvSpPr>
-        <p:spPr>
-          <a:xfrm>
-            <a:off x="5105400" y="4419600"/>
-            <a:ext cx="685800" cy="769441"/>
-          </a:xfrm>
-          <a:prstGeom prst="rect">
-            <a:avLst/>
-          </a:prstGeom>
-          <a:noFill/>
-        </p:spPr>
-        <p:txBody>
-          <a:bodyPr wrap="square" rtlCol="0">
-            <a:spAutoFit/>
-          </a:bodyPr>
-          <a:lstStyle/>
-          <a:p>
-            <a:r>
-              <a:rPr lang="en-US" sz="4400" dirty="0"/>
-              <a:t>X</a:t>
-            </a:r>
-          </a:p>
-        </p:txBody>
-      </p:sp>
-    </p:spTree>
-    <p:extLst>
-      <p:ext uri="{BB962C8B-B14F-4D97-AF65-F5344CB8AC3E}">
-        <p14:creationId xmlns:p14="http://schemas.microsoft.com/office/powerpoint/2010/main" val="2703764021"/>
-      </p:ext>
-    </p:extLst>
-  </p:cSld>
-  <p:clrMapOvr>
-    <a:masterClrMapping/>
-  </p:clrMapOvr>
-</p:sld>
-</file>
-
-<file path=ppt/slides/slide24.xml><?xml version="1.0" encoding="utf-8"?>
-<p:sld xmlns:a="http://schemas.openxmlformats.org/drawingml/2006/main" xmlns:r="http://schemas.openxmlformats.org/officeDocument/2006/relationships" xmlns:p="http://schemas.openxmlformats.org/presentationml/2006/main">
-  <p:cSld>
-    <p:spTree>
-      <p:nvGrpSpPr>
-        <p:cNvPr id="1" name=""/>
-        <p:cNvGrpSpPr/>
-        <p:nvPr/>
-      </p:nvGrpSpPr>
-      <p:grpSpPr>
-        <a:xfrm>
-          <a:off x="0" y="0"/>
-          <a:ext cx="0" cy="0"/>
-          <a:chOff x="0" y="0"/>
-          <a:chExt cx="0" cy="0"/>
-        </a:xfrm>
-      </p:grpSpPr>
-      <p:sp>
-        <p:nvSpPr>
-          <p:cNvPr id="2" name="Title 1"/>
-          <p:cNvSpPr>
-            <a:spLocks noGrp="1"/>
-          </p:cNvSpPr>
-          <p:nvPr>
-            <p:ph type="title"/>
-          </p:nvPr>
-        </p:nvSpPr>
-        <p:spPr/>
-        <p:txBody>
-          <a:bodyPr/>
-          <a:lstStyle/>
-          <a:p>
-            <a:r>
-              <a:rPr lang="en-US" dirty="0"/>
-              <a:t>Creating a 2D char array</a:t>
-            </a:r>
-          </a:p>
-        </p:txBody>
-      </p:sp>
-      <p:pic>
-        <p:nvPicPr>
-          <p:cNvPr id="3" name="Picture 2"/>
-          <p:cNvPicPr>
-            <a:picLocks noChangeAspect="1"/>
-          </p:cNvPicPr>
-          <p:nvPr/>
-        </p:nvPicPr>
-        <p:blipFill>
-          <a:blip r:embed="rId2"/>
-          <a:stretch>
-            <a:fillRect/>
-          </a:stretch>
-        </p:blipFill>
-        <p:spPr>
-          <a:xfrm>
-            <a:off x="1676400" y="2202795"/>
-            <a:ext cx="5636440" cy="4537074"/>
-          </a:xfrm>
-          <a:prstGeom prst="rect">
-            <a:avLst/>
-          </a:prstGeom>
-        </p:spPr>
-      </p:pic>
-      <p:sp>
-        <p:nvSpPr>
-          <p:cNvPr id="5" name="TextBox 4"/>
-          <p:cNvSpPr txBox="1"/>
-          <p:nvPr/>
-        </p:nvSpPr>
-        <p:spPr>
-          <a:xfrm>
-            <a:off x="1676400" y="1371600"/>
-            <a:ext cx="5791200" cy="523220"/>
-          </a:xfrm>
-          <a:prstGeom prst="rect">
-            <a:avLst/>
-          </a:prstGeom>
-          <a:noFill/>
-        </p:spPr>
-        <p:txBody>
-          <a:bodyPr wrap="square" rtlCol="0">
-            <a:spAutoFit/>
-          </a:bodyPr>
-          <a:lstStyle/>
-          <a:p>
-            <a:r>
-              <a:rPr lang="en-US" sz="2800" dirty="0" err="1">
-                <a:latin typeface="Consolas" panose="020B0609020204030204" pitchFamily="49" charset="0"/>
-              </a:rPr>
-              <a:t>ticTacToe</a:t>
-            </a:r>
-            <a:r>
-              <a:rPr lang="en-US" sz="2800" dirty="0">
-                <a:latin typeface="Consolas" panose="020B0609020204030204" pitchFamily="49" charset="0"/>
-              </a:rPr>
-              <a:t>[ 0 ][  1 ] = ‘O’;</a:t>
-            </a:r>
-          </a:p>
-        </p:txBody>
-      </p:sp>
-      <p:sp>
-        <p:nvSpPr>
-          <p:cNvPr id="6" name="TextBox 5"/>
-          <p:cNvSpPr txBox="1"/>
-          <p:nvPr/>
-        </p:nvSpPr>
-        <p:spPr>
-          <a:xfrm>
-            <a:off x="5105400" y="4419600"/>
-            <a:ext cx="685800" cy="769441"/>
-          </a:xfrm>
-          <a:prstGeom prst="rect">
-            <a:avLst/>
-          </a:prstGeom>
-          <a:noFill/>
-        </p:spPr>
-        <p:txBody>
-          <a:bodyPr wrap="square" rtlCol="0">
-            <a:spAutoFit/>
-          </a:bodyPr>
-          <a:lstStyle/>
-          <a:p>
-            <a:r>
-              <a:rPr lang="en-US" sz="4400" dirty="0"/>
-              <a:t>X</a:t>
-            </a:r>
-          </a:p>
-        </p:txBody>
-      </p:sp>
-    </p:spTree>
-    <p:extLst>
-      <p:ext uri="{BB962C8B-B14F-4D97-AF65-F5344CB8AC3E}">
-        <p14:creationId xmlns:p14="http://schemas.microsoft.com/office/powerpoint/2010/main" val="3089089331"/>
-      </p:ext>
-    </p:extLst>
-  </p:cSld>
-  <p:clrMapOvr>
-    <a:masterClrMapping/>
-  </p:clrMapOvr>
-</p:sld>
-</file>
-
-<file path=ppt/slides/slide25.xml><?xml version="1.0" encoding="utf-8"?>
-<p:sld xmlns:a="http://schemas.openxmlformats.org/drawingml/2006/main" xmlns:r="http://schemas.openxmlformats.org/officeDocument/2006/relationships" xmlns:p="http://schemas.openxmlformats.org/presentationml/2006/main">
-  <p:cSld>
-    <p:spTree>
-      <p:nvGrpSpPr>
-        <p:cNvPr id="1" name=""/>
-        <p:cNvGrpSpPr/>
-        <p:nvPr/>
-      </p:nvGrpSpPr>
-      <p:grpSpPr>
-        <a:xfrm>
-          <a:off x="0" y="0"/>
-          <a:ext cx="0" cy="0"/>
-          <a:chOff x="0" y="0"/>
-          <a:chExt cx="0" cy="0"/>
-        </a:xfrm>
-      </p:grpSpPr>
-      <p:sp>
-        <p:nvSpPr>
-          <p:cNvPr id="2" name="Title 1"/>
-          <p:cNvSpPr>
-            <a:spLocks noGrp="1"/>
-          </p:cNvSpPr>
-          <p:nvPr>
-            <p:ph type="title"/>
-          </p:nvPr>
-        </p:nvSpPr>
-        <p:spPr/>
-        <p:txBody>
-          <a:bodyPr/>
-          <a:lstStyle/>
-          <a:p>
-            <a:r>
-              <a:rPr lang="en-US" dirty="0"/>
-              <a:t>Creating a 2D char array</a:t>
-            </a:r>
-          </a:p>
-        </p:txBody>
-      </p:sp>
-      <p:pic>
-        <p:nvPicPr>
-          <p:cNvPr id="3" name="Picture 2"/>
-          <p:cNvPicPr>
-            <a:picLocks noChangeAspect="1"/>
-          </p:cNvPicPr>
-          <p:nvPr/>
-        </p:nvPicPr>
-        <p:blipFill>
-          <a:blip r:embed="rId2"/>
-          <a:stretch>
-            <a:fillRect/>
-          </a:stretch>
-        </p:blipFill>
-        <p:spPr>
-          <a:xfrm>
-            <a:off x="1676400" y="2202795"/>
-            <a:ext cx="5636440" cy="4537074"/>
-          </a:xfrm>
-          <a:prstGeom prst="rect">
-            <a:avLst/>
-          </a:prstGeom>
-        </p:spPr>
-      </p:pic>
-      <p:sp>
-        <p:nvSpPr>
-          <p:cNvPr id="5" name="TextBox 4"/>
-          <p:cNvSpPr txBox="1"/>
-          <p:nvPr/>
-        </p:nvSpPr>
-        <p:spPr>
-          <a:xfrm>
-            <a:off x="1676400" y="1371600"/>
-            <a:ext cx="5791200" cy="523220"/>
-          </a:xfrm>
-          <a:prstGeom prst="rect">
-            <a:avLst/>
-          </a:prstGeom>
-          <a:noFill/>
-        </p:spPr>
-        <p:txBody>
-          <a:bodyPr wrap="square" rtlCol="0">
-            <a:spAutoFit/>
-          </a:bodyPr>
-          <a:lstStyle/>
-          <a:p>
-            <a:r>
-              <a:rPr lang="en-US" sz="2800" dirty="0" err="1">
-                <a:latin typeface="Consolas" panose="020B0609020204030204" pitchFamily="49" charset="0"/>
-              </a:rPr>
-              <a:t>ticTacToe</a:t>
-            </a:r>
-            <a:r>
-              <a:rPr lang="en-US" sz="2800" dirty="0">
-                <a:latin typeface="Consolas" panose="020B0609020204030204" pitchFamily="49" charset="0"/>
-              </a:rPr>
-              <a:t>[ 0 ][  1 ] = ‘O’;</a:t>
-            </a:r>
-          </a:p>
-        </p:txBody>
-      </p:sp>
-      <p:sp>
-        <p:nvSpPr>
-          <p:cNvPr id="6" name="TextBox 5"/>
-          <p:cNvSpPr txBox="1"/>
-          <p:nvPr/>
-        </p:nvSpPr>
-        <p:spPr>
-          <a:xfrm>
-            <a:off x="5105400" y="4419600"/>
-            <a:ext cx="685800" cy="769441"/>
-          </a:xfrm>
-          <a:prstGeom prst="rect">
-            <a:avLst/>
-          </a:prstGeom>
-          <a:noFill/>
-        </p:spPr>
-        <p:txBody>
-          <a:bodyPr wrap="square" rtlCol="0">
-            <a:spAutoFit/>
-          </a:bodyPr>
-          <a:lstStyle/>
-          <a:p>
-            <a:r>
-              <a:rPr lang="en-US" sz="4400" dirty="0"/>
-              <a:t>X</a:t>
-            </a:r>
-          </a:p>
-        </p:txBody>
-      </p:sp>
-      <p:sp>
-        <p:nvSpPr>
-          <p:cNvPr id="7" name="TextBox 6"/>
-          <p:cNvSpPr txBox="1"/>
-          <p:nvPr/>
-        </p:nvSpPr>
-        <p:spPr>
-          <a:xfrm>
-            <a:off x="5122178" y="3249722"/>
-            <a:ext cx="685800" cy="769441"/>
-          </a:xfrm>
-          <a:prstGeom prst="rect">
-            <a:avLst/>
-          </a:prstGeom>
-          <a:noFill/>
-        </p:spPr>
-        <p:txBody>
-          <a:bodyPr wrap="square" rtlCol="0">
-            <a:spAutoFit/>
-          </a:bodyPr>
-          <a:lstStyle/>
-          <a:p>
-            <a:r>
-              <a:rPr lang="en-US" sz="4400" dirty="0"/>
-              <a:t>O</a:t>
-            </a:r>
-          </a:p>
-        </p:txBody>
-      </p:sp>
-    </p:spTree>
-    <p:extLst>
-      <p:ext uri="{BB962C8B-B14F-4D97-AF65-F5344CB8AC3E}">
-        <p14:creationId xmlns:p14="http://schemas.microsoft.com/office/powerpoint/2010/main" val="4183252574"/>
       </p:ext>
     </p:extLst>
   </p:cSld>
@@ -10726,65 +10417,7 @@
               <a:rPr lang="en-US" sz="2800" dirty="0">
                 <a:latin typeface="Consolas" panose="020B0609020204030204" pitchFamily="49" charset="0"/>
               </a:rPr>
-              <a:t>[ 2 ][  2 ] = ‘X’;</a:t>
-            </a:r>
-          </a:p>
-        </p:txBody>
-      </p:sp>
-      <p:sp>
-        <p:nvSpPr>
-          <p:cNvPr id="6" name="TextBox 5"/>
-          <p:cNvSpPr txBox="1"/>
-          <p:nvPr/>
-        </p:nvSpPr>
-        <p:spPr>
-          <a:xfrm>
-            <a:off x="5105400" y="4419600"/>
-            <a:ext cx="685800" cy="769441"/>
-          </a:xfrm>
-          <a:prstGeom prst="rect">
-            <a:avLst/>
-          </a:prstGeom>
-          <a:noFill/>
-        </p:spPr>
-        <p:txBody>
-          <a:bodyPr wrap="square" rtlCol="0">
-            <a:spAutoFit/>
-          </a:bodyPr>
-          <a:lstStyle/>
-          <a:p>
-            <a:r>
-              <a:rPr lang="en-US" sz="4400" dirty="0"/>
-              <a:t>X</a:t>
-            </a:r>
-          </a:p>
-        </p:txBody>
-      </p:sp>
-      <p:sp>
-        <p:nvSpPr>
-          <p:cNvPr id="7" name="TextBox 6"/>
-          <p:cNvSpPr txBox="1"/>
-          <p:nvPr/>
-        </p:nvSpPr>
-        <p:spPr>
-          <a:xfrm>
-            <a:off x="5122178" y="3249722"/>
-            <a:ext cx="685800" cy="769441"/>
-          </a:xfrm>
-          <a:prstGeom prst="rect">
-            <a:avLst/>
-          </a:prstGeom>
-          <a:noFill/>
-        </p:spPr>
-        <p:txBody>
-          <a:bodyPr wrap="square" rtlCol="0">
-            <a:spAutoFit/>
-          </a:bodyPr>
-          <a:lstStyle/>
-          <a:p>
-            <a:r>
-              <a:rPr lang="en-US" sz="4400" dirty="0"/>
-              <a:t>O</a:t>
+              <a:t>[ 1 ][  1 ] = ‘X’;</a:t>
             </a:r>
           </a:p>
         </p:txBody>
@@ -10792,7 +10425,7 @@
     </p:spTree>
     <p:extLst>
       <p:ext uri="{BB962C8B-B14F-4D97-AF65-F5344CB8AC3E}">
-        <p14:creationId xmlns:p14="http://schemas.microsoft.com/office/powerpoint/2010/main" val="1109014256"/>
+        <p14:creationId xmlns:p14="http://schemas.microsoft.com/office/powerpoint/2010/main" val="242874814"/>
       </p:ext>
     </p:extLst>
   </p:cSld>
@@ -10897,7 +10530,7 @@
               <a:rPr lang="en-US" sz="2800" dirty="0">
                 <a:latin typeface="Consolas" panose="020B0609020204030204" pitchFamily="49" charset="0"/>
               </a:rPr>
-              <a:t>[ 2 ][  2 ] = ‘X’;</a:t>
+              <a:t>[ 1 ][  1 ] = ‘X’;</a:t>
             </a:r>
           </a:p>
         </p:txBody>
@@ -10931,68 +10564,10 @@
           </a:p>
         </p:txBody>
       </p:sp>
-      <p:sp>
-        <p:nvSpPr>
-          <p:cNvPr id="7" name="TextBox 6"/>
-          <p:cNvSpPr txBox="1"/>
-          <p:nvPr/>
-        </p:nvSpPr>
-        <p:spPr>
-          <a:xfrm>
-            <a:off x="5122178" y="3249722"/>
-            <a:ext cx="685800" cy="769441"/>
-          </a:xfrm>
-          <a:prstGeom prst="rect">
-            <a:avLst/>
-          </a:prstGeom>
-          <a:noFill/>
-        </p:spPr>
-        <p:txBody>
-          <a:bodyPr wrap="square" rtlCol="0">
-            <a:spAutoFit/>
-          </a:bodyPr>
-          <a:lstStyle/>
-          <a:p>
-            <a:r>
-              <a:rPr lang="en-US" sz="4400" dirty="0"/>
-              <a:t>O</a:t>
-            </a:r>
-          </a:p>
-        </p:txBody>
-      </p:sp>
-      <p:sp>
-        <p:nvSpPr>
-          <p:cNvPr id="8" name="TextBox 7"/>
-          <p:cNvSpPr txBox="1"/>
-          <p:nvPr/>
-        </p:nvSpPr>
-        <p:spPr>
-          <a:xfrm>
-            <a:off x="6172200" y="5638800"/>
-            <a:ext cx="685800" cy="769441"/>
-          </a:xfrm>
-          <a:prstGeom prst="rect">
-            <a:avLst/>
-          </a:prstGeom>
-          <a:noFill/>
-        </p:spPr>
-        <p:txBody>
-          <a:bodyPr wrap="square" rtlCol="0">
-            <a:spAutoFit/>
-          </a:bodyPr>
-          <a:lstStyle/>
-          <a:p>
-            <a:r>
-              <a:rPr lang="en-US" sz="4400" dirty="0"/>
-              <a:t>X</a:t>
-            </a:r>
-          </a:p>
-        </p:txBody>
-      </p:sp>
     </p:spTree>
     <p:extLst>
       <p:ext uri="{BB962C8B-B14F-4D97-AF65-F5344CB8AC3E}">
-        <p14:creationId xmlns:p14="http://schemas.microsoft.com/office/powerpoint/2010/main" val="1523799280"/>
+        <p14:creationId xmlns:p14="http://schemas.microsoft.com/office/powerpoint/2010/main" val="2703764021"/>
       </p:ext>
     </p:extLst>
   </p:cSld>
@@ -11097,7 +10672,7 @@
               <a:rPr lang="en-US" sz="2800" dirty="0">
                 <a:latin typeface="Consolas" panose="020B0609020204030204" pitchFamily="49" charset="0"/>
               </a:rPr>
-              <a:t>[ 0 ][  0 ] = ‘O’;</a:t>
+              <a:t>[ 0 ][  1 ] = ‘O’;</a:t>
             </a:r>
           </a:p>
         </p:txBody>
@@ -11131,68 +10706,10 @@
           </a:p>
         </p:txBody>
       </p:sp>
-      <p:sp>
-        <p:nvSpPr>
-          <p:cNvPr id="7" name="TextBox 6"/>
-          <p:cNvSpPr txBox="1"/>
-          <p:nvPr/>
-        </p:nvSpPr>
-        <p:spPr>
-          <a:xfrm>
-            <a:off x="5122178" y="3249722"/>
-            <a:ext cx="685800" cy="769441"/>
-          </a:xfrm>
-          <a:prstGeom prst="rect">
-            <a:avLst/>
-          </a:prstGeom>
-          <a:noFill/>
-        </p:spPr>
-        <p:txBody>
-          <a:bodyPr wrap="square" rtlCol="0">
-            <a:spAutoFit/>
-          </a:bodyPr>
-          <a:lstStyle/>
-          <a:p>
-            <a:r>
-              <a:rPr lang="en-US" sz="4400" dirty="0"/>
-              <a:t>O</a:t>
-            </a:r>
-          </a:p>
-        </p:txBody>
-      </p:sp>
-      <p:sp>
-        <p:nvSpPr>
-          <p:cNvPr id="8" name="TextBox 7"/>
-          <p:cNvSpPr txBox="1"/>
-          <p:nvPr/>
-        </p:nvSpPr>
-        <p:spPr>
-          <a:xfrm>
-            <a:off x="6172200" y="5638800"/>
-            <a:ext cx="685800" cy="769441"/>
-          </a:xfrm>
-          <a:prstGeom prst="rect">
-            <a:avLst/>
-          </a:prstGeom>
-          <a:noFill/>
-        </p:spPr>
-        <p:txBody>
-          <a:bodyPr wrap="square" rtlCol="0">
-            <a:spAutoFit/>
-          </a:bodyPr>
-          <a:lstStyle/>
-          <a:p>
-            <a:r>
-              <a:rPr lang="en-US" sz="4400" dirty="0"/>
-              <a:t>X</a:t>
-            </a:r>
-          </a:p>
-        </p:txBody>
-      </p:sp>
     </p:spTree>
     <p:extLst>
       <p:ext uri="{BB962C8B-B14F-4D97-AF65-F5344CB8AC3E}">
-        <p14:creationId xmlns:p14="http://schemas.microsoft.com/office/powerpoint/2010/main" val="3371878340"/>
+        <p14:creationId xmlns:p14="http://schemas.microsoft.com/office/powerpoint/2010/main" val="3089089331"/>
       </p:ext>
     </p:extLst>
   </p:cSld>
@@ -11297,7 +10814,7 @@
               <a:rPr lang="en-US" sz="2800" dirty="0">
                 <a:latin typeface="Consolas" panose="020B0609020204030204" pitchFamily="49" charset="0"/>
               </a:rPr>
-              <a:t>[ 0 ][  0 ] = ‘O’;</a:t>
+              <a:t>[ 0 ][  1 ] = ‘O’;</a:t>
             </a:r>
           </a:p>
         </p:txBody>
@@ -11360,68 +10877,10 @@
           </a:p>
         </p:txBody>
       </p:sp>
-      <p:sp>
-        <p:nvSpPr>
-          <p:cNvPr id="8" name="TextBox 7"/>
-          <p:cNvSpPr txBox="1"/>
-          <p:nvPr/>
-        </p:nvSpPr>
-        <p:spPr>
-          <a:xfrm>
-            <a:off x="6172200" y="5638800"/>
-            <a:ext cx="685800" cy="769441"/>
-          </a:xfrm>
-          <a:prstGeom prst="rect">
-            <a:avLst/>
-          </a:prstGeom>
-          <a:noFill/>
-        </p:spPr>
-        <p:txBody>
-          <a:bodyPr wrap="square" rtlCol="0">
-            <a:spAutoFit/>
-          </a:bodyPr>
-          <a:lstStyle/>
-          <a:p>
-            <a:r>
-              <a:rPr lang="en-US" sz="4400" dirty="0"/>
-              <a:t>X</a:t>
-            </a:r>
-          </a:p>
-        </p:txBody>
-      </p:sp>
-      <p:sp>
-        <p:nvSpPr>
-          <p:cNvPr id="9" name="TextBox 8"/>
-          <p:cNvSpPr txBox="1"/>
-          <p:nvPr/>
-        </p:nvSpPr>
-        <p:spPr>
-          <a:xfrm>
-            <a:off x="4151720" y="3262692"/>
-            <a:ext cx="685800" cy="769441"/>
-          </a:xfrm>
-          <a:prstGeom prst="rect">
-            <a:avLst/>
-          </a:prstGeom>
-          <a:noFill/>
-        </p:spPr>
-        <p:txBody>
-          <a:bodyPr wrap="square" rtlCol="0">
-            <a:spAutoFit/>
-          </a:bodyPr>
-          <a:lstStyle/>
-          <a:p>
-            <a:r>
-              <a:rPr lang="en-US" sz="4400" dirty="0"/>
-              <a:t>O</a:t>
-            </a:r>
-          </a:p>
-        </p:txBody>
-      </p:sp>
     </p:spTree>
     <p:extLst>
       <p:ext uri="{BB962C8B-B14F-4D97-AF65-F5344CB8AC3E}">
-        <p14:creationId xmlns:p14="http://schemas.microsoft.com/office/powerpoint/2010/main" val="668435085"/>
+        <p14:creationId xmlns:p14="http://schemas.microsoft.com/office/powerpoint/2010/main" val="4183252574"/>
       </p:ext>
     </p:extLst>
   </p:cSld>
@@ -11651,7 +11110,7 @@
               <a:rPr lang="en-US" sz="2800" dirty="0">
                 <a:latin typeface="Consolas" panose="020B0609020204030204" pitchFamily="49" charset="0"/>
               </a:rPr>
-              <a:t>[ 2 ][  0 ] = ‘X’;</a:t>
+              <a:t>[ 2 ][  2 ] = ‘X’;</a:t>
             </a:r>
           </a:p>
         </p:txBody>
@@ -11714,68 +11173,10 @@
           </a:p>
         </p:txBody>
       </p:sp>
-      <p:sp>
-        <p:nvSpPr>
-          <p:cNvPr id="8" name="TextBox 7"/>
-          <p:cNvSpPr txBox="1"/>
-          <p:nvPr/>
-        </p:nvSpPr>
-        <p:spPr>
-          <a:xfrm>
-            <a:off x="6172200" y="5638800"/>
-            <a:ext cx="685800" cy="769441"/>
-          </a:xfrm>
-          <a:prstGeom prst="rect">
-            <a:avLst/>
-          </a:prstGeom>
-          <a:noFill/>
-        </p:spPr>
-        <p:txBody>
-          <a:bodyPr wrap="square" rtlCol="0">
-            <a:spAutoFit/>
-          </a:bodyPr>
-          <a:lstStyle/>
-          <a:p>
-            <a:r>
-              <a:rPr lang="en-US" sz="4400" dirty="0"/>
-              <a:t>X</a:t>
-            </a:r>
-          </a:p>
-        </p:txBody>
-      </p:sp>
-      <p:sp>
-        <p:nvSpPr>
-          <p:cNvPr id="9" name="TextBox 8"/>
-          <p:cNvSpPr txBox="1"/>
-          <p:nvPr/>
-        </p:nvSpPr>
-        <p:spPr>
-          <a:xfrm>
-            <a:off x="4151720" y="3262692"/>
-            <a:ext cx="685800" cy="769441"/>
-          </a:xfrm>
-          <a:prstGeom prst="rect">
-            <a:avLst/>
-          </a:prstGeom>
-          <a:noFill/>
-        </p:spPr>
-        <p:txBody>
-          <a:bodyPr wrap="square" rtlCol="0">
-            <a:spAutoFit/>
-          </a:bodyPr>
-          <a:lstStyle/>
-          <a:p>
-            <a:r>
-              <a:rPr lang="en-US" sz="4400" dirty="0"/>
-              <a:t>O</a:t>
-            </a:r>
-          </a:p>
-        </p:txBody>
-      </p:sp>
     </p:spTree>
     <p:extLst>
       <p:ext uri="{BB962C8B-B14F-4D97-AF65-F5344CB8AC3E}">
-        <p14:creationId xmlns:p14="http://schemas.microsoft.com/office/powerpoint/2010/main" val="3355760767"/>
+        <p14:creationId xmlns:p14="http://schemas.microsoft.com/office/powerpoint/2010/main" val="1109014256"/>
       </p:ext>
     </p:extLst>
   </p:cSld>
@@ -11880,7 +11281,7 @@
               <a:rPr lang="en-US" sz="2800" dirty="0">
                 <a:latin typeface="Consolas" panose="020B0609020204030204" pitchFamily="49" charset="0"/>
               </a:rPr>
-              <a:t>[ 2 ][  0 ] = ‘X’;</a:t>
+              <a:t>[ 2 ][  2 ] = ‘X’;</a:t>
             </a:r>
           </a:p>
         </p:txBody>
@@ -11972,68 +11373,10 @@
           </a:p>
         </p:txBody>
       </p:sp>
-      <p:sp>
-        <p:nvSpPr>
-          <p:cNvPr id="9" name="TextBox 8"/>
-          <p:cNvSpPr txBox="1"/>
-          <p:nvPr/>
-        </p:nvSpPr>
-        <p:spPr>
-          <a:xfrm>
-            <a:off x="4151720" y="3262692"/>
-            <a:ext cx="685800" cy="769441"/>
-          </a:xfrm>
-          <a:prstGeom prst="rect">
-            <a:avLst/>
-          </a:prstGeom>
-          <a:noFill/>
-        </p:spPr>
-        <p:txBody>
-          <a:bodyPr wrap="square" rtlCol="0">
-            <a:spAutoFit/>
-          </a:bodyPr>
-          <a:lstStyle/>
-          <a:p>
-            <a:r>
-              <a:rPr lang="en-US" sz="4400" dirty="0"/>
-              <a:t>O</a:t>
-            </a:r>
-          </a:p>
-        </p:txBody>
-      </p:sp>
-      <p:sp>
-        <p:nvSpPr>
-          <p:cNvPr id="10" name="TextBox 9"/>
-          <p:cNvSpPr txBox="1"/>
-          <p:nvPr/>
-        </p:nvSpPr>
-        <p:spPr>
-          <a:xfrm>
-            <a:off x="4151720" y="5638799"/>
-            <a:ext cx="685800" cy="769441"/>
-          </a:xfrm>
-          <a:prstGeom prst="rect">
-            <a:avLst/>
-          </a:prstGeom>
-          <a:noFill/>
-        </p:spPr>
-        <p:txBody>
-          <a:bodyPr wrap="square" rtlCol="0">
-            <a:spAutoFit/>
-          </a:bodyPr>
-          <a:lstStyle/>
-          <a:p>
-            <a:r>
-              <a:rPr lang="en-US" sz="4400" dirty="0"/>
-              <a:t>X</a:t>
-            </a:r>
-          </a:p>
-        </p:txBody>
-      </p:sp>
     </p:spTree>
     <p:extLst>
       <p:ext uri="{BB962C8B-B14F-4D97-AF65-F5344CB8AC3E}">
-        <p14:creationId xmlns:p14="http://schemas.microsoft.com/office/powerpoint/2010/main" val="3358265216"/>
+        <p14:creationId xmlns:p14="http://schemas.microsoft.com/office/powerpoint/2010/main" val="1523799280"/>
       </p:ext>
     </p:extLst>
   </p:cSld>
@@ -12138,7 +11481,7 @@
               <a:rPr lang="en-US" sz="2800" dirty="0">
                 <a:latin typeface="Consolas" panose="020B0609020204030204" pitchFamily="49" charset="0"/>
               </a:rPr>
-              <a:t>[ 2 ][  1 ] = ‘O’;</a:t>
+              <a:t>[ 0 ][  0 ] = ‘O’;</a:t>
             </a:r>
           </a:p>
         </p:txBody>
@@ -12230,68 +11573,10 @@
           </a:p>
         </p:txBody>
       </p:sp>
-      <p:sp>
-        <p:nvSpPr>
-          <p:cNvPr id="9" name="TextBox 8"/>
-          <p:cNvSpPr txBox="1"/>
-          <p:nvPr/>
-        </p:nvSpPr>
-        <p:spPr>
-          <a:xfrm>
-            <a:off x="4151720" y="3262692"/>
-            <a:ext cx="685800" cy="769441"/>
-          </a:xfrm>
-          <a:prstGeom prst="rect">
-            <a:avLst/>
-          </a:prstGeom>
-          <a:noFill/>
-        </p:spPr>
-        <p:txBody>
-          <a:bodyPr wrap="square" rtlCol="0">
-            <a:spAutoFit/>
-          </a:bodyPr>
-          <a:lstStyle/>
-          <a:p>
-            <a:r>
-              <a:rPr lang="en-US" sz="4400" dirty="0"/>
-              <a:t>O</a:t>
-            </a:r>
-          </a:p>
-        </p:txBody>
-      </p:sp>
-      <p:sp>
-        <p:nvSpPr>
-          <p:cNvPr id="10" name="TextBox 9"/>
-          <p:cNvSpPr txBox="1"/>
-          <p:nvPr/>
-        </p:nvSpPr>
-        <p:spPr>
-          <a:xfrm>
-            <a:off x="4151720" y="5638799"/>
-            <a:ext cx="685800" cy="769441"/>
-          </a:xfrm>
-          <a:prstGeom prst="rect">
-            <a:avLst/>
-          </a:prstGeom>
-          <a:noFill/>
-        </p:spPr>
-        <p:txBody>
-          <a:bodyPr wrap="square" rtlCol="0">
-            <a:spAutoFit/>
-          </a:bodyPr>
-          <a:lstStyle/>
-          <a:p>
-            <a:r>
-              <a:rPr lang="en-US" sz="4400" dirty="0"/>
-              <a:t>X</a:t>
-            </a:r>
-          </a:p>
-        </p:txBody>
-      </p:sp>
     </p:spTree>
     <p:extLst>
       <p:ext uri="{BB962C8B-B14F-4D97-AF65-F5344CB8AC3E}">
-        <p14:creationId xmlns:p14="http://schemas.microsoft.com/office/powerpoint/2010/main" val="853083052"/>
+        <p14:creationId xmlns:p14="http://schemas.microsoft.com/office/powerpoint/2010/main" val="3371878340"/>
       </p:ext>
     </p:extLst>
   </p:cSld>
@@ -12396,7 +11681,7 @@
               <a:rPr lang="en-US" sz="2800" dirty="0">
                 <a:latin typeface="Consolas" panose="020B0609020204030204" pitchFamily="49" charset="0"/>
               </a:rPr>
-              <a:t>[ 2 ][  1 ] = ‘O’;</a:t>
+              <a:t>[ 0 ][  0 ] = ‘O’;</a:t>
             </a:r>
           </a:p>
         </p:txBody>
@@ -12517,68 +11802,10 @@
           </a:p>
         </p:txBody>
       </p:sp>
-      <p:sp>
-        <p:nvSpPr>
-          <p:cNvPr id="10" name="TextBox 9"/>
-          <p:cNvSpPr txBox="1"/>
-          <p:nvPr/>
-        </p:nvSpPr>
-        <p:spPr>
-          <a:xfrm>
-            <a:off x="4151720" y="5638799"/>
-            <a:ext cx="685800" cy="769441"/>
-          </a:xfrm>
-          <a:prstGeom prst="rect">
-            <a:avLst/>
-          </a:prstGeom>
-          <a:noFill/>
-        </p:spPr>
-        <p:txBody>
-          <a:bodyPr wrap="square" rtlCol="0">
-            <a:spAutoFit/>
-          </a:bodyPr>
-          <a:lstStyle/>
-          <a:p>
-            <a:r>
-              <a:rPr lang="en-US" sz="4400" dirty="0"/>
-              <a:t>X</a:t>
-            </a:r>
-          </a:p>
-        </p:txBody>
-      </p:sp>
-      <p:sp>
-        <p:nvSpPr>
-          <p:cNvPr id="11" name="TextBox 10"/>
-          <p:cNvSpPr txBox="1"/>
-          <p:nvPr/>
-        </p:nvSpPr>
-        <p:spPr>
-          <a:xfrm>
-            <a:off x="5074443" y="5632645"/>
-            <a:ext cx="685800" cy="769441"/>
-          </a:xfrm>
-          <a:prstGeom prst="rect">
-            <a:avLst/>
-          </a:prstGeom>
-          <a:noFill/>
-        </p:spPr>
-        <p:txBody>
-          <a:bodyPr wrap="square" rtlCol="0">
-            <a:spAutoFit/>
-          </a:bodyPr>
-          <a:lstStyle/>
-          <a:p>
-            <a:r>
-              <a:rPr lang="en-US" sz="4400" dirty="0"/>
-              <a:t>O</a:t>
-            </a:r>
-          </a:p>
-        </p:txBody>
-      </p:sp>
     </p:spTree>
     <p:extLst>
       <p:ext uri="{BB962C8B-B14F-4D97-AF65-F5344CB8AC3E}">
-        <p14:creationId xmlns:p14="http://schemas.microsoft.com/office/powerpoint/2010/main" val="2582998312"/>
+        <p14:creationId xmlns:p14="http://schemas.microsoft.com/office/powerpoint/2010/main" val="668435085"/>
       </p:ext>
     </p:extLst>
   </p:cSld>
@@ -12683,7 +11910,7 @@
               <a:rPr lang="en-US" sz="2800" dirty="0">
                 <a:latin typeface="Consolas" panose="020B0609020204030204" pitchFamily="49" charset="0"/>
               </a:rPr>
-              <a:t>[ 0 ][  2 ] = ‘X’;</a:t>
+              <a:t>[ 2 ][  0 ] = ‘X’;</a:t>
             </a:r>
           </a:p>
         </p:txBody>
@@ -12804,68 +12031,10 @@
           </a:p>
         </p:txBody>
       </p:sp>
-      <p:sp>
-        <p:nvSpPr>
-          <p:cNvPr id="10" name="TextBox 9"/>
-          <p:cNvSpPr txBox="1"/>
-          <p:nvPr/>
-        </p:nvSpPr>
-        <p:spPr>
-          <a:xfrm>
-            <a:off x="4151720" y="5638799"/>
-            <a:ext cx="685800" cy="769441"/>
-          </a:xfrm>
-          <a:prstGeom prst="rect">
-            <a:avLst/>
-          </a:prstGeom>
-          <a:noFill/>
-        </p:spPr>
-        <p:txBody>
-          <a:bodyPr wrap="square" rtlCol="0">
-            <a:spAutoFit/>
-          </a:bodyPr>
-          <a:lstStyle/>
-          <a:p>
-            <a:r>
-              <a:rPr lang="en-US" sz="4400" dirty="0"/>
-              <a:t>X</a:t>
-            </a:r>
-          </a:p>
-        </p:txBody>
-      </p:sp>
-      <p:sp>
-        <p:nvSpPr>
-          <p:cNvPr id="11" name="TextBox 10"/>
-          <p:cNvSpPr txBox="1"/>
-          <p:nvPr/>
-        </p:nvSpPr>
-        <p:spPr>
-          <a:xfrm>
-            <a:off x="5074443" y="5632645"/>
-            <a:ext cx="685800" cy="769441"/>
-          </a:xfrm>
-          <a:prstGeom prst="rect">
-            <a:avLst/>
-          </a:prstGeom>
-          <a:noFill/>
-        </p:spPr>
-        <p:txBody>
-          <a:bodyPr wrap="square" rtlCol="0">
-            <a:spAutoFit/>
-          </a:bodyPr>
-          <a:lstStyle/>
-          <a:p>
-            <a:r>
-              <a:rPr lang="en-US" sz="4400" dirty="0"/>
-              <a:t>O</a:t>
-            </a:r>
-          </a:p>
-        </p:txBody>
-      </p:sp>
     </p:spTree>
     <p:extLst>
       <p:ext uri="{BB962C8B-B14F-4D97-AF65-F5344CB8AC3E}">
-        <p14:creationId xmlns:p14="http://schemas.microsoft.com/office/powerpoint/2010/main" val="1124989575"/>
+        <p14:creationId xmlns:p14="http://schemas.microsoft.com/office/powerpoint/2010/main" val="3355760767"/>
       </p:ext>
     </p:extLst>
   </p:cSld>
@@ -12970,7 +12139,7 @@
               <a:rPr lang="en-US" sz="2800" dirty="0">
                 <a:latin typeface="Consolas" panose="020B0609020204030204" pitchFamily="49" charset="0"/>
               </a:rPr>
-              <a:t>[ 0 ][  2 ] = ‘X’;</a:t>
+              <a:t>[ 2 ][  0 ] = ‘X’;</a:t>
             </a:r>
           </a:p>
         </p:txBody>
@@ -13120,68 +12289,10 @@
           </a:p>
         </p:txBody>
       </p:sp>
-      <p:sp>
-        <p:nvSpPr>
-          <p:cNvPr id="11" name="TextBox 10"/>
-          <p:cNvSpPr txBox="1"/>
-          <p:nvPr/>
-        </p:nvSpPr>
-        <p:spPr>
-          <a:xfrm>
-            <a:off x="5074443" y="5632645"/>
-            <a:ext cx="685800" cy="769441"/>
-          </a:xfrm>
-          <a:prstGeom prst="rect">
-            <a:avLst/>
-          </a:prstGeom>
-          <a:noFill/>
-        </p:spPr>
-        <p:txBody>
-          <a:bodyPr wrap="square" rtlCol="0">
-            <a:spAutoFit/>
-          </a:bodyPr>
-          <a:lstStyle/>
-          <a:p>
-            <a:r>
-              <a:rPr lang="en-US" sz="4400" dirty="0"/>
-              <a:t>O</a:t>
-            </a:r>
-          </a:p>
-        </p:txBody>
-      </p:sp>
-      <p:sp>
-        <p:nvSpPr>
-          <p:cNvPr id="12" name="TextBox 11"/>
-          <p:cNvSpPr txBox="1"/>
-          <p:nvPr/>
-        </p:nvSpPr>
-        <p:spPr>
-          <a:xfrm>
-            <a:off x="6165908" y="3230598"/>
-            <a:ext cx="685800" cy="769441"/>
-          </a:xfrm>
-          <a:prstGeom prst="rect">
-            <a:avLst/>
-          </a:prstGeom>
-          <a:noFill/>
-        </p:spPr>
-        <p:txBody>
-          <a:bodyPr wrap="square" rtlCol="0">
-            <a:spAutoFit/>
-          </a:bodyPr>
-          <a:lstStyle/>
-          <a:p>
-            <a:r>
-              <a:rPr lang="en-US" sz="4400" dirty="0"/>
-              <a:t>X</a:t>
-            </a:r>
-          </a:p>
-        </p:txBody>
-      </p:sp>
     </p:spTree>
     <p:extLst>
       <p:ext uri="{BB962C8B-B14F-4D97-AF65-F5344CB8AC3E}">
-        <p14:creationId xmlns:p14="http://schemas.microsoft.com/office/powerpoint/2010/main" val="2705992349"/>
+        <p14:creationId xmlns:p14="http://schemas.microsoft.com/office/powerpoint/2010/main" val="3358265216"/>
       </p:ext>
     </p:extLst>
   </p:cSld>
@@ -13225,96 +12336,213 @@
           <a:p>
             <a:r>
               <a:rPr lang="en-US" dirty="0"/>
-              <a:t>2D array dimensions</a:t>
-            </a:r>
-          </a:p>
-        </p:txBody>
-      </p:sp>
-      <p:sp>
-        <p:nvSpPr>
-          <p:cNvPr id="3" name="Content Placeholder 2"/>
-          <p:cNvSpPr>
-            <a:spLocks noGrp="1"/>
-          </p:cNvSpPr>
-          <p:nvPr>
-            <p:ph idx="1"/>
-          </p:nvPr>
-        </p:nvSpPr>
-        <p:spPr/>
-        <p:txBody>
-          <a:bodyPr>
-            <a:normAutofit/>
+              <a:t>Creating a 2D char array</a:t>
+            </a:r>
+          </a:p>
+        </p:txBody>
+      </p:sp>
+      <p:pic>
+        <p:nvPicPr>
+          <p:cNvPr id="3" name="Picture 2"/>
+          <p:cNvPicPr>
+            <a:picLocks noChangeAspect="1"/>
+          </p:cNvPicPr>
+          <p:nvPr/>
+        </p:nvPicPr>
+        <p:blipFill>
+          <a:blip r:embed="rId2"/>
+          <a:stretch>
+            <a:fillRect/>
+          </a:stretch>
+        </p:blipFill>
+        <p:spPr>
+          <a:xfrm>
+            <a:off x="1676400" y="2202795"/>
+            <a:ext cx="5636440" cy="4537074"/>
+          </a:xfrm>
+          <a:prstGeom prst="rect">
+            <a:avLst/>
+          </a:prstGeom>
+        </p:spPr>
+      </p:pic>
+      <p:sp>
+        <p:nvSpPr>
+          <p:cNvPr id="5" name="TextBox 4"/>
+          <p:cNvSpPr txBox="1"/>
+          <p:nvPr/>
+        </p:nvSpPr>
+        <p:spPr>
+          <a:xfrm>
+            <a:off x="1676400" y="1371600"/>
+            <a:ext cx="5791200" cy="523220"/>
+          </a:xfrm>
+          <a:prstGeom prst="rect">
+            <a:avLst/>
+          </a:prstGeom>
+          <a:noFill/>
+        </p:spPr>
+        <p:txBody>
+          <a:bodyPr wrap="square" rtlCol="0">
+            <a:spAutoFit/>
           </a:bodyPr>
           <a:lstStyle/>
           <a:p>
-            <a:pPr marL="0" indent="0">
-              <a:buNone/>
-            </a:pPr>
-            <a:r>
-              <a:rPr lang="en-US" dirty="0" err="1"/>
-              <a:t>int</a:t>
-            </a:r>
-            <a:r>
-              <a:rPr lang="en-US" dirty="0"/>
-              <a:t>[][] </a:t>
-            </a:r>
-            <a:r>
-              <a:rPr lang="en-US" dirty="0" err="1"/>
-              <a:t>numArray</a:t>
-            </a:r>
-            <a:r>
-              <a:rPr lang="en-US" dirty="0"/>
-              <a:t> = new </a:t>
-            </a:r>
-            <a:r>
-              <a:rPr lang="en-US" dirty="0" err="1"/>
-              <a:t>int</a:t>
-            </a:r>
-            <a:r>
-              <a:rPr lang="en-US" dirty="0"/>
-              <a:t>[2][4];</a:t>
-            </a:r>
-          </a:p>
-          <a:p>
-            <a:pPr marL="0" indent="0">
-              <a:buNone/>
-            </a:pPr>
-            <a:r>
-              <a:rPr lang="en-US" dirty="0" err="1"/>
-              <a:t>int</a:t>
-            </a:r>
-            <a:r>
-              <a:rPr lang="en-US" dirty="0"/>
-              <a:t> rows = </a:t>
-            </a:r>
-            <a:r>
-              <a:rPr lang="en-US" dirty="0" err="1"/>
-              <a:t>numArray.length</a:t>
-            </a:r>
-            <a:r>
-              <a:rPr lang="en-US" dirty="0"/>
-              <a:t>;</a:t>
-            </a:r>
-          </a:p>
-          <a:p>
-            <a:pPr marL="0" indent="0">
-              <a:buNone/>
-            </a:pPr>
-            <a:r>
-              <a:rPr lang="en-US" dirty="0" err="1"/>
-              <a:t>int</a:t>
-            </a:r>
-            <a:r>
-              <a:rPr lang="en-US" dirty="0"/>
-              <a:t> cols = </a:t>
-            </a:r>
-            <a:r>
-              <a:rPr lang="en-US" dirty="0" err="1"/>
-              <a:t>numArray</a:t>
-            </a:r>
-            <a:r>
-              <a:rPr lang="en-US" dirty="0"/>
-              <a:t>[0].length;</a:t>
+            <a:r>
+              <a:rPr lang="en-US" sz="2800" dirty="0" err="1">
+                <a:latin typeface="Consolas" panose="020B0609020204030204" pitchFamily="49" charset="0"/>
+              </a:rPr>
+              <a:t>ticTacToe</a:t>
+            </a:r>
+            <a:r>
+              <a:rPr lang="en-US" sz="2800" dirty="0">
+                <a:latin typeface="Consolas" panose="020B0609020204030204" pitchFamily="49" charset="0"/>
+              </a:rPr>
+              <a:t>[ 2 ][  1 ] = ‘O’;</a:t>
+            </a:r>
+          </a:p>
+        </p:txBody>
+      </p:sp>
+      <p:sp>
+        <p:nvSpPr>
+          <p:cNvPr id="6" name="TextBox 5"/>
+          <p:cNvSpPr txBox="1"/>
+          <p:nvPr/>
+        </p:nvSpPr>
+        <p:spPr>
+          <a:xfrm>
+            <a:off x="5105400" y="4419600"/>
+            <a:ext cx="685800" cy="769441"/>
+          </a:xfrm>
+          <a:prstGeom prst="rect">
+            <a:avLst/>
+          </a:prstGeom>
+          <a:noFill/>
+        </p:spPr>
+        <p:txBody>
+          <a:bodyPr wrap="square" rtlCol="0">
+            <a:spAutoFit/>
+          </a:bodyPr>
+          <a:lstStyle/>
+          <a:p>
+            <a:r>
+              <a:rPr lang="en-US" sz="4400" dirty="0"/>
+              <a:t>X</a:t>
+            </a:r>
+          </a:p>
+        </p:txBody>
+      </p:sp>
+      <p:sp>
+        <p:nvSpPr>
+          <p:cNvPr id="7" name="TextBox 6"/>
+          <p:cNvSpPr txBox="1"/>
+          <p:nvPr/>
+        </p:nvSpPr>
+        <p:spPr>
+          <a:xfrm>
+            <a:off x="5122178" y="3249722"/>
+            <a:ext cx="685800" cy="769441"/>
+          </a:xfrm>
+          <a:prstGeom prst="rect">
+            <a:avLst/>
+          </a:prstGeom>
+          <a:noFill/>
+        </p:spPr>
+        <p:txBody>
+          <a:bodyPr wrap="square" rtlCol="0">
+            <a:spAutoFit/>
+          </a:bodyPr>
+          <a:lstStyle/>
+          <a:p>
+            <a:r>
+              <a:rPr lang="en-US" sz="4400" dirty="0"/>
+              <a:t>O</a:t>
+            </a:r>
+          </a:p>
+        </p:txBody>
+      </p:sp>
+      <p:sp>
+        <p:nvSpPr>
+          <p:cNvPr id="8" name="TextBox 7"/>
+          <p:cNvSpPr txBox="1"/>
+          <p:nvPr/>
+        </p:nvSpPr>
+        <p:spPr>
+          <a:xfrm>
+            <a:off x="6172200" y="5638800"/>
+            <a:ext cx="685800" cy="769441"/>
+          </a:xfrm>
+          <a:prstGeom prst="rect">
+            <a:avLst/>
+          </a:prstGeom>
+          <a:noFill/>
+        </p:spPr>
+        <p:txBody>
+          <a:bodyPr wrap="square" rtlCol="0">
+            <a:spAutoFit/>
+          </a:bodyPr>
+          <a:lstStyle/>
+          <a:p>
+            <a:r>
+              <a:rPr lang="en-US" sz="4400" dirty="0"/>
+              <a:t>X</a:t>
+            </a:r>
+          </a:p>
+        </p:txBody>
+      </p:sp>
+      <p:sp>
+        <p:nvSpPr>
+          <p:cNvPr id="9" name="TextBox 8"/>
+          <p:cNvSpPr txBox="1"/>
+          <p:nvPr/>
+        </p:nvSpPr>
+        <p:spPr>
+          <a:xfrm>
+            <a:off x="4151720" y="3262692"/>
+            <a:ext cx="685800" cy="769441"/>
+          </a:xfrm>
+          <a:prstGeom prst="rect">
+            <a:avLst/>
+          </a:prstGeom>
+          <a:noFill/>
+        </p:spPr>
+        <p:txBody>
+          <a:bodyPr wrap="square" rtlCol="0">
+            <a:spAutoFit/>
+          </a:bodyPr>
+          <a:lstStyle/>
+          <a:p>
+            <a:r>
+              <a:rPr lang="en-US" sz="4400" dirty="0"/>
+              <a:t>O</a:t>
+            </a:r>
+          </a:p>
+        </p:txBody>
+      </p:sp>
+      <p:sp>
+        <p:nvSpPr>
+          <p:cNvPr id="10" name="TextBox 9"/>
+          <p:cNvSpPr txBox="1"/>
+          <p:nvPr/>
+        </p:nvSpPr>
+        <p:spPr>
+          <a:xfrm>
+            <a:off x="4151720" y="5638799"/>
+            <a:ext cx="685800" cy="769441"/>
+          </a:xfrm>
+          <a:prstGeom prst="rect">
+            <a:avLst/>
+          </a:prstGeom>
+          <a:noFill/>
+        </p:spPr>
+        <p:txBody>
+          <a:bodyPr wrap="square" rtlCol="0">
+            <a:spAutoFit/>
+          </a:bodyPr>
+          <a:lstStyle/>
+          <a:p>
+            <a:r>
+              <a:rPr lang="en-US" sz="4400" dirty="0"/>
+              <a:t>X</a:t>
             </a:r>
           </a:p>
         </p:txBody>
@@ -13322,7 +12550,7 @@
     </p:spTree>
     <p:extLst>
       <p:ext uri="{BB962C8B-B14F-4D97-AF65-F5344CB8AC3E}">
-        <p14:creationId xmlns:p14="http://schemas.microsoft.com/office/powerpoint/2010/main" val="278095655"/>
+        <p14:creationId xmlns:p14="http://schemas.microsoft.com/office/powerpoint/2010/main" val="853083052"/>
       </p:ext>
     </p:extLst>
   </p:cSld>
@@ -13366,14 +12594,14 @@
           <a:p>
             <a:r>
               <a:rPr lang="en-US" dirty="0"/>
-              <a:t>2D array dimensions</a:t>
+              <a:t>Creating a 2D char array</a:t>
             </a:r>
           </a:p>
         </p:txBody>
       </p:sp>
       <p:pic>
         <p:nvPicPr>
-          <p:cNvPr id="5" name="Picture 4"/>
+          <p:cNvPr id="3" name="Picture 2"/>
           <p:cNvPicPr>
             <a:picLocks noChangeAspect="1"/>
           </p:cNvPicPr>
@@ -13387,8 +12615,8 @@
         </p:blipFill>
         <p:spPr>
           <a:xfrm>
-            <a:off x="2399636" y="1411346"/>
-            <a:ext cx="6287164" cy="4879588"/>
+            <a:off x="1676400" y="2202795"/>
+            <a:ext cx="5636440" cy="4537074"/>
           </a:xfrm>
           <a:prstGeom prst="rect">
             <a:avLst/>
@@ -13397,14 +12625,14 @@
       </p:pic>
       <p:sp>
         <p:nvSpPr>
-          <p:cNvPr id="6" name="TextBox 5"/>
+          <p:cNvPr id="5" name="TextBox 4"/>
           <p:cNvSpPr txBox="1"/>
           <p:nvPr/>
         </p:nvSpPr>
         <p:spPr>
           <a:xfrm>
-            <a:off x="304800" y="3276600"/>
-            <a:ext cx="1942436" cy="2246769"/>
+            <a:off x="1676400" y="1371600"/>
+            <a:ext cx="5791200" cy="523220"/>
           </a:xfrm>
           <a:prstGeom prst="rect">
             <a:avLst/>
@@ -13418,31 +12646,198 @@
           <a:lstStyle/>
           <a:p>
             <a:r>
-              <a:rPr lang="en-US" sz="2800" dirty="0"/>
-              <a:t>2 rows</a:t>
-            </a:r>
-          </a:p>
-          <a:p>
-            <a:r>
-              <a:rPr lang="en-US" sz="2800" dirty="0"/>
-              <a:t>4 columns</a:t>
-            </a:r>
-          </a:p>
-          <a:p>
-            <a:endParaRPr lang="en-US" sz="2800" dirty="0"/>
-          </a:p>
-          <a:p>
-            <a:endParaRPr lang="en-US" sz="2800" dirty="0"/>
-          </a:p>
-          <a:p>
-            <a:endParaRPr lang="en-US" sz="2800" dirty="0"/>
+              <a:rPr lang="en-US" sz="2800" dirty="0" err="1">
+                <a:latin typeface="Consolas" panose="020B0609020204030204" pitchFamily="49" charset="0"/>
+              </a:rPr>
+              <a:t>ticTacToe</a:t>
+            </a:r>
+            <a:r>
+              <a:rPr lang="en-US" sz="2800" dirty="0">
+                <a:latin typeface="Consolas" panose="020B0609020204030204" pitchFamily="49" charset="0"/>
+              </a:rPr>
+              <a:t>[ 2 ][  1 ] = ‘O’;</a:t>
+            </a:r>
+          </a:p>
+        </p:txBody>
+      </p:sp>
+      <p:sp>
+        <p:nvSpPr>
+          <p:cNvPr id="6" name="TextBox 5"/>
+          <p:cNvSpPr txBox="1"/>
+          <p:nvPr/>
+        </p:nvSpPr>
+        <p:spPr>
+          <a:xfrm>
+            <a:off x="5105400" y="4419600"/>
+            <a:ext cx="685800" cy="769441"/>
+          </a:xfrm>
+          <a:prstGeom prst="rect">
+            <a:avLst/>
+          </a:prstGeom>
+          <a:noFill/>
+        </p:spPr>
+        <p:txBody>
+          <a:bodyPr wrap="square" rtlCol="0">
+            <a:spAutoFit/>
+          </a:bodyPr>
+          <a:lstStyle/>
+          <a:p>
+            <a:r>
+              <a:rPr lang="en-US" sz="4400" dirty="0"/>
+              <a:t>X</a:t>
+            </a:r>
+          </a:p>
+        </p:txBody>
+      </p:sp>
+      <p:sp>
+        <p:nvSpPr>
+          <p:cNvPr id="7" name="TextBox 6"/>
+          <p:cNvSpPr txBox="1"/>
+          <p:nvPr/>
+        </p:nvSpPr>
+        <p:spPr>
+          <a:xfrm>
+            <a:off x="5122178" y="3249722"/>
+            <a:ext cx="685800" cy="769441"/>
+          </a:xfrm>
+          <a:prstGeom prst="rect">
+            <a:avLst/>
+          </a:prstGeom>
+          <a:noFill/>
+        </p:spPr>
+        <p:txBody>
+          <a:bodyPr wrap="square" rtlCol="0">
+            <a:spAutoFit/>
+          </a:bodyPr>
+          <a:lstStyle/>
+          <a:p>
+            <a:r>
+              <a:rPr lang="en-US" sz="4400" dirty="0"/>
+              <a:t>O</a:t>
+            </a:r>
+          </a:p>
+        </p:txBody>
+      </p:sp>
+      <p:sp>
+        <p:nvSpPr>
+          <p:cNvPr id="8" name="TextBox 7"/>
+          <p:cNvSpPr txBox="1"/>
+          <p:nvPr/>
+        </p:nvSpPr>
+        <p:spPr>
+          <a:xfrm>
+            <a:off x="6172200" y="5638800"/>
+            <a:ext cx="685800" cy="769441"/>
+          </a:xfrm>
+          <a:prstGeom prst="rect">
+            <a:avLst/>
+          </a:prstGeom>
+          <a:noFill/>
+        </p:spPr>
+        <p:txBody>
+          <a:bodyPr wrap="square" rtlCol="0">
+            <a:spAutoFit/>
+          </a:bodyPr>
+          <a:lstStyle/>
+          <a:p>
+            <a:r>
+              <a:rPr lang="en-US" sz="4400" dirty="0"/>
+              <a:t>X</a:t>
+            </a:r>
+          </a:p>
+        </p:txBody>
+      </p:sp>
+      <p:sp>
+        <p:nvSpPr>
+          <p:cNvPr id="9" name="TextBox 8"/>
+          <p:cNvSpPr txBox="1"/>
+          <p:nvPr/>
+        </p:nvSpPr>
+        <p:spPr>
+          <a:xfrm>
+            <a:off x="4151720" y="3262692"/>
+            <a:ext cx="685800" cy="769441"/>
+          </a:xfrm>
+          <a:prstGeom prst="rect">
+            <a:avLst/>
+          </a:prstGeom>
+          <a:noFill/>
+        </p:spPr>
+        <p:txBody>
+          <a:bodyPr wrap="square" rtlCol="0">
+            <a:spAutoFit/>
+          </a:bodyPr>
+          <a:lstStyle/>
+          <a:p>
+            <a:r>
+              <a:rPr lang="en-US" sz="4400" dirty="0"/>
+              <a:t>O</a:t>
+            </a:r>
+          </a:p>
+        </p:txBody>
+      </p:sp>
+      <p:sp>
+        <p:nvSpPr>
+          <p:cNvPr id="10" name="TextBox 9"/>
+          <p:cNvSpPr txBox="1"/>
+          <p:nvPr/>
+        </p:nvSpPr>
+        <p:spPr>
+          <a:xfrm>
+            <a:off x="4151720" y="5638799"/>
+            <a:ext cx="685800" cy="769441"/>
+          </a:xfrm>
+          <a:prstGeom prst="rect">
+            <a:avLst/>
+          </a:prstGeom>
+          <a:noFill/>
+        </p:spPr>
+        <p:txBody>
+          <a:bodyPr wrap="square" rtlCol="0">
+            <a:spAutoFit/>
+          </a:bodyPr>
+          <a:lstStyle/>
+          <a:p>
+            <a:r>
+              <a:rPr lang="en-US" sz="4400" dirty="0"/>
+              <a:t>X</a:t>
+            </a:r>
+          </a:p>
+        </p:txBody>
+      </p:sp>
+      <p:sp>
+        <p:nvSpPr>
+          <p:cNvPr id="11" name="TextBox 10"/>
+          <p:cNvSpPr txBox="1"/>
+          <p:nvPr/>
+        </p:nvSpPr>
+        <p:spPr>
+          <a:xfrm>
+            <a:off x="5074443" y="5632645"/>
+            <a:ext cx="685800" cy="769441"/>
+          </a:xfrm>
+          <a:prstGeom prst="rect">
+            <a:avLst/>
+          </a:prstGeom>
+          <a:noFill/>
+        </p:spPr>
+        <p:txBody>
+          <a:bodyPr wrap="square" rtlCol="0">
+            <a:spAutoFit/>
+          </a:bodyPr>
+          <a:lstStyle/>
+          <a:p>
+            <a:r>
+              <a:rPr lang="en-US" sz="4400" dirty="0"/>
+              <a:t>O</a:t>
+            </a:r>
           </a:p>
         </p:txBody>
       </p:sp>
     </p:spTree>
     <p:extLst>
       <p:ext uri="{BB962C8B-B14F-4D97-AF65-F5344CB8AC3E}">
-        <p14:creationId xmlns:p14="http://schemas.microsoft.com/office/powerpoint/2010/main" val="1626782504"/>
+        <p14:creationId xmlns:p14="http://schemas.microsoft.com/office/powerpoint/2010/main" val="2582998312"/>
       </p:ext>
     </p:extLst>
   </p:cSld>
@@ -13485,6 +12880,1147 @@
           <a:lstStyle/>
           <a:p>
             <a:r>
+              <a:rPr lang="en-US" dirty="0"/>
+              <a:t>Creating a 2D char array</a:t>
+            </a:r>
+          </a:p>
+        </p:txBody>
+      </p:sp>
+      <p:pic>
+        <p:nvPicPr>
+          <p:cNvPr id="3" name="Picture 2"/>
+          <p:cNvPicPr>
+            <a:picLocks noChangeAspect="1"/>
+          </p:cNvPicPr>
+          <p:nvPr/>
+        </p:nvPicPr>
+        <p:blipFill>
+          <a:blip r:embed="rId2"/>
+          <a:stretch>
+            <a:fillRect/>
+          </a:stretch>
+        </p:blipFill>
+        <p:spPr>
+          <a:xfrm>
+            <a:off x="1676400" y="2202795"/>
+            <a:ext cx="5636440" cy="4537074"/>
+          </a:xfrm>
+          <a:prstGeom prst="rect">
+            <a:avLst/>
+          </a:prstGeom>
+        </p:spPr>
+      </p:pic>
+      <p:sp>
+        <p:nvSpPr>
+          <p:cNvPr id="5" name="TextBox 4"/>
+          <p:cNvSpPr txBox="1"/>
+          <p:nvPr/>
+        </p:nvSpPr>
+        <p:spPr>
+          <a:xfrm>
+            <a:off x="1676400" y="1371600"/>
+            <a:ext cx="5791200" cy="523220"/>
+          </a:xfrm>
+          <a:prstGeom prst="rect">
+            <a:avLst/>
+          </a:prstGeom>
+          <a:noFill/>
+        </p:spPr>
+        <p:txBody>
+          <a:bodyPr wrap="square" rtlCol="0">
+            <a:spAutoFit/>
+          </a:bodyPr>
+          <a:lstStyle/>
+          <a:p>
+            <a:r>
+              <a:rPr lang="en-US" sz="2800" dirty="0" err="1">
+                <a:latin typeface="Consolas" panose="020B0609020204030204" pitchFamily="49" charset="0"/>
+              </a:rPr>
+              <a:t>ticTacToe</a:t>
+            </a:r>
+            <a:r>
+              <a:rPr lang="en-US" sz="2800" dirty="0">
+                <a:latin typeface="Consolas" panose="020B0609020204030204" pitchFamily="49" charset="0"/>
+              </a:rPr>
+              <a:t>[ 0 ][  2 ] = ‘X’;</a:t>
+            </a:r>
+          </a:p>
+        </p:txBody>
+      </p:sp>
+      <p:sp>
+        <p:nvSpPr>
+          <p:cNvPr id="6" name="TextBox 5"/>
+          <p:cNvSpPr txBox="1"/>
+          <p:nvPr/>
+        </p:nvSpPr>
+        <p:spPr>
+          <a:xfrm>
+            <a:off x="5105400" y="4419600"/>
+            <a:ext cx="685800" cy="769441"/>
+          </a:xfrm>
+          <a:prstGeom prst="rect">
+            <a:avLst/>
+          </a:prstGeom>
+          <a:noFill/>
+        </p:spPr>
+        <p:txBody>
+          <a:bodyPr wrap="square" rtlCol="0">
+            <a:spAutoFit/>
+          </a:bodyPr>
+          <a:lstStyle/>
+          <a:p>
+            <a:r>
+              <a:rPr lang="en-US" sz="4400" dirty="0"/>
+              <a:t>X</a:t>
+            </a:r>
+          </a:p>
+        </p:txBody>
+      </p:sp>
+      <p:sp>
+        <p:nvSpPr>
+          <p:cNvPr id="7" name="TextBox 6"/>
+          <p:cNvSpPr txBox="1"/>
+          <p:nvPr/>
+        </p:nvSpPr>
+        <p:spPr>
+          <a:xfrm>
+            <a:off x="5122178" y="3249722"/>
+            <a:ext cx="685800" cy="769441"/>
+          </a:xfrm>
+          <a:prstGeom prst="rect">
+            <a:avLst/>
+          </a:prstGeom>
+          <a:noFill/>
+        </p:spPr>
+        <p:txBody>
+          <a:bodyPr wrap="square" rtlCol="0">
+            <a:spAutoFit/>
+          </a:bodyPr>
+          <a:lstStyle/>
+          <a:p>
+            <a:r>
+              <a:rPr lang="en-US" sz="4400" dirty="0"/>
+              <a:t>O</a:t>
+            </a:r>
+          </a:p>
+        </p:txBody>
+      </p:sp>
+      <p:sp>
+        <p:nvSpPr>
+          <p:cNvPr id="8" name="TextBox 7"/>
+          <p:cNvSpPr txBox="1"/>
+          <p:nvPr/>
+        </p:nvSpPr>
+        <p:spPr>
+          <a:xfrm>
+            <a:off x="6172200" y="5638800"/>
+            <a:ext cx="685800" cy="769441"/>
+          </a:xfrm>
+          <a:prstGeom prst="rect">
+            <a:avLst/>
+          </a:prstGeom>
+          <a:noFill/>
+        </p:spPr>
+        <p:txBody>
+          <a:bodyPr wrap="square" rtlCol="0">
+            <a:spAutoFit/>
+          </a:bodyPr>
+          <a:lstStyle/>
+          <a:p>
+            <a:r>
+              <a:rPr lang="en-US" sz="4400" dirty="0"/>
+              <a:t>X</a:t>
+            </a:r>
+          </a:p>
+        </p:txBody>
+      </p:sp>
+      <p:sp>
+        <p:nvSpPr>
+          <p:cNvPr id="9" name="TextBox 8"/>
+          <p:cNvSpPr txBox="1"/>
+          <p:nvPr/>
+        </p:nvSpPr>
+        <p:spPr>
+          <a:xfrm>
+            <a:off x="4151720" y="3262692"/>
+            <a:ext cx="685800" cy="769441"/>
+          </a:xfrm>
+          <a:prstGeom prst="rect">
+            <a:avLst/>
+          </a:prstGeom>
+          <a:noFill/>
+        </p:spPr>
+        <p:txBody>
+          <a:bodyPr wrap="square" rtlCol="0">
+            <a:spAutoFit/>
+          </a:bodyPr>
+          <a:lstStyle/>
+          <a:p>
+            <a:r>
+              <a:rPr lang="en-US" sz="4400" dirty="0"/>
+              <a:t>O</a:t>
+            </a:r>
+          </a:p>
+        </p:txBody>
+      </p:sp>
+      <p:sp>
+        <p:nvSpPr>
+          <p:cNvPr id="10" name="TextBox 9"/>
+          <p:cNvSpPr txBox="1"/>
+          <p:nvPr/>
+        </p:nvSpPr>
+        <p:spPr>
+          <a:xfrm>
+            <a:off x="4151720" y="5638799"/>
+            <a:ext cx="685800" cy="769441"/>
+          </a:xfrm>
+          <a:prstGeom prst="rect">
+            <a:avLst/>
+          </a:prstGeom>
+          <a:noFill/>
+        </p:spPr>
+        <p:txBody>
+          <a:bodyPr wrap="square" rtlCol="0">
+            <a:spAutoFit/>
+          </a:bodyPr>
+          <a:lstStyle/>
+          <a:p>
+            <a:r>
+              <a:rPr lang="en-US" sz="4400" dirty="0"/>
+              <a:t>X</a:t>
+            </a:r>
+          </a:p>
+        </p:txBody>
+      </p:sp>
+      <p:sp>
+        <p:nvSpPr>
+          <p:cNvPr id="11" name="TextBox 10"/>
+          <p:cNvSpPr txBox="1"/>
+          <p:nvPr/>
+        </p:nvSpPr>
+        <p:spPr>
+          <a:xfrm>
+            <a:off x="5074443" y="5632645"/>
+            <a:ext cx="685800" cy="769441"/>
+          </a:xfrm>
+          <a:prstGeom prst="rect">
+            <a:avLst/>
+          </a:prstGeom>
+          <a:noFill/>
+        </p:spPr>
+        <p:txBody>
+          <a:bodyPr wrap="square" rtlCol="0">
+            <a:spAutoFit/>
+          </a:bodyPr>
+          <a:lstStyle/>
+          <a:p>
+            <a:r>
+              <a:rPr lang="en-US" sz="4400" dirty="0"/>
+              <a:t>O</a:t>
+            </a:r>
+          </a:p>
+        </p:txBody>
+      </p:sp>
+    </p:spTree>
+    <p:extLst>
+      <p:ext uri="{BB962C8B-B14F-4D97-AF65-F5344CB8AC3E}">
+        <p14:creationId xmlns:p14="http://schemas.microsoft.com/office/powerpoint/2010/main" val="1124989575"/>
+      </p:ext>
+    </p:extLst>
+  </p:cSld>
+  <p:clrMapOvr>
+    <a:masterClrMapping/>
+  </p:clrMapOvr>
+</p:sld>
+</file>
+
+<file path=ppt/slides/slide39.xml><?xml version="1.0" encoding="utf-8"?>
+<p:sld xmlns:a="http://schemas.openxmlformats.org/drawingml/2006/main" xmlns:r="http://schemas.openxmlformats.org/officeDocument/2006/relationships" xmlns:p="http://schemas.openxmlformats.org/presentationml/2006/main">
+  <p:cSld>
+    <p:spTree>
+      <p:nvGrpSpPr>
+        <p:cNvPr id="1" name=""/>
+        <p:cNvGrpSpPr/>
+        <p:nvPr/>
+      </p:nvGrpSpPr>
+      <p:grpSpPr>
+        <a:xfrm>
+          <a:off x="0" y="0"/>
+          <a:ext cx="0" cy="0"/>
+          <a:chOff x="0" y="0"/>
+          <a:chExt cx="0" cy="0"/>
+        </a:xfrm>
+      </p:grpSpPr>
+      <p:sp>
+        <p:nvSpPr>
+          <p:cNvPr id="2" name="Title 1"/>
+          <p:cNvSpPr>
+            <a:spLocks noGrp="1"/>
+          </p:cNvSpPr>
+          <p:nvPr>
+            <p:ph type="title"/>
+          </p:nvPr>
+        </p:nvSpPr>
+        <p:spPr/>
+        <p:txBody>
+          <a:bodyPr/>
+          <a:lstStyle/>
+          <a:p>
+            <a:r>
+              <a:rPr lang="en-US" dirty="0"/>
+              <a:t>Creating a 2D char array</a:t>
+            </a:r>
+          </a:p>
+        </p:txBody>
+      </p:sp>
+      <p:pic>
+        <p:nvPicPr>
+          <p:cNvPr id="3" name="Picture 2"/>
+          <p:cNvPicPr>
+            <a:picLocks noChangeAspect="1"/>
+          </p:cNvPicPr>
+          <p:nvPr/>
+        </p:nvPicPr>
+        <p:blipFill>
+          <a:blip r:embed="rId2"/>
+          <a:stretch>
+            <a:fillRect/>
+          </a:stretch>
+        </p:blipFill>
+        <p:spPr>
+          <a:xfrm>
+            <a:off x="1676400" y="2202795"/>
+            <a:ext cx="5636440" cy="4537074"/>
+          </a:xfrm>
+          <a:prstGeom prst="rect">
+            <a:avLst/>
+          </a:prstGeom>
+        </p:spPr>
+      </p:pic>
+      <p:sp>
+        <p:nvSpPr>
+          <p:cNvPr id="5" name="TextBox 4"/>
+          <p:cNvSpPr txBox="1"/>
+          <p:nvPr/>
+        </p:nvSpPr>
+        <p:spPr>
+          <a:xfrm>
+            <a:off x="1676400" y="1371600"/>
+            <a:ext cx="5791200" cy="523220"/>
+          </a:xfrm>
+          <a:prstGeom prst="rect">
+            <a:avLst/>
+          </a:prstGeom>
+          <a:noFill/>
+        </p:spPr>
+        <p:txBody>
+          <a:bodyPr wrap="square" rtlCol="0">
+            <a:spAutoFit/>
+          </a:bodyPr>
+          <a:lstStyle/>
+          <a:p>
+            <a:r>
+              <a:rPr lang="en-US" sz="2800" dirty="0" err="1">
+                <a:latin typeface="Consolas" panose="020B0609020204030204" pitchFamily="49" charset="0"/>
+              </a:rPr>
+              <a:t>ticTacToe</a:t>
+            </a:r>
+            <a:r>
+              <a:rPr lang="en-US" sz="2800" dirty="0">
+                <a:latin typeface="Consolas" panose="020B0609020204030204" pitchFamily="49" charset="0"/>
+              </a:rPr>
+              <a:t>[ 0 ][  2 ] = ‘X’;</a:t>
+            </a:r>
+          </a:p>
+        </p:txBody>
+      </p:sp>
+      <p:sp>
+        <p:nvSpPr>
+          <p:cNvPr id="6" name="TextBox 5"/>
+          <p:cNvSpPr txBox="1"/>
+          <p:nvPr/>
+        </p:nvSpPr>
+        <p:spPr>
+          <a:xfrm>
+            <a:off x="5105400" y="4419600"/>
+            <a:ext cx="685800" cy="769441"/>
+          </a:xfrm>
+          <a:prstGeom prst="rect">
+            <a:avLst/>
+          </a:prstGeom>
+          <a:noFill/>
+        </p:spPr>
+        <p:txBody>
+          <a:bodyPr wrap="square" rtlCol="0">
+            <a:spAutoFit/>
+          </a:bodyPr>
+          <a:lstStyle/>
+          <a:p>
+            <a:r>
+              <a:rPr lang="en-US" sz="4400" dirty="0"/>
+              <a:t>X</a:t>
+            </a:r>
+          </a:p>
+        </p:txBody>
+      </p:sp>
+      <p:sp>
+        <p:nvSpPr>
+          <p:cNvPr id="7" name="TextBox 6"/>
+          <p:cNvSpPr txBox="1"/>
+          <p:nvPr/>
+        </p:nvSpPr>
+        <p:spPr>
+          <a:xfrm>
+            <a:off x="5122178" y="3249722"/>
+            <a:ext cx="685800" cy="769441"/>
+          </a:xfrm>
+          <a:prstGeom prst="rect">
+            <a:avLst/>
+          </a:prstGeom>
+          <a:noFill/>
+        </p:spPr>
+        <p:txBody>
+          <a:bodyPr wrap="square" rtlCol="0">
+            <a:spAutoFit/>
+          </a:bodyPr>
+          <a:lstStyle/>
+          <a:p>
+            <a:r>
+              <a:rPr lang="en-US" sz="4400" dirty="0"/>
+              <a:t>O</a:t>
+            </a:r>
+          </a:p>
+        </p:txBody>
+      </p:sp>
+      <p:sp>
+        <p:nvSpPr>
+          <p:cNvPr id="8" name="TextBox 7"/>
+          <p:cNvSpPr txBox="1"/>
+          <p:nvPr/>
+        </p:nvSpPr>
+        <p:spPr>
+          <a:xfrm>
+            <a:off x="6172200" y="5638800"/>
+            <a:ext cx="685800" cy="769441"/>
+          </a:xfrm>
+          <a:prstGeom prst="rect">
+            <a:avLst/>
+          </a:prstGeom>
+          <a:noFill/>
+        </p:spPr>
+        <p:txBody>
+          <a:bodyPr wrap="square" rtlCol="0">
+            <a:spAutoFit/>
+          </a:bodyPr>
+          <a:lstStyle/>
+          <a:p>
+            <a:r>
+              <a:rPr lang="en-US" sz="4400" dirty="0"/>
+              <a:t>X</a:t>
+            </a:r>
+          </a:p>
+        </p:txBody>
+      </p:sp>
+      <p:sp>
+        <p:nvSpPr>
+          <p:cNvPr id="9" name="TextBox 8"/>
+          <p:cNvSpPr txBox="1"/>
+          <p:nvPr/>
+        </p:nvSpPr>
+        <p:spPr>
+          <a:xfrm>
+            <a:off x="4151720" y="3262692"/>
+            <a:ext cx="685800" cy="769441"/>
+          </a:xfrm>
+          <a:prstGeom prst="rect">
+            <a:avLst/>
+          </a:prstGeom>
+          <a:noFill/>
+        </p:spPr>
+        <p:txBody>
+          <a:bodyPr wrap="square" rtlCol="0">
+            <a:spAutoFit/>
+          </a:bodyPr>
+          <a:lstStyle/>
+          <a:p>
+            <a:r>
+              <a:rPr lang="en-US" sz="4400" dirty="0"/>
+              <a:t>O</a:t>
+            </a:r>
+          </a:p>
+        </p:txBody>
+      </p:sp>
+      <p:sp>
+        <p:nvSpPr>
+          <p:cNvPr id="10" name="TextBox 9"/>
+          <p:cNvSpPr txBox="1"/>
+          <p:nvPr/>
+        </p:nvSpPr>
+        <p:spPr>
+          <a:xfrm>
+            <a:off x="4151720" y="5638799"/>
+            <a:ext cx="685800" cy="769441"/>
+          </a:xfrm>
+          <a:prstGeom prst="rect">
+            <a:avLst/>
+          </a:prstGeom>
+          <a:noFill/>
+        </p:spPr>
+        <p:txBody>
+          <a:bodyPr wrap="square" rtlCol="0">
+            <a:spAutoFit/>
+          </a:bodyPr>
+          <a:lstStyle/>
+          <a:p>
+            <a:r>
+              <a:rPr lang="en-US" sz="4400" dirty="0"/>
+              <a:t>X</a:t>
+            </a:r>
+          </a:p>
+        </p:txBody>
+      </p:sp>
+      <p:sp>
+        <p:nvSpPr>
+          <p:cNvPr id="11" name="TextBox 10"/>
+          <p:cNvSpPr txBox="1"/>
+          <p:nvPr/>
+        </p:nvSpPr>
+        <p:spPr>
+          <a:xfrm>
+            <a:off x="5074443" y="5632645"/>
+            <a:ext cx="685800" cy="769441"/>
+          </a:xfrm>
+          <a:prstGeom prst="rect">
+            <a:avLst/>
+          </a:prstGeom>
+          <a:noFill/>
+        </p:spPr>
+        <p:txBody>
+          <a:bodyPr wrap="square" rtlCol="0">
+            <a:spAutoFit/>
+          </a:bodyPr>
+          <a:lstStyle/>
+          <a:p>
+            <a:r>
+              <a:rPr lang="en-US" sz="4400" dirty="0"/>
+              <a:t>O</a:t>
+            </a:r>
+          </a:p>
+        </p:txBody>
+      </p:sp>
+      <p:sp>
+        <p:nvSpPr>
+          <p:cNvPr id="12" name="TextBox 11"/>
+          <p:cNvSpPr txBox="1"/>
+          <p:nvPr/>
+        </p:nvSpPr>
+        <p:spPr>
+          <a:xfrm>
+            <a:off x="6165908" y="3230598"/>
+            <a:ext cx="685800" cy="769441"/>
+          </a:xfrm>
+          <a:prstGeom prst="rect">
+            <a:avLst/>
+          </a:prstGeom>
+          <a:noFill/>
+        </p:spPr>
+        <p:txBody>
+          <a:bodyPr wrap="square" rtlCol="0">
+            <a:spAutoFit/>
+          </a:bodyPr>
+          <a:lstStyle/>
+          <a:p>
+            <a:r>
+              <a:rPr lang="en-US" sz="4400" dirty="0"/>
+              <a:t>X</a:t>
+            </a:r>
+          </a:p>
+        </p:txBody>
+      </p:sp>
+    </p:spTree>
+    <p:extLst>
+      <p:ext uri="{BB962C8B-B14F-4D97-AF65-F5344CB8AC3E}">
+        <p14:creationId xmlns:p14="http://schemas.microsoft.com/office/powerpoint/2010/main" val="2705992349"/>
+      </p:ext>
+    </p:extLst>
+  </p:cSld>
+  <p:clrMapOvr>
+    <a:masterClrMapping/>
+  </p:clrMapOvr>
+</p:sld>
+</file>
+
+<file path=ppt/slides/slide4.xml><?xml version="1.0" encoding="utf-8"?>
+<p:sld xmlns:a="http://schemas.openxmlformats.org/drawingml/2006/main" xmlns:r="http://schemas.openxmlformats.org/officeDocument/2006/relationships" xmlns:p="http://schemas.openxmlformats.org/presentationml/2006/main">
+  <p:cSld>
+    <p:spTree>
+      <p:nvGrpSpPr>
+        <p:cNvPr id="1" name=""/>
+        <p:cNvGrpSpPr/>
+        <p:nvPr/>
+      </p:nvGrpSpPr>
+      <p:grpSpPr>
+        <a:xfrm>
+          <a:off x="0" y="0"/>
+          <a:ext cx="0" cy="0"/>
+          <a:chOff x="0" y="0"/>
+          <a:chExt cx="0" cy="0"/>
+        </a:xfrm>
+      </p:grpSpPr>
+      <p:sp>
+        <p:nvSpPr>
+          <p:cNvPr id="2" name="Title 1"/>
+          <p:cNvSpPr>
+            <a:spLocks noGrp="1"/>
+          </p:cNvSpPr>
+          <p:nvPr>
+            <p:ph type="title"/>
+          </p:nvPr>
+        </p:nvSpPr>
+        <p:spPr>
+          <a:xfrm>
+            <a:off x="426720" y="-76200"/>
+            <a:ext cx="8229600" cy="838200"/>
+          </a:xfrm>
+        </p:spPr>
+        <p:txBody>
+          <a:bodyPr/>
+          <a:lstStyle/>
+          <a:p>
+            <a:r>
+              <a:rPr lang="en-US" dirty="0"/>
+              <a:t>Questions: Post to Piazza</a:t>
+            </a:r>
+          </a:p>
+        </p:txBody>
+      </p:sp>
+      <p:sp>
+        <p:nvSpPr>
+          <p:cNvPr id="3" name="Content Placeholder 2"/>
+          <p:cNvSpPr>
+            <a:spLocks noGrp="1"/>
+          </p:cNvSpPr>
+          <p:nvPr>
+            <p:ph idx="1"/>
+          </p:nvPr>
+        </p:nvSpPr>
+        <p:spPr>
+          <a:xfrm>
+            <a:off x="66261" y="762000"/>
+            <a:ext cx="8991600" cy="5943600"/>
+          </a:xfrm>
+        </p:spPr>
+        <p:txBody>
+          <a:bodyPr>
+            <a:normAutofit fontScale="92500" lnSpcReduction="20000"/>
+          </a:bodyPr>
+          <a:lstStyle/>
+          <a:p>
+            <a:r>
+              <a:rPr lang="en-US" dirty="0"/>
+              <a:t>PLEASE </a:t>
+            </a:r>
+            <a:r>
+              <a:rPr lang="en-US" u="sng" dirty="0"/>
+              <a:t>Post All Questions to Piazza</a:t>
+            </a:r>
+          </a:p>
+          <a:p>
+            <a:pPr lvl="1"/>
+            <a:r>
+              <a:rPr lang="en-US" dirty="0"/>
+              <a:t>If asking a question about an </a:t>
+            </a:r>
+            <a:r>
+              <a:rPr lang="en-US" b="1" dirty="0"/>
+              <a:t>individual assignment</a:t>
+            </a:r>
+            <a:r>
+              <a:rPr lang="en-US" dirty="0"/>
+              <a:t> (i.e. </a:t>
+            </a:r>
+            <a:r>
+              <a:rPr lang="en-US" b="1" dirty="0"/>
+              <a:t>Homework</a:t>
+            </a:r>
+            <a:r>
+              <a:rPr lang="en-US" dirty="0"/>
+              <a:t>) and you must share code (Homework) to ask your question:</a:t>
+            </a:r>
+          </a:p>
+          <a:p>
+            <a:pPr lvl="1"/>
+            <a:r>
+              <a:rPr lang="en-US" b="1" dirty="0"/>
+              <a:t>Email instructors ONLY </a:t>
+            </a:r>
+            <a:r>
+              <a:rPr lang="en-US" dirty="0"/>
+              <a:t>(see below)</a:t>
+            </a:r>
+          </a:p>
+          <a:p>
+            <a:pPr lvl="1"/>
+            <a:endParaRPr lang="en-US" dirty="0"/>
+          </a:p>
+          <a:p>
+            <a:pPr lvl="1"/>
+            <a:endParaRPr lang="en-US" dirty="0"/>
+          </a:p>
+          <a:p>
+            <a:pPr lvl="1"/>
+            <a:endParaRPr lang="en-US" dirty="0"/>
+          </a:p>
+          <a:p>
+            <a:pPr lvl="1"/>
+            <a:endParaRPr lang="en-US" dirty="0"/>
+          </a:p>
+          <a:p>
+            <a:pPr lvl="1"/>
+            <a:endParaRPr lang="en-US" dirty="0"/>
+          </a:p>
+          <a:p>
+            <a:pPr lvl="1"/>
+            <a:endParaRPr lang="en-US" dirty="0"/>
+          </a:p>
+          <a:p>
+            <a:r>
+              <a:rPr lang="en-US" dirty="0"/>
+              <a:t>Otherwise: please post questions and look to help </a:t>
+            </a:r>
+            <a:r>
+              <a:rPr lang="en-US" i="1" u="sng" dirty="0"/>
+              <a:t>provide hints</a:t>
+            </a:r>
+            <a:r>
+              <a:rPr lang="en-US" i="1" dirty="0"/>
+              <a:t> </a:t>
+            </a:r>
+            <a:r>
+              <a:rPr lang="en-US" dirty="0"/>
+              <a:t>to other students </a:t>
+            </a:r>
+          </a:p>
+          <a:p>
+            <a:r>
+              <a:rPr lang="en-US" dirty="0"/>
+              <a:t>Collaborative (i.e. in-class activities) or if you don’t have to post code to ask the question</a:t>
+            </a:r>
+          </a:p>
+        </p:txBody>
+      </p:sp>
+      <p:pic>
+        <p:nvPicPr>
+          <p:cNvPr id="5" name="Picture 4"/>
+          <p:cNvPicPr>
+            <a:picLocks noChangeAspect="1"/>
+          </p:cNvPicPr>
+          <p:nvPr/>
+        </p:nvPicPr>
+        <p:blipFill>
+          <a:blip r:embed="rId3"/>
+          <a:stretch>
+            <a:fillRect/>
+          </a:stretch>
+        </p:blipFill>
+        <p:spPr>
+          <a:xfrm>
+            <a:off x="353080" y="2667000"/>
+            <a:ext cx="3611880" cy="2274886"/>
+          </a:xfrm>
+          <a:prstGeom prst="rect">
+            <a:avLst/>
+          </a:prstGeom>
+          <a:solidFill>
+            <a:srgbClr val="FFFFFF">
+              <a:shade val="85000"/>
+            </a:srgbClr>
+          </a:solidFill>
+          <a:ln w="190500" cap="rnd">
+            <a:solidFill>
+              <a:srgbClr val="FFFFFF"/>
+            </a:solidFill>
+          </a:ln>
+          <a:effectLst>
+            <a:outerShdw blurRad="50000" algn="tl" rotWithShape="0">
+              <a:srgbClr val="000000">
+                <a:alpha val="41000"/>
+              </a:srgbClr>
+            </a:outerShdw>
+          </a:effectLst>
+          <a:scene3d>
+            <a:camera prst="orthographicFront"/>
+            <a:lightRig rig="twoPt" dir="t">
+              <a:rot lat="0" lon="0" rev="7800000"/>
+            </a:lightRig>
+          </a:scene3d>
+          <a:sp3d contourW="6350">
+            <a:bevelT w="50800" h="16510"/>
+            <a:contourClr>
+              <a:srgbClr val="C0C0C0"/>
+            </a:contourClr>
+          </a:sp3d>
+        </p:spPr>
+      </p:pic>
+      <p:pic>
+        <p:nvPicPr>
+          <p:cNvPr id="6" name="Picture 5"/>
+          <p:cNvPicPr>
+            <a:picLocks noChangeAspect="1"/>
+          </p:cNvPicPr>
+          <p:nvPr/>
+        </p:nvPicPr>
+        <p:blipFill rotWithShape="1">
+          <a:blip r:embed="rId4"/>
+          <a:srcRect r="23858"/>
+          <a:stretch/>
+        </p:blipFill>
+        <p:spPr>
+          <a:xfrm>
+            <a:off x="4176904" y="2678114"/>
+            <a:ext cx="4779578" cy="2274886"/>
+          </a:xfrm>
+          <a:prstGeom prst="rect">
+            <a:avLst/>
+          </a:prstGeom>
+          <a:solidFill>
+            <a:srgbClr val="FFFFFF">
+              <a:shade val="85000"/>
+            </a:srgbClr>
+          </a:solidFill>
+          <a:ln w="190500" cap="rnd">
+            <a:solidFill>
+              <a:srgbClr val="FFFFFF"/>
+            </a:solidFill>
+          </a:ln>
+          <a:effectLst>
+            <a:outerShdw blurRad="50000" algn="tl" rotWithShape="0">
+              <a:srgbClr val="000000">
+                <a:alpha val="41000"/>
+              </a:srgbClr>
+            </a:outerShdw>
+          </a:effectLst>
+          <a:scene3d>
+            <a:camera prst="orthographicFront"/>
+            <a:lightRig rig="twoPt" dir="t">
+              <a:rot lat="0" lon="0" rev="7800000"/>
+            </a:lightRig>
+          </a:scene3d>
+          <a:sp3d contourW="6350">
+            <a:bevelT w="50800" h="16510"/>
+            <a:contourClr>
+              <a:srgbClr val="C0C0C0"/>
+            </a:contourClr>
+          </a:sp3d>
+        </p:spPr>
+      </p:pic>
+    </p:spTree>
+    <p:extLst>
+      <p:ext uri="{BB962C8B-B14F-4D97-AF65-F5344CB8AC3E}">
+        <p14:creationId xmlns:p14="http://schemas.microsoft.com/office/powerpoint/2010/main" val="2288678104"/>
+      </p:ext>
+    </p:extLst>
+  </p:cSld>
+  <p:clrMapOvr>
+    <a:masterClrMapping/>
+  </p:clrMapOvr>
+</p:sld>
+</file>
+
+<file path=ppt/slides/slide40.xml><?xml version="1.0" encoding="utf-8"?>
+<p:sld xmlns:a="http://schemas.openxmlformats.org/drawingml/2006/main" xmlns:r="http://schemas.openxmlformats.org/officeDocument/2006/relationships" xmlns:p="http://schemas.openxmlformats.org/presentationml/2006/main">
+  <p:cSld>
+    <p:spTree>
+      <p:nvGrpSpPr>
+        <p:cNvPr id="1" name=""/>
+        <p:cNvGrpSpPr/>
+        <p:nvPr/>
+      </p:nvGrpSpPr>
+      <p:grpSpPr>
+        <a:xfrm>
+          <a:off x="0" y="0"/>
+          <a:ext cx="0" cy="0"/>
+          <a:chOff x="0" y="0"/>
+          <a:chExt cx="0" cy="0"/>
+        </a:xfrm>
+      </p:grpSpPr>
+      <p:sp>
+        <p:nvSpPr>
+          <p:cNvPr id="2" name="Title 1"/>
+          <p:cNvSpPr>
+            <a:spLocks noGrp="1"/>
+          </p:cNvSpPr>
+          <p:nvPr>
+            <p:ph type="title"/>
+          </p:nvPr>
+        </p:nvSpPr>
+        <p:spPr/>
+        <p:txBody>
+          <a:bodyPr/>
+          <a:lstStyle/>
+          <a:p>
+            <a:r>
+              <a:rPr lang="en-US" dirty="0"/>
+              <a:t>2D array dimensions</a:t>
+            </a:r>
+          </a:p>
+        </p:txBody>
+      </p:sp>
+      <p:sp>
+        <p:nvSpPr>
+          <p:cNvPr id="3" name="Content Placeholder 2"/>
+          <p:cNvSpPr>
+            <a:spLocks noGrp="1"/>
+          </p:cNvSpPr>
+          <p:nvPr>
+            <p:ph idx="1"/>
+          </p:nvPr>
+        </p:nvSpPr>
+        <p:spPr/>
+        <p:txBody>
+          <a:bodyPr>
+            <a:normAutofit/>
+          </a:bodyPr>
+          <a:lstStyle/>
+          <a:p>
+            <a:pPr marL="0" indent="0">
+              <a:buNone/>
+            </a:pPr>
+            <a:r>
+              <a:rPr lang="en-US" dirty="0" err="1"/>
+              <a:t>int</a:t>
+            </a:r>
+            <a:r>
+              <a:rPr lang="en-US" dirty="0"/>
+              <a:t>[][] </a:t>
+            </a:r>
+            <a:r>
+              <a:rPr lang="en-US" dirty="0" err="1"/>
+              <a:t>numArray</a:t>
+            </a:r>
+            <a:r>
+              <a:rPr lang="en-US" dirty="0"/>
+              <a:t> = new </a:t>
+            </a:r>
+            <a:r>
+              <a:rPr lang="en-US" dirty="0" err="1"/>
+              <a:t>int</a:t>
+            </a:r>
+            <a:r>
+              <a:rPr lang="en-US" dirty="0"/>
+              <a:t>[2][4];</a:t>
+            </a:r>
+          </a:p>
+          <a:p>
+            <a:pPr marL="0" indent="0">
+              <a:buNone/>
+            </a:pPr>
+            <a:r>
+              <a:rPr lang="en-US" dirty="0" err="1"/>
+              <a:t>int</a:t>
+            </a:r>
+            <a:r>
+              <a:rPr lang="en-US" dirty="0"/>
+              <a:t> rows = </a:t>
+            </a:r>
+            <a:r>
+              <a:rPr lang="en-US" dirty="0" err="1"/>
+              <a:t>numArray.length</a:t>
+            </a:r>
+            <a:r>
+              <a:rPr lang="en-US" dirty="0"/>
+              <a:t>;</a:t>
+            </a:r>
+          </a:p>
+          <a:p>
+            <a:pPr marL="0" indent="0">
+              <a:buNone/>
+            </a:pPr>
+            <a:r>
+              <a:rPr lang="en-US" dirty="0" err="1"/>
+              <a:t>int</a:t>
+            </a:r>
+            <a:r>
+              <a:rPr lang="en-US" dirty="0"/>
+              <a:t> cols = </a:t>
+            </a:r>
+            <a:r>
+              <a:rPr lang="en-US" dirty="0" err="1"/>
+              <a:t>numArray</a:t>
+            </a:r>
+            <a:r>
+              <a:rPr lang="en-US" dirty="0"/>
+              <a:t>[0].length;</a:t>
+            </a:r>
+          </a:p>
+        </p:txBody>
+      </p:sp>
+    </p:spTree>
+    <p:extLst>
+      <p:ext uri="{BB962C8B-B14F-4D97-AF65-F5344CB8AC3E}">
+        <p14:creationId xmlns:p14="http://schemas.microsoft.com/office/powerpoint/2010/main" val="278095655"/>
+      </p:ext>
+    </p:extLst>
+  </p:cSld>
+  <p:clrMapOvr>
+    <a:masterClrMapping/>
+  </p:clrMapOvr>
+</p:sld>
+</file>
+
+<file path=ppt/slides/slide41.xml><?xml version="1.0" encoding="utf-8"?>
+<p:sld xmlns:a="http://schemas.openxmlformats.org/drawingml/2006/main" xmlns:r="http://schemas.openxmlformats.org/officeDocument/2006/relationships" xmlns:p="http://schemas.openxmlformats.org/presentationml/2006/main">
+  <p:cSld>
+    <p:spTree>
+      <p:nvGrpSpPr>
+        <p:cNvPr id="1" name=""/>
+        <p:cNvGrpSpPr/>
+        <p:nvPr/>
+      </p:nvGrpSpPr>
+      <p:grpSpPr>
+        <a:xfrm>
+          <a:off x="0" y="0"/>
+          <a:ext cx="0" cy="0"/>
+          <a:chOff x="0" y="0"/>
+          <a:chExt cx="0" cy="0"/>
+        </a:xfrm>
+      </p:grpSpPr>
+      <p:sp>
+        <p:nvSpPr>
+          <p:cNvPr id="2" name="Title 1"/>
+          <p:cNvSpPr>
+            <a:spLocks noGrp="1"/>
+          </p:cNvSpPr>
+          <p:nvPr>
+            <p:ph type="title"/>
+          </p:nvPr>
+        </p:nvSpPr>
+        <p:spPr/>
+        <p:txBody>
+          <a:bodyPr/>
+          <a:lstStyle/>
+          <a:p>
+            <a:r>
+              <a:rPr lang="en-US" dirty="0"/>
+              <a:t>2D array dimensions</a:t>
+            </a:r>
+          </a:p>
+        </p:txBody>
+      </p:sp>
+      <p:pic>
+        <p:nvPicPr>
+          <p:cNvPr id="5" name="Picture 4"/>
+          <p:cNvPicPr>
+            <a:picLocks noChangeAspect="1"/>
+          </p:cNvPicPr>
+          <p:nvPr/>
+        </p:nvPicPr>
+        <p:blipFill>
+          <a:blip r:embed="rId2"/>
+          <a:stretch>
+            <a:fillRect/>
+          </a:stretch>
+        </p:blipFill>
+        <p:spPr>
+          <a:xfrm>
+            <a:off x="2399636" y="1411346"/>
+            <a:ext cx="6287164" cy="4879588"/>
+          </a:xfrm>
+          <a:prstGeom prst="rect">
+            <a:avLst/>
+          </a:prstGeom>
+        </p:spPr>
+      </p:pic>
+      <p:sp>
+        <p:nvSpPr>
+          <p:cNvPr id="6" name="TextBox 5"/>
+          <p:cNvSpPr txBox="1"/>
+          <p:nvPr/>
+        </p:nvSpPr>
+        <p:spPr>
+          <a:xfrm>
+            <a:off x="304800" y="3276600"/>
+            <a:ext cx="1942436" cy="2246769"/>
+          </a:xfrm>
+          <a:prstGeom prst="rect">
+            <a:avLst/>
+          </a:prstGeom>
+          <a:noFill/>
+        </p:spPr>
+        <p:txBody>
+          <a:bodyPr wrap="square" rtlCol="0">
+            <a:spAutoFit/>
+          </a:bodyPr>
+          <a:lstStyle/>
+          <a:p>
+            <a:r>
+              <a:rPr lang="en-US" sz="2800" dirty="0"/>
+              <a:t>2 rows</a:t>
+            </a:r>
+          </a:p>
+          <a:p>
+            <a:r>
+              <a:rPr lang="en-US" sz="2800" dirty="0"/>
+              <a:t>4 columns</a:t>
+            </a:r>
+          </a:p>
+          <a:p>
+            <a:endParaRPr lang="en-US" sz="2800" dirty="0"/>
+          </a:p>
+          <a:p>
+            <a:endParaRPr lang="en-US" sz="2800" dirty="0"/>
+          </a:p>
+          <a:p>
+            <a:endParaRPr lang="en-US" sz="2800" dirty="0"/>
+          </a:p>
+        </p:txBody>
+      </p:sp>
+    </p:spTree>
+    <p:extLst>
+      <p:ext uri="{BB962C8B-B14F-4D97-AF65-F5344CB8AC3E}">
+        <p14:creationId xmlns:p14="http://schemas.microsoft.com/office/powerpoint/2010/main" val="1626782504"/>
+      </p:ext>
+    </p:extLst>
+  </p:cSld>
+  <p:clrMapOvr>
+    <a:masterClrMapping/>
+  </p:clrMapOvr>
+</p:sld>
+</file>
+
+<file path=ppt/slides/slide42.xml><?xml version="1.0" encoding="utf-8"?>
+<p:sld xmlns:a="http://schemas.openxmlformats.org/drawingml/2006/main" xmlns:r="http://schemas.openxmlformats.org/officeDocument/2006/relationships" xmlns:p="http://schemas.openxmlformats.org/presentationml/2006/main">
+  <p:cSld>
+    <p:spTree>
+      <p:nvGrpSpPr>
+        <p:cNvPr id="1" name=""/>
+        <p:cNvGrpSpPr/>
+        <p:nvPr/>
+      </p:nvGrpSpPr>
+      <p:grpSpPr>
+        <a:xfrm>
+          <a:off x="0" y="0"/>
+          <a:ext cx="0" cy="0"/>
+          <a:chOff x="0" y="0"/>
+          <a:chExt cx="0" cy="0"/>
+        </a:xfrm>
+      </p:grpSpPr>
+      <p:sp>
+        <p:nvSpPr>
+          <p:cNvPr id="2" name="Title 1"/>
+          <p:cNvSpPr>
+            <a:spLocks noGrp="1"/>
+          </p:cNvSpPr>
+          <p:nvPr>
+            <p:ph type="title"/>
+          </p:nvPr>
+        </p:nvSpPr>
+        <p:spPr/>
+        <p:txBody>
+          <a:bodyPr/>
+          <a:lstStyle/>
+          <a:p>
+            <a:r>
               <a:rPr lang="en-US"/>
               <a:t>Iterate by rows through 2D array?</a:t>
             </a:r>
@@ -13796,7 +14332,7 @@
 </p:sld>
 </file>
 
-<file path=ppt/slides/slide39.xml><?xml version="1.0" encoding="utf-8"?>
+<file path=ppt/slides/slide43.xml><?xml version="1.0" encoding="utf-8"?>
 <p:sld xmlns:a="http://schemas.openxmlformats.org/drawingml/2006/main" xmlns:r="http://schemas.openxmlformats.org/officeDocument/2006/relationships" xmlns:p="http://schemas.openxmlformats.org/presentationml/2006/main">
   <p:cSld>
     <p:spTree>
@@ -14737,551 +15273,7 @@
 </p:sld>
 </file>
 
-<file path=ppt/slides/slide4.xml><?xml version="1.0" encoding="utf-8"?>
-<p:sld xmlns:a="http://schemas.openxmlformats.org/drawingml/2006/main" xmlns:r="http://schemas.openxmlformats.org/officeDocument/2006/relationships" xmlns:p="http://schemas.openxmlformats.org/presentationml/2006/main">
-  <p:cSld>
-    <p:spTree>
-      <p:nvGrpSpPr>
-        <p:cNvPr id="1" name=""/>
-        <p:cNvGrpSpPr/>
-        <p:nvPr/>
-      </p:nvGrpSpPr>
-      <p:grpSpPr>
-        <a:xfrm>
-          <a:off x="0" y="0"/>
-          <a:ext cx="0" cy="0"/>
-          <a:chOff x="0" y="0"/>
-          <a:chExt cx="0" cy="0"/>
-        </a:xfrm>
-      </p:grpSpPr>
-      <p:sp>
-        <p:nvSpPr>
-          <p:cNvPr id="2" name="Title 1"/>
-          <p:cNvSpPr>
-            <a:spLocks noGrp="1"/>
-          </p:cNvSpPr>
-          <p:nvPr>
-            <p:ph type="title"/>
-          </p:nvPr>
-        </p:nvSpPr>
-        <p:spPr>
-          <a:xfrm>
-            <a:off x="426720" y="-76200"/>
-            <a:ext cx="8229600" cy="838200"/>
-          </a:xfrm>
-        </p:spPr>
-        <p:txBody>
-          <a:bodyPr/>
-          <a:lstStyle/>
-          <a:p>
-            <a:r>
-              <a:rPr lang="en-US" dirty="0"/>
-              <a:t>Questions: Post to Piazza</a:t>
-            </a:r>
-          </a:p>
-        </p:txBody>
-      </p:sp>
-      <p:sp>
-        <p:nvSpPr>
-          <p:cNvPr id="3" name="Content Placeholder 2"/>
-          <p:cNvSpPr>
-            <a:spLocks noGrp="1"/>
-          </p:cNvSpPr>
-          <p:nvPr>
-            <p:ph idx="1"/>
-          </p:nvPr>
-        </p:nvSpPr>
-        <p:spPr>
-          <a:xfrm>
-            <a:off x="66261" y="762000"/>
-            <a:ext cx="8991600" cy="5943600"/>
-          </a:xfrm>
-        </p:spPr>
-        <p:txBody>
-          <a:bodyPr>
-            <a:normAutofit fontScale="92500" lnSpcReduction="20000"/>
-          </a:bodyPr>
-          <a:lstStyle/>
-          <a:p>
-            <a:r>
-              <a:rPr lang="en-US" dirty="0"/>
-              <a:t>PLEASE </a:t>
-            </a:r>
-            <a:r>
-              <a:rPr lang="en-US" u="sng" dirty="0"/>
-              <a:t>Post All Questions to Piazza</a:t>
-            </a:r>
-          </a:p>
-          <a:p>
-            <a:pPr lvl="1"/>
-            <a:r>
-              <a:rPr lang="en-US" dirty="0"/>
-              <a:t>If asking a question about an </a:t>
-            </a:r>
-            <a:r>
-              <a:rPr lang="en-US" b="1" dirty="0"/>
-              <a:t>individual assignment</a:t>
-            </a:r>
-            <a:r>
-              <a:rPr lang="en-US" dirty="0"/>
-              <a:t> (i.e. </a:t>
-            </a:r>
-            <a:r>
-              <a:rPr lang="en-US" b="1" dirty="0"/>
-              <a:t>Homework</a:t>
-            </a:r>
-            <a:r>
-              <a:rPr lang="en-US" dirty="0"/>
-              <a:t>) and you must share code (Homework) to ask your question:</a:t>
-            </a:r>
-          </a:p>
-          <a:p>
-            <a:pPr lvl="1"/>
-            <a:r>
-              <a:rPr lang="en-US" b="1" dirty="0"/>
-              <a:t>Email instructors ONLY </a:t>
-            </a:r>
-            <a:r>
-              <a:rPr lang="en-US" dirty="0"/>
-              <a:t>(see below)</a:t>
-            </a:r>
-          </a:p>
-          <a:p>
-            <a:pPr lvl="1"/>
-            <a:endParaRPr lang="en-US" dirty="0"/>
-          </a:p>
-          <a:p>
-            <a:pPr lvl="1"/>
-            <a:endParaRPr lang="en-US" dirty="0"/>
-          </a:p>
-          <a:p>
-            <a:pPr lvl="1"/>
-            <a:endParaRPr lang="en-US" dirty="0"/>
-          </a:p>
-          <a:p>
-            <a:pPr lvl="1"/>
-            <a:endParaRPr lang="en-US" dirty="0"/>
-          </a:p>
-          <a:p>
-            <a:pPr lvl="1"/>
-            <a:endParaRPr lang="en-US" dirty="0"/>
-          </a:p>
-          <a:p>
-            <a:pPr lvl="1"/>
-            <a:endParaRPr lang="en-US" dirty="0"/>
-          </a:p>
-          <a:p>
-            <a:r>
-              <a:rPr lang="en-US" dirty="0"/>
-              <a:t>Otherwise: please post questions and look to help </a:t>
-            </a:r>
-            <a:r>
-              <a:rPr lang="en-US" i="1" u="sng" dirty="0"/>
-              <a:t>provide hints</a:t>
-            </a:r>
-            <a:r>
-              <a:rPr lang="en-US" i="1" dirty="0"/>
-              <a:t> </a:t>
-            </a:r>
-            <a:r>
-              <a:rPr lang="en-US" dirty="0"/>
-              <a:t>to other students </a:t>
-            </a:r>
-          </a:p>
-          <a:p>
-            <a:r>
-              <a:rPr lang="en-US" dirty="0"/>
-              <a:t>Collaborative (i.e. in-class activities) or if you don’t have to post code to ask the question</a:t>
-            </a:r>
-          </a:p>
-        </p:txBody>
-      </p:sp>
-      <p:pic>
-        <p:nvPicPr>
-          <p:cNvPr id="5" name="Picture 4"/>
-          <p:cNvPicPr>
-            <a:picLocks noChangeAspect="1"/>
-          </p:cNvPicPr>
-          <p:nvPr/>
-        </p:nvPicPr>
-        <p:blipFill>
-          <a:blip r:embed="rId3"/>
-          <a:stretch>
-            <a:fillRect/>
-          </a:stretch>
-        </p:blipFill>
-        <p:spPr>
-          <a:xfrm>
-            <a:off x="353080" y="2667000"/>
-            <a:ext cx="3611880" cy="2274886"/>
-          </a:xfrm>
-          <a:prstGeom prst="rect">
-            <a:avLst/>
-          </a:prstGeom>
-          <a:solidFill>
-            <a:srgbClr val="FFFFFF">
-              <a:shade val="85000"/>
-            </a:srgbClr>
-          </a:solidFill>
-          <a:ln w="190500" cap="rnd">
-            <a:solidFill>
-              <a:srgbClr val="FFFFFF"/>
-            </a:solidFill>
-          </a:ln>
-          <a:effectLst>
-            <a:outerShdw blurRad="50000" algn="tl" rotWithShape="0">
-              <a:srgbClr val="000000">
-                <a:alpha val="41000"/>
-              </a:srgbClr>
-            </a:outerShdw>
-          </a:effectLst>
-          <a:scene3d>
-            <a:camera prst="orthographicFront"/>
-            <a:lightRig rig="twoPt" dir="t">
-              <a:rot lat="0" lon="0" rev="7800000"/>
-            </a:lightRig>
-          </a:scene3d>
-          <a:sp3d contourW="6350">
-            <a:bevelT w="50800" h="16510"/>
-            <a:contourClr>
-              <a:srgbClr val="C0C0C0"/>
-            </a:contourClr>
-          </a:sp3d>
-        </p:spPr>
-      </p:pic>
-      <p:pic>
-        <p:nvPicPr>
-          <p:cNvPr id="6" name="Picture 5"/>
-          <p:cNvPicPr>
-            <a:picLocks noChangeAspect="1"/>
-          </p:cNvPicPr>
-          <p:nvPr/>
-        </p:nvPicPr>
-        <p:blipFill rotWithShape="1">
-          <a:blip r:embed="rId4"/>
-          <a:srcRect r="23858"/>
-          <a:stretch/>
-        </p:blipFill>
-        <p:spPr>
-          <a:xfrm>
-            <a:off x="4176904" y="2678114"/>
-            <a:ext cx="4779578" cy="2274886"/>
-          </a:xfrm>
-          <a:prstGeom prst="rect">
-            <a:avLst/>
-          </a:prstGeom>
-          <a:solidFill>
-            <a:srgbClr val="FFFFFF">
-              <a:shade val="85000"/>
-            </a:srgbClr>
-          </a:solidFill>
-          <a:ln w="190500" cap="rnd">
-            <a:solidFill>
-              <a:srgbClr val="FFFFFF"/>
-            </a:solidFill>
-          </a:ln>
-          <a:effectLst>
-            <a:outerShdw blurRad="50000" algn="tl" rotWithShape="0">
-              <a:srgbClr val="000000">
-                <a:alpha val="41000"/>
-              </a:srgbClr>
-            </a:outerShdw>
-          </a:effectLst>
-          <a:scene3d>
-            <a:camera prst="orthographicFront"/>
-            <a:lightRig rig="twoPt" dir="t">
-              <a:rot lat="0" lon="0" rev="7800000"/>
-            </a:lightRig>
-          </a:scene3d>
-          <a:sp3d contourW="6350">
-            <a:bevelT w="50800" h="16510"/>
-            <a:contourClr>
-              <a:srgbClr val="C0C0C0"/>
-            </a:contourClr>
-          </a:sp3d>
-        </p:spPr>
-      </p:pic>
-    </p:spTree>
-    <p:extLst>
-      <p:ext uri="{BB962C8B-B14F-4D97-AF65-F5344CB8AC3E}">
-        <p14:creationId xmlns:p14="http://schemas.microsoft.com/office/powerpoint/2010/main" val="2288678104"/>
-      </p:ext>
-    </p:extLst>
-  </p:cSld>
-  <p:clrMapOvr>
-    <a:masterClrMapping/>
-  </p:clrMapOvr>
-</p:sld>
-</file>
-
-<file path=ppt/slides/slide40.xml><?xml version="1.0" encoding="utf-8"?>
-<p:sld xmlns:a="http://schemas.openxmlformats.org/drawingml/2006/main" xmlns:r="http://schemas.openxmlformats.org/officeDocument/2006/relationships" xmlns:p="http://schemas.openxmlformats.org/presentationml/2006/main" show="0">
-  <p:cSld>
-    <p:spTree>
-      <p:nvGrpSpPr>
-        <p:cNvPr id="1" name=""/>
-        <p:cNvGrpSpPr/>
-        <p:nvPr/>
-      </p:nvGrpSpPr>
-      <p:grpSpPr>
-        <a:xfrm>
-          <a:off x="0" y="0"/>
-          <a:ext cx="0" cy="0"/>
-          <a:chOff x="0" y="0"/>
-          <a:chExt cx="0" cy="0"/>
-        </a:xfrm>
-      </p:grpSpPr>
-      <p:sp>
-        <p:nvSpPr>
-          <p:cNvPr id="2" name="Title 1"/>
-          <p:cNvSpPr>
-            <a:spLocks noGrp="1"/>
-          </p:cNvSpPr>
-          <p:nvPr>
-            <p:ph type="title"/>
-          </p:nvPr>
-        </p:nvSpPr>
-        <p:spPr/>
-        <p:txBody>
-          <a:bodyPr/>
-          <a:lstStyle/>
-          <a:p>
-            <a:r>
-              <a:rPr lang="en-US" dirty="0"/>
-              <a:t>2D Arrays</a:t>
-            </a:r>
-          </a:p>
-        </p:txBody>
-      </p:sp>
-      <p:sp>
-        <p:nvSpPr>
-          <p:cNvPr id="3" name="Content Placeholder 2"/>
-          <p:cNvSpPr>
-            <a:spLocks noGrp="1"/>
-          </p:cNvSpPr>
-          <p:nvPr>
-            <p:ph idx="1"/>
-          </p:nvPr>
-        </p:nvSpPr>
-        <p:spPr/>
-        <p:txBody>
-          <a:bodyPr>
-            <a:normAutofit lnSpcReduction="10000"/>
-          </a:bodyPr>
-          <a:lstStyle/>
-          <a:p>
-            <a:r>
-              <a:rPr lang="en-US" dirty="0"/>
-              <a:t>Make groups of two (no more than 3, no one can work alone)</a:t>
-            </a:r>
-          </a:p>
-          <a:p>
-            <a:r>
-              <a:rPr lang="en-US" dirty="0"/>
-              <a:t>Read through the 3 2D Array sample problems with your partner and make sure you both understand how they work</a:t>
-            </a:r>
-          </a:p>
-          <a:p>
-            <a:r>
-              <a:rPr lang="en-US" dirty="0"/>
-              <a:t>Then use the code as an example to answer the 2D Array quiz questions</a:t>
-            </a:r>
-          </a:p>
-          <a:p>
-            <a:r>
-              <a:rPr lang="en-US" dirty="0"/>
-              <a:t>Then do the 2d sample problems</a:t>
-            </a:r>
-          </a:p>
-          <a:p>
-            <a:r>
-              <a:rPr lang="en-US" dirty="0"/>
-              <a:t>Call me over when you’re finished</a:t>
-            </a:r>
-          </a:p>
-        </p:txBody>
-      </p:sp>
-    </p:spTree>
-    <p:extLst>
-      <p:ext uri="{BB962C8B-B14F-4D97-AF65-F5344CB8AC3E}">
-        <p14:creationId xmlns:p14="http://schemas.microsoft.com/office/powerpoint/2010/main" val="2522096617"/>
-      </p:ext>
-    </p:extLst>
-  </p:cSld>
-  <p:clrMapOvr>
-    <a:masterClrMapping/>
-  </p:clrMapOvr>
-</p:sld>
-</file>
-
-<file path=ppt/slides/slide41.xml><?xml version="1.0" encoding="utf-8"?>
-<p:sld xmlns:a="http://schemas.openxmlformats.org/drawingml/2006/main" xmlns:r="http://schemas.openxmlformats.org/officeDocument/2006/relationships" xmlns:p="http://schemas.openxmlformats.org/presentationml/2006/main">
-  <p:cSld>
-    <p:spTree>
-      <p:nvGrpSpPr>
-        <p:cNvPr id="1" name=""/>
-        <p:cNvGrpSpPr/>
-        <p:nvPr/>
-      </p:nvGrpSpPr>
-      <p:grpSpPr>
-        <a:xfrm>
-          <a:off x="0" y="0"/>
-          <a:ext cx="0" cy="0"/>
-          <a:chOff x="0" y="0"/>
-          <a:chExt cx="0" cy="0"/>
-        </a:xfrm>
-      </p:grpSpPr>
-      <p:sp>
-        <p:nvSpPr>
-          <p:cNvPr id="2" name="Title 1"/>
-          <p:cNvSpPr>
-            <a:spLocks noGrp="1"/>
-          </p:cNvSpPr>
-          <p:nvPr>
-            <p:ph type="title"/>
-          </p:nvPr>
-        </p:nvSpPr>
-        <p:spPr>
-          <a:xfrm>
-            <a:off x="4343400" y="274638"/>
-            <a:ext cx="4343400" cy="1143000"/>
-          </a:xfrm>
-        </p:spPr>
-        <p:txBody>
-          <a:bodyPr/>
-          <a:lstStyle/>
-          <a:p>
-            <a:r>
-              <a:rPr lang="en-US" dirty="0"/>
-              <a:t>2D Arrays</a:t>
-            </a:r>
-          </a:p>
-        </p:txBody>
-      </p:sp>
-      <p:sp>
-        <p:nvSpPr>
-          <p:cNvPr id="3" name="Content Placeholder 2"/>
-          <p:cNvSpPr>
-            <a:spLocks noGrp="1"/>
-          </p:cNvSpPr>
-          <p:nvPr>
-            <p:ph idx="1"/>
-          </p:nvPr>
-        </p:nvSpPr>
-        <p:spPr>
-          <a:xfrm>
-            <a:off x="0" y="1600200"/>
-            <a:ext cx="9144000" cy="4648200"/>
-          </a:xfrm>
-        </p:spPr>
-        <p:txBody>
-          <a:bodyPr>
-            <a:noAutofit/>
-          </a:bodyPr>
-          <a:lstStyle/>
-          <a:p>
-            <a:r>
-              <a:rPr lang="en-US" sz="2400" dirty="0"/>
-              <a:t>Read through the 3 2D Array sample problems make sure you understand how they work</a:t>
-            </a:r>
-          </a:p>
-          <a:p>
-            <a:pPr lvl="1"/>
-            <a:r>
-              <a:rPr lang="en-US" sz="2000" dirty="0"/>
-              <a:t>2DArraysAndMapsSamples.pdf – from Teams folder</a:t>
-            </a:r>
-          </a:p>
-          <a:p>
-            <a:r>
-              <a:rPr lang="en-US" sz="2400" dirty="0"/>
-              <a:t>Then use the code as an example to answer the 2D Array quiz questions (on Moodle)</a:t>
-            </a:r>
-          </a:p>
-          <a:p>
-            <a:r>
-              <a:rPr lang="en-US" sz="2400" dirty="0"/>
-              <a:t>Then do the 2d sample problems in the in-class exercise for today</a:t>
-            </a:r>
-          </a:p>
-          <a:p>
-            <a:r>
-              <a:rPr lang="en-US" sz="2400" dirty="0"/>
-              <a:t>Post ANY questions to Piazza </a:t>
-            </a:r>
-            <a:r>
-              <a:rPr lang="en-US" sz="2400" b="1" i="1" u="sng" dirty="0"/>
-              <a:t>even including code </a:t>
-            </a:r>
-            <a:r>
-              <a:rPr lang="en-US" sz="2400" dirty="0"/>
-              <a:t>since this is purely collaborative exercise and the solution code is available to you</a:t>
-            </a:r>
-          </a:p>
-          <a:p>
-            <a:r>
-              <a:rPr lang="en-US" sz="2400" dirty="0"/>
-              <a:t>Please look to help answer questions other students post</a:t>
-            </a:r>
-          </a:p>
-          <a:p>
-            <a:endParaRPr lang="en-US" sz="2400" dirty="0"/>
-          </a:p>
-          <a:p>
-            <a:endParaRPr lang="en-US" sz="2400" dirty="0"/>
-          </a:p>
-        </p:txBody>
-      </p:sp>
-      <p:pic>
-        <p:nvPicPr>
-          <p:cNvPr id="5" name="Picture 4" descr="Text&#10;&#10;Description automatically generated with medium confidence">
-            <a:extLst>
-              <a:ext uri="{FF2B5EF4-FFF2-40B4-BE49-F238E27FC236}">
-                <a16:creationId xmlns:a16="http://schemas.microsoft.com/office/drawing/2014/main" id="{4CE9D890-3DBF-3740-A8A0-A0CAB304B071}"/>
-              </a:ext>
-            </a:extLst>
-          </p:cNvPr>
-          <p:cNvPicPr>
-            <a:picLocks noChangeAspect="1"/>
-          </p:cNvPicPr>
-          <p:nvPr/>
-        </p:nvPicPr>
-        <p:blipFill>
-          <a:blip r:embed="rId3">
-            <a:extLst>
-              <a:ext uri="{28A0092B-C50C-407E-A947-70E740481C1C}">
-                <a14:useLocalDpi xmlns:a14="http://schemas.microsoft.com/office/drawing/2010/main" val="0"/>
-              </a:ext>
-            </a:extLst>
-          </a:blip>
-          <a:stretch>
-            <a:fillRect/>
-          </a:stretch>
-        </p:blipFill>
-        <p:spPr>
-          <a:xfrm>
-            <a:off x="304800" y="152400"/>
-            <a:ext cx="3898900" cy="1511300"/>
-          </a:xfrm>
-          <a:prstGeom prst="rect">
-            <a:avLst/>
-          </a:prstGeom>
-        </p:spPr>
-      </p:pic>
-    </p:spTree>
-    <p:extLst>
-      <p:ext uri="{BB962C8B-B14F-4D97-AF65-F5344CB8AC3E}">
-        <p14:creationId xmlns:p14="http://schemas.microsoft.com/office/powerpoint/2010/main" val="2086241134"/>
-      </p:ext>
-    </p:extLst>
-  </p:cSld>
-  <p:clrMapOvr>
-    <a:masterClrMapping/>
-  </p:clrMapOvr>
-</p:sld>
-</file>
-
-<file path=ppt/slides/slide42.xml><?xml version="1.0" encoding="utf-8"?>
+<file path=ppt/slides/slide44.xml><?xml version="1.0" encoding="utf-8"?>
 <p:sld xmlns:a="http://schemas.openxmlformats.org/drawingml/2006/main" xmlns:r="http://schemas.openxmlformats.org/officeDocument/2006/relationships" xmlns:p="http://schemas.openxmlformats.org/presentationml/2006/main">
   <p:cSld>
     <p:spTree>
@@ -15729,198 +15721,6 @@
 </p:sld>
 </file>
 
-<file path=ppt/slides/slide43.xml><?xml version="1.0" encoding="utf-8"?>
-<p:sld xmlns:a="http://schemas.openxmlformats.org/drawingml/2006/main" xmlns:r="http://schemas.openxmlformats.org/officeDocument/2006/relationships" xmlns:p="http://schemas.openxmlformats.org/presentationml/2006/main">
-  <p:cSld>
-    <p:spTree>
-      <p:nvGrpSpPr>
-        <p:cNvPr id="1" name=""/>
-        <p:cNvGrpSpPr/>
-        <p:nvPr/>
-      </p:nvGrpSpPr>
-      <p:grpSpPr>
-        <a:xfrm>
-          <a:off x="0" y="0"/>
-          <a:ext cx="0" cy="0"/>
-          <a:chOff x="0" y="0"/>
-          <a:chExt cx="0" cy="0"/>
-        </a:xfrm>
-      </p:grpSpPr>
-      <p:sp>
-        <p:nvSpPr>
-          <p:cNvPr id="3" name="Title 2"/>
-          <p:cNvSpPr>
-            <a:spLocks noGrp="1"/>
-          </p:cNvSpPr>
-          <p:nvPr>
-            <p:ph type="title"/>
-          </p:nvPr>
-        </p:nvSpPr>
-        <p:spPr/>
-        <p:txBody>
-          <a:bodyPr>
-            <a:normAutofit fontScale="90000"/>
-          </a:bodyPr>
-          <a:lstStyle/>
-          <a:p>
-            <a:r>
-              <a:rPr lang="en-US" dirty="0"/>
-              <a:t>Begin Maps Part of Today’s Discussion</a:t>
-            </a:r>
-          </a:p>
-        </p:txBody>
-      </p:sp>
-    </p:spTree>
-    <p:extLst>
-      <p:ext uri="{BB962C8B-B14F-4D97-AF65-F5344CB8AC3E}">
-        <p14:creationId xmlns:p14="http://schemas.microsoft.com/office/powerpoint/2010/main" val="1036517671"/>
-      </p:ext>
-    </p:extLst>
-  </p:cSld>
-  <p:clrMapOvr>
-    <a:masterClrMapping/>
-  </p:clrMapOvr>
-</p:sld>
-</file>
-
-<file path=ppt/slides/slide44.xml><?xml version="1.0" encoding="utf-8"?>
-<p:sld xmlns:a="http://schemas.openxmlformats.org/drawingml/2006/main" xmlns:r="http://schemas.openxmlformats.org/officeDocument/2006/relationships" xmlns:p="http://schemas.openxmlformats.org/presentationml/2006/main">
-  <p:cSld>
-    <p:spTree>
-      <p:nvGrpSpPr>
-        <p:cNvPr id="1" name=""/>
-        <p:cNvGrpSpPr/>
-        <p:nvPr/>
-      </p:nvGrpSpPr>
-      <p:grpSpPr>
-        <a:xfrm>
-          <a:off x="0" y="0"/>
-          <a:ext cx="0" cy="0"/>
-          <a:chOff x="0" y="0"/>
-          <a:chExt cx="0" cy="0"/>
-        </a:xfrm>
-      </p:grpSpPr>
-      <p:sp>
-        <p:nvSpPr>
-          <p:cNvPr id="2" name="Title 1"/>
-          <p:cNvSpPr>
-            <a:spLocks noGrp="1"/>
-          </p:cNvSpPr>
-          <p:nvPr>
-            <p:ph type="title"/>
-          </p:nvPr>
-        </p:nvSpPr>
-        <p:spPr/>
-        <p:txBody>
-          <a:bodyPr/>
-          <a:lstStyle/>
-          <a:p>
-            <a:r>
-              <a:rPr lang="en-US" dirty="0"/>
-              <a:t>Maps – What, When, Why, How?</a:t>
-            </a:r>
-          </a:p>
-        </p:txBody>
-      </p:sp>
-      <p:sp>
-        <p:nvSpPr>
-          <p:cNvPr id="3" name="Content Placeholder 2"/>
-          <p:cNvSpPr>
-            <a:spLocks noGrp="1"/>
-          </p:cNvSpPr>
-          <p:nvPr>
-            <p:ph idx="1"/>
-          </p:nvPr>
-        </p:nvSpPr>
-        <p:spPr>
-          <a:xfrm>
-            <a:off x="457200" y="1600200"/>
-            <a:ext cx="8686800" cy="5029200"/>
-          </a:xfrm>
-        </p:spPr>
-        <p:txBody>
-          <a:bodyPr>
-            <a:normAutofit fontScale="92500" lnSpcReduction="10000"/>
-          </a:bodyPr>
-          <a:lstStyle/>
-          <a:p>
-            <a:pPr marL="0" indent="0">
-              <a:buNone/>
-            </a:pPr>
-            <a:r>
-              <a:rPr lang="en-US" dirty="0"/>
-              <a:t>What:</a:t>
-            </a:r>
-          </a:p>
-          <a:p>
-            <a:r>
-              <a:rPr lang="en-US" dirty="0"/>
-              <a:t>Collection of key-value pairs</a:t>
-            </a:r>
-          </a:p>
-          <a:p>
-            <a:pPr lvl="1"/>
-            <a:r>
-              <a:rPr lang="en-US" dirty="0"/>
-              <a:t>Key is the identifier </a:t>
-            </a:r>
-          </a:p>
-          <a:p>
-            <a:pPr lvl="2"/>
-            <a:r>
-              <a:rPr lang="en-US" dirty="0"/>
-              <a:t>i.e., A word in a dictionary, or a student ID number, something that uniquely identifies an item</a:t>
-            </a:r>
-          </a:p>
-          <a:p>
-            <a:pPr lvl="1"/>
-            <a:r>
-              <a:rPr lang="en-US" dirty="0"/>
-              <a:t>Value is the data for that identifier</a:t>
-            </a:r>
-          </a:p>
-          <a:p>
-            <a:pPr lvl="2"/>
-            <a:r>
-              <a:rPr lang="en-US" dirty="0"/>
-              <a:t>i.e., The definition of a word in a dictionary, a Student object for an ID, the value associated with a unique ID</a:t>
-            </a:r>
-          </a:p>
-          <a:p>
-            <a:r>
-              <a:rPr lang="en-US" dirty="0"/>
-              <a:t>Think of this like a dictionary (in some programming languages they’re even called dictionaries)</a:t>
-            </a:r>
-          </a:p>
-          <a:p>
-            <a:pPr lvl="1"/>
-            <a:r>
-              <a:rPr lang="en-US" dirty="0"/>
-              <a:t>Key: word</a:t>
-            </a:r>
-          </a:p>
-          <a:p>
-            <a:pPr lvl="1"/>
-            <a:r>
-              <a:rPr lang="en-US" dirty="0"/>
-              <a:t>Value: definition</a:t>
-            </a:r>
-          </a:p>
-        </p:txBody>
-      </p:sp>
-    </p:spTree>
-    <p:extLst>
-      <p:ext uri="{BB962C8B-B14F-4D97-AF65-F5344CB8AC3E}">
-        <p14:creationId xmlns:p14="http://schemas.microsoft.com/office/powerpoint/2010/main" val="2989450680"/>
-      </p:ext>
-    </p:extLst>
-  </p:cSld>
-  <p:clrMapOvr>
-    <a:masterClrMapping/>
-  </p:clrMapOvr>
-</p:sld>
-</file>
-
 <file path=ppt/slides/slide45.xml><?xml version="1.0" encoding="utf-8"?>
 <p:sld xmlns:a="http://schemas.openxmlformats.org/drawingml/2006/main" xmlns:r="http://schemas.openxmlformats.org/officeDocument/2006/relationships" xmlns:p="http://schemas.openxmlformats.org/presentationml/2006/main">
   <p:cSld>
@@ -15948,6 +15748,365 @@
             <p:ph type="title"/>
           </p:nvPr>
         </p:nvSpPr>
+        <p:spPr>
+          <a:xfrm>
+            <a:off x="4343400" y="274638"/>
+            <a:ext cx="4343400" cy="1143000"/>
+          </a:xfrm>
+        </p:spPr>
+        <p:txBody>
+          <a:bodyPr/>
+          <a:lstStyle/>
+          <a:p>
+            <a:r>
+              <a:rPr lang="en-US" dirty="0"/>
+              <a:t>2D Arrays</a:t>
+            </a:r>
+          </a:p>
+        </p:txBody>
+      </p:sp>
+      <p:sp>
+        <p:nvSpPr>
+          <p:cNvPr id="3" name="Content Placeholder 2"/>
+          <p:cNvSpPr>
+            <a:spLocks noGrp="1"/>
+          </p:cNvSpPr>
+          <p:nvPr>
+            <p:ph idx="1"/>
+          </p:nvPr>
+        </p:nvSpPr>
+        <p:spPr>
+          <a:xfrm>
+            <a:off x="0" y="1600200"/>
+            <a:ext cx="9144000" cy="4648200"/>
+          </a:xfrm>
+        </p:spPr>
+        <p:txBody>
+          <a:bodyPr>
+            <a:noAutofit/>
+          </a:bodyPr>
+          <a:lstStyle/>
+          <a:p>
+            <a:r>
+              <a:rPr lang="en-US" sz="2400" dirty="0"/>
+              <a:t>Read through the 3 2D Array sample problems make sure you understand how they work</a:t>
+            </a:r>
+          </a:p>
+          <a:p>
+            <a:pPr lvl="1"/>
+            <a:r>
+              <a:rPr lang="en-US" sz="2000" dirty="0"/>
+              <a:t>2DArraysAndMapsSamples.pdf – from Teams folder</a:t>
+            </a:r>
+          </a:p>
+          <a:p>
+            <a:r>
+              <a:rPr lang="en-US" sz="2400" dirty="0"/>
+              <a:t>Then use the code as an example to answer the 2D Array quiz questions (on Moodle)</a:t>
+            </a:r>
+          </a:p>
+          <a:p>
+            <a:r>
+              <a:rPr lang="en-US" sz="2400" dirty="0"/>
+              <a:t>Then do the 2d sample problems in the in-class exercise for today</a:t>
+            </a:r>
+          </a:p>
+          <a:p>
+            <a:r>
+              <a:rPr lang="en-US" sz="2400" dirty="0"/>
+              <a:t>Post ANY questions to Piazza </a:t>
+            </a:r>
+            <a:r>
+              <a:rPr lang="en-US" sz="2400" b="1" i="1" u="sng" dirty="0"/>
+              <a:t>even including code </a:t>
+            </a:r>
+            <a:r>
+              <a:rPr lang="en-US" sz="2400" dirty="0"/>
+              <a:t>since this is purely collaborative exercise and the solution code is available to you</a:t>
+            </a:r>
+          </a:p>
+          <a:p>
+            <a:r>
+              <a:rPr lang="en-US" sz="2400" dirty="0"/>
+              <a:t>Please look to help answer questions other students post</a:t>
+            </a:r>
+          </a:p>
+          <a:p>
+            <a:endParaRPr lang="en-US" sz="2400" dirty="0"/>
+          </a:p>
+          <a:p>
+            <a:endParaRPr lang="en-US" sz="2400" dirty="0"/>
+          </a:p>
+        </p:txBody>
+      </p:sp>
+      <p:pic>
+        <p:nvPicPr>
+          <p:cNvPr id="5" name="Picture 4" descr="Text&#10;&#10;Description automatically generated with medium confidence">
+            <a:extLst>
+              <a:ext uri="{FF2B5EF4-FFF2-40B4-BE49-F238E27FC236}">
+                <a16:creationId xmlns:a16="http://schemas.microsoft.com/office/drawing/2014/main" id="{4CE9D890-3DBF-3740-A8A0-A0CAB304B071}"/>
+              </a:ext>
+            </a:extLst>
+          </p:cNvPr>
+          <p:cNvPicPr>
+            <a:picLocks noChangeAspect="1"/>
+          </p:cNvPicPr>
+          <p:nvPr/>
+        </p:nvPicPr>
+        <p:blipFill>
+          <a:blip r:embed="rId3">
+            <a:extLst>
+              <a:ext uri="{28A0092B-C50C-407E-A947-70E740481C1C}">
+                <a14:useLocalDpi xmlns:a14="http://schemas.microsoft.com/office/drawing/2010/main" val="0"/>
+              </a:ext>
+            </a:extLst>
+          </a:blip>
+          <a:stretch>
+            <a:fillRect/>
+          </a:stretch>
+        </p:blipFill>
+        <p:spPr>
+          <a:xfrm>
+            <a:off x="304800" y="152400"/>
+            <a:ext cx="3898900" cy="1511300"/>
+          </a:xfrm>
+          <a:prstGeom prst="rect">
+            <a:avLst/>
+          </a:prstGeom>
+        </p:spPr>
+      </p:pic>
+    </p:spTree>
+    <p:extLst>
+      <p:ext uri="{BB962C8B-B14F-4D97-AF65-F5344CB8AC3E}">
+        <p14:creationId xmlns:p14="http://schemas.microsoft.com/office/powerpoint/2010/main" val="2086241134"/>
+      </p:ext>
+    </p:extLst>
+  </p:cSld>
+  <p:clrMapOvr>
+    <a:masterClrMapping/>
+  </p:clrMapOvr>
+</p:sld>
+</file>
+
+<file path=ppt/slides/slide46.xml><?xml version="1.0" encoding="utf-8"?>
+<p:sld xmlns:a="http://schemas.openxmlformats.org/drawingml/2006/main" xmlns:r="http://schemas.openxmlformats.org/officeDocument/2006/relationships" xmlns:p="http://schemas.openxmlformats.org/presentationml/2006/main">
+  <p:cSld>
+    <p:spTree>
+      <p:nvGrpSpPr>
+        <p:cNvPr id="1" name=""/>
+        <p:cNvGrpSpPr/>
+        <p:nvPr/>
+      </p:nvGrpSpPr>
+      <p:grpSpPr>
+        <a:xfrm>
+          <a:off x="0" y="0"/>
+          <a:ext cx="0" cy="0"/>
+          <a:chOff x="0" y="0"/>
+          <a:chExt cx="0" cy="0"/>
+        </a:xfrm>
+      </p:grpSpPr>
+      <p:sp>
+        <p:nvSpPr>
+          <p:cNvPr id="3" name="Title 2"/>
+          <p:cNvSpPr>
+            <a:spLocks noGrp="1"/>
+          </p:cNvSpPr>
+          <p:nvPr>
+            <p:ph type="title"/>
+          </p:nvPr>
+        </p:nvSpPr>
+        <p:spPr/>
+        <p:txBody>
+          <a:bodyPr>
+            <a:normAutofit fontScale="90000"/>
+          </a:bodyPr>
+          <a:lstStyle/>
+          <a:p>
+            <a:r>
+              <a:rPr lang="en-US" dirty="0"/>
+              <a:t>Begin Maps Part of Today’s Discussion</a:t>
+            </a:r>
+          </a:p>
+        </p:txBody>
+      </p:sp>
+    </p:spTree>
+    <p:extLst>
+      <p:ext uri="{BB962C8B-B14F-4D97-AF65-F5344CB8AC3E}">
+        <p14:creationId xmlns:p14="http://schemas.microsoft.com/office/powerpoint/2010/main" val="1036517671"/>
+      </p:ext>
+    </p:extLst>
+  </p:cSld>
+  <p:clrMapOvr>
+    <a:masterClrMapping/>
+  </p:clrMapOvr>
+</p:sld>
+</file>
+
+<file path=ppt/slides/slide47.xml><?xml version="1.0" encoding="utf-8"?>
+<p:sld xmlns:a="http://schemas.openxmlformats.org/drawingml/2006/main" xmlns:r="http://schemas.openxmlformats.org/officeDocument/2006/relationships" xmlns:p="http://schemas.openxmlformats.org/presentationml/2006/main">
+  <p:cSld>
+    <p:spTree>
+      <p:nvGrpSpPr>
+        <p:cNvPr id="1" name=""/>
+        <p:cNvGrpSpPr/>
+        <p:nvPr/>
+      </p:nvGrpSpPr>
+      <p:grpSpPr>
+        <a:xfrm>
+          <a:off x="0" y="0"/>
+          <a:ext cx="0" cy="0"/>
+          <a:chOff x="0" y="0"/>
+          <a:chExt cx="0" cy="0"/>
+        </a:xfrm>
+      </p:grpSpPr>
+      <p:sp>
+        <p:nvSpPr>
+          <p:cNvPr id="2" name="Title 1"/>
+          <p:cNvSpPr>
+            <a:spLocks noGrp="1"/>
+          </p:cNvSpPr>
+          <p:nvPr>
+            <p:ph type="title"/>
+          </p:nvPr>
+        </p:nvSpPr>
+        <p:spPr/>
+        <p:txBody>
+          <a:bodyPr/>
+          <a:lstStyle/>
+          <a:p>
+            <a:r>
+              <a:rPr lang="en-US" dirty="0"/>
+              <a:t>Maps – What, When, Why, How?</a:t>
+            </a:r>
+          </a:p>
+        </p:txBody>
+      </p:sp>
+      <p:sp>
+        <p:nvSpPr>
+          <p:cNvPr id="3" name="Content Placeholder 2"/>
+          <p:cNvSpPr>
+            <a:spLocks noGrp="1"/>
+          </p:cNvSpPr>
+          <p:nvPr>
+            <p:ph idx="1"/>
+          </p:nvPr>
+        </p:nvSpPr>
+        <p:spPr>
+          <a:xfrm>
+            <a:off x="457200" y="1600200"/>
+            <a:ext cx="8686800" cy="5029200"/>
+          </a:xfrm>
+        </p:spPr>
+        <p:txBody>
+          <a:bodyPr>
+            <a:normAutofit fontScale="92500" lnSpcReduction="10000"/>
+          </a:bodyPr>
+          <a:lstStyle/>
+          <a:p>
+            <a:pPr marL="0" indent="0">
+              <a:buNone/>
+            </a:pPr>
+            <a:r>
+              <a:rPr lang="en-US" dirty="0"/>
+              <a:t>What:</a:t>
+            </a:r>
+          </a:p>
+          <a:p>
+            <a:r>
+              <a:rPr lang="en-US" dirty="0"/>
+              <a:t>Collection of key-value pairs</a:t>
+            </a:r>
+          </a:p>
+          <a:p>
+            <a:pPr lvl="1"/>
+            <a:r>
+              <a:rPr lang="en-US" dirty="0"/>
+              <a:t>Key is the identifier </a:t>
+            </a:r>
+          </a:p>
+          <a:p>
+            <a:pPr lvl="2"/>
+            <a:r>
+              <a:rPr lang="en-US" dirty="0"/>
+              <a:t>i.e., A word in a dictionary, or a student ID number, something that uniquely identifies an item</a:t>
+            </a:r>
+          </a:p>
+          <a:p>
+            <a:pPr lvl="1"/>
+            <a:r>
+              <a:rPr lang="en-US" dirty="0"/>
+              <a:t>Value is the data for that identifier</a:t>
+            </a:r>
+          </a:p>
+          <a:p>
+            <a:pPr lvl="2"/>
+            <a:r>
+              <a:rPr lang="en-US" dirty="0"/>
+              <a:t>i.e., The definition of a word in a dictionary, a Student object for an ID, the value associated with a unique ID</a:t>
+            </a:r>
+          </a:p>
+          <a:p>
+            <a:r>
+              <a:rPr lang="en-US" dirty="0"/>
+              <a:t>Think of this like a dictionary (in some programming languages they’re even called dictionaries)</a:t>
+            </a:r>
+          </a:p>
+          <a:p>
+            <a:pPr lvl="1"/>
+            <a:r>
+              <a:rPr lang="en-US" dirty="0"/>
+              <a:t>Key: word</a:t>
+            </a:r>
+          </a:p>
+          <a:p>
+            <a:pPr lvl="1"/>
+            <a:r>
+              <a:rPr lang="en-US" dirty="0"/>
+              <a:t>Value: definition</a:t>
+            </a:r>
+          </a:p>
+        </p:txBody>
+      </p:sp>
+    </p:spTree>
+    <p:extLst>
+      <p:ext uri="{BB962C8B-B14F-4D97-AF65-F5344CB8AC3E}">
+        <p14:creationId xmlns:p14="http://schemas.microsoft.com/office/powerpoint/2010/main" val="2989450680"/>
+      </p:ext>
+    </p:extLst>
+  </p:cSld>
+  <p:clrMapOvr>
+    <a:masterClrMapping/>
+  </p:clrMapOvr>
+</p:sld>
+</file>
+
+<file path=ppt/slides/slide48.xml><?xml version="1.0" encoding="utf-8"?>
+<p:sld xmlns:a="http://schemas.openxmlformats.org/drawingml/2006/main" xmlns:r="http://schemas.openxmlformats.org/officeDocument/2006/relationships" xmlns:p="http://schemas.openxmlformats.org/presentationml/2006/main">
+  <p:cSld>
+    <p:spTree>
+      <p:nvGrpSpPr>
+        <p:cNvPr id="1" name=""/>
+        <p:cNvGrpSpPr/>
+        <p:nvPr/>
+      </p:nvGrpSpPr>
+      <p:grpSpPr>
+        <a:xfrm>
+          <a:off x="0" y="0"/>
+          <a:ext cx="0" cy="0"/>
+          <a:chOff x="0" y="0"/>
+          <a:chExt cx="0" cy="0"/>
+        </a:xfrm>
+      </p:grpSpPr>
+      <p:sp>
+        <p:nvSpPr>
+          <p:cNvPr id="2" name="Title 1"/>
+          <p:cNvSpPr>
+            <a:spLocks noGrp="1"/>
+          </p:cNvSpPr>
+          <p:nvPr>
+            <p:ph type="title"/>
+          </p:nvPr>
+        </p:nvSpPr>
         <p:spPr/>
         <p:txBody>
           <a:bodyPr/>
@@ -16094,7 +16253,7 @@
 </p:sld>
 </file>
 
-<file path=ppt/slides/slide46.xml><?xml version="1.0" encoding="utf-8"?>
+<file path=ppt/slides/slide49.xml><?xml version="1.0" encoding="utf-8"?>
 <p:sld xmlns:a="http://schemas.openxmlformats.org/drawingml/2006/main" xmlns:r="http://schemas.openxmlformats.org/officeDocument/2006/relationships" xmlns:p="http://schemas.openxmlformats.org/presentationml/2006/main">
   <p:cSld>
     <p:spTree>
@@ -16346,576 +16505,6 @@
 </p:sld>
 </file>
 
-<file path=ppt/slides/slide47.xml><?xml version="1.0" encoding="utf-8"?>
-<p:sld xmlns:a="http://schemas.openxmlformats.org/drawingml/2006/main" xmlns:r="http://schemas.openxmlformats.org/officeDocument/2006/relationships" xmlns:p="http://schemas.openxmlformats.org/presentationml/2006/main">
-  <p:cSld>
-    <p:spTree>
-      <p:nvGrpSpPr>
-        <p:cNvPr id="1" name=""/>
-        <p:cNvGrpSpPr/>
-        <p:nvPr/>
-      </p:nvGrpSpPr>
-      <p:grpSpPr>
-        <a:xfrm>
-          <a:off x="0" y="0"/>
-          <a:ext cx="0" cy="0"/>
-          <a:chOff x="0" y="0"/>
-          <a:chExt cx="0" cy="0"/>
-        </a:xfrm>
-      </p:grpSpPr>
-      <p:sp>
-        <p:nvSpPr>
-          <p:cNvPr id="2" name="Title 1"/>
-          <p:cNvSpPr>
-            <a:spLocks noGrp="1"/>
-          </p:cNvSpPr>
-          <p:nvPr>
-            <p:ph type="title"/>
-          </p:nvPr>
-        </p:nvSpPr>
-        <p:spPr>
-          <a:xfrm>
-            <a:off x="457200" y="0"/>
-            <a:ext cx="8229600" cy="1143000"/>
-          </a:xfrm>
-        </p:spPr>
-        <p:txBody>
-          <a:bodyPr/>
-          <a:lstStyle/>
-          <a:p>
-            <a:r>
-              <a:rPr lang="en-US" dirty="0"/>
-              <a:t>Another Example</a:t>
-            </a:r>
-          </a:p>
-        </p:txBody>
-      </p:sp>
-      <p:sp>
-        <p:nvSpPr>
-          <p:cNvPr id="3" name="Content Placeholder 2"/>
-          <p:cNvSpPr>
-            <a:spLocks noGrp="1"/>
-          </p:cNvSpPr>
-          <p:nvPr>
-            <p:ph idx="1"/>
-          </p:nvPr>
-        </p:nvSpPr>
-        <p:spPr>
-          <a:xfrm>
-            <a:off x="152400" y="838200"/>
-            <a:ext cx="8915400" cy="5135563"/>
-          </a:xfrm>
-        </p:spPr>
-        <p:txBody>
-          <a:bodyPr>
-            <a:normAutofit fontScale="70000" lnSpcReduction="20000"/>
-          </a:bodyPr>
-          <a:lstStyle/>
-          <a:p>
-            <a:pPr marL="0" indent="0">
-              <a:buNone/>
-              <a:tabLst>
-                <a:tab pos="338138" algn="l"/>
-              </a:tabLst>
-            </a:pPr>
-            <a:r>
-              <a:rPr lang="en-US" sz="2400" dirty="0">
-                <a:latin typeface="Courier New" panose="02070309020205020404" pitchFamily="49" charset="0"/>
-                <a:cs typeface="Courier New" panose="02070309020205020404" pitchFamily="49" charset="0"/>
-              </a:rPr>
-              <a:t>HashMap&lt;Integer, String&gt; </a:t>
-            </a:r>
-          </a:p>
-          <a:p>
-            <a:pPr marL="0" indent="0">
-              <a:buNone/>
-              <a:tabLst>
-                <a:tab pos="338138" algn="l"/>
-              </a:tabLst>
-            </a:pPr>
-            <a:r>
-              <a:rPr lang="en-US" sz="2400" dirty="0">
-                <a:latin typeface="Courier New" panose="02070309020205020404" pitchFamily="49" charset="0"/>
-                <a:cs typeface="Courier New" panose="02070309020205020404" pitchFamily="49" charset="0"/>
-              </a:rPr>
-              <a:t>	</a:t>
-            </a:r>
-            <a:r>
-              <a:rPr lang="en-US" sz="2400" dirty="0" err="1">
-                <a:latin typeface="Courier New" panose="02070309020205020404" pitchFamily="49" charset="0"/>
-                <a:cs typeface="Courier New" panose="02070309020205020404" pitchFamily="49" charset="0"/>
-              </a:rPr>
-              <a:t>airportMap</a:t>
-            </a:r>
-            <a:r>
-              <a:rPr lang="en-US" sz="2400" dirty="0">
-                <a:latin typeface="Courier New" panose="02070309020205020404" pitchFamily="49" charset="0"/>
-                <a:cs typeface="Courier New" panose="02070309020205020404" pitchFamily="49" charset="0"/>
-              </a:rPr>
-              <a:t> = </a:t>
-            </a:r>
-            <a:r>
-              <a:rPr lang="en-US" sz="2400" b="1" dirty="0">
-                <a:latin typeface="Courier New" panose="02070309020205020404" pitchFamily="49" charset="0"/>
-                <a:cs typeface="Courier New" panose="02070309020205020404" pitchFamily="49" charset="0"/>
-              </a:rPr>
-              <a:t>new</a:t>
-            </a:r>
-            <a:r>
-              <a:rPr lang="en-US" sz="2400" dirty="0">
-                <a:latin typeface="Courier New" panose="02070309020205020404" pitchFamily="49" charset="0"/>
-                <a:cs typeface="Courier New" panose="02070309020205020404" pitchFamily="49" charset="0"/>
-              </a:rPr>
-              <a:t> HashMap&lt;Integer, String&gt;();</a:t>
-            </a:r>
-          </a:p>
-          <a:p>
-            <a:pPr marL="0" indent="0">
-              <a:buNone/>
-              <a:tabLst>
-                <a:tab pos="338138" algn="l"/>
-              </a:tabLst>
-            </a:pPr>
-            <a:endParaRPr lang="en-US" sz="3300" dirty="0">
-              <a:cs typeface="Courier New" panose="02070309020205020404" pitchFamily="49" charset="0"/>
-            </a:endParaRPr>
-          </a:p>
-          <a:p>
-            <a:pPr marL="0" indent="0">
-              <a:buNone/>
-              <a:tabLst>
-                <a:tab pos="338138" algn="l"/>
-              </a:tabLst>
-            </a:pPr>
-            <a:r>
-              <a:rPr lang="en-US" sz="2900" dirty="0">
-                <a:cs typeface="Courier New" panose="02070309020205020404" pitchFamily="49" charset="0"/>
-              </a:rPr>
-              <a:t>Represented with a mathematical set:</a:t>
-            </a:r>
-          </a:p>
-          <a:p>
-            <a:pPr marL="0" indent="0">
-              <a:buNone/>
-              <a:tabLst>
-                <a:tab pos="501650" algn="l"/>
-              </a:tabLst>
-            </a:pPr>
-            <a:r>
-              <a:rPr lang="en-US" dirty="0" err="1">
-                <a:latin typeface="Courier New" panose="02070309020205020404" pitchFamily="49" charset="0"/>
-                <a:cs typeface="Courier New" panose="02070309020205020404" pitchFamily="49" charset="0"/>
-              </a:rPr>
-              <a:t>airportToElevation</a:t>
-            </a:r>
-            <a:r>
-              <a:rPr lang="en-US" dirty="0">
-                <a:latin typeface="Courier New" panose="02070309020205020404" pitchFamily="49" charset="0"/>
-                <a:cs typeface="Courier New" panose="02070309020205020404" pitchFamily="49" charset="0"/>
-              </a:rPr>
-              <a:t> = {</a:t>
-            </a:r>
-          </a:p>
-          <a:p>
-            <a:pPr marL="0" indent="0">
-              <a:buNone/>
-              <a:tabLst>
-                <a:tab pos="501650" algn="l"/>
-              </a:tabLst>
-            </a:pPr>
-            <a:r>
-              <a:rPr lang="en-US" dirty="0">
-                <a:latin typeface="Courier New" panose="02070309020205020404" pitchFamily="49" charset="0"/>
-                <a:cs typeface="Courier New" panose="02070309020205020404" pitchFamily="49" charset="0"/>
-              </a:rPr>
-              <a:t>	(46241, "Indy"),</a:t>
-            </a:r>
-          </a:p>
-          <a:p>
-            <a:pPr marL="0" indent="0">
-              <a:buNone/>
-              <a:tabLst>
-                <a:tab pos="501650" algn="l"/>
-              </a:tabLst>
-            </a:pPr>
-            <a:r>
-              <a:rPr lang="en-US" dirty="0">
-                <a:latin typeface="Courier New" panose="02070309020205020404" pitchFamily="49" charset="0"/>
-                <a:cs typeface="Courier New" panose="02070309020205020404" pitchFamily="49" charset="0"/>
-              </a:rPr>
-              <a:t>	(60666, "O'Hare"),</a:t>
-            </a:r>
-          </a:p>
-          <a:p>
-            <a:pPr marL="0" indent="0">
-              <a:buNone/>
-              <a:tabLst>
-                <a:tab pos="501650" algn="l"/>
-              </a:tabLst>
-            </a:pPr>
-            <a:r>
-              <a:rPr lang="en-US" dirty="0">
-                <a:latin typeface="Courier New" panose="02070309020205020404" pitchFamily="49" charset="0"/>
-                <a:cs typeface="Courier New" panose="02070309020205020404" pitchFamily="49" charset="0"/>
-              </a:rPr>
-              <a:t>	(32827, "Orlando Airport"), </a:t>
-            </a:r>
-          </a:p>
-          <a:p>
-            <a:pPr marL="0" indent="0">
-              <a:buNone/>
-              <a:tabLst>
-                <a:tab pos="501650" algn="l"/>
-              </a:tabLst>
-            </a:pPr>
-            <a:r>
-              <a:rPr lang="en-US" dirty="0">
-                <a:latin typeface="Courier New" panose="02070309020205020404" pitchFamily="49" charset="0"/>
-                <a:cs typeface="Courier New" panose="02070309020205020404" pitchFamily="49" charset="0"/>
-              </a:rPr>
-              <a:t>	(90045, "LAX Airport"),</a:t>
-            </a:r>
-          </a:p>
-          <a:p>
-            <a:pPr marL="0" indent="0">
-              <a:buNone/>
-              <a:tabLst>
-                <a:tab pos="501650" algn="l"/>
-              </a:tabLst>
-            </a:pPr>
-            <a:r>
-              <a:rPr lang="en-US" dirty="0">
-                <a:latin typeface="Courier New" panose="02070309020205020404" pitchFamily="49" charset="0"/>
-                <a:cs typeface="Courier New" panose="02070309020205020404" pitchFamily="49" charset="0"/>
-              </a:rPr>
-              <a:t>	(75261, "DFW Airport"),</a:t>
-            </a:r>
-          </a:p>
-          <a:p>
-            <a:pPr marL="0" indent="0">
-              <a:buNone/>
-              <a:tabLst>
-                <a:tab pos="501650" algn="l"/>
-              </a:tabLst>
-            </a:pPr>
-            <a:r>
-              <a:rPr lang="en-US" dirty="0">
-                <a:latin typeface="Courier New" panose="02070309020205020404" pitchFamily="49" charset="0"/>
-                <a:cs typeface="Courier New" panose="02070309020205020404" pitchFamily="49" charset="0"/>
-              </a:rPr>
-              <a:t>	(94111, "SFO Airport")</a:t>
-            </a:r>
-          </a:p>
-          <a:p>
-            <a:pPr marL="0" indent="0">
-              <a:buNone/>
-              <a:tabLst>
-                <a:tab pos="501650" algn="l"/>
-              </a:tabLst>
-            </a:pPr>
-            <a:r>
-              <a:rPr lang="en-US" dirty="0">
-                <a:latin typeface="Courier New" panose="02070309020205020404" pitchFamily="49" charset="0"/>
-                <a:cs typeface="Courier New" panose="02070309020205020404" pitchFamily="49" charset="0"/>
-              </a:rPr>
-              <a:t>}</a:t>
-            </a:r>
-          </a:p>
-          <a:p>
-            <a:pPr marL="0" indent="0">
-              <a:buNone/>
-              <a:tabLst>
-                <a:tab pos="338138" algn="l"/>
-              </a:tabLst>
-            </a:pPr>
-            <a:endParaRPr lang="en-US" sz="2400" dirty="0">
-              <a:cs typeface="Courier New" panose="02070309020205020404" pitchFamily="49" charset="0"/>
-            </a:endParaRPr>
-          </a:p>
-          <a:p>
-            <a:pPr marL="0" indent="0">
-              <a:buNone/>
-              <a:tabLst>
-                <a:tab pos="338138" algn="l"/>
-              </a:tabLst>
-            </a:pPr>
-            <a:r>
-              <a:rPr lang="en-US" sz="2900" dirty="0">
-                <a:cs typeface="Courier New" panose="02070309020205020404" pitchFamily="49" charset="0"/>
-              </a:rPr>
-              <a:t>How Java prints it out to the Console window:</a:t>
-            </a:r>
-          </a:p>
-          <a:p>
-            <a:pPr marL="0" indent="0">
-              <a:buNone/>
-            </a:pPr>
-            <a:r>
-              <a:rPr lang="en-US" sz="1700" dirty="0">
-                <a:latin typeface="Courier New" panose="02070309020205020404" pitchFamily="49" charset="0"/>
-                <a:cs typeface="Courier New" panose="02070309020205020404" pitchFamily="49" charset="0"/>
-              </a:rPr>
-              <a:t>{46241=Indy, 60666=O'Hare, 32827=Orlando Airport, 90045=LAX Airport, 75261=DFW Airport, 94111=SFO Airport}</a:t>
-            </a:r>
-          </a:p>
-          <a:p>
-            <a:pPr marL="0" indent="0">
-              <a:buNone/>
-              <a:tabLst>
-                <a:tab pos="338138" algn="l"/>
-              </a:tabLst>
-            </a:pPr>
-            <a:endParaRPr lang="en-US" sz="2400" dirty="0">
-              <a:latin typeface="Courier New" panose="02070309020205020404" pitchFamily="49" charset="0"/>
-              <a:cs typeface="Courier New" panose="02070309020205020404" pitchFamily="49" charset="0"/>
-            </a:endParaRPr>
-          </a:p>
-          <a:p>
-            <a:pPr marL="0" indent="0">
-              <a:buNone/>
-              <a:tabLst>
-                <a:tab pos="338138" algn="l"/>
-              </a:tabLst>
-            </a:pPr>
-            <a:endParaRPr lang="en-US" sz="2400" dirty="0">
-              <a:latin typeface="Courier New" panose="02070309020205020404" pitchFamily="49" charset="0"/>
-              <a:cs typeface="Courier New" panose="02070309020205020404" pitchFamily="49" charset="0"/>
-            </a:endParaRPr>
-          </a:p>
-        </p:txBody>
-      </p:sp>
-    </p:spTree>
-    <p:extLst>
-      <p:ext uri="{BB962C8B-B14F-4D97-AF65-F5344CB8AC3E}">
-        <p14:creationId xmlns:p14="http://schemas.microsoft.com/office/powerpoint/2010/main" val="3615992630"/>
-      </p:ext>
-    </p:extLst>
-  </p:cSld>
-  <p:clrMapOvr>
-    <a:masterClrMapping/>
-  </p:clrMapOvr>
-</p:sld>
-</file>
-
-<file path=ppt/slides/slide48.xml><?xml version="1.0" encoding="utf-8"?>
-<p:sld xmlns:a="http://schemas.openxmlformats.org/drawingml/2006/main" xmlns:r="http://schemas.openxmlformats.org/officeDocument/2006/relationships" xmlns:p="http://schemas.openxmlformats.org/presentationml/2006/main">
-  <p:cSld>
-    <p:spTree>
-      <p:nvGrpSpPr>
-        <p:cNvPr id="1" name=""/>
-        <p:cNvGrpSpPr/>
-        <p:nvPr/>
-      </p:nvGrpSpPr>
-      <p:grpSpPr>
-        <a:xfrm>
-          <a:off x="0" y="0"/>
-          <a:ext cx="0" cy="0"/>
-          <a:chOff x="0" y="0"/>
-          <a:chExt cx="0" cy="0"/>
-        </a:xfrm>
-      </p:grpSpPr>
-      <p:sp>
-        <p:nvSpPr>
-          <p:cNvPr id="2" name="Title 1"/>
-          <p:cNvSpPr>
-            <a:spLocks noGrp="1"/>
-          </p:cNvSpPr>
-          <p:nvPr>
-            <p:ph type="title"/>
-          </p:nvPr>
-        </p:nvSpPr>
-        <p:spPr/>
-        <p:txBody>
-          <a:bodyPr/>
-          <a:lstStyle/>
-          <a:p>
-            <a:r>
-              <a:rPr lang="en-US" dirty="0"/>
-              <a:t>Maps</a:t>
-            </a:r>
-          </a:p>
-        </p:txBody>
-      </p:sp>
-      <p:sp>
-        <p:nvSpPr>
-          <p:cNvPr id="3" name="Content Placeholder 2"/>
-          <p:cNvSpPr>
-            <a:spLocks noGrp="1"/>
-          </p:cNvSpPr>
-          <p:nvPr>
-            <p:ph idx="1"/>
-          </p:nvPr>
-        </p:nvSpPr>
-        <p:spPr/>
-        <p:txBody>
-          <a:bodyPr/>
-          <a:lstStyle/>
-          <a:p>
-            <a:r>
-              <a:rPr lang="en-US" dirty="0"/>
-              <a:t>Sometimes, it’s difficult to fully understand maps.</a:t>
-            </a:r>
-          </a:p>
-          <a:p>
-            <a:r>
-              <a:rPr lang="en-US" dirty="0"/>
-              <a:t>Let’s do an example together:</a:t>
-            </a:r>
-          </a:p>
-          <a:p>
-            <a:pPr lvl="1"/>
-            <a:r>
-              <a:rPr lang="en-US" dirty="0"/>
-              <a:t>Implement an </a:t>
-            </a:r>
-            <a:r>
-              <a:rPr lang="en-US" dirty="0" err="1"/>
-              <a:t>int</a:t>
-            </a:r>
-            <a:r>
-              <a:rPr lang="en-US" dirty="0"/>
-              <a:t> array using a map.</a:t>
-            </a:r>
-          </a:p>
-        </p:txBody>
-      </p:sp>
-    </p:spTree>
-    <p:extLst>
-      <p:ext uri="{BB962C8B-B14F-4D97-AF65-F5344CB8AC3E}">
-        <p14:creationId xmlns:p14="http://schemas.microsoft.com/office/powerpoint/2010/main" val="2468141845"/>
-      </p:ext>
-    </p:extLst>
-  </p:cSld>
-  <p:clrMapOvr>
-    <a:masterClrMapping/>
-  </p:clrMapOvr>
-</p:sld>
-</file>
-
-<file path=ppt/slides/slide49.xml><?xml version="1.0" encoding="utf-8"?>
-<p:sld xmlns:a="http://schemas.openxmlformats.org/drawingml/2006/main" xmlns:r="http://schemas.openxmlformats.org/officeDocument/2006/relationships" xmlns:p="http://schemas.openxmlformats.org/presentationml/2006/main">
-  <p:cSld>
-    <p:spTree>
-      <p:nvGrpSpPr>
-        <p:cNvPr id="1" name=""/>
-        <p:cNvGrpSpPr/>
-        <p:nvPr/>
-      </p:nvGrpSpPr>
-      <p:grpSpPr>
-        <a:xfrm>
-          <a:off x="0" y="0"/>
-          <a:ext cx="0" cy="0"/>
-          <a:chOff x="0" y="0"/>
-          <a:chExt cx="0" cy="0"/>
-        </a:xfrm>
-      </p:grpSpPr>
-      <p:sp>
-        <p:nvSpPr>
-          <p:cNvPr id="2" name="Title 1"/>
-          <p:cNvSpPr>
-            <a:spLocks noGrp="1"/>
-          </p:cNvSpPr>
-          <p:nvPr>
-            <p:ph type="title"/>
-          </p:nvPr>
-        </p:nvSpPr>
-        <p:spPr/>
-        <p:txBody>
-          <a:bodyPr/>
-          <a:lstStyle/>
-          <a:p>
-            <a:r>
-              <a:rPr lang="en-US" dirty="0"/>
-              <a:t>Maps</a:t>
-            </a:r>
-          </a:p>
-        </p:txBody>
-      </p:sp>
-      <p:sp>
-        <p:nvSpPr>
-          <p:cNvPr id="3" name="Content Placeholder 2"/>
-          <p:cNvSpPr>
-            <a:spLocks noGrp="1"/>
-          </p:cNvSpPr>
-          <p:nvPr>
-            <p:ph idx="1"/>
-          </p:nvPr>
-        </p:nvSpPr>
-        <p:spPr>
-          <a:xfrm>
-            <a:off x="457200" y="1219200"/>
-            <a:ext cx="8229600" cy="4906963"/>
-          </a:xfrm>
-        </p:spPr>
-        <p:txBody>
-          <a:bodyPr>
-            <a:normAutofit fontScale="92500" lnSpcReduction="20000"/>
-          </a:bodyPr>
-          <a:lstStyle/>
-          <a:p>
-            <a:r>
-              <a:rPr lang="en-US" dirty="0"/>
-              <a:t>Read through the 3 Map sample problems found in </a:t>
-            </a:r>
-            <a:r>
-              <a:rPr lang="en-US" i="1" dirty="0"/>
-              <a:t>2DArraysAndMapsSamples.pdf </a:t>
-            </a:r>
-            <a:r>
-              <a:rPr lang="en-US" dirty="0"/>
-              <a:t>and make sure you understand how they work</a:t>
-            </a:r>
-          </a:p>
-          <a:p>
-            <a:r>
-              <a:rPr lang="en-US" dirty="0"/>
-              <a:t>Then use the code as an example to answer the Map quiz questions</a:t>
-            </a:r>
-          </a:p>
-          <a:p>
-            <a:r>
-              <a:rPr lang="en-US" dirty="0"/>
-              <a:t>Then solve the map problems in today’s code</a:t>
-            </a:r>
-          </a:p>
-          <a:p>
-            <a:r>
-              <a:rPr lang="en-US" dirty="0"/>
-              <a:t>Post ANY questions to Piazza </a:t>
-            </a:r>
-            <a:r>
-              <a:rPr lang="en-US" b="1" i="1" u="sng" dirty="0"/>
-              <a:t>even including code </a:t>
-            </a:r>
-            <a:r>
-              <a:rPr lang="en-US" dirty="0"/>
-              <a:t>since this is purely collaborative exercise and the solution code is available to you</a:t>
-            </a:r>
-          </a:p>
-          <a:p>
-            <a:r>
-              <a:rPr lang="en-US" dirty="0"/>
-              <a:t>Please look to help answer questions other students post</a:t>
-            </a:r>
-          </a:p>
-          <a:p>
-            <a:endParaRPr lang="en-US" dirty="0"/>
-          </a:p>
-        </p:txBody>
-      </p:sp>
-    </p:spTree>
-    <p:extLst>
-      <p:ext uri="{BB962C8B-B14F-4D97-AF65-F5344CB8AC3E}">
-        <p14:creationId xmlns:p14="http://schemas.microsoft.com/office/powerpoint/2010/main" val="40273057"/>
-      </p:ext>
-    </p:extLst>
-  </p:cSld>
-  <p:clrMapOvr>
-    <a:masterClrMapping/>
-  </p:clrMapOvr>
-</p:sld>
-</file>
-
 <file path=ppt/slides/slide5.xml><?xml version="1.0" encoding="utf-8"?>
 <p:sld xmlns:a="http://schemas.openxmlformats.org/drawingml/2006/main" xmlns:r="http://schemas.openxmlformats.org/officeDocument/2006/relationships" xmlns:p="http://schemas.openxmlformats.org/presentationml/2006/main">
   <p:cSld>
@@ -17021,6 +16610,576 @@
 </file>
 
 <file path=ppt/slides/slide50.xml><?xml version="1.0" encoding="utf-8"?>
+<p:sld xmlns:a="http://schemas.openxmlformats.org/drawingml/2006/main" xmlns:r="http://schemas.openxmlformats.org/officeDocument/2006/relationships" xmlns:p="http://schemas.openxmlformats.org/presentationml/2006/main">
+  <p:cSld>
+    <p:spTree>
+      <p:nvGrpSpPr>
+        <p:cNvPr id="1" name=""/>
+        <p:cNvGrpSpPr/>
+        <p:nvPr/>
+      </p:nvGrpSpPr>
+      <p:grpSpPr>
+        <a:xfrm>
+          <a:off x="0" y="0"/>
+          <a:ext cx="0" cy="0"/>
+          <a:chOff x="0" y="0"/>
+          <a:chExt cx="0" cy="0"/>
+        </a:xfrm>
+      </p:grpSpPr>
+      <p:sp>
+        <p:nvSpPr>
+          <p:cNvPr id="2" name="Title 1"/>
+          <p:cNvSpPr>
+            <a:spLocks noGrp="1"/>
+          </p:cNvSpPr>
+          <p:nvPr>
+            <p:ph type="title"/>
+          </p:nvPr>
+        </p:nvSpPr>
+        <p:spPr>
+          <a:xfrm>
+            <a:off x="457200" y="0"/>
+            <a:ext cx="8229600" cy="1143000"/>
+          </a:xfrm>
+        </p:spPr>
+        <p:txBody>
+          <a:bodyPr/>
+          <a:lstStyle/>
+          <a:p>
+            <a:r>
+              <a:rPr lang="en-US" dirty="0"/>
+              <a:t>Another Example</a:t>
+            </a:r>
+          </a:p>
+        </p:txBody>
+      </p:sp>
+      <p:sp>
+        <p:nvSpPr>
+          <p:cNvPr id="3" name="Content Placeholder 2"/>
+          <p:cNvSpPr>
+            <a:spLocks noGrp="1"/>
+          </p:cNvSpPr>
+          <p:nvPr>
+            <p:ph idx="1"/>
+          </p:nvPr>
+        </p:nvSpPr>
+        <p:spPr>
+          <a:xfrm>
+            <a:off x="152400" y="838200"/>
+            <a:ext cx="8915400" cy="5135563"/>
+          </a:xfrm>
+        </p:spPr>
+        <p:txBody>
+          <a:bodyPr>
+            <a:normAutofit fontScale="70000" lnSpcReduction="20000"/>
+          </a:bodyPr>
+          <a:lstStyle/>
+          <a:p>
+            <a:pPr marL="0" indent="0">
+              <a:buNone/>
+              <a:tabLst>
+                <a:tab pos="338138" algn="l"/>
+              </a:tabLst>
+            </a:pPr>
+            <a:r>
+              <a:rPr lang="en-US" sz="2400" dirty="0">
+                <a:latin typeface="Courier New" panose="02070309020205020404" pitchFamily="49" charset="0"/>
+                <a:cs typeface="Courier New" panose="02070309020205020404" pitchFamily="49" charset="0"/>
+              </a:rPr>
+              <a:t>HashMap&lt;Integer, String&gt; </a:t>
+            </a:r>
+          </a:p>
+          <a:p>
+            <a:pPr marL="0" indent="0">
+              <a:buNone/>
+              <a:tabLst>
+                <a:tab pos="338138" algn="l"/>
+              </a:tabLst>
+            </a:pPr>
+            <a:r>
+              <a:rPr lang="en-US" sz="2400" dirty="0">
+                <a:latin typeface="Courier New" panose="02070309020205020404" pitchFamily="49" charset="0"/>
+                <a:cs typeface="Courier New" panose="02070309020205020404" pitchFamily="49" charset="0"/>
+              </a:rPr>
+              <a:t>	</a:t>
+            </a:r>
+            <a:r>
+              <a:rPr lang="en-US" sz="2400" dirty="0" err="1">
+                <a:latin typeface="Courier New" panose="02070309020205020404" pitchFamily="49" charset="0"/>
+                <a:cs typeface="Courier New" panose="02070309020205020404" pitchFamily="49" charset="0"/>
+              </a:rPr>
+              <a:t>airportMap</a:t>
+            </a:r>
+            <a:r>
+              <a:rPr lang="en-US" sz="2400" dirty="0">
+                <a:latin typeface="Courier New" panose="02070309020205020404" pitchFamily="49" charset="0"/>
+                <a:cs typeface="Courier New" panose="02070309020205020404" pitchFamily="49" charset="0"/>
+              </a:rPr>
+              <a:t> = </a:t>
+            </a:r>
+            <a:r>
+              <a:rPr lang="en-US" sz="2400" b="1" dirty="0">
+                <a:latin typeface="Courier New" panose="02070309020205020404" pitchFamily="49" charset="0"/>
+                <a:cs typeface="Courier New" panose="02070309020205020404" pitchFamily="49" charset="0"/>
+              </a:rPr>
+              <a:t>new</a:t>
+            </a:r>
+            <a:r>
+              <a:rPr lang="en-US" sz="2400" dirty="0">
+                <a:latin typeface="Courier New" panose="02070309020205020404" pitchFamily="49" charset="0"/>
+                <a:cs typeface="Courier New" panose="02070309020205020404" pitchFamily="49" charset="0"/>
+              </a:rPr>
+              <a:t> HashMap&lt;Integer, String&gt;();</a:t>
+            </a:r>
+          </a:p>
+          <a:p>
+            <a:pPr marL="0" indent="0">
+              <a:buNone/>
+              <a:tabLst>
+                <a:tab pos="338138" algn="l"/>
+              </a:tabLst>
+            </a:pPr>
+            <a:endParaRPr lang="en-US" sz="3300" dirty="0">
+              <a:cs typeface="Courier New" panose="02070309020205020404" pitchFamily="49" charset="0"/>
+            </a:endParaRPr>
+          </a:p>
+          <a:p>
+            <a:pPr marL="0" indent="0">
+              <a:buNone/>
+              <a:tabLst>
+                <a:tab pos="338138" algn="l"/>
+              </a:tabLst>
+            </a:pPr>
+            <a:r>
+              <a:rPr lang="en-US" sz="2900" dirty="0">
+                <a:cs typeface="Courier New" panose="02070309020205020404" pitchFamily="49" charset="0"/>
+              </a:rPr>
+              <a:t>Represented with a mathematical set:</a:t>
+            </a:r>
+          </a:p>
+          <a:p>
+            <a:pPr marL="0" indent="0">
+              <a:buNone/>
+              <a:tabLst>
+                <a:tab pos="501650" algn="l"/>
+              </a:tabLst>
+            </a:pPr>
+            <a:r>
+              <a:rPr lang="en-US" dirty="0" err="1">
+                <a:latin typeface="Courier New" panose="02070309020205020404" pitchFamily="49" charset="0"/>
+                <a:cs typeface="Courier New" panose="02070309020205020404" pitchFamily="49" charset="0"/>
+              </a:rPr>
+              <a:t>airportToElevation</a:t>
+            </a:r>
+            <a:r>
+              <a:rPr lang="en-US" dirty="0">
+                <a:latin typeface="Courier New" panose="02070309020205020404" pitchFamily="49" charset="0"/>
+                <a:cs typeface="Courier New" panose="02070309020205020404" pitchFamily="49" charset="0"/>
+              </a:rPr>
+              <a:t> = {</a:t>
+            </a:r>
+          </a:p>
+          <a:p>
+            <a:pPr marL="0" indent="0">
+              <a:buNone/>
+              <a:tabLst>
+                <a:tab pos="501650" algn="l"/>
+              </a:tabLst>
+            </a:pPr>
+            <a:r>
+              <a:rPr lang="en-US" dirty="0">
+                <a:latin typeface="Courier New" panose="02070309020205020404" pitchFamily="49" charset="0"/>
+                <a:cs typeface="Courier New" panose="02070309020205020404" pitchFamily="49" charset="0"/>
+              </a:rPr>
+              <a:t>	(46241, "Indy"),</a:t>
+            </a:r>
+          </a:p>
+          <a:p>
+            <a:pPr marL="0" indent="0">
+              <a:buNone/>
+              <a:tabLst>
+                <a:tab pos="501650" algn="l"/>
+              </a:tabLst>
+            </a:pPr>
+            <a:r>
+              <a:rPr lang="en-US" dirty="0">
+                <a:latin typeface="Courier New" panose="02070309020205020404" pitchFamily="49" charset="0"/>
+                <a:cs typeface="Courier New" panose="02070309020205020404" pitchFamily="49" charset="0"/>
+              </a:rPr>
+              <a:t>	(60666, "O'Hare"),</a:t>
+            </a:r>
+          </a:p>
+          <a:p>
+            <a:pPr marL="0" indent="0">
+              <a:buNone/>
+              <a:tabLst>
+                <a:tab pos="501650" algn="l"/>
+              </a:tabLst>
+            </a:pPr>
+            <a:r>
+              <a:rPr lang="en-US" dirty="0">
+                <a:latin typeface="Courier New" panose="02070309020205020404" pitchFamily="49" charset="0"/>
+                <a:cs typeface="Courier New" panose="02070309020205020404" pitchFamily="49" charset="0"/>
+              </a:rPr>
+              <a:t>	(32827, "Orlando Airport"), </a:t>
+            </a:r>
+          </a:p>
+          <a:p>
+            <a:pPr marL="0" indent="0">
+              <a:buNone/>
+              <a:tabLst>
+                <a:tab pos="501650" algn="l"/>
+              </a:tabLst>
+            </a:pPr>
+            <a:r>
+              <a:rPr lang="en-US" dirty="0">
+                <a:latin typeface="Courier New" panose="02070309020205020404" pitchFamily="49" charset="0"/>
+                <a:cs typeface="Courier New" panose="02070309020205020404" pitchFamily="49" charset="0"/>
+              </a:rPr>
+              <a:t>	(90045, "LAX Airport"),</a:t>
+            </a:r>
+          </a:p>
+          <a:p>
+            <a:pPr marL="0" indent="0">
+              <a:buNone/>
+              <a:tabLst>
+                <a:tab pos="501650" algn="l"/>
+              </a:tabLst>
+            </a:pPr>
+            <a:r>
+              <a:rPr lang="en-US" dirty="0">
+                <a:latin typeface="Courier New" panose="02070309020205020404" pitchFamily="49" charset="0"/>
+                <a:cs typeface="Courier New" panose="02070309020205020404" pitchFamily="49" charset="0"/>
+              </a:rPr>
+              <a:t>	(75261, "DFW Airport"),</a:t>
+            </a:r>
+          </a:p>
+          <a:p>
+            <a:pPr marL="0" indent="0">
+              <a:buNone/>
+              <a:tabLst>
+                <a:tab pos="501650" algn="l"/>
+              </a:tabLst>
+            </a:pPr>
+            <a:r>
+              <a:rPr lang="en-US" dirty="0">
+                <a:latin typeface="Courier New" panose="02070309020205020404" pitchFamily="49" charset="0"/>
+                <a:cs typeface="Courier New" panose="02070309020205020404" pitchFamily="49" charset="0"/>
+              </a:rPr>
+              <a:t>	(94111, "SFO Airport")</a:t>
+            </a:r>
+          </a:p>
+          <a:p>
+            <a:pPr marL="0" indent="0">
+              <a:buNone/>
+              <a:tabLst>
+                <a:tab pos="501650" algn="l"/>
+              </a:tabLst>
+            </a:pPr>
+            <a:r>
+              <a:rPr lang="en-US" dirty="0">
+                <a:latin typeface="Courier New" panose="02070309020205020404" pitchFamily="49" charset="0"/>
+                <a:cs typeface="Courier New" panose="02070309020205020404" pitchFamily="49" charset="0"/>
+              </a:rPr>
+              <a:t>}</a:t>
+            </a:r>
+          </a:p>
+          <a:p>
+            <a:pPr marL="0" indent="0">
+              <a:buNone/>
+              <a:tabLst>
+                <a:tab pos="338138" algn="l"/>
+              </a:tabLst>
+            </a:pPr>
+            <a:endParaRPr lang="en-US" sz="2400" dirty="0">
+              <a:cs typeface="Courier New" panose="02070309020205020404" pitchFamily="49" charset="0"/>
+            </a:endParaRPr>
+          </a:p>
+          <a:p>
+            <a:pPr marL="0" indent="0">
+              <a:buNone/>
+              <a:tabLst>
+                <a:tab pos="338138" algn="l"/>
+              </a:tabLst>
+            </a:pPr>
+            <a:r>
+              <a:rPr lang="en-US" sz="2900" dirty="0">
+                <a:cs typeface="Courier New" panose="02070309020205020404" pitchFamily="49" charset="0"/>
+              </a:rPr>
+              <a:t>How Java prints it out to the Console window:</a:t>
+            </a:r>
+          </a:p>
+          <a:p>
+            <a:pPr marL="0" indent="0">
+              <a:buNone/>
+            </a:pPr>
+            <a:r>
+              <a:rPr lang="en-US" sz="1700" dirty="0">
+                <a:latin typeface="Courier New" panose="02070309020205020404" pitchFamily="49" charset="0"/>
+                <a:cs typeface="Courier New" panose="02070309020205020404" pitchFamily="49" charset="0"/>
+              </a:rPr>
+              <a:t>{46241=Indy, 60666=O'Hare, 32827=Orlando Airport, 90045=LAX Airport, 75261=DFW Airport, 94111=SFO Airport}</a:t>
+            </a:r>
+          </a:p>
+          <a:p>
+            <a:pPr marL="0" indent="0">
+              <a:buNone/>
+              <a:tabLst>
+                <a:tab pos="338138" algn="l"/>
+              </a:tabLst>
+            </a:pPr>
+            <a:endParaRPr lang="en-US" sz="2400" dirty="0">
+              <a:latin typeface="Courier New" panose="02070309020205020404" pitchFamily="49" charset="0"/>
+              <a:cs typeface="Courier New" panose="02070309020205020404" pitchFamily="49" charset="0"/>
+            </a:endParaRPr>
+          </a:p>
+          <a:p>
+            <a:pPr marL="0" indent="0">
+              <a:buNone/>
+              <a:tabLst>
+                <a:tab pos="338138" algn="l"/>
+              </a:tabLst>
+            </a:pPr>
+            <a:endParaRPr lang="en-US" sz="2400" dirty="0">
+              <a:latin typeface="Courier New" panose="02070309020205020404" pitchFamily="49" charset="0"/>
+              <a:cs typeface="Courier New" panose="02070309020205020404" pitchFamily="49" charset="0"/>
+            </a:endParaRPr>
+          </a:p>
+        </p:txBody>
+      </p:sp>
+    </p:spTree>
+    <p:extLst>
+      <p:ext uri="{BB962C8B-B14F-4D97-AF65-F5344CB8AC3E}">
+        <p14:creationId xmlns:p14="http://schemas.microsoft.com/office/powerpoint/2010/main" val="3615992630"/>
+      </p:ext>
+    </p:extLst>
+  </p:cSld>
+  <p:clrMapOvr>
+    <a:masterClrMapping/>
+  </p:clrMapOvr>
+</p:sld>
+</file>
+
+<file path=ppt/slides/slide51.xml><?xml version="1.0" encoding="utf-8"?>
+<p:sld xmlns:a="http://schemas.openxmlformats.org/drawingml/2006/main" xmlns:r="http://schemas.openxmlformats.org/officeDocument/2006/relationships" xmlns:p="http://schemas.openxmlformats.org/presentationml/2006/main">
+  <p:cSld>
+    <p:spTree>
+      <p:nvGrpSpPr>
+        <p:cNvPr id="1" name=""/>
+        <p:cNvGrpSpPr/>
+        <p:nvPr/>
+      </p:nvGrpSpPr>
+      <p:grpSpPr>
+        <a:xfrm>
+          <a:off x="0" y="0"/>
+          <a:ext cx="0" cy="0"/>
+          <a:chOff x="0" y="0"/>
+          <a:chExt cx="0" cy="0"/>
+        </a:xfrm>
+      </p:grpSpPr>
+      <p:sp>
+        <p:nvSpPr>
+          <p:cNvPr id="2" name="Title 1"/>
+          <p:cNvSpPr>
+            <a:spLocks noGrp="1"/>
+          </p:cNvSpPr>
+          <p:nvPr>
+            <p:ph type="title"/>
+          </p:nvPr>
+        </p:nvSpPr>
+        <p:spPr/>
+        <p:txBody>
+          <a:bodyPr/>
+          <a:lstStyle/>
+          <a:p>
+            <a:r>
+              <a:rPr lang="en-US" dirty="0"/>
+              <a:t>Maps</a:t>
+            </a:r>
+          </a:p>
+        </p:txBody>
+      </p:sp>
+      <p:sp>
+        <p:nvSpPr>
+          <p:cNvPr id="3" name="Content Placeholder 2"/>
+          <p:cNvSpPr>
+            <a:spLocks noGrp="1"/>
+          </p:cNvSpPr>
+          <p:nvPr>
+            <p:ph idx="1"/>
+          </p:nvPr>
+        </p:nvSpPr>
+        <p:spPr/>
+        <p:txBody>
+          <a:bodyPr/>
+          <a:lstStyle/>
+          <a:p>
+            <a:r>
+              <a:rPr lang="en-US" dirty="0"/>
+              <a:t>Sometimes, it’s difficult to fully understand maps.</a:t>
+            </a:r>
+          </a:p>
+          <a:p>
+            <a:r>
+              <a:rPr lang="en-US" dirty="0"/>
+              <a:t>Let’s do an example together:</a:t>
+            </a:r>
+          </a:p>
+          <a:p>
+            <a:pPr lvl="1"/>
+            <a:r>
+              <a:rPr lang="en-US" dirty="0"/>
+              <a:t>Implement an </a:t>
+            </a:r>
+            <a:r>
+              <a:rPr lang="en-US" dirty="0" err="1"/>
+              <a:t>int</a:t>
+            </a:r>
+            <a:r>
+              <a:rPr lang="en-US" dirty="0"/>
+              <a:t> array using a map.</a:t>
+            </a:r>
+          </a:p>
+        </p:txBody>
+      </p:sp>
+    </p:spTree>
+    <p:extLst>
+      <p:ext uri="{BB962C8B-B14F-4D97-AF65-F5344CB8AC3E}">
+        <p14:creationId xmlns:p14="http://schemas.microsoft.com/office/powerpoint/2010/main" val="2468141845"/>
+      </p:ext>
+    </p:extLst>
+  </p:cSld>
+  <p:clrMapOvr>
+    <a:masterClrMapping/>
+  </p:clrMapOvr>
+</p:sld>
+</file>
+
+<file path=ppt/slides/slide52.xml><?xml version="1.0" encoding="utf-8"?>
+<p:sld xmlns:a="http://schemas.openxmlformats.org/drawingml/2006/main" xmlns:r="http://schemas.openxmlformats.org/officeDocument/2006/relationships" xmlns:p="http://schemas.openxmlformats.org/presentationml/2006/main">
+  <p:cSld>
+    <p:spTree>
+      <p:nvGrpSpPr>
+        <p:cNvPr id="1" name=""/>
+        <p:cNvGrpSpPr/>
+        <p:nvPr/>
+      </p:nvGrpSpPr>
+      <p:grpSpPr>
+        <a:xfrm>
+          <a:off x="0" y="0"/>
+          <a:ext cx="0" cy="0"/>
+          <a:chOff x="0" y="0"/>
+          <a:chExt cx="0" cy="0"/>
+        </a:xfrm>
+      </p:grpSpPr>
+      <p:sp>
+        <p:nvSpPr>
+          <p:cNvPr id="2" name="Title 1"/>
+          <p:cNvSpPr>
+            <a:spLocks noGrp="1"/>
+          </p:cNvSpPr>
+          <p:nvPr>
+            <p:ph type="title"/>
+          </p:nvPr>
+        </p:nvSpPr>
+        <p:spPr/>
+        <p:txBody>
+          <a:bodyPr/>
+          <a:lstStyle/>
+          <a:p>
+            <a:r>
+              <a:rPr lang="en-US" dirty="0"/>
+              <a:t>Maps</a:t>
+            </a:r>
+          </a:p>
+        </p:txBody>
+      </p:sp>
+      <p:sp>
+        <p:nvSpPr>
+          <p:cNvPr id="3" name="Content Placeholder 2"/>
+          <p:cNvSpPr>
+            <a:spLocks noGrp="1"/>
+          </p:cNvSpPr>
+          <p:nvPr>
+            <p:ph idx="1"/>
+          </p:nvPr>
+        </p:nvSpPr>
+        <p:spPr>
+          <a:xfrm>
+            <a:off x="457200" y="1219200"/>
+            <a:ext cx="8229600" cy="4906963"/>
+          </a:xfrm>
+        </p:spPr>
+        <p:txBody>
+          <a:bodyPr>
+            <a:normAutofit fontScale="92500" lnSpcReduction="20000"/>
+          </a:bodyPr>
+          <a:lstStyle/>
+          <a:p>
+            <a:r>
+              <a:rPr lang="en-US" dirty="0"/>
+              <a:t>Read through the 3 Map sample problems found in </a:t>
+            </a:r>
+            <a:r>
+              <a:rPr lang="en-US" i="1" dirty="0"/>
+              <a:t>2DArraysAndMapsSamples.pdf </a:t>
+            </a:r>
+            <a:r>
+              <a:rPr lang="en-US" dirty="0"/>
+              <a:t>and make sure you understand how they work</a:t>
+            </a:r>
+          </a:p>
+          <a:p>
+            <a:r>
+              <a:rPr lang="en-US" dirty="0"/>
+              <a:t>Then use the code as an example to answer the Map quiz questions</a:t>
+            </a:r>
+          </a:p>
+          <a:p>
+            <a:r>
+              <a:rPr lang="en-US" dirty="0"/>
+              <a:t>Then solve the map problems in today’s code</a:t>
+            </a:r>
+          </a:p>
+          <a:p>
+            <a:r>
+              <a:rPr lang="en-US" dirty="0"/>
+              <a:t>Post ANY questions to Piazza </a:t>
+            </a:r>
+            <a:r>
+              <a:rPr lang="en-US" b="1" i="1" u="sng" dirty="0"/>
+              <a:t>even including code </a:t>
+            </a:r>
+            <a:r>
+              <a:rPr lang="en-US" dirty="0"/>
+              <a:t>since this is purely collaborative exercise and the solution code is available to you</a:t>
+            </a:r>
+          </a:p>
+          <a:p>
+            <a:r>
+              <a:rPr lang="en-US" dirty="0"/>
+              <a:t>Please look to help answer questions other students post</a:t>
+            </a:r>
+          </a:p>
+          <a:p>
+            <a:endParaRPr lang="en-US" dirty="0"/>
+          </a:p>
+        </p:txBody>
+      </p:sp>
+    </p:spTree>
+    <p:extLst>
+      <p:ext uri="{BB962C8B-B14F-4D97-AF65-F5344CB8AC3E}">
+        <p14:creationId xmlns:p14="http://schemas.microsoft.com/office/powerpoint/2010/main" val="40273057"/>
+      </p:ext>
+    </p:extLst>
+  </p:cSld>
+  <p:clrMapOvr>
+    <a:masterClrMapping/>
+  </p:clrMapOvr>
+</p:sld>
+</file>
+
+<file path=ppt/slides/slide53.xml><?xml version="1.0" encoding="utf-8"?>
 <p:sld xmlns:a="http://schemas.openxmlformats.org/drawingml/2006/main" xmlns:r="http://schemas.openxmlformats.org/officeDocument/2006/relationships" xmlns:p="http://schemas.openxmlformats.org/presentationml/2006/main">
   <p:cSld>
     <p:spTree>
@@ -17401,7 +17560,7 @@
 </p:sld>
 </file>
 
-<file path=ppt/slides/slide51.xml><?xml version="1.0" encoding="utf-8"?>
+<file path=ppt/slides/slide54.xml><?xml version="1.0" encoding="utf-8"?>
 <p:sld xmlns:a="http://schemas.openxmlformats.org/drawingml/2006/main" xmlns:r="http://schemas.openxmlformats.org/officeDocument/2006/relationships" xmlns:p="http://schemas.openxmlformats.org/presentationml/2006/main">
   <p:cSld>
     <p:spTree>
@@ -19413,7 +19572,7 @@
 </p:sld>
 </file>
 
-<file path=ppt/slides/slide52.xml><?xml version="1.0" encoding="utf-8"?>
+<file path=ppt/slides/slide55.xml><?xml version="1.0" encoding="utf-8"?>
 <p:sld xmlns:a="http://schemas.openxmlformats.org/drawingml/2006/main" xmlns:r="http://schemas.openxmlformats.org/officeDocument/2006/relationships" xmlns:p="http://schemas.openxmlformats.org/presentationml/2006/main">
   <p:cSld>
     <p:spTree>
@@ -19504,7 +19663,7 @@
 </p:sld>
 </file>
 
-<file path=ppt/slides/slide53.xml><?xml version="1.0" encoding="utf-8"?>
+<file path=ppt/slides/slide56.xml><?xml version="1.0" encoding="utf-8"?>
 <p:sld xmlns:a="http://schemas.openxmlformats.org/drawingml/2006/main" xmlns:r="http://schemas.openxmlformats.org/officeDocument/2006/relationships" xmlns:p="http://schemas.openxmlformats.org/presentationml/2006/main" show="0">
   <p:cSld>
     <p:spTree>
@@ -19590,7 +19749,7 @@
 </p:sld>
 </file>
 
-<file path=ppt/slides/slide54.xml><?xml version="1.0" encoding="utf-8"?>
+<file path=ppt/slides/slide57.xml><?xml version="1.0" encoding="utf-8"?>
 <p:sld xmlns:a="http://schemas.openxmlformats.org/drawingml/2006/main" xmlns:r="http://schemas.openxmlformats.org/officeDocument/2006/relationships" xmlns:p="http://schemas.openxmlformats.org/presentationml/2006/main" show="0">
   <p:cSld>
     <p:spTree>
@@ -19952,7 +20111,7 @@
 </p:sld>
 </file>
 
-<file path=ppt/slides/slide55.xml><?xml version="1.0" encoding="utf-8"?>
+<file path=ppt/slides/slide58.xml><?xml version="1.0" encoding="utf-8"?>
 <p:sld xmlns:a="http://schemas.openxmlformats.org/drawingml/2006/main" xmlns:r="http://schemas.openxmlformats.org/officeDocument/2006/relationships" xmlns:p="http://schemas.openxmlformats.org/presentationml/2006/main" show="0">
   <p:cSld>
     <p:spTree>
@@ -19993,7 +20152,7 @@
           </a:ln>
           <a:extLst>
             <a:ext uri="{C572A759-6A51-4108-AA02-DFA0A04FC94B}">
-              <ma14:wrappingTextBoxFlag xmlns:ma14="http://schemas.microsoft.com/office/mac/drawingml/2011/main" xmlns="" val="1"/>
+              <ma14:wrappingTextBoxFlag xmlns="" xmlns:ma14="http://schemas.microsoft.com/office/mac/drawingml/2011/main" val="1"/>
             </a:ext>
           </a:extLst>
         </p:spPr>
@@ -20722,7 +20881,7 @@
 </p:sld>
 </file>
 
-<file path=ppt/slides/slide56.xml><?xml version="1.0" encoding="utf-8"?>
+<file path=ppt/slides/slide59.xml><?xml version="1.0" encoding="utf-8"?>
 <p:sld xmlns:a="http://schemas.openxmlformats.org/drawingml/2006/main" xmlns:r="http://schemas.openxmlformats.org/officeDocument/2006/relationships" xmlns:p="http://schemas.openxmlformats.org/presentationml/2006/main" show="0">
   <p:cSld>
     <p:spTree>
@@ -21160,7 +21319,7 @@
           <a:p>
             <a:r>
               <a:rPr lang="en-US" dirty="0"/>
-              <a:t>An aside: academic honesty in CS</a:t>
+              <a:t>Academic honesty in CS</a:t>
             </a:r>
           </a:p>
         </p:txBody>
@@ -21553,7 +21712,7 @@
           </a:ln>
           <a:extLst>
             <a:ext uri="{C572A759-6A51-4108-AA02-DFA0A04FC94B}">
-              <ma14:wrappingTextBoxFlag xmlns:ma14="http://schemas.microsoft.com/office/mac/drawingml/2011/main" xmlns="" val="1"/>
+              <ma14:wrappingTextBoxFlag xmlns="" xmlns:ma14="http://schemas.microsoft.com/office/mac/drawingml/2011/main" val="1"/>
             </a:ext>
           </a:extLst>
         </p:spPr>
@@ -22126,14 +22285,19 @@
             <p:ph idx="1"/>
           </p:nvPr>
         </p:nvSpPr>
-        <p:spPr/>
+        <p:spPr>
+          <a:xfrm>
+            <a:off x="152400" y="1600200"/>
+            <a:ext cx="8534400" cy="4525963"/>
+          </a:xfrm>
+        </p:spPr>
         <p:txBody>
           <a:bodyPr/>
           <a:lstStyle/>
           <a:p>
             <a:r>
               <a:rPr lang="en-US" dirty="0"/>
-              <a:t>Please post questions to Piazza relating to academic honesty</a:t>
+              <a:t>Feel free to post questions to Piazza relating to academic honesty between now and next class</a:t>
             </a:r>
           </a:p>
           <a:p>

--- a/ClassMaterials/2DArraysAndMaps/Slides/2D Arrays and Maps.pptx
+++ b/ClassMaterials/2DArraysAndMaps/Slides/2D Arrays and Maps.pptx
@@ -5,10 +5,10 @@
     <p:sldMasterId id="2147483927" r:id="rId1"/>
   </p:sldMasterIdLst>
   <p:notesMasterIdLst>
-    <p:notesMasterId r:id="rId61"/>
+    <p:notesMasterId r:id="rId65"/>
   </p:notesMasterIdLst>
   <p:handoutMasterIdLst>
-    <p:handoutMasterId r:id="rId62"/>
+    <p:handoutMasterId r:id="rId66"/>
   </p:handoutMasterIdLst>
   <p:sldIdLst>
     <p:sldId id="300" r:id="rId2"/>
@@ -66,10 +66,14 @@
     <p:sldId id="304" r:id="rId54"/>
     <p:sldId id="309" r:id="rId55"/>
     <p:sldId id="317" r:id="rId56"/>
-    <p:sldId id="374" r:id="rId57"/>
-    <p:sldId id="318" r:id="rId58"/>
-    <p:sldId id="301" r:id="rId59"/>
-    <p:sldId id="311" r:id="rId60"/>
+    <p:sldId id="334" r:id="rId57"/>
+    <p:sldId id="335" r:id="rId58"/>
+    <p:sldId id="336" r:id="rId59"/>
+    <p:sldId id="337" r:id="rId60"/>
+    <p:sldId id="338" r:id="rId61"/>
+    <p:sldId id="262" r:id="rId62"/>
+    <p:sldId id="339" r:id="rId63"/>
+    <p:sldId id="340" r:id="rId64"/>
   </p:sldIdLst>
   <p:sldSz cx="9144000" cy="6858000" type="screen4x3"/>
   <p:notesSz cx="7010400" cy="9296400"/>
@@ -349,7 +353,7 @@
               <a:pPr>
                 <a:defRPr/>
               </a:pPr>
-              <a:t>3/10/2022</a:t>
+              <a:t>9/6/2022</a:t>
             </a:fld>
             <a:endParaRPr lang="en-US"/>
           </a:p>
@@ -584,7 +588,7 @@
               <a:pPr>
                 <a:defRPr/>
               </a:pPr>
-              <a:t>3/10/2022</a:t>
+              <a:t>9/6/2022</a:t>
             </a:fld>
             <a:endParaRPr lang="en-US"/>
           </a:p>
@@ -2478,11 +2482,11 @@
 </file>
 
 <file path=ppt/notesSlides/notesSlide21.xml><?xml version="1.0" encoding="utf-8"?>
-<p:notes xmlns:a="http://schemas.openxmlformats.org/drawingml/2006/main" xmlns:r="http://schemas.openxmlformats.org/officeDocument/2006/relationships" xmlns:p="http://schemas.openxmlformats.org/presentationml/2006/main">
+<p:notes xmlns:a="http://schemas.openxmlformats.org/drawingml/2006/main" xmlns:r="http://schemas.openxmlformats.org/officeDocument/2006/relationships" xmlns:p="http://schemas.openxmlformats.org/presentationml/2006/main" showMasterSp="0" showMasterPhAnim="0">
   <p:cSld>
     <p:spTree>
       <p:nvGrpSpPr>
-        <p:cNvPr id="1" name=""/>
+        <p:cNvPr id="1" name="Shape 85"/>
         <p:cNvGrpSpPr/>
         <p:nvPr/>
       </p:nvGrpSpPr>
@@ -2496,72 +2500,967 @@
       </p:grpSpPr>
       <p:sp>
         <p:nvSpPr>
-          <p:cNvPr id="55" name="Shape 55"/>
+          <p:cNvPr id="86" name="Google Shape;86;gadd93c9831_0_83:notes"/>
           <p:cNvSpPr>
             <a:spLocks noGrp="1" noRot="1" noChangeAspect="1"/>
           </p:cNvSpPr>
           <p:nvPr>
-            <p:ph type="sldImg"/>
+            <p:ph type="sldImg" idx="2"/>
           </p:nvPr>
         </p:nvSpPr>
         <p:spPr>
+          <a:xfrm>
+            <a:off x="1143000" y="685800"/>
+            <a:ext cx="4572000" cy="3429000"/>
+          </a:xfrm>
+          <a:custGeom>
+            <a:avLst/>
+            <a:gdLst/>
+            <a:ahLst/>
+            <a:cxnLst/>
+            <a:rect l="l" t="t" r="r" b="b"/>
+            <a:pathLst>
+              <a:path w="120000" h="120000" extrusionOk="0">
+                <a:moveTo>
+                  <a:pt x="0" y="0"/>
+                </a:moveTo>
+                <a:lnTo>
+                  <a:pt x="120000" y="0"/>
+                </a:lnTo>
+                <a:lnTo>
+                  <a:pt x="120000" y="120000"/>
+                </a:lnTo>
+                <a:lnTo>
+                  <a:pt x="0" y="120000"/>
+                </a:lnTo>
+                <a:close/>
+              </a:path>
+            </a:pathLst>
+          </a:custGeom>
+        </p:spPr>
+      </p:sp>
+      <p:sp>
+        <p:nvSpPr>
+          <p:cNvPr id="87" name="Google Shape;87;gadd93c9831_0_83:notes"/>
+          <p:cNvSpPr txBox="1">
+            <a:spLocks noGrp="1"/>
+          </p:cNvSpPr>
+          <p:nvPr>
+            <p:ph type="body" idx="1"/>
+          </p:nvPr>
+        </p:nvSpPr>
+        <p:spPr>
+          <a:xfrm>
+            <a:off x="685800" y="4343400"/>
+            <a:ext cx="5486400" cy="4114800"/>
+          </a:xfrm>
           <a:prstGeom prst="rect">
             <a:avLst/>
           </a:prstGeom>
         </p:spPr>
         <p:txBody>
-          <a:bodyPr/>
-          <a:lstStyle/>
-          <a:p>
-            <a:pPr lvl="0"/>
-            <a:endParaRPr/>
-          </a:p>
-        </p:txBody>
-      </p:sp>
-      <p:sp>
-        <p:nvSpPr>
-          <p:cNvPr id="56" name="Shape 56"/>
+          <a:bodyPr spcFirstLastPara="1" wrap="square" lIns="91425" tIns="91425" rIns="91425" bIns="91425" anchor="t" anchorCtr="0">
+            <a:noAutofit/>
+          </a:bodyPr>
+          <a:lstStyle/>
+          <a:p>
+            <a:pPr marL="0" lvl="0" indent="0" algn="l" rtl="0">
+              <a:spcBef>
+                <a:spcPts val="600"/>
+              </a:spcBef>
+              <a:spcAft>
+                <a:spcPts val="0"/>
+              </a:spcAft>
+              <a:buClr>
+                <a:schemeClr val="dk1"/>
+              </a:buClr>
+              <a:buSzPts val="1100"/>
+              <a:buFont typeface="Arial"/>
+              <a:buNone/>
+            </a:pPr>
+            <a:r>
+              <a:rPr lang="en" sz="2100" b="1" dirty="0">
+                <a:solidFill>
+                  <a:schemeClr val="dk1"/>
+                </a:solidFill>
+              </a:rPr>
+              <a:t>What ideas do you have? Type them into the chat!</a:t>
+            </a:r>
+            <a:endParaRPr dirty="0"/>
+          </a:p>
+        </p:txBody>
+      </p:sp>
+    </p:spTree>
+  </p:cSld>
+  <p:clrMapOvr>
+    <a:masterClrMapping/>
+  </p:clrMapOvr>
+</p:notes>
+</file>
+
+<file path=ppt/notesSlides/notesSlide22.xml><?xml version="1.0" encoding="utf-8"?>
+<p:notes xmlns:a="http://schemas.openxmlformats.org/drawingml/2006/main" xmlns:r="http://schemas.openxmlformats.org/officeDocument/2006/relationships" xmlns:p="http://schemas.openxmlformats.org/presentationml/2006/main" showMasterSp="0" showMasterPhAnim="0">
+  <p:cSld>
+    <p:spTree>
+      <p:nvGrpSpPr>
+        <p:cNvPr id="1" name="Shape 92"/>
+        <p:cNvGrpSpPr/>
+        <p:nvPr/>
+      </p:nvGrpSpPr>
+      <p:grpSpPr>
+        <a:xfrm>
+          <a:off x="0" y="0"/>
+          <a:ext cx="0" cy="0"/>
+          <a:chOff x="0" y="0"/>
+          <a:chExt cx="0" cy="0"/>
+        </a:xfrm>
+      </p:grpSpPr>
+      <p:sp>
+        <p:nvSpPr>
+          <p:cNvPr id="93" name="Google Shape;93;g787571e53b_0_152:notes"/>
           <p:cNvSpPr>
+            <a:spLocks noGrp="1" noRot="1" noChangeAspect="1"/>
+          </p:cNvSpPr>
+          <p:nvPr>
+            <p:ph type="sldImg" idx="2"/>
+          </p:nvPr>
+        </p:nvSpPr>
+        <p:spPr>
+          <a:xfrm>
+            <a:off x="1143000" y="685800"/>
+            <a:ext cx="4572000" cy="3429000"/>
+          </a:xfrm>
+          <a:custGeom>
+            <a:avLst/>
+            <a:gdLst/>
+            <a:ahLst/>
+            <a:cxnLst/>
+            <a:rect l="l" t="t" r="r" b="b"/>
+            <a:pathLst>
+              <a:path w="120000" h="120000" extrusionOk="0">
+                <a:moveTo>
+                  <a:pt x="0" y="0"/>
+                </a:moveTo>
+                <a:lnTo>
+                  <a:pt x="120000" y="0"/>
+                </a:lnTo>
+                <a:lnTo>
+                  <a:pt x="120000" y="120000"/>
+                </a:lnTo>
+                <a:lnTo>
+                  <a:pt x="0" y="120000"/>
+                </a:lnTo>
+                <a:close/>
+              </a:path>
+            </a:pathLst>
+          </a:custGeom>
+        </p:spPr>
+      </p:sp>
+      <p:sp>
+        <p:nvSpPr>
+          <p:cNvPr id="94" name="Google Shape;94;g787571e53b_0_152:notes"/>
+          <p:cNvSpPr txBox="1">
             <a:spLocks noGrp="1"/>
           </p:cNvSpPr>
           <p:nvPr>
-            <p:ph type="body" sz="quarter" idx="1"/>
+            <p:ph type="body" idx="1"/>
           </p:nvPr>
         </p:nvSpPr>
         <p:spPr>
+          <a:xfrm>
+            <a:off x="685800" y="4343400"/>
+            <a:ext cx="5486400" cy="4114800"/>
+          </a:xfrm>
           <a:prstGeom prst="rect">
             <a:avLst/>
           </a:prstGeom>
         </p:spPr>
         <p:txBody>
-          <a:bodyPr/>
-          <a:lstStyle>
-            <a:lvl1pPr defTabSz="914400">
-              <a:lnSpc>
-                <a:spcPct val="100000"/>
-              </a:lnSpc>
-              <a:defRPr sz="2500">
-                <a:latin typeface="Calibri"/>
-                <a:ea typeface="Calibri"/>
-                <a:cs typeface="Calibri"/>
-                <a:sym typeface="Calibri"/>
-              </a:defRPr>
-            </a:lvl1pPr>
-          </a:lstStyle>
-          <a:p>
-            <a:pPr lvl="0">
-              <a:defRPr sz="1800"/>
+          <a:bodyPr spcFirstLastPara="1" wrap="square" lIns="91425" tIns="91425" rIns="91425" bIns="91425" anchor="t" anchorCtr="0">
+            <a:noAutofit/>
+          </a:bodyPr>
+          <a:lstStyle/>
+          <a:p>
+            <a:pPr marL="0" lvl="0" indent="0" algn="l" rtl="0">
+              <a:spcBef>
+                <a:spcPts val="0"/>
+              </a:spcBef>
+              <a:spcAft>
+                <a:spcPts val="0"/>
+              </a:spcAft>
+              <a:buNone/>
             </a:pPr>
-            <a:endParaRPr sz="2500" dirty="0"/>
+            <a:endParaRPr/>
           </a:p>
         </p:txBody>
       </p:sp>
     </p:spTree>
-    <p:extLst>
-      <p:ext uri="{BB962C8B-B14F-4D97-AF65-F5344CB8AC3E}">
-        <p14:creationId xmlns:p14="http://schemas.microsoft.com/office/powerpoint/2010/main" val="199906174"/>
-      </p:ext>
-    </p:extLst>
+  </p:cSld>
+  <p:clrMapOvr>
+    <a:masterClrMapping/>
+  </p:clrMapOvr>
+</p:notes>
+</file>
+
+<file path=ppt/notesSlides/notesSlide23.xml><?xml version="1.0" encoding="utf-8"?>
+<p:notes xmlns:a="http://schemas.openxmlformats.org/drawingml/2006/main" xmlns:r="http://schemas.openxmlformats.org/officeDocument/2006/relationships" xmlns:p="http://schemas.openxmlformats.org/presentationml/2006/main" showMasterSp="0" showMasterPhAnim="0">
+  <p:cSld>
+    <p:spTree>
+      <p:nvGrpSpPr>
+        <p:cNvPr id="1" name="Shape 98"/>
+        <p:cNvGrpSpPr/>
+        <p:nvPr/>
+      </p:nvGrpSpPr>
+      <p:grpSpPr>
+        <a:xfrm>
+          <a:off x="0" y="0"/>
+          <a:ext cx="0" cy="0"/>
+          <a:chOff x="0" y="0"/>
+          <a:chExt cx="0" cy="0"/>
+        </a:xfrm>
+      </p:grpSpPr>
+      <p:sp>
+        <p:nvSpPr>
+          <p:cNvPr id="99" name="Google Shape;99;g787571e53b_0_161:notes"/>
+          <p:cNvSpPr>
+            <a:spLocks noGrp="1" noRot="1" noChangeAspect="1"/>
+          </p:cNvSpPr>
+          <p:nvPr>
+            <p:ph type="sldImg" idx="2"/>
+          </p:nvPr>
+        </p:nvSpPr>
+        <p:spPr>
+          <a:xfrm>
+            <a:off x="1143000" y="685800"/>
+            <a:ext cx="4572000" cy="3429000"/>
+          </a:xfrm>
+          <a:custGeom>
+            <a:avLst/>
+            <a:gdLst/>
+            <a:ahLst/>
+            <a:cxnLst/>
+            <a:rect l="l" t="t" r="r" b="b"/>
+            <a:pathLst>
+              <a:path w="120000" h="120000" extrusionOk="0">
+                <a:moveTo>
+                  <a:pt x="0" y="0"/>
+                </a:moveTo>
+                <a:lnTo>
+                  <a:pt x="120000" y="0"/>
+                </a:lnTo>
+                <a:lnTo>
+                  <a:pt x="120000" y="120000"/>
+                </a:lnTo>
+                <a:lnTo>
+                  <a:pt x="0" y="120000"/>
+                </a:lnTo>
+                <a:close/>
+              </a:path>
+            </a:pathLst>
+          </a:custGeom>
+        </p:spPr>
+      </p:sp>
+      <p:sp>
+        <p:nvSpPr>
+          <p:cNvPr id="100" name="Google Shape;100;g787571e53b_0_161:notes"/>
+          <p:cNvSpPr txBox="1">
+            <a:spLocks noGrp="1"/>
+          </p:cNvSpPr>
+          <p:nvPr>
+            <p:ph type="body" idx="1"/>
+          </p:nvPr>
+        </p:nvSpPr>
+        <p:spPr>
+          <a:xfrm>
+            <a:off x="685800" y="4343400"/>
+            <a:ext cx="5486400" cy="4114800"/>
+          </a:xfrm>
+          <a:prstGeom prst="rect">
+            <a:avLst/>
+          </a:prstGeom>
+        </p:spPr>
+        <p:txBody>
+          <a:bodyPr spcFirstLastPara="1" wrap="square" lIns="91425" tIns="91425" rIns="91425" bIns="91425" anchor="t" anchorCtr="0">
+            <a:noAutofit/>
+          </a:bodyPr>
+          <a:lstStyle/>
+          <a:p>
+            <a:pPr marL="0" lvl="0" indent="0" algn="l" rtl="0">
+              <a:spcBef>
+                <a:spcPts val="0"/>
+              </a:spcBef>
+              <a:spcAft>
+                <a:spcPts val="0"/>
+              </a:spcAft>
+              <a:buNone/>
+            </a:pPr>
+            <a:r>
+              <a:rPr lang="en"/>
+              <a:t>Send 220 memes via email this week and maybe I’ll add it to the slide deck next week...</a:t>
+            </a:r>
+            <a:endParaRPr/>
+          </a:p>
+        </p:txBody>
+      </p:sp>
+    </p:spTree>
+  </p:cSld>
+  <p:clrMapOvr>
+    <a:masterClrMapping/>
+  </p:clrMapOvr>
+</p:notes>
+</file>
+
+<file path=ppt/notesSlides/notesSlide24.xml><?xml version="1.0" encoding="utf-8"?>
+<p:notes xmlns:a="http://schemas.openxmlformats.org/drawingml/2006/main" xmlns:r="http://schemas.openxmlformats.org/officeDocument/2006/relationships" xmlns:p="http://schemas.openxmlformats.org/presentationml/2006/main" showMasterSp="0" showMasterPhAnim="0">
+  <p:cSld>
+    <p:spTree>
+      <p:nvGrpSpPr>
+        <p:cNvPr id="1" name="Shape 108"/>
+        <p:cNvGrpSpPr/>
+        <p:nvPr/>
+      </p:nvGrpSpPr>
+      <p:grpSpPr>
+        <a:xfrm>
+          <a:off x="0" y="0"/>
+          <a:ext cx="0" cy="0"/>
+          <a:chOff x="0" y="0"/>
+          <a:chExt cx="0" cy="0"/>
+        </a:xfrm>
+      </p:grpSpPr>
+      <p:sp>
+        <p:nvSpPr>
+          <p:cNvPr id="109" name="Google Shape;109;g787571e53b_0_172:notes"/>
+          <p:cNvSpPr>
+            <a:spLocks noGrp="1" noRot="1" noChangeAspect="1"/>
+          </p:cNvSpPr>
+          <p:nvPr>
+            <p:ph type="sldImg" idx="2"/>
+          </p:nvPr>
+        </p:nvSpPr>
+        <p:spPr>
+          <a:xfrm>
+            <a:off x="381175" y="685800"/>
+            <a:ext cx="6096300" cy="3429000"/>
+          </a:xfrm>
+          <a:custGeom>
+            <a:avLst/>
+            <a:gdLst/>
+            <a:ahLst/>
+            <a:cxnLst/>
+            <a:rect l="l" t="t" r="r" b="b"/>
+            <a:pathLst>
+              <a:path w="120000" h="120000" extrusionOk="0">
+                <a:moveTo>
+                  <a:pt x="0" y="0"/>
+                </a:moveTo>
+                <a:lnTo>
+                  <a:pt x="120000" y="0"/>
+                </a:lnTo>
+                <a:lnTo>
+                  <a:pt x="120000" y="120000"/>
+                </a:lnTo>
+                <a:lnTo>
+                  <a:pt x="0" y="120000"/>
+                </a:lnTo>
+                <a:close/>
+              </a:path>
+            </a:pathLst>
+          </a:custGeom>
+        </p:spPr>
+      </p:sp>
+      <p:sp>
+        <p:nvSpPr>
+          <p:cNvPr id="110" name="Google Shape;110;g787571e53b_0_172:notes"/>
+          <p:cNvSpPr txBox="1">
+            <a:spLocks noGrp="1"/>
+          </p:cNvSpPr>
+          <p:nvPr>
+            <p:ph type="body" idx="1"/>
+          </p:nvPr>
+        </p:nvSpPr>
+        <p:spPr>
+          <a:xfrm>
+            <a:off x="685800" y="4343400"/>
+            <a:ext cx="5486400" cy="4114800"/>
+          </a:xfrm>
+          <a:prstGeom prst="rect">
+            <a:avLst/>
+          </a:prstGeom>
+        </p:spPr>
+        <p:txBody>
+          <a:bodyPr spcFirstLastPara="1" wrap="square" lIns="91425" tIns="91425" rIns="91425" bIns="91425" anchor="t" anchorCtr="0">
+            <a:noAutofit/>
+          </a:bodyPr>
+          <a:lstStyle/>
+          <a:p>
+            <a:pPr marL="0" lvl="0" indent="0" algn="l" rtl="0">
+              <a:spcBef>
+                <a:spcPts val="0"/>
+              </a:spcBef>
+              <a:spcAft>
+                <a:spcPts val="0"/>
+              </a:spcAft>
+              <a:buNone/>
+            </a:pPr>
+            <a:endParaRPr/>
+          </a:p>
+        </p:txBody>
+      </p:sp>
+    </p:spTree>
+  </p:cSld>
+  <p:clrMapOvr>
+    <a:masterClrMapping/>
+  </p:clrMapOvr>
+</p:notes>
+</file>
+
+<file path=ppt/notesSlides/notesSlide25.xml><?xml version="1.0" encoding="utf-8"?>
+<p:notes xmlns:a="http://schemas.openxmlformats.org/drawingml/2006/main" xmlns:r="http://schemas.openxmlformats.org/officeDocument/2006/relationships" xmlns:p="http://schemas.openxmlformats.org/presentationml/2006/main" showMasterSp="0" showMasterPhAnim="0">
+  <p:cSld>
+    <p:spTree>
+      <p:nvGrpSpPr>
+        <p:cNvPr id="1" name="Shape 120"/>
+        <p:cNvGrpSpPr/>
+        <p:nvPr/>
+      </p:nvGrpSpPr>
+      <p:grpSpPr>
+        <a:xfrm>
+          <a:off x="0" y="0"/>
+          <a:ext cx="0" cy="0"/>
+          <a:chOff x="0" y="0"/>
+          <a:chExt cx="0" cy="0"/>
+        </a:xfrm>
+      </p:grpSpPr>
+      <p:sp>
+        <p:nvSpPr>
+          <p:cNvPr id="121" name="Google Shape;121;g787571e53b_0_191:notes"/>
+          <p:cNvSpPr>
+            <a:spLocks noGrp="1" noRot="1" noChangeAspect="1"/>
+          </p:cNvSpPr>
+          <p:nvPr>
+            <p:ph type="sldImg" idx="2"/>
+          </p:nvPr>
+        </p:nvSpPr>
+        <p:spPr>
+          <a:xfrm>
+            <a:off x="381175" y="685800"/>
+            <a:ext cx="6096300" cy="3429000"/>
+          </a:xfrm>
+          <a:custGeom>
+            <a:avLst/>
+            <a:gdLst/>
+            <a:ahLst/>
+            <a:cxnLst/>
+            <a:rect l="l" t="t" r="r" b="b"/>
+            <a:pathLst>
+              <a:path w="120000" h="120000" extrusionOk="0">
+                <a:moveTo>
+                  <a:pt x="0" y="0"/>
+                </a:moveTo>
+                <a:lnTo>
+                  <a:pt x="120000" y="0"/>
+                </a:lnTo>
+                <a:lnTo>
+                  <a:pt x="120000" y="120000"/>
+                </a:lnTo>
+                <a:lnTo>
+                  <a:pt x="0" y="120000"/>
+                </a:lnTo>
+                <a:close/>
+              </a:path>
+            </a:pathLst>
+          </a:custGeom>
+        </p:spPr>
+      </p:sp>
+      <p:sp>
+        <p:nvSpPr>
+          <p:cNvPr id="122" name="Google Shape;122;g787571e53b_0_191:notes"/>
+          <p:cNvSpPr txBox="1">
+            <a:spLocks noGrp="1"/>
+          </p:cNvSpPr>
+          <p:nvPr>
+            <p:ph type="body" idx="1"/>
+          </p:nvPr>
+        </p:nvSpPr>
+        <p:spPr>
+          <a:xfrm>
+            <a:off x="685800" y="4343400"/>
+            <a:ext cx="5486400" cy="4114800"/>
+          </a:xfrm>
+          <a:prstGeom prst="rect">
+            <a:avLst/>
+          </a:prstGeom>
+        </p:spPr>
+        <p:txBody>
+          <a:bodyPr spcFirstLastPara="1" wrap="square" lIns="91425" tIns="91425" rIns="91425" bIns="91425" anchor="t" anchorCtr="0">
+            <a:noAutofit/>
+          </a:bodyPr>
+          <a:lstStyle/>
+          <a:p>
+            <a:pPr marL="0" lvl="0" indent="0" algn="l" rtl="0">
+              <a:spcBef>
+                <a:spcPts val="0"/>
+              </a:spcBef>
+              <a:spcAft>
+                <a:spcPts val="0"/>
+              </a:spcAft>
+              <a:buNone/>
+            </a:pPr>
+            <a:r>
+              <a:rPr lang="en" sz="1800">
+                <a:solidFill>
+                  <a:srgbClr val="840629"/>
+                </a:solidFill>
+              </a:rPr>
+              <a:t>CAREFUL- if you do not stop the running debugger, you can have multiple instances running and the debugger variables you see might be from a different running </a:t>
+            </a:r>
+            <a:endParaRPr sz="1800">
+              <a:solidFill>
+                <a:srgbClr val="840629"/>
+              </a:solidFill>
+            </a:endParaRPr>
+          </a:p>
+          <a:p>
+            <a:pPr marL="0" lvl="0" indent="0" algn="l" rtl="0">
+              <a:spcBef>
+                <a:spcPts val="0"/>
+              </a:spcBef>
+              <a:spcAft>
+                <a:spcPts val="0"/>
+              </a:spcAft>
+              <a:buNone/>
+            </a:pPr>
+            <a:endParaRPr/>
+          </a:p>
+        </p:txBody>
+      </p:sp>
+    </p:spTree>
+  </p:cSld>
+  <p:clrMapOvr>
+    <a:masterClrMapping/>
+  </p:clrMapOvr>
+</p:notes>
+</file>
+
+<file path=ppt/notesSlides/notesSlide26.xml><?xml version="1.0" encoding="utf-8"?>
+<p:notes xmlns:a="http://schemas.openxmlformats.org/drawingml/2006/main" xmlns:r="http://schemas.openxmlformats.org/officeDocument/2006/relationships" xmlns:p="http://schemas.openxmlformats.org/presentationml/2006/main" showMasterSp="0" showMasterPhAnim="0">
+  <p:cSld>
+    <p:spTree>
+      <p:nvGrpSpPr>
+        <p:cNvPr id="1" name="Shape 133"/>
+        <p:cNvGrpSpPr/>
+        <p:nvPr/>
+      </p:nvGrpSpPr>
+      <p:grpSpPr>
+        <a:xfrm>
+          <a:off x="0" y="0"/>
+          <a:ext cx="0" cy="0"/>
+          <a:chOff x="0" y="0"/>
+          <a:chExt cx="0" cy="0"/>
+        </a:xfrm>
+      </p:grpSpPr>
+      <p:sp>
+        <p:nvSpPr>
+          <p:cNvPr id="134" name="Google Shape;134;g787571e53b_0_213:notes"/>
+          <p:cNvSpPr>
+            <a:spLocks noGrp="1" noRot="1" noChangeAspect="1"/>
+          </p:cNvSpPr>
+          <p:nvPr>
+            <p:ph type="sldImg" idx="2"/>
+          </p:nvPr>
+        </p:nvSpPr>
+        <p:spPr>
+          <a:xfrm>
+            <a:off x="381175" y="685800"/>
+            <a:ext cx="6096300" cy="3429000"/>
+          </a:xfrm>
+          <a:custGeom>
+            <a:avLst/>
+            <a:gdLst/>
+            <a:ahLst/>
+            <a:cxnLst/>
+            <a:rect l="l" t="t" r="r" b="b"/>
+            <a:pathLst>
+              <a:path w="120000" h="120000" extrusionOk="0">
+                <a:moveTo>
+                  <a:pt x="0" y="0"/>
+                </a:moveTo>
+                <a:lnTo>
+                  <a:pt x="120000" y="0"/>
+                </a:lnTo>
+                <a:lnTo>
+                  <a:pt x="120000" y="120000"/>
+                </a:lnTo>
+                <a:lnTo>
+                  <a:pt x="0" y="120000"/>
+                </a:lnTo>
+                <a:close/>
+              </a:path>
+            </a:pathLst>
+          </a:custGeom>
+        </p:spPr>
+      </p:sp>
+      <p:sp>
+        <p:nvSpPr>
+          <p:cNvPr id="135" name="Google Shape;135;g787571e53b_0_213:notes"/>
+          <p:cNvSpPr txBox="1">
+            <a:spLocks noGrp="1"/>
+          </p:cNvSpPr>
+          <p:nvPr>
+            <p:ph type="body" idx="1"/>
+          </p:nvPr>
+        </p:nvSpPr>
+        <p:spPr>
+          <a:xfrm>
+            <a:off x="685800" y="4343400"/>
+            <a:ext cx="5486400" cy="4114800"/>
+          </a:xfrm>
+          <a:prstGeom prst="rect">
+            <a:avLst/>
+          </a:prstGeom>
+        </p:spPr>
+        <p:txBody>
+          <a:bodyPr spcFirstLastPara="1" wrap="square" lIns="91425" tIns="91425" rIns="91425" bIns="91425" anchor="t" anchorCtr="0">
+            <a:noAutofit/>
+          </a:bodyPr>
+          <a:lstStyle/>
+          <a:p>
+            <a:pPr marL="0" lvl="0" indent="0" algn="l" rtl="0">
+              <a:spcBef>
+                <a:spcPts val="0"/>
+              </a:spcBef>
+              <a:spcAft>
+                <a:spcPts val="0"/>
+              </a:spcAft>
+              <a:buNone/>
+            </a:pPr>
+            <a:r>
+              <a:rPr lang="en" sz="1800">
+                <a:solidFill>
+                  <a:srgbClr val="840629"/>
+                </a:solidFill>
+              </a:rPr>
+              <a:t>CAREFUL- if you do not stop the running debugger, you can have multiple instances running and the debugger variables you see might be from a different running </a:t>
+            </a:r>
+            <a:endParaRPr sz="1800">
+              <a:solidFill>
+                <a:srgbClr val="840629"/>
+              </a:solidFill>
+            </a:endParaRPr>
+          </a:p>
+          <a:p>
+            <a:pPr marL="0" lvl="0" indent="0" algn="l" rtl="0">
+              <a:spcBef>
+                <a:spcPts val="0"/>
+              </a:spcBef>
+              <a:spcAft>
+                <a:spcPts val="0"/>
+              </a:spcAft>
+              <a:buNone/>
+            </a:pPr>
+            <a:endParaRPr/>
+          </a:p>
+        </p:txBody>
+      </p:sp>
+    </p:spTree>
+  </p:cSld>
+  <p:clrMapOvr>
+    <a:masterClrMapping/>
+  </p:clrMapOvr>
+</p:notes>
+</file>
+
+<file path=ppt/notesSlides/notesSlide27.xml><?xml version="1.0" encoding="utf-8"?>
+<p:notes xmlns:a="http://schemas.openxmlformats.org/drawingml/2006/main" xmlns:r="http://schemas.openxmlformats.org/officeDocument/2006/relationships" xmlns:p="http://schemas.openxmlformats.org/presentationml/2006/main" showMasterSp="0" showMasterPhAnim="0">
+  <p:cSld>
+    <p:spTree>
+      <p:nvGrpSpPr>
+        <p:cNvPr id="1" name="Shape 151"/>
+        <p:cNvGrpSpPr/>
+        <p:nvPr/>
+      </p:nvGrpSpPr>
+      <p:grpSpPr>
+        <a:xfrm>
+          <a:off x="0" y="0"/>
+          <a:ext cx="0" cy="0"/>
+          <a:chOff x="0" y="0"/>
+          <a:chExt cx="0" cy="0"/>
+        </a:xfrm>
+      </p:grpSpPr>
+      <p:sp>
+        <p:nvSpPr>
+          <p:cNvPr id="152" name="Google Shape;152;g787571e53b_0_110:notes"/>
+          <p:cNvSpPr>
+            <a:spLocks noGrp="1" noRot="1" noChangeAspect="1"/>
+          </p:cNvSpPr>
+          <p:nvPr>
+            <p:ph type="sldImg" idx="2"/>
+          </p:nvPr>
+        </p:nvSpPr>
+        <p:spPr>
+          <a:xfrm>
+            <a:off x="1143000" y="685800"/>
+            <a:ext cx="4572000" cy="3429000"/>
+          </a:xfrm>
+          <a:custGeom>
+            <a:avLst/>
+            <a:gdLst/>
+            <a:ahLst/>
+            <a:cxnLst/>
+            <a:rect l="l" t="t" r="r" b="b"/>
+            <a:pathLst>
+              <a:path w="120000" h="120000" extrusionOk="0">
+                <a:moveTo>
+                  <a:pt x="0" y="0"/>
+                </a:moveTo>
+                <a:lnTo>
+                  <a:pt x="120000" y="0"/>
+                </a:lnTo>
+                <a:lnTo>
+                  <a:pt x="120000" y="120000"/>
+                </a:lnTo>
+                <a:lnTo>
+                  <a:pt x="0" y="120000"/>
+                </a:lnTo>
+                <a:close/>
+              </a:path>
+            </a:pathLst>
+          </a:custGeom>
+        </p:spPr>
+      </p:sp>
+      <p:sp>
+        <p:nvSpPr>
+          <p:cNvPr id="153" name="Google Shape;153;g787571e53b_0_110:notes"/>
+          <p:cNvSpPr txBox="1">
+            <a:spLocks noGrp="1"/>
+          </p:cNvSpPr>
+          <p:nvPr>
+            <p:ph type="body" idx="1"/>
+          </p:nvPr>
+        </p:nvSpPr>
+        <p:spPr>
+          <a:xfrm>
+            <a:off x="685800" y="4343400"/>
+            <a:ext cx="5486400" cy="4114800"/>
+          </a:xfrm>
+          <a:prstGeom prst="rect">
+            <a:avLst/>
+          </a:prstGeom>
+        </p:spPr>
+        <p:txBody>
+          <a:bodyPr spcFirstLastPara="1" wrap="square" lIns="91425" tIns="91425" rIns="91425" bIns="91425" anchor="t" anchorCtr="0">
+            <a:noAutofit/>
+          </a:bodyPr>
+          <a:lstStyle/>
+          <a:p>
+            <a:pPr marL="0" lvl="0" indent="0" algn="l" rtl="0">
+              <a:spcBef>
+                <a:spcPts val="0"/>
+              </a:spcBef>
+              <a:spcAft>
+                <a:spcPts val="0"/>
+              </a:spcAft>
+              <a:buClr>
+                <a:schemeClr val="dk1"/>
+              </a:buClr>
+              <a:buSzPts val="1100"/>
+              <a:buFont typeface="Arial"/>
+              <a:buNone/>
+            </a:pPr>
+            <a:r>
+              <a:rPr lang="en" dirty="0">
+                <a:solidFill>
+                  <a:schemeClr val="dk1"/>
+                </a:solidFill>
+              </a:rPr>
+              <a:t>Rose-Hulman Student Counseling Center: </a:t>
+            </a:r>
+            <a:r>
+              <a:rPr lang="en" u="sng" dirty="0">
+                <a:solidFill>
+                  <a:schemeClr val="hlink"/>
+                </a:solidFill>
+                <a:hlinkClick r:id="rId3"/>
+              </a:rPr>
+              <a:t>https://www.rose-hulman.edu/campus-life/student-services/wellness-and-health-services/counseling-services/index.html</a:t>
+            </a:r>
+            <a:r>
+              <a:rPr lang="en" dirty="0">
+                <a:solidFill>
+                  <a:schemeClr val="dk1"/>
+                </a:solidFill>
+              </a:rPr>
+              <a:t> </a:t>
+            </a:r>
+            <a:endParaRPr dirty="0">
+              <a:solidFill>
+                <a:schemeClr val="dk1"/>
+              </a:solidFill>
+            </a:endParaRPr>
+          </a:p>
+          <a:p>
+            <a:pPr marL="0" lvl="0" indent="0" algn="l" rtl="0">
+              <a:spcBef>
+                <a:spcPts val="0"/>
+              </a:spcBef>
+              <a:spcAft>
+                <a:spcPts val="0"/>
+              </a:spcAft>
+              <a:buClr>
+                <a:schemeClr val="dk1"/>
+              </a:buClr>
+              <a:buSzPts val="1100"/>
+              <a:buFont typeface="Arial"/>
+              <a:buNone/>
+            </a:pPr>
+            <a:endParaRPr dirty="0">
+              <a:solidFill>
+                <a:schemeClr val="dk1"/>
+              </a:solidFill>
+            </a:endParaRPr>
+          </a:p>
+          <a:p>
+            <a:pPr marL="0" lvl="0" indent="0" algn="l" rtl="0">
+              <a:spcBef>
+                <a:spcPts val="0"/>
+              </a:spcBef>
+              <a:spcAft>
+                <a:spcPts val="0"/>
+              </a:spcAft>
+              <a:buClr>
+                <a:schemeClr val="dk1"/>
+              </a:buClr>
+              <a:buSzPts val="1100"/>
+              <a:buFont typeface="Arial"/>
+              <a:buNone/>
+            </a:pPr>
+            <a:r>
+              <a:rPr lang="en" dirty="0">
+                <a:solidFill>
+                  <a:schemeClr val="dk1"/>
+                </a:solidFill>
+              </a:rPr>
+              <a:t>“</a:t>
+            </a:r>
+            <a:r>
+              <a:rPr lang="en" sz="1200" dirty="0">
+                <a:solidFill>
+                  <a:srgbClr val="7D7D7D"/>
+                </a:solidFill>
+                <a:highlight>
+                  <a:srgbClr val="FFFFFF"/>
+                </a:highlight>
+              </a:rPr>
+              <a:t>Students can access care by calling the main SCC number (</a:t>
+            </a:r>
+            <a:r>
+              <a:rPr lang="en" sz="1200" b="1" dirty="0">
+                <a:solidFill>
+                  <a:srgbClr val="7D7D7D"/>
+                </a:solidFill>
+                <a:highlight>
+                  <a:srgbClr val="FFFFFF"/>
+                </a:highlight>
+              </a:rPr>
+              <a:t>812-877-8537) or by emailing us at </a:t>
+            </a:r>
+            <a:r>
+              <a:rPr lang="en" sz="1200" b="1" dirty="0">
+                <a:solidFill>
+                  <a:srgbClr val="FF7336"/>
+                </a:solidFill>
+                <a:highlight>
+                  <a:srgbClr val="FFFFFF"/>
+                </a:highlight>
+              </a:rPr>
+              <a:t>counselingcenter@rose-hulman.edu</a:t>
+            </a:r>
+            <a:r>
+              <a:rPr lang="en" sz="1200" b="1" dirty="0">
+                <a:solidFill>
+                  <a:srgbClr val="7D7D7D"/>
+                </a:solidFill>
+                <a:highlight>
+                  <a:srgbClr val="FFFFFF"/>
+                </a:highlight>
+              </a:rPr>
+              <a:t>.</a:t>
+            </a:r>
+            <a:r>
+              <a:rPr lang="en" sz="1200" dirty="0">
+                <a:solidFill>
+                  <a:srgbClr val="7D7D7D"/>
+                </a:solidFill>
+                <a:highlight>
+                  <a:srgbClr val="FFFFFF"/>
+                </a:highlight>
+              </a:rPr>
+              <a:t> Staff will respond to messages on </a:t>
+            </a:r>
+            <a:r>
+              <a:rPr lang="en" sz="1200" b="1" dirty="0">
+                <a:solidFill>
+                  <a:srgbClr val="7D7D7D"/>
+                </a:solidFill>
+                <a:highlight>
+                  <a:srgbClr val="FFFFFF"/>
+                </a:highlight>
+              </a:rPr>
+              <a:t>Monday-Friday  8AM-5PM </a:t>
+            </a:r>
+            <a:r>
+              <a:rPr lang="en" sz="1200" dirty="0">
+                <a:solidFill>
+                  <a:srgbClr val="7D7D7D"/>
+                </a:solidFill>
+                <a:highlight>
+                  <a:srgbClr val="FFFFFF"/>
+                </a:highlight>
+              </a:rPr>
+              <a:t>when</a:t>
+            </a:r>
+            <a:r>
+              <a:rPr lang="en" sz="1200" b="1" dirty="0">
+                <a:solidFill>
+                  <a:srgbClr val="7D7D7D"/>
+                </a:solidFill>
+                <a:highlight>
+                  <a:srgbClr val="FFFFFF"/>
+                </a:highlight>
+              </a:rPr>
+              <a:t> </a:t>
+            </a:r>
+            <a:r>
+              <a:rPr lang="en" sz="1200" dirty="0">
+                <a:solidFill>
+                  <a:srgbClr val="7D7D7D"/>
+                </a:solidFill>
+                <a:highlight>
+                  <a:srgbClr val="FFFFFF"/>
+                </a:highlight>
+              </a:rPr>
+              <a:t>we are not in session with other students.​​​​​​​  </a:t>
+            </a:r>
+            <a:r>
+              <a:rPr lang="en" sz="1200" b="1" dirty="0">
+                <a:solidFill>
+                  <a:srgbClr val="7D7D7D"/>
+                </a:solidFill>
+                <a:highlight>
+                  <a:srgbClr val="FFFFFF"/>
+                </a:highlight>
+              </a:rPr>
+              <a:t>If immediate care is needed after-hours and/or during the day when clinicians are in session, please call Rose-Hulman Public Safety at 812-877-8590 or the Res-Life On Call at 812-877-8999.”</a:t>
+            </a:r>
+            <a:endParaRPr dirty="0">
+              <a:solidFill>
+                <a:schemeClr val="dk1"/>
+              </a:solidFill>
+            </a:endParaRPr>
+          </a:p>
+        </p:txBody>
+      </p:sp>
+    </p:spTree>
   </p:cSld>
   <p:clrMapOvr>
     <a:masterClrMapping/>
@@ -3706,7 +4605,7 @@
               <a:pPr>
                 <a:defRPr/>
               </a:pPr>
-              <a:t>Thursday, March 10, 2022</a:t>
+              <a:t>Tuesday, September 6, 2022</a:t>
             </a:fld>
             <a:endParaRPr lang="en-US" dirty="0"/>
           </a:p>
@@ -3889,7 +4788,7 @@
               <a:pPr>
                 <a:defRPr/>
               </a:pPr>
-              <a:t>Thursday, March 10, 2022</a:t>
+              <a:t>Tuesday, September 6, 2022</a:t>
             </a:fld>
             <a:endParaRPr lang="en-US" dirty="0"/>
           </a:p>
@@ -4082,7 +4981,7 @@
               <a:pPr>
                 <a:defRPr/>
               </a:pPr>
-              <a:t>Thursday, March 10, 2022</a:t>
+              <a:t>Tuesday, September 6, 2022</a:t>
             </a:fld>
             <a:endParaRPr lang="en-US" dirty="0"/>
           </a:p>
@@ -4143,6 +5042,383 @@
     <p:extLst>
       <p:ext uri="{BB962C8B-B14F-4D97-AF65-F5344CB8AC3E}">
         <p14:creationId xmlns:p14="http://schemas.microsoft.com/office/powerpoint/2010/main" val="1183236719"/>
+      </p:ext>
+    </p:extLst>
+  </p:cSld>
+  <p:clrMapOvr>
+    <a:masterClrMapping/>
+  </p:clrMapOvr>
+</p:sldLayout>
+</file>
+
+<file path=ppt/slideLayouts/slideLayout12.xml><?xml version="1.0" encoding="utf-8"?>
+<p:sldLayout xmlns:a="http://schemas.openxmlformats.org/drawingml/2006/main" xmlns:r="http://schemas.openxmlformats.org/officeDocument/2006/relationships" xmlns:p="http://schemas.openxmlformats.org/presentationml/2006/main" matchingName="Title and body" type="tx">
+  <p:cSld name="Title and body">
+    <p:spTree>
+      <p:nvGrpSpPr>
+        <p:cNvPr id="1" name="Shape 56"/>
+        <p:cNvGrpSpPr/>
+        <p:nvPr/>
+      </p:nvGrpSpPr>
+      <p:grpSpPr>
+        <a:xfrm>
+          <a:off x="0" y="0"/>
+          <a:ext cx="0" cy="0"/>
+          <a:chOff x="0" y="0"/>
+          <a:chExt cx="0" cy="0"/>
+        </a:xfrm>
+      </p:grpSpPr>
+      <p:sp>
+        <p:nvSpPr>
+          <p:cNvPr id="57" name="Google Shape;57;p15"/>
+          <p:cNvSpPr txBox="1">
+            <a:spLocks noGrp="1"/>
+          </p:cNvSpPr>
+          <p:nvPr>
+            <p:ph type="title"/>
+          </p:nvPr>
+        </p:nvSpPr>
+        <p:spPr>
+          <a:xfrm>
+            <a:off x="457200" y="274637"/>
+            <a:ext cx="8229600" cy="1143200"/>
+          </a:xfrm>
+          <a:prstGeom prst="rect">
+            <a:avLst/>
+          </a:prstGeom>
+          <a:noFill/>
+          <a:ln>
+            <a:noFill/>
+          </a:ln>
+        </p:spPr>
+        <p:txBody>
+          <a:bodyPr spcFirstLastPara="1" wrap="square" lIns="91425" tIns="91425" rIns="91425" bIns="91425" anchor="b" anchorCtr="0">
+            <a:noAutofit/>
+          </a:bodyPr>
+          <a:lstStyle>
+            <a:lvl1pPr lvl="0" algn="l" rtl="0">
+              <a:spcBef>
+                <a:spcPts val="0"/>
+              </a:spcBef>
+              <a:spcAft>
+                <a:spcPts val="0"/>
+              </a:spcAft>
+              <a:buSzPts val="3600"/>
+              <a:buFont typeface="Arial"/>
+              <a:buNone/>
+              <a:defRPr sz="3600" b="1">
+                <a:solidFill>
+                  <a:schemeClr val="dk1"/>
+                </a:solidFill>
+                <a:latin typeface="Arial"/>
+                <a:ea typeface="Arial"/>
+                <a:cs typeface="Arial"/>
+                <a:sym typeface="Arial"/>
+              </a:defRPr>
+            </a:lvl1pPr>
+            <a:lvl2pPr lvl="1" algn="l" rtl="0">
+              <a:spcBef>
+                <a:spcPts val="0"/>
+              </a:spcBef>
+              <a:spcAft>
+                <a:spcPts val="0"/>
+              </a:spcAft>
+              <a:buSzPts val="3600"/>
+              <a:buFont typeface="Arial"/>
+              <a:buNone/>
+              <a:defRPr sz="3600" b="1">
+                <a:solidFill>
+                  <a:schemeClr val="dk1"/>
+                </a:solidFill>
+                <a:latin typeface="Arial"/>
+                <a:ea typeface="Arial"/>
+                <a:cs typeface="Arial"/>
+                <a:sym typeface="Arial"/>
+              </a:defRPr>
+            </a:lvl2pPr>
+            <a:lvl3pPr lvl="2" algn="l" rtl="0">
+              <a:spcBef>
+                <a:spcPts val="0"/>
+              </a:spcBef>
+              <a:spcAft>
+                <a:spcPts val="0"/>
+              </a:spcAft>
+              <a:buSzPts val="3600"/>
+              <a:buFont typeface="Arial"/>
+              <a:buNone/>
+              <a:defRPr sz="3600" b="1">
+                <a:solidFill>
+                  <a:schemeClr val="dk1"/>
+                </a:solidFill>
+                <a:latin typeface="Arial"/>
+                <a:ea typeface="Arial"/>
+                <a:cs typeface="Arial"/>
+                <a:sym typeface="Arial"/>
+              </a:defRPr>
+            </a:lvl3pPr>
+            <a:lvl4pPr lvl="3" algn="l" rtl="0">
+              <a:spcBef>
+                <a:spcPts val="0"/>
+              </a:spcBef>
+              <a:spcAft>
+                <a:spcPts val="0"/>
+              </a:spcAft>
+              <a:buSzPts val="3600"/>
+              <a:buFont typeface="Arial"/>
+              <a:buNone/>
+              <a:defRPr sz="3600" b="1">
+                <a:solidFill>
+                  <a:schemeClr val="dk1"/>
+                </a:solidFill>
+                <a:latin typeface="Arial"/>
+                <a:ea typeface="Arial"/>
+                <a:cs typeface="Arial"/>
+                <a:sym typeface="Arial"/>
+              </a:defRPr>
+            </a:lvl4pPr>
+            <a:lvl5pPr lvl="4" algn="l" rtl="0">
+              <a:spcBef>
+                <a:spcPts val="0"/>
+              </a:spcBef>
+              <a:spcAft>
+                <a:spcPts val="0"/>
+              </a:spcAft>
+              <a:buSzPts val="3600"/>
+              <a:buFont typeface="Arial"/>
+              <a:buNone/>
+              <a:defRPr sz="3600" b="1">
+                <a:solidFill>
+                  <a:schemeClr val="dk1"/>
+                </a:solidFill>
+                <a:latin typeface="Arial"/>
+                <a:ea typeface="Arial"/>
+                <a:cs typeface="Arial"/>
+                <a:sym typeface="Arial"/>
+              </a:defRPr>
+            </a:lvl5pPr>
+            <a:lvl6pPr lvl="5" algn="l" rtl="0">
+              <a:spcBef>
+                <a:spcPts val="0"/>
+              </a:spcBef>
+              <a:spcAft>
+                <a:spcPts val="0"/>
+              </a:spcAft>
+              <a:buSzPts val="3600"/>
+              <a:buFont typeface="Arial"/>
+              <a:buNone/>
+              <a:defRPr sz="3600" b="1">
+                <a:solidFill>
+                  <a:schemeClr val="dk1"/>
+                </a:solidFill>
+                <a:latin typeface="Arial"/>
+                <a:ea typeface="Arial"/>
+                <a:cs typeface="Arial"/>
+                <a:sym typeface="Arial"/>
+              </a:defRPr>
+            </a:lvl6pPr>
+            <a:lvl7pPr lvl="6" algn="l" rtl="0">
+              <a:spcBef>
+                <a:spcPts val="0"/>
+              </a:spcBef>
+              <a:spcAft>
+                <a:spcPts val="0"/>
+              </a:spcAft>
+              <a:buSzPts val="3600"/>
+              <a:buFont typeface="Arial"/>
+              <a:buNone/>
+              <a:defRPr sz="3600" b="1">
+                <a:solidFill>
+                  <a:schemeClr val="dk1"/>
+                </a:solidFill>
+                <a:latin typeface="Arial"/>
+                <a:ea typeface="Arial"/>
+                <a:cs typeface="Arial"/>
+                <a:sym typeface="Arial"/>
+              </a:defRPr>
+            </a:lvl7pPr>
+            <a:lvl8pPr lvl="7" algn="l" rtl="0">
+              <a:spcBef>
+                <a:spcPts val="0"/>
+              </a:spcBef>
+              <a:spcAft>
+                <a:spcPts val="0"/>
+              </a:spcAft>
+              <a:buSzPts val="3600"/>
+              <a:buFont typeface="Arial"/>
+              <a:buNone/>
+              <a:defRPr sz="3600" b="1">
+                <a:solidFill>
+                  <a:schemeClr val="dk1"/>
+                </a:solidFill>
+                <a:latin typeface="Arial"/>
+                <a:ea typeface="Arial"/>
+                <a:cs typeface="Arial"/>
+                <a:sym typeface="Arial"/>
+              </a:defRPr>
+            </a:lvl8pPr>
+            <a:lvl9pPr lvl="8" algn="l" rtl="0">
+              <a:spcBef>
+                <a:spcPts val="0"/>
+              </a:spcBef>
+              <a:spcAft>
+                <a:spcPts val="0"/>
+              </a:spcAft>
+              <a:buSzPts val="3600"/>
+              <a:buFont typeface="Arial"/>
+              <a:buNone/>
+              <a:defRPr sz="3600" b="1">
+                <a:solidFill>
+                  <a:schemeClr val="dk1"/>
+                </a:solidFill>
+                <a:latin typeface="Arial"/>
+                <a:ea typeface="Arial"/>
+                <a:cs typeface="Arial"/>
+                <a:sym typeface="Arial"/>
+              </a:defRPr>
+            </a:lvl9pPr>
+          </a:lstStyle>
+          <a:p>
+            <a:endParaRPr/>
+          </a:p>
+        </p:txBody>
+      </p:sp>
+      <p:sp>
+        <p:nvSpPr>
+          <p:cNvPr id="58" name="Google Shape;58;p15"/>
+          <p:cNvSpPr txBox="1">
+            <a:spLocks noGrp="1"/>
+          </p:cNvSpPr>
+          <p:nvPr>
+            <p:ph type="body" idx="1"/>
+          </p:nvPr>
+        </p:nvSpPr>
+        <p:spPr>
+          <a:xfrm>
+            <a:off x="457200" y="1600200"/>
+            <a:ext cx="8229600" cy="4967600"/>
+          </a:xfrm>
+          <a:prstGeom prst="rect">
+            <a:avLst/>
+          </a:prstGeom>
+          <a:noFill/>
+          <a:ln>
+            <a:noFill/>
+          </a:ln>
+        </p:spPr>
+        <p:txBody>
+          <a:bodyPr spcFirstLastPara="1" wrap="square" lIns="91425" tIns="91425" rIns="91425" bIns="91425" anchor="t" anchorCtr="0">
+            <a:noAutofit/>
+          </a:bodyPr>
+          <a:lstStyle>
+            <a:lvl1pPr marL="457200" lvl="0" indent="-419100" rtl="0">
+              <a:spcBef>
+                <a:spcPts val="600"/>
+              </a:spcBef>
+              <a:spcAft>
+                <a:spcPts val="0"/>
+              </a:spcAft>
+              <a:buSzPts val="3000"/>
+              <a:buChar char="●"/>
+              <a:defRPr/>
+            </a:lvl1pPr>
+            <a:lvl2pPr marL="914400" lvl="1" indent="-381000" rtl="0">
+              <a:spcBef>
+                <a:spcPts val="0"/>
+              </a:spcBef>
+              <a:spcAft>
+                <a:spcPts val="0"/>
+              </a:spcAft>
+              <a:buSzPts val="2400"/>
+              <a:buChar char="○"/>
+              <a:defRPr/>
+            </a:lvl2pPr>
+            <a:lvl3pPr marL="1371600" lvl="2" indent="-381000" rtl="0">
+              <a:spcBef>
+                <a:spcPts val="0"/>
+              </a:spcBef>
+              <a:spcAft>
+                <a:spcPts val="0"/>
+              </a:spcAft>
+              <a:buSzPts val="2400"/>
+              <a:buChar char="■"/>
+              <a:defRPr/>
+            </a:lvl3pPr>
+            <a:lvl4pPr marL="1828800" lvl="3" indent="-342900" rtl="0">
+              <a:spcBef>
+                <a:spcPts val="0"/>
+              </a:spcBef>
+              <a:spcAft>
+                <a:spcPts val="0"/>
+              </a:spcAft>
+              <a:buSzPts val="1800"/>
+              <a:buChar char="●"/>
+              <a:defRPr/>
+            </a:lvl4pPr>
+            <a:lvl5pPr marL="2286000" lvl="4" indent="-342900" rtl="0">
+              <a:spcBef>
+                <a:spcPts val="0"/>
+              </a:spcBef>
+              <a:spcAft>
+                <a:spcPts val="0"/>
+              </a:spcAft>
+              <a:buSzPts val="1800"/>
+              <a:buChar char="○"/>
+              <a:defRPr sz="1800"/>
+            </a:lvl5pPr>
+            <a:lvl6pPr marL="2743200" lvl="5" indent="-342900" rtl="0">
+              <a:spcBef>
+                <a:spcPts val="0"/>
+              </a:spcBef>
+              <a:spcAft>
+                <a:spcPts val="0"/>
+              </a:spcAft>
+              <a:buSzPts val="1800"/>
+              <a:buChar char="■"/>
+              <a:defRPr sz="1800"/>
+            </a:lvl6pPr>
+            <a:lvl7pPr marL="3200400" lvl="6" indent="-342900" rtl="0">
+              <a:spcBef>
+                <a:spcPts val="0"/>
+              </a:spcBef>
+              <a:spcAft>
+                <a:spcPts val="0"/>
+              </a:spcAft>
+              <a:buSzPts val="1800"/>
+              <a:buChar char="●"/>
+              <a:defRPr sz="1800"/>
+            </a:lvl7pPr>
+            <a:lvl8pPr marL="3657600" lvl="7" indent="-342900" rtl="0">
+              <a:spcBef>
+                <a:spcPts val="0"/>
+              </a:spcBef>
+              <a:spcAft>
+                <a:spcPts val="0"/>
+              </a:spcAft>
+              <a:buSzPts val="1800"/>
+              <a:buChar char="○"/>
+              <a:defRPr sz="1800"/>
+            </a:lvl8pPr>
+            <a:lvl9pPr marL="4114800" lvl="8" indent="-342900" rtl="0">
+              <a:spcBef>
+                <a:spcPts val="0"/>
+              </a:spcBef>
+              <a:spcAft>
+                <a:spcPts val="0"/>
+              </a:spcAft>
+              <a:buSzPts val="1800"/>
+              <a:buChar char="■"/>
+              <a:defRPr sz="1800"/>
+            </a:lvl9pPr>
+          </a:lstStyle>
+          <a:p>
+            <a:endParaRPr/>
+          </a:p>
+        </p:txBody>
+      </p:sp>
+    </p:spTree>
+    <p:extLst>
+      <p:ext uri="{BB962C8B-B14F-4D97-AF65-F5344CB8AC3E}">
+        <p14:creationId xmlns:p14="http://schemas.microsoft.com/office/powerpoint/2010/main" val="1548654205"/>
       </p:ext>
     </p:extLst>
   </p:cSld>
@@ -4265,7 +5541,7 @@
               <a:pPr>
                 <a:defRPr/>
               </a:pPr>
-              <a:t>Thursday, March 10, 2022</a:t>
+              <a:t>Tuesday, September 6, 2022</a:t>
             </a:fld>
             <a:endParaRPr lang="en-US" dirty="0"/>
           </a:p>
@@ -4525,7 +5801,7 @@
               <a:pPr>
                 <a:defRPr/>
               </a:pPr>
-              <a:t>Thursday, March 10, 2022</a:t>
+              <a:t>Tuesday, September 6, 2022</a:t>
             </a:fld>
             <a:endParaRPr lang="en-US"/>
           </a:p>
@@ -4825,7 +6101,7 @@
               <a:pPr>
                 <a:defRPr/>
               </a:pPr>
-              <a:t>Thursday, March 10, 2022</a:t>
+              <a:t>Tuesday, September 6, 2022</a:t>
             </a:fld>
             <a:endParaRPr lang="en-US"/>
           </a:p>
@@ -5259,7 +6535,7 @@
               <a:pPr>
                 <a:defRPr/>
               </a:pPr>
-              <a:t>Thursday, March 10, 2022</a:t>
+              <a:t>Tuesday, September 6, 2022</a:t>
             </a:fld>
             <a:endParaRPr lang="en-US"/>
           </a:p>
@@ -5391,7 +6667,7 @@
               <a:pPr>
                 <a:defRPr/>
               </a:pPr>
-              <a:t>Thursday, March 10, 2022</a:t>
+              <a:t>Tuesday, September 6, 2022</a:t>
             </a:fld>
             <a:endParaRPr lang="en-US"/>
           </a:p>
@@ -5501,7 +6777,7 @@
               <a:pPr>
                 <a:defRPr/>
               </a:pPr>
-              <a:t>Thursday, March 10, 2022</a:t>
+              <a:t>Tuesday, September 6, 2022</a:t>
             </a:fld>
             <a:endParaRPr lang="en-US" dirty="0"/>
           </a:p>
@@ -5791,7 +7067,7 @@
               <a:pPr>
                 <a:defRPr/>
               </a:pPr>
-              <a:t>Thursday, March 10, 2022</a:t>
+              <a:t>Tuesday, September 6, 2022</a:t>
             </a:fld>
             <a:endParaRPr lang="en-US"/>
           </a:p>
@@ -6058,7 +7334,7 @@
               <a:pPr>
                 <a:defRPr/>
               </a:pPr>
-              <a:t>Thursday, March 10, 2022</a:t>
+              <a:t>Tuesday, September 6, 2022</a:t>
             </a:fld>
             <a:endParaRPr lang="en-US"/>
           </a:p>
@@ -6284,7 +7560,7 @@
               <a:pPr>
                 <a:defRPr/>
               </a:pPr>
-              <a:t>Thursday, March 10, 2022</a:t>
+              <a:t>Tuesday, September 6, 2022</a:t>
             </a:fld>
             <a:endParaRPr lang="en-US" dirty="0"/>
           </a:p>
@@ -6397,6 +7673,7 @@
     <p:sldLayoutId id="2147483936" r:id="rId9"/>
     <p:sldLayoutId id="2147483937" r:id="rId10"/>
     <p:sldLayoutId id="2147483938" r:id="rId11"/>
+    <p:sldLayoutId id="2147483939" r:id="rId12"/>
   </p:sldLayoutIdLst>
   <p:txStyles>
     <p:titleStyle>
@@ -6802,6 +8079,175 @@
           </a:p>
         </p:txBody>
       </p:sp>
+      <p:sp>
+        <p:nvSpPr>
+          <p:cNvPr id="4" name="TextBox 3">
+            <a:extLst>
+              <a:ext uri="{FF2B5EF4-FFF2-40B4-BE49-F238E27FC236}">
+                <a16:creationId xmlns:a16="http://schemas.microsoft.com/office/drawing/2014/main" id="{3276397E-84E1-1DF1-107E-E767C6E51BC8}"/>
+              </a:ext>
+            </a:extLst>
+          </p:cNvPr>
+          <p:cNvSpPr txBox="1"/>
+          <p:nvPr/>
+        </p:nvSpPr>
+        <p:spPr>
+          <a:xfrm>
+            <a:off x="4585447" y="-10818"/>
+            <a:ext cx="4619625" cy="1046440"/>
+          </a:xfrm>
+          <a:prstGeom prst="rect">
+            <a:avLst/>
+          </a:prstGeom>
+          <a:noFill/>
+          <a:ln w="12700" cap="flat">
+            <a:noFill/>
+            <a:miter lim="400000"/>
+          </a:ln>
+          <a:effectLst/>
+        </p:spPr>
+        <p:style>
+          <a:lnRef idx="0">
+            <a:scrgbClr r="0" g="0" b="0"/>
+          </a:lnRef>
+          <a:fillRef idx="0">
+            <a:scrgbClr r="0" g="0" b="0"/>
+          </a:fillRef>
+          <a:effectRef idx="0">
+            <a:scrgbClr r="0" g="0" b="0"/>
+          </a:effectRef>
+          <a:fontRef idx="none"/>
+        </p:style>
+        <p:txBody>
+          <a:bodyPr wrap="square">
+            <a:spAutoFit/>
+          </a:bodyPr>
+          <a:lstStyle/>
+          <a:p>
+            <a:r>
+              <a:rPr lang="en-US" dirty="0">
+                <a:highlight>
+                  <a:srgbClr val="FFFF00"/>
+                </a:highlight>
+              </a:rPr>
+              <a:t>Today’s Attendance password</a:t>
+            </a:r>
+          </a:p>
+          <a:p>
+            <a:r>
+              <a:rPr lang="en-US" sz="4400" dirty="0" err="1">
+                <a:highlight>
+                  <a:srgbClr val="FFFF00"/>
+                </a:highlight>
+              </a:rPr>
+              <a:t>moredimensions</a:t>
+            </a:r>
+            <a:r>
+              <a:rPr lang="en-US" sz="4400" dirty="0">
+                <a:highlight>
+                  <a:srgbClr val="FFFF00"/>
+                </a:highlight>
+              </a:rPr>
+              <a:t>!</a:t>
+            </a:r>
+          </a:p>
+        </p:txBody>
+      </p:sp>
+      <p:pic>
+        <p:nvPicPr>
+          <p:cNvPr id="6" name="Picture 5">
+            <a:extLst>
+              <a:ext uri="{FF2B5EF4-FFF2-40B4-BE49-F238E27FC236}">
+                <a16:creationId xmlns:a16="http://schemas.microsoft.com/office/drawing/2014/main" id="{B8E3ADFB-8727-6C62-361D-F6A509689995}"/>
+              </a:ext>
+            </a:extLst>
+          </p:cNvPr>
+          <p:cNvPicPr>
+            <a:picLocks noChangeAspect="1"/>
+          </p:cNvPicPr>
+          <p:nvPr/>
+        </p:nvPicPr>
+        <p:blipFill>
+          <a:blip r:embed="rId3"/>
+          <a:stretch>
+            <a:fillRect/>
+          </a:stretch>
+        </p:blipFill>
+        <p:spPr>
+          <a:xfrm>
+            <a:off x="5937409" y="1015626"/>
+            <a:ext cx="2816626" cy="2439173"/>
+          </a:xfrm>
+          <a:prstGeom prst="rect">
+            <a:avLst/>
+          </a:prstGeom>
+        </p:spPr>
+      </p:pic>
+      <p:sp>
+        <p:nvSpPr>
+          <p:cNvPr id="5" name="TextBox 4">
+            <a:extLst>
+              <a:ext uri="{FF2B5EF4-FFF2-40B4-BE49-F238E27FC236}">
+                <a16:creationId xmlns:a16="http://schemas.microsoft.com/office/drawing/2014/main" id="{BC1C58CC-05C4-9F47-B7F7-B43B0173C6D0}"/>
+              </a:ext>
+            </a:extLst>
+          </p:cNvPr>
+          <p:cNvSpPr txBox="1"/>
+          <p:nvPr/>
+        </p:nvSpPr>
+        <p:spPr>
+          <a:xfrm>
+            <a:off x="381000" y="152398"/>
+            <a:ext cx="2057400" cy="646331"/>
+          </a:xfrm>
+          <a:prstGeom prst="rect">
+            <a:avLst/>
+          </a:prstGeom>
+          <a:noFill/>
+        </p:spPr>
+        <p:txBody>
+          <a:bodyPr wrap="square" rtlCol="0">
+            <a:spAutoFit/>
+          </a:bodyPr>
+          <a:lstStyle/>
+          <a:p>
+            <a:r>
+              <a:rPr lang="en-US" dirty="0"/>
+              <a:t>Grab a handout on the back table!</a:t>
+            </a:r>
+          </a:p>
+        </p:txBody>
+      </p:sp>
+      <p:pic>
+        <p:nvPicPr>
+          <p:cNvPr id="7" name="Picture 6">
+            <a:extLst>
+              <a:ext uri="{FF2B5EF4-FFF2-40B4-BE49-F238E27FC236}">
+                <a16:creationId xmlns:a16="http://schemas.microsoft.com/office/drawing/2014/main" id="{A24C32BD-1A8D-0ECB-7780-8CBC57798D0A}"/>
+              </a:ext>
+            </a:extLst>
+          </p:cNvPr>
+          <p:cNvPicPr>
+            <a:picLocks noChangeAspect="1"/>
+          </p:cNvPicPr>
+          <p:nvPr/>
+        </p:nvPicPr>
+        <p:blipFill>
+          <a:blip r:embed="rId4"/>
+          <a:stretch>
+            <a:fillRect/>
+          </a:stretch>
+        </p:blipFill>
+        <p:spPr>
+          <a:xfrm>
+            <a:off x="72352" y="748494"/>
+            <a:ext cx="3439026" cy="1432167"/>
+          </a:xfrm>
+          <a:prstGeom prst="rect">
+            <a:avLst/>
+          </a:prstGeom>
+        </p:spPr>
+      </p:pic>
     </p:spTree>
     <p:extLst>
       <p:ext uri="{BB962C8B-B14F-4D97-AF65-F5344CB8AC3E}">
@@ -16202,7 +17648,7 @@
                 <a:latin typeface="Courier New" panose="02070309020205020404" pitchFamily="49" charset="0"/>
                 <a:cs typeface="Courier New" panose="02070309020205020404" pitchFamily="49" charset="0"/>
               </a:rPr>
-              <a:t>usernameToStudent</a:t>
+              <a:t>usernameToStudentMap</a:t>
             </a:r>
             <a:r>
               <a:rPr lang="en-US" sz="2600" dirty="0">
@@ -16328,7 +17774,7 @@
               </a:tabLst>
             </a:pPr>
             <a:r>
-              <a:rPr lang="en-US" sz="2400" dirty="0">
+              <a:rPr lang="en-US" sz="2000" dirty="0">
                 <a:latin typeface="Courier New" panose="02070309020205020404" pitchFamily="49" charset="0"/>
                 <a:cs typeface="Courier New" panose="02070309020205020404" pitchFamily="49" charset="0"/>
               </a:rPr>
@@ -16343,35 +17789,35 @@
               </a:tabLst>
             </a:pPr>
             <a:r>
-              <a:rPr lang="en-US" sz="2400" dirty="0">
+              <a:rPr lang="en-US" sz="2000" dirty="0">
                 <a:latin typeface="Courier New" panose="02070309020205020404" pitchFamily="49" charset="0"/>
                 <a:cs typeface="Courier New" panose="02070309020205020404" pitchFamily="49" charset="0"/>
               </a:rPr>
               <a:t>	</a:t>
             </a:r>
             <a:r>
-              <a:rPr lang="en-US" sz="2400" dirty="0" err="1">
+              <a:rPr lang="en-US" sz="2000" dirty="0" err="1">
                 <a:latin typeface="Courier New" panose="02070309020205020404" pitchFamily="49" charset="0"/>
                 <a:cs typeface="Courier New" panose="02070309020205020404" pitchFamily="49" charset="0"/>
               </a:rPr>
-              <a:t>airportMap</a:t>
-            </a:r>
-            <a:r>
-              <a:rPr lang="en-US" sz="2400" dirty="0">
+              <a:t>zipToAirportMap</a:t>
+            </a:r>
+            <a:r>
+              <a:rPr lang="en-US" sz="2000" dirty="0">
                 <a:latin typeface="Courier New" panose="02070309020205020404" pitchFamily="49" charset="0"/>
                 <a:cs typeface="Courier New" panose="02070309020205020404" pitchFamily="49" charset="0"/>
               </a:rPr>
               <a:t> = </a:t>
             </a:r>
             <a:r>
-              <a:rPr lang="en-US" sz="2400" b="1" dirty="0">
+              <a:rPr lang="en-US" sz="2000" b="1" dirty="0">
                 <a:latin typeface="Courier New" panose="02070309020205020404" pitchFamily="49" charset="0"/>
                 <a:cs typeface="Courier New" panose="02070309020205020404" pitchFamily="49" charset="0"/>
               </a:rPr>
               <a:t>new</a:t>
             </a:r>
             <a:r>
-              <a:rPr lang="en-US" sz="2400" dirty="0">
+              <a:rPr lang="en-US" sz="2000" dirty="0">
                 <a:latin typeface="Courier New" panose="02070309020205020404" pitchFamily="49" charset="0"/>
                 <a:cs typeface="Courier New" panose="02070309020205020404" pitchFamily="49" charset="0"/>
               </a:rPr>
@@ -16484,8 +17930,8 @@
         </p:blipFill>
         <p:spPr>
           <a:xfrm>
-            <a:off x="1447800" y="2513947"/>
-            <a:ext cx="6248400" cy="4199292"/>
+            <a:off x="727623" y="2286000"/>
+            <a:ext cx="6587577" cy="4427239"/>
           </a:xfrm>
           <a:prstGeom prst="rect">
             <a:avLst/>
@@ -16708,7 +18154,7 @@
                 <a:latin typeface="Courier New" panose="02070309020205020404" pitchFamily="49" charset="0"/>
                 <a:cs typeface="Courier New" panose="02070309020205020404" pitchFamily="49" charset="0"/>
               </a:rPr>
-              <a:t>airportMap</a:t>
+              <a:t>zipToAirportMap</a:t>
             </a:r>
             <a:r>
               <a:rPr lang="en-US" sz="2400" dirty="0">
@@ -16765,11 +18211,11 @@
               </a:tabLst>
             </a:pPr>
             <a:r>
-              <a:rPr lang="en-US" dirty="0" err="1">
+              <a:rPr lang="en-US" sz="3200" dirty="0" err="1">
                 <a:latin typeface="Courier New" panose="02070309020205020404" pitchFamily="49" charset="0"/>
                 <a:cs typeface="Courier New" panose="02070309020205020404" pitchFamily="49" charset="0"/>
               </a:rPr>
-              <a:t>airportToElevation</a:t>
+              <a:t>zipToAirportMap</a:t>
             </a:r>
             <a:r>
               <a:rPr lang="en-US" dirty="0">
@@ -19664,7 +21110,7 @@
 </file>
 
 <file path=ppt/slides/slide56.xml><?xml version="1.0" encoding="utf-8"?>
-<p:sld xmlns:a="http://schemas.openxmlformats.org/drawingml/2006/main" xmlns:r="http://schemas.openxmlformats.org/officeDocument/2006/relationships" xmlns:p="http://schemas.openxmlformats.org/presentationml/2006/main" show="0">
+<p:sld xmlns:a="http://schemas.openxmlformats.org/drawingml/2006/main" xmlns:r="http://schemas.openxmlformats.org/officeDocument/2006/relationships" xmlns:p="http://schemas.openxmlformats.org/presentationml/2006/main">
   <p:cSld>
     <p:spTree>
       <p:nvGrpSpPr>
@@ -19685,7 +21131,7 @@
           <p:cNvPr id="2" name="Title 1">
             <a:extLst>
               <a:ext uri="{FF2B5EF4-FFF2-40B4-BE49-F238E27FC236}">
-                <a16:creationId xmlns:a16="http://schemas.microsoft.com/office/drawing/2014/main" id="{8095B3A4-8E7A-4FE0-9D96-B85C634E623A}"/>
+                <a16:creationId xmlns:a16="http://schemas.microsoft.com/office/drawing/2014/main" id="{5A10D2C3-7456-4C1B-BD33-7612AB61FF53}"/>
               </a:ext>
             </a:extLst>
           </p:cNvPr>
@@ -19696,14 +21142,19 @@
             <p:ph type="title"/>
           </p:nvPr>
         </p:nvSpPr>
-        <p:spPr/>
+        <p:spPr>
+          <a:xfrm>
+            <a:off x="457200" y="249238"/>
+            <a:ext cx="8229600" cy="1143000"/>
+          </a:xfrm>
+        </p:spPr>
         <p:txBody>
           <a:bodyPr/>
           <a:lstStyle/>
           <a:p>
             <a:r>
               <a:rPr lang="en-US" dirty="0"/>
-              <a:t>Not necessary</a:t>
+              <a:t>If times allows…</a:t>
             </a:r>
           </a:p>
         </p:txBody>
@@ -19713,7 +21164,7 @@
           <p:cNvPr id="3" name="Content Placeholder 2">
             <a:extLst>
               <a:ext uri="{FF2B5EF4-FFF2-40B4-BE49-F238E27FC236}">
-                <a16:creationId xmlns:a16="http://schemas.microsoft.com/office/drawing/2014/main" id="{F5A8001E-D039-48D8-8AF4-35254F611548}"/>
+                <a16:creationId xmlns:a16="http://schemas.microsoft.com/office/drawing/2014/main" id="{7B325B11-D2A5-4AAD-A104-7DE5C1AF08B9}"/>
               </a:ext>
             </a:extLst>
           </p:cNvPr>
@@ -19731,15 +21182,53 @@
           <a:p>
             <a:r>
               <a:rPr lang="en-US" dirty="0"/>
-              <a:t>Only use the following instructions if you have not imported everything on Day1</a:t>
-            </a:r>
+              <a:t>Some tips and tricks for when something goes wrong…</a:t>
+            </a:r>
+          </a:p>
+        </p:txBody>
+      </p:sp>
+      <p:sp>
+        <p:nvSpPr>
+          <p:cNvPr id="5" name="TextBox 4">
+            <a:extLst>
+              <a:ext uri="{FF2B5EF4-FFF2-40B4-BE49-F238E27FC236}">
+                <a16:creationId xmlns:a16="http://schemas.microsoft.com/office/drawing/2014/main" id="{2A8DB67C-91C7-4ABE-97FB-6CB2472155C4}"/>
+              </a:ext>
+            </a:extLst>
+          </p:cNvPr>
+          <p:cNvSpPr txBox="1"/>
+          <p:nvPr/>
+        </p:nvSpPr>
+        <p:spPr>
+          <a:xfrm>
+            <a:off x="2286000" y="3247962"/>
+            <a:ext cx="4572000" cy="369332"/>
+          </a:xfrm>
+          <a:prstGeom prst="rect">
+            <a:avLst/>
+          </a:prstGeom>
+          <a:noFill/>
+        </p:spPr>
+        <p:txBody>
+          <a:bodyPr wrap="square">
+            <a:spAutoFit/>
+          </a:bodyPr>
+          <a:lstStyle/>
+          <a:p>
+            <a:r>
+              <a:rPr lang="en-US" b="0" dirty="0">
+                <a:effectLst/>
+              </a:rPr>
+              <a:t> </a:t>
+            </a:r>
+            <a:endParaRPr lang="en-US" dirty="0"/>
           </a:p>
         </p:txBody>
       </p:sp>
     </p:spTree>
     <p:extLst>
       <p:ext uri="{BB962C8B-B14F-4D97-AF65-F5344CB8AC3E}">
-        <p14:creationId xmlns:p14="http://schemas.microsoft.com/office/powerpoint/2010/main" val="969320233"/>
+        <p14:creationId xmlns:p14="http://schemas.microsoft.com/office/powerpoint/2010/main" val="3751937807"/>
       </p:ext>
     </p:extLst>
   </p:cSld>
@@ -19750,7 +21239,798 @@
 </file>
 
 <file path=ppt/slides/slide57.xml><?xml version="1.0" encoding="utf-8"?>
-<p:sld xmlns:a="http://schemas.openxmlformats.org/drawingml/2006/main" xmlns:r="http://schemas.openxmlformats.org/officeDocument/2006/relationships" xmlns:p="http://schemas.openxmlformats.org/presentationml/2006/main" show="0">
+<p:sld xmlns:a="http://schemas.openxmlformats.org/drawingml/2006/main" xmlns:r="http://schemas.openxmlformats.org/officeDocument/2006/relationships" xmlns:p="http://schemas.openxmlformats.org/presentationml/2006/main">
+  <p:cSld>
+    <p:spTree>
+      <p:nvGrpSpPr>
+        <p:cNvPr id="1" name="Shape 88"/>
+        <p:cNvGrpSpPr/>
+        <p:nvPr/>
+      </p:nvGrpSpPr>
+      <p:grpSpPr>
+        <a:xfrm>
+          <a:off x="0" y="0"/>
+          <a:ext cx="0" cy="0"/>
+          <a:chOff x="0" y="0"/>
+          <a:chExt cx="0" cy="0"/>
+        </a:xfrm>
+      </p:grpSpPr>
+      <p:sp>
+        <p:nvSpPr>
+          <p:cNvPr id="89" name="Google Shape;89;p22"/>
+          <p:cNvSpPr txBox="1">
+            <a:spLocks noGrp="1"/>
+          </p:cNvSpPr>
+          <p:nvPr>
+            <p:ph type="title"/>
+          </p:nvPr>
+        </p:nvSpPr>
+        <p:spPr>
+          <a:xfrm>
+            <a:off x="0" y="0"/>
+            <a:ext cx="8636100" cy="817200"/>
+          </a:xfrm>
+          <a:prstGeom prst="rect">
+            <a:avLst/>
+          </a:prstGeom>
+        </p:spPr>
+        <p:txBody>
+          <a:bodyPr spcFirstLastPara="1" vert="horz" wrap="square" lIns="91425" tIns="91425" rIns="91425" bIns="91425" rtlCol="0" anchor="b" anchorCtr="0">
+            <a:noAutofit/>
+          </a:bodyPr>
+          <a:lstStyle/>
+          <a:p>
+            <a:pPr>
+              <a:buClr>
+                <a:schemeClr val="dk1"/>
+              </a:buClr>
+              <a:buSzPts val="1100"/>
+            </a:pPr>
+            <a:r>
+              <a:rPr lang="en" sz="2400" dirty="0">
+                <a:solidFill>
+                  <a:srgbClr val="840629"/>
+                </a:solidFill>
+              </a:rPr>
+              <a:t>How to identify a problem in your code?</a:t>
+            </a:r>
+            <a:endParaRPr sz="2400" dirty="0">
+              <a:solidFill>
+                <a:srgbClr val="840629"/>
+              </a:solidFill>
+            </a:endParaRPr>
+          </a:p>
+        </p:txBody>
+      </p:sp>
+      <p:sp>
+        <p:nvSpPr>
+          <p:cNvPr id="90" name="Google Shape;90;p22"/>
+          <p:cNvSpPr txBox="1">
+            <a:spLocks noGrp="1"/>
+          </p:cNvSpPr>
+          <p:nvPr>
+            <p:ph type="body" idx="1"/>
+          </p:nvPr>
+        </p:nvSpPr>
+        <p:spPr>
+          <a:xfrm>
+            <a:off x="32657" y="817200"/>
+            <a:ext cx="8802900" cy="4061100"/>
+          </a:xfrm>
+          <a:prstGeom prst="rect">
+            <a:avLst/>
+          </a:prstGeom>
+        </p:spPr>
+        <p:txBody>
+          <a:bodyPr spcFirstLastPara="1" vert="horz" wrap="square" lIns="91425" tIns="91425" rIns="91425" bIns="91425" rtlCol="0" anchor="t" anchorCtr="0">
+            <a:noAutofit/>
+          </a:bodyPr>
+          <a:lstStyle/>
+          <a:p>
+            <a:pPr marL="0" indent="0">
+              <a:buNone/>
+            </a:pPr>
+            <a:r>
+              <a:rPr lang="en" sz="2400" dirty="0"/>
+              <a:t>When you run your code, and you do not pass all the tests...</a:t>
+            </a:r>
+            <a:endParaRPr sz="2400" dirty="0"/>
+          </a:p>
+          <a:p>
+            <a:pPr marL="0" indent="0">
+              <a:buNone/>
+            </a:pPr>
+            <a:endParaRPr sz="2400" dirty="0"/>
+          </a:p>
+          <a:p>
+            <a:pPr marL="0" indent="0">
+              <a:buNone/>
+            </a:pPr>
+            <a:r>
+              <a:rPr lang="en" sz="2400" dirty="0"/>
+              <a:t>What can you do?</a:t>
+            </a:r>
+            <a:endParaRPr sz="2400" dirty="0"/>
+          </a:p>
+          <a:p>
+            <a:pPr indent="-361950">
+              <a:buSzPts val="2100"/>
+            </a:pPr>
+            <a:r>
+              <a:rPr lang="en" sz="2400" dirty="0"/>
+              <a:t>Try re-running the exact same code </a:t>
+            </a:r>
+            <a:endParaRPr sz="2400" dirty="0"/>
+          </a:p>
+          <a:p>
+            <a:pPr lvl="1" indent="-361950">
+              <a:buSzPts val="2100"/>
+            </a:pPr>
+            <a:r>
+              <a:rPr lang="en" sz="2400" dirty="0"/>
+              <a:t>Do miracles happen for you? </a:t>
+            </a:r>
+            <a:r>
+              <a:rPr lang="en" sz="2400" dirty="0">
+                <a:solidFill>
+                  <a:srgbClr val="FFFFFF"/>
+                </a:solidFill>
+              </a:rPr>
+              <a:t>(...It’s OK we have all done it...)</a:t>
+            </a:r>
+            <a:endParaRPr sz="2400" dirty="0">
+              <a:solidFill>
+                <a:srgbClr val="FFFFFF"/>
+              </a:solidFill>
+            </a:endParaRPr>
+          </a:p>
+          <a:p>
+            <a:pPr indent="-361950">
+              <a:spcBef>
+                <a:spcPts val="0"/>
+              </a:spcBef>
+              <a:buSzPts val="2100"/>
+            </a:pPr>
+            <a:r>
+              <a:rPr lang="en" sz="2400" dirty="0"/>
+              <a:t>Try changing code randomly and see if it helps? </a:t>
+            </a:r>
+            <a:endParaRPr sz="2400" dirty="0"/>
+          </a:p>
+          <a:p>
+            <a:pPr lvl="1" indent="-361950">
+              <a:buSzPts val="2100"/>
+            </a:pPr>
+            <a:r>
+              <a:rPr lang="en" sz="2400" dirty="0"/>
+              <a:t>(do you like the </a:t>
+            </a:r>
+            <a:r>
+              <a:rPr lang="en" sz="2400" u="sng" dirty="0">
+                <a:solidFill>
+                  <a:schemeClr val="hlink"/>
+                </a:solidFill>
+                <a:hlinkClick r:id="rId3"/>
+              </a:rPr>
+              <a:t>Infinite monkey theorem</a:t>
+            </a:r>
+            <a:r>
+              <a:rPr lang="en" sz="2400" dirty="0"/>
+              <a:t>? -&gt;)</a:t>
+            </a:r>
+            <a:endParaRPr sz="2400" dirty="0"/>
+          </a:p>
+          <a:p>
+            <a:pPr indent="-361950">
+              <a:spcBef>
+                <a:spcPts val="0"/>
+              </a:spcBef>
+              <a:buSzPts val="2100"/>
+            </a:pPr>
+            <a:r>
+              <a:rPr lang="en" sz="2400" dirty="0"/>
+              <a:t>Try to think through through the code and see what goes wrong?</a:t>
+            </a:r>
+            <a:endParaRPr sz="2400" dirty="0"/>
+          </a:p>
+          <a:p>
+            <a:pPr lvl="1" indent="-361950">
+              <a:buSzPts val="2100"/>
+            </a:pPr>
+            <a:r>
+              <a:rPr lang="en" sz="2400" dirty="0"/>
+              <a:t>This is HARD! But tracing out on paper can be very helpful!</a:t>
+            </a:r>
+            <a:endParaRPr sz="2400" dirty="0"/>
+          </a:p>
+          <a:p>
+            <a:pPr marL="0" indent="0">
+              <a:buNone/>
+            </a:pPr>
+            <a:r>
+              <a:rPr lang="en" sz="2400" dirty="0"/>
+              <a:t>There are better, more powerful and </a:t>
+            </a:r>
+            <a:r>
+              <a:rPr lang="en" sz="2400" b="1" i="1" dirty="0"/>
+              <a:t>much FASTER</a:t>
+            </a:r>
+            <a:r>
+              <a:rPr lang="en" sz="2400" dirty="0"/>
+              <a:t> approaches</a:t>
+            </a:r>
+            <a:endParaRPr sz="2400" dirty="0"/>
+          </a:p>
+          <a:p>
+            <a:pPr marL="0" indent="0">
+              <a:buNone/>
+            </a:pPr>
+            <a:endParaRPr sz="2400" b="1" dirty="0"/>
+          </a:p>
+          <a:p>
+            <a:pPr marL="0" indent="0">
+              <a:buNone/>
+            </a:pPr>
+            <a:endParaRPr sz="2400" dirty="0"/>
+          </a:p>
+          <a:p>
+            <a:pPr marL="0" indent="0">
+              <a:buNone/>
+            </a:pPr>
+            <a:endParaRPr sz="2400" dirty="0"/>
+          </a:p>
+          <a:p>
+            <a:pPr marL="0" indent="0">
+              <a:buNone/>
+            </a:pPr>
+            <a:endParaRPr sz="2000" dirty="0"/>
+          </a:p>
+        </p:txBody>
+      </p:sp>
+      <p:pic>
+        <p:nvPicPr>
+          <p:cNvPr id="91" name="Google Shape;91;p22"/>
+          <p:cNvPicPr preferRelativeResize="0"/>
+          <p:nvPr/>
+        </p:nvPicPr>
+        <p:blipFill>
+          <a:blip r:embed="rId4">
+            <a:alphaModFix/>
+          </a:blip>
+          <a:stretch>
+            <a:fillRect/>
+          </a:stretch>
+        </p:blipFill>
+        <p:spPr>
+          <a:xfrm>
+            <a:off x="6762022" y="1887593"/>
+            <a:ext cx="2327550" cy="1855000"/>
+          </a:xfrm>
+          <a:prstGeom prst="rect">
+            <a:avLst/>
+          </a:prstGeom>
+          <a:noFill/>
+          <a:ln>
+            <a:noFill/>
+          </a:ln>
+        </p:spPr>
+      </p:pic>
+    </p:spTree>
+  </p:cSld>
+  <p:clrMapOvr>
+    <a:masterClrMapping/>
+  </p:clrMapOvr>
+</p:sld>
+</file>
+
+<file path=ppt/slides/slide58.xml><?xml version="1.0" encoding="utf-8"?>
+<p:sld xmlns:a="http://schemas.openxmlformats.org/drawingml/2006/main" xmlns:r="http://schemas.openxmlformats.org/officeDocument/2006/relationships" xmlns:p="http://schemas.openxmlformats.org/presentationml/2006/main">
+  <p:cSld>
+    <p:spTree>
+      <p:nvGrpSpPr>
+        <p:cNvPr id="1" name="Shape 95"/>
+        <p:cNvGrpSpPr/>
+        <p:nvPr/>
+      </p:nvGrpSpPr>
+      <p:grpSpPr>
+        <a:xfrm>
+          <a:off x="0" y="0"/>
+          <a:ext cx="0" cy="0"/>
+          <a:chOff x="0" y="0"/>
+          <a:chExt cx="0" cy="0"/>
+        </a:xfrm>
+      </p:grpSpPr>
+      <p:sp>
+        <p:nvSpPr>
+          <p:cNvPr id="96" name="Google Shape;96;p23"/>
+          <p:cNvSpPr txBox="1">
+            <a:spLocks noGrp="1"/>
+          </p:cNvSpPr>
+          <p:nvPr>
+            <p:ph type="title"/>
+          </p:nvPr>
+        </p:nvSpPr>
+        <p:spPr>
+          <a:xfrm>
+            <a:off x="10886" y="0"/>
+            <a:ext cx="8636100" cy="817200"/>
+          </a:xfrm>
+          <a:prstGeom prst="rect">
+            <a:avLst/>
+          </a:prstGeom>
+        </p:spPr>
+        <p:txBody>
+          <a:bodyPr spcFirstLastPara="1" vert="horz" wrap="square" lIns="91425" tIns="91425" rIns="91425" bIns="91425" rtlCol="0" anchor="b" anchorCtr="0">
+            <a:noAutofit/>
+          </a:bodyPr>
+          <a:lstStyle/>
+          <a:p>
+            <a:r>
+              <a:rPr lang="en" sz="2400" dirty="0">
+                <a:solidFill>
+                  <a:srgbClr val="840629"/>
+                </a:solidFill>
+              </a:rPr>
+              <a:t>How to identify a problem in your code?</a:t>
+            </a:r>
+            <a:endParaRPr sz="2400" dirty="0">
+              <a:solidFill>
+                <a:srgbClr val="840629"/>
+              </a:solidFill>
+            </a:endParaRPr>
+          </a:p>
+        </p:txBody>
+      </p:sp>
+      <p:sp>
+        <p:nvSpPr>
+          <p:cNvPr id="97" name="Google Shape;97;p23"/>
+          <p:cNvSpPr txBox="1">
+            <a:spLocks noGrp="1"/>
+          </p:cNvSpPr>
+          <p:nvPr>
+            <p:ph type="body" idx="1"/>
+          </p:nvPr>
+        </p:nvSpPr>
+        <p:spPr>
+          <a:xfrm>
+            <a:off x="0" y="1219200"/>
+            <a:ext cx="9067800" cy="4061100"/>
+          </a:xfrm>
+          <a:prstGeom prst="rect">
+            <a:avLst/>
+          </a:prstGeom>
+        </p:spPr>
+        <p:txBody>
+          <a:bodyPr spcFirstLastPara="1" vert="horz" wrap="square" lIns="91425" tIns="91425" rIns="91425" bIns="91425" rtlCol="0" anchor="t" anchorCtr="0">
+            <a:noAutofit/>
+          </a:bodyPr>
+          <a:lstStyle/>
+          <a:p>
+            <a:pPr marL="0" indent="0">
+              <a:buNone/>
+            </a:pPr>
+            <a:r>
+              <a:rPr lang="en" sz="2800" b="1" i="1" dirty="0"/>
+              <a:t>Better, more powerful and much FASTER approaches</a:t>
+            </a:r>
+            <a:endParaRPr sz="2800" b="1" i="1" dirty="0"/>
+          </a:p>
+          <a:p>
+            <a:pPr indent="-361950">
+              <a:buSzPts val="2100"/>
+            </a:pPr>
+            <a:r>
+              <a:rPr lang="en" sz="2800" b="1" u="sng" dirty="0"/>
+              <a:t>Read the error messages</a:t>
+            </a:r>
+            <a:r>
+              <a:rPr lang="en" sz="2800" dirty="0"/>
+              <a:t> when there are test cases</a:t>
+            </a:r>
+            <a:endParaRPr sz="2800" dirty="0"/>
+          </a:p>
+          <a:p>
+            <a:pPr lvl="1" indent="-361950">
+              <a:buSzPts val="2100"/>
+            </a:pPr>
+            <a:r>
+              <a:rPr lang="en" dirty="0"/>
+              <a:t>Examples of errors? How do we see them?</a:t>
+            </a:r>
+            <a:endParaRPr dirty="0"/>
+          </a:p>
+          <a:p>
+            <a:pPr indent="-361950">
+              <a:spcBef>
+                <a:spcPts val="0"/>
+              </a:spcBef>
+              <a:buSzPts val="2100"/>
+            </a:pPr>
+            <a:r>
+              <a:rPr lang="en" sz="2800" b="1" u="sng" dirty="0"/>
+              <a:t>Examine the test cases</a:t>
+            </a:r>
+            <a:r>
+              <a:rPr lang="en" sz="2800" dirty="0"/>
+              <a:t> that fail</a:t>
+            </a:r>
+            <a:endParaRPr sz="2800" dirty="0"/>
+          </a:p>
+          <a:p>
+            <a:pPr lvl="1" indent="-361950">
+              <a:buSzPts val="2100"/>
+            </a:pPr>
+            <a:r>
+              <a:rPr lang="en" dirty="0"/>
+              <a:t>What is the </a:t>
+            </a:r>
+            <a:r>
+              <a:rPr lang="en" b="1" dirty="0"/>
+              <a:t>INPUT</a:t>
+            </a:r>
+            <a:r>
+              <a:rPr lang="en" dirty="0"/>
+              <a:t>? What </a:t>
+            </a:r>
+            <a:r>
+              <a:rPr lang="en" b="1" i="1" dirty="0"/>
+              <a:t>SHOULD</a:t>
+            </a:r>
+            <a:r>
+              <a:rPr lang="en" dirty="0"/>
+              <a:t> the output be?</a:t>
+            </a:r>
+            <a:endParaRPr dirty="0"/>
+          </a:p>
+          <a:p>
+            <a:pPr indent="-361950">
+              <a:spcBef>
+                <a:spcPts val="0"/>
+              </a:spcBef>
+              <a:buSzPts val="2100"/>
+            </a:pPr>
+            <a:r>
+              <a:rPr lang="en" sz="2800" b="1" u="sng" dirty="0"/>
+              <a:t>“When in doubt, print it out!”</a:t>
+            </a:r>
+            <a:r>
+              <a:rPr lang="en" sz="2800" dirty="0"/>
+              <a:t> - Dr. Yoder</a:t>
+            </a:r>
+            <a:endParaRPr sz="2800" dirty="0"/>
+          </a:p>
+          <a:p>
+            <a:pPr lvl="1" indent="-361950">
+              <a:buSzPts val="2100"/>
+              <a:buFont typeface="Consolas"/>
+              <a:buChar char="○"/>
+            </a:pPr>
+            <a:r>
+              <a:rPr lang="en" dirty="0">
+                <a:latin typeface="Consolas"/>
+                <a:ea typeface="Consolas"/>
+                <a:cs typeface="Consolas"/>
+                <a:sym typeface="Consolas"/>
+              </a:rPr>
+              <a:t>System.out.println("myVar: " + myVar );</a:t>
+            </a:r>
+            <a:endParaRPr dirty="0">
+              <a:latin typeface="Consolas"/>
+              <a:ea typeface="Consolas"/>
+              <a:cs typeface="Consolas"/>
+              <a:sym typeface="Consolas"/>
+            </a:endParaRPr>
+          </a:p>
+          <a:p>
+            <a:pPr lvl="1" indent="-361950">
+              <a:buSzPts val="2100"/>
+              <a:buFont typeface="Consolas"/>
+              <a:buChar char="○"/>
+            </a:pPr>
+            <a:r>
+              <a:rPr lang="en" dirty="0">
+                <a:latin typeface="Consolas"/>
+                <a:ea typeface="Consolas"/>
+                <a:cs typeface="Consolas"/>
+                <a:sym typeface="Consolas"/>
+              </a:rPr>
+              <a:t>Arrays.toString( arr) </a:t>
+            </a:r>
+          </a:p>
+          <a:p>
+            <a:pPr lvl="1" indent="-361950">
+              <a:buSzPts val="2100"/>
+              <a:buFont typeface="Consolas"/>
+              <a:buChar char="○"/>
+            </a:pPr>
+            <a:r>
+              <a:rPr lang="en" dirty="0">
+                <a:latin typeface="Consolas"/>
+                <a:ea typeface="Consolas"/>
+                <a:cs typeface="Consolas"/>
+                <a:sym typeface="Consolas"/>
+              </a:rPr>
+              <a:t>Classes? -&gt; obj.toString()  </a:t>
+            </a:r>
+            <a:endParaRPr dirty="0">
+              <a:latin typeface="Consolas"/>
+              <a:ea typeface="Consolas"/>
+              <a:cs typeface="Consolas"/>
+              <a:sym typeface="Consolas"/>
+            </a:endParaRPr>
+          </a:p>
+          <a:p>
+            <a:pPr indent="-361950">
+              <a:spcBef>
+                <a:spcPts val="0"/>
+              </a:spcBef>
+              <a:buSzPts val="2100"/>
+            </a:pPr>
+            <a:r>
+              <a:rPr lang="en" sz="2800" dirty="0"/>
+              <a:t>For the love of Java... </a:t>
+            </a:r>
+            <a:r>
+              <a:rPr lang="en" sz="2800" b="1" u="sng" dirty="0"/>
+              <a:t>Use the Debugger</a:t>
+            </a:r>
+            <a:r>
+              <a:rPr lang="en" sz="2800" dirty="0"/>
+              <a:t>!</a:t>
+            </a:r>
+            <a:endParaRPr sz="2800" dirty="0"/>
+          </a:p>
+          <a:p>
+            <a:pPr lvl="1" indent="-361950">
+              <a:buSzPts val="2100"/>
+            </a:pPr>
+            <a:r>
+              <a:rPr lang="en" dirty="0"/>
+              <a:t>no code modification/commenting required</a:t>
+            </a:r>
+            <a:endParaRPr dirty="0"/>
+          </a:p>
+          <a:p>
+            <a:pPr marL="0" indent="0">
+              <a:buNone/>
+            </a:pPr>
+            <a:endParaRPr sz="2400" dirty="0"/>
+          </a:p>
+        </p:txBody>
+      </p:sp>
+    </p:spTree>
+  </p:cSld>
+  <p:clrMapOvr>
+    <a:masterClrMapping/>
+  </p:clrMapOvr>
+</p:sld>
+</file>
+
+<file path=ppt/slides/slide59.xml><?xml version="1.0" encoding="utf-8"?>
+<p:sld xmlns:a="http://schemas.openxmlformats.org/drawingml/2006/main" xmlns:r="http://schemas.openxmlformats.org/officeDocument/2006/relationships" xmlns:p="http://schemas.openxmlformats.org/presentationml/2006/main">
+  <p:cSld>
+    <p:spTree>
+      <p:nvGrpSpPr>
+        <p:cNvPr id="1" name="Shape 101"/>
+        <p:cNvGrpSpPr/>
+        <p:nvPr/>
+      </p:nvGrpSpPr>
+      <p:grpSpPr>
+        <a:xfrm>
+          <a:off x="0" y="0"/>
+          <a:ext cx="0" cy="0"/>
+          <a:chOff x="0" y="0"/>
+          <a:chExt cx="0" cy="0"/>
+        </a:xfrm>
+      </p:grpSpPr>
+      <p:sp>
+        <p:nvSpPr>
+          <p:cNvPr id="102" name="Google Shape;102;p24"/>
+          <p:cNvSpPr txBox="1">
+            <a:spLocks noGrp="1"/>
+          </p:cNvSpPr>
+          <p:nvPr>
+            <p:ph type="title"/>
+          </p:nvPr>
+        </p:nvSpPr>
+        <p:spPr>
+          <a:xfrm>
+            <a:off x="526262" y="408600"/>
+            <a:ext cx="8636100" cy="817200"/>
+          </a:xfrm>
+          <a:prstGeom prst="rect">
+            <a:avLst/>
+          </a:prstGeom>
+        </p:spPr>
+        <p:txBody>
+          <a:bodyPr spcFirstLastPara="1" vert="horz" wrap="square" lIns="91425" tIns="91425" rIns="91425" bIns="91425" rtlCol="0" anchor="b" anchorCtr="0">
+            <a:noAutofit/>
+          </a:bodyPr>
+          <a:lstStyle/>
+          <a:p>
+            <a:r>
+              <a:rPr lang="en" sz="2400" dirty="0">
+                <a:solidFill>
+                  <a:srgbClr val="840629"/>
+                </a:solidFill>
+              </a:rPr>
+              <a:t>Did I “meme” this right? (got a 220 meme? send it to me)</a:t>
+            </a:r>
+            <a:endParaRPr sz="2400" dirty="0">
+              <a:solidFill>
+                <a:srgbClr val="840629"/>
+              </a:solidFill>
+            </a:endParaRPr>
+          </a:p>
+        </p:txBody>
+      </p:sp>
+      <p:pic>
+        <p:nvPicPr>
+          <p:cNvPr id="103" name="Google Shape;103;p24"/>
+          <p:cNvPicPr preferRelativeResize="0"/>
+          <p:nvPr/>
+        </p:nvPicPr>
+        <p:blipFill>
+          <a:blip r:embed="rId3">
+            <a:alphaModFix/>
+          </a:blip>
+          <a:stretch>
+            <a:fillRect/>
+          </a:stretch>
+        </p:blipFill>
+        <p:spPr>
+          <a:xfrm>
+            <a:off x="116051" y="1788101"/>
+            <a:ext cx="2939425" cy="4121049"/>
+          </a:xfrm>
+          <a:prstGeom prst="rect">
+            <a:avLst/>
+          </a:prstGeom>
+          <a:noFill/>
+          <a:ln>
+            <a:noFill/>
+          </a:ln>
+        </p:spPr>
+      </p:pic>
+      <p:pic>
+        <p:nvPicPr>
+          <p:cNvPr id="104" name="Google Shape;104;p24"/>
+          <p:cNvPicPr preferRelativeResize="0"/>
+          <p:nvPr/>
+        </p:nvPicPr>
+        <p:blipFill>
+          <a:blip r:embed="rId4">
+            <a:alphaModFix/>
+          </a:blip>
+          <a:stretch>
+            <a:fillRect/>
+          </a:stretch>
+        </p:blipFill>
+        <p:spPr>
+          <a:xfrm>
+            <a:off x="3350660" y="5584151"/>
+            <a:ext cx="5767850" cy="379975"/>
+          </a:xfrm>
+          <a:prstGeom prst="rect">
+            <a:avLst/>
+          </a:prstGeom>
+          <a:noFill/>
+          <a:ln w="19050" cap="flat" cmpd="sng">
+            <a:solidFill>
+              <a:schemeClr val="dk2"/>
+            </a:solidFill>
+            <a:prstDash val="solid"/>
+            <a:round/>
+            <a:headEnd type="none" w="sm" len="sm"/>
+            <a:tailEnd type="none" w="sm" len="sm"/>
+          </a:ln>
+        </p:spPr>
+      </p:pic>
+      <p:pic>
+        <p:nvPicPr>
+          <p:cNvPr id="105" name="Google Shape;105;p24"/>
+          <p:cNvPicPr preferRelativeResize="0"/>
+          <p:nvPr/>
+        </p:nvPicPr>
+        <p:blipFill>
+          <a:blip r:embed="rId5">
+            <a:alphaModFix/>
+          </a:blip>
+          <a:stretch>
+            <a:fillRect/>
+          </a:stretch>
+        </p:blipFill>
+        <p:spPr>
+          <a:xfrm>
+            <a:off x="3850012" y="4978200"/>
+            <a:ext cx="5293976" cy="482350"/>
+          </a:xfrm>
+          <a:prstGeom prst="rect">
+            <a:avLst/>
+          </a:prstGeom>
+          <a:noFill/>
+          <a:ln w="19050" cap="flat" cmpd="sng">
+            <a:solidFill>
+              <a:schemeClr val="dk2"/>
+            </a:solidFill>
+            <a:prstDash val="solid"/>
+            <a:round/>
+            <a:headEnd type="none" w="sm" len="sm"/>
+            <a:tailEnd type="none" w="sm" len="sm"/>
+          </a:ln>
+        </p:spPr>
+      </p:pic>
+      <p:pic>
+        <p:nvPicPr>
+          <p:cNvPr id="106" name="Google Shape;106;p24"/>
+          <p:cNvPicPr preferRelativeResize="0"/>
+          <p:nvPr/>
+        </p:nvPicPr>
+        <p:blipFill>
+          <a:blip r:embed="rId6">
+            <a:alphaModFix/>
+          </a:blip>
+          <a:stretch>
+            <a:fillRect/>
+          </a:stretch>
+        </p:blipFill>
+        <p:spPr>
+          <a:xfrm>
+            <a:off x="3409475" y="2069251"/>
+            <a:ext cx="5650224" cy="2342575"/>
+          </a:xfrm>
+          <a:prstGeom prst="rect">
+            <a:avLst/>
+          </a:prstGeom>
+          <a:noFill/>
+          <a:ln>
+            <a:noFill/>
+          </a:ln>
+        </p:spPr>
+      </p:pic>
+      <p:pic>
+        <p:nvPicPr>
+          <p:cNvPr id="107" name="Google Shape;107;p24"/>
+          <p:cNvPicPr preferRelativeResize="0"/>
+          <p:nvPr/>
+        </p:nvPicPr>
+        <p:blipFill rotWithShape="1">
+          <a:blip r:embed="rId5">
+            <a:alphaModFix/>
+          </a:blip>
+          <a:srcRect r="93588"/>
+          <a:stretch/>
+        </p:blipFill>
+        <p:spPr>
+          <a:xfrm>
+            <a:off x="3147388" y="4592637"/>
+            <a:ext cx="610700" cy="867901"/>
+          </a:xfrm>
+          <a:prstGeom prst="rect">
+            <a:avLst/>
+          </a:prstGeom>
+          <a:noFill/>
+          <a:ln w="19050" cap="flat" cmpd="sng">
+            <a:solidFill>
+              <a:schemeClr val="dk2"/>
+            </a:solidFill>
+            <a:prstDash val="solid"/>
+            <a:round/>
+            <a:headEnd type="none" w="sm" len="sm"/>
+            <a:tailEnd type="none" w="sm" len="sm"/>
+          </a:ln>
+        </p:spPr>
+      </p:pic>
+    </p:spTree>
+  </p:cSld>
+  <p:clrMapOvr>
+    <a:masterClrMapping/>
+  </p:clrMapOvr>
+</p:sld>
+</file>
+
+<file path=ppt/slides/slide6.xml><?xml version="1.0" encoding="utf-8"?>
+<p:sld xmlns:a="http://schemas.openxmlformats.org/drawingml/2006/main" xmlns:r="http://schemas.openxmlformats.org/officeDocument/2006/relationships" xmlns:p="http://schemas.openxmlformats.org/presentationml/2006/main">
   <p:cSld>
     <p:spTree>
       <p:nvGrpSpPr>
@@ -19768,7 +22048,56 @@
       </p:grpSpPr>
       <p:sp>
         <p:nvSpPr>
-          <p:cNvPr id="9" name="Title 1"/>
+          <p:cNvPr id="2" name="Title 1"/>
+          <p:cNvSpPr>
+            <a:spLocks noGrp="1"/>
+          </p:cNvSpPr>
+          <p:nvPr>
+            <p:ph type="title"/>
+          </p:nvPr>
+        </p:nvSpPr>
+        <p:spPr/>
+        <p:txBody>
+          <a:bodyPr/>
+          <a:lstStyle/>
+          <a:p>
+            <a:r>
+              <a:rPr lang="en-US" dirty="0"/>
+              <a:t>Academic honesty in CS</a:t>
+            </a:r>
+          </a:p>
+        </p:txBody>
+      </p:sp>
+      <p:sp>
+        <p:nvSpPr>
+          <p:cNvPr id="3" name="Content Placeholder 2"/>
+          <p:cNvSpPr>
+            <a:spLocks noGrp="1"/>
+          </p:cNvSpPr>
+          <p:nvPr>
+            <p:ph idx="1"/>
+          </p:nvPr>
+        </p:nvSpPr>
+        <p:spPr>
+          <a:xfrm>
+            <a:off x="457200" y="1417638"/>
+            <a:ext cx="8229600" cy="4525963"/>
+          </a:xfrm>
+        </p:spPr>
+        <p:txBody>
+          <a:bodyPr/>
+          <a:lstStyle/>
+          <a:p>
+            <a:r>
+              <a:rPr lang="en-US" dirty="0"/>
+              <a:t>Please do not collaborate on homework assignments beyond what is allowed</a:t>
+            </a:r>
+          </a:p>
+        </p:txBody>
+      </p:sp>
+      <p:sp>
+        <p:nvSpPr>
+          <p:cNvPr id="4" name="Title 1"/>
           <p:cNvSpPr txBox="1">
             <a:spLocks/>
           </p:cNvSpPr>
@@ -19776,7 +22105,7 @@
         </p:nvSpPr>
         <p:spPr>
           <a:xfrm>
-            <a:off x="457200" y="987187"/>
+            <a:off x="228600" y="2470255"/>
             <a:ext cx="8229600" cy="1143000"/>
           </a:xfrm>
           <a:prstGeom prst="rect">
@@ -19811,14 +22140,14 @@
             </a:pPr>
             <a:r>
               <a:rPr lang="en-US" dirty="0"/>
-              <a:t>Pull Latest Version of Code/Slides</a:t>
-            </a:r>
-          </a:p>
-        </p:txBody>
-      </p:sp>
-      <p:sp>
-        <p:nvSpPr>
-          <p:cNvPr id="10" name="Text Placeholder 2"/>
+              <a:t>Definitely not OK</a:t>
+            </a:r>
+          </a:p>
+        </p:txBody>
+      </p:sp>
+      <p:sp>
+        <p:nvSpPr>
+          <p:cNvPr id="5" name="Text Placeholder 2"/>
           <p:cNvSpPr txBox="1">
             <a:spLocks/>
           </p:cNvSpPr>
@@ -19826,8 +22155,8 @@
         </p:nvSpPr>
         <p:spPr>
           <a:xfrm>
-            <a:off x="480053" y="2145663"/>
-            <a:ext cx="8229600" cy="5257800"/>
+            <a:off x="462280" y="3505200"/>
+            <a:ext cx="8229600" cy="4525963"/>
           </a:xfrm>
           <a:prstGeom prst="rect">
             <a:avLst/>
@@ -19975,133 +22304,44 @@
             </a:lvl9pPr>
           </a:lstStyle>
           <a:p>
-            <a:pPr marL="0" indent="0" fontAlgn="auto">
+            <a:pPr fontAlgn="auto">
               <a:spcAft>
                 <a:spcPts val="0"/>
               </a:spcAft>
-              <a:buFont typeface="Arial" panose="020B0604020202020204" pitchFamily="34" charset="0"/>
-              <a:buNone/>
             </a:pPr>
             <a:r>
               <a:rPr lang="en-US" dirty="0"/>
-              <a:t>Team Pull</a:t>
-            </a:r>
-          </a:p>
-        </p:txBody>
-      </p:sp>
-      <p:pic>
-        <p:nvPicPr>
-          <p:cNvPr id="11" name="Picture 10">
-            <a:extLst>
-              <a:ext uri="{FF2B5EF4-FFF2-40B4-BE49-F238E27FC236}">
-                <a16:creationId xmlns:a16="http://schemas.microsoft.com/office/drawing/2014/main" id="{2C88C06C-6CDF-4322-8848-73D3BD6840BD}"/>
-              </a:ext>
-            </a:extLst>
-          </p:cNvPr>
-          <p:cNvPicPr>
-            <a:picLocks noChangeAspect="1"/>
-          </p:cNvPicPr>
-          <p:nvPr/>
-        </p:nvPicPr>
-        <p:blipFill>
-          <a:blip r:embed="rId2"/>
-          <a:stretch>
-            <a:fillRect/>
-          </a:stretch>
-        </p:blipFill>
-        <p:spPr>
-          <a:xfrm>
-            <a:off x="4396747" y="2186014"/>
-            <a:ext cx="4312906" cy="4505093"/>
-          </a:xfrm>
-          <a:prstGeom prst="rect">
-            <a:avLst/>
-          </a:prstGeom>
-        </p:spPr>
-      </p:pic>
-      <p:cxnSp>
-        <p:nvCxnSpPr>
-          <p:cNvPr id="12" name="Straight Arrow Connector 11">
-            <a:extLst>
-              <a:ext uri="{FF2B5EF4-FFF2-40B4-BE49-F238E27FC236}">
-                <a16:creationId xmlns:a16="http://schemas.microsoft.com/office/drawing/2014/main" id="{5504C0DC-9F1E-4530-AFBD-B78D63354C1A}"/>
-              </a:ext>
-            </a:extLst>
-          </p:cNvPr>
-          <p:cNvCxnSpPr/>
-          <p:nvPr/>
-        </p:nvCxnSpPr>
-        <p:spPr>
-          <a:xfrm>
-            <a:off x="2755365" y="2552063"/>
-            <a:ext cx="1280160" cy="358836"/>
-          </a:xfrm>
-          <a:prstGeom prst="straightConnector1">
-            <a:avLst/>
-          </a:prstGeom>
-          <a:ln>
-            <a:tailEnd type="triangle"/>
-          </a:ln>
-        </p:spPr>
-        <p:style>
-          <a:lnRef idx="1">
-            <a:schemeClr val="dk1"/>
-          </a:lnRef>
-          <a:fillRef idx="0">
-            <a:schemeClr val="dk1"/>
-          </a:fillRef>
-          <a:effectRef idx="0">
-            <a:schemeClr val="dk1"/>
-          </a:effectRef>
-          <a:fontRef idx="minor">
-            <a:schemeClr val="tx1"/>
-          </a:fontRef>
-        </p:style>
-      </p:cxnSp>
-      <p:sp>
-        <p:nvSpPr>
-          <p:cNvPr id="13" name="Shape 52"/>
-          <p:cNvSpPr>
-            <a:spLocks noGrp="1"/>
-          </p:cNvSpPr>
-          <p:nvPr>
-            <p:ph type="title"/>
-          </p:nvPr>
-        </p:nvSpPr>
-        <p:spPr>
-          <a:xfrm>
-            <a:off x="685800" y="316736"/>
-            <a:ext cx="7772400" cy="654976"/>
-          </a:xfrm>
-          <a:prstGeom prst="rect">
-            <a:avLst/>
-          </a:prstGeom>
-        </p:spPr>
-        <p:txBody>
-          <a:bodyPr>
-            <a:normAutofit fontScale="90000"/>
-          </a:bodyPr>
-          <a:lstStyle/>
-          <a:p>
-            <a:pPr lvl="0">
-              <a:defRPr sz="1800"/>
+              <a:t>Looking at someone else’s solution, “just for a reference” as you write your own code</a:t>
+            </a:r>
+          </a:p>
+          <a:p>
+            <a:pPr fontAlgn="auto">
+              <a:spcAft>
+                <a:spcPts val="0"/>
+              </a:spcAft>
             </a:pPr>
             <a:r>
-              <a:rPr sz="4400" b="1" dirty="0"/>
-              <a:t>CSSE 220</a:t>
-            </a:r>
-            <a:r>
-              <a:rPr lang="en-US" sz="4400" b="1" dirty="0"/>
-              <a:t> – every class do this:</a:t>
-            </a:r>
-            <a:endParaRPr sz="4400" b="1" dirty="0"/>
+              <a:rPr lang="en-US" dirty="0"/>
+              <a:t>Pair programming on an individual assignment</a:t>
+            </a:r>
+          </a:p>
+          <a:p>
+            <a:pPr fontAlgn="auto">
+              <a:spcAft>
+                <a:spcPts val="0"/>
+              </a:spcAft>
+            </a:pPr>
+            <a:r>
+              <a:rPr lang="en-US" dirty="0"/>
+              <a:t>Sitting next to someone as you both work on the assignment, working through any problems you have as a group</a:t>
+            </a:r>
           </a:p>
         </p:txBody>
       </p:sp>
     </p:spTree>
     <p:extLst>
       <p:ext uri="{BB962C8B-B14F-4D97-AF65-F5344CB8AC3E}">
-        <p14:creationId xmlns:p14="http://schemas.microsoft.com/office/powerpoint/2010/main" val="544963354"/>
+        <p14:creationId xmlns:p14="http://schemas.microsoft.com/office/powerpoint/2010/main" val="3608411847"/>
       </p:ext>
     </p:extLst>
   </p:cSld>
@@ -20111,12 +22351,12 @@
 </p:sld>
 </file>
 
-<file path=ppt/slides/slide58.xml><?xml version="1.0" encoding="utf-8"?>
-<p:sld xmlns:a="http://schemas.openxmlformats.org/drawingml/2006/main" xmlns:r="http://schemas.openxmlformats.org/officeDocument/2006/relationships" xmlns:p="http://schemas.openxmlformats.org/presentationml/2006/main" show="0">
+<file path=ppt/slides/slide60.xml><?xml version="1.0" encoding="utf-8"?>
+<p:sld xmlns:a="http://schemas.openxmlformats.org/drawingml/2006/main" xmlns:r="http://schemas.openxmlformats.org/officeDocument/2006/relationships" xmlns:p="http://schemas.openxmlformats.org/presentationml/2006/main">
   <p:cSld>
     <p:spTree>
       <p:nvGrpSpPr>
-        <p:cNvPr id="1" name=""/>
+        <p:cNvPr id="1" name="Shape 111"/>
         <p:cNvGrpSpPr/>
         <p:nvPr/>
       </p:nvGrpSpPr>
@@ -20130,107 +22370,8 @@
       </p:grpSpPr>
       <p:sp>
         <p:nvSpPr>
-          <p:cNvPr id="54" name="Shape 54"/>
-          <p:cNvSpPr/>
-          <p:nvPr/>
-        </p:nvSpPr>
-        <p:spPr>
-          <a:xfrm>
-            <a:off x="1082040" y="6354246"/>
-            <a:ext cx="6648450" cy="369332"/>
-          </a:xfrm>
-          <a:prstGeom prst="rect">
-            <a:avLst/>
-          </a:prstGeom>
-          <a:solidFill>
-            <a:srgbClr val="9BBB59"/>
-          </a:solidFill>
-          <a:ln w="25400" cap="rnd">
-            <a:solidFill>
-              <a:srgbClr val="718841"/>
-            </a:solidFill>
-          </a:ln>
-          <a:extLst>
-            <a:ext uri="{C572A759-6A51-4108-AA02-DFA0A04FC94B}">
-              <ma14:wrappingTextBoxFlag xmlns="" xmlns:ma14="http://schemas.microsoft.com/office/mac/drawingml/2011/main" val="1"/>
-            </a:ext>
-          </a:extLst>
-        </p:spPr>
-        <p:txBody>
-          <a:bodyPr lIns="0" tIns="0" rIns="0" bIns="0">
-            <a:spAutoFit/>
-          </a:bodyPr>
-          <a:lstStyle/>
-          <a:p>
-            <a:pPr lvl="0"/>
-            <a:r>
-              <a:rPr lang="en-US" sz="2400" dirty="0">
-                <a:solidFill>
-                  <a:srgbClr val="FFFFFF"/>
-                </a:solidFill>
-              </a:rPr>
-              <a:t>Import</a:t>
-            </a:r>
-            <a:r>
-              <a:rPr sz="2400" dirty="0">
-                <a:solidFill>
-                  <a:srgbClr val="FFFFFF"/>
-                </a:solidFill>
-              </a:rPr>
-              <a:t> </a:t>
-            </a:r>
-            <a:r>
-              <a:rPr lang="en-US" sz="2400" i="1" dirty="0">
-                <a:solidFill>
-                  <a:schemeClr val="bg1"/>
-                </a:solidFill>
-              </a:rPr>
-              <a:t>2DArraysAndMapsInClass</a:t>
-            </a:r>
-            <a:r>
-              <a:rPr sz="2400" i="1" dirty="0">
-                <a:solidFill>
-                  <a:srgbClr val="FFFFFF"/>
-                </a:solidFill>
-              </a:rPr>
-              <a:t> </a:t>
-            </a:r>
-            <a:r>
-              <a:rPr sz="2400" dirty="0">
-                <a:solidFill>
-                  <a:srgbClr val="FFFFFF"/>
-                </a:solidFill>
-              </a:rPr>
-              <a:t>from </a:t>
-            </a:r>
-            <a:r>
-              <a:rPr lang="en-US" sz="2400" dirty="0" err="1">
-                <a:solidFill>
-                  <a:srgbClr val="FFFFFF"/>
-                </a:solidFill>
-              </a:rPr>
-              <a:t>Git</a:t>
-            </a:r>
-            <a:r>
-              <a:rPr lang="en-US" sz="2400" dirty="0">
-                <a:solidFill>
-                  <a:srgbClr val="FFFFFF"/>
-                </a:solidFill>
-              </a:rPr>
-              <a:t> repo</a:t>
-            </a:r>
-            <a:endParaRPr sz="2400" dirty="0">
-              <a:solidFill>
-                <a:srgbClr val="FFFFFF"/>
-              </a:solidFill>
-            </a:endParaRPr>
-          </a:p>
-        </p:txBody>
-      </p:sp>
-      <p:sp>
-        <p:nvSpPr>
-          <p:cNvPr id="52" name="Shape 52"/>
-          <p:cNvSpPr>
+          <p:cNvPr id="112" name="Google Shape;112;p25"/>
+          <p:cNvSpPr txBox="1">
             <a:spLocks noGrp="1"/>
           </p:cNvSpPr>
           <p:nvPr>
@@ -20239,641 +22380,282 @@
         </p:nvSpPr>
         <p:spPr>
           <a:xfrm>
-            <a:off x="659674" y="0"/>
-            <a:ext cx="7772400" cy="654976"/>
+            <a:off x="249550" y="919625"/>
+            <a:ext cx="8636100" cy="817200"/>
           </a:xfrm>
           <a:prstGeom prst="rect">
             <a:avLst/>
           </a:prstGeom>
         </p:spPr>
         <p:txBody>
-          <a:bodyPr>
-            <a:normAutofit fontScale="90000"/>
+          <a:bodyPr spcFirstLastPara="1" vert="horz" wrap="square" lIns="91425" tIns="91425" rIns="91425" bIns="91425" rtlCol="0" anchor="b" anchorCtr="0">
+            <a:noAutofit/>
           </a:bodyPr>
           <a:lstStyle/>
           <a:p>
-            <a:pPr lvl="0">
-              <a:defRPr sz="1800"/>
-            </a:pPr>
-            <a:r>
-              <a:rPr sz="4400" dirty="0"/>
-              <a:t>CSSE 220</a:t>
-            </a:r>
-            <a:r>
-              <a:rPr lang="en-US" sz="4400" dirty="0"/>
-              <a:t> – every class do this:</a:t>
-            </a:r>
-            <a:endParaRPr sz="4400" dirty="0"/>
+            <a:r>
+              <a:rPr lang="en" sz="2400">
+                <a:solidFill>
+                  <a:srgbClr val="840629"/>
+                </a:solidFill>
+              </a:rPr>
+              <a:t>The Debugger Up Close</a:t>
+            </a:r>
+            <a:endParaRPr sz="2400">
+              <a:solidFill>
+                <a:srgbClr val="840629"/>
+              </a:solidFill>
+            </a:endParaRPr>
           </a:p>
         </p:txBody>
       </p:sp>
       <p:pic>
         <p:nvPicPr>
-          <p:cNvPr id="14" name="Picture 13"/>
-          <p:cNvPicPr>
-            <a:picLocks noChangeAspect="1"/>
-          </p:cNvPicPr>
+          <p:cNvPr id="113" name="Google Shape;113;p25"/>
+          <p:cNvPicPr preferRelativeResize="0"/>
           <p:nvPr/>
         </p:nvPicPr>
         <p:blipFill>
-          <a:blip r:embed="rId3"/>
+          <a:blip r:embed="rId3">
+            <a:alphaModFix/>
+          </a:blip>
           <a:stretch>
             <a:fillRect/>
           </a:stretch>
         </p:blipFill>
         <p:spPr>
           <a:xfrm>
-            <a:off x="4415246" y="2095397"/>
-            <a:ext cx="4474544" cy="4127832"/>
+            <a:off x="165250" y="1842950"/>
+            <a:ext cx="3788100" cy="1974400"/>
           </a:xfrm>
           <a:prstGeom prst="rect">
             <a:avLst/>
           </a:prstGeom>
+          <a:noFill/>
+          <a:ln w="19050" cap="flat" cmpd="sng">
+            <a:solidFill>
+              <a:schemeClr val="dk2"/>
+            </a:solidFill>
+            <a:prstDash val="solid"/>
+            <a:round/>
+            <a:headEnd type="none" w="sm" len="sm"/>
+            <a:tailEnd type="none" w="sm" len="sm"/>
+          </a:ln>
         </p:spPr>
       </p:pic>
       <p:pic>
         <p:nvPicPr>
-          <p:cNvPr id="12" name="Picture 11"/>
-          <p:cNvPicPr>
-            <a:picLocks noChangeAspect="1"/>
-          </p:cNvPicPr>
+          <p:cNvPr id="114" name="Google Shape;114;p25"/>
+          <p:cNvPicPr preferRelativeResize="0"/>
           <p:nvPr/>
         </p:nvPicPr>
         <p:blipFill>
-          <a:blip r:embed="rId4"/>
+          <a:blip r:embed="rId4">
+            <a:alphaModFix/>
+          </a:blip>
           <a:stretch>
             <a:fillRect/>
           </a:stretch>
         </p:blipFill>
         <p:spPr>
           <a:xfrm>
-            <a:off x="142058" y="2946762"/>
-            <a:ext cx="2629988" cy="3081488"/>
+            <a:off x="165250" y="3923469"/>
+            <a:ext cx="3788100" cy="1719807"/>
           </a:xfrm>
           <a:prstGeom prst="rect">
             <a:avLst/>
           </a:prstGeom>
+          <a:noFill/>
+          <a:ln w="19050" cap="flat" cmpd="sng">
+            <a:solidFill>
+              <a:schemeClr val="dk2"/>
+            </a:solidFill>
+            <a:prstDash val="solid"/>
+            <a:round/>
+            <a:headEnd type="none" w="sm" len="sm"/>
+            <a:tailEnd type="none" w="sm" len="sm"/>
+          </a:ln>
         </p:spPr>
       </p:pic>
-      <p:sp>
-        <p:nvSpPr>
-          <p:cNvPr id="17" name="Down Arrow 16"/>
-          <p:cNvSpPr/>
+      <p:pic>
+        <p:nvPicPr>
+          <p:cNvPr id="115" name="Google Shape;115;p25"/>
+          <p:cNvPicPr preferRelativeResize="0"/>
           <p:nvPr/>
-        </p:nvSpPr>
+        </p:nvPicPr>
+        <p:blipFill>
+          <a:blip r:embed="rId5">
+            <a:alphaModFix/>
+          </a:blip>
+          <a:stretch>
+            <a:fillRect/>
+          </a:stretch>
+        </p:blipFill>
         <p:spPr>
           <a:xfrm>
-            <a:off x="2612571" y="2559342"/>
-            <a:ext cx="418011" cy="3727543"/>
-          </a:xfrm>
-          <a:prstGeom prst="downArrow">
+            <a:off x="4234325" y="1842951"/>
+            <a:ext cx="4548200" cy="921925"/>
+          </a:xfrm>
+          <a:prstGeom prst="rect">
+            <a:avLst/>
+          </a:prstGeom>
+          <a:noFill/>
+          <a:ln>
+            <a:noFill/>
+          </a:ln>
+        </p:spPr>
+      </p:pic>
+      <p:cxnSp>
+        <p:nvCxnSpPr>
+          <p:cNvPr id="116" name="Google Shape;116;p25"/>
+          <p:cNvCxnSpPr/>
+          <p:nvPr/>
+        </p:nvCxnSpPr>
+        <p:spPr>
+          <a:xfrm rot="10800000" flipH="1">
+            <a:off x="6763700" y="2644725"/>
+            <a:ext cx="1028700" cy="1182900"/>
+          </a:xfrm>
+          <a:prstGeom prst="straightConnector1">
+            <a:avLst/>
+          </a:prstGeom>
+          <a:noFill/>
+          <a:ln w="76200" cap="flat" cmpd="sng">
+            <a:solidFill>
+              <a:schemeClr val="dk2"/>
+            </a:solidFill>
+            <a:prstDash val="solid"/>
+            <a:round/>
+            <a:headEnd type="none" w="med" len="med"/>
+            <a:tailEnd type="triangle" w="med" len="med"/>
+          </a:ln>
+        </p:spPr>
+      </p:cxnSp>
+      <p:cxnSp>
+        <p:nvCxnSpPr>
+          <p:cNvPr id="117" name="Google Shape;117;p25"/>
+          <p:cNvCxnSpPr/>
+          <p:nvPr/>
+        </p:nvCxnSpPr>
+        <p:spPr>
+          <a:xfrm rot="10800000">
+            <a:off x="8461025" y="2644650"/>
+            <a:ext cx="12900" cy="2044500"/>
+          </a:xfrm>
+          <a:prstGeom prst="straightConnector1">
+            <a:avLst/>
+          </a:prstGeom>
+          <a:noFill/>
+          <a:ln w="76200" cap="flat" cmpd="sng">
+            <a:solidFill>
+              <a:schemeClr val="dk2"/>
+            </a:solidFill>
+            <a:prstDash val="solid"/>
+            <a:round/>
+            <a:headEnd type="none" w="med" len="med"/>
+            <a:tailEnd type="triangle" w="med" len="med"/>
+          </a:ln>
+        </p:spPr>
+      </p:cxnSp>
+      <p:sp>
+        <p:nvSpPr>
+          <p:cNvPr id="118" name="Google Shape;118;p25"/>
+          <p:cNvSpPr txBox="1"/>
+          <p:nvPr/>
+        </p:nvSpPr>
+        <p:spPr>
+          <a:xfrm>
+            <a:off x="5452100" y="3763325"/>
+            <a:ext cx="1684500" cy="398700"/>
+          </a:xfrm>
+          <a:prstGeom prst="rect">
             <a:avLst/>
           </a:prstGeom>
           <a:solidFill>
-            <a:schemeClr val="accent1"/>
+            <a:srgbClr val="F9CB9C"/>
           </a:solidFill>
-          <a:ln w="25400" cap="flat">
+          <a:ln w="19050" cap="flat" cmpd="sng">
             <a:solidFill>
-              <a:srgbClr val="4F81BD"/>
+              <a:srgbClr val="000000"/>
             </a:solidFill>
             <a:prstDash val="solid"/>
-            <a:bevel/>
+            <a:round/>
+            <a:headEnd type="none" w="sm" len="sm"/>
+            <a:tailEnd type="none" w="sm" len="sm"/>
           </a:ln>
-          <a:effectLst>
-            <a:outerShdw blurRad="38100" dist="23000" dir="5400000" rotWithShape="0">
-              <a:srgbClr val="000000">
-                <a:alpha val="35000"/>
-              </a:srgbClr>
-            </a:outerShdw>
-          </a:effectLst>
-        </p:spPr>
-        <p:style>
-          <a:lnRef idx="0">
-            <a:scrgbClr r="0" g="0" b="0"/>
-          </a:lnRef>
-          <a:fillRef idx="0">
-            <a:scrgbClr r="0" g="0" b="0"/>
-          </a:fillRef>
-          <a:effectRef idx="0">
-            <a:scrgbClr r="0" g="0" b="0"/>
-          </a:effectRef>
-          <a:fontRef idx="none"/>
-        </p:style>
-        <p:txBody>
-          <a:bodyPr rot="0" spcFirstLastPara="1" vertOverflow="overflow" horzOverflow="overflow" vert="horz" wrap="square" lIns="45719" tIns="45719" rIns="45719" bIns="45719" numCol="1" spcCol="38100" rtlCol="0" anchor="ctr">
-            <a:spAutoFit/>
+        </p:spPr>
+        <p:txBody>
+          <a:bodyPr spcFirstLastPara="1" wrap="square" lIns="91425" tIns="91425" rIns="91425" bIns="91425" anchor="t" anchorCtr="0">
+            <a:noAutofit/>
           </a:bodyPr>
           <a:lstStyle/>
           <a:p>
-            <a:pPr marL="0" marR="0" indent="0" algn="l" defTabSz="914400" rtl="0" fontAlgn="auto" latinLnBrk="1" hangingPunct="0">
-              <a:lnSpc>
-                <a:spcPct val="100000"/>
-              </a:lnSpc>
+            <a:pPr>
               <a:spcBef>
                 <a:spcPts val="0"/>
               </a:spcBef>
               <a:spcAft>
                 <a:spcPts val="0"/>
               </a:spcAft>
-              <a:buClrTx/>
-              <a:buSzTx/>
-              <a:buFontTx/>
-              <a:buNone/>
-              <a:tabLst/>
             </a:pPr>
-            <a:endParaRPr kumimoji="0" lang="en-US" sz="1800" b="0" i="0" u="none" strike="noStrike" cap="none" spc="0" normalizeH="0" baseline="0">
-              <a:ln>
-                <a:noFill/>
-              </a:ln>
-              <a:solidFill>
-                <a:srgbClr val="000000"/>
-              </a:solidFill>
-              <a:effectLst/>
-              <a:uFillTx/>
-              <a:latin typeface="Calibri"/>
-              <a:ea typeface="Calibri"/>
-              <a:cs typeface="Calibri"/>
-              <a:sym typeface="Calibri"/>
-            </a:endParaRPr>
-          </a:p>
-        </p:txBody>
-      </p:sp>
-      <p:sp>
-        <p:nvSpPr>
-          <p:cNvPr id="23" name="Right Arrow 22"/>
-          <p:cNvSpPr/>
+            <a:r>
+              <a:rPr lang="en"/>
+              <a:t>Java Perspective</a:t>
+            </a:r>
+            <a:endParaRPr/>
+          </a:p>
+        </p:txBody>
+      </p:sp>
+      <p:sp>
+        <p:nvSpPr>
+          <p:cNvPr id="119" name="Google Shape;119;p25"/>
+          <p:cNvSpPr txBox="1"/>
           <p:nvPr/>
         </p:nvSpPr>
         <p:spPr>
-          <a:xfrm rot="952635">
-            <a:off x="2873091" y="2742907"/>
-            <a:ext cx="5320556" cy="314793"/>
-          </a:xfrm>
-          <a:prstGeom prst="rightArrow">
+          <a:xfrm>
+            <a:off x="7075500" y="4689150"/>
+            <a:ext cx="2068500" cy="398700"/>
+          </a:xfrm>
+          <a:prstGeom prst="rect">
             <a:avLst/>
           </a:prstGeom>
           <a:solidFill>
-            <a:srgbClr val="FF0000"/>
+            <a:srgbClr val="F9CB9C"/>
           </a:solidFill>
-          <a:ln w="25400" cap="flat">
+          <a:ln w="19050" cap="flat" cmpd="sng">
             <a:solidFill>
-              <a:srgbClr val="4F81BD"/>
+              <a:srgbClr val="000000"/>
             </a:solidFill>
             <a:prstDash val="solid"/>
-            <a:bevel/>
+            <a:round/>
+            <a:headEnd type="none" w="sm" len="sm"/>
+            <a:tailEnd type="none" w="sm" len="sm"/>
           </a:ln>
-          <a:effectLst>
-            <a:outerShdw blurRad="38100" dist="23000" dir="5400000" rotWithShape="0">
-              <a:srgbClr val="000000">
-                <a:alpha val="35000"/>
-              </a:srgbClr>
-            </a:outerShdw>
-          </a:effectLst>
-        </p:spPr>
-        <p:style>
-          <a:lnRef idx="0">
-            <a:scrgbClr r="0" g="0" b="0"/>
-          </a:lnRef>
-          <a:fillRef idx="0">
-            <a:scrgbClr r="0" g="0" b="0"/>
-          </a:fillRef>
-          <a:effectRef idx="0">
-            <a:scrgbClr r="0" g="0" b="0"/>
-          </a:effectRef>
-          <a:fontRef idx="none"/>
-        </p:style>
-        <p:txBody>
-          <a:bodyPr rot="0" spcFirstLastPara="1" vertOverflow="overflow" horzOverflow="overflow" vert="horz" wrap="square" lIns="45719" tIns="45719" rIns="45719" bIns="45719" numCol="1" spcCol="38100" rtlCol="0" anchor="ctr">
-            <a:spAutoFit/>
+        </p:spPr>
+        <p:txBody>
+          <a:bodyPr spcFirstLastPara="1" wrap="square" lIns="91425" tIns="91425" rIns="91425" bIns="91425" anchor="t" anchorCtr="0">
+            <a:noAutofit/>
           </a:bodyPr>
           <a:lstStyle/>
           <a:p>
-            <a:pPr marL="0" marR="0" indent="0" algn="l" defTabSz="914400" rtl="0" fontAlgn="auto" latinLnBrk="1" hangingPunct="0">
-              <a:lnSpc>
-                <a:spcPct val="100000"/>
-              </a:lnSpc>
+            <a:pPr>
               <a:spcBef>
                 <a:spcPts val="0"/>
               </a:spcBef>
               <a:spcAft>
                 <a:spcPts val="0"/>
               </a:spcAft>
-              <a:buClrTx/>
-              <a:buSzTx/>
-              <a:buFontTx/>
-              <a:buNone/>
-              <a:tabLst/>
             </a:pPr>
-            <a:endParaRPr kumimoji="0" lang="en-US" sz="1800" b="0" i="0" u="none" strike="noStrike" cap="none" spc="0" normalizeH="0" baseline="0">
-              <a:ln>
-                <a:noFill/>
-              </a:ln>
-              <a:solidFill>
-                <a:srgbClr val="000000"/>
-              </a:solidFill>
-              <a:effectLst/>
-              <a:uFillTx/>
-              <a:latin typeface="Calibri"/>
-              <a:ea typeface="Calibri"/>
-              <a:cs typeface="Calibri"/>
-              <a:sym typeface="Calibri"/>
-            </a:endParaRPr>
-          </a:p>
-        </p:txBody>
-      </p:sp>
-      <p:sp>
-        <p:nvSpPr>
-          <p:cNvPr id="11" name="TextBox 10"/>
-          <p:cNvSpPr txBox="1"/>
-          <p:nvPr/>
-        </p:nvSpPr>
-        <p:spPr>
-          <a:xfrm>
-            <a:off x="539932" y="654776"/>
-            <a:ext cx="4145280" cy="2308322"/>
-          </a:xfrm>
-          <a:prstGeom prst="rect">
-            <a:avLst/>
-          </a:prstGeom>
-          <a:noFill/>
-          <a:ln w="12700" cap="flat">
-            <a:noFill/>
-            <a:miter lim="400000"/>
-          </a:ln>
-          <a:effectLst/>
-        </p:spPr>
-        <p:style>
-          <a:lnRef idx="0">
-            <a:scrgbClr r="0" g="0" b="0"/>
-          </a:lnRef>
-          <a:fillRef idx="0">
-            <a:scrgbClr r="0" g="0" b="0"/>
-          </a:fillRef>
-          <a:effectRef idx="0">
-            <a:scrgbClr r="0" g="0" b="0"/>
-          </a:effectRef>
-          <a:fontRef idx="none"/>
-        </p:style>
-        <p:txBody>
-          <a:bodyPr rot="0" spcFirstLastPara="1" vertOverflow="overflow" horzOverflow="overflow" vert="horz" wrap="square" lIns="45719" tIns="45719" rIns="45719" bIns="45719" numCol="1" spcCol="38100" rtlCol="0" anchor="t">
-            <a:spAutoFit/>
-          </a:bodyPr>
-          <a:lstStyle/>
-          <a:p>
-            <a:pPr marL="342900" marR="0" indent="-342900" algn="l" defTabSz="914400" rtl="0" fontAlgn="auto" latinLnBrk="1" hangingPunct="0">
-              <a:lnSpc>
-                <a:spcPct val="100000"/>
-              </a:lnSpc>
-              <a:spcBef>
-                <a:spcPts val="0"/>
-              </a:spcBef>
-              <a:spcAft>
-                <a:spcPts val="0"/>
-              </a:spcAft>
-              <a:buClrTx/>
-              <a:buSzTx/>
-              <a:buFontTx/>
-              <a:buAutoNum type="arabicPeriod"/>
-              <a:tabLst/>
-            </a:pPr>
-            <a:r>
-              <a:rPr kumimoji="0" lang="en-US" sz="1800" b="0" i="0" u="none" strike="noStrike" cap="none" spc="0" normalizeH="0" baseline="0" dirty="0">
-                <a:ln>
-                  <a:noFill/>
-                </a:ln>
-                <a:solidFill>
-                  <a:srgbClr val="000000"/>
-                </a:solidFill>
-                <a:effectLst/>
-                <a:uFillTx/>
-                <a:latin typeface="Calibri"/>
-                <a:ea typeface="Calibri"/>
-                <a:cs typeface="Calibri"/>
-                <a:sym typeface="Calibri"/>
-              </a:rPr>
-              <a:t>File-&gt;Import</a:t>
-            </a:r>
-          </a:p>
-          <a:p>
-            <a:pPr marL="342900" marR="0" indent="-342900" algn="l" defTabSz="914400" rtl="0" fontAlgn="auto" latinLnBrk="1" hangingPunct="0">
-              <a:lnSpc>
-                <a:spcPct val="100000"/>
-              </a:lnSpc>
-              <a:spcBef>
-                <a:spcPts val="0"/>
-              </a:spcBef>
-              <a:spcAft>
-                <a:spcPts val="0"/>
-              </a:spcAft>
-              <a:buClrTx/>
-              <a:buSzTx/>
-              <a:buFontTx/>
-              <a:buAutoNum type="arabicPeriod"/>
-              <a:tabLst/>
-            </a:pPr>
-            <a:r>
-              <a:rPr kumimoji="0" lang="en-US" sz="1800" b="0" i="0" u="none" strike="noStrike" cap="none" spc="0" normalizeH="0" baseline="0" dirty="0" err="1">
-                <a:ln>
-                  <a:noFill/>
-                </a:ln>
-                <a:solidFill>
-                  <a:srgbClr val="000000"/>
-                </a:solidFill>
-                <a:effectLst/>
-                <a:uFillTx/>
-                <a:latin typeface="Calibri"/>
-                <a:ea typeface="Calibri"/>
-                <a:cs typeface="Calibri"/>
-                <a:sym typeface="Calibri"/>
-              </a:rPr>
-              <a:t>Git</a:t>
-            </a:r>
-            <a:r>
-              <a:rPr kumimoji="0" lang="en-US" sz="1800" b="0" i="0" u="none" strike="noStrike" cap="none" spc="0" normalizeH="0" baseline="0" dirty="0">
-                <a:ln>
-                  <a:noFill/>
-                </a:ln>
-                <a:solidFill>
-                  <a:srgbClr val="000000"/>
-                </a:solidFill>
-                <a:effectLst/>
-                <a:uFillTx/>
-                <a:latin typeface="Calibri"/>
-                <a:ea typeface="Calibri"/>
-                <a:cs typeface="Calibri"/>
-                <a:sym typeface="Calibri"/>
-              </a:rPr>
-              <a:t>-&gt;Projects from </a:t>
-            </a:r>
-            <a:r>
-              <a:rPr kumimoji="0" lang="en-US" sz="1800" b="0" i="0" u="none" strike="noStrike" cap="none" spc="0" normalizeH="0" baseline="0" dirty="0" err="1">
-                <a:ln>
-                  <a:noFill/>
-                </a:ln>
-                <a:solidFill>
-                  <a:srgbClr val="000000"/>
-                </a:solidFill>
-                <a:effectLst/>
-                <a:uFillTx/>
-                <a:latin typeface="Calibri"/>
-                <a:ea typeface="Calibri"/>
-                <a:cs typeface="Calibri"/>
-                <a:sym typeface="Calibri"/>
-              </a:rPr>
-              <a:t>Git</a:t>
-            </a:r>
-            <a:r>
-              <a:rPr kumimoji="0" lang="en-US" sz="1800" b="0" i="0" u="none" strike="noStrike" cap="none" spc="0" normalizeH="0" baseline="0" dirty="0">
-                <a:ln>
-                  <a:noFill/>
-                </a:ln>
-                <a:solidFill>
-                  <a:srgbClr val="000000"/>
-                </a:solidFill>
-                <a:effectLst/>
-                <a:uFillTx/>
-                <a:latin typeface="Calibri"/>
-                <a:ea typeface="Calibri"/>
-                <a:cs typeface="Calibri"/>
-                <a:sym typeface="Calibri"/>
-              </a:rPr>
-              <a:t> -&gt; Next</a:t>
-            </a:r>
-          </a:p>
-          <a:p>
-            <a:pPr marL="342900" marR="0" indent="-342900" algn="l" defTabSz="914400" rtl="0" fontAlgn="auto" latinLnBrk="1" hangingPunct="0">
-              <a:lnSpc>
-                <a:spcPct val="100000"/>
-              </a:lnSpc>
-              <a:spcBef>
-                <a:spcPts val="0"/>
-              </a:spcBef>
-              <a:spcAft>
-                <a:spcPts val="0"/>
-              </a:spcAft>
-              <a:buClrTx/>
-              <a:buSzTx/>
-              <a:buFontTx/>
-              <a:buAutoNum type="arabicPeriod"/>
-              <a:tabLst/>
-            </a:pPr>
-            <a:r>
-              <a:rPr lang="en-US" dirty="0">
-                <a:solidFill>
-                  <a:srgbClr val="000000"/>
-                </a:solidFill>
-              </a:rPr>
-              <a:t>Existing local repository -&gt; Next</a:t>
-            </a:r>
-          </a:p>
-          <a:p>
-            <a:pPr marL="342900" marR="0" indent="-342900" algn="l" defTabSz="914400" rtl="0" fontAlgn="auto" latinLnBrk="1" hangingPunct="0">
-              <a:lnSpc>
-                <a:spcPct val="100000"/>
-              </a:lnSpc>
-              <a:spcBef>
-                <a:spcPts val="0"/>
-              </a:spcBef>
-              <a:spcAft>
-                <a:spcPts val="0"/>
-              </a:spcAft>
-              <a:buClrTx/>
-              <a:buSzTx/>
-              <a:buFontTx/>
-              <a:buAutoNum type="arabicPeriod"/>
-              <a:tabLst/>
-            </a:pPr>
-            <a:r>
-              <a:rPr kumimoji="0" lang="en-US" sz="1800" b="0" i="0" u="none" strike="noStrike" cap="none" spc="0" normalizeH="0" baseline="0" dirty="0">
-                <a:ln>
-                  <a:noFill/>
-                </a:ln>
-                <a:solidFill>
-                  <a:srgbClr val="000000"/>
-                </a:solidFill>
-                <a:effectLst/>
-                <a:uFillTx/>
-                <a:latin typeface="Calibri"/>
-                <a:ea typeface="Calibri"/>
-                <a:cs typeface="Calibri"/>
-                <a:sym typeface="Calibri"/>
-              </a:rPr>
-              <a:t>csse220 [master</a:t>
-            </a:r>
-            <a:r>
-              <a:rPr lang="en-US" dirty="0">
-                <a:solidFill>
-                  <a:srgbClr val="000000"/>
-                </a:solidFill>
-              </a:rPr>
-              <a:t>] -&gt;Next</a:t>
-            </a:r>
-          </a:p>
-          <a:p>
-            <a:pPr marL="342900" marR="0" indent="-342900" algn="l" defTabSz="914400" rtl="0" fontAlgn="auto" latinLnBrk="1" hangingPunct="0">
-              <a:lnSpc>
-                <a:spcPct val="100000"/>
-              </a:lnSpc>
-              <a:spcBef>
-                <a:spcPts val="0"/>
-              </a:spcBef>
-              <a:spcAft>
-                <a:spcPts val="0"/>
-              </a:spcAft>
-              <a:buClrTx/>
-              <a:buSzTx/>
-              <a:buFontTx/>
-              <a:buAutoNum type="arabicPeriod"/>
-              <a:tabLst/>
-            </a:pPr>
-            <a:r>
-              <a:rPr kumimoji="0" lang="en-US" sz="1800" b="0" i="0" u="none" strike="noStrike" cap="none" spc="0" normalizeH="0" baseline="0" dirty="0">
-                <a:ln>
-                  <a:noFill/>
-                </a:ln>
-                <a:solidFill>
-                  <a:srgbClr val="000000"/>
-                </a:solidFill>
-                <a:effectLst/>
-                <a:uFillTx/>
-                <a:latin typeface="Calibri"/>
-                <a:ea typeface="Calibri"/>
-                <a:cs typeface="Calibri"/>
-                <a:sym typeface="Calibri"/>
-              </a:rPr>
-              <a:t>Import Existing Eclipse Projects-&gt;Next</a:t>
-            </a:r>
-          </a:p>
-          <a:p>
-            <a:pPr marL="342900" marR="0" indent="-342900" algn="l" defTabSz="914400" rtl="0" fontAlgn="auto" latinLnBrk="1" hangingPunct="0">
-              <a:lnSpc>
-                <a:spcPct val="100000"/>
-              </a:lnSpc>
-              <a:spcBef>
-                <a:spcPts val="0"/>
-              </a:spcBef>
-              <a:spcAft>
-                <a:spcPts val="0"/>
-              </a:spcAft>
-              <a:buClrTx/>
-              <a:buSzTx/>
-              <a:buFontTx/>
-              <a:buAutoNum type="arabicPeriod"/>
-              <a:tabLst/>
-            </a:pPr>
-            <a:r>
-              <a:rPr lang="en-US" b="1" u="sng" dirty="0">
-                <a:solidFill>
-                  <a:srgbClr val="FF0000"/>
-                </a:solidFill>
-              </a:rPr>
-              <a:t>**DESELECT ALL**</a:t>
-            </a:r>
-          </a:p>
-          <a:p>
-            <a:pPr marL="342900" marR="0" indent="-342900" algn="l" defTabSz="914400" rtl="0" fontAlgn="auto" latinLnBrk="1" hangingPunct="0">
-              <a:lnSpc>
-                <a:spcPct val="100000"/>
-              </a:lnSpc>
-              <a:spcBef>
-                <a:spcPts val="0"/>
-              </a:spcBef>
-              <a:spcAft>
-                <a:spcPts val="0"/>
-              </a:spcAft>
-              <a:buClrTx/>
-              <a:buSzTx/>
-              <a:buFontTx/>
-              <a:buAutoNum type="arabicPeriod"/>
-              <a:tabLst/>
-            </a:pPr>
-            <a:r>
-              <a:rPr lang="en-US" b="1" dirty="0">
-                <a:solidFill>
-                  <a:schemeClr val="tx1"/>
-                </a:solidFill>
-              </a:rPr>
-              <a:t>Search for repo name on slide:</a:t>
-            </a:r>
-          </a:p>
-          <a:p>
-            <a:pPr marL="342900" marR="0" indent="-342900" algn="l" defTabSz="914400" rtl="0" fontAlgn="auto" latinLnBrk="1" hangingPunct="0">
-              <a:lnSpc>
-                <a:spcPct val="100000"/>
-              </a:lnSpc>
-              <a:spcBef>
-                <a:spcPts val="0"/>
-              </a:spcBef>
-              <a:spcAft>
-                <a:spcPts val="0"/>
-              </a:spcAft>
-              <a:buClrTx/>
-              <a:buSzTx/>
-              <a:buFontTx/>
-              <a:buAutoNum type="arabicPeriod"/>
-              <a:tabLst/>
-            </a:pPr>
-            <a:r>
-              <a:rPr lang="en-US" dirty="0">
-                <a:solidFill>
-                  <a:schemeClr val="tx1"/>
-                </a:solidFill>
-              </a:rPr>
-              <a:t>Check projects for the day -&gt; Finish</a:t>
-            </a:r>
-          </a:p>
-        </p:txBody>
-      </p:sp>
-      <p:cxnSp>
-        <p:nvCxnSpPr>
-          <p:cNvPr id="21" name="Straight Arrow Connector 20"/>
-          <p:cNvCxnSpPr/>
-          <p:nvPr/>
-        </p:nvCxnSpPr>
-        <p:spPr>
-          <a:xfrm flipV="1">
-            <a:off x="2931520" y="3683726"/>
-            <a:ext cx="1324252" cy="2778035"/>
-          </a:xfrm>
-          <a:prstGeom prst="straightConnector1">
-            <a:avLst/>
-          </a:prstGeom>
-          <a:noFill/>
-          <a:ln w="25400" cap="flat">
-            <a:solidFill>
-              <a:srgbClr val="4F81BD"/>
-            </a:solidFill>
-            <a:prstDash val="solid"/>
-            <a:bevel/>
-            <a:tailEnd type="triangle"/>
-          </a:ln>
-          <a:effectLst>
-            <a:outerShdw blurRad="38100" dist="20000" dir="5400000" rotWithShape="0">
-              <a:srgbClr val="000000">
-                <a:alpha val="38000"/>
-              </a:srgbClr>
-            </a:outerShdw>
-          </a:effectLst>
-        </p:spPr>
-        <p:style>
-          <a:lnRef idx="0">
-            <a:scrgbClr r="0" g="0" b="0"/>
-          </a:lnRef>
-          <a:fillRef idx="0">
-            <a:scrgbClr r="0" g="0" b="0"/>
-          </a:fillRef>
-          <a:effectRef idx="0">
-            <a:scrgbClr r="0" g="0" b="0"/>
-          </a:effectRef>
-          <a:fontRef idx="none"/>
-        </p:style>
-      </p:cxnSp>
+            <a:r>
+              <a:rPr lang="en"/>
+              <a:t>Debugging Perspective</a:t>
+            </a:r>
+            <a:endParaRPr/>
+          </a:p>
+        </p:txBody>
+      </p:sp>
     </p:spTree>
-    <p:extLst>
-      <p:ext uri="{BB962C8B-B14F-4D97-AF65-F5344CB8AC3E}">
-        <p14:creationId xmlns:p14="http://schemas.microsoft.com/office/powerpoint/2010/main" val="682757129"/>
-      </p:ext>
-    </p:extLst>
   </p:cSld>
   <p:clrMapOvr>
     <a:masterClrMapping/>
@@ -20881,12 +22663,12 @@
 </p:sld>
 </file>
 
-<file path=ppt/slides/slide59.xml><?xml version="1.0" encoding="utf-8"?>
-<p:sld xmlns:a="http://schemas.openxmlformats.org/drawingml/2006/main" xmlns:r="http://schemas.openxmlformats.org/officeDocument/2006/relationships" xmlns:p="http://schemas.openxmlformats.org/presentationml/2006/main" show="0">
+<file path=ppt/slides/slide61.xml><?xml version="1.0" encoding="utf-8"?>
+<p:sld xmlns:a="http://schemas.openxmlformats.org/drawingml/2006/main" xmlns:r="http://schemas.openxmlformats.org/officeDocument/2006/relationships" xmlns:p="http://schemas.openxmlformats.org/presentationml/2006/main">
   <p:cSld>
     <p:spTree>
       <p:nvGrpSpPr>
-        <p:cNvPr id="1" name=""/>
+        <p:cNvPr id="1" name="Shape 123"/>
         <p:cNvGrpSpPr/>
         <p:nvPr/>
       </p:nvGrpSpPr>
@@ -20898,386 +22680,350 @@
           <a:chExt cx="0" cy="0"/>
         </a:xfrm>
       </p:grpSpPr>
-      <p:sp>
-        <p:nvSpPr>
-          <p:cNvPr id="2" name="Title 1"/>
-          <p:cNvSpPr>
-            <a:spLocks noGrp="1"/>
-          </p:cNvSpPr>
-          <p:nvPr>
-            <p:ph type="title"/>
-          </p:nvPr>
-        </p:nvSpPr>
-        <p:spPr>
-          <a:xfrm>
-            <a:off x="0" y="0"/>
-            <a:ext cx="2913017" cy="804907"/>
-          </a:xfrm>
-        </p:spPr>
-        <p:txBody>
-          <a:bodyPr>
-            <a:normAutofit fontScale="90000"/>
-          </a:bodyPr>
-          <a:lstStyle/>
-          <a:p>
-            <a:r>
-              <a:rPr lang="en-US" dirty="0"/>
-              <a:t>Screenshots</a:t>
-            </a:r>
-          </a:p>
-        </p:txBody>
-      </p:sp>
       <p:pic>
         <p:nvPicPr>
-          <p:cNvPr id="6" name="Picture 5"/>
-          <p:cNvPicPr>
-            <a:picLocks noChangeAspect="1"/>
-          </p:cNvPicPr>
-          <p:nvPr/>
-        </p:nvPicPr>
-        <p:blipFill rotWithShape="1">
-          <a:blip r:embed="rId2"/>
-          <a:srcRect t="1551" r="12290" b="685"/>
-          <a:stretch/>
-        </p:blipFill>
-        <p:spPr>
-          <a:xfrm>
-            <a:off x="2687533" y="780165"/>
-            <a:ext cx="1941745" cy="2743200"/>
-          </a:xfrm>
-          <a:prstGeom prst="rect">
-            <a:avLst/>
-          </a:prstGeom>
-          <a:solidFill>
-            <a:srgbClr val="FFFFFF">
-              <a:shade val="85000"/>
-            </a:srgbClr>
-          </a:solidFill>
-          <a:ln w="88900" cap="sq">
-            <a:solidFill>
-              <a:srgbClr val="FFFFFF"/>
-            </a:solidFill>
-            <a:miter lim="800000"/>
-          </a:ln>
-          <a:effectLst>
-            <a:outerShdw blurRad="55000" dist="18000" dir="5400000" algn="tl" rotWithShape="0">
-              <a:srgbClr val="000000">
-                <a:alpha val="40000"/>
-              </a:srgbClr>
-            </a:outerShdw>
-          </a:effectLst>
-          <a:scene3d>
-            <a:camera prst="orthographicFront"/>
-            <a:lightRig rig="twoPt" dir="t">
-              <a:rot lat="0" lon="0" rev="7200000"/>
-            </a:lightRig>
-          </a:scene3d>
-          <a:sp3d>
-            <a:bevelT w="25400" h="19050"/>
-            <a:contourClr>
-              <a:srgbClr val="FFFFFF"/>
-            </a:contourClr>
-          </a:sp3d>
-        </p:spPr>
-      </p:pic>
-      <p:pic>
-        <p:nvPicPr>
-          <p:cNvPr id="7" name="Picture 6"/>
-          <p:cNvPicPr>
-            <a:picLocks noChangeAspect="1"/>
-          </p:cNvPicPr>
-          <p:nvPr/>
-        </p:nvPicPr>
-        <p:blipFill rotWithShape="1">
-          <a:blip r:embed="rId3"/>
-          <a:srcRect r="6612"/>
-          <a:stretch/>
-        </p:blipFill>
-        <p:spPr>
-          <a:xfrm>
-            <a:off x="4753665" y="774040"/>
-            <a:ext cx="1768491" cy="2732766"/>
-          </a:xfrm>
-          <a:prstGeom prst="rect">
-            <a:avLst/>
-          </a:prstGeom>
-          <a:solidFill>
-            <a:srgbClr val="FFFFFF">
-              <a:shade val="85000"/>
-            </a:srgbClr>
-          </a:solidFill>
-          <a:ln w="88900" cap="sq">
-            <a:solidFill>
-              <a:srgbClr val="FFFFFF"/>
-            </a:solidFill>
-            <a:miter lim="800000"/>
-          </a:ln>
-          <a:effectLst>
-            <a:outerShdw blurRad="55000" dist="18000" dir="5400000" algn="tl" rotWithShape="0">
-              <a:srgbClr val="000000">
-                <a:alpha val="40000"/>
-              </a:srgbClr>
-            </a:outerShdw>
-          </a:effectLst>
-          <a:scene3d>
-            <a:camera prst="orthographicFront"/>
-            <a:lightRig rig="twoPt" dir="t">
-              <a:rot lat="0" lon="0" rev="7200000"/>
-            </a:lightRig>
-          </a:scene3d>
-          <a:sp3d>
-            <a:bevelT w="25400" h="19050"/>
-            <a:contourClr>
-              <a:srgbClr val="FFFFFF"/>
-            </a:contourClr>
-          </a:sp3d>
-        </p:spPr>
-      </p:pic>
-      <p:pic>
-        <p:nvPicPr>
-          <p:cNvPr id="8" name="Picture 7"/>
-          <p:cNvPicPr>
-            <a:picLocks noChangeAspect="1"/>
-          </p:cNvPicPr>
-          <p:nvPr/>
-        </p:nvPicPr>
-        <p:blipFill rotWithShape="1">
-          <a:blip r:embed="rId4"/>
-          <a:srcRect r="13542"/>
-          <a:stretch/>
-        </p:blipFill>
-        <p:spPr>
-          <a:xfrm>
-            <a:off x="6646543" y="127148"/>
-            <a:ext cx="2351245" cy="3379658"/>
-          </a:xfrm>
-          <a:prstGeom prst="rect">
-            <a:avLst/>
-          </a:prstGeom>
-          <a:solidFill>
-            <a:srgbClr val="FFFFFF">
-              <a:shade val="85000"/>
-            </a:srgbClr>
-          </a:solidFill>
-          <a:ln w="88900" cap="sq">
-            <a:solidFill>
-              <a:srgbClr val="FFFFFF"/>
-            </a:solidFill>
-            <a:miter lim="800000"/>
-          </a:ln>
-          <a:effectLst>
-            <a:outerShdw blurRad="55000" dist="18000" dir="5400000" algn="tl" rotWithShape="0">
-              <a:srgbClr val="000000">
-                <a:alpha val="40000"/>
-              </a:srgbClr>
-            </a:outerShdw>
-          </a:effectLst>
-          <a:scene3d>
-            <a:camera prst="orthographicFront"/>
-            <a:lightRig rig="twoPt" dir="t">
-              <a:rot lat="0" lon="0" rev="7200000"/>
-            </a:lightRig>
-          </a:scene3d>
-          <a:sp3d>
-            <a:bevelT w="25400" h="19050"/>
-            <a:contourClr>
-              <a:srgbClr val="FFFFFF"/>
-            </a:contourClr>
-          </a:sp3d>
-        </p:spPr>
-      </p:pic>
-      <p:pic>
-        <p:nvPicPr>
-          <p:cNvPr id="9" name="Picture 8"/>
-          <p:cNvPicPr>
-            <a:picLocks noChangeAspect="1"/>
-          </p:cNvPicPr>
+          <p:cNvPr id="124" name="Google Shape;124;p26"/>
+          <p:cNvPicPr preferRelativeResize="0"/>
           <p:nvPr/>
         </p:nvPicPr>
         <p:blipFill>
-          <a:blip r:embed="rId5"/>
+          <a:blip r:embed="rId3">
+            <a:alphaModFix/>
+          </a:blip>
           <a:stretch>
             <a:fillRect/>
           </a:stretch>
         </p:blipFill>
         <p:spPr>
           <a:xfrm>
-            <a:off x="123453" y="3815652"/>
-            <a:ext cx="2193028" cy="2830821"/>
+            <a:off x="5501650" y="1873100"/>
+            <a:ext cx="3088000" cy="1478750"/>
+          </a:xfrm>
+          <a:prstGeom prst="rect">
+            <a:avLst/>
+          </a:prstGeom>
+          <a:noFill/>
+          <a:ln>
+            <a:noFill/>
+          </a:ln>
+        </p:spPr>
+      </p:pic>
+      <p:cxnSp>
+        <p:nvCxnSpPr>
+          <p:cNvPr id="125" name="Google Shape;125;p26"/>
+          <p:cNvCxnSpPr>
+            <a:stCxn id="126" idx="0"/>
+          </p:cNvCxnSpPr>
+          <p:nvPr/>
+        </p:nvCxnSpPr>
+        <p:spPr>
+          <a:xfrm rot="10800000">
+            <a:off x="6082100" y="2670450"/>
+            <a:ext cx="1337400" cy="1526400"/>
+          </a:xfrm>
+          <a:prstGeom prst="straightConnector1">
+            <a:avLst/>
+          </a:prstGeom>
+          <a:noFill/>
+          <a:ln w="76200" cap="flat" cmpd="sng">
+            <a:solidFill>
+              <a:schemeClr val="dk2"/>
+            </a:solidFill>
+            <a:prstDash val="solid"/>
+            <a:round/>
+            <a:headEnd type="none" w="med" len="med"/>
+            <a:tailEnd type="triangle" w="med" len="med"/>
+          </a:ln>
+        </p:spPr>
+      </p:cxnSp>
+      <p:sp>
+        <p:nvSpPr>
+          <p:cNvPr id="126" name="Google Shape;126;p26"/>
+          <p:cNvSpPr txBox="1"/>
+          <p:nvPr/>
+        </p:nvSpPr>
+        <p:spPr>
+          <a:xfrm>
+            <a:off x="6249350" y="4196850"/>
+            <a:ext cx="2340300" cy="733200"/>
           </a:xfrm>
           <a:prstGeom prst="rect">
             <a:avLst/>
           </a:prstGeom>
           <a:solidFill>
-            <a:srgbClr val="FFFFFF">
-              <a:shade val="85000"/>
-            </a:srgbClr>
+            <a:srgbClr val="F9CB9C"/>
           </a:solidFill>
-          <a:ln w="88900" cap="sq">
+          <a:ln w="19050" cap="flat" cmpd="sng">
             <a:solidFill>
-              <a:srgbClr val="FFFFFF"/>
+              <a:srgbClr val="000000"/>
             </a:solidFill>
-            <a:miter lim="800000"/>
+            <a:prstDash val="solid"/>
+            <a:round/>
+            <a:headEnd type="none" w="sm" len="sm"/>
+            <a:tailEnd type="none" w="sm" len="sm"/>
           </a:ln>
-          <a:effectLst>
-            <a:outerShdw blurRad="55000" dist="18000" dir="5400000" algn="tl" rotWithShape="0">
-              <a:srgbClr val="000000">
-                <a:alpha val="40000"/>
-              </a:srgbClr>
-            </a:outerShdw>
-          </a:effectLst>
-          <a:scene3d>
-            <a:camera prst="orthographicFront"/>
-            <a:lightRig rig="twoPt" dir="t">
-              <a:rot lat="0" lon="0" rev="7200000"/>
-            </a:lightRig>
-          </a:scene3d>
-          <a:sp3d>
-            <a:bevelT w="25400" h="19050"/>
-            <a:contourClr>
-              <a:srgbClr val="FFFFFF"/>
-            </a:contourClr>
-          </a:sp3d>
-        </p:spPr>
-      </p:pic>
+        </p:spPr>
+        <p:txBody>
+          <a:bodyPr spcFirstLastPara="1" wrap="square" lIns="91425" tIns="91425" rIns="91425" bIns="91425" anchor="t" anchorCtr="0">
+            <a:noAutofit/>
+          </a:bodyPr>
+          <a:lstStyle/>
+          <a:p>
+            <a:pPr>
+              <a:spcBef>
+                <a:spcPts val="0"/>
+              </a:spcBef>
+              <a:spcAft>
+                <a:spcPts val="0"/>
+              </a:spcAft>
+            </a:pPr>
+            <a:r>
+              <a:rPr lang="en" sz="1600"/>
+              <a:t>Indicates that the program is still running</a:t>
+            </a:r>
+            <a:endParaRPr sz="1600"/>
+          </a:p>
+        </p:txBody>
+      </p:sp>
+      <p:sp>
+        <p:nvSpPr>
+          <p:cNvPr id="127" name="Google Shape;127;p26"/>
+          <p:cNvSpPr txBox="1"/>
+          <p:nvPr/>
+        </p:nvSpPr>
+        <p:spPr>
+          <a:xfrm>
+            <a:off x="320725" y="3756000"/>
+            <a:ext cx="2803200" cy="1614900"/>
+          </a:xfrm>
+          <a:prstGeom prst="rect">
+            <a:avLst/>
+          </a:prstGeom>
+          <a:solidFill>
+            <a:srgbClr val="F9CB9C"/>
+          </a:solidFill>
+          <a:ln w="19050" cap="flat" cmpd="sng">
+            <a:solidFill>
+              <a:srgbClr val="000000"/>
+            </a:solidFill>
+            <a:prstDash val="solid"/>
+            <a:round/>
+            <a:headEnd type="none" w="sm" len="sm"/>
+            <a:tailEnd type="none" w="sm" len="sm"/>
+          </a:ln>
+        </p:spPr>
+        <p:txBody>
+          <a:bodyPr spcFirstLastPara="1" wrap="square" lIns="91425" tIns="91425" rIns="91425" bIns="91425" anchor="t" anchorCtr="0">
+            <a:noAutofit/>
+          </a:bodyPr>
+          <a:lstStyle/>
+          <a:p>
+            <a:pPr>
+              <a:spcBef>
+                <a:spcPts val="0"/>
+              </a:spcBef>
+              <a:spcAft>
+                <a:spcPts val="0"/>
+              </a:spcAft>
+            </a:pPr>
+            <a:r>
+              <a:rPr lang="en" sz="1600"/>
+              <a:t>Even after you click the red STOP SQUARE, if you ran it multiple times before, you have to repeatedly clear it (or restart Eclipse)</a:t>
+            </a:r>
+            <a:endParaRPr sz="1600"/>
+          </a:p>
+        </p:txBody>
+      </p:sp>
       <p:pic>
         <p:nvPicPr>
-          <p:cNvPr id="10" name="Picture 9"/>
-          <p:cNvPicPr>
-            <a:picLocks noChangeAspect="1"/>
-          </p:cNvPicPr>
+          <p:cNvPr id="128" name="Google Shape;128;p26"/>
+          <p:cNvPicPr preferRelativeResize="0"/>
           <p:nvPr/>
         </p:nvPicPr>
         <p:blipFill>
-          <a:blip r:embed="rId6"/>
+          <a:blip r:embed="rId4">
+            <a:alphaModFix/>
+          </a:blip>
           <a:stretch>
             <a:fillRect/>
           </a:stretch>
         </p:blipFill>
         <p:spPr>
           <a:xfrm>
-            <a:off x="2563146" y="3841799"/>
-            <a:ext cx="3145342" cy="2804674"/>
+            <a:off x="435301" y="1975950"/>
+            <a:ext cx="3988125" cy="898500"/>
           </a:xfrm>
           <a:prstGeom prst="rect">
             <a:avLst/>
           </a:prstGeom>
-          <a:solidFill>
-            <a:srgbClr val="FFFFFF">
-              <a:shade val="85000"/>
-            </a:srgbClr>
-          </a:solidFill>
-          <a:ln w="88900" cap="sq">
-            <a:solidFill>
-              <a:srgbClr val="FFFFFF"/>
-            </a:solidFill>
-            <a:miter lim="800000"/>
+          <a:noFill/>
+          <a:ln>
+            <a:noFill/>
           </a:ln>
-          <a:effectLst>
-            <a:outerShdw blurRad="55000" dist="18000" dir="5400000" algn="tl" rotWithShape="0">
-              <a:srgbClr val="000000">
-                <a:alpha val="40000"/>
-              </a:srgbClr>
-            </a:outerShdw>
-          </a:effectLst>
-          <a:scene3d>
-            <a:camera prst="orthographicFront"/>
-            <a:lightRig rig="twoPt" dir="t">
-              <a:rot lat="0" lon="0" rev="7200000"/>
-            </a:lightRig>
-          </a:scene3d>
-          <a:sp3d>
-            <a:bevelT w="25400" h="19050"/>
-            <a:contourClr>
-              <a:srgbClr val="FFFFFF"/>
-            </a:contourClr>
-          </a:sp3d>
         </p:spPr>
       </p:pic>
       <p:pic>
         <p:nvPicPr>
-          <p:cNvPr id="12" name="Picture 11"/>
-          <p:cNvPicPr>
-            <a:picLocks noChangeAspect="1"/>
-          </p:cNvPicPr>
+          <p:cNvPr id="129" name="Google Shape;129;p26"/>
+          <p:cNvPicPr preferRelativeResize="0"/>
           <p:nvPr/>
         </p:nvPicPr>
         <p:blipFill>
-          <a:blip r:embed="rId7"/>
+          <a:blip r:embed="rId5">
+            <a:alphaModFix/>
+          </a:blip>
           <a:stretch>
             <a:fillRect/>
           </a:stretch>
         </p:blipFill>
         <p:spPr>
           <a:xfrm>
-            <a:off x="187066" y="748428"/>
-            <a:ext cx="2376080" cy="2783990"/>
+            <a:off x="3905588" y="4196850"/>
+            <a:ext cx="1562100" cy="1524000"/>
           </a:xfrm>
           <a:prstGeom prst="rect">
             <a:avLst/>
           </a:prstGeom>
-          <a:solidFill>
-            <a:srgbClr val="FFFFFF">
-              <a:shade val="85000"/>
-            </a:srgbClr>
-          </a:solidFill>
-          <a:ln w="88900" cap="sq">
+          <a:noFill/>
+          <a:ln w="19050" cap="flat" cmpd="sng">
             <a:solidFill>
-              <a:srgbClr val="FFFFFF"/>
+              <a:schemeClr val="dk2"/>
             </a:solidFill>
-            <a:miter lim="800000"/>
+            <a:prstDash val="solid"/>
+            <a:round/>
+            <a:headEnd type="none" w="sm" len="sm"/>
+            <a:tailEnd type="none" w="sm" len="sm"/>
           </a:ln>
-          <a:effectLst>
-            <a:outerShdw blurRad="55000" dist="18000" dir="5400000" algn="tl" rotWithShape="0">
-              <a:srgbClr val="000000">
-                <a:alpha val="40000"/>
-              </a:srgbClr>
-            </a:outerShdw>
-          </a:effectLst>
-          <a:scene3d>
-            <a:camera prst="orthographicFront"/>
-            <a:lightRig rig="twoPt" dir="t">
-              <a:rot lat="0" lon="0" rev="7200000"/>
-            </a:lightRig>
-          </a:scene3d>
-          <a:sp3d>
-            <a:bevelT w="25400" h="19050"/>
-            <a:contourClr>
-              <a:srgbClr val="FFFFFF"/>
-            </a:contourClr>
-          </a:sp3d>
         </p:spPr>
       </p:pic>
-      <p:pic>
-        <p:nvPicPr>
-          <p:cNvPr id="13" name="Picture 12"/>
-          <p:cNvPicPr>
-            <a:picLocks noChangeAspect="1"/>
-          </p:cNvPicPr>
+      <p:cxnSp>
+        <p:nvCxnSpPr>
+          <p:cNvPr id="130" name="Google Shape;130;p26"/>
+          <p:cNvCxnSpPr/>
           <p:nvPr/>
-        </p:nvPicPr>
-        <p:blipFill>
-          <a:blip r:embed="rId8"/>
-          <a:stretch>
-            <a:fillRect/>
-          </a:stretch>
-        </p:blipFill>
+        </p:nvCxnSpPr>
+        <p:spPr>
+          <a:xfrm rot="10800000" flipH="1">
+            <a:off x="1183000" y="2580125"/>
+            <a:ext cx="38700" cy="1183200"/>
+          </a:xfrm>
+          <a:prstGeom prst="straightConnector1">
+            <a:avLst/>
+          </a:prstGeom>
+          <a:noFill/>
+          <a:ln w="76200" cap="flat" cmpd="sng">
+            <a:solidFill>
+              <a:schemeClr val="dk2"/>
+            </a:solidFill>
+            <a:prstDash val="solid"/>
+            <a:round/>
+            <a:headEnd type="none" w="med" len="med"/>
+            <a:tailEnd type="triangle" w="med" len="med"/>
+          </a:ln>
+        </p:spPr>
+      </p:cxnSp>
+      <p:cxnSp>
+        <p:nvCxnSpPr>
+          <p:cNvPr id="131" name="Google Shape;131;p26"/>
+          <p:cNvCxnSpPr>
+            <a:endCxn id="129" idx="1"/>
+          </p:cNvCxnSpPr>
+          <p:nvPr/>
+        </p:nvCxnSpPr>
         <p:spPr>
           <a:xfrm>
-            <a:off x="5878253" y="3841800"/>
-            <a:ext cx="3119536" cy="2877818"/>
+            <a:off x="2918888" y="4804950"/>
+            <a:ext cx="986700" cy="153900"/>
+          </a:xfrm>
+          <a:prstGeom prst="straightConnector1">
+            <a:avLst/>
+          </a:prstGeom>
+          <a:noFill/>
+          <a:ln w="76200" cap="flat" cmpd="sng">
+            <a:solidFill>
+              <a:schemeClr val="dk2"/>
+            </a:solidFill>
+            <a:prstDash val="solid"/>
+            <a:round/>
+            <a:headEnd type="none" w="med" len="med"/>
+            <a:tailEnd type="triangle" w="med" len="med"/>
+          </a:ln>
+        </p:spPr>
+      </p:cxnSp>
+      <p:sp>
+        <p:nvSpPr>
+          <p:cNvPr id="132" name="Google Shape;132;p26"/>
+          <p:cNvSpPr txBox="1">
+            <a:spLocks noGrp="1"/>
+          </p:cNvSpPr>
+          <p:nvPr>
+            <p:ph type="title"/>
+          </p:nvPr>
+        </p:nvSpPr>
+        <p:spPr>
+          <a:xfrm>
+            <a:off x="141350" y="919625"/>
+            <a:ext cx="8928600" cy="817200"/>
           </a:xfrm>
           <a:prstGeom prst="rect">
             <a:avLst/>
           </a:prstGeom>
         </p:spPr>
-      </p:pic>
+        <p:txBody>
+          <a:bodyPr spcFirstLastPara="1" vert="horz" wrap="square" lIns="91425" tIns="91425" rIns="91425" bIns="91425" rtlCol="0" anchor="b" anchorCtr="0">
+            <a:noAutofit/>
+          </a:bodyPr>
+          <a:lstStyle/>
+          <a:p>
+            <a:r>
+              <a:rPr lang="en" sz="2400">
+                <a:solidFill>
+                  <a:srgbClr val="840629"/>
+                </a:solidFill>
+              </a:rPr>
+              <a:t>ALWAYS (1) </a:t>
+            </a:r>
+            <a:r>
+              <a:rPr lang="en" sz="2400" u="sng">
+                <a:solidFill>
+                  <a:srgbClr val="840629"/>
+                </a:solidFill>
+              </a:rPr>
+              <a:t>stop</a:t>
+            </a:r>
+            <a:r>
+              <a:rPr lang="en" sz="2400">
+                <a:solidFill>
+                  <a:srgbClr val="840629"/>
+                </a:solidFill>
+              </a:rPr>
+              <a:t> the debugger AND (2) </a:t>
+            </a:r>
+            <a:r>
+              <a:rPr lang="en" sz="2400" u="sng">
+                <a:solidFill>
+                  <a:srgbClr val="840629"/>
+                </a:solidFill>
+              </a:rPr>
+              <a:t>clear</a:t>
+            </a:r>
+            <a:r>
+              <a:rPr lang="en" sz="2400">
+                <a:solidFill>
+                  <a:srgbClr val="840629"/>
+                </a:solidFill>
+              </a:rPr>
+              <a:t> it when done!</a:t>
+            </a:r>
+            <a:endParaRPr sz="2400">
+              <a:solidFill>
+                <a:srgbClr val="840629"/>
+              </a:solidFill>
+            </a:endParaRPr>
+          </a:p>
+        </p:txBody>
+      </p:sp>
     </p:spTree>
-    <p:extLst>
-      <p:ext uri="{BB962C8B-B14F-4D97-AF65-F5344CB8AC3E}">
-        <p14:creationId xmlns:p14="http://schemas.microsoft.com/office/powerpoint/2010/main" val="266057587"/>
-      </p:ext>
-    </p:extLst>
   </p:cSld>
   <p:clrMapOvr>
     <a:masterClrMapping/>
@@ -21285,12 +23031,12 @@
 </p:sld>
 </file>
 
-<file path=ppt/slides/slide6.xml><?xml version="1.0" encoding="utf-8"?>
+<file path=ppt/slides/slide62.xml><?xml version="1.0" encoding="utf-8"?>
 <p:sld xmlns:a="http://schemas.openxmlformats.org/drawingml/2006/main" xmlns:r="http://schemas.openxmlformats.org/officeDocument/2006/relationships" xmlns:p="http://schemas.openxmlformats.org/presentationml/2006/main">
   <p:cSld>
     <p:spTree>
       <p:nvGrpSpPr>
-        <p:cNvPr id="1" name=""/>
+        <p:cNvPr id="1" name="Shape 136"/>
         <p:cNvGrpSpPr/>
         <p:nvPr/>
       </p:nvGrpSpPr>
@@ -21304,302 +23050,1073 @@
       </p:grpSpPr>
       <p:sp>
         <p:nvSpPr>
-          <p:cNvPr id="2" name="Title 1"/>
-          <p:cNvSpPr>
+          <p:cNvPr id="137" name="Google Shape;137;p27"/>
+          <p:cNvSpPr txBox="1"/>
+          <p:nvPr/>
+        </p:nvSpPr>
+        <p:spPr>
+          <a:xfrm>
+            <a:off x="4738400" y="3985575"/>
+            <a:ext cx="1158000" cy="778800"/>
+          </a:xfrm>
+          <a:prstGeom prst="rect">
+            <a:avLst/>
+          </a:prstGeom>
+          <a:solidFill>
+            <a:srgbClr val="F9CB9C"/>
+          </a:solidFill>
+          <a:ln w="19050" cap="flat" cmpd="sng">
+            <a:solidFill>
+              <a:srgbClr val="000000"/>
+            </a:solidFill>
+            <a:prstDash val="solid"/>
+            <a:round/>
+            <a:headEnd type="none" w="sm" len="sm"/>
+            <a:tailEnd type="none" w="sm" len="sm"/>
+          </a:ln>
+        </p:spPr>
+        <p:txBody>
+          <a:bodyPr spcFirstLastPara="1" wrap="square" lIns="91425" tIns="91425" rIns="91425" bIns="91425" anchor="t" anchorCtr="0">
+            <a:noAutofit/>
+          </a:bodyPr>
+          <a:lstStyle/>
+          <a:p>
+            <a:pPr>
+              <a:spcBef>
+                <a:spcPts val="0"/>
+              </a:spcBef>
+              <a:spcAft>
+                <a:spcPts val="0"/>
+              </a:spcAft>
+            </a:pPr>
+            <a:r>
+              <a:rPr lang="en" sz="1600"/>
+              <a:t>Step Into</a:t>
+            </a:r>
+            <a:endParaRPr sz="1600"/>
+          </a:p>
+          <a:p>
+            <a:pPr>
+              <a:spcBef>
+                <a:spcPts val="0"/>
+              </a:spcBef>
+              <a:spcAft>
+                <a:spcPts val="0"/>
+              </a:spcAft>
+            </a:pPr>
+            <a:r>
+              <a:rPr lang="en" sz="1600"/>
+              <a:t>method</a:t>
+            </a:r>
+            <a:endParaRPr sz="1600"/>
+          </a:p>
+        </p:txBody>
+      </p:sp>
+      <p:sp>
+        <p:nvSpPr>
+          <p:cNvPr id="138" name="Google Shape;138;p27"/>
+          <p:cNvSpPr txBox="1"/>
+          <p:nvPr/>
+        </p:nvSpPr>
+        <p:spPr>
+          <a:xfrm>
+            <a:off x="189650" y="4165575"/>
+            <a:ext cx="1384500" cy="1513800"/>
+          </a:xfrm>
+          <a:prstGeom prst="rect">
+            <a:avLst/>
+          </a:prstGeom>
+          <a:solidFill>
+            <a:srgbClr val="F9CB9C"/>
+          </a:solidFill>
+          <a:ln w="19050" cap="flat" cmpd="sng">
+            <a:solidFill>
+              <a:srgbClr val="000000"/>
+            </a:solidFill>
+            <a:prstDash val="solid"/>
+            <a:round/>
+            <a:headEnd type="none" w="sm" len="sm"/>
+            <a:tailEnd type="none" w="sm" len="sm"/>
+          </a:ln>
+        </p:spPr>
+        <p:txBody>
+          <a:bodyPr spcFirstLastPara="1" wrap="square" lIns="91425" tIns="91425" rIns="91425" bIns="91425" anchor="t" anchorCtr="0">
+            <a:noAutofit/>
+          </a:bodyPr>
+          <a:lstStyle/>
+          <a:p>
+            <a:pPr>
+              <a:spcBef>
+                <a:spcPts val="0"/>
+              </a:spcBef>
+              <a:spcAft>
+                <a:spcPts val="0"/>
+              </a:spcAft>
+            </a:pPr>
+            <a:r>
+              <a:rPr lang="en" sz="1600"/>
+              <a:t>Resume</a:t>
+            </a:r>
+            <a:endParaRPr sz="1600"/>
+          </a:p>
+          <a:p>
+            <a:pPr>
+              <a:spcBef>
+                <a:spcPts val="0"/>
+              </a:spcBef>
+              <a:spcAft>
+                <a:spcPts val="0"/>
+              </a:spcAft>
+            </a:pPr>
+            <a:r>
+              <a:rPr lang="en" sz="1600"/>
+              <a:t>(until next break point or complete)</a:t>
+            </a:r>
+            <a:endParaRPr sz="1600"/>
+          </a:p>
+        </p:txBody>
+      </p:sp>
+      <p:sp>
+        <p:nvSpPr>
+          <p:cNvPr id="139" name="Google Shape;139;p27"/>
+          <p:cNvSpPr txBox="1">
             <a:spLocks noGrp="1"/>
           </p:cNvSpPr>
           <p:nvPr>
             <p:ph type="title"/>
           </p:nvPr>
         </p:nvSpPr>
-        <p:spPr/>
-        <p:txBody>
-          <a:bodyPr/>
-          <a:lstStyle/>
-          <a:p>
-            <a:r>
-              <a:rPr lang="en-US" dirty="0"/>
-              <a:t>Academic honesty in CS</a:t>
-            </a:r>
-          </a:p>
-        </p:txBody>
-      </p:sp>
-      <p:sp>
-        <p:nvSpPr>
-          <p:cNvPr id="3" name="Content Placeholder 2"/>
-          <p:cNvSpPr>
-            <a:spLocks noGrp="1"/>
-          </p:cNvSpPr>
-          <p:nvPr>
-            <p:ph idx="1"/>
-          </p:nvPr>
-        </p:nvSpPr>
         <p:spPr>
           <a:xfrm>
-            <a:off x="457200" y="1417638"/>
-            <a:ext cx="8229600" cy="4525963"/>
-          </a:xfrm>
-        </p:spPr>
-        <p:txBody>
-          <a:bodyPr/>
-          <a:lstStyle/>
-          <a:p>
-            <a:r>
-              <a:rPr lang="en-US" dirty="0"/>
-              <a:t>Please do not collaborate on homework assignments beyond what is allowed</a:t>
-            </a:r>
-          </a:p>
-        </p:txBody>
-      </p:sp>
-      <p:sp>
-        <p:nvSpPr>
-          <p:cNvPr id="4" name="Title 1"/>
-          <p:cNvSpPr txBox="1">
-            <a:spLocks/>
-          </p:cNvSpPr>
-          <p:nvPr/>
-        </p:nvSpPr>
-        <p:spPr>
-          <a:xfrm>
-            <a:off x="228600" y="2470255"/>
-            <a:ext cx="8229600" cy="1143000"/>
+            <a:off x="141350" y="919625"/>
+            <a:ext cx="8928600" cy="817200"/>
           </a:xfrm>
           <a:prstGeom prst="rect">
             <a:avLst/>
           </a:prstGeom>
         </p:spPr>
         <p:txBody>
-          <a:bodyPr vert="horz" lIns="91440" tIns="45720" rIns="91440" bIns="45720" rtlCol="0" anchor="ctr">
-            <a:normAutofit/>
+          <a:bodyPr spcFirstLastPara="1" vert="horz" wrap="square" lIns="91425" tIns="91425" rIns="91425" bIns="91425" rtlCol="0" anchor="b" anchorCtr="0">
+            <a:noAutofit/>
           </a:bodyPr>
-          <a:lstStyle>
-            <a:lvl1pPr algn="ctr" defTabSz="914400" rtl="0" eaLnBrk="1" latinLnBrk="0" hangingPunct="1">
+          <a:lstStyle/>
+          <a:p>
+            <a:r>
+              <a:rPr lang="en" sz="2400">
+                <a:solidFill>
+                  <a:srgbClr val="840629"/>
+                </a:solidFill>
+              </a:rPr>
+              <a:t>Debugger Controls Up Close</a:t>
+            </a:r>
+            <a:endParaRPr sz="2400">
+              <a:solidFill>
+                <a:srgbClr val="840629"/>
+              </a:solidFill>
+            </a:endParaRPr>
+          </a:p>
+        </p:txBody>
+      </p:sp>
+      <p:pic>
+        <p:nvPicPr>
+          <p:cNvPr id="140" name="Google Shape;140;p27"/>
+          <p:cNvPicPr preferRelativeResize="0"/>
+          <p:nvPr/>
+        </p:nvPicPr>
+        <p:blipFill>
+          <a:blip r:embed="rId3">
+            <a:alphaModFix/>
+          </a:blip>
+          <a:stretch>
+            <a:fillRect/>
+          </a:stretch>
+        </p:blipFill>
+        <p:spPr>
+          <a:xfrm>
+            <a:off x="1574064" y="1924439"/>
+            <a:ext cx="5436825" cy="995475"/>
+          </a:xfrm>
+          <a:prstGeom prst="rect">
+            <a:avLst/>
+          </a:prstGeom>
+          <a:noFill/>
+          <a:ln>
+            <a:noFill/>
+          </a:ln>
+        </p:spPr>
+      </p:pic>
+      <p:sp>
+        <p:nvSpPr>
+          <p:cNvPr id="141" name="Google Shape;141;p27"/>
+          <p:cNvSpPr txBox="1"/>
+          <p:nvPr/>
+        </p:nvSpPr>
+        <p:spPr>
+          <a:xfrm>
+            <a:off x="1709475" y="4165575"/>
+            <a:ext cx="1158000" cy="534600"/>
+          </a:xfrm>
+          <a:prstGeom prst="rect">
+            <a:avLst/>
+          </a:prstGeom>
+          <a:solidFill>
+            <a:srgbClr val="F9CB9C"/>
+          </a:solidFill>
+          <a:ln w="19050" cap="flat" cmpd="sng">
+            <a:solidFill>
+              <a:srgbClr val="000000"/>
+            </a:solidFill>
+            <a:prstDash val="solid"/>
+            <a:round/>
+            <a:headEnd type="none" w="sm" len="sm"/>
+            <a:tailEnd type="none" w="sm" len="sm"/>
+          </a:ln>
+        </p:spPr>
+        <p:txBody>
+          <a:bodyPr spcFirstLastPara="1" wrap="square" lIns="91425" tIns="91425" rIns="91425" bIns="91425" anchor="t" anchorCtr="0">
+            <a:noAutofit/>
+          </a:bodyPr>
+          <a:lstStyle/>
+          <a:p>
+            <a:pPr>
               <a:spcBef>
-                <a:spcPct val="0"/>
+                <a:spcPts val="0"/>
               </a:spcBef>
-              <a:buNone/>
-              <a:defRPr sz="4400" kern="1200">
-                <a:solidFill>
-                  <a:schemeClr val="tx1"/>
-                </a:solidFill>
-                <a:latin typeface="+mj-lt"/>
-                <a:ea typeface="+mj-ea"/>
-                <a:cs typeface="+mj-cs"/>
-              </a:defRPr>
-            </a:lvl1pPr>
-          </a:lstStyle>
-          <a:p>
-            <a:pPr fontAlgn="auto">
               <a:spcAft>
                 <a:spcPts val="0"/>
               </a:spcAft>
             </a:pPr>
             <a:r>
-              <a:rPr lang="en-US" dirty="0"/>
-              <a:t>Definitely not OK</a:t>
-            </a:r>
-          </a:p>
-        </p:txBody>
-      </p:sp>
-      <p:sp>
-        <p:nvSpPr>
-          <p:cNvPr id="5" name="Text Placeholder 2"/>
-          <p:cNvSpPr txBox="1">
-            <a:spLocks/>
-          </p:cNvSpPr>
+              <a:rPr lang="en" sz="1600"/>
+              <a:t>Suspend</a:t>
+            </a:r>
+            <a:endParaRPr sz="1600"/>
+          </a:p>
+        </p:txBody>
+      </p:sp>
+      <p:sp>
+        <p:nvSpPr>
+          <p:cNvPr id="142" name="Google Shape;142;p27"/>
+          <p:cNvSpPr txBox="1"/>
           <p:nvPr/>
         </p:nvSpPr>
         <p:spPr>
           <a:xfrm>
-            <a:off x="462280" y="3505200"/>
-            <a:ext cx="8229600" cy="4525963"/>
+            <a:off x="3111100" y="4165575"/>
+            <a:ext cx="1158000" cy="534600"/>
           </a:xfrm>
           <a:prstGeom prst="rect">
             <a:avLst/>
           </a:prstGeom>
-        </p:spPr>
-        <p:txBody>
-          <a:bodyPr vert="horz" lIns="91440" tIns="45720" rIns="91440" bIns="45720" rtlCol="0">
-            <a:normAutofit/>
+          <a:solidFill>
+            <a:srgbClr val="F9CB9C"/>
+          </a:solidFill>
+          <a:ln w="19050" cap="flat" cmpd="sng">
+            <a:solidFill>
+              <a:srgbClr val="000000"/>
+            </a:solidFill>
+            <a:prstDash val="solid"/>
+            <a:round/>
+            <a:headEnd type="none" w="sm" len="sm"/>
+            <a:tailEnd type="none" w="sm" len="sm"/>
+          </a:ln>
+        </p:spPr>
+        <p:txBody>
+          <a:bodyPr spcFirstLastPara="1" wrap="square" lIns="91425" tIns="91425" rIns="91425" bIns="91425" anchor="t" anchorCtr="0">
+            <a:noAutofit/>
           </a:bodyPr>
-          <a:lstStyle>
-            <a:lvl1pPr marL="342900" indent="-342900" algn="l" defTabSz="914400" rtl="0" eaLnBrk="1" latinLnBrk="0" hangingPunct="1">
+          <a:lstStyle/>
+          <a:p>
+            <a:pPr>
               <a:spcBef>
-                <a:spcPct val="20000"/>
+                <a:spcPts val="0"/>
               </a:spcBef>
-              <a:buFont typeface="Arial" panose="020B0604020202020204" pitchFamily="34" charset="0"/>
-              <a:buChar char="•"/>
-              <a:defRPr sz="3200" kern="1200">
-                <a:solidFill>
-                  <a:schemeClr val="tx1"/>
-                </a:solidFill>
-                <a:latin typeface="+mn-lt"/>
-                <a:ea typeface="+mn-ea"/>
-                <a:cs typeface="+mn-cs"/>
-              </a:defRPr>
-            </a:lvl1pPr>
-            <a:lvl2pPr marL="742950" indent="-285750" algn="l" defTabSz="914400" rtl="0" eaLnBrk="1" latinLnBrk="0" hangingPunct="1">
-              <a:spcBef>
-                <a:spcPct val="20000"/>
-              </a:spcBef>
-              <a:buFont typeface="Arial" panose="020B0604020202020204" pitchFamily="34" charset="0"/>
-              <a:buChar char="–"/>
-              <a:defRPr sz="2800" kern="1200">
-                <a:solidFill>
-                  <a:schemeClr val="tx1"/>
-                </a:solidFill>
-                <a:latin typeface="+mn-lt"/>
-                <a:ea typeface="+mn-ea"/>
-                <a:cs typeface="+mn-cs"/>
-              </a:defRPr>
-            </a:lvl2pPr>
-            <a:lvl3pPr marL="1143000" indent="-228600" algn="l" defTabSz="914400" rtl="0" eaLnBrk="1" latinLnBrk="0" hangingPunct="1">
-              <a:spcBef>
-                <a:spcPct val="20000"/>
-              </a:spcBef>
-              <a:buFont typeface="Arial" panose="020B0604020202020204" pitchFamily="34" charset="0"/>
-              <a:buChar char="•"/>
-              <a:defRPr sz="2400" kern="1200">
-                <a:solidFill>
-                  <a:schemeClr val="tx1"/>
-                </a:solidFill>
-                <a:latin typeface="+mn-lt"/>
-                <a:ea typeface="+mn-ea"/>
-                <a:cs typeface="+mn-cs"/>
-              </a:defRPr>
-            </a:lvl3pPr>
-            <a:lvl4pPr marL="1600200" indent="-228600" algn="l" defTabSz="914400" rtl="0" eaLnBrk="1" latinLnBrk="0" hangingPunct="1">
-              <a:spcBef>
-                <a:spcPct val="20000"/>
-              </a:spcBef>
-              <a:buFont typeface="Arial" panose="020B0604020202020204" pitchFamily="34" charset="0"/>
-              <a:buChar char="–"/>
-              <a:defRPr sz="2000" kern="1200">
-                <a:solidFill>
-                  <a:schemeClr val="tx1"/>
-                </a:solidFill>
-                <a:latin typeface="+mn-lt"/>
-                <a:ea typeface="+mn-ea"/>
-                <a:cs typeface="+mn-cs"/>
-              </a:defRPr>
-            </a:lvl4pPr>
-            <a:lvl5pPr marL="2057400" indent="-228600" algn="l" defTabSz="914400" rtl="0" eaLnBrk="1" latinLnBrk="0" hangingPunct="1">
-              <a:spcBef>
-                <a:spcPct val="20000"/>
-              </a:spcBef>
-              <a:buFont typeface="Arial" panose="020B0604020202020204" pitchFamily="34" charset="0"/>
-              <a:buChar char="»"/>
-              <a:defRPr sz="2000" kern="1200">
-                <a:solidFill>
-                  <a:schemeClr val="tx1"/>
-                </a:solidFill>
-                <a:latin typeface="+mn-lt"/>
-                <a:ea typeface="+mn-ea"/>
-                <a:cs typeface="+mn-cs"/>
-              </a:defRPr>
-            </a:lvl5pPr>
-            <a:lvl6pPr marL="2514600" indent="-228600" algn="l" defTabSz="914400" rtl="0" eaLnBrk="1" latinLnBrk="0" hangingPunct="1">
-              <a:spcBef>
-                <a:spcPct val="20000"/>
-              </a:spcBef>
-              <a:buFont typeface="Arial" panose="020B0604020202020204" pitchFamily="34" charset="0"/>
-              <a:buChar char="•"/>
-              <a:defRPr sz="2000" kern="1200">
-                <a:solidFill>
-                  <a:schemeClr val="tx1"/>
-                </a:solidFill>
-                <a:latin typeface="+mn-lt"/>
-                <a:ea typeface="+mn-ea"/>
-                <a:cs typeface="+mn-cs"/>
-              </a:defRPr>
-            </a:lvl6pPr>
-            <a:lvl7pPr marL="2971800" indent="-228600" algn="l" defTabSz="914400" rtl="0" eaLnBrk="1" latinLnBrk="0" hangingPunct="1">
-              <a:spcBef>
-                <a:spcPct val="20000"/>
-              </a:spcBef>
-              <a:buFont typeface="Arial" panose="020B0604020202020204" pitchFamily="34" charset="0"/>
-              <a:buChar char="•"/>
-              <a:defRPr sz="2000" kern="1200">
-                <a:solidFill>
-                  <a:schemeClr val="tx1"/>
-                </a:solidFill>
-                <a:latin typeface="+mn-lt"/>
-                <a:ea typeface="+mn-ea"/>
-                <a:cs typeface="+mn-cs"/>
-              </a:defRPr>
-            </a:lvl7pPr>
-            <a:lvl8pPr marL="3429000" indent="-228600" algn="l" defTabSz="914400" rtl="0" eaLnBrk="1" latinLnBrk="0" hangingPunct="1">
-              <a:spcBef>
-                <a:spcPct val="20000"/>
-              </a:spcBef>
-              <a:buFont typeface="Arial" panose="020B0604020202020204" pitchFamily="34" charset="0"/>
-              <a:buChar char="•"/>
-              <a:defRPr sz="2000" kern="1200">
-                <a:solidFill>
-                  <a:schemeClr val="tx1"/>
-                </a:solidFill>
-                <a:latin typeface="+mn-lt"/>
-                <a:ea typeface="+mn-ea"/>
-                <a:cs typeface="+mn-cs"/>
-              </a:defRPr>
-            </a:lvl8pPr>
-            <a:lvl9pPr marL="3886200" indent="-228600" algn="l" defTabSz="914400" rtl="0" eaLnBrk="1" latinLnBrk="0" hangingPunct="1">
-              <a:spcBef>
-                <a:spcPct val="20000"/>
-              </a:spcBef>
-              <a:buFont typeface="Arial" panose="020B0604020202020204" pitchFamily="34" charset="0"/>
-              <a:buChar char="•"/>
-              <a:defRPr sz="2000" kern="1200">
-                <a:solidFill>
-                  <a:schemeClr val="tx1"/>
-                </a:solidFill>
-                <a:latin typeface="+mn-lt"/>
-                <a:ea typeface="+mn-ea"/>
-                <a:cs typeface="+mn-cs"/>
-              </a:defRPr>
-            </a:lvl9pPr>
-          </a:lstStyle>
-          <a:p>
-            <a:pPr fontAlgn="auto">
               <a:spcAft>
                 <a:spcPts val="0"/>
               </a:spcAft>
             </a:pPr>
             <a:r>
-              <a:rPr lang="en-US" dirty="0"/>
-              <a:t>Looking at someone else’s solution, “just for a reference” as you write your own code</a:t>
-            </a:r>
-          </a:p>
-          <a:p>
-            <a:pPr fontAlgn="auto">
+              <a:rPr lang="en" sz="1600"/>
+              <a:t>Terminate</a:t>
+            </a:r>
+            <a:endParaRPr sz="1600"/>
+          </a:p>
+        </p:txBody>
+      </p:sp>
+      <p:sp>
+        <p:nvSpPr>
+          <p:cNvPr id="143" name="Google Shape;143;p27"/>
+          <p:cNvSpPr txBox="1"/>
+          <p:nvPr/>
+        </p:nvSpPr>
+        <p:spPr>
+          <a:xfrm>
+            <a:off x="5996650" y="3985575"/>
+            <a:ext cx="1158000" cy="778800"/>
+          </a:xfrm>
+          <a:prstGeom prst="rect">
+            <a:avLst/>
+          </a:prstGeom>
+          <a:solidFill>
+            <a:srgbClr val="F9CB9C"/>
+          </a:solidFill>
+          <a:ln w="19050" cap="flat" cmpd="sng">
+            <a:solidFill>
+              <a:srgbClr val="000000"/>
+            </a:solidFill>
+            <a:prstDash val="solid"/>
+            <a:round/>
+            <a:headEnd type="none" w="sm" len="sm"/>
+            <a:tailEnd type="none" w="sm" len="sm"/>
+          </a:ln>
+        </p:spPr>
+        <p:txBody>
+          <a:bodyPr spcFirstLastPara="1" wrap="square" lIns="91425" tIns="91425" rIns="91425" bIns="91425" anchor="t" anchorCtr="0">
+            <a:noAutofit/>
+          </a:bodyPr>
+          <a:lstStyle/>
+          <a:p>
+            <a:pPr>
+              <a:spcBef>
+                <a:spcPts val="0"/>
+              </a:spcBef>
               <a:spcAft>
                 <a:spcPts val="0"/>
               </a:spcAft>
             </a:pPr>
             <a:r>
-              <a:rPr lang="en-US" dirty="0"/>
-              <a:t>Pair programming on an individual assignment</a:t>
-            </a:r>
-          </a:p>
-          <a:p>
-            <a:pPr fontAlgn="auto">
+              <a:rPr lang="en" sz="1600"/>
+              <a:t>Step Over</a:t>
+            </a:r>
+            <a:endParaRPr sz="1600"/>
+          </a:p>
+          <a:p>
+            <a:pPr>
+              <a:spcBef>
+                <a:spcPts val="0"/>
+              </a:spcBef>
               <a:spcAft>
                 <a:spcPts val="0"/>
               </a:spcAft>
             </a:pPr>
             <a:r>
-              <a:rPr lang="en-US" dirty="0"/>
-              <a:t>Sitting next to someone as you both work on the assignment, working through any problems you have as a group</a:t>
-            </a:r>
-          </a:p>
-        </p:txBody>
-      </p:sp>
+              <a:rPr lang="en" sz="1600"/>
+              <a:t>method</a:t>
+            </a:r>
+            <a:endParaRPr sz="1600"/>
+          </a:p>
+        </p:txBody>
+      </p:sp>
+      <p:sp>
+        <p:nvSpPr>
+          <p:cNvPr id="144" name="Google Shape;144;p27"/>
+          <p:cNvSpPr txBox="1"/>
+          <p:nvPr/>
+        </p:nvSpPr>
+        <p:spPr>
+          <a:xfrm>
+            <a:off x="7332350" y="4024275"/>
+            <a:ext cx="1347300" cy="870600"/>
+          </a:xfrm>
+          <a:prstGeom prst="rect">
+            <a:avLst/>
+          </a:prstGeom>
+          <a:solidFill>
+            <a:srgbClr val="F9CB9C"/>
+          </a:solidFill>
+          <a:ln w="19050" cap="flat" cmpd="sng">
+            <a:solidFill>
+              <a:srgbClr val="000000"/>
+            </a:solidFill>
+            <a:prstDash val="solid"/>
+            <a:round/>
+            <a:headEnd type="none" w="sm" len="sm"/>
+            <a:tailEnd type="none" w="sm" len="sm"/>
+          </a:ln>
+        </p:spPr>
+        <p:txBody>
+          <a:bodyPr spcFirstLastPara="1" wrap="square" lIns="91425" tIns="91425" rIns="91425" bIns="91425" anchor="t" anchorCtr="0">
+            <a:noAutofit/>
+          </a:bodyPr>
+          <a:lstStyle/>
+          <a:p>
+            <a:pPr>
+              <a:spcBef>
+                <a:spcPts val="0"/>
+              </a:spcBef>
+              <a:spcAft>
+                <a:spcPts val="0"/>
+              </a:spcAft>
+            </a:pPr>
+            <a:r>
+              <a:rPr lang="en" sz="1600"/>
+              <a:t>Step Return (Out)</a:t>
+            </a:r>
+            <a:endParaRPr sz="1600"/>
+          </a:p>
+        </p:txBody>
+      </p:sp>
+      <p:cxnSp>
+        <p:nvCxnSpPr>
+          <p:cNvPr id="145" name="Google Shape;145;p27"/>
+          <p:cNvCxnSpPr/>
+          <p:nvPr/>
+        </p:nvCxnSpPr>
+        <p:spPr>
+          <a:xfrm rot="10800000" flipH="1">
+            <a:off x="835875" y="2850375"/>
+            <a:ext cx="1080000" cy="1315200"/>
+          </a:xfrm>
+          <a:prstGeom prst="straightConnector1">
+            <a:avLst/>
+          </a:prstGeom>
+          <a:noFill/>
+          <a:ln w="76200" cap="flat" cmpd="sng">
+            <a:solidFill>
+              <a:schemeClr val="dk2"/>
+            </a:solidFill>
+            <a:prstDash val="solid"/>
+            <a:round/>
+            <a:headEnd type="none" w="med" len="med"/>
+            <a:tailEnd type="triangle" w="med" len="med"/>
+          </a:ln>
+        </p:spPr>
+      </p:cxnSp>
+      <p:cxnSp>
+        <p:nvCxnSpPr>
+          <p:cNvPr id="146" name="Google Shape;146;p27"/>
+          <p:cNvCxnSpPr>
+            <a:stCxn id="142" idx="0"/>
+          </p:cNvCxnSpPr>
+          <p:nvPr/>
+        </p:nvCxnSpPr>
+        <p:spPr>
+          <a:xfrm rot="10800000">
+            <a:off x="3639100" y="2721675"/>
+            <a:ext cx="51000" cy="1443900"/>
+          </a:xfrm>
+          <a:prstGeom prst="straightConnector1">
+            <a:avLst/>
+          </a:prstGeom>
+          <a:noFill/>
+          <a:ln w="76200" cap="flat" cmpd="sng">
+            <a:solidFill>
+              <a:schemeClr val="dk2"/>
+            </a:solidFill>
+            <a:prstDash val="solid"/>
+            <a:round/>
+            <a:headEnd type="none" w="med" len="med"/>
+            <a:tailEnd type="triangle" w="med" len="med"/>
+          </a:ln>
+        </p:spPr>
+      </p:cxnSp>
+      <p:cxnSp>
+        <p:nvCxnSpPr>
+          <p:cNvPr id="147" name="Google Shape;147;p27"/>
+          <p:cNvCxnSpPr>
+            <a:stCxn id="141" idx="0"/>
+          </p:cNvCxnSpPr>
+          <p:nvPr/>
+        </p:nvCxnSpPr>
+        <p:spPr>
+          <a:xfrm rot="10800000" flipH="1">
+            <a:off x="2288475" y="2824575"/>
+            <a:ext cx="579000" cy="1341000"/>
+          </a:xfrm>
+          <a:prstGeom prst="straightConnector1">
+            <a:avLst/>
+          </a:prstGeom>
+          <a:noFill/>
+          <a:ln w="76200" cap="flat" cmpd="sng">
+            <a:solidFill>
+              <a:schemeClr val="dk2"/>
+            </a:solidFill>
+            <a:prstDash val="solid"/>
+            <a:round/>
+            <a:headEnd type="none" w="med" len="med"/>
+            <a:tailEnd type="triangle" w="med" len="med"/>
+          </a:ln>
+        </p:spPr>
+      </p:cxnSp>
+      <p:cxnSp>
+        <p:nvCxnSpPr>
+          <p:cNvPr id="148" name="Google Shape;148;p27"/>
+          <p:cNvCxnSpPr>
+            <a:stCxn id="137" idx="0"/>
+          </p:cNvCxnSpPr>
+          <p:nvPr/>
+        </p:nvCxnSpPr>
+        <p:spPr>
+          <a:xfrm rot="10800000">
+            <a:off x="5027900" y="2811675"/>
+            <a:ext cx="289500" cy="1173900"/>
+          </a:xfrm>
+          <a:prstGeom prst="straightConnector1">
+            <a:avLst/>
+          </a:prstGeom>
+          <a:noFill/>
+          <a:ln w="76200" cap="flat" cmpd="sng">
+            <a:solidFill>
+              <a:schemeClr val="dk2"/>
+            </a:solidFill>
+            <a:prstDash val="solid"/>
+            <a:round/>
+            <a:headEnd type="none" w="med" len="med"/>
+            <a:tailEnd type="triangle" w="med" len="med"/>
+          </a:ln>
+        </p:spPr>
+      </p:cxnSp>
+      <p:cxnSp>
+        <p:nvCxnSpPr>
+          <p:cNvPr id="149" name="Google Shape;149;p27"/>
+          <p:cNvCxnSpPr>
+            <a:stCxn id="143" idx="0"/>
+          </p:cNvCxnSpPr>
+          <p:nvPr/>
+        </p:nvCxnSpPr>
+        <p:spPr>
+          <a:xfrm rot="10800000">
+            <a:off x="5767450" y="2666175"/>
+            <a:ext cx="808200" cy="1319400"/>
+          </a:xfrm>
+          <a:prstGeom prst="straightConnector1">
+            <a:avLst/>
+          </a:prstGeom>
+          <a:noFill/>
+          <a:ln w="76200" cap="flat" cmpd="sng">
+            <a:solidFill>
+              <a:schemeClr val="dk2"/>
+            </a:solidFill>
+            <a:prstDash val="solid"/>
+            <a:round/>
+            <a:headEnd type="none" w="med" len="med"/>
+            <a:tailEnd type="triangle" w="med" len="med"/>
+          </a:ln>
+        </p:spPr>
+      </p:cxnSp>
+      <p:cxnSp>
+        <p:nvCxnSpPr>
+          <p:cNvPr id="150" name="Google Shape;150;p27"/>
+          <p:cNvCxnSpPr>
+            <a:stCxn id="144" idx="0"/>
+          </p:cNvCxnSpPr>
+          <p:nvPr/>
+        </p:nvCxnSpPr>
+        <p:spPr>
+          <a:xfrm rot="10800000">
+            <a:off x="6621500" y="2740575"/>
+            <a:ext cx="1384500" cy="1283700"/>
+          </a:xfrm>
+          <a:prstGeom prst="straightConnector1">
+            <a:avLst/>
+          </a:prstGeom>
+          <a:noFill/>
+          <a:ln w="76200" cap="flat" cmpd="sng">
+            <a:solidFill>
+              <a:schemeClr val="dk2"/>
+            </a:solidFill>
+            <a:prstDash val="solid"/>
+            <a:round/>
+            <a:headEnd type="none" w="med" len="med"/>
+            <a:tailEnd type="triangle" w="med" len="med"/>
+          </a:ln>
+        </p:spPr>
+      </p:cxnSp>
     </p:spTree>
-    <p:extLst>
-      <p:ext uri="{BB962C8B-B14F-4D97-AF65-F5344CB8AC3E}">
-        <p14:creationId xmlns:p14="http://schemas.microsoft.com/office/powerpoint/2010/main" val="3608411847"/>
-      </p:ext>
-    </p:extLst>
+  </p:cSld>
+  <p:clrMapOvr>
+    <a:masterClrMapping/>
+  </p:clrMapOvr>
+</p:sld>
+</file>
+
+<file path=ppt/slides/slide63.xml><?xml version="1.0" encoding="utf-8"?>
+<p:sld xmlns:a="http://schemas.openxmlformats.org/drawingml/2006/main" xmlns:r="http://schemas.openxmlformats.org/officeDocument/2006/relationships" xmlns:p="http://schemas.openxmlformats.org/presentationml/2006/main">
+  <p:cSld>
+    <p:spTree>
+      <p:nvGrpSpPr>
+        <p:cNvPr id="1" name="Shape 154"/>
+        <p:cNvGrpSpPr/>
+        <p:nvPr/>
+      </p:nvGrpSpPr>
+      <p:grpSpPr>
+        <a:xfrm>
+          <a:off x="0" y="0"/>
+          <a:ext cx="0" cy="0"/>
+          <a:chOff x="0" y="0"/>
+          <a:chExt cx="0" cy="0"/>
+        </a:xfrm>
+      </p:grpSpPr>
+      <p:sp>
+        <p:nvSpPr>
+          <p:cNvPr id="155" name="Google Shape;155;p28"/>
+          <p:cNvSpPr txBox="1">
+            <a:spLocks noGrp="1"/>
+          </p:cNvSpPr>
+          <p:nvPr>
+            <p:ph type="title"/>
+          </p:nvPr>
+        </p:nvSpPr>
+        <p:spPr>
+          <a:xfrm>
+            <a:off x="179671" y="152400"/>
+            <a:ext cx="8636100" cy="817200"/>
+          </a:xfrm>
+          <a:prstGeom prst="rect">
+            <a:avLst/>
+          </a:prstGeom>
+        </p:spPr>
+        <p:txBody>
+          <a:bodyPr spcFirstLastPara="1" vert="horz" wrap="square" lIns="91425" tIns="91425" rIns="91425" bIns="91425" rtlCol="0" anchor="b" anchorCtr="0">
+            <a:noAutofit/>
+          </a:bodyPr>
+          <a:lstStyle/>
+          <a:p>
+            <a:r>
+              <a:rPr lang="en" sz="2400" dirty="0">
+                <a:solidFill>
+                  <a:srgbClr val="840629"/>
+                </a:solidFill>
+              </a:rPr>
+              <a:t>Ending on a serious note... </a:t>
+            </a:r>
+            <a:endParaRPr sz="2400" dirty="0">
+              <a:solidFill>
+                <a:srgbClr val="840629"/>
+              </a:solidFill>
+            </a:endParaRPr>
+          </a:p>
+        </p:txBody>
+      </p:sp>
+      <p:sp>
+        <p:nvSpPr>
+          <p:cNvPr id="156" name="Google Shape;156;p28"/>
+          <p:cNvSpPr txBox="1"/>
+          <p:nvPr/>
+        </p:nvSpPr>
+        <p:spPr>
+          <a:xfrm>
+            <a:off x="317343" y="587829"/>
+            <a:ext cx="8452800" cy="4145100"/>
+          </a:xfrm>
+          <a:prstGeom prst="rect">
+            <a:avLst/>
+          </a:prstGeom>
+          <a:noFill/>
+          <a:ln>
+            <a:noFill/>
+          </a:ln>
+        </p:spPr>
+        <p:txBody>
+          <a:bodyPr spcFirstLastPara="1" wrap="square" lIns="91425" tIns="91425" rIns="91425" bIns="91425" anchor="t" anchorCtr="0">
+            <a:noAutofit/>
+          </a:bodyPr>
+          <a:lstStyle/>
+          <a:p>
+            <a:pPr>
+              <a:spcBef>
+                <a:spcPts val="600"/>
+              </a:spcBef>
+              <a:spcAft>
+                <a:spcPts val="0"/>
+              </a:spcAft>
+              <a:buClr>
+                <a:schemeClr val="dk1"/>
+              </a:buClr>
+              <a:buSzPts val="1100"/>
+            </a:pPr>
+            <a:endParaRPr dirty="0">
+              <a:solidFill>
+                <a:schemeClr val="dk1"/>
+              </a:solidFill>
+              <a:highlight>
+                <a:srgbClr val="FFFFFF"/>
+              </a:highlight>
+            </a:endParaRPr>
+          </a:p>
+          <a:p>
+            <a:pPr algn="ctr">
+              <a:spcBef>
+                <a:spcPts val="600"/>
+              </a:spcBef>
+              <a:spcAft>
+                <a:spcPts val="0"/>
+              </a:spcAft>
+              <a:buClr>
+                <a:schemeClr val="dk1"/>
+              </a:buClr>
+              <a:buSzPts val="1100"/>
+            </a:pPr>
+            <a:r>
+              <a:rPr lang="en" dirty="0">
+                <a:solidFill>
+                  <a:schemeClr val="dk1"/>
+                </a:solidFill>
+                <a:highlight>
+                  <a:srgbClr val="FFFFFF"/>
+                </a:highlight>
+              </a:rPr>
+              <a:t>“Since the pandemic started, depression and anxiety have become rampant.</a:t>
+            </a:r>
+            <a:br>
+              <a:rPr lang="en" dirty="0">
+                <a:solidFill>
+                  <a:schemeClr val="dk1"/>
+                </a:solidFill>
+                <a:highlight>
+                  <a:srgbClr val="FFFFFF"/>
+                </a:highlight>
+              </a:rPr>
+            </a:br>
+            <a:r>
+              <a:rPr lang="en" dirty="0">
+                <a:solidFill>
+                  <a:schemeClr val="dk1"/>
+                </a:solidFill>
+                <a:highlight>
+                  <a:srgbClr val="FFFFFF"/>
+                </a:highlight>
+              </a:rPr>
+              <a:t> </a:t>
+            </a:r>
+            <a:r>
+              <a:rPr lang="en" b="1" dirty="0">
+                <a:solidFill>
+                  <a:schemeClr val="dk1"/>
+                </a:solidFill>
+                <a:highlight>
+                  <a:srgbClr val="FFFFFF"/>
+                </a:highlight>
+              </a:rPr>
+              <a:t>One in four young adults has recently thought about killing themselves</a:t>
+            </a:r>
+            <a:r>
+              <a:rPr lang="en" dirty="0">
+                <a:solidFill>
+                  <a:schemeClr val="dk1"/>
+                </a:solidFill>
+                <a:highlight>
+                  <a:srgbClr val="FFFFFF"/>
+                </a:highlight>
+              </a:rPr>
+              <a:t>, according to a Centers for Disease Control and Prevention survey that has alarmed mental health experts.” - </a:t>
+            </a:r>
+            <a:r>
+              <a:rPr lang="en" u="sng" dirty="0">
+                <a:solidFill>
+                  <a:schemeClr val="hlink"/>
+                </a:solidFill>
+                <a:highlight>
+                  <a:srgbClr val="FFFFFF"/>
+                </a:highlight>
+                <a:hlinkClick r:id="rId3"/>
+              </a:rPr>
+              <a:t>Washington Post</a:t>
+            </a:r>
+            <a:endParaRPr dirty="0">
+              <a:solidFill>
+                <a:schemeClr val="dk1"/>
+              </a:solidFill>
+              <a:highlight>
+                <a:srgbClr val="FFFFFF"/>
+              </a:highlight>
+            </a:endParaRPr>
+          </a:p>
+          <a:p>
+            <a:pPr>
+              <a:spcBef>
+                <a:spcPts val="600"/>
+              </a:spcBef>
+              <a:spcAft>
+                <a:spcPts val="0"/>
+              </a:spcAft>
+              <a:buClr>
+                <a:schemeClr val="dk1"/>
+              </a:buClr>
+              <a:buSzPts val="1100"/>
+            </a:pPr>
+            <a:endParaRPr dirty="0">
+              <a:solidFill>
+                <a:schemeClr val="dk1"/>
+              </a:solidFill>
+              <a:highlight>
+                <a:srgbClr val="FFFFFF"/>
+              </a:highlight>
+            </a:endParaRPr>
+          </a:p>
+          <a:p>
+            <a:pPr>
+              <a:spcBef>
+                <a:spcPts val="600"/>
+              </a:spcBef>
+              <a:spcAft>
+                <a:spcPts val="0"/>
+              </a:spcAft>
+              <a:buClr>
+                <a:schemeClr val="dk1"/>
+              </a:buClr>
+              <a:buSzPts val="1100"/>
+            </a:pPr>
+            <a:endParaRPr dirty="0">
+              <a:solidFill>
+                <a:schemeClr val="dk1"/>
+              </a:solidFill>
+              <a:highlight>
+                <a:srgbClr val="FFFFFF"/>
+              </a:highlight>
+            </a:endParaRPr>
+          </a:p>
+          <a:p>
+            <a:pPr>
+              <a:spcBef>
+                <a:spcPts val="600"/>
+              </a:spcBef>
+              <a:spcAft>
+                <a:spcPts val="0"/>
+              </a:spcAft>
+              <a:buClr>
+                <a:schemeClr val="dk1"/>
+              </a:buClr>
+              <a:buSzPts val="1100"/>
+            </a:pPr>
+            <a:r>
+              <a:rPr lang="en" dirty="0">
+                <a:solidFill>
+                  <a:schemeClr val="dk1"/>
+                </a:solidFill>
+                <a:highlight>
+                  <a:srgbClr val="FFFFFF"/>
+                </a:highlight>
+              </a:rPr>
+              <a:t>This is another tough year.  It’s Ok not to be Ok.  We want to support you.  </a:t>
+            </a:r>
+            <a:endParaRPr dirty="0">
+              <a:solidFill>
+                <a:schemeClr val="dk1"/>
+              </a:solidFill>
+              <a:highlight>
+                <a:srgbClr val="FFFFFF"/>
+              </a:highlight>
+            </a:endParaRPr>
+          </a:p>
+          <a:p>
+            <a:pPr>
+              <a:spcBef>
+                <a:spcPts val="600"/>
+              </a:spcBef>
+              <a:spcAft>
+                <a:spcPts val="0"/>
+              </a:spcAft>
+              <a:buClr>
+                <a:schemeClr val="dk1"/>
+              </a:buClr>
+              <a:buSzPts val="1100"/>
+            </a:pPr>
+            <a:endParaRPr dirty="0">
+              <a:solidFill>
+                <a:schemeClr val="dk1"/>
+              </a:solidFill>
+              <a:highlight>
+                <a:srgbClr val="FFFFFF"/>
+              </a:highlight>
+            </a:endParaRPr>
+          </a:p>
+          <a:p>
+            <a:pPr>
+              <a:spcBef>
+                <a:spcPts val="600"/>
+              </a:spcBef>
+              <a:spcAft>
+                <a:spcPts val="0"/>
+              </a:spcAft>
+              <a:buClr>
+                <a:schemeClr val="dk1"/>
+              </a:buClr>
+              <a:buSzPts val="1100"/>
+            </a:pPr>
+            <a:r>
+              <a:rPr lang="en" dirty="0">
+                <a:solidFill>
+                  <a:schemeClr val="dk1"/>
+                </a:solidFill>
+                <a:highlight>
+                  <a:srgbClr val="FFFFFF"/>
+                </a:highlight>
+              </a:rPr>
+              <a:t>If you are in a dark place, please reach out.</a:t>
+            </a:r>
+            <a:endParaRPr dirty="0">
+              <a:solidFill>
+                <a:schemeClr val="dk1"/>
+              </a:solidFill>
+              <a:highlight>
+                <a:srgbClr val="FFFFFF"/>
+              </a:highlight>
+            </a:endParaRPr>
+          </a:p>
+        </p:txBody>
+      </p:sp>
+      <p:sp>
+        <p:nvSpPr>
+          <p:cNvPr id="5" name="TextBox 4">
+            <a:extLst>
+              <a:ext uri="{FF2B5EF4-FFF2-40B4-BE49-F238E27FC236}">
+                <a16:creationId xmlns:a16="http://schemas.microsoft.com/office/drawing/2014/main" id="{BE2ED63F-A928-434F-811E-1485323762CD}"/>
+              </a:ext>
+            </a:extLst>
+          </p:cNvPr>
+          <p:cNvSpPr txBox="1"/>
+          <p:nvPr/>
+        </p:nvSpPr>
+        <p:spPr>
+          <a:xfrm>
+            <a:off x="271321" y="4732929"/>
+            <a:ext cx="8693008" cy="1754326"/>
+          </a:xfrm>
+          <a:prstGeom prst="rect">
+            <a:avLst/>
+          </a:prstGeom>
+          <a:noFill/>
+        </p:spPr>
+        <p:txBody>
+          <a:bodyPr wrap="square">
+            <a:spAutoFit/>
+          </a:bodyPr>
+          <a:lstStyle/>
+          <a:p>
+            <a:pPr marL="0" lvl="0" indent="0" algn="l" rtl="0">
+              <a:spcBef>
+                <a:spcPts val="0"/>
+              </a:spcBef>
+              <a:spcAft>
+                <a:spcPts val="0"/>
+              </a:spcAft>
+              <a:buClr>
+                <a:schemeClr val="dk1"/>
+              </a:buClr>
+              <a:buSzPts val="1100"/>
+              <a:buFont typeface="Arial"/>
+              <a:buNone/>
+            </a:pPr>
+            <a:r>
+              <a:rPr lang="en-US" sz="1800" dirty="0">
+                <a:solidFill>
+                  <a:srgbClr val="7D7D7D"/>
+                </a:solidFill>
+                <a:highlight>
+                  <a:srgbClr val="FFFFFF"/>
+                </a:highlight>
+              </a:rPr>
+              <a:t>Students can access care by calling the main SCC number (</a:t>
+            </a:r>
+            <a:r>
+              <a:rPr lang="en-US" sz="1800" b="1" dirty="0">
+                <a:solidFill>
+                  <a:srgbClr val="7D7D7D"/>
+                </a:solidFill>
+                <a:highlight>
+                  <a:srgbClr val="FFFFFF"/>
+                </a:highlight>
+              </a:rPr>
+              <a:t>812-877-8537) or by emailing us at </a:t>
+            </a:r>
+            <a:r>
+              <a:rPr lang="en-US" sz="1800" b="1" dirty="0">
+                <a:solidFill>
+                  <a:srgbClr val="FF7336"/>
+                </a:solidFill>
+                <a:highlight>
+                  <a:srgbClr val="FFFFFF"/>
+                </a:highlight>
+              </a:rPr>
+              <a:t>counselingcenter@rose-hulman.edu</a:t>
+            </a:r>
+            <a:r>
+              <a:rPr lang="en-US" sz="1800" b="1" dirty="0">
+                <a:solidFill>
+                  <a:srgbClr val="7D7D7D"/>
+                </a:solidFill>
+                <a:highlight>
+                  <a:srgbClr val="FFFFFF"/>
+                </a:highlight>
+              </a:rPr>
+              <a:t>.</a:t>
+            </a:r>
+            <a:r>
+              <a:rPr lang="en-US" sz="1800" dirty="0">
+                <a:solidFill>
+                  <a:srgbClr val="7D7D7D"/>
+                </a:solidFill>
+                <a:highlight>
+                  <a:srgbClr val="FFFFFF"/>
+                </a:highlight>
+              </a:rPr>
+              <a:t> Staff will respond to messages on </a:t>
+            </a:r>
+            <a:r>
+              <a:rPr lang="en-US" sz="1800" b="1" dirty="0">
+                <a:solidFill>
+                  <a:srgbClr val="7D7D7D"/>
+                </a:solidFill>
+                <a:highlight>
+                  <a:srgbClr val="FFFFFF"/>
+                </a:highlight>
+              </a:rPr>
+              <a:t>Monday-Friday  8AM-5PM </a:t>
+            </a:r>
+            <a:r>
+              <a:rPr lang="en-US" sz="1800" dirty="0">
+                <a:solidFill>
+                  <a:srgbClr val="7D7D7D"/>
+                </a:solidFill>
+                <a:highlight>
+                  <a:srgbClr val="FFFFFF"/>
+                </a:highlight>
+              </a:rPr>
+              <a:t>when</a:t>
+            </a:r>
+            <a:r>
+              <a:rPr lang="en-US" sz="1800" b="1" dirty="0">
+                <a:solidFill>
+                  <a:srgbClr val="7D7D7D"/>
+                </a:solidFill>
+                <a:highlight>
+                  <a:srgbClr val="FFFFFF"/>
+                </a:highlight>
+              </a:rPr>
+              <a:t> </a:t>
+            </a:r>
+            <a:r>
+              <a:rPr lang="en-US" sz="1800" dirty="0">
+                <a:solidFill>
+                  <a:srgbClr val="7D7D7D"/>
+                </a:solidFill>
+                <a:highlight>
+                  <a:srgbClr val="FFFFFF"/>
+                </a:highlight>
+              </a:rPr>
+              <a:t>we are not in session with other students.​​​​​​​  </a:t>
+            </a:r>
+            <a:r>
+              <a:rPr lang="en-US" sz="1800" b="1" dirty="0">
+                <a:solidFill>
+                  <a:srgbClr val="7D7D7D"/>
+                </a:solidFill>
+                <a:highlight>
+                  <a:srgbClr val="FFFFFF"/>
+                </a:highlight>
+              </a:rPr>
+              <a:t>If immediate care is needed after-hours and/or during the day when clinicians are in session, please call Rose-Hulman Public Safety at 812-877-8590 or the Res-Life On Call at 812-877-8999.</a:t>
+            </a:r>
+            <a:endParaRPr lang="en-US" dirty="0">
+              <a:solidFill>
+                <a:schemeClr val="dk1"/>
+              </a:solidFill>
+            </a:endParaRPr>
+          </a:p>
+        </p:txBody>
+      </p:sp>
+    </p:spTree>
   </p:cSld>
   <p:clrMapOvr>
     <a:masterClrMapping/>
